--- a/Final Presentation.pptx
+++ b/Final Presentation.pptx
@@ -5,35 +5,36 @@
     <p:sldMasterId id="2147483869" r:id="rId1"/>
   </p:sldMasterIdLst>
   <p:notesMasterIdLst>
-    <p:notesMasterId r:id="rId28"/>
+    <p:notesMasterId r:id="rId29"/>
   </p:notesMasterIdLst>
   <p:sldIdLst>
     <p:sldId id="259" r:id="rId2"/>
     <p:sldId id="272" r:id="rId3"/>
-    <p:sldId id="295" r:id="rId4"/>
-    <p:sldId id="261" r:id="rId5"/>
-    <p:sldId id="274" r:id="rId6"/>
-    <p:sldId id="285" r:id="rId7"/>
-    <p:sldId id="262" r:id="rId8"/>
-    <p:sldId id="264" r:id="rId9"/>
-    <p:sldId id="279" r:id="rId10"/>
-    <p:sldId id="267" r:id="rId11"/>
-    <p:sldId id="286" r:id="rId12"/>
-    <p:sldId id="289" r:id="rId13"/>
-    <p:sldId id="291" r:id="rId14"/>
-    <p:sldId id="290" r:id="rId15"/>
-    <p:sldId id="288" r:id="rId16"/>
-    <p:sldId id="284" r:id="rId17"/>
-    <p:sldId id="283" r:id="rId18"/>
-    <p:sldId id="265" r:id="rId19"/>
-    <p:sldId id="292" r:id="rId20"/>
-    <p:sldId id="269" r:id="rId21"/>
-    <p:sldId id="281" r:id="rId22"/>
-    <p:sldId id="294" r:id="rId23"/>
-    <p:sldId id="270" r:id="rId24"/>
-    <p:sldId id="271" r:id="rId25"/>
-    <p:sldId id="282" r:id="rId26"/>
-    <p:sldId id="293" r:id="rId27"/>
+    <p:sldId id="297" r:id="rId4"/>
+    <p:sldId id="296" r:id="rId5"/>
+    <p:sldId id="261" r:id="rId6"/>
+    <p:sldId id="274" r:id="rId7"/>
+    <p:sldId id="285" r:id="rId8"/>
+    <p:sldId id="262" r:id="rId9"/>
+    <p:sldId id="264" r:id="rId10"/>
+    <p:sldId id="279" r:id="rId11"/>
+    <p:sldId id="267" r:id="rId12"/>
+    <p:sldId id="286" r:id="rId13"/>
+    <p:sldId id="289" r:id="rId14"/>
+    <p:sldId id="291" r:id="rId15"/>
+    <p:sldId id="290" r:id="rId16"/>
+    <p:sldId id="288" r:id="rId17"/>
+    <p:sldId id="284" r:id="rId18"/>
+    <p:sldId id="283" r:id="rId19"/>
+    <p:sldId id="265" r:id="rId20"/>
+    <p:sldId id="292" r:id="rId21"/>
+    <p:sldId id="269" r:id="rId22"/>
+    <p:sldId id="281" r:id="rId23"/>
+    <p:sldId id="294" r:id="rId24"/>
+    <p:sldId id="270" r:id="rId25"/>
+    <p:sldId id="271" r:id="rId26"/>
+    <p:sldId id="282" r:id="rId27"/>
+    <p:sldId id="293" r:id="rId28"/>
   </p:sldIdLst>
   <p:sldSz cx="12192000" cy="6858000"/>
   <p:notesSz cx="6858000" cy="9144000"/>
@@ -140,10 +141,22 @@
 </p:presentation>
 </file>
 
+<file path=ppt/commentAuthors.xml><?xml version="1.0" encoding="utf-8"?>
+<p:cmAuthorLst xmlns:a="http://schemas.openxmlformats.org/drawingml/2006/main" xmlns:r="http://schemas.openxmlformats.org/officeDocument/2006/relationships" xmlns:p="http://schemas.openxmlformats.org/presentationml/2006/main">
+  <p:cmAuthor id="1" name="Sabrina De Oliveira" initials="SDO" lastIdx="3" clrIdx="0">
+    <p:extLst>
+      <p:ext uri="{19B8F6BF-5375-455C-9EA6-DF929625EA0E}">
+        <p15:presenceInfo xmlns:p15="http://schemas.microsoft.com/office/powerpoint/2012/main" userId="34420f5773a88cdb" providerId="Windows Live"/>
+      </p:ext>
+    </p:extLst>
+  </p:cmAuthor>
+</p:cmAuthorLst>
+</file>
+
 <file path=ppt/revisionInfo.xml><?xml version="1.0" encoding="utf-8"?>
 <p1510:revInfo xmlns:a="http://schemas.openxmlformats.org/drawingml/2006/main" xmlns:r="http://schemas.openxmlformats.org/officeDocument/2006/relationships" xmlns:p1510="http://schemas.microsoft.com/office/powerpoint/2015/10/main">
   <p1510:revLst>
-    <p1510:client id="{C6873D3A-5142-4B27-9846-7DCB74605CCD}" v="131" dt="2020-06-20T18:30:29.177"/>
+    <p1510:client id="{C6873D3A-5142-4B27-9846-7DCB74605CCD}" v="276" dt="2020-06-22T09:07:17.536"/>
   </p1510:revLst>
 </p1510:revInfo>
 </file>
@@ -4931,7 +4944,7 @@
   <pc:docChgLst>
     <pc:chgData name="Sabrina De Oliveira" userId="34420f5773a88cdb" providerId="LiveId" clId="{C6873D3A-5142-4B27-9846-7DCB74605CCD}"/>
     <pc:docChg chg="undo redo custSel addSld delSld modSld sldOrd">
-      <pc:chgData name="Sabrina De Oliveira" userId="34420f5773a88cdb" providerId="LiveId" clId="{C6873D3A-5142-4B27-9846-7DCB74605CCD}" dt="2020-06-20T18:30:29.177" v="906"/>
+      <pc:chgData name="Sabrina De Oliveira" userId="34420f5773a88cdb" providerId="LiveId" clId="{C6873D3A-5142-4B27-9846-7DCB74605CCD}" dt="2020-06-22T09:07:19.504" v="1344" actId="1076"/>
       <pc:docMkLst>
         <pc:docMk/>
       </pc:docMkLst>
@@ -5093,7 +5106,7 @@
         </pc:picChg>
       </pc:sldChg>
       <pc:sldChg chg="addSp delSp modSp mod modAnim">
-        <pc:chgData name="Sabrina De Oliveira" userId="34420f5773a88cdb" providerId="LiveId" clId="{C6873D3A-5142-4B27-9846-7DCB74605CCD}" dt="2020-06-20T17:53:16.132" v="345"/>
+        <pc:chgData name="Sabrina De Oliveira" userId="34420f5773a88cdb" providerId="LiveId" clId="{C6873D3A-5142-4B27-9846-7DCB74605CCD}" dt="2020-06-21T10:14:01.115" v="910" actId="1035"/>
         <pc:sldMkLst>
           <pc:docMk/>
           <pc:sldMk cId="133257320" sldId="272"/>
@@ -5171,7 +5184,7 @@
           </ac:picMkLst>
         </pc:picChg>
         <pc:picChg chg="add mod">
-          <ac:chgData name="Sabrina De Oliveira" userId="34420f5773a88cdb" providerId="LiveId" clId="{C6873D3A-5142-4B27-9846-7DCB74605CCD}" dt="2020-06-20T17:53:09.815" v="344" actId="1076"/>
+          <ac:chgData name="Sabrina De Oliveira" userId="34420f5773a88cdb" providerId="LiveId" clId="{C6873D3A-5142-4B27-9846-7DCB74605CCD}" dt="2020-06-21T10:14:01.115" v="910" actId="1035"/>
           <ac:picMkLst>
             <pc:docMk/>
             <pc:sldMk cId="133257320" sldId="272"/>
@@ -5433,14 +5446,14 @@
           </ac:picMkLst>
         </pc:picChg>
       </pc:sldChg>
-      <pc:sldChg chg="addSp modSp add mod modAnim">
-        <pc:chgData name="Sabrina De Oliveira" userId="34420f5773a88cdb" providerId="LiveId" clId="{C6873D3A-5142-4B27-9846-7DCB74605CCD}" dt="2020-06-20T18:30:29.177" v="906"/>
+      <pc:sldChg chg="addSp delSp modSp add del mod addAnim delAnim modAnim addCm modCm">
+        <pc:chgData name="Sabrina De Oliveira" userId="34420f5773a88cdb" providerId="LiveId" clId="{C6873D3A-5142-4B27-9846-7DCB74605CCD}" dt="2020-06-21T18:08:09.539" v="1330" actId="2696"/>
         <pc:sldMkLst>
           <pc:docMk/>
           <pc:sldMk cId="1937555273" sldId="295"/>
         </pc:sldMkLst>
         <pc:spChg chg="add mod">
-          <ac:chgData name="Sabrina De Oliveira" userId="34420f5773a88cdb" providerId="LiveId" clId="{C6873D3A-5142-4B27-9846-7DCB74605CCD}" dt="2020-06-20T18:28:41.717" v="902" actId="5793"/>
+          <ac:chgData name="Sabrina De Oliveira" userId="34420f5773a88cdb" providerId="LiveId" clId="{C6873D3A-5142-4B27-9846-7DCB74605CCD}" dt="2020-06-21T17:41:28.733" v="947" actId="1076"/>
           <ac:spMkLst>
             <pc:docMk/>
             <pc:sldMk cId="1937555273" sldId="295"/>
@@ -5448,15 +5461,15 @@
           </ac:spMkLst>
         </pc:spChg>
         <pc:spChg chg="add mod">
-          <ac:chgData name="Sabrina De Oliveira" userId="34420f5773a88cdb" providerId="LiveId" clId="{C6873D3A-5142-4B27-9846-7DCB74605CCD}" dt="2020-06-20T18:28:38.313" v="900" actId="5793"/>
+          <ac:chgData name="Sabrina De Oliveira" userId="34420f5773a88cdb" providerId="LiveId" clId="{C6873D3A-5142-4B27-9846-7DCB74605CCD}" dt="2020-06-21T17:46:19.690" v="1014" actId="20577"/>
           <ac:spMkLst>
             <pc:docMk/>
             <pc:sldMk cId="1937555273" sldId="295"/>
             <ac:spMk id="3" creationId="{76B3B802-46C7-492A-89CE-354D1EC26B06}"/>
           </ac:spMkLst>
         </pc:spChg>
-        <pc:spChg chg="add mod">
-          <ac:chgData name="Sabrina De Oliveira" userId="34420f5773a88cdb" providerId="LiveId" clId="{C6873D3A-5142-4B27-9846-7DCB74605CCD}" dt="2020-06-20T18:24:18.898" v="791" actId="14"/>
+        <pc:spChg chg="add del mod">
+          <ac:chgData name="Sabrina De Oliveira" userId="34420f5773a88cdb" providerId="LiveId" clId="{C6873D3A-5142-4B27-9846-7DCB74605CCD}" dt="2020-06-21T17:43:44.624" v="962" actId="478"/>
           <ac:spMkLst>
             <pc:docMk/>
             <pc:sldMk cId="1937555273" sldId="295"/>
@@ -5464,15 +5477,15 @@
           </ac:spMkLst>
         </pc:spChg>
         <pc:spChg chg="add mod">
-          <ac:chgData name="Sabrina De Oliveira" userId="34420f5773a88cdb" providerId="LiveId" clId="{C6873D3A-5142-4B27-9846-7DCB74605CCD}" dt="2020-06-20T18:23:27.400" v="769" actId="20577"/>
+          <ac:chgData name="Sabrina De Oliveira" userId="34420f5773a88cdb" providerId="LiveId" clId="{C6873D3A-5142-4B27-9846-7DCB74605CCD}" dt="2020-06-21T17:44:06.656" v="963" actId="1076"/>
           <ac:spMkLst>
             <pc:docMk/>
             <pc:sldMk cId="1937555273" sldId="295"/>
             <ac:spMk id="5" creationId="{DA9EBC73-0320-40F0-9249-180391C46930}"/>
           </ac:spMkLst>
         </pc:spChg>
-        <pc:spChg chg="add mod">
-          <ac:chgData name="Sabrina De Oliveira" userId="34420f5773a88cdb" providerId="LiveId" clId="{C6873D3A-5142-4B27-9846-7DCB74605CCD}" dt="2020-06-20T18:23:47.545" v="781" actId="20577"/>
+        <pc:spChg chg="add mod ord">
+          <ac:chgData name="Sabrina De Oliveira" userId="34420f5773a88cdb" providerId="LiveId" clId="{C6873D3A-5142-4B27-9846-7DCB74605CCD}" dt="2020-06-21T17:46:21.632" v="1021" actId="167"/>
           <ac:spMkLst>
             <pc:docMk/>
             <pc:sldMk cId="1937555273" sldId="295"/>
@@ -5480,7 +5493,7 @@
           </ac:spMkLst>
         </pc:spChg>
         <pc:spChg chg="mod">
-          <ac:chgData name="Sabrina De Oliveira" userId="34420f5773a88cdb" providerId="LiveId" clId="{C6873D3A-5142-4B27-9846-7DCB74605CCD}" dt="2020-06-20T18:22:16.265" v="735" actId="1076"/>
+          <ac:chgData name="Sabrina De Oliveira" userId="34420f5773a88cdb" providerId="LiveId" clId="{C6873D3A-5142-4B27-9846-7DCB74605CCD}" dt="2020-06-21T17:41:28.733" v="947" actId="1076"/>
           <ac:spMkLst>
             <pc:docMk/>
             <pc:sldMk cId="1937555273" sldId="295"/>
@@ -5488,33 +5501,367 @@
           </ac:spMkLst>
         </pc:spChg>
         <pc:spChg chg="add mod">
-          <ac:chgData name="Sabrina De Oliveira" userId="34420f5773a88cdb" providerId="LiveId" clId="{C6873D3A-5142-4B27-9846-7DCB74605CCD}" dt="2020-06-20T18:24:40.225" v="794" actId="1037"/>
+          <ac:chgData name="Sabrina De Oliveira" userId="34420f5773a88cdb" providerId="LiveId" clId="{C6873D3A-5142-4B27-9846-7DCB74605CCD}" dt="2020-06-21T17:44:12.665" v="965" actId="1076"/>
           <ac:spMkLst>
             <pc:docMk/>
             <pc:sldMk cId="1937555273" sldId="295"/>
             <ac:spMk id="10" creationId="{E17FB63D-34FB-4D73-AE0E-F6207FF025B4}"/>
           </ac:spMkLst>
         </pc:spChg>
-        <pc:spChg chg="add mod">
-          <ac:chgData name="Sabrina De Oliveira" userId="34420f5773a88cdb" providerId="LiveId" clId="{C6873D3A-5142-4B27-9846-7DCB74605CCD}" dt="2020-06-20T18:24:35.857" v="793" actId="1035"/>
+        <pc:spChg chg="add del mod">
+          <ac:chgData name="Sabrina De Oliveira" userId="34420f5773a88cdb" providerId="LiveId" clId="{C6873D3A-5142-4B27-9846-7DCB74605CCD}" dt="2020-06-21T17:42:34.042" v="952" actId="478"/>
           <ac:spMkLst>
             <pc:docMk/>
             <pc:sldMk cId="1937555273" sldId="295"/>
             <ac:spMk id="11" creationId="{A3A0F4B9-DAF2-4771-8D7F-8E4B32682913}"/>
           </ac:spMkLst>
         </pc:spChg>
-        <pc:spChg chg="add mod">
-          <ac:chgData name="Sabrina De Oliveira" userId="34420f5773a88cdb" providerId="LiveId" clId="{C6873D3A-5142-4B27-9846-7DCB74605CCD}" dt="2020-06-20T18:27:43.716" v="892" actId="1036"/>
+        <pc:spChg chg="add del mod">
+          <ac:chgData name="Sabrina De Oliveira" userId="34420f5773a88cdb" providerId="LiveId" clId="{C6873D3A-5142-4B27-9846-7DCB74605CCD}" dt="2020-06-21T17:46:19.908" v="1015" actId="478"/>
           <ac:spMkLst>
             <pc:docMk/>
             <pc:sldMk cId="1937555273" sldId="295"/>
             <ac:spMk id="12" creationId="{552DB151-6A2F-49AF-A120-8FB391256C93}"/>
           </ac:spMkLst>
         </pc:spChg>
+        <pc:spChg chg="add mod">
+          <ac:chgData name="Sabrina De Oliveira" userId="34420f5773a88cdb" providerId="LiveId" clId="{C6873D3A-5142-4B27-9846-7DCB74605CCD}" dt="2020-06-21T17:46:20.905" v="1019" actId="1076"/>
+          <ac:spMkLst>
+            <pc:docMk/>
+            <pc:sldMk cId="1937555273" sldId="295"/>
+            <ac:spMk id="13" creationId="{8D66CB27-5D13-4881-A656-60D77C369836}"/>
+          </ac:spMkLst>
+        </pc:spChg>
+        <pc:spChg chg="add del mod">
+          <ac:chgData name="Sabrina De Oliveira" userId="34420f5773a88cdb" providerId="LiveId" clId="{C6873D3A-5142-4B27-9846-7DCB74605CCD}" dt="2020-06-21T17:46:19.097" v="1012"/>
+          <ac:spMkLst>
+            <pc:docMk/>
+            <pc:sldMk cId="1937555273" sldId="295"/>
+            <ac:spMk id="14" creationId="{DCD96FB3-DDD6-4694-9E58-0243C6AE704A}"/>
+          </ac:spMkLst>
+        </pc:spChg>
+      </pc:sldChg>
+      <pc:sldChg chg="addSp delSp modSp add mod delAnim modAnim addCm modCm">
+        <pc:chgData name="Sabrina De Oliveira" userId="34420f5773a88cdb" providerId="LiveId" clId="{C6873D3A-5142-4B27-9846-7DCB74605CCD}" dt="2020-06-21T18:07:45.496" v="1329"/>
+        <pc:sldMkLst>
+          <pc:docMk/>
+          <pc:sldMk cId="3354765331" sldId="296"/>
+        </pc:sldMkLst>
+        <pc:spChg chg="mod">
+          <ac:chgData name="Sabrina De Oliveira" userId="34420f5773a88cdb" providerId="LiveId" clId="{C6873D3A-5142-4B27-9846-7DCB74605CCD}" dt="2020-06-21T18:00:12.193" v="1207" actId="1076"/>
+          <ac:spMkLst>
+            <pc:docMk/>
+            <pc:sldMk cId="3354765331" sldId="296"/>
+            <ac:spMk id="2" creationId="{6402EAFF-5BBF-47EF-B3A6-5A04FB1E7179}"/>
+          </ac:spMkLst>
+        </pc:spChg>
+        <pc:spChg chg="mod">
+          <ac:chgData name="Sabrina De Oliveira" userId="34420f5773a88cdb" providerId="LiveId" clId="{C6873D3A-5142-4B27-9846-7DCB74605CCD}" dt="2020-06-21T17:50:07.893" v="1079" actId="1076"/>
+          <ac:spMkLst>
+            <pc:docMk/>
+            <pc:sldMk cId="3354765331" sldId="296"/>
+            <ac:spMk id="3" creationId="{76B3B802-46C7-492A-89CE-354D1EC26B06}"/>
+          </ac:spMkLst>
+        </pc:spChg>
+        <pc:spChg chg="mod">
+          <ac:chgData name="Sabrina De Oliveira" userId="34420f5773a88cdb" providerId="LiveId" clId="{C6873D3A-5142-4B27-9846-7DCB74605CCD}" dt="2020-06-21T18:00:47.496" v="1217" actId="1076"/>
+          <ac:spMkLst>
+            <pc:docMk/>
+            <pc:sldMk cId="3354765331" sldId="296"/>
+            <ac:spMk id="4" creationId="{C1BABD6E-8B7E-4613-9122-6410093DB068}"/>
+          </ac:spMkLst>
+        </pc:spChg>
+        <pc:spChg chg="del">
+          <ac:chgData name="Sabrina De Oliveira" userId="34420f5773a88cdb" providerId="LiveId" clId="{C6873D3A-5142-4B27-9846-7DCB74605CCD}" dt="2020-06-21T17:47:41.933" v="1031" actId="478"/>
+          <ac:spMkLst>
+            <pc:docMk/>
+            <pc:sldMk cId="3354765331" sldId="296"/>
+            <ac:spMk id="12" creationId="{552DB151-6A2F-49AF-A120-8FB391256C93}"/>
+          </ac:spMkLst>
+        </pc:spChg>
+        <pc:spChg chg="add mod">
+          <ac:chgData name="Sabrina De Oliveira" userId="34420f5773a88cdb" providerId="LiveId" clId="{C6873D3A-5142-4B27-9846-7DCB74605CCD}" dt="2020-06-21T17:50:16.565" v="1081" actId="1076"/>
+          <ac:spMkLst>
+            <pc:docMk/>
+            <pc:sldMk cId="3354765331" sldId="296"/>
+            <ac:spMk id="13" creationId="{F2EB26E8-E8F3-4E24-AB63-BB89D190810D}"/>
+          </ac:spMkLst>
+        </pc:spChg>
+        <pc:spChg chg="add mod">
+          <ac:chgData name="Sabrina De Oliveira" userId="34420f5773a88cdb" providerId="LiveId" clId="{C6873D3A-5142-4B27-9846-7DCB74605CCD}" dt="2020-06-21T17:53:18.888" v="1135" actId="14100"/>
+          <ac:spMkLst>
+            <pc:docMk/>
+            <pc:sldMk cId="3354765331" sldId="296"/>
+            <ac:spMk id="14" creationId="{712413A9-BD8F-4EF7-BCFB-2EEAB5D2D050}"/>
+          </ac:spMkLst>
+        </pc:spChg>
+        <pc:spChg chg="add mod">
+          <ac:chgData name="Sabrina De Oliveira" userId="34420f5773a88cdb" providerId="LiveId" clId="{C6873D3A-5142-4B27-9846-7DCB74605CCD}" dt="2020-06-21T17:56:17.029" v="1169" actId="1076"/>
+          <ac:spMkLst>
+            <pc:docMk/>
+            <pc:sldMk cId="3354765331" sldId="296"/>
+            <ac:spMk id="15" creationId="{696C82FE-699A-499D-9D11-159D3373301C}"/>
+          </ac:spMkLst>
+        </pc:spChg>
+        <pc:spChg chg="add mod">
+          <ac:chgData name="Sabrina De Oliveira" userId="34420f5773a88cdb" providerId="LiveId" clId="{C6873D3A-5142-4B27-9846-7DCB74605CCD}" dt="2020-06-21T17:57:25.309" v="1186" actId="1076"/>
+          <ac:spMkLst>
+            <pc:docMk/>
+            <pc:sldMk cId="3354765331" sldId="296"/>
+            <ac:spMk id="16" creationId="{CD02D10E-F0EA-4094-9710-B4B84338885C}"/>
+          </ac:spMkLst>
+        </pc:spChg>
+        <pc:spChg chg="add mod">
+          <ac:chgData name="Sabrina De Oliveira" userId="34420f5773a88cdb" providerId="LiveId" clId="{C6873D3A-5142-4B27-9846-7DCB74605CCD}" dt="2020-06-21T17:52:44.064" v="1123" actId="1076"/>
+          <ac:spMkLst>
+            <pc:docMk/>
+            <pc:sldMk cId="3354765331" sldId="296"/>
+            <ac:spMk id="20" creationId="{22827388-CAF9-4B04-ACF9-77F31EC61778}"/>
+          </ac:spMkLst>
+        </pc:spChg>
+        <pc:spChg chg="add mod">
+          <ac:chgData name="Sabrina De Oliveira" userId="34420f5773a88cdb" providerId="LiveId" clId="{C6873D3A-5142-4B27-9846-7DCB74605CCD}" dt="2020-06-21T17:53:21.353" v="1136" actId="1076"/>
+          <ac:spMkLst>
+            <pc:docMk/>
+            <pc:sldMk cId="3354765331" sldId="296"/>
+            <ac:spMk id="21" creationId="{814F6401-061D-4D22-BB9A-E463893C0872}"/>
+          </ac:spMkLst>
+        </pc:spChg>
+        <pc:spChg chg="add mod">
+          <ac:chgData name="Sabrina De Oliveira" userId="34420f5773a88cdb" providerId="LiveId" clId="{C6873D3A-5142-4B27-9846-7DCB74605CCD}" dt="2020-06-21T17:53:18.888" v="1135" actId="14100"/>
+          <ac:spMkLst>
+            <pc:docMk/>
+            <pc:sldMk cId="3354765331" sldId="296"/>
+            <ac:spMk id="22" creationId="{A3F87E38-857B-4CCA-95E2-D97355642C38}"/>
+          </ac:spMkLst>
+        </pc:spChg>
+        <pc:spChg chg="add mod">
+          <ac:chgData name="Sabrina De Oliveira" userId="34420f5773a88cdb" providerId="LiveId" clId="{C6873D3A-5142-4B27-9846-7DCB74605CCD}" dt="2020-06-21T17:59:53.896" v="1201" actId="1076"/>
+          <ac:spMkLst>
+            <pc:docMk/>
+            <pc:sldMk cId="3354765331" sldId="296"/>
+            <ac:spMk id="34" creationId="{7766B96A-FE3B-4AEC-B89B-4F7432A84171}"/>
+          </ac:spMkLst>
+        </pc:spChg>
+        <pc:spChg chg="add mod">
+          <ac:chgData name="Sabrina De Oliveira" userId="34420f5773a88cdb" providerId="LiveId" clId="{C6873D3A-5142-4B27-9846-7DCB74605CCD}" dt="2020-06-21T18:00:20.336" v="1208" actId="1076"/>
+          <ac:spMkLst>
+            <pc:docMk/>
+            <pc:sldMk cId="3354765331" sldId="296"/>
+            <ac:spMk id="35" creationId="{B66EFC42-E789-436C-BA37-C72D5B58F943}"/>
+          </ac:spMkLst>
+        </pc:spChg>
+        <pc:spChg chg="add mod">
+          <ac:chgData name="Sabrina De Oliveira" userId="34420f5773a88cdb" providerId="LiveId" clId="{C6873D3A-5142-4B27-9846-7DCB74605CCD}" dt="2020-06-21T18:02:49.914" v="1272" actId="1076"/>
+          <ac:spMkLst>
+            <pc:docMk/>
+            <pc:sldMk cId="3354765331" sldId="296"/>
+            <ac:spMk id="36" creationId="{21B19DAB-A7DA-4DBD-847A-DB3E4E2CDFB7}"/>
+          </ac:spMkLst>
+        </pc:spChg>
+        <pc:spChg chg="add mod">
+          <ac:chgData name="Sabrina De Oliveira" userId="34420f5773a88cdb" providerId="LiveId" clId="{C6873D3A-5142-4B27-9846-7DCB74605CCD}" dt="2020-06-21T18:06:15.326" v="1317" actId="14100"/>
+          <ac:spMkLst>
+            <pc:docMk/>
+            <pc:sldMk cId="3354765331" sldId="296"/>
+            <ac:spMk id="39" creationId="{161A6AEF-15A2-4DCD-89E9-7155DF288417}"/>
+          </ac:spMkLst>
+        </pc:spChg>
+        <pc:cxnChg chg="add mod">
+          <ac:chgData name="Sabrina De Oliveira" userId="34420f5773a88cdb" providerId="LiveId" clId="{C6873D3A-5142-4B27-9846-7DCB74605CCD}" dt="2020-06-21T17:59:24.900" v="1198" actId="13822"/>
+          <ac:cxnSpMkLst>
+            <pc:docMk/>
+            <pc:sldMk cId="3354765331" sldId="296"/>
+            <ac:cxnSpMk id="18" creationId="{0AE9FC56-AD3B-413C-B843-41A2F6282AEC}"/>
+          </ac:cxnSpMkLst>
+        </pc:cxnChg>
+        <pc:cxnChg chg="add del mod">
+          <ac:chgData name="Sabrina De Oliveira" userId="34420f5773a88cdb" providerId="LiveId" clId="{C6873D3A-5142-4B27-9846-7DCB74605CCD}" dt="2020-06-21T17:55:04.219" v="1151" actId="478"/>
+          <ac:cxnSpMkLst>
+            <pc:docMk/>
+            <pc:sldMk cId="3354765331" sldId="296"/>
+            <ac:cxnSpMk id="19" creationId="{A72E3C6A-8E79-4332-8B24-18428053B38D}"/>
+          </ac:cxnSpMkLst>
+        </pc:cxnChg>
+        <pc:cxnChg chg="add mod">
+          <ac:chgData name="Sabrina De Oliveira" userId="34420f5773a88cdb" providerId="LiveId" clId="{C6873D3A-5142-4B27-9846-7DCB74605CCD}" dt="2020-06-21T18:00:01.327" v="1205" actId="1076"/>
+          <ac:cxnSpMkLst>
+            <pc:docMk/>
+            <pc:sldMk cId="3354765331" sldId="296"/>
+            <ac:cxnSpMk id="23" creationId="{05A15E08-F6F4-4590-8396-7BE4493D400A}"/>
+          </ac:cxnSpMkLst>
+        </pc:cxnChg>
+        <pc:cxnChg chg="add mod">
+          <ac:chgData name="Sabrina De Oliveira" userId="34420f5773a88cdb" providerId="LiveId" clId="{C6873D3A-5142-4B27-9846-7DCB74605CCD}" dt="2020-06-21T17:58:59.063" v="1195" actId="13822"/>
+          <ac:cxnSpMkLst>
+            <pc:docMk/>
+            <pc:sldMk cId="3354765331" sldId="296"/>
+            <ac:cxnSpMk id="25" creationId="{E23C261B-02DC-47F8-B3EF-5CD082A19270}"/>
+          </ac:cxnSpMkLst>
+        </pc:cxnChg>
+        <pc:cxnChg chg="add del mod">
+          <ac:chgData name="Sabrina De Oliveira" userId="34420f5773a88cdb" providerId="LiveId" clId="{C6873D3A-5142-4B27-9846-7DCB74605CCD}" dt="2020-06-21T17:55:19.403" v="1156" actId="478"/>
+          <ac:cxnSpMkLst>
+            <pc:docMk/>
+            <pc:sldMk cId="3354765331" sldId="296"/>
+            <ac:cxnSpMk id="27" creationId="{9EDFB7E2-2346-4E07-AF4D-A78BEDC6A22A}"/>
+          </ac:cxnSpMkLst>
+        </pc:cxnChg>
+        <pc:cxnChg chg="add del mod">
+          <ac:chgData name="Sabrina De Oliveira" userId="34420f5773a88cdb" providerId="LiveId" clId="{C6873D3A-5142-4B27-9846-7DCB74605CCD}" dt="2020-06-21T17:55:32.710" v="1160" actId="478"/>
+          <ac:cxnSpMkLst>
+            <pc:docMk/>
+            <pc:sldMk cId="3354765331" sldId="296"/>
+            <ac:cxnSpMk id="28" creationId="{32E04402-5E8F-4425-84B2-8B0E0D9877C9}"/>
+          </ac:cxnSpMkLst>
+        </pc:cxnChg>
+        <pc:cxnChg chg="add mod">
+          <ac:chgData name="Sabrina De Oliveira" userId="34420f5773a88cdb" providerId="LiveId" clId="{C6873D3A-5142-4B27-9846-7DCB74605CCD}" dt="2020-06-21T17:59:24.900" v="1198" actId="13822"/>
+          <ac:cxnSpMkLst>
+            <pc:docMk/>
+            <pc:sldMk cId="3354765331" sldId="296"/>
+            <ac:cxnSpMk id="29" creationId="{EE5A6971-37D7-4976-A2E0-B723C92C5408}"/>
+          </ac:cxnSpMkLst>
+        </pc:cxnChg>
+        <pc:cxnChg chg="add mod">
+          <ac:chgData name="Sabrina De Oliveira" userId="34420f5773a88cdb" providerId="LiveId" clId="{C6873D3A-5142-4B27-9846-7DCB74605CCD}" dt="2020-06-21T17:59:24.900" v="1198" actId="13822"/>
+          <ac:cxnSpMkLst>
+            <pc:docMk/>
+            <pc:sldMk cId="3354765331" sldId="296"/>
+            <ac:cxnSpMk id="30" creationId="{D1B8ED67-E166-417F-A66D-66808F5B656B}"/>
+          </ac:cxnSpMkLst>
+        </pc:cxnChg>
+        <pc:cxnChg chg="add mod">
+          <ac:chgData name="Sabrina De Oliveira" userId="34420f5773a88cdb" providerId="LiveId" clId="{C6873D3A-5142-4B27-9846-7DCB74605CCD}" dt="2020-06-21T18:02:59.299" v="1274" actId="1076"/>
+          <ac:cxnSpMkLst>
+            <pc:docMk/>
+            <pc:sldMk cId="3354765331" sldId="296"/>
+            <ac:cxnSpMk id="37" creationId="{C9B797FD-7537-457A-AF4E-CD497835BB99}"/>
+          </ac:cxnSpMkLst>
+        </pc:cxnChg>
+        <pc:cxnChg chg="add mod">
+          <ac:chgData name="Sabrina De Oliveira" userId="34420f5773a88cdb" providerId="LiveId" clId="{C6873D3A-5142-4B27-9846-7DCB74605CCD}" dt="2020-06-21T18:02:59.299" v="1274" actId="1076"/>
+          <ac:cxnSpMkLst>
+            <pc:docMk/>
+            <pc:sldMk cId="3354765331" sldId="296"/>
+            <ac:cxnSpMk id="38" creationId="{A60CE562-3AE9-42A7-A542-17072E49B807}"/>
+          </ac:cxnSpMkLst>
+        </pc:cxnChg>
+      </pc:sldChg>
+      <pc:sldChg chg="addSp delSp modSp add mod delAnim">
+        <pc:chgData name="Sabrina De Oliveira" userId="34420f5773a88cdb" providerId="LiveId" clId="{C6873D3A-5142-4B27-9846-7DCB74605CCD}" dt="2020-06-22T09:07:19.504" v="1344" actId="1076"/>
+        <pc:sldMkLst>
+          <pc:docMk/>
+          <pc:sldMk cId="2974230131" sldId="297"/>
+        </pc:sldMkLst>
+        <pc:spChg chg="del">
+          <ac:chgData name="Sabrina De Oliveira" userId="34420f5773a88cdb" providerId="LiveId" clId="{C6873D3A-5142-4B27-9846-7DCB74605CCD}" dt="2020-06-22T09:07:08.283" v="1336" actId="478"/>
+          <ac:spMkLst>
+            <pc:docMk/>
+            <pc:sldMk cId="2974230131" sldId="297"/>
+            <ac:spMk id="4" creationId="{6311EA37-218B-4B5F-BA7A-A78CC7C094E8}"/>
+          </ac:spMkLst>
+        </pc:spChg>
+        <pc:spChg chg="add mod">
+          <ac:chgData name="Sabrina De Oliveira" userId="34420f5773a88cdb" providerId="LiveId" clId="{C6873D3A-5142-4B27-9846-7DCB74605CCD}" dt="2020-06-22T09:07:19.504" v="1344" actId="1076"/>
+          <ac:spMkLst>
+            <pc:docMk/>
+            <pc:sldMk cId="2974230131" sldId="297"/>
+            <ac:spMk id="6" creationId="{B35EFBFD-55AF-4909-9DE8-E44F2AF729B9}"/>
+          </ac:spMkLst>
+        </pc:spChg>
+        <pc:spChg chg="del">
+          <ac:chgData name="Sabrina De Oliveira" userId="34420f5773a88cdb" providerId="LiveId" clId="{C6873D3A-5142-4B27-9846-7DCB74605CCD}" dt="2020-06-22T09:07:07.651" v="1335" actId="478"/>
+          <ac:spMkLst>
+            <pc:docMk/>
+            <pc:sldMk cId="2974230131" sldId="297"/>
+            <ac:spMk id="15" creationId="{B76DAA6B-3482-47EB-955C-12CD46DFD8B4}"/>
+          </ac:spMkLst>
+        </pc:spChg>
+        <pc:picChg chg="del">
+          <ac:chgData name="Sabrina De Oliveira" userId="34420f5773a88cdb" providerId="LiveId" clId="{C6873D3A-5142-4B27-9846-7DCB74605CCD}" dt="2020-06-22T09:07:04.193" v="1332" actId="478"/>
+          <ac:picMkLst>
+            <pc:docMk/>
+            <pc:sldMk cId="2974230131" sldId="297"/>
+            <ac:picMk id="3" creationId="{432E9C5D-3578-41A5-AA02-B642883E2D0B}"/>
+          </ac:picMkLst>
+        </pc:picChg>
+        <pc:picChg chg="del">
+          <ac:chgData name="Sabrina De Oliveira" userId="34420f5773a88cdb" providerId="LiveId" clId="{C6873D3A-5142-4B27-9846-7DCB74605CCD}" dt="2020-06-22T09:07:07.142" v="1334" actId="478"/>
+          <ac:picMkLst>
+            <pc:docMk/>
+            <pc:sldMk cId="2974230131" sldId="297"/>
+            <ac:picMk id="14" creationId="{433A1EBD-3711-454F-A56E-FBEE8C8F8898}"/>
+          </ac:picMkLst>
+        </pc:picChg>
+        <pc:picChg chg="del">
+          <ac:chgData name="Sabrina De Oliveira" userId="34420f5773a88cdb" providerId="LiveId" clId="{C6873D3A-5142-4B27-9846-7DCB74605CCD}" dt="2020-06-22T09:07:09.661" v="1338" actId="478"/>
+          <ac:picMkLst>
+            <pc:docMk/>
+            <pc:sldMk cId="2974230131" sldId="297"/>
+            <ac:picMk id="16" creationId="{73C9A6E9-5B66-4F85-8842-D6E12F25D55D}"/>
+          </ac:picMkLst>
+        </pc:picChg>
+        <pc:picChg chg="del">
+          <ac:chgData name="Sabrina De Oliveira" userId="34420f5773a88cdb" providerId="LiveId" clId="{C6873D3A-5142-4B27-9846-7DCB74605CCD}" dt="2020-06-22T09:07:10.052" v="1339" actId="478"/>
+          <ac:picMkLst>
+            <pc:docMk/>
+            <pc:sldMk cId="2974230131" sldId="297"/>
+            <ac:picMk id="19" creationId="{40BD841A-D001-4F15-9546-1AE3C3042703}"/>
+          </ac:picMkLst>
+        </pc:picChg>
+        <pc:picChg chg="del">
+          <ac:chgData name="Sabrina De Oliveira" userId="34420f5773a88cdb" providerId="LiveId" clId="{C6873D3A-5142-4B27-9846-7DCB74605CCD}" dt="2020-06-22T09:07:09.211" v="1337" actId="478"/>
+          <ac:picMkLst>
+            <pc:docMk/>
+            <pc:sldMk cId="2974230131" sldId="297"/>
+            <ac:picMk id="20" creationId="{DD50AC4F-3CEE-46CE-8BFD-6023F5FB1DC3}"/>
+          </ac:picMkLst>
+        </pc:picChg>
+        <pc:picChg chg="del">
+          <ac:chgData name="Sabrina De Oliveira" userId="34420f5773a88cdb" providerId="LiveId" clId="{C6873D3A-5142-4B27-9846-7DCB74605CCD}" dt="2020-06-22T09:07:06.357" v="1333" actId="478"/>
+          <ac:picMkLst>
+            <pc:docMk/>
+            <pc:sldMk cId="2974230131" sldId="297"/>
+            <ac:picMk id="22" creationId="{0C9668E6-42A6-479C-BDAF-3DF54FA8D272}"/>
+          </ac:picMkLst>
+        </pc:picChg>
+        <pc:picChg chg="add mod">
+          <ac:chgData name="Sabrina De Oliveira" userId="34420f5773a88cdb" providerId="LiveId" clId="{C6873D3A-5142-4B27-9846-7DCB74605CCD}" dt="2020-06-22T09:07:13.286" v="1342" actId="1076"/>
+          <ac:picMkLst>
+            <pc:docMk/>
+            <pc:sldMk cId="2974230131" sldId="297"/>
+            <ac:picMk id="1026" creationId="{39E3A693-57B9-4368-A09F-B8DB1E4774E5}"/>
+          </ac:picMkLst>
+        </pc:picChg>
       </pc:sldChg>
     </pc:docChg>
   </pc:docChgLst>
 </pc:chgInfo>
+</file>
+
+<file path=ppt/comments/comment1.xml><?xml version="1.0" encoding="utf-8"?>
+<p:cmLst xmlns:a="http://schemas.openxmlformats.org/drawingml/2006/main" xmlns:r="http://schemas.openxmlformats.org/officeDocument/2006/relationships" xmlns:p="http://schemas.openxmlformats.org/presentationml/2006/main">
+  <p:cm authorId="1" dt="2020-06-21T19:51:34.596" idx="2">
+    <p:pos x="4043" y="1767"/>
+    <p:text>https://onlinelibrary.wiley.com/doi/full/10.1046/j.1365-2796.1998.00261.x?sid=nlm%3Apubmed 
+http://www.diabetesincontrol.com/dyslipidemia-in-insulin-resistance-hypertriglyceridemia-and-low-hdl-cholesterol/</p:text>
+    <p:extLst>
+      <p:ext uri="{C676402C-5697-4E1C-873F-D02D1690AC5C}">
+        <p15:threadingInfo xmlns:p15="http://schemas.microsoft.com/office/powerpoint/2012/main" timeZoneBias="-120"/>
+      </p:ext>
+    </p:extLst>
+  </p:cm>
+  <p:cm authorId="1" dt="2020-06-21T20:03:19.352" idx="3">
+    <p:pos x="7079" y="1560"/>
+    <p:text>https://www.intechopen.com/books/insulin-resistance/impact-of-genetic-polymorphisms-on-insulin-resistance</p:text>
+    <p:extLst>
+      <p:ext uri="{C676402C-5697-4E1C-873F-D02D1690AC5C}">
+        <p15:threadingInfo xmlns:p15="http://schemas.microsoft.com/office/powerpoint/2012/main" timeZoneBias="-120"/>
+      </p:ext>
+    </p:extLst>
+  </p:cm>
+</p:cmLst>
 </file>
 
 <file path=ppt/notesMasters/notesMaster1.xml><?xml version="1.0" encoding="utf-8"?>
@@ -5599,7 +5946,7 @@
           <a:p>
             <a:fld id="{648224E9-0BB2-4646-9AE5-CD7A1B5C2C89}" type="datetimeFigureOut">
               <a:rPr lang="en-GB" smtClean="0"/>
-              <a:t>20/06/2020</a:t>
+              <a:t>22/06/2020</a:t>
             </a:fld>
             <a:endParaRPr lang="en-GB"/>
           </a:p>
@@ -6091,7 +6438,7 @@
     </p:spTree>
     <p:extLst>
       <p:ext uri="{BB962C8B-B14F-4D97-AF65-F5344CB8AC3E}">
-        <p14:creationId xmlns:p14="http://schemas.microsoft.com/office/powerpoint/2010/main" val="480915917"/>
+        <p14:creationId xmlns:p14="http://schemas.microsoft.com/office/powerpoint/2010/main" val="581219765"/>
       </p:ext>
     </p:extLst>
   </p:cSld>
@@ -6145,92 +6492,6 @@
           <a:bodyPr/>
           <a:lstStyle/>
           <a:p>
-            <a:r>
-              <a:rPr lang="en-GB" sz="1200" b="1" i="0" kern="1200" dirty="0">
-                <a:solidFill>
-                  <a:schemeClr val="tx1"/>
-                </a:solidFill>
-                <a:effectLst/>
-                <a:latin typeface="+mn-lt"/>
-                <a:ea typeface="+mn-ea"/>
-                <a:cs typeface="+mn-cs"/>
-              </a:rPr>
-              <a:t>Species evenness</a:t>
-            </a:r>
-            <a:r>
-              <a:rPr lang="en-GB" sz="1200" b="0" i="0" kern="1200" dirty="0">
-                <a:solidFill>
-                  <a:schemeClr val="tx1"/>
-                </a:solidFill>
-                <a:effectLst/>
-                <a:latin typeface="+mn-lt"/>
-                <a:ea typeface="+mn-ea"/>
-                <a:cs typeface="+mn-cs"/>
-              </a:rPr>
-              <a:t> refers to how close in numbers each </a:t>
-            </a:r>
-            <a:r>
-              <a:rPr lang="en-GB" sz="1200" b="1" i="0" kern="1200" dirty="0">
-                <a:solidFill>
-                  <a:schemeClr val="tx1"/>
-                </a:solidFill>
-                <a:effectLst/>
-                <a:latin typeface="+mn-lt"/>
-                <a:ea typeface="+mn-ea"/>
-                <a:cs typeface="+mn-cs"/>
-              </a:rPr>
-              <a:t>species</a:t>
-            </a:r>
-            <a:r>
-              <a:rPr lang="en-GB" sz="1200" b="0" i="0" kern="1200" dirty="0">
-                <a:solidFill>
-                  <a:schemeClr val="tx1"/>
-                </a:solidFill>
-                <a:effectLst/>
-                <a:latin typeface="+mn-lt"/>
-                <a:ea typeface="+mn-ea"/>
-                <a:cs typeface="+mn-cs"/>
-              </a:rPr>
-              <a:t> in an environment is.</a:t>
-            </a:r>
-          </a:p>
-          <a:p>
-            <a:r>
-              <a:rPr lang="en-GB" sz="1200" b="1" i="0" kern="1200" dirty="0">
-                <a:solidFill>
-                  <a:schemeClr val="tx1"/>
-                </a:solidFill>
-                <a:effectLst/>
-                <a:latin typeface="+mn-lt"/>
-                <a:ea typeface="+mn-ea"/>
-                <a:cs typeface="+mn-cs"/>
-              </a:rPr>
-              <a:t>Species abundance</a:t>
-            </a:r>
-            <a:r>
-              <a:rPr lang="en-GB" sz="1200" b="0" i="0" kern="1200" dirty="0">
-                <a:solidFill>
-                  <a:schemeClr val="tx1"/>
-                </a:solidFill>
-                <a:effectLst/>
-                <a:latin typeface="+mn-lt"/>
-                <a:ea typeface="+mn-ea"/>
-                <a:cs typeface="+mn-cs"/>
-              </a:rPr>
-              <a:t> is the number of taxa per </a:t>
-            </a:r>
-            <a:r>
-              <a:rPr lang="en-GB" sz="1200" b="1" i="0" kern="1200" dirty="0">
-                <a:solidFill>
-                  <a:schemeClr val="tx1"/>
-                </a:solidFill>
-                <a:effectLst/>
-                <a:latin typeface="+mn-lt"/>
-                <a:ea typeface="+mn-ea"/>
-                <a:cs typeface="+mn-cs"/>
-              </a:rPr>
-              <a:t>species</a:t>
-            </a:r>
             <a:endParaRPr lang="en-GB" dirty="0"/>
           </a:p>
         </p:txBody>
@@ -6252,7 +6513,177 @@
           <a:p>
             <a:fld id="{A461424F-0195-4502-BBA8-57027C685AAE}" type="slidenum">
               <a:rPr lang="en-GB" smtClean="0"/>
-              <a:t>25</a:t>
+              <a:t>23</a:t>
+            </a:fld>
+            <a:endParaRPr lang="en-GB"/>
+          </a:p>
+        </p:txBody>
+      </p:sp>
+    </p:spTree>
+    <p:extLst>
+      <p:ext uri="{BB962C8B-B14F-4D97-AF65-F5344CB8AC3E}">
+        <p14:creationId xmlns:p14="http://schemas.microsoft.com/office/powerpoint/2010/main" val="480915917"/>
+      </p:ext>
+    </p:extLst>
+  </p:cSld>
+  <p:clrMapOvr>
+    <a:masterClrMapping/>
+  </p:clrMapOvr>
+</p:notes>
+</file>
+
+<file path=ppt/notesSlides/notesSlide12.xml><?xml version="1.0" encoding="utf-8"?>
+<p:notes xmlns:a="http://schemas.openxmlformats.org/drawingml/2006/main" xmlns:r="http://schemas.openxmlformats.org/officeDocument/2006/relationships" xmlns:p="http://schemas.openxmlformats.org/presentationml/2006/main">
+  <p:cSld>
+    <p:spTree>
+      <p:nvGrpSpPr>
+        <p:cNvPr id="1" name=""/>
+        <p:cNvGrpSpPr/>
+        <p:nvPr/>
+      </p:nvGrpSpPr>
+      <p:grpSpPr>
+        <a:xfrm>
+          <a:off x="0" y="0"/>
+          <a:ext cx="0" cy="0"/>
+          <a:chOff x="0" y="0"/>
+          <a:chExt cx="0" cy="0"/>
+        </a:xfrm>
+      </p:grpSpPr>
+      <p:sp>
+        <p:nvSpPr>
+          <p:cNvPr id="2" name="Slide Image Placeholder 1"/>
+          <p:cNvSpPr>
+            <a:spLocks noGrp="1" noRot="1" noChangeAspect="1"/>
+          </p:cNvSpPr>
+          <p:nvPr>
+            <p:ph type="sldImg"/>
+          </p:nvPr>
+        </p:nvSpPr>
+        <p:spPr/>
+      </p:sp>
+      <p:sp>
+        <p:nvSpPr>
+          <p:cNvPr id="3" name="Notes Placeholder 2"/>
+          <p:cNvSpPr>
+            <a:spLocks noGrp="1"/>
+          </p:cNvSpPr>
+          <p:nvPr>
+            <p:ph type="body" idx="1"/>
+          </p:nvPr>
+        </p:nvSpPr>
+        <p:spPr/>
+        <p:txBody>
+          <a:bodyPr/>
+          <a:lstStyle/>
+          <a:p>
+            <a:r>
+              <a:rPr lang="en-GB" sz="1200" b="1" i="0" kern="1200" dirty="0">
+                <a:solidFill>
+                  <a:schemeClr val="tx1"/>
+                </a:solidFill>
+                <a:effectLst/>
+                <a:latin typeface="+mn-lt"/>
+                <a:ea typeface="+mn-ea"/>
+                <a:cs typeface="+mn-cs"/>
+              </a:rPr>
+              <a:t>Species evenness</a:t>
+            </a:r>
+            <a:r>
+              <a:rPr lang="en-GB" sz="1200" b="0" i="0" kern="1200" dirty="0">
+                <a:solidFill>
+                  <a:schemeClr val="tx1"/>
+                </a:solidFill>
+                <a:effectLst/>
+                <a:latin typeface="+mn-lt"/>
+                <a:ea typeface="+mn-ea"/>
+                <a:cs typeface="+mn-cs"/>
+              </a:rPr>
+              <a:t> refers to how close in numbers each </a:t>
+            </a:r>
+            <a:r>
+              <a:rPr lang="en-GB" sz="1200" b="1" i="0" kern="1200" dirty="0">
+                <a:solidFill>
+                  <a:schemeClr val="tx1"/>
+                </a:solidFill>
+                <a:effectLst/>
+                <a:latin typeface="+mn-lt"/>
+                <a:ea typeface="+mn-ea"/>
+                <a:cs typeface="+mn-cs"/>
+              </a:rPr>
+              <a:t>species</a:t>
+            </a:r>
+            <a:r>
+              <a:rPr lang="en-GB" sz="1200" b="0" i="0" kern="1200" dirty="0">
+                <a:solidFill>
+                  <a:schemeClr val="tx1"/>
+                </a:solidFill>
+                <a:effectLst/>
+                <a:latin typeface="+mn-lt"/>
+                <a:ea typeface="+mn-ea"/>
+                <a:cs typeface="+mn-cs"/>
+              </a:rPr>
+              <a:t> in an environment is.</a:t>
+            </a:r>
+          </a:p>
+          <a:p>
+            <a:r>
+              <a:rPr lang="en-GB" sz="1200" b="1" i="0" kern="1200" dirty="0">
+                <a:solidFill>
+                  <a:schemeClr val="tx1"/>
+                </a:solidFill>
+                <a:effectLst/>
+                <a:latin typeface="+mn-lt"/>
+                <a:ea typeface="+mn-ea"/>
+                <a:cs typeface="+mn-cs"/>
+              </a:rPr>
+              <a:t>Species abundance</a:t>
+            </a:r>
+            <a:r>
+              <a:rPr lang="en-GB" sz="1200" b="0" i="0" kern="1200" dirty="0">
+                <a:solidFill>
+                  <a:schemeClr val="tx1"/>
+                </a:solidFill>
+                <a:effectLst/>
+                <a:latin typeface="+mn-lt"/>
+                <a:ea typeface="+mn-ea"/>
+                <a:cs typeface="+mn-cs"/>
+              </a:rPr>
+              <a:t> is the number of taxa per </a:t>
+            </a:r>
+            <a:r>
+              <a:rPr lang="en-GB" sz="1200" b="1" i="0" kern="1200" dirty="0">
+                <a:solidFill>
+                  <a:schemeClr val="tx1"/>
+                </a:solidFill>
+                <a:effectLst/>
+                <a:latin typeface="+mn-lt"/>
+                <a:ea typeface="+mn-ea"/>
+                <a:cs typeface="+mn-cs"/>
+              </a:rPr>
+              <a:t>species</a:t>
+            </a:r>
+            <a:endParaRPr lang="en-GB" dirty="0"/>
+          </a:p>
+        </p:txBody>
+      </p:sp>
+      <p:sp>
+        <p:nvSpPr>
+          <p:cNvPr id="4" name="Slide Number Placeholder 3"/>
+          <p:cNvSpPr>
+            <a:spLocks noGrp="1"/>
+          </p:cNvSpPr>
+          <p:nvPr>
+            <p:ph type="sldNum" sz="quarter" idx="5"/>
+          </p:nvPr>
+        </p:nvSpPr>
+        <p:spPr/>
+        <p:txBody>
+          <a:bodyPr/>
+          <a:lstStyle/>
+          <a:p>
+            <a:fld id="{A461424F-0195-4502-BBA8-57027C685AAE}" type="slidenum">
+              <a:rPr lang="en-GB" smtClean="0"/>
+              <a:t>26</a:t>
             </a:fld>
             <a:endParaRPr lang="en-GB"/>
           </a:p>
@@ -6316,18 +6747,72 @@
           <a:lstStyle/>
           <a:p>
             <a:r>
-              <a:rPr lang="en-GB" sz="1200" b="0" i="0" u="none" strike="noStrike" kern="1200" dirty="0">
+              <a:rPr lang="en-GB" u="none" dirty="0">
                 <a:solidFill>
-                  <a:schemeClr val="tx1"/>
+                  <a:schemeClr val="bg1"/>
                 </a:solidFill>
-                <a:effectLst/>
-                <a:latin typeface="+mn-lt"/>
-                <a:ea typeface="+mn-ea"/>
-                <a:cs typeface="+mn-cs"/>
+                <a:hlinkClick r:id="rId3">
+                  <a:extLst>
+                    <a:ext uri="{A12FA001-AC4F-418D-AE19-62706E023703}">
+                      <ahyp:hlinkClr xmlns:ahyp="http://schemas.microsoft.com/office/drawing/2018/hyperlinkcolor" val="tx"/>
+                    </a:ext>
+                  </a:extLst>
+                </a:hlinkClick>
               </a:rPr>
-              <a:t> Nevertheless, this interaction is still poorly understood and the changes in the omics of type 2 diabetic individuals remain debatable, especially in the time-period prior to diabetes onset.</a:t>
+              <a:t>Pathophysiology</a:t>
+            </a:r>
+            <a:r>
+              <a:rPr lang="en-GB" u="sng" dirty="0">
+                <a:solidFill>
+                  <a:schemeClr val="bg1"/>
+                </a:solidFill>
+                <a:hlinkClick r:id="rId3">
+                  <a:extLst>
+                    <a:ext uri="{A12FA001-AC4F-418D-AE19-62706E023703}">
+                      <ahyp:hlinkClr xmlns:ahyp="http://schemas.microsoft.com/office/drawing/2018/hyperlinkcolor" val="tx"/>
+                    </a:ext>
+                  </a:extLst>
+                </a:hlinkClick>
+              </a:rPr>
+              <a:t>:</a:t>
+            </a:r>
+          </a:p>
+          <a:p>
+            <a:r>
+              <a:rPr lang="en-GB" dirty="0">
+                <a:solidFill>
+                  <a:srgbClr val="0563C1"/>
+                </a:solidFill>
+                <a:hlinkClick r:id="rId3">
+                  <a:extLst>
+                    <a:ext uri="{A12FA001-AC4F-418D-AE19-62706E023703}">
+                      <ahyp:hlinkClr xmlns:ahyp="http://schemas.microsoft.com/office/drawing/2018/hyperlinkcolor" val="tx"/>
+                    </a:ext>
+                  </a:extLst>
+                </a:hlinkClick>
+              </a:rPr>
+              <a:t>https://www.ncbi.nlm.nih.gov/pmc/articles/PMC4226760/</a:t>
+            </a:r>
+            <a:endParaRPr lang="en-GB" dirty="0">
+              <a:solidFill>
+                <a:srgbClr val="0563C1"/>
+              </a:solidFill>
+            </a:endParaRPr>
+          </a:p>
+          <a:p>
+            <a:r>
+              <a:rPr lang="en-GB" dirty="0">
+                <a:hlinkClick r:id="rId4"/>
+              </a:rPr>
+              <a:t>https://www.emjreviews.com/diabetes/article/editors-pick-how-can-we-develop-more-effective-strategies-for-type-2-diabetes-mellitus-prevention-a-paradigm-shift-from-a-glucose-centric-to-a-beta-cell-centric-concept-of-diabetes/</a:t>
             </a:r>
             <a:endParaRPr lang="en-GB" dirty="0"/>
+          </a:p>
+          <a:p>
+            <a:r>
+              <a:rPr lang="en-GB" dirty="0"/>
+              <a:t>T2DM is generally believed to develop after the onset of insulin resistance due to the beta cell dysfunction that results from the increased need for insulin secretion. This beta cell dysfunction is especially relevant since no production of new beta cells occurs past the age of 30 in the human pancreas. Hence, insulin resistance is believed to be a critical step in the development of T2DM. For this reason, great efforts are being made in order to investigate factors that influence insulin sensitivity. </a:t>
+            </a:r>
           </a:p>
         </p:txBody>
       </p:sp>
@@ -6357,7 +6842,7 @@
     </p:spTree>
     <p:extLst>
       <p:ext uri="{BB962C8B-B14F-4D97-AF65-F5344CB8AC3E}">
-        <p14:creationId xmlns:p14="http://schemas.microsoft.com/office/powerpoint/2010/main" val="3309990537"/>
+        <p14:creationId xmlns:p14="http://schemas.microsoft.com/office/powerpoint/2010/main" val="843164352"/>
       </p:ext>
     </p:extLst>
   </p:cSld>
@@ -6411,6 +6896,18 @@
           <a:bodyPr/>
           <a:lstStyle/>
           <a:p>
+            <a:r>
+              <a:rPr lang="en-GB" sz="1200" b="0" i="0" u="none" strike="noStrike" kern="1200" dirty="0">
+                <a:solidFill>
+                  <a:schemeClr val="tx1"/>
+                </a:solidFill>
+                <a:effectLst/>
+                <a:latin typeface="+mn-lt"/>
+                <a:ea typeface="+mn-ea"/>
+                <a:cs typeface="+mn-cs"/>
+              </a:rPr>
+              <a:t> Nevertheless, this interaction is still poorly understood and the changes in the omics of type 2 diabetic individuals remain debatable, especially in the time-period prior to diabetes onset.</a:t>
+            </a:r>
             <a:endParaRPr lang="en-GB" dirty="0"/>
           </a:p>
         </p:txBody>
@@ -6432,7 +6929,7 @@
           <a:p>
             <a:fld id="{A461424F-0195-4502-BBA8-57027C685AAE}" type="slidenum">
               <a:rPr lang="en-GB" smtClean="0"/>
-              <a:t>5</a:t>
+              <a:t>4</a:t>
             </a:fld>
             <a:endParaRPr lang="en-GB"/>
           </a:p>
@@ -6441,7 +6938,7 @@
     </p:spTree>
     <p:extLst>
       <p:ext uri="{BB962C8B-B14F-4D97-AF65-F5344CB8AC3E}">
-        <p14:creationId xmlns:p14="http://schemas.microsoft.com/office/powerpoint/2010/main" val="1488042175"/>
+        <p14:creationId xmlns:p14="http://schemas.microsoft.com/office/powerpoint/2010/main" val="3309990537"/>
       </p:ext>
     </p:extLst>
   </p:cSld>
@@ -6495,10 +6992,7 @@
           <a:bodyPr/>
           <a:lstStyle/>
           <a:p>
-            <a:r>
-              <a:rPr lang="en-GB" dirty="0"/>
-              <a:t>CHECK 15 METABOLITES? WHY NOT 40?</a:t>
-            </a:r>
+            <a:endParaRPr lang="en-GB" dirty="0"/>
           </a:p>
         </p:txBody>
       </p:sp>
@@ -6519,7 +7013,7 @@
           <a:p>
             <a:fld id="{A461424F-0195-4502-BBA8-57027C685AAE}" type="slidenum">
               <a:rPr lang="en-GB" smtClean="0"/>
-              <a:t>8</a:t>
+              <a:t>6</a:t>
             </a:fld>
             <a:endParaRPr lang="en-GB"/>
           </a:p>
@@ -6528,7 +7022,7 @@
     </p:spTree>
     <p:extLst>
       <p:ext uri="{BB962C8B-B14F-4D97-AF65-F5344CB8AC3E}">
-        <p14:creationId xmlns:p14="http://schemas.microsoft.com/office/powerpoint/2010/main" val="1370957695"/>
+        <p14:creationId xmlns:p14="http://schemas.microsoft.com/office/powerpoint/2010/main" val="1488042175"/>
       </p:ext>
     </p:extLst>
   </p:cSld>
@@ -6615,7 +7109,7 @@
     </p:spTree>
     <p:extLst>
       <p:ext uri="{BB962C8B-B14F-4D97-AF65-F5344CB8AC3E}">
-        <p14:creationId xmlns:p14="http://schemas.microsoft.com/office/powerpoint/2010/main" val="2430740202"/>
+        <p14:creationId xmlns:p14="http://schemas.microsoft.com/office/powerpoint/2010/main" val="1370957695"/>
       </p:ext>
     </p:extLst>
   </p:cSld>
@@ -6669,7 +7163,10 @@
           <a:bodyPr/>
           <a:lstStyle/>
           <a:p>
-            <a:endParaRPr lang="en-GB" dirty="0"/>
+            <a:r>
+              <a:rPr lang="en-GB" dirty="0"/>
+              <a:t>CHECK 15 METABOLITES? WHY NOT 40?</a:t>
+            </a:r>
           </a:p>
         </p:txBody>
       </p:sp>
@@ -6690,7 +7187,7 @@
           <a:p>
             <a:fld id="{A461424F-0195-4502-BBA8-57027C685AAE}" type="slidenum">
               <a:rPr lang="en-GB" smtClean="0"/>
-              <a:t>11</a:t>
+              <a:t>10</a:t>
             </a:fld>
             <a:endParaRPr lang="en-GB"/>
           </a:p>
@@ -6699,7 +7196,7 @@
     </p:spTree>
     <p:extLst>
       <p:ext uri="{BB962C8B-B14F-4D97-AF65-F5344CB8AC3E}">
-        <p14:creationId xmlns:p14="http://schemas.microsoft.com/office/powerpoint/2010/main" val="2409920623"/>
+        <p14:creationId xmlns:p14="http://schemas.microsoft.com/office/powerpoint/2010/main" val="2430740202"/>
       </p:ext>
     </p:extLst>
   </p:cSld>
@@ -6753,10 +7250,7 @@
           <a:bodyPr/>
           <a:lstStyle/>
           <a:p>
-            <a:r>
-              <a:rPr lang="en-GB" dirty="0"/>
-              <a:t>Check if groups are homogenous based on p-value!</a:t>
-            </a:r>
+            <a:endParaRPr lang="en-GB" dirty="0"/>
           </a:p>
         </p:txBody>
       </p:sp>
@@ -6777,7 +7271,7 @@
           <a:p>
             <a:fld id="{A461424F-0195-4502-BBA8-57027C685AAE}" type="slidenum">
               <a:rPr lang="en-GB" smtClean="0"/>
-              <a:t>18</a:t>
+              <a:t>12</a:t>
             </a:fld>
             <a:endParaRPr lang="en-GB"/>
           </a:p>
@@ -6786,7 +7280,7 @@
     </p:spTree>
     <p:extLst>
       <p:ext uri="{BB962C8B-B14F-4D97-AF65-F5344CB8AC3E}">
-        <p14:creationId xmlns:p14="http://schemas.microsoft.com/office/powerpoint/2010/main" val="3781485798"/>
+        <p14:creationId xmlns:p14="http://schemas.microsoft.com/office/powerpoint/2010/main" val="2409920623"/>
       </p:ext>
     </p:extLst>
   </p:cSld>
@@ -6840,7 +7334,10 @@
           <a:bodyPr/>
           <a:lstStyle/>
           <a:p>
-            <a:endParaRPr lang="en-GB" dirty="0"/>
+            <a:r>
+              <a:rPr lang="en-GB" dirty="0"/>
+              <a:t>Check if groups are homogenous based on p-value!</a:t>
+            </a:r>
           </a:p>
         </p:txBody>
       </p:sp>
@@ -6870,7 +7367,7 @@
     </p:spTree>
     <p:extLst>
       <p:ext uri="{BB962C8B-B14F-4D97-AF65-F5344CB8AC3E}">
-        <p14:creationId xmlns:p14="http://schemas.microsoft.com/office/powerpoint/2010/main" val="1062440226"/>
+        <p14:creationId xmlns:p14="http://schemas.microsoft.com/office/powerpoint/2010/main" val="3781485798"/>
       </p:ext>
     </p:extLst>
   </p:cSld>
@@ -6945,7 +7442,7 @@
           <a:p>
             <a:fld id="{A461424F-0195-4502-BBA8-57027C685AAE}" type="slidenum">
               <a:rPr lang="en-GB" smtClean="0"/>
-              <a:t>21</a:t>
+              <a:t>20</a:t>
             </a:fld>
             <a:endParaRPr lang="en-GB"/>
           </a:p>
@@ -6954,7 +7451,7 @@
     </p:spTree>
     <p:extLst>
       <p:ext uri="{BB962C8B-B14F-4D97-AF65-F5344CB8AC3E}">
-        <p14:creationId xmlns:p14="http://schemas.microsoft.com/office/powerpoint/2010/main" val="581219765"/>
+        <p14:creationId xmlns:p14="http://schemas.microsoft.com/office/powerpoint/2010/main" val="1062440226"/>
       </p:ext>
     </p:extLst>
   </p:cSld>
@@ -7150,7 +7647,7 @@
           <a:p>
             <a:fld id="{DA5AD436-A087-4A72-A71C-DCC7BC3259CA}" type="datetimeFigureOut">
               <a:rPr lang="en-GB" smtClean="0"/>
-              <a:t>20/06/2020</a:t>
+              <a:t>22/06/2020</a:t>
             </a:fld>
             <a:endParaRPr lang="en-GB"/>
           </a:p>
@@ -7425,7 +7922,7 @@
           <a:p>
             <a:fld id="{DA5AD436-A087-4A72-A71C-DCC7BC3259CA}" type="datetimeFigureOut">
               <a:rPr lang="en-GB" smtClean="0"/>
-              <a:t>20/06/2020</a:t>
+              <a:t>22/06/2020</a:t>
             </a:fld>
             <a:endParaRPr lang="en-GB"/>
           </a:p>
@@ -7619,7 +8116,7 @@
           <a:p>
             <a:fld id="{DA5AD436-A087-4A72-A71C-DCC7BC3259CA}" type="datetimeFigureOut">
               <a:rPr lang="en-GB" smtClean="0"/>
-              <a:t>20/06/2020</a:t>
+              <a:t>22/06/2020</a:t>
             </a:fld>
             <a:endParaRPr lang="en-GB"/>
           </a:p>
@@ -7892,7 +8389,7 @@
           <a:p>
             <a:fld id="{DA5AD436-A087-4A72-A71C-DCC7BC3259CA}" type="datetimeFigureOut">
               <a:rPr lang="en-GB" smtClean="0"/>
-              <a:t>20/06/2020</a:t>
+              <a:t>22/06/2020</a:t>
             </a:fld>
             <a:endParaRPr lang="en-GB"/>
           </a:p>
@@ -8233,7 +8730,7 @@
           <a:p>
             <a:fld id="{DA5AD436-A087-4A72-A71C-DCC7BC3259CA}" type="datetimeFigureOut">
               <a:rPr lang="en-GB" smtClean="0"/>
-              <a:t>20/06/2020</a:t>
+              <a:t>22/06/2020</a:t>
             </a:fld>
             <a:endParaRPr lang="en-GB"/>
           </a:p>
@@ -8856,7 +9353,7 @@
           <a:p>
             <a:fld id="{DA5AD436-A087-4A72-A71C-DCC7BC3259CA}" type="datetimeFigureOut">
               <a:rPr lang="en-GB" smtClean="0"/>
-              <a:t>20/06/2020</a:t>
+              <a:t>22/06/2020</a:t>
             </a:fld>
             <a:endParaRPr lang="en-GB"/>
           </a:p>
@@ -9716,7 +10213,7 @@
           <a:p>
             <a:fld id="{DA5AD436-A087-4A72-A71C-DCC7BC3259CA}" type="datetimeFigureOut">
               <a:rPr lang="en-GB" smtClean="0"/>
-              <a:t>20/06/2020</a:t>
+              <a:t>22/06/2020</a:t>
             </a:fld>
             <a:endParaRPr lang="en-GB"/>
           </a:p>
@@ -9886,7 +10383,7 @@
           <a:p>
             <a:fld id="{DA5AD436-A087-4A72-A71C-DCC7BC3259CA}" type="datetimeFigureOut">
               <a:rPr lang="en-GB" smtClean="0"/>
-              <a:t>20/06/2020</a:t>
+              <a:t>22/06/2020</a:t>
             </a:fld>
             <a:endParaRPr lang="en-GB"/>
           </a:p>
@@ -10066,7 +10563,7 @@
           <a:p>
             <a:fld id="{DA5AD436-A087-4A72-A71C-DCC7BC3259CA}" type="datetimeFigureOut">
               <a:rPr lang="en-GB" smtClean="0"/>
-              <a:t>20/06/2020</a:t>
+              <a:t>22/06/2020</a:t>
             </a:fld>
             <a:endParaRPr lang="en-GB"/>
           </a:p>
@@ -10236,7 +10733,7 @@
           <a:p>
             <a:fld id="{DA5AD436-A087-4A72-A71C-DCC7BC3259CA}" type="datetimeFigureOut">
               <a:rPr lang="en-GB" smtClean="0"/>
-              <a:t>20/06/2020</a:t>
+              <a:t>22/06/2020</a:t>
             </a:fld>
             <a:endParaRPr lang="en-GB"/>
           </a:p>
@@ -10483,7 +10980,7 @@
           <a:p>
             <a:fld id="{DA5AD436-A087-4A72-A71C-DCC7BC3259CA}" type="datetimeFigureOut">
               <a:rPr lang="en-GB" smtClean="0"/>
-              <a:t>20/06/2020</a:t>
+              <a:t>22/06/2020</a:t>
             </a:fld>
             <a:endParaRPr lang="en-GB"/>
           </a:p>
@@ -10775,7 +11272,7 @@
           <a:p>
             <a:fld id="{DA5AD436-A087-4A72-A71C-DCC7BC3259CA}" type="datetimeFigureOut">
               <a:rPr lang="en-GB" smtClean="0"/>
-              <a:t>20/06/2020</a:t>
+              <a:t>22/06/2020</a:t>
             </a:fld>
             <a:endParaRPr lang="en-GB"/>
           </a:p>
@@ -11219,7 +11716,7 @@
           <a:p>
             <a:fld id="{DA5AD436-A087-4A72-A71C-DCC7BC3259CA}" type="datetimeFigureOut">
               <a:rPr lang="en-GB" smtClean="0"/>
-              <a:t>20/06/2020</a:t>
+              <a:t>22/06/2020</a:t>
             </a:fld>
             <a:endParaRPr lang="en-GB"/>
           </a:p>
@@ -11337,7 +11834,7 @@
           <a:p>
             <a:fld id="{DA5AD436-A087-4A72-A71C-DCC7BC3259CA}" type="datetimeFigureOut">
               <a:rPr lang="en-GB" smtClean="0"/>
-              <a:t>20/06/2020</a:t>
+              <a:t>22/06/2020</a:t>
             </a:fld>
             <a:endParaRPr lang="en-GB"/>
           </a:p>
@@ -11432,7 +11929,7 @@
           <a:p>
             <a:fld id="{DA5AD436-A087-4A72-A71C-DCC7BC3259CA}" type="datetimeFigureOut">
               <a:rPr lang="en-GB" smtClean="0"/>
-              <a:t>20/06/2020</a:t>
+              <a:t>22/06/2020</a:t>
             </a:fld>
             <a:endParaRPr lang="en-GB"/>
           </a:p>
@@ -11711,7 +12208,7 @@
           <a:p>
             <a:fld id="{DA5AD436-A087-4A72-A71C-DCC7BC3259CA}" type="datetimeFigureOut">
               <a:rPr lang="en-GB" smtClean="0"/>
-              <a:t>20/06/2020</a:t>
+              <a:t>22/06/2020</a:t>
             </a:fld>
             <a:endParaRPr lang="en-GB"/>
           </a:p>
@@ -11986,7 +12483,7 @@
           <a:p>
             <a:fld id="{DA5AD436-A087-4A72-A71C-DCC7BC3259CA}" type="datetimeFigureOut">
               <a:rPr lang="en-GB" smtClean="0"/>
-              <a:t>20/06/2020</a:t>
+              <a:t>22/06/2020</a:t>
             </a:fld>
             <a:endParaRPr lang="en-GB"/>
           </a:p>
@@ -12415,7 +12912,7 @@
           <a:p>
             <a:fld id="{DA5AD436-A087-4A72-A71C-DCC7BC3259CA}" type="datetimeFigureOut">
               <a:rPr lang="en-GB" smtClean="0"/>
-              <a:t>20/06/2020</a:t>
+              <a:t>22/06/2020</a:t>
             </a:fld>
             <a:endParaRPr lang="en-GB"/>
           </a:p>
@@ -13089,6 +13586,2090 @@
       </p:grpSpPr>
       <p:pic>
         <p:nvPicPr>
+          <p:cNvPr id="10" name="Content Placeholder 9" descr="Badge 8">
+            <a:extLst>
+              <a:ext uri="{FF2B5EF4-FFF2-40B4-BE49-F238E27FC236}">
+                <a16:creationId xmlns:a16="http://schemas.microsoft.com/office/drawing/2014/main" id="{2C936632-C250-40F8-A21D-9D5F94C1536E}"/>
+              </a:ext>
+            </a:extLst>
+          </p:cNvPr>
+          <p:cNvPicPr>
+            <a:picLocks noChangeAspect="1"/>
+          </p:cNvPicPr>
+          <p:nvPr/>
+        </p:nvPicPr>
+        <p:blipFill>
+          <a:blip r:embed="rId3">
+            <a:extLst>
+              <a:ext uri="{28A0092B-C50C-407E-A947-70E740481C1C}">
+                <a14:useLocalDpi xmlns:a14="http://schemas.microsoft.com/office/drawing/2010/main" val="0"/>
+              </a:ext>
+              <a:ext uri="{96DAC541-7B7A-43D3-8B79-37D633B846F1}">
+                <asvg:svgBlip xmlns:asvg="http://schemas.microsoft.com/office/drawing/2016/SVG/main" r:embed="rId4"/>
+              </a:ext>
+            </a:extLst>
+          </a:blip>
+          <a:stretch>
+            <a:fillRect/>
+          </a:stretch>
+        </p:blipFill>
+        <p:spPr>
+          <a:xfrm>
+            <a:off x="10420349" y="419557"/>
+            <a:ext cx="733426" cy="733426"/>
+          </a:xfrm>
+          <a:prstGeom prst="rect">
+            <a:avLst/>
+          </a:prstGeom>
+        </p:spPr>
+      </p:pic>
+      <p:sp>
+        <p:nvSpPr>
+          <p:cNvPr id="7" name="Title 1">
+            <a:extLst>
+              <a:ext uri="{FF2B5EF4-FFF2-40B4-BE49-F238E27FC236}">
+                <a16:creationId xmlns:a16="http://schemas.microsoft.com/office/drawing/2014/main" id="{894F5E17-16CC-4DD2-86BC-93A4E7658A0B}"/>
+              </a:ext>
+            </a:extLst>
+          </p:cNvPr>
+          <p:cNvSpPr>
+            <a:spLocks noGrp="1"/>
+          </p:cNvSpPr>
+          <p:nvPr>
+            <p:ph type="title"/>
+          </p:nvPr>
+        </p:nvSpPr>
+        <p:spPr/>
+        <p:txBody>
+          <a:bodyPr/>
+          <a:lstStyle/>
+          <a:p>
+            <a:pPr>
+              <a:lnSpc>
+                <a:spcPts val="5200"/>
+              </a:lnSpc>
+              <a:spcAft>
+                <a:spcPts val="6000"/>
+              </a:spcAft>
+            </a:pPr>
+            <a:r>
+              <a:rPr lang="en-GB" sz="3700" dirty="0"/>
+              <a:t>Results: 5</a:t>
+            </a:r>
+            <a:br>
+              <a:rPr lang="en-GB" sz="3900" dirty="0"/>
+            </a:br>
+            <a:r>
+              <a:rPr lang="en-GB" sz="3200" dirty="0"/>
+              <a:t>Combined Pathway Analysis</a:t>
+            </a:r>
+          </a:p>
+        </p:txBody>
+      </p:sp>
+      <p:sp>
+        <p:nvSpPr>
+          <p:cNvPr id="4" name="Text Placeholder 1">
+            <a:extLst>
+              <a:ext uri="{FF2B5EF4-FFF2-40B4-BE49-F238E27FC236}">
+                <a16:creationId xmlns:a16="http://schemas.microsoft.com/office/drawing/2014/main" id="{2962E3CD-B3B7-4285-9B7F-3C7E1B93E459}"/>
+              </a:ext>
+            </a:extLst>
+          </p:cNvPr>
+          <p:cNvSpPr txBox="1">
+            <a:spLocks/>
+          </p:cNvSpPr>
+          <p:nvPr/>
+        </p:nvSpPr>
+        <p:spPr>
+          <a:xfrm>
+            <a:off x="457199" y="1830017"/>
+            <a:ext cx="5638801" cy="1178156"/>
+          </a:xfrm>
+          <a:prstGeom prst="rect">
+            <a:avLst/>
+          </a:prstGeom>
+          <a:noFill/>
+          <a:ln>
+            <a:solidFill>
+              <a:schemeClr val="tx1">
+                <a:lumMod val="95000"/>
+              </a:schemeClr>
+            </a:solidFill>
+          </a:ln>
+        </p:spPr>
+        <p:txBody>
+          <a:bodyPr vert="horz" lIns="91440" tIns="45720" rIns="91440" bIns="45720" rtlCol="0" anchor="ctr">
+            <a:normAutofit/>
+          </a:bodyPr>
+          <a:lstStyle>
+            <a:lvl1pPr marL="342900" indent="-342900" algn="l" defTabSz="457200" rtl="0" eaLnBrk="1" latinLnBrk="0" hangingPunct="1">
+              <a:spcBef>
+                <a:spcPts val="1000"/>
+              </a:spcBef>
+              <a:spcAft>
+                <a:spcPts val="0"/>
+              </a:spcAft>
+              <a:buClr>
+                <a:schemeClr val="bg2">
+                  <a:lumMod val="40000"/>
+                  <a:lumOff val="60000"/>
+                </a:schemeClr>
+              </a:buClr>
+              <a:buSzPct val="80000"/>
+              <a:buFont typeface="Wingdings 3" charset="2"/>
+              <a:buChar char=""/>
+              <a:defRPr sz="2000" b="0" i="0" kern="1200">
+                <a:solidFill>
+                  <a:schemeClr val="tx1"/>
+                </a:solidFill>
+                <a:latin typeface="+mj-lt"/>
+                <a:ea typeface="+mj-ea"/>
+                <a:cs typeface="+mj-cs"/>
+              </a:defRPr>
+            </a:lvl1pPr>
+            <a:lvl2pPr marL="742950" indent="-285750" algn="l" defTabSz="457200" rtl="0" eaLnBrk="1" latinLnBrk="0" hangingPunct="1">
+              <a:spcBef>
+                <a:spcPts val="1000"/>
+              </a:spcBef>
+              <a:spcAft>
+                <a:spcPts val="0"/>
+              </a:spcAft>
+              <a:buClr>
+                <a:schemeClr val="bg2">
+                  <a:lumMod val="40000"/>
+                  <a:lumOff val="60000"/>
+                </a:schemeClr>
+              </a:buClr>
+              <a:buSzPct val="80000"/>
+              <a:buFont typeface="Wingdings 3" charset="2"/>
+              <a:buChar char=""/>
+              <a:defRPr sz="1800" b="0" i="0" kern="1200">
+                <a:solidFill>
+                  <a:schemeClr val="tx1"/>
+                </a:solidFill>
+                <a:latin typeface="+mj-lt"/>
+                <a:ea typeface="+mj-ea"/>
+                <a:cs typeface="+mj-cs"/>
+              </a:defRPr>
+            </a:lvl2pPr>
+            <a:lvl3pPr marL="1143000" indent="-228600" algn="l" defTabSz="457200" rtl="0" eaLnBrk="1" latinLnBrk="0" hangingPunct="1">
+              <a:spcBef>
+                <a:spcPts val="1000"/>
+              </a:spcBef>
+              <a:spcAft>
+                <a:spcPts val="0"/>
+              </a:spcAft>
+              <a:buClr>
+                <a:schemeClr val="bg2">
+                  <a:lumMod val="40000"/>
+                  <a:lumOff val="60000"/>
+                </a:schemeClr>
+              </a:buClr>
+              <a:buSzPct val="80000"/>
+              <a:buFont typeface="Wingdings 3" charset="2"/>
+              <a:buChar char=""/>
+              <a:defRPr sz="1600" b="0" i="0" kern="1200">
+                <a:solidFill>
+                  <a:schemeClr val="tx1"/>
+                </a:solidFill>
+                <a:latin typeface="+mj-lt"/>
+                <a:ea typeface="+mj-ea"/>
+                <a:cs typeface="+mj-cs"/>
+              </a:defRPr>
+            </a:lvl3pPr>
+            <a:lvl4pPr marL="1600200" indent="-228600" algn="l" defTabSz="457200" rtl="0" eaLnBrk="1" latinLnBrk="0" hangingPunct="1">
+              <a:spcBef>
+                <a:spcPts val="1000"/>
+              </a:spcBef>
+              <a:spcAft>
+                <a:spcPts val="0"/>
+              </a:spcAft>
+              <a:buClr>
+                <a:schemeClr val="bg2">
+                  <a:lumMod val="40000"/>
+                  <a:lumOff val="60000"/>
+                </a:schemeClr>
+              </a:buClr>
+              <a:buSzPct val="80000"/>
+              <a:buFont typeface="Wingdings 3" charset="2"/>
+              <a:buChar char=""/>
+              <a:defRPr sz="1400" b="0" i="0" kern="1200">
+                <a:solidFill>
+                  <a:schemeClr val="tx1"/>
+                </a:solidFill>
+                <a:latin typeface="+mj-lt"/>
+                <a:ea typeface="+mj-ea"/>
+                <a:cs typeface="+mj-cs"/>
+              </a:defRPr>
+            </a:lvl4pPr>
+            <a:lvl5pPr marL="2057400" indent="-228600" algn="l" defTabSz="457200" rtl="0" eaLnBrk="1" latinLnBrk="0" hangingPunct="1">
+              <a:spcBef>
+                <a:spcPts val="1000"/>
+              </a:spcBef>
+              <a:spcAft>
+                <a:spcPts val="0"/>
+              </a:spcAft>
+              <a:buClr>
+                <a:schemeClr val="bg2">
+                  <a:lumMod val="40000"/>
+                  <a:lumOff val="60000"/>
+                </a:schemeClr>
+              </a:buClr>
+              <a:buSzPct val="80000"/>
+              <a:buFont typeface="Wingdings 3" charset="2"/>
+              <a:buChar char=""/>
+              <a:defRPr sz="1400" b="0" i="0" kern="1200">
+                <a:solidFill>
+                  <a:schemeClr val="tx1"/>
+                </a:solidFill>
+                <a:latin typeface="+mj-lt"/>
+                <a:ea typeface="+mj-ea"/>
+                <a:cs typeface="+mj-cs"/>
+              </a:defRPr>
+            </a:lvl5pPr>
+            <a:lvl6pPr marL="2506000" indent="-228600" algn="l" defTabSz="457200" rtl="0" eaLnBrk="1" latinLnBrk="0" hangingPunct="1">
+              <a:spcBef>
+                <a:spcPts val="1000"/>
+              </a:spcBef>
+              <a:spcAft>
+                <a:spcPts val="0"/>
+              </a:spcAft>
+              <a:buClr>
+                <a:schemeClr val="bg2">
+                  <a:lumMod val="40000"/>
+                  <a:lumOff val="60000"/>
+                </a:schemeClr>
+              </a:buClr>
+              <a:buSzPct val="80000"/>
+              <a:buFont typeface="Wingdings 3" charset="2"/>
+              <a:buChar char=""/>
+              <a:defRPr sz="1400" b="0" i="0" kern="1200">
+                <a:solidFill>
+                  <a:schemeClr val="tx1"/>
+                </a:solidFill>
+                <a:latin typeface="+mj-lt"/>
+                <a:ea typeface="+mj-ea"/>
+                <a:cs typeface="+mj-cs"/>
+              </a:defRPr>
+            </a:lvl6pPr>
+            <a:lvl7pPr marL="2971800" indent="-228600" algn="l" defTabSz="457200" rtl="0" eaLnBrk="1" latinLnBrk="0" hangingPunct="1">
+              <a:spcBef>
+                <a:spcPts val="1000"/>
+              </a:spcBef>
+              <a:spcAft>
+                <a:spcPts val="0"/>
+              </a:spcAft>
+              <a:buClr>
+                <a:schemeClr val="bg2">
+                  <a:lumMod val="40000"/>
+                  <a:lumOff val="60000"/>
+                </a:schemeClr>
+              </a:buClr>
+              <a:buSzPct val="80000"/>
+              <a:buFont typeface="Wingdings 3" charset="2"/>
+              <a:buChar char=""/>
+              <a:defRPr sz="1400" b="0" i="0" kern="1200">
+                <a:solidFill>
+                  <a:schemeClr val="tx1"/>
+                </a:solidFill>
+                <a:latin typeface="+mj-lt"/>
+                <a:ea typeface="+mj-ea"/>
+                <a:cs typeface="+mj-cs"/>
+              </a:defRPr>
+            </a:lvl7pPr>
+            <a:lvl8pPr marL="3429000" indent="-228600" algn="l" defTabSz="457200" rtl="0" eaLnBrk="1" latinLnBrk="0" hangingPunct="1">
+              <a:spcBef>
+                <a:spcPts val="1000"/>
+              </a:spcBef>
+              <a:spcAft>
+                <a:spcPts val="0"/>
+              </a:spcAft>
+              <a:buClr>
+                <a:schemeClr val="bg2">
+                  <a:lumMod val="40000"/>
+                  <a:lumOff val="60000"/>
+                </a:schemeClr>
+              </a:buClr>
+              <a:buSzPct val="80000"/>
+              <a:buFont typeface="Wingdings 3" charset="2"/>
+              <a:buChar char=""/>
+              <a:defRPr sz="1400" b="0" i="0" kern="1200">
+                <a:solidFill>
+                  <a:schemeClr val="tx1"/>
+                </a:solidFill>
+                <a:latin typeface="+mj-lt"/>
+                <a:ea typeface="+mj-ea"/>
+                <a:cs typeface="+mj-cs"/>
+              </a:defRPr>
+            </a:lvl8pPr>
+            <a:lvl9pPr marL="3886200" indent="-228600" algn="l" defTabSz="457200" rtl="0" eaLnBrk="1" latinLnBrk="0" hangingPunct="1">
+              <a:spcBef>
+                <a:spcPts val="1000"/>
+              </a:spcBef>
+              <a:spcAft>
+                <a:spcPts val="0"/>
+              </a:spcAft>
+              <a:buClr>
+                <a:schemeClr val="bg2">
+                  <a:lumMod val="40000"/>
+                  <a:lumOff val="60000"/>
+                </a:schemeClr>
+              </a:buClr>
+              <a:buSzPct val="80000"/>
+              <a:buFont typeface="Wingdings 3" charset="2"/>
+              <a:buChar char=""/>
+              <a:defRPr sz="1400" b="0" i="0" kern="1200">
+                <a:solidFill>
+                  <a:schemeClr val="tx1"/>
+                </a:solidFill>
+                <a:latin typeface="+mj-lt"/>
+                <a:ea typeface="+mj-ea"/>
+                <a:cs typeface="+mj-cs"/>
+              </a:defRPr>
+            </a:lvl9pPr>
+          </a:lstStyle>
+          <a:p>
+            <a:pPr marL="0" indent="0" algn="ctr">
+              <a:spcBef>
+                <a:spcPts val="1200"/>
+              </a:spcBef>
+              <a:buNone/>
+            </a:pPr>
+            <a:r>
+              <a:rPr lang="en-GB" sz="2400" u="sng" dirty="0">
+                <a:solidFill>
+                  <a:schemeClr val="tx1">
+                    <a:lumMod val="95000"/>
+                  </a:schemeClr>
+                </a:solidFill>
+              </a:rPr>
+              <a:t>PathVisio</a:t>
+            </a:r>
+          </a:p>
+          <a:p>
+            <a:pPr marL="0" indent="0" algn="ctr">
+              <a:spcBef>
+                <a:spcPts val="1200"/>
+              </a:spcBef>
+              <a:buNone/>
+            </a:pPr>
+            <a:r>
+              <a:rPr lang="en-GB" sz="2400" dirty="0">
+                <a:solidFill>
+                  <a:schemeClr val="tx1">
+                    <a:lumMod val="95000"/>
+                  </a:schemeClr>
+                </a:solidFill>
+              </a:rPr>
+              <a:t>Expression criterion: p &lt; 0.05</a:t>
+            </a:r>
+          </a:p>
+        </p:txBody>
+      </p:sp>
+      <p:sp>
+        <p:nvSpPr>
+          <p:cNvPr id="5" name="Text Placeholder 2">
+            <a:extLst>
+              <a:ext uri="{FF2B5EF4-FFF2-40B4-BE49-F238E27FC236}">
+                <a16:creationId xmlns:a16="http://schemas.microsoft.com/office/drawing/2014/main" id="{0EA898E2-5451-497B-B22F-DD0DA7A4DCA1}"/>
+              </a:ext>
+            </a:extLst>
+          </p:cNvPr>
+          <p:cNvSpPr txBox="1">
+            <a:spLocks/>
+          </p:cNvSpPr>
+          <p:nvPr/>
+        </p:nvSpPr>
+        <p:spPr>
+          <a:xfrm>
+            <a:off x="6214535" y="1830017"/>
+            <a:ext cx="5638801" cy="1178156"/>
+          </a:xfrm>
+          <a:prstGeom prst="rect">
+            <a:avLst/>
+          </a:prstGeom>
+          <a:noFill/>
+          <a:ln>
+            <a:solidFill>
+              <a:schemeClr val="tx1">
+                <a:lumMod val="95000"/>
+              </a:schemeClr>
+            </a:solidFill>
+          </a:ln>
+        </p:spPr>
+        <p:txBody>
+          <a:bodyPr anchor="ctr"/>
+          <a:lstStyle>
+            <a:lvl1pPr marL="342900" indent="-342900" algn="l" defTabSz="457200" rtl="0" eaLnBrk="1" latinLnBrk="0" hangingPunct="1">
+              <a:spcBef>
+                <a:spcPts val="1000"/>
+              </a:spcBef>
+              <a:spcAft>
+                <a:spcPts val="0"/>
+              </a:spcAft>
+              <a:buClr>
+                <a:schemeClr val="bg2">
+                  <a:lumMod val="40000"/>
+                  <a:lumOff val="60000"/>
+                </a:schemeClr>
+              </a:buClr>
+              <a:buSzPct val="80000"/>
+              <a:buFont typeface="Wingdings 3" charset="2"/>
+              <a:buChar char=""/>
+              <a:defRPr sz="2000" b="0" i="0" kern="1200">
+                <a:solidFill>
+                  <a:schemeClr val="tx1"/>
+                </a:solidFill>
+                <a:latin typeface="+mj-lt"/>
+                <a:ea typeface="+mj-ea"/>
+                <a:cs typeface="+mj-cs"/>
+              </a:defRPr>
+            </a:lvl1pPr>
+            <a:lvl2pPr marL="742950" indent="-285750" algn="l" defTabSz="457200" rtl="0" eaLnBrk="1" latinLnBrk="0" hangingPunct="1">
+              <a:spcBef>
+                <a:spcPts val="1000"/>
+              </a:spcBef>
+              <a:spcAft>
+                <a:spcPts val="0"/>
+              </a:spcAft>
+              <a:buClr>
+                <a:schemeClr val="bg2">
+                  <a:lumMod val="40000"/>
+                  <a:lumOff val="60000"/>
+                </a:schemeClr>
+              </a:buClr>
+              <a:buSzPct val="80000"/>
+              <a:buFont typeface="Wingdings 3" charset="2"/>
+              <a:buChar char=""/>
+              <a:defRPr sz="1800" b="0" i="0" kern="1200">
+                <a:solidFill>
+                  <a:schemeClr val="tx1"/>
+                </a:solidFill>
+                <a:latin typeface="+mj-lt"/>
+                <a:ea typeface="+mj-ea"/>
+                <a:cs typeface="+mj-cs"/>
+              </a:defRPr>
+            </a:lvl2pPr>
+            <a:lvl3pPr marL="1143000" indent="-228600" algn="l" defTabSz="457200" rtl="0" eaLnBrk="1" latinLnBrk="0" hangingPunct="1">
+              <a:spcBef>
+                <a:spcPts val="1000"/>
+              </a:spcBef>
+              <a:spcAft>
+                <a:spcPts val="0"/>
+              </a:spcAft>
+              <a:buClr>
+                <a:schemeClr val="bg2">
+                  <a:lumMod val="40000"/>
+                  <a:lumOff val="60000"/>
+                </a:schemeClr>
+              </a:buClr>
+              <a:buSzPct val="80000"/>
+              <a:buFont typeface="Wingdings 3" charset="2"/>
+              <a:buChar char=""/>
+              <a:defRPr sz="1600" b="0" i="0" kern="1200">
+                <a:solidFill>
+                  <a:schemeClr val="tx1"/>
+                </a:solidFill>
+                <a:latin typeface="+mj-lt"/>
+                <a:ea typeface="+mj-ea"/>
+                <a:cs typeface="+mj-cs"/>
+              </a:defRPr>
+            </a:lvl3pPr>
+            <a:lvl4pPr marL="1600200" indent="-228600" algn="l" defTabSz="457200" rtl="0" eaLnBrk="1" latinLnBrk="0" hangingPunct="1">
+              <a:spcBef>
+                <a:spcPts val="1000"/>
+              </a:spcBef>
+              <a:spcAft>
+                <a:spcPts val="0"/>
+              </a:spcAft>
+              <a:buClr>
+                <a:schemeClr val="bg2">
+                  <a:lumMod val="40000"/>
+                  <a:lumOff val="60000"/>
+                </a:schemeClr>
+              </a:buClr>
+              <a:buSzPct val="80000"/>
+              <a:buFont typeface="Wingdings 3" charset="2"/>
+              <a:buChar char=""/>
+              <a:defRPr sz="1400" b="0" i="0" kern="1200">
+                <a:solidFill>
+                  <a:schemeClr val="tx1"/>
+                </a:solidFill>
+                <a:latin typeface="+mj-lt"/>
+                <a:ea typeface="+mj-ea"/>
+                <a:cs typeface="+mj-cs"/>
+              </a:defRPr>
+            </a:lvl4pPr>
+            <a:lvl5pPr marL="2057400" indent="-228600" algn="l" defTabSz="457200" rtl="0" eaLnBrk="1" latinLnBrk="0" hangingPunct="1">
+              <a:spcBef>
+                <a:spcPts val="1000"/>
+              </a:spcBef>
+              <a:spcAft>
+                <a:spcPts val="0"/>
+              </a:spcAft>
+              <a:buClr>
+                <a:schemeClr val="bg2">
+                  <a:lumMod val="40000"/>
+                  <a:lumOff val="60000"/>
+                </a:schemeClr>
+              </a:buClr>
+              <a:buSzPct val="80000"/>
+              <a:buFont typeface="Wingdings 3" charset="2"/>
+              <a:buChar char=""/>
+              <a:defRPr sz="1400" b="0" i="0" kern="1200">
+                <a:solidFill>
+                  <a:schemeClr val="tx1"/>
+                </a:solidFill>
+                <a:latin typeface="+mj-lt"/>
+                <a:ea typeface="+mj-ea"/>
+                <a:cs typeface="+mj-cs"/>
+              </a:defRPr>
+            </a:lvl5pPr>
+            <a:lvl6pPr marL="2506000" indent="-228600" algn="l" defTabSz="457200" rtl="0" eaLnBrk="1" latinLnBrk="0" hangingPunct="1">
+              <a:spcBef>
+                <a:spcPts val="1000"/>
+              </a:spcBef>
+              <a:spcAft>
+                <a:spcPts val="0"/>
+              </a:spcAft>
+              <a:buClr>
+                <a:schemeClr val="bg2">
+                  <a:lumMod val="40000"/>
+                  <a:lumOff val="60000"/>
+                </a:schemeClr>
+              </a:buClr>
+              <a:buSzPct val="80000"/>
+              <a:buFont typeface="Wingdings 3" charset="2"/>
+              <a:buChar char=""/>
+              <a:defRPr sz="1400" b="0" i="0" kern="1200">
+                <a:solidFill>
+                  <a:schemeClr val="tx1"/>
+                </a:solidFill>
+                <a:latin typeface="+mj-lt"/>
+                <a:ea typeface="+mj-ea"/>
+                <a:cs typeface="+mj-cs"/>
+              </a:defRPr>
+            </a:lvl6pPr>
+            <a:lvl7pPr marL="2971800" indent="-228600" algn="l" defTabSz="457200" rtl="0" eaLnBrk="1" latinLnBrk="0" hangingPunct="1">
+              <a:spcBef>
+                <a:spcPts val="1000"/>
+              </a:spcBef>
+              <a:spcAft>
+                <a:spcPts val="0"/>
+              </a:spcAft>
+              <a:buClr>
+                <a:schemeClr val="bg2">
+                  <a:lumMod val="40000"/>
+                  <a:lumOff val="60000"/>
+                </a:schemeClr>
+              </a:buClr>
+              <a:buSzPct val="80000"/>
+              <a:buFont typeface="Wingdings 3" charset="2"/>
+              <a:buChar char=""/>
+              <a:defRPr sz="1400" b="0" i="0" kern="1200">
+                <a:solidFill>
+                  <a:schemeClr val="tx1"/>
+                </a:solidFill>
+                <a:latin typeface="+mj-lt"/>
+                <a:ea typeface="+mj-ea"/>
+                <a:cs typeface="+mj-cs"/>
+              </a:defRPr>
+            </a:lvl7pPr>
+            <a:lvl8pPr marL="3429000" indent="-228600" algn="l" defTabSz="457200" rtl="0" eaLnBrk="1" latinLnBrk="0" hangingPunct="1">
+              <a:spcBef>
+                <a:spcPts val="1000"/>
+              </a:spcBef>
+              <a:spcAft>
+                <a:spcPts val="0"/>
+              </a:spcAft>
+              <a:buClr>
+                <a:schemeClr val="bg2">
+                  <a:lumMod val="40000"/>
+                  <a:lumOff val="60000"/>
+                </a:schemeClr>
+              </a:buClr>
+              <a:buSzPct val="80000"/>
+              <a:buFont typeface="Wingdings 3" charset="2"/>
+              <a:buChar char=""/>
+              <a:defRPr sz="1400" b="0" i="0" kern="1200">
+                <a:solidFill>
+                  <a:schemeClr val="tx1"/>
+                </a:solidFill>
+                <a:latin typeface="+mj-lt"/>
+                <a:ea typeface="+mj-ea"/>
+                <a:cs typeface="+mj-cs"/>
+              </a:defRPr>
+            </a:lvl8pPr>
+            <a:lvl9pPr marL="3886200" indent="-228600" algn="l" defTabSz="457200" rtl="0" eaLnBrk="1" latinLnBrk="0" hangingPunct="1">
+              <a:spcBef>
+                <a:spcPts val="1000"/>
+              </a:spcBef>
+              <a:spcAft>
+                <a:spcPts val="0"/>
+              </a:spcAft>
+              <a:buClr>
+                <a:schemeClr val="bg2">
+                  <a:lumMod val="40000"/>
+                  <a:lumOff val="60000"/>
+                </a:schemeClr>
+              </a:buClr>
+              <a:buSzPct val="80000"/>
+              <a:buFont typeface="Wingdings 3" charset="2"/>
+              <a:buChar char=""/>
+              <a:defRPr sz="1400" b="0" i="0" kern="1200">
+                <a:solidFill>
+                  <a:schemeClr val="tx1"/>
+                </a:solidFill>
+                <a:latin typeface="+mj-lt"/>
+                <a:ea typeface="+mj-ea"/>
+                <a:cs typeface="+mj-cs"/>
+              </a:defRPr>
+            </a:lvl9pPr>
+          </a:lstStyle>
+          <a:p>
+            <a:pPr marL="0" indent="0" algn="ctr">
+              <a:spcBef>
+                <a:spcPts val="1200"/>
+              </a:spcBef>
+              <a:buNone/>
+            </a:pPr>
+            <a:r>
+              <a:rPr lang="en-GB" sz="2400" u="sng" dirty="0" err="1"/>
+              <a:t>MetaboAnalyst</a:t>
+            </a:r>
+            <a:endParaRPr lang="en-GB" sz="2400" u="sng" dirty="0"/>
+          </a:p>
+          <a:p>
+            <a:pPr marL="0" indent="0" algn="ctr">
+              <a:spcBef>
+                <a:spcPts val="1200"/>
+              </a:spcBef>
+              <a:buNone/>
+            </a:pPr>
+            <a:r>
+              <a:rPr lang="en-GB" sz="2400" dirty="0"/>
+              <a:t>KEGG (2019)</a:t>
+            </a:r>
+          </a:p>
+        </p:txBody>
+      </p:sp>
+      <p:sp>
+        <p:nvSpPr>
+          <p:cNvPr id="6" name="Content Placeholder 12">
+            <a:extLst>
+              <a:ext uri="{FF2B5EF4-FFF2-40B4-BE49-F238E27FC236}">
+                <a16:creationId xmlns:a16="http://schemas.microsoft.com/office/drawing/2014/main" id="{D13E02CB-71C6-4B76-97AA-A07EF94BC808}"/>
+              </a:ext>
+            </a:extLst>
+          </p:cNvPr>
+          <p:cNvSpPr txBox="1">
+            <a:spLocks/>
+          </p:cNvSpPr>
+          <p:nvPr/>
+        </p:nvSpPr>
+        <p:spPr>
+          <a:xfrm>
+            <a:off x="457198" y="3176234"/>
+            <a:ext cx="5638802" cy="3613082"/>
+          </a:xfrm>
+          <a:prstGeom prst="rect">
+            <a:avLst/>
+          </a:prstGeom>
+          <a:noFill/>
+          <a:ln>
+            <a:solidFill>
+              <a:schemeClr val="tx1">
+                <a:lumMod val="95000"/>
+              </a:schemeClr>
+            </a:solidFill>
+          </a:ln>
+        </p:spPr>
+        <p:txBody>
+          <a:bodyPr/>
+          <a:lstStyle>
+            <a:lvl1pPr marL="342900" indent="-342900" algn="l" defTabSz="457200" rtl="0" eaLnBrk="1" latinLnBrk="0" hangingPunct="1">
+              <a:spcBef>
+                <a:spcPts val="1000"/>
+              </a:spcBef>
+              <a:spcAft>
+                <a:spcPts val="0"/>
+              </a:spcAft>
+              <a:buClr>
+                <a:schemeClr val="bg2">
+                  <a:lumMod val="40000"/>
+                  <a:lumOff val="60000"/>
+                </a:schemeClr>
+              </a:buClr>
+              <a:buSzPct val="80000"/>
+              <a:buFont typeface="Wingdings 3" charset="2"/>
+              <a:buChar char=""/>
+              <a:defRPr sz="2000" b="0" i="0" kern="1200">
+                <a:solidFill>
+                  <a:schemeClr val="tx1"/>
+                </a:solidFill>
+                <a:latin typeface="+mj-lt"/>
+                <a:ea typeface="+mj-ea"/>
+                <a:cs typeface="+mj-cs"/>
+              </a:defRPr>
+            </a:lvl1pPr>
+            <a:lvl2pPr marL="742950" indent="-285750" algn="l" defTabSz="457200" rtl="0" eaLnBrk="1" latinLnBrk="0" hangingPunct="1">
+              <a:spcBef>
+                <a:spcPts val="1000"/>
+              </a:spcBef>
+              <a:spcAft>
+                <a:spcPts val="0"/>
+              </a:spcAft>
+              <a:buClr>
+                <a:schemeClr val="bg2">
+                  <a:lumMod val="40000"/>
+                  <a:lumOff val="60000"/>
+                </a:schemeClr>
+              </a:buClr>
+              <a:buSzPct val="80000"/>
+              <a:buFont typeface="Wingdings 3" charset="2"/>
+              <a:buChar char=""/>
+              <a:defRPr sz="1800" b="0" i="0" kern="1200">
+                <a:solidFill>
+                  <a:schemeClr val="tx1"/>
+                </a:solidFill>
+                <a:latin typeface="+mj-lt"/>
+                <a:ea typeface="+mj-ea"/>
+                <a:cs typeface="+mj-cs"/>
+              </a:defRPr>
+            </a:lvl2pPr>
+            <a:lvl3pPr marL="1143000" indent="-228600" algn="l" defTabSz="457200" rtl="0" eaLnBrk="1" latinLnBrk="0" hangingPunct="1">
+              <a:spcBef>
+                <a:spcPts val="1000"/>
+              </a:spcBef>
+              <a:spcAft>
+                <a:spcPts val="0"/>
+              </a:spcAft>
+              <a:buClr>
+                <a:schemeClr val="bg2">
+                  <a:lumMod val="40000"/>
+                  <a:lumOff val="60000"/>
+                </a:schemeClr>
+              </a:buClr>
+              <a:buSzPct val="80000"/>
+              <a:buFont typeface="Wingdings 3" charset="2"/>
+              <a:buChar char=""/>
+              <a:defRPr sz="1600" b="0" i="0" kern="1200">
+                <a:solidFill>
+                  <a:schemeClr val="tx1"/>
+                </a:solidFill>
+                <a:latin typeface="+mj-lt"/>
+                <a:ea typeface="+mj-ea"/>
+                <a:cs typeface="+mj-cs"/>
+              </a:defRPr>
+            </a:lvl3pPr>
+            <a:lvl4pPr marL="1600200" indent="-228600" algn="l" defTabSz="457200" rtl="0" eaLnBrk="1" latinLnBrk="0" hangingPunct="1">
+              <a:spcBef>
+                <a:spcPts val="1000"/>
+              </a:spcBef>
+              <a:spcAft>
+                <a:spcPts val="0"/>
+              </a:spcAft>
+              <a:buClr>
+                <a:schemeClr val="bg2">
+                  <a:lumMod val="40000"/>
+                  <a:lumOff val="60000"/>
+                </a:schemeClr>
+              </a:buClr>
+              <a:buSzPct val="80000"/>
+              <a:buFont typeface="Wingdings 3" charset="2"/>
+              <a:buChar char=""/>
+              <a:defRPr sz="1400" b="0" i="0" kern="1200">
+                <a:solidFill>
+                  <a:schemeClr val="tx1"/>
+                </a:solidFill>
+                <a:latin typeface="+mj-lt"/>
+                <a:ea typeface="+mj-ea"/>
+                <a:cs typeface="+mj-cs"/>
+              </a:defRPr>
+            </a:lvl4pPr>
+            <a:lvl5pPr marL="2057400" indent="-228600" algn="l" defTabSz="457200" rtl="0" eaLnBrk="1" latinLnBrk="0" hangingPunct="1">
+              <a:spcBef>
+                <a:spcPts val="1000"/>
+              </a:spcBef>
+              <a:spcAft>
+                <a:spcPts val="0"/>
+              </a:spcAft>
+              <a:buClr>
+                <a:schemeClr val="bg2">
+                  <a:lumMod val="40000"/>
+                  <a:lumOff val="60000"/>
+                </a:schemeClr>
+              </a:buClr>
+              <a:buSzPct val="80000"/>
+              <a:buFont typeface="Wingdings 3" charset="2"/>
+              <a:buChar char=""/>
+              <a:defRPr sz="1400" b="0" i="0" kern="1200">
+                <a:solidFill>
+                  <a:schemeClr val="tx1"/>
+                </a:solidFill>
+                <a:latin typeface="+mj-lt"/>
+                <a:ea typeface="+mj-ea"/>
+                <a:cs typeface="+mj-cs"/>
+              </a:defRPr>
+            </a:lvl5pPr>
+            <a:lvl6pPr marL="2506000" indent="-228600" algn="l" defTabSz="457200" rtl="0" eaLnBrk="1" latinLnBrk="0" hangingPunct="1">
+              <a:spcBef>
+                <a:spcPts val="1000"/>
+              </a:spcBef>
+              <a:spcAft>
+                <a:spcPts val="0"/>
+              </a:spcAft>
+              <a:buClr>
+                <a:schemeClr val="bg2">
+                  <a:lumMod val="40000"/>
+                  <a:lumOff val="60000"/>
+                </a:schemeClr>
+              </a:buClr>
+              <a:buSzPct val="80000"/>
+              <a:buFont typeface="Wingdings 3" charset="2"/>
+              <a:buChar char=""/>
+              <a:defRPr sz="1400" b="0" i="0" kern="1200">
+                <a:solidFill>
+                  <a:schemeClr val="tx1"/>
+                </a:solidFill>
+                <a:latin typeface="+mj-lt"/>
+                <a:ea typeface="+mj-ea"/>
+                <a:cs typeface="+mj-cs"/>
+              </a:defRPr>
+            </a:lvl6pPr>
+            <a:lvl7pPr marL="2971800" indent="-228600" algn="l" defTabSz="457200" rtl="0" eaLnBrk="1" latinLnBrk="0" hangingPunct="1">
+              <a:spcBef>
+                <a:spcPts val="1000"/>
+              </a:spcBef>
+              <a:spcAft>
+                <a:spcPts val="0"/>
+              </a:spcAft>
+              <a:buClr>
+                <a:schemeClr val="bg2">
+                  <a:lumMod val="40000"/>
+                  <a:lumOff val="60000"/>
+                </a:schemeClr>
+              </a:buClr>
+              <a:buSzPct val="80000"/>
+              <a:buFont typeface="Wingdings 3" charset="2"/>
+              <a:buChar char=""/>
+              <a:defRPr sz="1400" b="0" i="0" kern="1200">
+                <a:solidFill>
+                  <a:schemeClr val="tx1"/>
+                </a:solidFill>
+                <a:latin typeface="+mj-lt"/>
+                <a:ea typeface="+mj-ea"/>
+                <a:cs typeface="+mj-cs"/>
+              </a:defRPr>
+            </a:lvl7pPr>
+            <a:lvl8pPr marL="3429000" indent="-228600" algn="l" defTabSz="457200" rtl="0" eaLnBrk="1" latinLnBrk="0" hangingPunct="1">
+              <a:spcBef>
+                <a:spcPts val="1000"/>
+              </a:spcBef>
+              <a:spcAft>
+                <a:spcPts val="0"/>
+              </a:spcAft>
+              <a:buClr>
+                <a:schemeClr val="bg2">
+                  <a:lumMod val="40000"/>
+                  <a:lumOff val="60000"/>
+                </a:schemeClr>
+              </a:buClr>
+              <a:buSzPct val="80000"/>
+              <a:buFont typeface="Wingdings 3" charset="2"/>
+              <a:buChar char=""/>
+              <a:defRPr sz="1400" b="0" i="0" kern="1200">
+                <a:solidFill>
+                  <a:schemeClr val="tx1"/>
+                </a:solidFill>
+                <a:latin typeface="+mj-lt"/>
+                <a:ea typeface="+mj-ea"/>
+                <a:cs typeface="+mj-cs"/>
+              </a:defRPr>
+            </a:lvl8pPr>
+            <a:lvl9pPr marL="3886200" indent="-228600" algn="l" defTabSz="457200" rtl="0" eaLnBrk="1" latinLnBrk="0" hangingPunct="1">
+              <a:spcBef>
+                <a:spcPts val="1000"/>
+              </a:spcBef>
+              <a:spcAft>
+                <a:spcPts val="0"/>
+              </a:spcAft>
+              <a:buClr>
+                <a:schemeClr val="bg2">
+                  <a:lumMod val="40000"/>
+                  <a:lumOff val="60000"/>
+                </a:schemeClr>
+              </a:buClr>
+              <a:buSzPct val="80000"/>
+              <a:buFont typeface="Wingdings 3" charset="2"/>
+              <a:buChar char=""/>
+              <a:defRPr sz="1400" b="0" i="0" kern="1200">
+                <a:solidFill>
+                  <a:schemeClr val="tx1"/>
+                </a:solidFill>
+                <a:latin typeface="+mj-lt"/>
+                <a:ea typeface="+mj-ea"/>
+                <a:cs typeface="+mj-cs"/>
+              </a:defRPr>
+            </a:lvl9pPr>
+          </a:lstStyle>
+          <a:p>
+            <a:pPr marL="0" indent="0">
+              <a:spcBef>
+                <a:spcPts val="600"/>
+              </a:spcBef>
+              <a:buNone/>
+            </a:pPr>
+            <a:endParaRPr lang="en-GB" sz="1900" dirty="0">
+              <a:solidFill>
+                <a:schemeClr val="tx1">
+                  <a:lumMod val="95000"/>
+                </a:schemeClr>
+              </a:solidFill>
+            </a:endParaRPr>
+          </a:p>
+        </p:txBody>
+      </p:sp>
+      <p:sp>
+        <p:nvSpPr>
+          <p:cNvPr id="9" name="Content Placeholder 12">
+            <a:extLst>
+              <a:ext uri="{FF2B5EF4-FFF2-40B4-BE49-F238E27FC236}">
+                <a16:creationId xmlns:a16="http://schemas.microsoft.com/office/drawing/2014/main" id="{1C2289D7-09FC-40D0-967B-7AB9160BE059}"/>
+              </a:ext>
+            </a:extLst>
+          </p:cNvPr>
+          <p:cNvSpPr txBox="1">
+            <a:spLocks/>
+          </p:cNvSpPr>
+          <p:nvPr/>
+        </p:nvSpPr>
+        <p:spPr>
+          <a:xfrm>
+            <a:off x="6214533" y="3176232"/>
+            <a:ext cx="5520268" cy="3613082"/>
+          </a:xfrm>
+          <a:prstGeom prst="rect">
+            <a:avLst/>
+          </a:prstGeom>
+          <a:noFill/>
+          <a:ln>
+            <a:solidFill>
+              <a:schemeClr val="tx1">
+                <a:lumMod val="95000"/>
+              </a:schemeClr>
+            </a:solidFill>
+          </a:ln>
+        </p:spPr>
+        <p:txBody>
+          <a:bodyPr vert="horz" lIns="91440" tIns="45720" rIns="91440" bIns="45720" rtlCol="0">
+            <a:normAutofit/>
+          </a:bodyPr>
+          <a:lstStyle>
+            <a:lvl1pPr marL="342900" indent="-342900" algn="l" defTabSz="457200" rtl="0" eaLnBrk="1" latinLnBrk="0" hangingPunct="1">
+              <a:spcBef>
+                <a:spcPts val="1000"/>
+              </a:spcBef>
+              <a:spcAft>
+                <a:spcPts val="0"/>
+              </a:spcAft>
+              <a:buClr>
+                <a:schemeClr val="bg2">
+                  <a:lumMod val="40000"/>
+                  <a:lumOff val="60000"/>
+                </a:schemeClr>
+              </a:buClr>
+              <a:buSzPct val="80000"/>
+              <a:buFont typeface="Wingdings 3" charset="2"/>
+              <a:buChar char=""/>
+              <a:defRPr sz="1800" b="0" i="0" kern="1200">
+                <a:solidFill>
+                  <a:schemeClr val="tx1"/>
+                </a:solidFill>
+                <a:latin typeface="+mj-lt"/>
+                <a:ea typeface="+mj-ea"/>
+                <a:cs typeface="+mj-cs"/>
+              </a:defRPr>
+            </a:lvl1pPr>
+            <a:lvl2pPr marL="742950" indent="-285750" algn="l" defTabSz="457200" rtl="0" eaLnBrk="1" latinLnBrk="0" hangingPunct="1">
+              <a:spcBef>
+                <a:spcPts val="1000"/>
+              </a:spcBef>
+              <a:spcAft>
+                <a:spcPts val="0"/>
+              </a:spcAft>
+              <a:buClr>
+                <a:schemeClr val="bg2">
+                  <a:lumMod val="40000"/>
+                  <a:lumOff val="60000"/>
+                </a:schemeClr>
+              </a:buClr>
+              <a:buSzPct val="80000"/>
+              <a:buFont typeface="Wingdings 3" charset="2"/>
+              <a:buChar char=""/>
+              <a:defRPr sz="1600" b="0" i="0" kern="1200">
+                <a:solidFill>
+                  <a:schemeClr val="tx1"/>
+                </a:solidFill>
+                <a:latin typeface="+mj-lt"/>
+                <a:ea typeface="+mj-ea"/>
+                <a:cs typeface="+mj-cs"/>
+              </a:defRPr>
+            </a:lvl2pPr>
+            <a:lvl3pPr marL="1143000" indent="-228600" algn="l" defTabSz="457200" rtl="0" eaLnBrk="1" latinLnBrk="0" hangingPunct="1">
+              <a:spcBef>
+                <a:spcPts val="1000"/>
+              </a:spcBef>
+              <a:spcAft>
+                <a:spcPts val="0"/>
+              </a:spcAft>
+              <a:buClr>
+                <a:schemeClr val="bg2">
+                  <a:lumMod val="40000"/>
+                  <a:lumOff val="60000"/>
+                </a:schemeClr>
+              </a:buClr>
+              <a:buSzPct val="80000"/>
+              <a:buFont typeface="Wingdings 3" charset="2"/>
+              <a:buChar char=""/>
+              <a:defRPr sz="1400" b="0" i="0" kern="1200">
+                <a:solidFill>
+                  <a:schemeClr val="tx1"/>
+                </a:solidFill>
+                <a:latin typeface="+mj-lt"/>
+                <a:ea typeface="+mj-ea"/>
+                <a:cs typeface="+mj-cs"/>
+              </a:defRPr>
+            </a:lvl3pPr>
+            <a:lvl4pPr marL="1600200" indent="-228600" algn="l" defTabSz="457200" rtl="0" eaLnBrk="1" latinLnBrk="0" hangingPunct="1">
+              <a:spcBef>
+                <a:spcPts val="1000"/>
+              </a:spcBef>
+              <a:spcAft>
+                <a:spcPts val="0"/>
+              </a:spcAft>
+              <a:buClr>
+                <a:schemeClr val="bg2">
+                  <a:lumMod val="40000"/>
+                  <a:lumOff val="60000"/>
+                </a:schemeClr>
+              </a:buClr>
+              <a:buSzPct val="80000"/>
+              <a:buFont typeface="Wingdings 3" charset="2"/>
+              <a:buChar char=""/>
+              <a:defRPr sz="1200" b="0" i="0" kern="1200">
+                <a:solidFill>
+                  <a:schemeClr val="tx1"/>
+                </a:solidFill>
+                <a:latin typeface="+mj-lt"/>
+                <a:ea typeface="+mj-ea"/>
+                <a:cs typeface="+mj-cs"/>
+              </a:defRPr>
+            </a:lvl4pPr>
+            <a:lvl5pPr marL="2057400" indent="-228600" algn="l" defTabSz="457200" rtl="0" eaLnBrk="1" latinLnBrk="0" hangingPunct="1">
+              <a:spcBef>
+                <a:spcPts val="1000"/>
+              </a:spcBef>
+              <a:spcAft>
+                <a:spcPts val="0"/>
+              </a:spcAft>
+              <a:buClr>
+                <a:schemeClr val="bg2">
+                  <a:lumMod val="40000"/>
+                  <a:lumOff val="60000"/>
+                </a:schemeClr>
+              </a:buClr>
+              <a:buSzPct val="80000"/>
+              <a:buFont typeface="Wingdings 3" charset="2"/>
+              <a:buChar char=""/>
+              <a:defRPr sz="1200" b="0" i="0" kern="1200">
+                <a:solidFill>
+                  <a:schemeClr val="tx1"/>
+                </a:solidFill>
+                <a:latin typeface="+mj-lt"/>
+                <a:ea typeface="+mj-ea"/>
+                <a:cs typeface="+mj-cs"/>
+              </a:defRPr>
+            </a:lvl5pPr>
+            <a:lvl6pPr marL="2506000" indent="-228600" algn="l" defTabSz="457200" rtl="0" eaLnBrk="1" latinLnBrk="0" hangingPunct="1">
+              <a:spcBef>
+                <a:spcPts val="1000"/>
+              </a:spcBef>
+              <a:spcAft>
+                <a:spcPts val="0"/>
+              </a:spcAft>
+              <a:buClr>
+                <a:schemeClr val="bg2">
+                  <a:lumMod val="40000"/>
+                  <a:lumOff val="60000"/>
+                </a:schemeClr>
+              </a:buClr>
+              <a:buSzPct val="80000"/>
+              <a:buFont typeface="Wingdings 3" charset="2"/>
+              <a:buChar char=""/>
+              <a:defRPr sz="1200" b="0" i="0" kern="1200">
+                <a:solidFill>
+                  <a:schemeClr val="tx1"/>
+                </a:solidFill>
+                <a:latin typeface="+mj-lt"/>
+                <a:ea typeface="+mj-ea"/>
+                <a:cs typeface="+mj-cs"/>
+              </a:defRPr>
+            </a:lvl6pPr>
+            <a:lvl7pPr marL="2971800" indent="-228600" algn="l" defTabSz="457200" rtl="0" eaLnBrk="1" latinLnBrk="0" hangingPunct="1">
+              <a:spcBef>
+                <a:spcPts val="1000"/>
+              </a:spcBef>
+              <a:spcAft>
+                <a:spcPts val="0"/>
+              </a:spcAft>
+              <a:buClr>
+                <a:schemeClr val="bg2">
+                  <a:lumMod val="40000"/>
+                  <a:lumOff val="60000"/>
+                </a:schemeClr>
+              </a:buClr>
+              <a:buSzPct val="80000"/>
+              <a:buFont typeface="Wingdings 3" charset="2"/>
+              <a:buChar char=""/>
+              <a:defRPr sz="1200" b="0" i="0" kern="1200">
+                <a:solidFill>
+                  <a:schemeClr val="tx1"/>
+                </a:solidFill>
+                <a:latin typeface="+mj-lt"/>
+                <a:ea typeface="+mj-ea"/>
+                <a:cs typeface="+mj-cs"/>
+              </a:defRPr>
+            </a:lvl7pPr>
+            <a:lvl8pPr marL="3429000" indent="-228600" algn="l" defTabSz="457200" rtl="0" eaLnBrk="1" latinLnBrk="0" hangingPunct="1">
+              <a:spcBef>
+                <a:spcPts val="1000"/>
+              </a:spcBef>
+              <a:spcAft>
+                <a:spcPts val="0"/>
+              </a:spcAft>
+              <a:buClr>
+                <a:schemeClr val="bg2">
+                  <a:lumMod val="40000"/>
+                  <a:lumOff val="60000"/>
+                </a:schemeClr>
+              </a:buClr>
+              <a:buSzPct val="80000"/>
+              <a:buFont typeface="Wingdings 3" charset="2"/>
+              <a:buChar char=""/>
+              <a:defRPr sz="1200" b="0" i="0" kern="1200">
+                <a:solidFill>
+                  <a:schemeClr val="tx1"/>
+                </a:solidFill>
+                <a:latin typeface="+mj-lt"/>
+                <a:ea typeface="+mj-ea"/>
+                <a:cs typeface="+mj-cs"/>
+              </a:defRPr>
+            </a:lvl8pPr>
+            <a:lvl9pPr marL="3886200" indent="-228600" algn="l" defTabSz="457200" rtl="0" eaLnBrk="1" latinLnBrk="0" hangingPunct="1">
+              <a:spcBef>
+                <a:spcPts val="1000"/>
+              </a:spcBef>
+              <a:spcAft>
+                <a:spcPts val="0"/>
+              </a:spcAft>
+              <a:buClr>
+                <a:schemeClr val="bg2">
+                  <a:lumMod val="40000"/>
+                  <a:lumOff val="60000"/>
+                </a:schemeClr>
+              </a:buClr>
+              <a:buSzPct val="80000"/>
+              <a:buFont typeface="Wingdings 3" charset="2"/>
+              <a:buChar char=""/>
+              <a:defRPr sz="1200" b="0" i="0" kern="1200">
+                <a:solidFill>
+                  <a:schemeClr val="tx1"/>
+                </a:solidFill>
+                <a:latin typeface="+mj-lt"/>
+                <a:ea typeface="+mj-ea"/>
+                <a:cs typeface="+mj-cs"/>
+              </a:defRPr>
+            </a:lvl9pPr>
+          </a:lstStyle>
+          <a:p>
+            <a:pPr marL="0" indent="0">
+              <a:buNone/>
+            </a:pPr>
+            <a:endParaRPr lang="en-GB" dirty="0">
+              <a:solidFill>
+                <a:schemeClr val="tx1">
+                  <a:lumMod val="95000"/>
+                </a:schemeClr>
+              </a:solidFill>
+            </a:endParaRPr>
+          </a:p>
+        </p:txBody>
+      </p:sp>
+      <p:graphicFrame>
+        <p:nvGraphicFramePr>
+          <p:cNvPr id="14" name="Table 14">
+            <a:extLst>
+              <a:ext uri="{FF2B5EF4-FFF2-40B4-BE49-F238E27FC236}">
+                <a16:creationId xmlns:a16="http://schemas.microsoft.com/office/drawing/2014/main" id="{E667E17F-DAAE-46CF-9029-5495AB198ECF}"/>
+              </a:ext>
+            </a:extLst>
+          </p:cNvPr>
+          <p:cNvGraphicFramePr>
+            <a:graphicFrameLocks noGrp="1"/>
+          </p:cNvGraphicFramePr>
+          <p:nvPr>
+            <p:extLst>
+              <p:ext uri="{D42A27DB-BD31-4B8C-83A1-F6EECF244321}">
+                <p14:modId xmlns:p14="http://schemas.microsoft.com/office/powerpoint/2010/main" val="3624083042"/>
+              </p:ext>
+            </p:extLst>
+          </p:nvPr>
+        </p:nvGraphicFramePr>
+        <p:xfrm>
+          <a:off x="457199" y="3149600"/>
+          <a:ext cx="5638803" cy="3651416"/>
+        </p:xfrm>
+        <a:graphic>
+          <a:graphicData uri="http://schemas.openxmlformats.org/drawingml/2006/table">
+            <a:tbl>
+              <a:tblPr firstRow="1" bandRow="1">
+                <a:tableStyleId>{5C22544A-7EE6-4342-B048-85BDC9FD1C3A}</a:tableStyleId>
+              </a:tblPr>
+              <a:tblGrid>
+                <a:gridCol w="2594226">
+                  <a:extLst>
+                    <a:ext uri="{9D8B030D-6E8A-4147-A177-3AD203B41FA5}">
+                      <a16:colId xmlns:a16="http://schemas.microsoft.com/office/drawing/2014/main" val="2785728019"/>
+                    </a:ext>
+                  </a:extLst>
+                </a:gridCol>
+                <a:gridCol w="1993186">
+                  <a:extLst>
+                    <a:ext uri="{9D8B030D-6E8A-4147-A177-3AD203B41FA5}">
+                      <a16:colId xmlns:a16="http://schemas.microsoft.com/office/drawing/2014/main" val="809167093"/>
+                    </a:ext>
+                  </a:extLst>
+                </a:gridCol>
+                <a:gridCol w="1051391">
+                  <a:extLst>
+                    <a:ext uri="{9D8B030D-6E8A-4147-A177-3AD203B41FA5}">
+                      <a16:colId xmlns:a16="http://schemas.microsoft.com/office/drawing/2014/main" val="4147685562"/>
+                    </a:ext>
+                  </a:extLst>
+                </a:gridCol>
+              </a:tblGrid>
+              <a:tr h="390387">
+                <a:tc>
+                  <a:txBody>
+                    <a:bodyPr/>
+                    <a:lstStyle/>
+                    <a:p>
+                      <a:pPr algn="ctr" rtl="0" fontAlgn="t">
+                        <a:spcBef>
+                          <a:spcPts val="0"/>
+                        </a:spcBef>
+                        <a:spcAft>
+                          <a:spcPts val="0"/>
+                        </a:spcAft>
+                      </a:pPr>
+                      <a:r>
+                        <a:rPr lang="en-GB" dirty="0">
+                          <a:effectLst/>
+                        </a:rPr>
+                        <a:t>Pathway </a:t>
+                      </a:r>
+                    </a:p>
+                  </a:txBody>
+                  <a:tcPr marL="63500" marR="63500" marT="63500" marB="63500"/>
+                </a:tc>
+                <a:tc>
+                  <a:txBody>
+                    <a:bodyPr/>
+                    <a:lstStyle/>
+                    <a:p>
+                      <a:pPr algn="ctr"/>
+                      <a:r>
+                        <a:rPr lang="en-GB" dirty="0"/>
+                        <a:t>Hits</a:t>
+                      </a:r>
+                    </a:p>
+                  </a:txBody>
+                  <a:tcPr/>
+                </a:tc>
+                <a:tc>
+                  <a:txBody>
+                    <a:bodyPr/>
+                    <a:lstStyle/>
+                    <a:p>
+                      <a:pPr algn="ctr"/>
+                      <a:r>
+                        <a:rPr lang="en-GB" dirty="0" err="1"/>
+                        <a:t>logFC</a:t>
+                      </a:r>
+                      <a:endParaRPr lang="en-GB" dirty="0"/>
+                    </a:p>
+                  </a:txBody>
+                  <a:tcPr/>
+                </a:tc>
+                <a:extLst>
+                  <a:ext uri="{0D108BD9-81ED-4DB2-BD59-A6C34878D82A}">
+                    <a16:rowId xmlns:a16="http://schemas.microsoft.com/office/drawing/2014/main" val="3619875308"/>
+                  </a:ext>
+                </a:extLst>
+              </a:tr>
+              <a:tr h="355796">
+                <a:tc>
+                  <a:txBody>
+                    <a:bodyPr/>
+                    <a:lstStyle/>
+                    <a:p>
+                      <a:r>
+                        <a:rPr lang="en-GB" dirty="0"/>
+                        <a:t>IL-1 signalling</a:t>
+                      </a:r>
+                    </a:p>
+                  </a:txBody>
+                  <a:tcPr/>
+                </a:tc>
+                <a:tc>
+                  <a:txBody>
+                    <a:bodyPr/>
+                    <a:lstStyle/>
+                    <a:p>
+                      <a:r>
+                        <a:rPr lang="en-GB" dirty="0"/>
+                        <a:t>IL1RAP</a:t>
+                      </a:r>
+                    </a:p>
+                  </a:txBody>
+                  <a:tcPr/>
+                </a:tc>
+                <a:tc>
+                  <a:txBody>
+                    <a:bodyPr/>
+                    <a:lstStyle/>
+                    <a:p>
+                      <a:r>
+                        <a:rPr lang="en-GB" dirty="0"/>
+                        <a:t>-0.302</a:t>
+                      </a:r>
+                    </a:p>
+                  </a:txBody>
+                  <a:tcPr/>
+                </a:tc>
+                <a:extLst>
+                  <a:ext uri="{0D108BD9-81ED-4DB2-BD59-A6C34878D82A}">
+                    <a16:rowId xmlns:a16="http://schemas.microsoft.com/office/drawing/2014/main" val="2186375186"/>
+                  </a:ext>
+                </a:extLst>
+              </a:tr>
+              <a:tr h="644347">
+                <a:tc>
+                  <a:txBody>
+                    <a:bodyPr/>
+                    <a:lstStyle/>
+                    <a:p>
+                      <a:r>
+                        <a:rPr lang="en-GB" dirty="0"/>
+                        <a:t>Signal transduction through IL1R</a:t>
+                      </a:r>
+                    </a:p>
+                  </a:txBody>
+                  <a:tcPr/>
+                </a:tc>
+                <a:tc>
+                  <a:txBody>
+                    <a:bodyPr/>
+                    <a:lstStyle/>
+                    <a:p>
+                      <a:r>
+                        <a:rPr lang="en-GB" dirty="0"/>
+                        <a:t>IL1RAP</a:t>
+                      </a:r>
+                    </a:p>
+                  </a:txBody>
+                  <a:tcPr/>
+                </a:tc>
+                <a:tc>
+                  <a:txBody>
+                    <a:bodyPr/>
+                    <a:lstStyle/>
+                    <a:p>
+                      <a:r>
+                        <a:rPr lang="en-GB" dirty="0"/>
+                        <a:t>-0.302</a:t>
+                      </a:r>
+                    </a:p>
+                  </a:txBody>
+                  <a:tcPr/>
+                </a:tc>
+                <a:extLst>
+                  <a:ext uri="{0D108BD9-81ED-4DB2-BD59-A6C34878D82A}">
+                    <a16:rowId xmlns:a16="http://schemas.microsoft.com/office/drawing/2014/main" val="121303743"/>
+                  </a:ext>
+                </a:extLst>
+              </a:tr>
+              <a:tr h="622643">
+                <a:tc>
+                  <a:txBody>
+                    <a:bodyPr/>
+                    <a:lstStyle/>
+                    <a:p>
+                      <a:r>
+                        <a:rPr lang="en-GB" sz="1800" b="0" i="0" u="none" strike="noStrike" kern="1200" dirty="0">
+                          <a:solidFill>
+                            <a:schemeClr val="dk1"/>
+                          </a:solidFill>
+                          <a:effectLst/>
+                          <a:latin typeface="+mn-lt"/>
+                          <a:ea typeface="+mn-ea"/>
+                          <a:cs typeface="+mn-cs"/>
+                        </a:rPr>
+                        <a:t>Sphingolipid pathway</a:t>
+                      </a:r>
+                      <a:endParaRPr lang="en-GB" dirty="0"/>
+                    </a:p>
+                  </a:txBody>
+                  <a:tcPr/>
+                </a:tc>
+                <a:tc>
+                  <a:txBody>
+                    <a:bodyPr/>
+                    <a:lstStyle/>
+                    <a:p>
+                      <a:r>
+                        <a:rPr lang="en-GB" sz="1800" b="0" i="0" u="none" strike="noStrike" kern="1200" dirty="0">
+                          <a:solidFill>
+                            <a:schemeClr val="dk1"/>
+                          </a:solidFill>
+                          <a:effectLst/>
+                          <a:latin typeface="+mn-lt"/>
+                          <a:ea typeface="+mn-ea"/>
+                          <a:cs typeface="+mn-cs"/>
+                        </a:rPr>
+                        <a:t>Dihydro-sphingosine</a:t>
+                      </a:r>
+                      <a:endParaRPr lang="en-GB" dirty="0"/>
+                    </a:p>
+                  </a:txBody>
+                  <a:tcPr/>
+                </a:tc>
+                <a:tc>
+                  <a:txBody>
+                    <a:bodyPr/>
+                    <a:lstStyle/>
+                    <a:p>
+                      <a:r>
+                        <a:rPr lang="en-GB" dirty="0"/>
+                        <a:t>-0.155</a:t>
+                      </a:r>
+                    </a:p>
+                  </a:txBody>
+                  <a:tcPr/>
+                </a:tc>
+                <a:extLst>
+                  <a:ext uri="{0D108BD9-81ED-4DB2-BD59-A6C34878D82A}">
+                    <a16:rowId xmlns:a16="http://schemas.microsoft.com/office/drawing/2014/main" val="3175634301"/>
+                  </a:ext>
+                </a:extLst>
+              </a:tr>
+              <a:tr h="782369">
+                <a:tc>
+                  <a:txBody>
+                    <a:bodyPr/>
+                    <a:lstStyle/>
+                    <a:p>
+                      <a:r>
+                        <a:rPr lang="en-GB" dirty="0"/>
+                        <a:t>PPAR alpha pathway</a:t>
+                      </a:r>
+                    </a:p>
+                  </a:txBody>
+                  <a:tcPr/>
+                </a:tc>
+                <a:tc>
+                  <a:txBody>
+                    <a:bodyPr/>
+                    <a:lstStyle/>
+                    <a:p>
+                      <a:r>
+                        <a:rPr lang="en-GB" dirty="0"/>
+                        <a:t>APOA1</a:t>
+                      </a:r>
+                    </a:p>
+                    <a:p>
+                      <a:r>
+                        <a:rPr lang="en-GB" dirty="0"/>
+                        <a:t>PLTP</a:t>
+                      </a:r>
+                    </a:p>
+                  </a:txBody>
+                  <a:tcPr/>
+                </a:tc>
+                <a:tc>
+                  <a:txBody>
+                    <a:bodyPr/>
+                    <a:lstStyle/>
+                    <a:p>
+                      <a:r>
+                        <a:rPr lang="en-GB" dirty="0"/>
+                        <a:t>-0.301</a:t>
+                      </a:r>
+                    </a:p>
+                    <a:p>
+                      <a:r>
+                        <a:rPr lang="en-GB" dirty="0"/>
+                        <a:t>-0.458</a:t>
+                      </a:r>
+                    </a:p>
+                  </a:txBody>
+                  <a:tcPr/>
+                </a:tc>
+                <a:extLst>
+                  <a:ext uri="{0D108BD9-81ED-4DB2-BD59-A6C34878D82A}">
+                    <a16:rowId xmlns:a16="http://schemas.microsoft.com/office/drawing/2014/main" val="361112695"/>
+                  </a:ext>
+                </a:extLst>
+              </a:tr>
+              <a:tr h="817540">
+                <a:tc>
+                  <a:txBody>
+                    <a:bodyPr/>
+                    <a:lstStyle/>
+                    <a:p>
+                      <a:r>
+                        <a:rPr lang="en-GB" sz="1800" b="0" i="0" u="none" strike="noStrike" kern="1200" dirty="0">
+                          <a:solidFill>
+                            <a:schemeClr val="dk1"/>
+                          </a:solidFill>
+                          <a:effectLst/>
+                          <a:latin typeface="+mn-lt"/>
+                          <a:ea typeface="+mn-ea"/>
+                          <a:cs typeface="+mn-cs"/>
+                        </a:rPr>
+                        <a:t>Glutathione metabolism</a:t>
+                      </a:r>
+                      <a:endParaRPr lang="en-GB" dirty="0"/>
+                    </a:p>
+                  </a:txBody>
+                  <a:tcPr/>
+                </a:tc>
+                <a:tc>
+                  <a:txBody>
+                    <a:bodyPr/>
+                    <a:lstStyle/>
+                    <a:p>
+                      <a:r>
+                        <a:rPr lang="en-GB" dirty="0"/>
+                        <a:t>L-Glutamate</a:t>
+                      </a:r>
+                    </a:p>
+                    <a:p>
+                      <a:r>
+                        <a:rPr lang="en-GB" dirty="0"/>
+                        <a:t>5-Oxoproline</a:t>
+                      </a:r>
+                    </a:p>
+                  </a:txBody>
+                  <a:tcPr/>
+                </a:tc>
+                <a:tc>
+                  <a:txBody>
+                    <a:bodyPr/>
+                    <a:lstStyle/>
+                    <a:p>
+                      <a:r>
+                        <a:rPr lang="en-GB" dirty="0"/>
+                        <a:t>0.288</a:t>
+                      </a:r>
+                    </a:p>
+                    <a:p>
+                      <a:r>
+                        <a:rPr lang="en-GB" dirty="0"/>
+                        <a:t>0.157</a:t>
+                      </a:r>
+                    </a:p>
+                  </a:txBody>
+                  <a:tcPr/>
+                </a:tc>
+                <a:extLst>
+                  <a:ext uri="{0D108BD9-81ED-4DB2-BD59-A6C34878D82A}">
+                    <a16:rowId xmlns:a16="http://schemas.microsoft.com/office/drawing/2014/main" val="3896596245"/>
+                  </a:ext>
+                </a:extLst>
+              </a:tr>
+            </a:tbl>
+          </a:graphicData>
+        </a:graphic>
+      </p:graphicFrame>
+      <p:graphicFrame>
+        <p:nvGraphicFramePr>
+          <p:cNvPr id="16" name="Table 14">
+            <a:extLst>
+              <a:ext uri="{FF2B5EF4-FFF2-40B4-BE49-F238E27FC236}">
+                <a16:creationId xmlns:a16="http://schemas.microsoft.com/office/drawing/2014/main" id="{0D5395EF-13BA-4DD2-9C1D-BA206F5BE307}"/>
+              </a:ext>
+            </a:extLst>
+          </p:cNvPr>
+          <p:cNvGraphicFramePr>
+            <a:graphicFrameLocks noGrp="1"/>
+          </p:cNvGraphicFramePr>
+          <p:nvPr>
+            <p:extLst>
+              <p:ext uri="{D42A27DB-BD31-4B8C-83A1-F6EECF244321}">
+                <p14:modId xmlns:p14="http://schemas.microsoft.com/office/powerpoint/2010/main" val="2537882510"/>
+              </p:ext>
+            </p:extLst>
+          </p:nvPr>
+        </p:nvGraphicFramePr>
+        <p:xfrm>
+          <a:off x="6214533" y="3146482"/>
+          <a:ext cx="5638803" cy="3642832"/>
+        </p:xfrm>
+        <a:graphic>
+          <a:graphicData uri="http://schemas.openxmlformats.org/drawingml/2006/table">
+            <a:tbl>
+              <a:tblPr firstRow="1" bandRow="1">
+                <a:tableStyleId>{5C22544A-7EE6-4342-B048-85BDC9FD1C3A}</a:tableStyleId>
+              </a:tblPr>
+              <a:tblGrid>
+                <a:gridCol w="2594226">
+                  <a:extLst>
+                    <a:ext uri="{9D8B030D-6E8A-4147-A177-3AD203B41FA5}">
+                      <a16:colId xmlns:a16="http://schemas.microsoft.com/office/drawing/2014/main" val="2785728019"/>
+                    </a:ext>
+                  </a:extLst>
+                </a:gridCol>
+                <a:gridCol w="1993186">
+                  <a:extLst>
+                    <a:ext uri="{9D8B030D-6E8A-4147-A177-3AD203B41FA5}">
+                      <a16:colId xmlns:a16="http://schemas.microsoft.com/office/drawing/2014/main" val="809167093"/>
+                    </a:ext>
+                  </a:extLst>
+                </a:gridCol>
+                <a:gridCol w="1051391">
+                  <a:extLst>
+                    <a:ext uri="{9D8B030D-6E8A-4147-A177-3AD203B41FA5}">
+                      <a16:colId xmlns:a16="http://schemas.microsoft.com/office/drawing/2014/main" val="4147685562"/>
+                    </a:ext>
+                  </a:extLst>
+                </a:gridCol>
+              </a:tblGrid>
+              <a:tr h="402979">
+                <a:tc>
+                  <a:txBody>
+                    <a:bodyPr/>
+                    <a:lstStyle/>
+                    <a:p>
+                      <a:pPr algn="ctr" rtl="0" fontAlgn="t">
+                        <a:spcBef>
+                          <a:spcPts val="0"/>
+                        </a:spcBef>
+                        <a:spcAft>
+                          <a:spcPts val="0"/>
+                        </a:spcAft>
+                      </a:pPr>
+                      <a:r>
+                        <a:rPr lang="en-GB" dirty="0">
+                          <a:effectLst/>
+                        </a:rPr>
+                        <a:t>Pathway </a:t>
+                      </a:r>
+                    </a:p>
+                  </a:txBody>
+                  <a:tcPr marL="63500" marR="63500" marT="63500" marB="63500"/>
+                </a:tc>
+                <a:tc>
+                  <a:txBody>
+                    <a:bodyPr/>
+                    <a:lstStyle/>
+                    <a:p>
+                      <a:pPr algn="ctr"/>
+                      <a:r>
+                        <a:rPr lang="en-GB" dirty="0"/>
+                        <a:t>Hits</a:t>
+                      </a:r>
+                    </a:p>
+                  </a:txBody>
+                  <a:tcPr/>
+                </a:tc>
+                <a:tc>
+                  <a:txBody>
+                    <a:bodyPr/>
+                    <a:lstStyle/>
+                    <a:p>
+                      <a:pPr algn="ctr"/>
+                      <a:r>
+                        <a:rPr lang="en-GB" dirty="0" err="1"/>
+                        <a:t>logFC</a:t>
+                      </a:r>
+                      <a:endParaRPr lang="en-GB" dirty="0"/>
+                    </a:p>
+                  </a:txBody>
+                  <a:tcPr/>
+                </a:tc>
+                <a:extLst>
+                  <a:ext uri="{0D108BD9-81ED-4DB2-BD59-A6C34878D82A}">
+                    <a16:rowId xmlns:a16="http://schemas.microsoft.com/office/drawing/2014/main" val="3619875308"/>
+                  </a:ext>
+                </a:extLst>
+              </a:tr>
+              <a:tr h="707091">
+                <a:tc>
+                  <a:txBody>
+                    <a:bodyPr/>
+                    <a:lstStyle/>
+                    <a:p>
+                      <a:r>
+                        <a:rPr lang="en-GB" sz="1800" b="0" i="0" u="none" strike="noStrike" kern="1200" dirty="0">
+                          <a:solidFill>
+                            <a:schemeClr val="dk1"/>
+                          </a:solidFill>
+                          <a:effectLst/>
+                          <a:latin typeface="+mn-lt"/>
+                          <a:ea typeface="+mn-ea"/>
+                          <a:cs typeface="+mn-cs"/>
+                        </a:rPr>
+                        <a:t>Sphingolipid metabolism</a:t>
+                      </a:r>
+                      <a:endParaRPr lang="en-GB" dirty="0"/>
+                    </a:p>
+                  </a:txBody>
+                  <a:tcPr/>
+                </a:tc>
+                <a:tc>
+                  <a:txBody>
+                    <a:bodyPr/>
+                    <a:lstStyle/>
+                    <a:p>
+                      <a:r>
+                        <a:rPr lang="en-GB" sz="1800" b="0" i="0" u="none" strike="noStrike" kern="1200" dirty="0" err="1">
+                          <a:solidFill>
+                            <a:schemeClr val="dk1"/>
+                          </a:solidFill>
+                          <a:effectLst/>
+                          <a:latin typeface="+mn-lt"/>
+                          <a:ea typeface="+mn-ea"/>
+                          <a:cs typeface="+mn-cs"/>
+                        </a:rPr>
+                        <a:t>Sphinganine</a:t>
+                      </a:r>
+                      <a:endParaRPr lang="en-GB" sz="1800" b="0" i="0" u="none" strike="noStrike" kern="1200" dirty="0">
+                        <a:solidFill>
+                          <a:schemeClr val="dk1"/>
+                        </a:solidFill>
+                        <a:effectLst/>
+                        <a:latin typeface="+mn-lt"/>
+                        <a:ea typeface="+mn-ea"/>
+                        <a:cs typeface="+mn-cs"/>
+                      </a:endParaRPr>
+                    </a:p>
+                    <a:p>
+                      <a:r>
+                        <a:rPr lang="en-GB" sz="1800" b="0" i="0" u="none" strike="noStrike" kern="1200" dirty="0">
+                          <a:solidFill>
+                            <a:schemeClr val="dk1"/>
+                          </a:solidFill>
+                          <a:effectLst/>
+                          <a:latin typeface="+mn-lt"/>
+                          <a:ea typeface="+mn-ea"/>
+                          <a:cs typeface="+mn-cs"/>
+                        </a:rPr>
+                        <a:t>Sphingomyelin</a:t>
+                      </a:r>
+                      <a:endParaRPr lang="en-GB" dirty="0"/>
+                    </a:p>
+                  </a:txBody>
+                  <a:tcPr/>
+                </a:tc>
+                <a:tc>
+                  <a:txBody>
+                    <a:bodyPr/>
+                    <a:lstStyle/>
+                    <a:p>
+                      <a:r>
+                        <a:rPr lang="en-GB" sz="1800" b="0" i="0" u="none" strike="noStrike" kern="1200" dirty="0">
+                          <a:solidFill>
+                            <a:schemeClr val="dk1"/>
+                          </a:solidFill>
+                          <a:effectLst/>
+                          <a:latin typeface="+mn-lt"/>
+                          <a:ea typeface="+mn-ea"/>
+                          <a:cs typeface="+mn-cs"/>
+                        </a:rPr>
+                        <a:t>-0.153</a:t>
+                      </a:r>
+                    </a:p>
+                    <a:p>
+                      <a:r>
+                        <a:rPr lang="en-GB" sz="1800" b="0" i="0" u="none" strike="noStrike" kern="1200" dirty="0">
+                          <a:solidFill>
+                            <a:schemeClr val="dk1"/>
+                          </a:solidFill>
+                          <a:effectLst/>
+                          <a:latin typeface="+mn-lt"/>
+                          <a:ea typeface="+mn-ea"/>
+                          <a:cs typeface="+mn-cs"/>
+                        </a:rPr>
+                        <a:t>-0.332 </a:t>
+                      </a:r>
+                      <a:endParaRPr lang="en-GB" dirty="0"/>
+                    </a:p>
+                  </a:txBody>
+                  <a:tcPr/>
+                </a:tc>
+                <a:extLst>
+                  <a:ext uri="{0D108BD9-81ED-4DB2-BD59-A6C34878D82A}">
+                    <a16:rowId xmlns:a16="http://schemas.microsoft.com/office/drawing/2014/main" val="2186375186"/>
+                  </a:ext>
+                </a:extLst>
+              </a:tr>
+              <a:tr h="745545">
+                <a:tc>
+                  <a:txBody>
+                    <a:bodyPr/>
+                    <a:lstStyle/>
+                    <a:p>
+                      <a:r>
+                        <a:rPr lang="en-GB" sz="1800" b="0" i="0" u="none" strike="noStrike" kern="1200" dirty="0">
+                          <a:solidFill>
+                            <a:schemeClr val="dk1"/>
+                          </a:solidFill>
+                          <a:effectLst/>
+                          <a:latin typeface="+mn-lt"/>
+                          <a:ea typeface="+mn-ea"/>
+                          <a:cs typeface="+mn-cs"/>
+                        </a:rPr>
+                        <a:t>Glutathione metabolism</a:t>
+                      </a:r>
+                      <a:endParaRPr lang="en-GB" dirty="0"/>
+                    </a:p>
+                  </a:txBody>
+                  <a:tcPr/>
+                </a:tc>
+                <a:tc>
+                  <a:txBody>
+                    <a:bodyPr/>
+                    <a:lstStyle/>
+                    <a:p>
+                      <a:r>
+                        <a:rPr lang="en-GB" dirty="0"/>
+                        <a:t>L-Glutamate</a:t>
+                      </a:r>
+                    </a:p>
+                    <a:p>
+                      <a:r>
+                        <a:rPr lang="en-GB" dirty="0"/>
+                        <a:t>5-Oxoproline</a:t>
+                      </a:r>
+                    </a:p>
+                  </a:txBody>
+                  <a:tcPr/>
+                </a:tc>
+                <a:tc>
+                  <a:txBody>
+                    <a:bodyPr/>
+                    <a:lstStyle/>
+                    <a:p>
+                      <a:r>
+                        <a:rPr lang="en-GB" dirty="0"/>
+                        <a:t>0.288</a:t>
+                      </a:r>
+                    </a:p>
+                    <a:p>
+                      <a:r>
+                        <a:rPr lang="en-GB" dirty="0"/>
+                        <a:t>0.157</a:t>
+                      </a:r>
+                    </a:p>
+                  </a:txBody>
+                  <a:tcPr/>
+                </a:tc>
+                <a:extLst>
+                  <a:ext uri="{0D108BD9-81ED-4DB2-BD59-A6C34878D82A}">
+                    <a16:rowId xmlns:a16="http://schemas.microsoft.com/office/drawing/2014/main" val="121303743"/>
+                  </a:ext>
+                </a:extLst>
+              </a:tr>
+              <a:tr h="1089091">
+                <a:tc>
+                  <a:txBody>
+                    <a:bodyPr/>
+                    <a:lstStyle/>
+                    <a:p>
+                      <a:r>
+                        <a:rPr lang="en-GB" sz="1800" b="0" i="0" u="none" strike="noStrike" kern="1200" dirty="0">
+                          <a:solidFill>
+                            <a:schemeClr val="dk1"/>
+                          </a:solidFill>
+                          <a:effectLst/>
+                          <a:latin typeface="+mn-lt"/>
+                          <a:ea typeface="+mn-ea"/>
+                          <a:cs typeface="+mn-cs"/>
+                        </a:rPr>
+                        <a:t>D-Glutamine and D-glutamate metabolism</a:t>
+                      </a:r>
+                      <a:endParaRPr lang="en-GB" dirty="0"/>
+                    </a:p>
+                  </a:txBody>
+                  <a:tcPr/>
+                </a:tc>
+                <a:tc>
+                  <a:txBody>
+                    <a:bodyPr/>
+                    <a:lstStyle/>
+                    <a:p>
+                      <a:r>
+                        <a:rPr lang="en-GB" dirty="0"/>
+                        <a:t>L-Glutamate</a:t>
+                      </a:r>
+                    </a:p>
+                  </a:txBody>
+                  <a:tcPr/>
+                </a:tc>
+                <a:tc>
+                  <a:txBody>
+                    <a:bodyPr/>
+                    <a:lstStyle/>
+                    <a:p>
+                      <a:pPr marL="0" marR="0" lvl="0" indent="0" algn="l" defTabSz="457200" rtl="0" eaLnBrk="1" fontAlgn="auto" latinLnBrk="0" hangingPunct="1">
+                        <a:lnSpc>
+                          <a:spcPct val="100000"/>
+                        </a:lnSpc>
+                        <a:spcBef>
+                          <a:spcPts val="0"/>
+                        </a:spcBef>
+                        <a:spcAft>
+                          <a:spcPts val="0"/>
+                        </a:spcAft>
+                        <a:buClrTx/>
+                        <a:buSzTx/>
+                        <a:buFontTx/>
+                        <a:buNone/>
+                        <a:tabLst/>
+                        <a:defRPr/>
+                      </a:pPr>
+                      <a:r>
+                        <a:rPr lang="en-GB" dirty="0"/>
+                        <a:t>0.288</a:t>
+                      </a:r>
+                    </a:p>
+                    <a:p>
+                      <a:endParaRPr lang="en-GB" dirty="0"/>
+                    </a:p>
+                  </a:txBody>
+                  <a:tcPr/>
+                </a:tc>
+                <a:extLst>
+                  <a:ext uri="{0D108BD9-81ED-4DB2-BD59-A6C34878D82A}">
+                    <a16:rowId xmlns:a16="http://schemas.microsoft.com/office/drawing/2014/main" val="3175634301"/>
+                  </a:ext>
+                </a:extLst>
+              </a:tr>
+              <a:tr h="698126">
+                <a:tc>
+                  <a:txBody>
+                    <a:bodyPr/>
+                    <a:lstStyle/>
+                    <a:p>
+                      <a:r>
+                        <a:rPr lang="en-GB" sz="1800" b="0" i="0" u="none" strike="noStrike" kern="1200" dirty="0">
+                          <a:solidFill>
+                            <a:schemeClr val="dk1"/>
+                          </a:solidFill>
+                          <a:effectLst/>
+                          <a:latin typeface="+mn-lt"/>
+                          <a:ea typeface="+mn-ea"/>
+                          <a:cs typeface="+mn-cs"/>
+                        </a:rPr>
+                        <a:t>Nitrogen metabolism</a:t>
+                      </a:r>
+                      <a:endParaRPr lang="en-GB" dirty="0"/>
+                    </a:p>
+                  </a:txBody>
+                  <a:tcPr/>
+                </a:tc>
+                <a:tc>
+                  <a:txBody>
+                    <a:bodyPr/>
+                    <a:lstStyle/>
+                    <a:p>
+                      <a:r>
+                        <a:rPr lang="en-GB" sz="1800" b="0" i="0" u="none" strike="noStrike" kern="1200" dirty="0">
+                          <a:solidFill>
+                            <a:schemeClr val="dk1"/>
+                          </a:solidFill>
+                          <a:effectLst/>
+                          <a:latin typeface="+mn-lt"/>
+                          <a:ea typeface="+mn-ea"/>
+                          <a:cs typeface="+mn-cs"/>
+                        </a:rPr>
+                        <a:t>L-Glutamate</a:t>
+                      </a:r>
+                      <a:endParaRPr lang="en-GB" dirty="0"/>
+                    </a:p>
+                  </a:txBody>
+                  <a:tcPr/>
+                </a:tc>
+                <a:tc>
+                  <a:txBody>
+                    <a:bodyPr/>
+                    <a:lstStyle/>
+                    <a:p>
+                      <a:r>
+                        <a:rPr lang="en-GB" dirty="0"/>
+                        <a:t>0.288</a:t>
+                      </a:r>
+                    </a:p>
+                    <a:p>
+                      <a:endParaRPr lang="en-GB" dirty="0"/>
+                    </a:p>
+                  </a:txBody>
+                  <a:tcPr/>
+                </a:tc>
+                <a:extLst>
+                  <a:ext uri="{0D108BD9-81ED-4DB2-BD59-A6C34878D82A}">
+                    <a16:rowId xmlns:a16="http://schemas.microsoft.com/office/drawing/2014/main" val="361112695"/>
+                  </a:ext>
+                </a:extLst>
+              </a:tr>
+            </a:tbl>
+          </a:graphicData>
+        </a:graphic>
+      </p:graphicFrame>
+    </p:spTree>
+    <p:extLst>
+      <p:ext uri="{BB962C8B-B14F-4D97-AF65-F5344CB8AC3E}">
+        <p14:creationId xmlns:p14="http://schemas.microsoft.com/office/powerpoint/2010/main" val="3804925156"/>
+      </p:ext>
+    </p:extLst>
+  </p:cSld>
+  <p:clrMapOvr>
+    <a:masterClrMapping/>
+  </p:clrMapOvr>
+</p:sld>
+</file>
+
+<file path=ppt/slides/slide11.xml><?xml version="1.0" encoding="utf-8"?>
+<p:sld xmlns:a="http://schemas.openxmlformats.org/drawingml/2006/main" xmlns:r="http://schemas.openxmlformats.org/officeDocument/2006/relationships" xmlns:p="http://schemas.openxmlformats.org/presentationml/2006/main">
+  <p:cSld>
+    <p:spTree>
+      <p:nvGrpSpPr>
+        <p:cNvPr id="1" name=""/>
+        <p:cNvGrpSpPr/>
+        <p:nvPr/>
+      </p:nvGrpSpPr>
+      <p:grpSpPr>
+        <a:xfrm>
+          <a:off x="0" y="0"/>
+          <a:ext cx="0" cy="0"/>
+          <a:chOff x="0" y="0"/>
+          <a:chExt cx="0" cy="0"/>
+        </a:xfrm>
+      </p:grpSpPr>
+      <p:pic>
+        <p:nvPicPr>
           <p:cNvPr id="3" name="Graphic 2" descr="Badge 9">
             <a:extLst>
               <a:ext uri="{FF2B5EF4-FFF2-40B4-BE49-F238E27FC236}">
@@ -13362,7 +15943,7 @@
 </p:sld>
 </file>
 
-<file path=ppt/slides/slide11.xml><?xml version="1.0" encoding="utf-8"?>
+<file path=ppt/slides/slide12.xml><?xml version="1.0" encoding="utf-8"?>
 <p:sld xmlns:a="http://schemas.openxmlformats.org/drawingml/2006/main" xmlns:r="http://schemas.openxmlformats.org/officeDocument/2006/relationships" xmlns:p="http://schemas.openxmlformats.org/presentationml/2006/main">
   <p:cSld>
     <p:spTree>
@@ -13898,7 +16479,7 @@
 </p:sld>
 </file>
 
-<file path=ppt/slides/slide12.xml><?xml version="1.0" encoding="utf-8"?>
+<file path=ppt/slides/slide13.xml><?xml version="1.0" encoding="utf-8"?>
 <p:sld xmlns:a="http://schemas.openxmlformats.org/drawingml/2006/main" xmlns:r="http://schemas.openxmlformats.org/officeDocument/2006/relationships" xmlns:p="http://schemas.openxmlformats.org/presentationml/2006/main">
   <p:cSld>
     <p:spTree>
@@ -14222,7 +16803,7 @@
 </p:sld>
 </file>
 
-<file path=ppt/slides/slide13.xml><?xml version="1.0" encoding="utf-8"?>
+<file path=ppt/slides/slide14.xml><?xml version="1.0" encoding="utf-8"?>
 <p:sld xmlns:a="http://schemas.openxmlformats.org/drawingml/2006/main" xmlns:r="http://schemas.openxmlformats.org/officeDocument/2006/relationships" xmlns:p="http://schemas.openxmlformats.org/presentationml/2006/main">
   <p:cSld>
     <p:spTree>
@@ -14550,7 +17131,7 @@
 </p:sld>
 </file>
 
-<file path=ppt/slides/slide14.xml><?xml version="1.0" encoding="utf-8"?>
+<file path=ppt/slides/slide15.xml><?xml version="1.0" encoding="utf-8"?>
 <p:sld xmlns:a="http://schemas.openxmlformats.org/drawingml/2006/main" xmlns:r="http://schemas.openxmlformats.org/officeDocument/2006/relationships" xmlns:p="http://schemas.openxmlformats.org/presentationml/2006/main">
   <p:cSld>
     <p:spTree>
@@ -14878,7 +17459,7 @@
 </p:sld>
 </file>
 
-<file path=ppt/slides/slide15.xml><?xml version="1.0" encoding="utf-8"?>
+<file path=ppt/slides/slide16.xml><?xml version="1.0" encoding="utf-8"?>
 <p:sld xmlns:a="http://schemas.openxmlformats.org/drawingml/2006/main" xmlns:r="http://schemas.openxmlformats.org/officeDocument/2006/relationships" xmlns:p="http://schemas.openxmlformats.org/presentationml/2006/main">
   <p:cSld>
     <p:spTree>
@@ -15124,7 +17705,7 @@
 </p:sld>
 </file>
 
-<file path=ppt/slides/slide16.xml><?xml version="1.0" encoding="utf-8"?>
+<file path=ppt/slides/slide17.xml><?xml version="1.0" encoding="utf-8"?>
 <p:sld xmlns:a="http://schemas.openxmlformats.org/drawingml/2006/main" xmlns:r="http://schemas.openxmlformats.org/officeDocument/2006/relationships" xmlns:p="http://schemas.openxmlformats.org/presentationml/2006/main">
   <p:cSld>
     <p:spTree>
@@ -15417,7 +17998,7 @@
 </p:sld>
 </file>
 
-<file path=ppt/slides/slide17.xml><?xml version="1.0" encoding="utf-8"?>
+<file path=ppt/slides/slide18.xml><?xml version="1.0" encoding="utf-8"?>
 <p:sld xmlns:a="http://schemas.openxmlformats.org/drawingml/2006/main" xmlns:r="http://schemas.openxmlformats.org/officeDocument/2006/relationships" xmlns:p="http://schemas.openxmlformats.org/presentationml/2006/main">
   <p:cSld>
     <p:spTree>
@@ -15709,7 +18290,7 @@
 </p:sld>
 </file>
 
-<file path=ppt/slides/slide18.xml><?xml version="1.0" encoding="utf-8"?>
+<file path=ppt/slides/slide19.xml><?xml version="1.0" encoding="utf-8"?>
 <p:sld xmlns:a="http://schemas.openxmlformats.org/drawingml/2006/main" xmlns:r="http://schemas.openxmlformats.org/officeDocument/2006/relationships" xmlns:p="http://schemas.openxmlformats.org/presentationml/2006/main">
   <p:cSld>
     <p:spTree>
@@ -15952,1114 +18533,6 @@
   <p:clrMapOvr>
     <a:masterClrMapping/>
   </p:clrMapOvr>
-</p:sld>
-</file>
-
-<file path=ppt/slides/slide19.xml><?xml version="1.0" encoding="utf-8"?>
-<p:sld xmlns:a="http://schemas.openxmlformats.org/drawingml/2006/main" xmlns:r="http://schemas.openxmlformats.org/officeDocument/2006/relationships" xmlns:p="http://schemas.openxmlformats.org/presentationml/2006/main">
-  <p:cSld>
-    <p:spTree>
-      <p:nvGrpSpPr>
-        <p:cNvPr id="1" name=""/>
-        <p:cNvGrpSpPr/>
-        <p:nvPr/>
-      </p:nvGrpSpPr>
-      <p:grpSpPr>
-        <a:xfrm>
-          <a:off x="0" y="0"/>
-          <a:ext cx="0" cy="0"/>
-          <a:chOff x="0" y="0"/>
-          <a:chExt cx="0" cy="0"/>
-        </a:xfrm>
-      </p:grpSpPr>
-      <p:sp>
-        <p:nvSpPr>
-          <p:cNvPr id="16" name="Oval 15">
-            <a:extLst>
-              <a:ext uri="{FF2B5EF4-FFF2-40B4-BE49-F238E27FC236}">
-                <a16:creationId xmlns:a16="http://schemas.microsoft.com/office/drawing/2014/main" id="{27832756-16E7-44E2-8748-7D9760DCC863}"/>
-              </a:ext>
-            </a:extLst>
-          </p:cNvPr>
-          <p:cNvSpPr/>
-          <p:nvPr/>
-        </p:nvSpPr>
-        <p:spPr>
-          <a:xfrm>
-            <a:off x="10488426" y="488805"/>
-            <a:ext cx="578504" cy="586960"/>
-          </a:xfrm>
-          <a:prstGeom prst="ellipse">
-            <a:avLst/>
-          </a:prstGeom>
-          <a:noFill/>
-          <a:ln w="38100">
-            <a:solidFill>
-              <a:schemeClr val="tx1"/>
-            </a:solidFill>
-          </a:ln>
-        </p:spPr>
-        <p:style>
-          <a:lnRef idx="2">
-            <a:schemeClr val="accent1">
-              <a:shade val="50000"/>
-            </a:schemeClr>
-          </a:lnRef>
-          <a:fillRef idx="1">
-            <a:schemeClr val="accent1"/>
-          </a:fillRef>
-          <a:effectRef idx="0">
-            <a:schemeClr val="accent1"/>
-          </a:effectRef>
-          <a:fontRef idx="minor">
-            <a:schemeClr val="lt1"/>
-          </a:fontRef>
-        </p:style>
-        <p:txBody>
-          <a:bodyPr rtlCol="0" anchor="ctr"/>
-          <a:lstStyle/>
-          <a:p>
-            <a:pPr algn="ctr"/>
-            <a:endParaRPr lang="en-GB"/>
-          </a:p>
-        </p:txBody>
-      </p:sp>
-      <p:sp>
-        <p:nvSpPr>
-          <p:cNvPr id="17" name="TextBox 16">
-            <a:extLst>
-              <a:ext uri="{FF2B5EF4-FFF2-40B4-BE49-F238E27FC236}">
-                <a16:creationId xmlns:a16="http://schemas.microsoft.com/office/drawing/2014/main" id="{49B9ADF7-1D51-41ED-A35C-1D972A385544}"/>
-              </a:ext>
-            </a:extLst>
-          </p:cNvPr>
-          <p:cNvSpPr txBox="1"/>
-          <p:nvPr/>
-        </p:nvSpPr>
-        <p:spPr>
-          <a:xfrm>
-            <a:off x="10510347" y="551452"/>
-            <a:ext cx="534661" cy="461665"/>
-          </a:xfrm>
-          <a:prstGeom prst="rect">
-            <a:avLst/>
-          </a:prstGeom>
-          <a:noFill/>
-        </p:spPr>
-        <p:txBody>
-          <a:bodyPr wrap="square" rtlCol="0">
-            <a:spAutoFit/>
-          </a:bodyPr>
-          <a:lstStyle/>
-          <a:p>
-            <a:r>
-              <a:rPr lang="en-GB" sz="2400" b="1" dirty="0">
-                <a:latin typeface="Arial" panose="020B0604020202020204" pitchFamily="34" charset="0"/>
-                <a:cs typeface="Arial" panose="020B0604020202020204" pitchFamily="34" charset="0"/>
-              </a:rPr>
-              <a:t>18</a:t>
-            </a:r>
-          </a:p>
-        </p:txBody>
-      </p:sp>
-      <p:sp>
-        <p:nvSpPr>
-          <p:cNvPr id="7" name="Title 1">
-            <a:extLst>
-              <a:ext uri="{FF2B5EF4-FFF2-40B4-BE49-F238E27FC236}">
-                <a16:creationId xmlns:a16="http://schemas.microsoft.com/office/drawing/2014/main" id="{894F5E17-16CC-4DD2-86BC-93A4E7658A0B}"/>
-              </a:ext>
-            </a:extLst>
-          </p:cNvPr>
-          <p:cNvSpPr>
-            <a:spLocks noGrp="1"/>
-          </p:cNvSpPr>
-          <p:nvPr>
-            <p:ph type="title"/>
-          </p:nvPr>
-        </p:nvSpPr>
-        <p:spPr>
-          <a:xfrm>
-            <a:off x="1427294" y="1847665"/>
-            <a:ext cx="9337411" cy="935816"/>
-          </a:xfrm>
-        </p:spPr>
-        <p:txBody>
-          <a:bodyPr/>
-          <a:lstStyle/>
-          <a:p>
-            <a:pPr algn="ctr"/>
-            <a:r>
-              <a:rPr lang="en-GB" sz="4400" u="sng" dirty="0"/>
-              <a:t>PART IIb </a:t>
-            </a:r>
-          </a:p>
-        </p:txBody>
-      </p:sp>
-      <p:sp>
-        <p:nvSpPr>
-          <p:cNvPr id="12" name="Rectangle 11">
-            <a:extLst>
-              <a:ext uri="{FF2B5EF4-FFF2-40B4-BE49-F238E27FC236}">
-                <a16:creationId xmlns:a16="http://schemas.microsoft.com/office/drawing/2014/main" id="{17F1E07E-1381-4642-A86C-A1DDB49322CD}"/>
-              </a:ext>
-            </a:extLst>
-          </p:cNvPr>
-          <p:cNvSpPr/>
-          <p:nvPr/>
-        </p:nvSpPr>
-        <p:spPr>
-          <a:xfrm>
-            <a:off x="2017515" y="3072107"/>
-            <a:ext cx="4078484" cy="760345"/>
-          </a:xfrm>
-          <a:prstGeom prst="rect">
-            <a:avLst/>
-          </a:prstGeom>
-        </p:spPr>
-        <p:style>
-          <a:lnRef idx="2">
-            <a:schemeClr val="accent1">
-              <a:shade val="50000"/>
-            </a:schemeClr>
-          </a:lnRef>
-          <a:fillRef idx="1">
-            <a:schemeClr val="accent1"/>
-          </a:fillRef>
-          <a:effectRef idx="0">
-            <a:schemeClr val="accent1"/>
-          </a:effectRef>
-          <a:fontRef idx="minor">
-            <a:schemeClr val="lt1"/>
-          </a:fontRef>
-        </p:style>
-        <p:txBody>
-          <a:bodyPr rtlCol="0" anchor="ctr"/>
-          <a:lstStyle/>
-          <a:p>
-            <a:pPr algn="ctr"/>
-            <a:r>
-              <a:rPr lang="en-GB" sz="2800" u="sng" dirty="0"/>
-              <a:t>Metabolome data</a:t>
-            </a:r>
-          </a:p>
-        </p:txBody>
-      </p:sp>
-      <p:sp>
-        <p:nvSpPr>
-          <p:cNvPr id="13" name="Rectangle 12">
-            <a:extLst>
-              <a:ext uri="{FF2B5EF4-FFF2-40B4-BE49-F238E27FC236}">
-                <a16:creationId xmlns:a16="http://schemas.microsoft.com/office/drawing/2014/main" id="{2F152F7A-9EC8-4AD8-B8BF-2FC1E9898550}"/>
-              </a:ext>
-            </a:extLst>
-          </p:cNvPr>
-          <p:cNvSpPr/>
-          <p:nvPr/>
-        </p:nvSpPr>
-        <p:spPr>
-          <a:xfrm>
-            <a:off x="6095999" y="3072107"/>
-            <a:ext cx="4078484" cy="780452"/>
-          </a:xfrm>
-          <a:prstGeom prst="rect">
-            <a:avLst/>
-          </a:prstGeom>
-          <a:solidFill>
-            <a:schemeClr val="accent2">
-              <a:lumMod val="75000"/>
-            </a:schemeClr>
-          </a:solidFill>
-          <a:ln>
-            <a:noFill/>
-          </a:ln>
-        </p:spPr>
-        <p:style>
-          <a:lnRef idx="2">
-            <a:schemeClr val="accent1">
-              <a:shade val="50000"/>
-            </a:schemeClr>
-          </a:lnRef>
-          <a:fillRef idx="1">
-            <a:schemeClr val="accent1"/>
-          </a:fillRef>
-          <a:effectRef idx="0">
-            <a:schemeClr val="accent1"/>
-          </a:effectRef>
-          <a:fontRef idx="minor">
-            <a:schemeClr val="lt1"/>
-          </a:fontRef>
-        </p:style>
-        <p:txBody>
-          <a:bodyPr rtlCol="0" anchor="ctr"/>
-          <a:lstStyle/>
-          <a:p>
-            <a:pPr algn="ctr">
-              <a:spcAft>
-                <a:spcPts val="1200"/>
-              </a:spcAft>
-            </a:pPr>
-            <a:r>
-              <a:rPr lang="en-GB" sz="2800" u="sng" dirty="0"/>
-              <a:t>Metagenome data</a:t>
-            </a:r>
-          </a:p>
-        </p:txBody>
-      </p:sp>
-      <p:sp>
-        <p:nvSpPr>
-          <p:cNvPr id="10" name="Text Placeholder 2">
-            <a:extLst>
-              <a:ext uri="{FF2B5EF4-FFF2-40B4-BE49-F238E27FC236}">
-                <a16:creationId xmlns:a16="http://schemas.microsoft.com/office/drawing/2014/main" id="{30F2E935-1818-487E-BE45-57D57E8882C9}"/>
-              </a:ext>
-            </a:extLst>
-          </p:cNvPr>
-          <p:cNvSpPr txBox="1">
-            <a:spLocks/>
-          </p:cNvSpPr>
-          <p:nvPr/>
-        </p:nvSpPr>
-        <p:spPr>
-          <a:xfrm>
-            <a:off x="6096001" y="4126533"/>
-            <a:ext cx="4078482" cy="941493"/>
-          </a:xfrm>
-          <a:prstGeom prst="rect">
-            <a:avLst/>
-          </a:prstGeom>
-          <a:solidFill>
-            <a:schemeClr val="accent2">
-              <a:lumMod val="75000"/>
-            </a:schemeClr>
-          </a:solidFill>
-        </p:spPr>
-        <p:txBody>
-          <a:bodyPr vert="horz" lIns="91440" tIns="45720" rIns="91440" bIns="45720" rtlCol="0" anchor="ctr">
-            <a:noAutofit/>
-          </a:bodyPr>
-          <a:lstStyle>
-            <a:lvl1pPr marL="0" indent="0" algn="l" defTabSz="457200" rtl="0" eaLnBrk="1" latinLnBrk="0" hangingPunct="1">
-              <a:spcBef>
-                <a:spcPts val="1000"/>
-              </a:spcBef>
-              <a:spcAft>
-                <a:spcPts val="0"/>
-              </a:spcAft>
-              <a:buClr>
-                <a:schemeClr val="bg2">
-                  <a:lumMod val="40000"/>
-                  <a:lumOff val="60000"/>
-                </a:schemeClr>
-              </a:buClr>
-              <a:buSzPct val="80000"/>
-              <a:buFont typeface="Wingdings 3" charset="2"/>
-              <a:buNone/>
-              <a:defRPr sz="2400" b="0" i="0" kern="1200">
-                <a:solidFill>
-                  <a:schemeClr val="bg2">
-                    <a:lumMod val="40000"/>
-                    <a:lumOff val="60000"/>
-                  </a:schemeClr>
-                </a:solidFill>
-                <a:latin typeface="+mj-lt"/>
-                <a:ea typeface="+mj-ea"/>
-                <a:cs typeface="+mj-cs"/>
-              </a:defRPr>
-            </a:lvl1pPr>
-            <a:lvl2pPr marL="457200" indent="0" algn="l" defTabSz="457200" rtl="0" eaLnBrk="1" latinLnBrk="0" hangingPunct="1">
-              <a:spcBef>
-                <a:spcPts val="1000"/>
-              </a:spcBef>
-              <a:spcAft>
-                <a:spcPts val="0"/>
-              </a:spcAft>
-              <a:buClr>
-                <a:schemeClr val="bg2">
-                  <a:lumMod val="40000"/>
-                  <a:lumOff val="60000"/>
-                </a:schemeClr>
-              </a:buClr>
-              <a:buSzPct val="80000"/>
-              <a:buFont typeface="Wingdings 3" charset="2"/>
-              <a:buNone/>
-              <a:defRPr sz="2000" b="1" i="0" kern="1200">
-                <a:solidFill>
-                  <a:schemeClr val="tx1"/>
-                </a:solidFill>
-                <a:latin typeface="+mj-lt"/>
-                <a:ea typeface="+mj-ea"/>
-                <a:cs typeface="+mj-cs"/>
-              </a:defRPr>
-            </a:lvl2pPr>
-            <a:lvl3pPr marL="914400" indent="0" algn="l" defTabSz="457200" rtl="0" eaLnBrk="1" latinLnBrk="0" hangingPunct="1">
-              <a:spcBef>
-                <a:spcPts val="1000"/>
-              </a:spcBef>
-              <a:spcAft>
-                <a:spcPts val="0"/>
-              </a:spcAft>
-              <a:buClr>
-                <a:schemeClr val="bg2">
-                  <a:lumMod val="40000"/>
-                  <a:lumOff val="60000"/>
-                </a:schemeClr>
-              </a:buClr>
-              <a:buSzPct val="80000"/>
-              <a:buFont typeface="Wingdings 3" charset="2"/>
-              <a:buNone/>
-              <a:defRPr sz="1800" b="1" i="0" kern="1200">
-                <a:solidFill>
-                  <a:schemeClr val="tx1"/>
-                </a:solidFill>
-                <a:latin typeface="+mj-lt"/>
-                <a:ea typeface="+mj-ea"/>
-                <a:cs typeface="+mj-cs"/>
-              </a:defRPr>
-            </a:lvl3pPr>
-            <a:lvl4pPr marL="1371600" indent="0" algn="l" defTabSz="457200" rtl="0" eaLnBrk="1" latinLnBrk="0" hangingPunct="1">
-              <a:spcBef>
-                <a:spcPts val="1000"/>
-              </a:spcBef>
-              <a:spcAft>
-                <a:spcPts val="0"/>
-              </a:spcAft>
-              <a:buClr>
-                <a:schemeClr val="bg2">
-                  <a:lumMod val="40000"/>
-                  <a:lumOff val="60000"/>
-                </a:schemeClr>
-              </a:buClr>
-              <a:buSzPct val="80000"/>
-              <a:buFont typeface="Wingdings 3" charset="2"/>
-              <a:buNone/>
-              <a:defRPr sz="1600" b="1" i="0" kern="1200">
-                <a:solidFill>
-                  <a:schemeClr val="tx1"/>
-                </a:solidFill>
-                <a:latin typeface="+mj-lt"/>
-                <a:ea typeface="+mj-ea"/>
-                <a:cs typeface="+mj-cs"/>
-              </a:defRPr>
-            </a:lvl4pPr>
-            <a:lvl5pPr marL="1828800" indent="0" algn="l" defTabSz="457200" rtl="0" eaLnBrk="1" latinLnBrk="0" hangingPunct="1">
-              <a:spcBef>
-                <a:spcPts val="1000"/>
-              </a:spcBef>
-              <a:spcAft>
-                <a:spcPts val="0"/>
-              </a:spcAft>
-              <a:buClr>
-                <a:schemeClr val="bg2">
-                  <a:lumMod val="40000"/>
-                  <a:lumOff val="60000"/>
-                </a:schemeClr>
-              </a:buClr>
-              <a:buSzPct val="80000"/>
-              <a:buFont typeface="Wingdings 3" charset="2"/>
-              <a:buNone/>
-              <a:defRPr sz="1600" b="1" i="0" kern="1200">
-                <a:solidFill>
-                  <a:schemeClr val="tx1"/>
-                </a:solidFill>
-                <a:latin typeface="+mj-lt"/>
-                <a:ea typeface="+mj-ea"/>
-                <a:cs typeface="+mj-cs"/>
-              </a:defRPr>
-            </a:lvl5pPr>
-            <a:lvl6pPr marL="2286000" indent="0" algn="l" defTabSz="457200" rtl="0" eaLnBrk="1" latinLnBrk="0" hangingPunct="1">
-              <a:spcBef>
-                <a:spcPts val="1000"/>
-              </a:spcBef>
-              <a:spcAft>
-                <a:spcPts val="0"/>
-              </a:spcAft>
-              <a:buClr>
-                <a:schemeClr val="bg2">
-                  <a:lumMod val="40000"/>
-                  <a:lumOff val="60000"/>
-                </a:schemeClr>
-              </a:buClr>
-              <a:buSzPct val="80000"/>
-              <a:buFont typeface="Wingdings 3" charset="2"/>
-              <a:buNone/>
-              <a:defRPr sz="1600" b="1" i="0" kern="1200">
-                <a:solidFill>
-                  <a:schemeClr val="tx1"/>
-                </a:solidFill>
-                <a:latin typeface="+mj-lt"/>
-                <a:ea typeface="+mj-ea"/>
-                <a:cs typeface="+mj-cs"/>
-              </a:defRPr>
-            </a:lvl6pPr>
-            <a:lvl7pPr marL="2743200" indent="0" algn="l" defTabSz="457200" rtl="0" eaLnBrk="1" latinLnBrk="0" hangingPunct="1">
-              <a:spcBef>
-                <a:spcPts val="1000"/>
-              </a:spcBef>
-              <a:spcAft>
-                <a:spcPts val="0"/>
-              </a:spcAft>
-              <a:buClr>
-                <a:schemeClr val="bg2">
-                  <a:lumMod val="40000"/>
-                  <a:lumOff val="60000"/>
-                </a:schemeClr>
-              </a:buClr>
-              <a:buSzPct val="80000"/>
-              <a:buFont typeface="Wingdings 3" charset="2"/>
-              <a:buNone/>
-              <a:defRPr sz="1600" b="1" i="0" kern="1200">
-                <a:solidFill>
-                  <a:schemeClr val="tx1"/>
-                </a:solidFill>
-                <a:latin typeface="+mj-lt"/>
-                <a:ea typeface="+mj-ea"/>
-                <a:cs typeface="+mj-cs"/>
-              </a:defRPr>
-            </a:lvl7pPr>
-            <a:lvl8pPr marL="3200400" indent="0" algn="l" defTabSz="457200" rtl="0" eaLnBrk="1" latinLnBrk="0" hangingPunct="1">
-              <a:spcBef>
-                <a:spcPts val="1000"/>
-              </a:spcBef>
-              <a:spcAft>
-                <a:spcPts val="0"/>
-              </a:spcAft>
-              <a:buClr>
-                <a:schemeClr val="bg2">
-                  <a:lumMod val="40000"/>
-                  <a:lumOff val="60000"/>
-                </a:schemeClr>
-              </a:buClr>
-              <a:buSzPct val="80000"/>
-              <a:buFont typeface="Wingdings 3" charset="2"/>
-              <a:buNone/>
-              <a:defRPr sz="1600" b="1" i="0" kern="1200">
-                <a:solidFill>
-                  <a:schemeClr val="tx1"/>
-                </a:solidFill>
-                <a:latin typeface="+mj-lt"/>
-                <a:ea typeface="+mj-ea"/>
-                <a:cs typeface="+mj-cs"/>
-              </a:defRPr>
-            </a:lvl8pPr>
-            <a:lvl9pPr marL="3657600" indent="0" algn="l" defTabSz="457200" rtl="0" eaLnBrk="1" latinLnBrk="0" hangingPunct="1">
-              <a:spcBef>
-                <a:spcPts val="1000"/>
-              </a:spcBef>
-              <a:spcAft>
-                <a:spcPts val="0"/>
-              </a:spcAft>
-              <a:buClr>
-                <a:schemeClr val="bg2">
-                  <a:lumMod val="40000"/>
-                  <a:lumOff val="60000"/>
-                </a:schemeClr>
-              </a:buClr>
-              <a:buSzPct val="80000"/>
-              <a:buFont typeface="Wingdings 3" charset="2"/>
-              <a:buNone/>
-              <a:defRPr sz="1600" b="1" i="0" kern="1200">
-                <a:solidFill>
-                  <a:schemeClr val="tx1"/>
-                </a:solidFill>
-                <a:latin typeface="+mj-lt"/>
-                <a:ea typeface="+mj-ea"/>
-                <a:cs typeface="+mj-cs"/>
-              </a:defRPr>
-            </a:lvl9pPr>
-          </a:lstStyle>
-          <a:p>
-            <a:pPr algn="ctr"/>
-            <a:endParaRPr lang="en-GB" sz="2000" dirty="0">
-              <a:solidFill>
-                <a:schemeClr val="tx1"/>
-              </a:solidFill>
-            </a:endParaRPr>
-          </a:p>
-        </p:txBody>
-      </p:sp>
-      <p:sp>
-        <p:nvSpPr>
-          <p:cNvPr id="11" name="Text Placeholder 1">
-            <a:extLst>
-              <a:ext uri="{FF2B5EF4-FFF2-40B4-BE49-F238E27FC236}">
-                <a16:creationId xmlns:a16="http://schemas.microsoft.com/office/drawing/2014/main" id="{41FB9240-8FFE-43F0-9E4E-B93F53DC76E7}"/>
-              </a:ext>
-            </a:extLst>
-          </p:cNvPr>
-          <p:cNvSpPr txBox="1">
-            <a:spLocks/>
-          </p:cNvSpPr>
-          <p:nvPr/>
-        </p:nvSpPr>
-        <p:spPr>
-          <a:xfrm>
-            <a:off x="2017516" y="4126533"/>
-            <a:ext cx="4078486" cy="931333"/>
-          </a:xfrm>
-          <a:prstGeom prst="rect">
-            <a:avLst/>
-          </a:prstGeom>
-          <a:solidFill>
-            <a:schemeClr val="accent1"/>
-          </a:solidFill>
-          <a:ln>
-            <a:solidFill>
-              <a:schemeClr val="accent1"/>
-            </a:solidFill>
-          </a:ln>
-        </p:spPr>
-        <p:txBody>
-          <a:bodyPr vert="horz" lIns="91440" tIns="45720" rIns="91440" bIns="45720" rtlCol="0" anchor="ctr">
-            <a:noAutofit/>
-          </a:bodyPr>
-          <a:lstStyle>
-            <a:lvl1pPr marL="0" indent="0" algn="l" defTabSz="457200" rtl="0" eaLnBrk="1" latinLnBrk="0" hangingPunct="1">
-              <a:spcBef>
-                <a:spcPts val="1000"/>
-              </a:spcBef>
-              <a:spcAft>
-                <a:spcPts val="0"/>
-              </a:spcAft>
-              <a:buClr>
-                <a:schemeClr val="bg2">
-                  <a:lumMod val="40000"/>
-                  <a:lumOff val="60000"/>
-                </a:schemeClr>
-              </a:buClr>
-              <a:buSzPct val="80000"/>
-              <a:buFont typeface="Wingdings 3" charset="2"/>
-              <a:buNone/>
-              <a:defRPr sz="2400" b="0" i="0" kern="1200">
-                <a:solidFill>
-                  <a:schemeClr val="bg2">
-                    <a:lumMod val="40000"/>
-                    <a:lumOff val="60000"/>
-                  </a:schemeClr>
-                </a:solidFill>
-                <a:latin typeface="+mj-lt"/>
-                <a:ea typeface="+mj-ea"/>
-                <a:cs typeface="+mj-cs"/>
-              </a:defRPr>
-            </a:lvl1pPr>
-            <a:lvl2pPr marL="457200" indent="0" algn="l" defTabSz="457200" rtl="0" eaLnBrk="1" latinLnBrk="0" hangingPunct="1">
-              <a:spcBef>
-                <a:spcPts val="1000"/>
-              </a:spcBef>
-              <a:spcAft>
-                <a:spcPts val="0"/>
-              </a:spcAft>
-              <a:buClr>
-                <a:schemeClr val="bg2">
-                  <a:lumMod val="40000"/>
-                  <a:lumOff val="60000"/>
-                </a:schemeClr>
-              </a:buClr>
-              <a:buSzPct val="80000"/>
-              <a:buFont typeface="Wingdings 3" charset="2"/>
-              <a:buNone/>
-              <a:defRPr sz="2000" b="1" i="0" kern="1200">
-                <a:solidFill>
-                  <a:schemeClr val="tx1"/>
-                </a:solidFill>
-                <a:latin typeface="+mj-lt"/>
-                <a:ea typeface="+mj-ea"/>
-                <a:cs typeface="+mj-cs"/>
-              </a:defRPr>
-            </a:lvl2pPr>
-            <a:lvl3pPr marL="914400" indent="0" algn="l" defTabSz="457200" rtl="0" eaLnBrk="1" latinLnBrk="0" hangingPunct="1">
-              <a:spcBef>
-                <a:spcPts val="1000"/>
-              </a:spcBef>
-              <a:spcAft>
-                <a:spcPts val="0"/>
-              </a:spcAft>
-              <a:buClr>
-                <a:schemeClr val="bg2">
-                  <a:lumMod val="40000"/>
-                  <a:lumOff val="60000"/>
-                </a:schemeClr>
-              </a:buClr>
-              <a:buSzPct val="80000"/>
-              <a:buFont typeface="Wingdings 3" charset="2"/>
-              <a:buNone/>
-              <a:defRPr sz="1800" b="1" i="0" kern="1200">
-                <a:solidFill>
-                  <a:schemeClr val="tx1"/>
-                </a:solidFill>
-                <a:latin typeface="+mj-lt"/>
-                <a:ea typeface="+mj-ea"/>
-                <a:cs typeface="+mj-cs"/>
-              </a:defRPr>
-            </a:lvl3pPr>
-            <a:lvl4pPr marL="1371600" indent="0" algn="l" defTabSz="457200" rtl="0" eaLnBrk="1" latinLnBrk="0" hangingPunct="1">
-              <a:spcBef>
-                <a:spcPts val="1000"/>
-              </a:spcBef>
-              <a:spcAft>
-                <a:spcPts val="0"/>
-              </a:spcAft>
-              <a:buClr>
-                <a:schemeClr val="bg2">
-                  <a:lumMod val="40000"/>
-                  <a:lumOff val="60000"/>
-                </a:schemeClr>
-              </a:buClr>
-              <a:buSzPct val="80000"/>
-              <a:buFont typeface="Wingdings 3" charset="2"/>
-              <a:buNone/>
-              <a:defRPr sz="1600" b="1" i="0" kern="1200">
-                <a:solidFill>
-                  <a:schemeClr val="tx1"/>
-                </a:solidFill>
-                <a:latin typeface="+mj-lt"/>
-                <a:ea typeface="+mj-ea"/>
-                <a:cs typeface="+mj-cs"/>
-              </a:defRPr>
-            </a:lvl4pPr>
-            <a:lvl5pPr marL="1828800" indent="0" algn="l" defTabSz="457200" rtl="0" eaLnBrk="1" latinLnBrk="0" hangingPunct="1">
-              <a:spcBef>
-                <a:spcPts val="1000"/>
-              </a:spcBef>
-              <a:spcAft>
-                <a:spcPts val="0"/>
-              </a:spcAft>
-              <a:buClr>
-                <a:schemeClr val="bg2">
-                  <a:lumMod val="40000"/>
-                  <a:lumOff val="60000"/>
-                </a:schemeClr>
-              </a:buClr>
-              <a:buSzPct val="80000"/>
-              <a:buFont typeface="Wingdings 3" charset="2"/>
-              <a:buNone/>
-              <a:defRPr sz="1600" b="1" i="0" kern="1200">
-                <a:solidFill>
-                  <a:schemeClr val="tx1"/>
-                </a:solidFill>
-                <a:latin typeface="+mj-lt"/>
-                <a:ea typeface="+mj-ea"/>
-                <a:cs typeface="+mj-cs"/>
-              </a:defRPr>
-            </a:lvl5pPr>
-            <a:lvl6pPr marL="2286000" indent="0" algn="l" defTabSz="457200" rtl="0" eaLnBrk="1" latinLnBrk="0" hangingPunct="1">
-              <a:spcBef>
-                <a:spcPts val="1000"/>
-              </a:spcBef>
-              <a:spcAft>
-                <a:spcPts val="0"/>
-              </a:spcAft>
-              <a:buClr>
-                <a:schemeClr val="bg2">
-                  <a:lumMod val="40000"/>
-                  <a:lumOff val="60000"/>
-                </a:schemeClr>
-              </a:buClr>
-              <a:buSzPct val="80000"/>
-              <a:buFont typeface="Wingdings 3" charset="2"/>
-              <a:buNone/>
-              <a:defRPr sz="1600" b="1" i="0" kern="1200">
-                <a:solidFill>
-                  <a:schemeClr val="tx1"/>
-                </a:solidFill>
-                <a:latin typeface="+mj-lt"/>
-                <a:ea typeface="+mj-ea"/>
-                <a:cs typeface="+mj-cs"/>
-              </a:defRPr>
-            </a:lvl6pPr>
-            <a:lvl7pPr marL="2743200" indent="0" algn="l" defTabSz="457200" rtl="0" eaLnBrk="1" latinLnBrk="0" hangingPunct="1">
-              <a:spcBef>
-                <a:spcPts val="1000"/>
-              </a:spcBef>
-              <a:spcAft>
-                <a:spcPts val="0"/>
-              </a:spcAft>
-              <a:buClr>
-                <a:schemeClr val="bg2">
-                  <a:lumMod val="40000"/>
-                  <a:lumOff val="60000"/>
-                </a:schemeClr>
-              </a:buClr>
-              <a:buSzPct val="80000"/>
-              <a:buFont typeface="Wingdings 3" charset="2"/>
-              <a:buNone/>
-              <a:defRPr sz="1600" b="1" i="0" kern="1200">
-                <a:solidFill>
-                  <a:schemeClr val="tx1"/>
-                </a:solidFill>
-                <a:latin typeface="+mj-lt"/>
-                <a:ea typeface="+mj-ea"/>
-                <a:cs typeface="+mj-cs"/>
-              </a:defRPr>
-            </a:lvl7pPr>
-            <a:lvl8pPr marL="3200400" indent="0" algn="l" defTabSz="457200" rtl="0" eaLnBrk="1" latinLnBrk="0" hangingPunct="1">
-              <a:spcBef>
-                <a:spcPts val="1000"/>
-              </a:spcBef>
-              <a:spcAft>
-                <a:spcPts val="0"/>
-              </a:spcAft>
-              <a:buClr>
-                <a:schemeClr val="bg2">
-                  <a:lumMod val="40000"/>
-                  <a:lumOff val="60000"/>
-                </a:schemeClr>
-              </a:buClr>
-              <a:buSzPct val="80000"/>
-              <a:buFont typeface="Wingdings 3" charset="2"/>
-              <a:buNone/>
-              <a:defRPr sz="1600" b="1" i="0" kern="1200">
-                <a:solidFill>
-                  <a:schemeClr val="tx1"/>
-                </a:solidFill>
-                <a:latin typeface="+mj-lt"/>
-                <a:ea typeface="+mj-ea"/>
-                <a:cs typeface="+mj-cs"/>
-              </a:defRPr>
-            </a:lvl8pPr>
-            <a:lvl9pPr marL="3657600" indent="0" algn="l" defTabSz="457200" rtl="0" eaLnBrk="1" latinLnBrk="0" hangingPunct="1">
-              <a:spcBef>
-                <a:spcPts val="1000"/>
-              </a:spcBef>
-              <a:spcAft>
-                <a:spcPts val="0"/>
-              </a:spcAft>
-              <a:buClr>
-                <a:schemeClr val="bg2">
-                  <a:lumMod val="40000"/>
-                  <a:lumOff val="60000"/>
-                </a:schemeClr>
-              </a:buClr>
-              <a:buSzPct val="80000"/>
-              <a:buFont typeface="Wingdings 3" charset="2"/>
-              <a:buNone/>
-              <a:defRPr sz="1600" b="1" i="0" kern="1200">
-                <a:solidFill>
-                  <a:schemeClr val="tx1"/>
-                </a:solidFill>
-                <a:latin typeface="+mj-lt"/>
-                <a:ea typeface="+mj-ea"/>
-                <a:cs typeface="+mj-cs"/>
-              </a:defRPr>
-            </a:lvl9pPr>
-          </a:lstStyle>
-          <a:p>
-            <a:pPr algn="ctr"/>
-            <a:endParaRPr lang="en-GB" sz="2000" dirty="0">
-              <a:solidFill>
-                <a:schemeClr val="tx1"/>
-              </a:solidFill>
-            </a:endParaRPr>
-          </a:p>
-        </p:txBody>
-      </p:sp>
-      <p:sp>
-        <p:nvSpPr>
-          <p:cNvPr id="14" name="TextBox 13">
-            <a:extLst>
-              <a:ext uri="{FF2B5EF4-FFF2-40B4-BE49-F238E27FC236}">
-                <a16:creationId xmlns:a16="http://schemas.microsoft.com/office/drawing/2014/main" id="{C5AC239D-B0B7-491E-AB1D-BE8E22C51B79}"/>
-              </a:ext>
-            </a:extLst>
-          </p:cNvPr>
-          <p:cNvSpPr txBox="1"/>
-          <p:nvPr/>
-        </p:nvSpPr>
-        <p:spPr>
-          <a:xfrm>
-            <a:off x="4866262" y="4381983"/>
-            <a:ext cx="2459470" cy="400110"/>
-          </a:xfrm>
-          <a:prstGeom prst="rect">
-            <a:avLst/>
-          </a:prstGeom>
-          <a:noFill/>
-        </p:spPr>
-        <p:txBody>
-          <a:bodyPr wrap="square" rtlCol="0" anchor="ctr">
-            <a:spAutoFit/>
-          </a:bodyPr>
-          <a:lstStyle/>
-          <a:p>
-            <a:pPr algn="ctr"/>
-            <a:r>
-              <a:rPr lang="en-GB" sz="2000" dirty="0"/>
-              <a:t>402 samples</a:t>
-            </a:r>
-          </a:p>
-        </p:txBody>
-      </p:sp>
-      <p:sp>
-        <p:nvSpPr>
-          <p:cNvPr id="2" name="TextBox 1">
-            <a:extLst>
-              <a:ext uri="{FF2B5EF4-FFF2-40B4-BE49-F238E27FC236}">
-                <a16:creationId xmlns:a16="http://schemas.microsoft.com/office/drawing/2014/main" id="{172FEF54-391D-4F43-AF66-57813976168A}"/>
-              </a:ext>
-            </a:extLst>
-          </p:cNvPr>
-          <p:cNvSpPr txBox="1"/>
-          <p:nvPr/>
-        </p:nvSpPr>
-        <p:spPr>
-          <a:xfrm>
-            <a:off x="6738084" y="4392144"/>
-            <a:ext cx="2794317" cy="400110"/>
-          </a:xfrm>
-          <a:prstGeom prst="rect">
-            <a:avLst/>
-          </a:prstGeom>
-          <a:noFill/>
-        </p:spPr>
-        <p:txBody>
-          <a:bodyPr wrap="square" rtlCol="0" anchor="ctr">
-            <a:spAutoFit/>
-          </a:bodyPr>
-          <a:lstStyle/>
-          <a:p>
-            <a:pPr algn="r"/>
-            <a:r>
-              <a:rPr lang="en-GB" sz="2000" dirty="0"/>
-              <a:t>888 taxa</a:t>
-            </a:r>
-          </a:p>
-        </p:txBody>
-      </p:sp>
-      <p:sp>
-        <p:nvSpPr>
-          <p:cNvPr id="15" name="TextBox 14">
-            <a:extLst>
-              <a:ext uri="{FF2B5EF4-FFF2-40B4-BE49-F238E27FC236}">
-                <a16:creationId xmlns:a16="http://schemas.microsoft.com/office/drawing/2014/main" id="{27BFBEC7-E16E-4E5D-843C-CF84DC1A719C}"/>
-              </a:ext>
-            </a:extLst>
-          </p:cNvPr>
-          <p:cNvSpPr txBox="1"/>
-          <p:nvPr/>
-        </p:nvSpPr>
-        <p:spPr>
-          <a:xfrm>
-            <a:off x="2524527" y="4381983"/>
-            <a:ext cx="2794317" cy="400110"/>
-          </a:xfrm>
-          <a:prstGeom prst="rect">
-            <a:avLst/>
-          </a:prstGeom>
-          <a:noFill/>
-        </p:spPr>
-        <p:txBody>
-          <a:bodyPr wrap="square" rtlCol="0" anchor="ctr">
-            <a:spAutoFit/>
-          </a:bodyPr>
-          <a:lstStyle/>
-          <a:p>
-            <a:r>
-              <a:rPr lang="en-GB" sz="2000" dirty="0"/>
-              <a:t>323 metabolites</a:t>
-            </a:r>
-          </a:p>
-        </p:txBody>
-      </p:sp>
-    </p:spTree>
-    <p:extLst>
-      <p:ext uri="{BB962C8B-B14F-4D97-AF65-F5344CB8AC3E}">
-        <p14:creationId xmlns:p14="http://schemas.microsoft.com/office/powerpoint/2010/main" val="4182294919"/>
-      </p:ext>
-    </p:extLst>
-  </p:cSld>
-  <p:clrMapOvr>
-    <a:masterClrMapping/>
-  </p:clrMapOvr>
-  <p:timing>
-    <p:tnLst>
-      <p:par>
-        <p:cTn id="1" dur="indefinite" restart="never" nodeType="tmRoot">
-          <p:childTnLst>
-            <p:seq concurrent="1" nextAc="seek">
-              <p:cTn id="2" dur="indefinite" nodeType="mainSeq">
-                <p:childTnLst>
-                  <p:par>
-                    <p:cTn id="3" fill="hold">
-                      <p:stCondLst>
-                        <p:cond delay="indefinite"/>
-                      </p:stCondLst>
-                      <p:childTnLst>
-                        <p:par>
-                          <p:cTn id="4" fill="hold">
-                            <p:stCondLst>
-                              <p:cond delay="0"/>
-                            </p:stCondLst>
-                            <p:childTnLst>
-                              <p:par>
-                                <p:cTn id="5" presetID="1" presetClass="entr" presetSubtype="0" fill="hold" grpId="0" nodeType="clickEffect">
-                                  <p:stCondLst>
-                                    <p:cond delay="0"/>
-                                  </p:stCondLst>
-                                  <p:childTnLst>
-                                    <p:set>
-                                      <p:cBhvr>
-                                        <p:cTn id="6" dur="1" fill="hold">
-                                          <p:stCondLst>
-                                            <p:cond delay="0"/>
-                                          </p:stCondLst>
-                                        </p:cTn>
-                                        <p:tgtEl>
-                                          <p:spTgt spid="14"/>
-                                        </p:tgtEl>
-                                        <p:attrNameLst>
-                                          <p:attrName>style.visibility</p:attrName>
-                                        </p:attrNameLst>
-                                      </p:cBhvr>
-                                      <p:to>
-                                        <p:strVal val="visible"/>
-                                      </p:to>
-                                    </p:set>
-                                  </p:childTnLst>
-                                </p:cTn>
-                              </p:par>
-                              <p:par>
-                                <p:cTn id="7" presetID="1" presetClass="entr" presetSubtype="0" fill="hold" grpId="0" nodeType="withEffect">
-                                  <p:stCondLst>
-                                    <p:cond delay="0"/>
-                                  </p:stCondLst>
-                                  <p:childTnLst>
-                                    <p:set>
-                                      <p:cBhvr>
-                                        <p:cTn id="8" dur="1" fill="hold">
-                                          <p:stCondLst>
-                                            <p:cond delay="0"/>
-                                          </p:stCondLst>
-                                        </p:cTn>
-                                        <p:tgtEl>
-                                          <p:spTgt spid="11"/>
-                                        </p:tgtEl>
-                                        <p:attrNameLst>
-                                          <p:attrName>style.visibility</p:attrName>
-                                        </p:attrNameLst>
-                                      </p:cBhvr>
-                                      <p:to>
-                                        <p:strVal val="visible"/>
-                                      </p:to>
-                                    </p:set>
-                                  </p:childTnLst>
-                                </p:cTn>
-                              </p:par>
-                              <p:par>
-                                <p:cTn id="9" presetID="1" presetClass="entr" presetSubtype="0" fill="hold" grpId="0" nodeType="withEffect">
-                                  <p:stCondLst>
-                                    <p:cond delay="0"/>
-                                  </p:stCondLst>
-                                  <p:childTnLst>
-                                    <p:set>
-                                      <p:cBhvr>
-                                        <p:cTn id="10" dur="1" fill="hold">
-                                          <p:stCondLst>
-                                            <p:cond delay="0"/>
-                                          </p:stCondLst>
-                                        </p:cTn>
-                                        <p:tgtEl>
-                                          <p:spTgt spid="15"/>
-                                        </p:tgtEl>
-                                        <p:attrNameLst>
-                                          <p:attrName>style.visibility</p:attrName>
-                                        </p:attrNameLst>
-                                      </p:cBhvr>
-                                      <p:to>
-                                        <p:strVal val="visible"/>
-                                      </p:to>
-                                    </p:set>
-                                  </p:childTnLst>
-                                </p:cTn>
-                              </p:par>
-                              <p:par>
-                                <p:cTn id="11" presetID="1" presetClass="entr" presetSubtype="0" fill="hold" grpId="0" nodeType="withEffect">
-                                  <p:stCondLst>
-                                    <p:cond delay="0"/>
-                                  </p:stCondLst>
-                                  <p:childTnLst>
-                                    <p:set>
-                                      <p:cBhvr>
-                                        <p:cTn id="12" dur="1" fill="hold">
-                                          <p:stCondLst>
-                                            <p:cond delay="0"/>
-                                          </p:stCondLst>
-                                        </p:cTn>
-                                        <p:tgtEl>
-                                          <p:spTgt spid="2"/>
-                                        </p:tgtEl>
-                                        <p:attrNameLst>
-                                          <p:attrName>style.visibility</p:attrName>
-                                        </p:attrNameLst>
-                                      </p:cBhvr>
-                                      <p:to>
-                                        <p:strVal val="visible"/>
-                                      </p:to>
-                                    </p:set>
-                                  </p:childTnLst>
-                                </p:cTn>
-                              </p:par>
-                              <p:par>
-                                <p:cTn id="13" presetID="1" presetClass="entr" presetSubtype="0" fill="hold" grpId="0" nodeType="withEffect">
-                                  <p:stCondLst>
-                                    <p:cond delay="0"/>
-                                  </p:stCondLst>
-                                  <p:childTnLst>
-                                    <p:set>
-                                      <p:cBhvr>
-                                        <p:cTn id="14" dur="1" fill="hold">
-                                          <p:stCondLst>
-                                            <p:cond delay="0"/>
-                                          </p:stCondLst>
-                                        </p:cTn>
-                                        <p:tgtEl>
-                                          <p:spTgt spid="10"/>
-                                        </p:tgtEl>
-                                        <p:attrNameLst>
-                                          <p:attrName>style.visibility</p:attrName>
-                                        </p:attrNameLst>
-                                      </p:cBhvr>
-                                      <p:to>
-                                        <p:strVal val="visible"/>
-                                      </p:to>
-                                    </p:set>
-                                  </p:childTnLst>
-                                </p:cTn>
-                              </p:par>
-                            </p:childTnLst>
-                          </p:cTn>
-                        </p:par>
-                      </p:childTnLst>
-                    </p:cTn>
-                  </p:par>
-                </p:childTnLst>
-              </p:cTn>
-              <p:prevCondLst>
-                <p:cond evt="onPrev" delay="0">
-                  <p:tgtEl>
-                    <p:sldTgt/>
-                  </p:tgtEl>
-                </p:cond>
-              </p:prevCondLst>
-              <p:nextCondLst>
-                <p:cond evt="onNext" delay="0">
-                  <p:tgtEl>
-                    <p:sldTgt/>
-                  </p:tgtEl>
-                </p:cond>
-              </p:nextCondLst>
-            </p:seq>
-          </p:childTnLst>
-        </p:cTn>
-      </p:par>
-    </p:tnLst>
-    <p:bldLst>
-      <p:bldP spid="10" grpId="0" animBg="1"/>
-      <p:bldP spid="11" grpId="0" animBg="1"/>
-      <p:bldP spid="14" grpId="0"/>
-      <p:bldP spid="2" grpId="0"/>
-      <p:bldP spid="15" grpId="0"/>
-    </p:bldLst>
-  </p:timing>
 </p:sld>
 </file>
 
@@ -17986,6 +19459,1114 @@
       </p:grpSpPr>
       <p:sp>
         <p:nvSpPr>
+          <p:cNvPr id="16" name="Oval 15">
+            <a:extLst>
+              <a:ext uri="{FF2B5EF4-FFF2-40B4-BE49-F238E27FC236}">
+                <a16:creationId xmlns:a16="http://schemas.microsoft.com/office/drawing/2014/main" id="{27832756-16E7-44E2-8748-7D9760DCC863}"/>
+              </a:ext>
+            </a:extLst>
+          </p:cNvPr>
+          <p:cNvSpPr/>
+          <p:nvPr/>
+        </p:nvSpPr>
+        <p:spPr>
+          <a:xfrm>
+            <a:off x="10488426" y="488805"/>
+            <a:ext cx="578504" cy="586960"/>
+          </a:xfrm>
+          <a:prstGeom prst="ellipse">
+            <a:avLst/>
+          </a:prstGeom>
+          <a:noFill/>
+          <a:ln w="38100">
+            <a:solidFill>
+              <a:schemeClr val="tx1"/>
+            </a:solidFill>
+          </a:ln>
+        </p:spPr>
+        <p:style>
+          <a:lnRef idx="2">
+            <a:schemeClr val="accent1">
+              <a:shade val="50000"/>
+            </a:schemeClr>
+          </a:lnRef>
+          <a:fillRef idx="1">
+            <a:schemeClr val="accent1"/>
+          </a:fillRef>
+          <a:effectRef idx="0">
+            <a:schemeClr val="accent1"/>
+          </a:effectRef>
+          <a:fontRef idx="minor">
+            <a:schemeClr val="lt1"/>
+          </a:fontRef>
+        </p:style>
+        <p:txBody>
+          <a:bodyPr rtlCol="0" anchor="ctr"/>
+          <a:lstStyle/>
+          <a:p>
+            <a:pPr algn="ctr"/>
+            <a:endParaRPr lang="en-GB"/>
+          </a:p>
+        </p:txBody>
+      </p:sp>
+      <p:sp>
+        <p:nvSpPr>
+          <p:cNvPr id="17" name="TextBox 16">
+            <a:extLst>
+              <a:ext uri="{FF2B5EF4-FFF2-40B4-BE49-F238E27FC236}">
+                <a16:creationId xmlns:a16="http://schemas.microsoft.com/office/drawing/2014/main" id="{49B9ADF7-1D51-41ED-A35C-1D972A385544}"/>
+              </a:ext>
+            </a:extLst>
+          </p:cNvPr>
+          <p:cNvSpPr txBox="1"/>
+          <p:nvPr/>
+        </p:nvSpPr>
+        <p:spPr>
+          <a:xfrm>
+            <a:off x="10510347" y="551452"/>
+            <a:ext cx="534661" cy="461665"/>
+          </a:xfrm>
+          <a:prstGeom prst="rect">
+            <a:avLst/>
+          </a:prstGeom>
+          <a:noFill/>
+        </p:spPr>
+        <p:txBody>
+          <a:bodyPr wrap="square" rtlCol="0">
+            <a:spAutoFit/>
+          </a:bodyPr>
+          <a:lstStyle/>
+          <a:p>
+            <a:r>
+              <a:rPr lang="en-GB" sz="2400" b="1" dirty="0">
+                <a:latin typeface="Arial" panose="020B0604020202020204" pitchFamily="34" charset="0"/>
+                <a:cs typeface="Arial" panose="020B0604020202020204" pitchFamily="34" charset="0"/>
+              </a:rPr>
+              <a:t>18</a:t>
+            </a:r>
+          </a:p>
+        </p:txBody>
+      </p:sp>
+      <p:sp>
+        <p:nvSpPr>
+          <p:cNvPr id="7" name="Title 1">
+            <a:extLst>
+              <a:ext uri="{FF2B5EF4-FFF2-40B4-BE49-F238E27FC236}">
+                <a16:creationId xmlns:a16="http://schemas.microsoft.com/office/drawing/2014/main" id="{894F5E17-16CC-4DD2-86BC-93A4E7658A0B}"/>
+              </a:ext>
+            </a:extLst>
+          </p:cNvPr>
+          <p:cNvSpPr>
+            <a:spLocks noGrp="1"/>
+          </p:cNvSpPr>
+          <p:nvPr>
+            <p:ph type="title"/>
+          </p:nvPr>
+        </p:nvSpPr>
+        <p:spPr>
+          <a:xfrm>
+            <a:off x="1427294" y="1847665"/>
+            <a:ext cx="9337411" cy="935816"/>
+          </a:xfrm>
+        </p:spPr>
+        <p:txBody>
+          <a:bodyPr/>
+          <a:lstStyle/>
+          <a:p>
+            <a:pPr algn="ctr"/>
+            <a:r>
+              <a:rPr lang="en-GB" sz="4400" u="sng" dirty="0"/>
+              <a:t>PART IIb </a:t>
+            </a:r>
+          </a:p>
+        </p:txBody>
+      </p:sp>
+      <p:sp>
+        <p:nvSpPr>
+          <p:cNvPr id="12" name="Rectangle 11">
+            <a:extLst>
+              <a:ext uri="{FF2B5EF4-FFF2-40B4-BE49-F238E27FC236}">
+                <a16:creationId xmlns:a16="http://schemas.microsoft.com/office/drawing/2014/main" id="{17F1E07E-1381-4642-A86C-A1DDB49322CD}"/>
+              </a:ext>
+            </a:extLst>
+          </p:cNvPr>
+          <p:cNvSpPr/>
+          <p:nvPr/>
+        </p:nvSpPr>
+        <p:spPr>
+          <a:xfrm>
+            <a:off x="2017515" y="3072107"/>
+            <a:ext cx="4078484" cy="760345"/>
+          </a:xfrm>
+          <a:prstGeom prst="rect">
+            <a:avLst/>
+          </a:prstGeom>
+        </p:spPr>
+        <p:style>
+          <a:lnRef idx="2">
+            <a:schemeClr val="accent1">
+              <a:shade val="50000"/>
+            </a:schemeClr>
+          </a:lnRef>
+          <a:fillRef idx="1">
+            <a:schemeClr val="accent1"/>
+          </a:fillRef>
+          <a:effectRef idx="0">
+            <a:schemeClr val="accent1"/>
+          </a:effectRef>
+          <a:fontRef idx="minor">
+            <a:schemeClr val="lt1"/>
+          </a:fontRef>
+        </p:style>
+        <p:txBody>
+          <a:bodyPr rtlCol="0" anchor="ctr"/>
+          <a:lstStyle/>
+          <a:p>
+            <a:pPr algn="ctr"/>
+            <a:r>
+              <a:rPr lang="en-GB" sz="2800" u="sng" dirty="0"/>
+              <a:t>Metabolome data</a:t>
+            </a:r>
+          </a:p>
+        </p:txBody>
+      </p:sp>
+      <p:sp>
+        <p:nvSpPr>
+          <p:cNvPr id="13" name="Rectangle 12">
+            <a:extLst>
+              <a:ext uri="{FF2B5EF4-FFF2-40B4-BE49-F238E27FC236}">
+                <a16:creationId xmlns:a16="http://schemas.microsoft.com/office/drawing/2014/main" id="{2F152F7A-9EC8-4AD8-B8BF-2FC1E9898550}"/>
+              </a:ext>
+            </a:extLst>
+          </p:cNvPr>
+          <p:cNvSpPr/>
+          <p:nvPr/>
+        </p:nvSpPr>
+        <p:spPr>
+          <a:xfrm>
+            <a:off x="6095999" y="3072107"/>
+            <a:ext cx="4078484" cy="780452"/>
+          </a:xfrm>
+          <a:prstGeom prst="rect">
+            <a:avLst/>
+          </a:prstGeom>
+          <a:solidFill>
+            <a:schemeClr val="accent2">
+              <a:lumMod val="75000"/>
+            </a:schemeClr>
+          </a:solidFill>
+          <a:ln>
+            <a:noFill/>
+          </a:ln>
+        </p:spPr>
+        <p:style>
+          <a:lnRef idx="2">
+            <a:schemeClr val="accent1">
+              <a:shade val="50000"/>
+            </a:schemeClr>
+          </a:lnRef>
+          <a:fillRef idx="1">
+            <a:schemeClr val="accent1"/>
+          </a:fillRef>
+          <a:effectRef idx="0">
+            <a:schemeClr val="accent1"/>
+          </a:effectRef>
+          <a:fontRef idx="minor">
+            <a:schemeClr val="lt1"/>
+          </a:fontRef>
+        </p:style>
+        <p:txBody>
+          <a:bodyPr rtlCol="0" anchor="ctr"/>
+          <a:lstStyle/>
+          <a:p>
+            <a:pPr algn="ctr">
+              <a:spcAft>
+                <a:spcPts val="1200"/>
+              </a:spcAft>
+            </a:pPr>
+            <a:r>
+              <a:rPr lang="en-GB" sz="2800" u="sng" dirty="0"/>
+              <a:t>Metagenome data</a:t>
+            </a:r>
+          </a:p>
+        </p:txBody>
+      </p:sp>
+      <p:sp>
+        <p:nvSpPr>
+          <p:cNvPr id="10" name="Text Placeholder 2">
+            <a:extLst>
+              <a:ext uri="{FF2B5EF4-FFF2-40B4-BE49-F238E27FC236}">
+                <a16:creationId xmlns:a16="http://schemas.microsoft.com/office/drawing/2014/main" id="{30F2E935-1818-487E-BE45-57D57E8882C9}"/>
+              </a:ext>
+            </a:extLst>
+          </p:cNvPr>
+          <p:cNvSpPr txBox="1">
+            <a:spLocks/>
+          </p:cNvSpPr>
+          <p:nvPr/>
+        </p:nvSpPr>
+        <p:spPr>
+          <a:xfrm>
+            <a:off x="6096001" y="4126533"/>
+            <a:ext cx="4078482" cy="941493"/>
+          </a:xfrm>
+          <a:prstGeom prst="rect">
+            <a:avLst/>
+          </a:prstGeom>
+          <a:solidFill>
+            <a:schemeClr val="accent2">
+              <a:lumMod val="75000"/>
+            </a:schemeClr>
+          </a:solidFill>
+        </p:spPr>
+        <p:txBody>
+          <a:bodyPr vert="horz" lIns="91440" tIns="45720" rIns="91440" bIns="45720" rtlCol="0" anchor="ctr">
+            <a:noAutofit/>
+          </a:bodyPr>
+          <a:lstStyle>
+            <a:lvl1pPr marL="0" indent="0" algn="l" defTabSz="457200" rtl="0" eaLnBrk="1" latinLnBrk="0" hangingPunct="1">
+              <a:spcBef>
+                <a:spcPts val="1000"/>
+              </a:spcBef>
+              <a:spcAft>
+                <a:spcPts val="0"/>
+              </a:spcAft>
+              <a:buClr>
+                <a:schemeClr val="bg2">
+                  <a:lumMod val="40000"/>
+                  <a:lumOff val="60000"/>
+                </a:schemeClr>
+              </a:buClr>
+              <a:buSzPct val="80000"/>
+              <a:buFont typeface="Wingdings 3" charset="2"/>
+              <a:buNone/>
+              <a:defRPr sz="2400" b="0" i="0" kern="1200">
+                <a:solidFill>
+                  <a:schemeClr val="bg2">
+                    <a:lumMod val="40000"/>
+                    <a:lumOff val="60000"/>
+                  </a:schemeClr>
+                </a:solidFill>
+                <a:latin typeface="+mj-lt"/>
+                <a:ea typeface="+mj-ea"/>
+                <a:cs typeface="+mj-cs"/>
+              </a:defRPr>
+            </a:lvl1pPr>
+            <a:lvl2pPr marL="457200" indent="0" algn="l" defTabSz="457200" rtl="0" eaLnBrk="1" latinLnBrk="0" hangingPunct="1">
+              <a:spcBef>
+                <a:spcPts val="1000"/>
+              </a:spcBef>
+              <a:spcAft>
+                <a:spcPts val="0"/>
+              </a:spcAft>
+              <a:buClr>
+                <a:schemeClr val="bg2">
+                  <a:lumMod val="40000"/>
+                  <a:lumOff val="60000"/>
+                </a:schemeClr>
+              </a:buClr>
+              <a:buSzPct val="80000"/>
+              <a:buFont typeface="Wingdings 3" charset="2"/>
+              <a:buNone/>
+              <a:defRPr sz="2000" b="1" i="0" kern="1200">
+                <a:solidFill>
+                  <a:schemeClr val="tx1"/>
+                </a:solidFill>
+                <a:latin typeface="+mj-lt"/>
+                <a:ea typeface="+mj-ea"/>
+                <a:cs typeface="+mj-cs"/>
+              </a:defRPr>
+            </a:lvl2pPr>
+            <a:lvl3pPr marL="914400" indent="0" algn="l" defTabSz="457200" rtl="0" eaLnBrk="1" latinLnBrk="0" hangingPunct="1">
+              <a:spcBef>
+                <a:spcPts val="1000"/>
+              </a:spcBef>
+              <a:spcAft>
+                <a:spcPts val="0"/>
+              </a:spcAft>
+              <a:buClr>
+                <a:schemeClr val="bg2">
+                  <a:lumMod val="40000"/>
+                  <a:lumOff val="60000"/>
+                </a:schemeClr>
+              </a:buClr>
+              <a:buSzPct val="80000"/>
+              <a:buFont typeface="Wingdings 3" charset="2"/>
+              <a:buNone/>
+              <a:defRPr sz="1800" b="1" i="0" kern="1200">
+                <a:solidFill>
+                  <a:schemeClr val="tx1"/>
+                </a:solidFill>
+                <a:latin typeface="+mj-lt"/>
+                <a:ea typeface="+mj-ea"/>
+                <a:cs typeface="+mj-cs"/>
+              </a:defRPr>
+            </a:lvl3pPr>
+            <a:lvl4pPr marL="1371600" indent="0" algn="l" defTabSz="457200" rtl="0" eaLnBrk="1" latinLnBrk="0" hangingPunct="1">
+              <a:spcBef>
+                <a:spcPts val="1000"/>
+              </a:spcBef>
+              <a:spcAft>
+                <a:spcPts val="0"/>
+              </a:spcAft>
+              <a:buClr>
+                <a:schemeClr val="bg2">
+                  <a:lumMod val="40000"/>
+                  <a:lumOff val="60000"/>
+                </a:schemeClr>
+              </a:buClr>
+              <a:buSzPct val="80000"/>
+              <a:buFont typeface="Wingdings 3" charset="2"/>
+              <a:buNone/>
+              <a:defRPr sz="1600" b="1" i="0" kern="1200">
+                <a:solidFill>
+                  <a:schemeClr val="tx1"/>
+                </a:solidFill>
+                <a:latin typeface="+mj-lt"/>
+                <a:ea typeface="+mj-ea"/>
+                <a:cs typeface="+mj-cs"/>
+              </a:defRPr>
+            </a:lvl4pPr>
+            <a:lvl5pPr marL="1828800" indent="0" algn="l" defTabSz="457200" rtl="0" eaLnBrk="1" latinLnBrk="0" hangingPunct="1">
+              <a:spcBef>
+                <a:spcPts val="1000"/>
+              </a:spcBef>
+              <a:spcAft>
+                <a:spcPts val="0"/>
+              </a:spcAft>
+              <a:buClr>
+                <a:schemeClr val="bg2">
+                  <a:lumMod val="40000"/>
+                  <a:lumOff val="60000"/>
+                </a:schemeClr>
+              </a:buClr>
+              <a:buSzPct val="80000"/>
+              <a:buFont typeface="Wingdings 3" charset="2"/>
+              <a:buNone/>
+              <a:defRPr sz="1600" b="1" i="0" kern="1200">
+                <a:solidFill>
+                  <a:schemeClr val="tx1"/>
+                </a:solidFill>
+                <a:latin typeface="+mj-lt"/>
+                <a:ea typeface="+mj-ea"/>
+                <a:cs typeface="+mj-cs"/>
+              </a:defRPr>
+            </a:lvl5pPr>
+            <a:lvl6pPr marL="2286000" indent="0" algn="l" defTabSz="457200" rtl="0" eaLnBrk="1" latinLnBrk="0" hangingPunct="1">
+              <a:spcBef>
+                <a:spcPts val="1000"/>
+              </a:spcBef>
+              <a:spcAft>
+                <a:spcPts val="0"/>
+              </a:spcAft>
+              <a:buClr>
+                <a:schemeClr val="bg2">
+                  <a:lumMod val="40000"/>
+                  <a:lumOff val="60000"/>
+                </a:schemeClr>
+              </a:buClr>
+              <a:buSzPct val="80000"/>
+              <a:buFont typeface="Wingdings 3" charset="2"/>
+              <a:buNone/>
+              <a:defRPr sz="1600" b="1" i="0" kern="1200">
+                <a:solidFill>
+                  <a:schemeClr val="tx1"/>
+                </a:solidFill>
+                <a:latin typeface="+mj-lt"/>
+                <a:ea typeface="+mj-ea"/>
+                <a:cs typeface="+mj-cs"/>
+              </a:defRPr>
+            </a:lvl6pPr>
+            <a:lvl7pPr marL="2743200" indent="0" algn="l" defTabSz="457200" rtl="0" eaLnBrk="1" latinLnBrk="0" hangingPunct="1">
+              <a:spcBef>
+                <a:spcPts val="1000"/>
+              </a:spcBef>
+              <a:spcAft>
+                <a:spcPts val="0"/>
+              </a:spcAft>
+              <a:buClr>
+                <a:schemeClr val="bg2">
+                  <a:lumMod val="40000"/>
+                  <a:lumOff val="60000"/>
+                </a:schemeClr>
+              </a:buClr>
+              <a:buSzPct val="80000"/>
+              <a:buFont typeface="Wingdings 3" charset="2"/>
+              <a:buNone/>
+              <a:defRPr sz="1600" b="1" i="0" kern="1200">
+                <a:solidFill>
+                  <a:schemeClr val="tx1"/>
+                </a:solidFill>
+                <a:latin typeface="+mj-lt"/>
+                <a:ea typeface="+mj-ea"/>
+                <a:cs typeface="+mj-cs"/>
+              </a:defRPr>
+            </a:lvl7pPr>
+            <a:lvl8pPr marL="3200400" indent="0" algn="l" defTabSz="457200" rtl="0" eaLnBrk="1" latinLnBrk="0" hangingPunct="1">
+              <a:spcBef>
+                <a:spcPts val="1000"/>
+              </a:spcBef>
+              <a:spcAft>
+                <a:spcPts val="0"/>
+              </a:spcAft>
+              <a:buClr>
+                <a:schemeClr val="bg2">
+                  <a:lumMod val="40000"/>
+                  <a:lumOff val="60000"/>
+                </a:schemeClr>
+              </a:buClr>
+              <a:buSzPct val="80000"/>
+              <a:buFont typeface="Wingdings 3" charset="2"/>
+              <a:buNone/>
+              <a:defRPr sz="1600" b="1" i="0" kern="1200">
+                <a:solidFill>
+                  <a:schemeClr val="tx1"/>
+                </a:solidFill>
+                <a:latin typeface="+mj-lt"/>
+                <a:ea typeface="+mj-ea"/>
+                <a:cs typeface="+mj-cs"/>
+              </a:defRPr>
+            </a:lvl8pPr>
+            <a:lvl9pPr marL="3657600" indent="0" algn="l" defTabSz="457200" rtl="0" eaLnBrk="1" latinLnBrk="0" hangingPunct="1">
+              <a:spcBef>
+                <a:spcPts val="1000"/>
+              </a:spcBef>
+              <a:spcAft>
+                <a:spcPts val="0"/>
+              </a:spcAft>
+              <a:buClr>
+                <a:schemeClr val="bg2">
+                  <a:lumMod val="40000"/>
+                  <a:lumOff val="60000"/>
+                </a:schemeClr>
+              </a:buClr>
+              <a:buSzPct val="80000"/>
+              <a:buFont typeface="Wingdings 3" charset="2"/>
+              <a:buNone/>
+              <a:defRPr sz="1600" b="1" i="0" kern="1200">
+                <a:solidFill>
+                  <a:schemeClr val="tx1"/>
+                </a:solidFill>
+                <a:latin typeface="+mj-lt"/>
+                <a:ea typeface="+mj-ea"/>
+                <a:cs typeface="+mj-cs"/>
+              </a:defRPr>
+            </a:lvl9pPr>
+          </a:lstStyle>
+          <a:p>
+            <a:pPr algn="ctr"/>
+            <a:endParaRPr lang="en-GB" sz="2000" dirty="0">
+              <a:solidFill>
+                <a:schemeClr val="tx1"/>
+              </a:solidFill>
+            </a:endParaRPr>
+          </a:p>
+        </p:txBody>
+      </p:sp>
+      <p:sp>
+        <p:nvSpPr>
+          <p:cNvPr id="11" name="Text Placeholder 1">
+            <a:extLst>
+              <a:ext uri="{FF2B5EF4-FFF2-40B4-BE49-F238E27FC236}">
+                <a16:creationId xmlns:a16="http://schemas.microsoft.com/office/drawing/2014/main" id="{41FB9240-8FFE-43F0-9E4E-B93F53DC76E7}"/>
+              </a:ext>
+            </a:extLst>
+          </p:cNvPr>
+          <p:cNvSpPr txBox="1">
+            <a:spLocks/>
+          </p:cNvSpPr>
+          <p:nvPr/>
+        </p:nvSpPr>
+        <p:spPr>
+          <a:xfrm>
+            <a:off x="2017516" y="4126533"/>
+            <a:ext cx="4078486" cy="931333"/>
+          </a:xfrm>
+          <a:prstGeom prst="rect">
+            <a:avLst/>
+          </a:prstGeom>
+          <a:solidFill>
+            <a:schemeClr val="accent1"/>
+          </a:solidFill>
+          <a:ln>
+            <a:solidFill>
+              <a:schemeClr val="accent1"/>
+            </a:solidFill>
+          </a:ln>
+        </p:spPr>
+        <p:txBody>
+          <a:bodyPr vert="horz" lIns="91440" tIns="45720" rIns="91440" bIns="45720" rtlCol="0" anchor="ctr">
+            <a:noAutofit/>
+          </a:bodyPr>
+          <a:lstStyle>
+            <a:lvl1pPr marL="0" indent="0" algn="l" defTabSz="457200" rtl="0" eaLnBrk="1" latinLnBrk="0" hangingPunct="1">
+              <a:spcBef>
+                <a:spcPts val="1000"/>
+              </a:spcBef>
+              <a:spcAft>
+                <a:spcPts val="0"/>
+              </a:spcAft>
+              <a:buClr>
+                <a:schemeClr val="bg2">
+                  <a:lumMod val="40000"/>
+                  <a:lumOff val="60000"/>
+                </a:schemeClr>
+              </a:buClr>
+              <a:buSzPct val="80000"/>
+              <a:buFont typeface="Wingdings 3" charset="2"/>
+              <a:buNone/>
+              <a:defRPr sz="2400" b="0" i="0" kern="1200">
+                <a:solidFill>
+                  <a:schemeClr val="bg2">
+                    <a:lumMod val="40000"/>
+                    <a:lumOff val="60000"/>
+                  </a:schemeClr>
+                </a:solidFill>
+                <a:latin typeface="+mj-lt"/>
+                <a:ea typeface="+mj-ea"/>
+                <a:cs typeface="+mj-cs"/>
+              </a:defRPr>
+            </a:lvl1pPr>
+            <a:lvl2pPr marL="457200" indent="0" algn="l" defTabSz="457200" rtl="0" eaLnBrk="1" latinLnBrk="0" hangingPunct="1">
+              <a:spcBef>
+                <a:spcPts val="1000"/>
+              </a:spcBef>
+              <a:spcAft>
+                <a:spcPts val="0"/>
+              </a:spcAft>
+              <a:buClr>
+                <a:schemeClr val="bg2">
+                  <a:lumMod val="40000"/>
+                  <a:lumOff val="60000"/>
+                </a:schemeClr>
+              </a:buClr>
+              <a:buSzPct val="80000"/>
+              <a:buFont typeface="Wingdings 3" charset="2"/>
+              <a:buNone/>
+              <a:defRPr sz="2000" b="1" i="0" kern="1200">
+                <a:solidFill>
+                  <a:schemeClr val="tx1"/>
+                </a:solidFill>
+                <a:latin typeface="+mj-lt"/>
+                <a:ea typeface="+mj-ea"/>
+                <a:cs typeface="+mj-cs"/>
+              </a:defRPr>
+            </a:lvl2pPr>
+            <a:lvl3pPr marL="914400" indent="0" algn="l" defTabSz="457200" rtl="0" eaLnBrk="1" latinLnBrk="0" hangingPunct="1">
+              <a:spcBef>
+                <a:spcPts val="1000"/>
+              </a:spcBef>
+              <a:spcAft>
+                <a:spcPts val="0"/>
+              </a:spcAft>
+              <a:buClr>
+                <a:schemeClr val="bg2">
+                  <a:lumMod val="40000"/>
+                  <a:lumOff val="60000"/>
+                </a:schemeClr>
+              </a:buClr>
+              <a:buSzPct val="80000"/>
+              <a:buFont typeface="Wingdings 3" charset="2"/>
+              <a:buNone/>
+              <a:defRPr sz="1800" b="1" i="0" kern="1200">
+                <a:solidFill>
+                  <a:schemeClr val="tx1"/>
+                </a:solidFill>
+                <a:latin typeface="+mj-lt"/>
+                <a:ea typeface="+mj-ea"/>
+                <a:cs typeface="+mj-cs"/>
+              </a:defRPr>
+            </a:lvl3pPr>
+            <a:lvl4pPr marL="1371600" indent="0" algn="l" defTabSz="457200" rtl="0" eaLnBrk="1" latinLnBrk="0" hangingPunct="1">
+              <a:spcBef>
+                <a:spcPts val="1000"/>
+              </a:spcBef>
+              <a:spcAft>
+                <a:spcPts val="0"/>
+              </a:spcAft>
+              <a:buClr>
+                <a:schemeClr val="bg2">
+                  <a:lumMod val="40000"/>
+                  <a:lumOff val="60000"/>
+                </a:schemeClr>
+              </a:buClr>
+              <a:buSzPct val="80000"/>
+              <a:buFont typeface="Wingdings 3" charset="2"/>
+              <a:buNone/>
+              <a:defRPr sz="1600" b="1" i="0" kern="1200">
+                <a:solidFill>
+                  <a:schemeClr val="tx1"/>
+                </a:solidFill>
+                <a:latin typeface="+mj-lt"/>
+                <a:ea typeface="+mj-ea"/>
+                <a:cs typeface="+mj-cs"/>
+              </a:defRPr>
+            </a:lvl4pPr>
+            <a:lvl5pPr marL="1828800" indent="0" algn="l" defTabSz="457200" rtl="0" eaLnBrk="1" latinLnBrk="0" hangingPunct="1">
+              <a:spcBef>
+                <a:spcPts val="1000"/>
+              </a:spcBef>
+              <a:spcAft>
+                <a:spcPts val="0"/>
+              </a:spcAft>
+              <a:buClr>
+                <a:schemeClr val="bg2">
+                  <a:lumMod val="40000"/>
+                  <a:lumOff val="60000"/>
+                </a:schemeClr>
+              </a:buClr>
+              <a:buSzPct val="80000"/>
+              <a:buFont typeface="Wingdings 3" charset="2"/>
+              <a:buNone/>
+              <a:defRPr sz="1600" b="1" i="0" kern="1200">
+                <a:solidFill>
+                  <a:schemeClr val="tx1"/>
+                </a:solidFill>
+                <a:latin typeface="+mj-lt"/>
+                <a:ea typeface="+mj-ea"/>
+                <a:cs typeface="+mj-cs"/>
+              </a:defRPr>
+            </a:lvl5pPr>
+            <a:lvl6pPr marL="2286000" indent="0" algn="l" defTabSz="457200" rtl="0" eaLnBrk="1" latinLnBrk="0" hangingPunct="1">
+              <a:spcBef>
+                <a:spcPts val="1000"/>
+              </a:spcBef>
+              <a:spcAft>
+                <a:spcPts val="0"/>
+              </a:spcAft>
+              <a:buClr>
+                <a:schemeClr val="bg2">
+                  <a:lumMod val="40000"/>
+                  <a:lumOff val="60000"/>
+                </a:schemeClr>
+              </a:buClr>
+              <a:buSzPct val="80000"/>
+              <a:buFont typeface="Wingdings 3" charset="2"/>
+              <a:buNone/>
+              <a:defRPr sz="1600" b="1" i="0" kern="1200">
+                <a:solidFill>
+                  <a:schemeClr val="tx1"/>
+                </a:solidFill>
+                <a:latin typeface="+mj-lt"/>
+                <a:ea typeface="+mj-ea"/>
+                <a:cs typeface="+mj-cs"/>
+              </a:defRPr>
+            </a:lvl6pPr>
+            <a:lvl7pPr marL="2743200" indent="0" algn="l" defTabSz="457200" rtl="0" eaLnBrk="1" latinLnBrk="0" hangingPunct="1">
+              <a:spcBef>
+                <a:spcPts val="1000"/>
+              </a:spcBef>
+              <a:spcAft>
+                <a:spcPts val="0"/>
+              </a:spcAft>
+              <a:buClr>
+                <a:schemeClr val="bg2">
+                  <a:lumMod val="40000"/>
+                  <a:lumOff val="60000"/>
+                </a:schemeClr>
+              </a:buClr>
+              <a:buSzPct val="80000"/>
+              <a:buFont typeface="Wingdings 3" charset="2"/>
+              <a:buNone/>
+              <a:defRPr sz="1600" b="1" i="0" kern="1200">
+                <a:solidFill>
+                  <a:schemeClr val="tx1"/>
+                </a:solidFill>
+                <a:latin typeface="+mj-lt"/>
+                <a:ea typeface="+mj-ea"/>
+                <a:cs typeface="+mj-cs"/>
+              </a:defRPr>
+            </a:lvl7pPr>
+            <a:lvl8pPr marL="3200400" indent="0" algn="l" defTabSz="457200" rtl="0" eaLnBrk="1" latinLnBrk="0" hangingPunct="1">
+              <a:spcBef>
+                <a:spcPts val="1000"/>
+              </a:spcBef>
+              <a:spcAft>
+                <a:spcPts val="0"/>
+              </a:spcAft>
+              <a:buClr>
+                <a:schemeClr val="bg2">
+                  <a:lumMod val="40000"/>
+                  <a:lumOff val="60000"/>
+                </a:schemeClr>
+              </a:buClr>
+              <a:buSzPct val="80000"/>
+              <a:buFont typeface="Wingdings 3" charset="2"/>
+              <a:buNone/>
+              <a:defRPr sz="1600" b="1" i="0" kern="1200">
+                <a:solidFill>
+                  <a:schemeClr val="tx1"/>
+                </a:solidFill>
+                <a:latin typeface="+mj-lt"/>
+                <a:ea typeface="+mj-ea"/>
+                <a:cs typeface="+mj-cs"/>
+              </a:defRPr>
+            </a:lvl8pPr>
+            <a:lvl9pPr marL="3657600" indent="0" algn="l" defTabSz="457200" rtl="0" eaLnBrk="1" latinLnBrk="0" hangingPunct="1">
+              <a:spcBef>
+                <a:spcPts val="1000"/>
+              </a:spcBef>
+              <a:spcAft>
+                <a:spcPts val="0"/>
+              </a:spcAft>
+              <a:buClr>
+                <a:schemeClr val="bg2">
+                  <a:lumMod val="40000"/>
+                  <a:lumOff val="60000"/>
+                </a:schemeClr>
+              </a:buClr>
+              <a:buSzPct val="80000"/>
+              <a:buFont typeface="Wingdings 3" charset="2"/>
+              <a:buNone/>
+              <a:defRPr sz="1600" b="1" i="0" kern="1200">
+                <a:solidFill>
+                  <a:schemeClr val="tx1"/>
+                </a:solidFill>
+                <a:latin typeface="+mj-lt"/>
+                <a:ea typeface="+mj-ea"/>
+                <a:cs typeface="+mj-cs"/>
+              </a:defRPr>
+            </a:lvl9pPr>
+          </a:lstStyle>
+          <a:p>
+            <a:pPr algn="ctr"/>
+            <a:endParaRPr lang="en-GB" sz="2000" dirty="0">
+              <a:solidFill>
+                <a:schemeClr val="tx1"/>
+              </a:solidFill>
+            </a:endParaRPr>
+          </a:p>
+        </p:txBody>
+      </p:sp>
+      <p:sp>
+        <p:nvSpPr>
+          <p:cNvPr id="14" name="TextBox 13">
+            <a:extLst>
+              <a:ext uri="{FF2B5EF4-FFF2-40B4-BE49-F238E27FC236}">
+                <a16:creationId xmlns:a16="http://schemas.microsoft.com/office/drawing/2014/main" id="{C5AC239D-B0B7-491E-AB1D-BE8E22C51B79}"/>
+              </a:ext>
+            </a:extLst>
+          </p:cNvPr>
+          <p:cNvSpPr txBox="1"/>
+          <p:nvPr/>
+        </p:nvSpPr>
+        <p:spPr>
+          <a:xfrm>
+            <a:off x="4866262" y="4381983"/>
+            <a:ext cx="2459470" cy="400110"/>
+          </a:xfrm>
+          <a:prstGeom prst="rect">
+            <a:avLst/>
+          </a:prstGeom>
+          <a:noFill/>
+        </p:spPr>
+        <p:txBody>
+          <a:bodyPr wrap="square" rtlCol="0" anchor="ctr">
+            <a:spAutoFit/>
+          </a:bodyPr>
+          <a:lstStyle/>
+          <a:p>
+            <a:pPr algn="ctr"/>
+            <a:r>
+              <a:rPr lang="en-GB" sz="2000" dirty="0"/>
+              <a:t>402 samples</a:t>
+            </a:r>
+          </a:p>
+        </p:txBody>
+      </p:sp>
+      <p:sp>
+        <p:nvSpPr>
+          <p:cNvPr id="2" name="TextBox 1">
+            <a:extLst>
+              <a:ext uri="{FF2B5EF4-FFF2-40B4-BE49-F238E27FC236}">
+                <a16:creationId xmlns:a16="http://schemas.microsoft.com/office/drawing/2014/main" id="{172FEF54-391D-4F43-AF66-57813976168A}"/>
+              </a:ext>
+            </a:extLst>
+          </p:cNvPr>
+          <p:cNvSpPr txBox="1"/>
+          <p:nvPr/>
+        </p:nvSpPr>
+        <p:spPr>
+          <a:xfrm>
+            <a:off x="6738084" y="4392144"/>
+            <a:ext cx="2794317" cy="400110"/>
+          </a:xfrm>
+          <a:prstGeom prst="rect">
+            <a:avLst/>
+          </a:prstGeom>
+          <a:noFill/>
+        </p:spPr>
+        <p:txBody>
+          <a:bodyPr wrap="square" rtlCol="0" anchor="ctr">
+            <a:spAutoFit/>
+          </a:bodyPr>
+          <a:lstStyle/>
+          <a:p>
+            <a:pPr algn="r"/>
+            <a:r>
+              <a:rPr lang="en-GB" sz="2000" dirty="0"/>
+              <a:t>888 taxa</a:t>
+            </a:r>
+          </a:p>
+        </p:txBody>
+      </p:sp>
+      <p:sp>
+        <p:nvSpPr>
+          <p:cNvPr id="15" name="TextBox 14">
+            <a:extLst>
+              <a:ext uri="{FF2B5EF4-FFF2-40B4-BE49-F238E27FC236}">
+                <a16:creationId xmlns:a16="http://schemas.microsoft.com/office/drawing/2014/main" id="{27BFBEC7-E16E-4E5D-843C-CF84DC1A719C}"/>
+              </a:ext>
+            </a:extLst>
+          </p:cNvPr>
+          <p:cNvSpPr txBox="1"/>
+          <p:nvPr/>
+        </p:nvSpPr>
+        <p:spPr>
+          <a:xfrm>
+            <a:off x="2524527" y="4381983"/>
+            <a:ext cx="2794317" cy="400110"/>
+          </a:xfrm>
+          <a:prstGeom prst="rect">
+            <a:avLst/>
+          </a:prstGeom>
+          <a:noFill/>
+        </p:spPr>
+        <p:txBody>
+          <a:bodyPr wrap="square" rtlCol="0" anchor="ctr">
+            <a:spAutoFit/>
+          </a:bodyPr>
+          <a:lstStyle/>
+          <a:p>
+            <a:r>
+              <a:rPr lang="en-GB" sz="2000" dirty="0"/>
+              <a:t>323 metabolites</a:t>
+            </a:r>
+          </a:p>
+        </p:txBody>
+      </p:sp>
+    </p:spTree>
+    <p:extLst>
+      <p:ext uri="{BB962C8B-B14F-4D97-AF65-F5344CB8AC3E}">
+        <p14:creationId xmlns:p14="http://schemas.microsoft.com/office/powerpoint/2010/main" val="4182294919"/>
+      </p:ext>
+    </p:extLst>
+  </p:cSld>
+  <p:clrMapOvr>
+    <a:masterClrMapping/>
+  </p:clrMapOvr>
+  <p:timing>
+    <p:tnLst>
+      <p:par>
+        <p:cTn id="1" dur="indefinite" restart="never" nodeType="tmRoot">
+          <p:childTnLst>
+            <p:seq concurrent="1" nextAc="seek">
+              <p:cTn id="2" dur="indefinite" nodeType="mainSeq">
+                <p:childTnLst>
+                  <p:par>
+                    <p:cTn id="3" fill="hold">
+                      <p:stCondLst>
+                        <p:cond delay="indefinite"/>
+                      </p:stCondLst>
+                      <p:childTnLst>
+                        <p:par>
+                          <p:cTn id="4" fill="hold">
+                            <p:stCondLst>
+                              <p:cond delay="0"/>
+                            </p:stCondLst>
+                            <p:childTnLst>
+                              <p:par>
+                                <p:cTn id="5" presetID="1" presetClass="entr" presetSubtype="0" fill="hold" grpId="0" nodeType="clickEffect">
+                                  <p:stCondLst>
+                                    <p:cond delay="0"/>
+                                  </p:stCondLst>
+                                  <p:childTnLst>
+                                    <p:set>
+                                      <p:cBhvr>
+                                        <p:cTn id="6" dur="1" fill="hold">
+                                          <p:stCondLst>
+                                            <p:cond delay="0"/>
+                                          </p:stCondLst>
+                                        </p:cTn>
+                                        <p:tgtEl>
+                                          <p:spTgt spid="14"/>
+                                        </p:tgtEl>
+                                        <p:attrNameLst>
+                                          <p:attrName>style.visibility</p:attrName>
+                                        </p:attrNameLst>
+                                      </p:cBhvr>
+                                      <p:to>
+                                        <p:strVal val="visible"/>
+                                      </p:to>
+                                    </p:set>
+                                  </p:childTnLst>
+                                </p:cTn>
+                              </p:par>
+                              <p:par>
+                                <p:cTn id="7" presetID="1" presetClass="entr" presetSubtype="0" fill="hold" grpId="0" nodeType="withEffect">
+                                  <p:stCondLst>
+                                    <p:cond delay="0"/>
+                                  </p:stCondLst>
+                                  <p:childTnLst>
+                                    <p:set>
+                                      <p:cBhvr>
+                                        <p:cTn id="8" dur="1" fill="hold">
+                                          <p:stCondLst>
+                                            <p:cond delay="0"/>
+                                          </p:stCondLst>
+                                        </p:cTn>
+                                        <p:tgtEl>
+                                          <p:spTgt spid="11"/>
+                                        </p:tgtEl>
+                                        <p:attrNameLst>
+                                          <p:attrName>style.visibility</p:attrName>
+                                        </p:attrNameLst>
+                                      </p:cBhvr>
+                                      <p:to>
+                                        <p:strVal val="visible"/>
+                                      </p:to>
+                                    </p:set>
+                                  </p:childTnLst>
+                                </p:cTn>
+                              </p:par>
+                              <p:par>
+                                <p:cTn id="9" presetID="1" presetClass="entr" presetSubtype="0" fill="hold" grpId="0" nodeType="withEffect">
+                                  <p:stCondLst>
+                                    <p:cond delay="0"/>
+                                  </p:stCondLst>
+                                  <p:childTnLst>
+                                    <p:set>
+                                      <p:cBhvr>
+                                        <p:cTn id="10" dur="1" fill="hold">
+                                          <p:stCondLst>
+                                            <p:cond delay="0"/>
+                                          </p:stCondLst>
+                                        </p:cTn>
+                                        <p:tgtEl>
+                                          <p:spTgt spid="15"/>
+                                        </p:tgtEl>
+                                        <p:attrNameLst>
+                                          <p:attrName>style.visibility</p:attrName>
+                                        </p:attrNameLst>
+                                      </p:cBhvr>
+                                      <p:to>
+                                        <p:strVal val="visible"/>
+                                      </p:to>
+                                    </p:set>
+                                  </p:childTnLst>
+                                </p:cTn>
+                              </p:par>
+                              <p:par>
+                                <p:cTn id="11" presetID="1" presetClass="entr" presetSubtype="0" fill="hold" grpId="0" nodeType="withEffect">
+                                  <p:stCondLst>
+                                    <p:cond delay="0"/>
+                                  </p:stCondLst>
+                                  <p:childTnLst>
+                                    <p:set>
+                                      <p:cBhvr>
+                                        <p:cTn id="12" dur="1" fill="hold">
+                                          <p:stCondLst>
+                                            <p:cond delay="0"/>
+                                          </p:stCondLst>
+                                        </p:cTn>
+                                        <p:tgtEl>
+                                          <p:spTgt spid="2"/>
+                                        </p:tgtEl>
+                                        <p:attrNameLst>
+                                          <p:attrName>style.visibility</p:attrName>
+                                        </p:attrNameLst>
+                                      </p:cBhvr>
+                                      <p:to>
+                                        <p:strVal val="visible"/>
+                                      </p:to>
+                                    </p:set>
+                                  </p:childTnLst>
+                                </p:cTn>
+                              </p:par>
+                              <p:par>
+                                <p:cTn id="13" presetID="1" presetClass="entr" presetSubtype="0" fill="hold" grpId="0" nodeType="withEffect">
+                                  <p:stCondLst>
+                                    <p:cond delay="0"/>
+                                  </p:stCondLst>
+                                  <p:childTnLst>
+                                    <p:set>
+                                      <p:cBhvr>
+                                        <p:cTn id="14" dur="1" fill="hold">
+                                          <p:stCondLst>
+                                            <p:cond delay="0"/>
+                                          </p:stCondLst>
+                                        </p:cTn>
+                                        <p:tgtEl>
+                                          <p:spTgt spid="10"/>
+                                        </p:tgtEl>
+                                        <p:attrNameLst>
+                                          <p:attrName>style.visibility</p:attrName>
+                                        </p:attrNameLst>
+                                      </p:cBhvr>
+                                      <p:to>
+                                        <p:strVal val="visible"/>
+                                      </p:to>
+                                    </p:set>
+                                  </p:childTnLst>
+                                </p:cTn>
+                              </p:par>
+                            </p:childTnLst>
+                          </p:cTn>
+                        </p:par>
+                      </p:childTnLst>
+                    </p:cTn>
+                  </p:par>
+                </p:childTnLst>
+              </p:cTn>
+              <p:prevCondLst>
+                <p:cond evt="onPrev" delay="0">
+                  <p:tgtEl>
+                    <p:sldTgt/>
+                  </p:tgtEl>
+                </p:cond>
+              </p:prevCondLst>
+              <p:nextCondLst>
+                <p:cond evt="onNext" delay="0">
+                  <p:tgtEl>
+                    <p:sldTgt/>
+                  </p:tgtEl>
+                </p:cond>
+              </p:nextCondLst>
+            </p:seq>
+          </p:childTnLst>
+        </p:cTn>
+      </p:par>
+    </p:tnLst>
+    <p:bldLst>
+      <p:bldP spid="10" grpId="0" animBg="1"/>
+      <p:bldP spid="11" grpId="0" animBg="1"/>
+      <p:bldP spid="14" grpId="0"/>
+      <p:bldP spid="2" grpId="0"/>
+      <p:bldP spid="15" grpId="0"/>
+    </p:bldLst>
+  </p:timing>
+</p:sld>
+</file>
+
+<file path=ppt/slides/slide21.xml><?xml version="1.0" encoding="utf-8"?>
+<p:sld xmlns:a="http://schemas.openxmlformats.org/drawingml/2006/main" xmlns:r="http://schemas.openxmlformats.org/officeDocument/2006/relationships" xmlns:p="http://schemas.openxmlformats.org/presentationml/2006/main">
+  <p:cSld>
+    <p:spTree>
+      <p:nvGrpSpPr>
+        <p:cNvPr id="1" name=""/>
+        <p:cNvGrpSpPr/>
+        <p:nvPr/>
+      </p:nvGrpSpPr>
+      <p:grpSpPr>
+        <a:xfrm>
+          <a:off x="0" y="0"/>
+          <a:ext cx="0" cy="0"/>
+          <a:chOff x="0" y="0"/>
+          <a:chExt cx="0" cy="0"/>
+        </a:xfrm>
+      </p:grpSpPr>
+      <p:sp>
+        <p:nvSpPr>
           <p:cNvPr id="7" name="Title 1">
             <a:extLst>
               <a:ext uri="{FF2B5EF4-FFF2-40B4-BE49-F238E27FC236}">
@@ -18756,7 +21337,7 @@
 </p:sld>
 </file>
 
-<file path=ppt/slides/slide21.xml><?xml version="1.0" encoding="utf-8"?>
+<file path=ppt/slides/slide22.xml><?xml version="1.0" encoding="utf-8"?>
 <p:sld xmlns:a="http://schemas.openxmlformats.org/drawingml/2006/main" xmlns:r="http://schemas.openxmlformats.org/officeDocument/2006/relationships" xmlns:p="http://schemas.openxmlformats.org/presentationml/2006/main">
   <p:cSld>
     <p:spTree>
@@ -20101,7 +22682,7 @@
 </p:sld>
 </file>
 
-<file path=ppt/slides/slide22.xml><?xml version="1.0" encoding="utf-8"?>
+<file path=ppt/slides/slide23.xml><?xml version="1.0" encoding="utf-8"?>
 <p:sld xmlns:a="http://schemas.openxmlformats.org/drawingml/2006/main" xmlns:r="http://schemas.openxmlformats.org/officeDocument/2006/relationships" xmlns:p="http://schemas.openxmlformats.org/presentationml/2006/main">
   <p:cSld>
     <p:spTree>
@@ -21627,7 +24208,7 @@
 </p:sld>
 </file>
 
-<file path=ppt/slides/slide23.xml><?xml version="1.0" encoding="utf-8"?>
+<file path=ppt/slides/slide24.xml><?xml version="1.0" encoding="utf-8"?>
 <p:sld xmlns:a="http://schemas.openxmlformats.org/drawingml/2006/main" xmlns:r="http://schemas.openxmlformats.org/officeDocument/2006/relationships" xmlns:p="http://schemas.openxmlformats.org/presentationml/2006/main">
   <p:cSld>
     <p:spTree>
@@ -21849,7 +24430,7 @@
 </p:sld>
 </file>
 
-<file path=ppt/slides/slide24.xml><?xml version="1.0" encoding="utf-8"?>
+<file path=ppt/slides/slide25.xml><?xml version="1.0" encoding="utf-8"?>
 <p:sld xmlns:a="http://schemas.openxmlformats.org/drawingml/2006/main" xmlns:r="http://schemas.openxmlformats.org/officeDocument/2006/relationships" xmlns:p="http://schemas.openxmlformats.org/presentationml/2006/main">
   <p:cSld>
     <p:spTree>
@@ -22007,7 +24588,7 @@
 </p:sld>
 </file>
 
-<file path=ppt/slides/slide25.xml><?xml version="1.0" encoding="utf-8"?>
+<file path=ppt/slides/slide26.xml><?xml version="1.0" encoding="utf-8"?>
 <p:sld xmlns:a="http://schemas.openxmlformats.org/drawingml/2006/main" xmlns:r="http://schemas.openxmlformats.org/officeDocument/2006/relationships" xmlns:p="http://schemas.openxmlformats.org/presentationml/2006/main" show="0">
   <p:cSld>
     <p:spTree>
@@ -22260,7 +24841,7 @@
 </p:sld>
 </file>
 
-<file path=ppt/slides/slide26.xml><?xml version="1.0" encoding="utf-8"?>
+<file path=ppt/slides/slide27.xml><?xml version="1.0" encoding="utf-8"?>
 <p:sld xmlns:a="http://schemas.openxmlformats.org/drawingml/2006/main" xmlns:r="http://schemas.openxmlformats.org/officeDocument/2006/relationships" xmlns:p="http://schemas.openxmlformats.org/presentationml/2006/main" show="0">
   <p:cSld>
     <p:spTree>
@@ -22603,6 +25184,424 @@
 </file>
 
 <file path=ppt/slides/slide3.xml><?xml version="1.0" encoding="utf-8"?>
+<p:sld xmlns:a="http://schemas.openxmlformats.org/drawingml/2006/main" xmlns:r="http://schemas.openxmlformats.org/officeDocument/2006/relationships" xmlns:p="http://schemas.openxmlformats.org/presentationml/2006/main">
+  <p:cSld>
+    <p:spTree>
+      <p:nvGrpSpPr>
+        <p:cNvPr id="1" name=""/>
+        <p:cNvGrpSpPr/>
+        <p:nvPr/>
+      </p:nvGrpSpPr>
+      <p:grpSpPr>
+        <a:xfrm>
+          <a:off x="0" y="0"/>
+          <a:ext cx="0" cy="0"/>
+          <a:chOff x="0" y="0"/>
+          <a:chExt cx="0" cy="0"/>
+        </a:xfrm>
+      </p:grpSpPr>
+      <p:sp>
+        <p:nvSpPr>
+          <p:cNvPr id="7" name="TextBox 6">
+            <a:extLst>
+              <a:ext uri="{FF2B5EF4-FFF2-40B4-BE49-F238E27FC236}">
+                <a16:creationId xmlns:a16="http://schemas.microsoft.com/office/drawing/2014/main" id="{041F3778-7216-4345-9C36-30D7F3349F41}"/>
+              </a:ext>
+            </a:extLst>
+          </p:cNvPr>
+          <p:cNvSpPr txBox="1"/>
+          <p:nvPr/>
+        </p:nvSpPr>
+        <p:spPr>
+          <a:xfrm>
+            <a:off x="646111" y="1152983"/>
+            <a:ext cx="10294605" cy="2215991"/>
+          </a:xfrm>
+          <a:prstGeom prst="rect">
+            <a:avLst/>
+          </a:prstGeom>
+          <a:noFill/>
+        </p:spPr>
+        <p:txBody>
+          <a:bodyPr wrap="square" rtlCol="0">
+            <a:spAutoFit/>
+          </a:bodyPr>
+          <a:lstStyle/>
+          <a:p>
+            <a:r>
+              <a:rPr lang="en-GB" sz="2400" dirty="0"/>
+              <a:t>Importance:</a:t>
+            </a:r>
+          </a:p>
+          <a:p>
+            <a:pPr marL="342900" indent="-342900">
+              <a:buFont typeface="Arial" panose="020B0604020202020204" pitchFamily="34" charset="0"/>
+              <a:buChar char="•"/>
+            </a:pPr>
+            <a:r>
+              <a:rPr lang="en-GB" sz="2400" dirty="0"/>
+              <a:t>2019: 463 million adults </a:t>
+            </a:r>
+            <a:r>
+              <a:rPr lang="en-GB" sz="2400" dirty="0">
+                <a:sym typeface="Wingdings" panose="05000000000000000000" pitchFamily="2" charset="2"/>
+              </a:rPr>
+              <a:t>				2045: 700 million adults (1).</a:t>
+            </a:r>
+          </a:p>
+          <a:p>
+            <a:pPr marL="342900" indent="-342900">
+              <a:buFont typeface="Arial" panose="020B0604020202020204" pitchFamily="34" charset="0"/>
+              <a:buChar char="•"/>
+            </a:pPr>
+            <a:r>
+              <a:rPr lang="en-GB" sz="2400" dirty="0"/>
+              <a:t>90-95% of all diabetes (2).</a:t>
+            </a:r>
+          </a:p>
+          <a:p>
+            <a:endParaRPr lang="en-GB" sz="2400" dirty="0"/>
+          </a:p>
+          <a:p>
+            <a:r>
+              <a:rPr lang="en-GB" sz="2400" dirty="0"/>
+              <a:t>Pathophysiology:</a:t>
+            </a:r>
+          </a:p>
+          <a:p>
+            <a:pPr marL="285750" indent="-285750">
+              <a:buFontTx/>
+              <a:buChar char="-"/>
+            </a:pPr>
+            <a:endParaRPr lang="en-GB" dirty="0"/>
+          </a:p>
+        </p:txBody>
+      </p:sp>
+      <p:sp>
+        <p:nvSpPr>
+          <p:cNvPr id="2" name="Title 1">
+            <a:extLst>
+              <a:ext uri="{FF2B5EF4-FFF2-40B4-BE49-F238E27FC236}">
+                <a16:creationId xmlns:a16="http://schemas.microsoft.com/office/drawing/2014/main" id="{1AD3D90E-C50B-4DFA-9CCB-5680F71C1507}"/>
+              </a:ext>
+            </a:extLst>
+          </p:cNvPr>
+          <p:cNvSpPr>
+            <a:spLocks noGrp="1"/>
+          </p:cNvSpPr>
+          <p:nvPr>
+            <p:ph type="title"/>
+          </p:nvPr>
+        </p:nvSpPr>
+        <p:spPr/>
+        <p:txBody>
+          <a:bodyPr/>
+          <a:lstStyle/>
+          <a:p>
+            <a:r>
+              <a:rPr lang="en-GB" dirty="0"/>
+              <a:t>Introduction: T2DM</a:t>
+            </a:r>
+          </a:p>
+        </p:txBody>
+      </p:sp>
+      <p:pic>
+        <p:nvPicPr>
+          <p:cNvPr id="5" name="Content Placeholder 4" descr="Badge 1">
+            <a:extLst>
+              <a:ext uri="{FF2B5EF4-FFF2-40B4-BE49-F238E27FC236}">
+                <a16:creationId xmlns:a16="http://schemas.microsoft.com/office/drawing/2014/main" id="{A2996364-745F-4EF7-9F8E-C82601F66B4D}"/>
+              </a:ext>
+            </a:extLst>
+          </p:cNvPr>
+          <p:cNvPicPr>
+            <a:picLocks noGrp="1" noChangeAspect="1"/>
+          </p:cNvPicPr>
+          <p:nvPr>
+            <p:ph idx="1"/>
+          </p:nvPr>
+        </p:nvPicPr>
+        <p:blipFill>
+          <a:blip r:embed="rId3">
+            <a:extLst>
+              <a:ext uri="{28A0092B-C50C-407E-A947-70E740481C1C}">
+                <a14:useLocalDpi xmlns:a14="http://schemas.microsoft.com/office/drawing/2010/main" val="0"/>
+              </a:ext>
+              <a:ext uri="{96DAC541-7B7A-43D3-8B79-37D633B846F1}">
+                <asvg:svgBlip xmlns:asvg="http://schemas.microsoft.com/office/drawing/2016/SVG/main" r:embed="rId4"/>
+              </a:ext>
+            </a:extLst>
+          </a:blip>
+          <a:stretch>
+            <a:fillRect/>
+          </a:stretch>
+        </p:blipFill>
+        <p:spPr>
+          <a:xfrm>
+            <a:off x="10422011" y="424143"/>
+            <a:ext cx="722239" cy="722239"/>
+          </a:xfrm>
+        </p:spPr>
+      </p:pic>
+      <p:sp>
+        <p:nvSpPr>
+          <p:cNvPr id="9" name="Arrow: Right 8">
+            <a:extLst>
+              <a:ext uri="{FF2B5EF4-FFF2-40B4-BE49-F238E27FC236}">
+                <a16:creationId xmlns:a16="http://schemas.microsoft.com/office/drawing/2014/main" id="{904380CD-0E4E-4D4E-85F2-B7219AFA24CF}"/>
+              </a:ext>
+            </a:extLst>
+          </p:cNvPr>
+          <p:cNvSpPr/>
+          <p:nvPr/>
+        </p:nvSpPr>
+        <p:spPr>
+          <a:xfrm>
+            <a:off x="4561726" y="1335031"/>
+            <a:ext cx="1534274" cy="770562"/>
+          </a:xfrm>
+          <a:prstGeom prst="rightArrow">
+            <a:avLst/>
+          </a:prstGeom>
+          <a:ln>
+            <a:solidFill>
+              <a:schemeClr val="accent1"/>
+            </a:solidFill>
+          </a:ln>
+        </p:spPr>
+        <p:style>
+          <a:lnRef idx="2">
+            <a:schemeClr val="accent1">
+              <a:shade val="50000"/>
+            </a:schemeClr>
+          </a:lnRef>
+          <a:fillRef idx="1">
+            <a:schemeClr val="accent1"/>
+          </a:fillRef>
+          <a:effectRef idx="0">
+            <a:schemeClr val="accent1"/>
+          </a:effectRef>
+          <a:fontRef idx="minor">
+            <a:schemeClr val="lt1"/>
+          </a:fontRef>
+        </p:style>
+        <p:txBody>
+          <a:bodyPr rtlCol="0" anchor="ctr"/>
+          <a:lstStyle/>
+          <a:p>
+            <a:pPr algn="ctr"/>
+            <a:endParaRPr lang="en-GB"/>
+          </a:p>
+        </p:txBody>
+      </p:sp>
+      <p:sp>
+        <p:nvSpPr>
+          <p:cNvPr id="10" name="TextBox 9">
+            <a:extLst>
+              <a:ext uri="{FF2B5EF4-FFF2-40B4-BE49-F238E27FC236}">
+                <a16:creationId xmlns:a16="http://schemas.microsoft.com/office/drawing/2014/main" id="{8F4EBED7-2C9C-456C-A2D1-D25F2AFF951A}"/>
+              </a:ext>
+            </a:extLst>
+          </p:cNvPr>
+          <p:cNvSpPr txBox="1"/>
+          <p:nvPr/>
+        </p:nvSpPr>
+        <p:spPr>
+          <a:xfrm>
+            <a:off x="4787757" y="1535646"/>
+            <a:ext cx="832207" cy="369332"/>
+          </a:xfrm>
+          <a:prstGeom prst="rect">
+            <a:avLst/>
+          </a:prstGeom>
+          <a:noFill/>
+        </p:spPr>
+        <p:txBody>
+          <a:bodyPr wrap="square" rtlCol="0">
+            <a:spAutoFit/>
+          </a:bodyPr>
+          <a:lstStyle/>
+          <a:p>
+            <a:pPr algn="ctr"/>
+            <a:r>
+              <a:rPr lang="en-GB" dirty="0"/>
+              <a:t>51%</a:t>
+            </a:r>
+          </a:p>
+        </p:txBody>
+      </p:sp>
+      <p:sp>
+        <p:nvSpPr>
+          <p:cNvPr id="13" name="TextBox 12">
+            <a:extLst>
+              <a:ext uri="{FF2B5EF4-FFF2-40B4-BE49-F238E27FC236}">
+                <a16:creationId xmlns:a16="http://schemas.microsoft.com/office/drawing/2014/main" id="{CF9D096C-FB83-4A91-932F-5BD89A1A43CE}"/>
+              </a:ext>
+            </a:extLst>
+          </p:cNvPr>
+          <p:cNvSpPr txBox="1"/>
+          <p:nvPr/>
+        </p:nvSpPr>
+        <p:spPr>
+          <a:xfrm>
+            <a:off x="3623201" y="6228020"/>
+            <a:ext cx="520562" cy="369332"/>
+          </a:xfrm>
+          <a:prstGeom prst="rect">
+            <a:avLst/>
+          </a:prstGeom>
+          <a:noFill/>
+        </p:spPr>
+        <p:txBody>
+          <a:bodyPr wrap="square" rtlCol="0">
+            <a:spAutoFit/>
+          </a:bodyPr>
+          <a:lstStyle/>
+          <a:p>
+            <a:r>
+              <a:rPr lang="en-GB" dirty="0"/>
+              <a:t>(3)</a:t>
+            </a:r>
+          </a:p>
+        </p:txBody>
+      </p:sp>
+      <p:pic>
+        <p:nvPicPr>
+          <p:cNvPr id="8" name="Graphic 7" descr="Petri Dish">
+            <a:extLst>
+              <a:ext uri="{FF2B5EF4-FFF2-40B4-BE49-F238E27FC236}">
+                <a16:creationId xmlns:a16="http://schemas.microsoft.com/office/drawing/2014/main" id="{26834622-AF8C-41ED-ADE9-67D86F22994E}"/>
+              </a:ext>
+            </a:extLst>
+          </p:cNvPr>
+          <p:cNvPicPr>
+            <a:picLocks noChangeAspect="1"/>
+          </p:cNvPicPr>
+          <p:nvPr/>
+        </p:nvPicPr>
+        <p:blipFill>
+          <a:blip r:embed="rId5">
+            <a:extLst>
+              <a:ext uri="{28A0092B-C50C-407E-A947-70E740481C1C}">
+                <a14:useLocalDpi xmlns:a14="http://schemas.microsoft.com/office/drawing/2010/main" val="0"/>
+              </a:ext>
+              <a:ext uri="{96DAC541-7B7A-43D3-8B79-37D633B846F1}">
+                <asvg:svgBlip xmlns:asvg="http://schemas.microsoft.com/office/drawing/2016/SVG/main" r:embed="rId6"/>
+              </a:ext>
+            </a:extLst>
+          </a:blip>
+          <a:stretch>
+            <a:fillRect/>
+          </a:stretch>
+        </p:blipFill>
+        <p:spPr>
+          <a:xfrm>
+            <a:off x="4259418" y="4681925"/>
+            <a:ext cx="710147" cy="710147"/>
+          </a:xfrm>
+          <a:prstGeom prst="rect">
+            <a:avLst/>
+          </a:prstGeom>
+        </p:spPr>
+      </p:pic>
+      <p:pic>
+        <p:nvPicPr>
+          <p:cNvPr id="1026" name="Picture 2" descr="Development of type 2 diabetes.&#10;Insulin resistance associated with obesi...">
+            <a:extLst>
+              <a:ext uri="{FF2B5EF4-FFF2-40B4-BE49-F238E27FC236}">
+                <a16:creationId xmlns:a16="http://schemas.microsoft.com/office/drawing/2014/main" id="{39E3A693-57B9-4368-A09F-B8DB1E4774E5}"/>
+              </a:ext>
+            </a:extLst>
+          </p:cNvPr>
+          <p:cNvPicPr>
+            <a:picLocks noChangeAspect="1" noChangeArrowheads="1"/>
+          </p:cNvPicPr>
+          <p:nvPr/>
+        </p:nvPicPr>
+        <p:blipFill>
+          <a:blip r:embed="rId7">
+            <a:extLst>
+              <a:ext uri="{28A0092B-C50C-407E-A947-70E740481C1C}">
+                <a14:useLocalDpi xmlns:a14="http://schemas.microsoft.com/office/drawing/2010/main" val="0"/>
+              </a:ext>
+            </a:extLst>
+          </a:blip>
+          <a:srcRect/>
+          <a:stretch>
+            <a:fillRect/>
+          </a:stretch>
+        </p:blipFill>
+        <p:spPr bwMode="auto">
+          <a:xfrm>
+            <a:off x="2286214" y="1535646"/>
+            <a:ext cx="6667500" cy="4352925"/>
+          </a:xfrm>
+          <a:prstGeom prst="rect">
+            <a:avLst/>
+          </a:prstGeom>
+          <a:noFill/>
+          <a:extLst>
+            <a:ext uri="{909E8E84-426E-40DD-AFC4-6F175D3DCCD1}">
+              <a14:hiddenFill xmlns:a14="http://schemas.microsoft.com/office/drawing/2010/main">
+                <a:solidFill>
+                  <a:srgbClr val="FFFFFF"/>
+                </a:solidFill>
+              </a14:hiddenFill>
+            </a:ext>
+          </a:extLst>
+        </p:spPr>
+      </p:pic>
+      <p:sp>
+        <p:nvSpPr>
+          <p:cNvPr id="6" name="Rectangle 5">
+            <a:extLst>
+              <a:ext uri="{FF2B5EF4-FFF2-40B4-BE49-F238E27FC236}">
+                <a16:creationId xmlns:a16="http://schemas.microsoft.com/office/drawing/2014/main" id="{B35EFBFD-55AF-4909-9DE8-E44F2AF729B9}"/>
+              </a:ext>
+            </a:extLst>
+          </p:cNvPr>
+          <p:cNvSpPr/>
+          <p:nvPr/>
+        </p:nvSpPr>
+        <p:spPr>
+          <a:xfrm>
+            <a:off x="4143763" y="6243043"/>
+            <a:ext cx="5532284" cy="369332"/>
+          </a:xfrm>
+          <a:prstGeom prst="rect">
+            <a:avLst/>
+          </a:prstGeom>
+        </p:spPr>
+        <p:txBody>
+          <a:bodyPr wrap="none">
+            <a:spAutoFit/>
+          </a:bodyPr>
+          <a:lstStyle/>
+          <a:p>
+            <a:r>
+              <a:rPr lang="en-GB" dirty="0">
+                <a:hlinkClick r:id="rId8"/>
+              </a:rPr>
+              <a:t>https://www.jci.org/articles/view/29189/figure/1</a:t>
+            </a:r>
+            <a:endParaRPr lang="en-GB" dirty="0"/>
+          </a:p>
+        </p:txBody>
+      </p:sp>
+    </p:spTree>
+    <p:extLst>
+      <p:ext uri="{BB962C8B-B14F-4D97-AF65-F5344CB8AC3E}">
+        <p14:creationId xmlns:p14="http://schemas.microsoft.com/office/powerpoint/2010/main" val="2974230131"/>
+      </p:ext>
+    </p:extLst>
+  </p:cSld>
+  <p:clrMapOvr>
+    <a:masterClrMapping/>
+  </p:clrMapOvr>
+</p:sld>
+</file>
+
+<file path=ppt/slides/slide4.xml><?xml version="1.0" encoding="utf-8"?>
 <p:sld xmlns:a="http://schemas.openxmlformats.org/drawingml/2006/main" xmlns:r="http://schemas.openxmlformats.org/officeDocument/2006/relationships" xmlns:p="http://schemas.openxmlformats.org/presentationml/2006/main">
   <p:cSld>
     <p:spTree>
@@ -22936,18 +25935,14 @@
         </p:nvSpPr>
         <p:spPr>
           <a:xfrm>
-            <a:off x="4308445" y="2217419"/>
-            <a:ext cx="3456988" cy="2862322"/>
+            <a:off x="4248213" y="3427146"/>
+            <a:ext cx="664943" cy="369332"/>
           </a:xfrm>
           <a:prstGeom prst="rect">
             <a:avLst/>
           </a:prstGeom>
           <a:ln>
-            <a:solidFill>
-              <a:schemeClr val="tx1">
-                <a:lumMod val="75000"/>
-              </a:schemeClr>
-            </a:solidFill>
+            <a:noFill/>
           </a:ln>
         </p:spPr>
         <p:txBody>
@@ -22956,34 +25951,11 @@
           </a:bodyPr>
           <a:lstStyle/>
           <a:p>
-            <a:pPr marL="285750" indent="-285750">
-              <a:buFont typeface="Arial" panose="020B0604020202020204" pitchFamily="34" charset="0"/>
-              <a:buChar char="•"/>
-            </a:pPr>
+            <a:pPr algn="ctr"/>
             <a:r>
               <a:rPr lang="en-GB" dirty="0"/>
-              <a:t>↓ Bacteroidetes/Firmicutes ratio in T2D. (4) </a:t>
-            </a:r>
-            <a:r>
-              <a:rPr lang="en-GB" dirty="0">
-                <a:hlinkClick r:id="rId5"/>
-              </a:rPr>
-              <a:t>https://www.sciencedirect.com/science/article/pii/S2213453013000451</a:t>
-            </a:r>
-            <a:endParaRPr lang="en-GB" dirty="0"/>
-          </a:p>
-          <a:p>
-            <a:pPr marL="285750" indent="-285750">
-              <a:buFont typeface="Arial" panose="020B0604020202020204" pitchFamily="34" charset="0"/>
-              <a:buChar char="•"/>
-            </a:pPr>
-            <a:r>
-              <a:rPr lang="en-GB" dirty="0"/>
-              <a:t>Specific taxa = associated with improved insulin sensitivity or with insulin resistance (9)</a:t>
-            </a:r>
-          </a:p>
-          <a:p>
-            <a:endParaRPr lang="en-GB" dirty="0"/>
+              <a:t>IR</a:t>
+            </a:r>
           </a:p>
         </p:txBody>
       </p:sp>
@@ -23001,18 +25973,14 @@
         </p:nvSpPr>
         <p:spPr>
           <a:xfrm>
-            <a:off x="129446" y="2252496"/>
-            <a:ext cx="3456988" cy="2739211"/>
+            <a:off x="0" y="3429000"/>
+            <a:ext cx="766203" cy="369332"/>
           </a:xfrm>
           <a:prstGeom prst="rect">
             <a:avLst/>
           </a:prstGeom>
           <a:ln>
-            <a:solidFill>
-              <a:schemeClr val="tx1">
-                <a:lumMod val="75000"/>
-              </a:schemeClr>
-            </a:solidFill>
+            <a:noFill/>
           </a:ln>
         </p:spPr>
         <p:txBody>
@@ -23024,62 +25992,7 @@
             <a:pPr algn="ctr"/>
             <a:r>
               <a:rPr lang="en-GB" dirty="0"/>
-              <a:t>↓ insulin response </a:t>
-            </a:r>
-          </a:p>
-          <a:p>
-            <a:pPr algn="ctr"/>
-            <a:endParaRPr lang="en-GB" dirty="0"/>
-          </a:p>
-          <a:p>
-            <a:pPr algn="ctr"/>
-            <a:endParaRPr lang="en-GB" dirty="0"/>
-          </a:p>
-          <a:p>
-            <a:pPr algn="ctr"/>
-            <a:r>
-              <a:rPr lang="en-GB" dirty="0"/>
-              <a:t>Altered energy metabolism:</a:t>
-            </a:r>
-          </a:p>
-          <a:p>
-            <a:pPr algn="ctr"/>
-            <a:endParaRPr lang="en-GB" sz="1000" dirty="0"/>
-          </a:p>
-          <a:p>
-            <a:pPr marL="285750" indent="-285750">
-              <a:buFont typeface="Arial" panose="020B0604020202020204" pitchFamily="34" charset="0"/>
-              <a:buChar char="•"/>
-            </a:pPr>
-            <a:r>
-              <a:rPr lang="en-GB" dirty="0"/>
-              <a:t>Hypertriglyceridemia (5)</a:t>
-            </a:r>
-          </a:p>
-          <a:p>
-            <a:pPr marL="285750" indent="-285750">
-              <a:buFont typeface="Arial" panose="020B0604020202020204" pitchFamily="34" charset="0"/>
-              <a:buChar char="•"/>
-            </a:pPr>
-            <a:r>
-              <a:rPr lang="en-GB" dirty="0"/>
-              <a:t>Unrestrained gluconeogenesis (5)</a:t>
-            </a:r>
-          </a:p>
-          <a:p>
-            <a:pPr marL="285750" indent="-285750">
-              <a:buFont typeface="Arial" panose="020B0604020202020204" pitchFamily="34" charset="0"/>
-              <a:buChar char="•"/>
-            </a:pPr>
-            <a:r>
-              <a:rPr lang="en-GB" dirty="0"/>
-              <a:t>Unrestrained proteolysis (6)</a:t>
-            </a:r>
-          </a:p>
-          <a:p>
-            <a:r>
-              <a:rPr lang="en-GB" dirty="0"/>
-              <a:t> </a:t>
+              <a:t>IR</a:t>
             </a:r>
           </a:p>
         </p:txBody>
@@ -23098,18 +26011,14 @@
         </p:nvSpPr>
         <p:spPr>
           <a:xfrm>
-            <a:off x="8329808" y="2217419"/>
-            <a:ext cx="3630629" cy="1477328"/>
+            <a:off x="9322456" y="4191195"/>
+            <a:ext cx="2732517" cy="923330"/>
           </a:xfrm>
           <a:prstGeom prst="rect">
             <a:avLst/>
           </a:prstGeom>
           <a:ln>
-            <a:solidFill>
-              <a:schemeClr val="tx1">
-                <a:lumMod val="75000"/>
-              </a:schemeClr>
-            </a:solidFill>
+            <a:noFill/>
           </a:ln>
         </p:spPr>
         <p:txBody>
@@ -23118,33 +26027,31 @@
           </a:bodyPr>
           <a:lstStyle/>
           <a:p>
-            <a:pPr marL="285750" indent="-285750">
-              <a:buFont typeface="Arial" panose="020B0604020202020204" pitchFamily="34" charset="0"/>
-              <a:buChar char="•"/>
-            </a:pPr>
             <a:r>
               <a:rPr lang="en-GB" dirty="0"/>
-              <a:t>Differential expression of genes involved in BCAA catabolism (7) </a:t>
-            </a:r>
-          </a:p>
-          <a:p>
-            <a:pPr marL="285750" indent="-285750">
-              <a:buFont typeface="Arial" panose="020B0604020202020204" pitchFamily="34" charset="0"/>
-              <a:buChar char="•"/>
-            </a:pPr>
+              <a:t>Differential expression </a:t>
+            </a:r>
+          </a:p>
+          <a:p>
             <a:r>
               <a:rPr lang="en-GB" dirty="0"/>
-              <a:t>Downregulation of PPAR-gamma (8) </a:t>
+              <a:t>of genes involved in </a:t>
+            </a:r>
+          </a:p>
+          <a:p>
+            <a:r>
+              <a:rPr lang="en-GB" dirty="0"/>
+              <a:t>BCAA catabolism (7) </a:t>
             </a:r>
           </a:p>
         </p:txBody>
       </p:sp>
       <p:sp>
         <p:nvSpPr>
-          <p:cNvPr id="12" name="Arrow: Right 11">
+          <p:cNvPr id="13" name="Rectangle 12">
             <a:extLst>
               <a:ext uri="{FF2B5EF4-FFF2-40B4-BE49-F238E27FC236}">
-                <a16:creationId xmlns:a16="http://schemas.microsoft.com/office/drawing/2014/main" id="{552DB151-6A2F-49AF-A120-8FB391256C93}"/>
+                <a16:creationId xmlns:a16="http://schemas.microsoft.com/office/drawing/2014/main" id="{F2EB26E8-E8F3-4E24-AB63-BB89D190810D}"/>
               </a:ext>
             </a:extLst>
           </p:cNvPr>
@@ -23152,16 +26059,53 @@
           <p:nvPr/>
         </p:nvSpPr>
         <p:spPr>
-          <a:xfrm rot="5400000">
-            <a:off x="1638397" y="2680706"/>
-            <a:ext cx="439085" cy="356316"/>
+          <a:xfrm>
+            <a:off x="805006" y="2726546"/>
+            <a:ext cx="2943317" cy="369332"/>
           </a:xfrm>
-          <a:prstGeom prst="rightArrow">
+          <a:prstGeom prst="rect">
             <a:avLst/>
           </a:prstGeom>
+        </p:spPr>
+        <p:txBody>
+          <a:bodyPr wrap="square">
+            <a:spAutoFit/>
+          </a:bodyPr>
+          <a:lstStyle/>
+          <a:p>
+            <a:r>
+              <a:rPr lang="en-GB" dirty="0"/>
+              <a:t>Hypertriglyceridemia (5)</a:t>
+            </a:r>
+          </a:p>
+        </p:txBody>
+      </p:sp>
+      <p:sp>
+        <p:nvSpPr>
+          <p:cNvPr id="14" name="Rectangle 13">
+            <a:extLst>
+              <a:ext uri="{FF2B5EF4-FFF2-40B4-BE49-F238E27FC236}">
+                <a16:creationId xmlns:a16="http://schemas.microsoft.com/office/drawing/2014/main" id="{712413A9-BD8F-4EF7-BCFB-2EEAB5D2D050}"/>
+              </a:ext>
+            </a:extLst>
+          </p:cNvPr>
+          <p:cNvSpPr/>
+          <p:nvPr/>
+        </p:nvSpPr>
+        <p:spPr>
+          <a:xfrm>
+            <a:off x="137027" y="2211281"/>
+            <a:ext cx="3456988" cy="3162067"/>
+          </a:xfrm>
+          <a:prstGeom prst="rect">
+            <a:avLst/>
+          </a:prstGeom>
+          <a:noFill/>
           <a:ln>
             <a:solidFill>
-              <a:schemeClr val="accent1"/>
+              <a:schemeClr val="tx1">
+                <a:lumMod val="75000"/>
+              </a:schemeClr>
             </a:solidFill>
           </a:ln>
         </p:spPr>
@@ -23190,10 +26134,772 @@
           </a:p>
         </p:txBody>
       </p:sp>
+      <p:sp>
+        <p:nvSpPr>
+          <p:cNvPr id="15" name="Rectangle 14">
+            <a:extLst>
+              <a:ext uri="{FF2B5EF4-FFF2-40B4-BE49-F238E27FC236}">
+                <a16:creationId xmlns:a16="http://schemas.microsoft.com/office/drawing/2014/main" id="{696C82FE-699A-499D-9D11-159D3373301C}"/>
+              </a:ext>
+            </a:extLst>
+          </p:cNvPr>
+          <p:cNvSpPr/>
+          <p:nvPr/>
+        </p:nvSpPr>
+        <p:spPr>
+          <a:xfrm>
+            <a:off x="988237" y="3287976"/>
+            <a:ext cx="2781428" cy="646331"/>
+          </a:xfrm>
+          <a:prstGeom prst="rect">
+            <a:avLst/>
+          </a:prstGeom>
+        </p:spPr>
+        <p:txBody>
+          <a:bodyPr wrap="square">
+            <a:spAutoFit/>
+          </a:bodyPr>
+          <a:lstStyle/>
+          <a:p>
+            <a:r>
+              <a:rPr lang="en-GB" dirty="0"/>
+              <a:t>Unrestrained </a:t>
+            </a:r>
+          </a:p>
+          <a:p>
+            <a:r>
+              <a:rPr lang="en-GB" dirty="0"/>
+              <a:t>gluconeogenesis (5)</a:t>
+            </a:r>
+          </a:p>
+        </p:txBody>
+      </p:sp>
+      <mc:AlternateContent xmlns:mc="http://schemas.openxmlformats.org/markup-compatibility/2006" xmlns:a14="http://schemas.microsoft.com/office/drawing/2010/main">
+        <mc:Choice Requires="a14">
+          <p:sp>
+            <p:nvSpPr>
+              <p:cNvPr id="16" name="Rectangle 15">
+                <a:extLst>
+                  <a:ext uri="{FF2B5EF4-FFF2-40B4-BE49-F238E27FC236}">
+                    <a16:creationId xmlns:a16="http://schemas.microsoft.com/office/drawing/2014/main" id="{CD02D10E-F0EA-4094-9710-B4B84338885C}"/>
+                  </a:ext>
+                </a:extLst>
+              </p:cNvPr>
+              <p:cNvSpPr/>
+              <p:nvPr/>
+            </p:nvSpPr>
+            <p:spPr>
+              <a:xfrm>
+                <a:off x="814250" y="4108949"/>
+                <a:ext cx="1142712" cy="369332"/>
+              </a:xfrm>
+              <a:prstGeom prst="rect">
+                <a:avLst/>
+              </a:prstGeom>
+            </p:spPr>
+            <p:txBody>
+              <a:bodyPr wrap="square">
+                <a:spAutoFit/>
+              </a:bodyPr>
+              <a:lstStyle/>
+              <a:p>
+                <a14:m>
+                  <m:oMath xmlns:m="http://schemas.openxmlformats.org/officeDocument/2006/math">
+                    <m:r>
+                      <a:rPr lang="en-GB" i="1" smtClean="0">
+                        <a:latin typeface="Cambria Math" panose="02040503050406030204" pitchFamily="18" charset="0"/>
+                      </a:rPr>
+                      <m:t>↑</m:t>
+                    </m:r>
+                  </m:oMath>
+                </a14:m>
+                <a:r>
+                  <a:rPr lang="en-GB" dirty="0"/>
+                  <a:t> BCAA</a:t>
+                </a:r>
+              </a:p>
+            </p:txBody>
+          </p:sp>
+        </mc:Choice>
+        <mc:Fallback xmlns="">
+          <p:sp>
+            <p:nvSpPr>
+              <p:cNvPr id="16" name="Rectangle 15">
+                <a:extLst>
+                  <a:ext uri="{FF2B5EF4-FFF2-40B4-BE49-F238E27FC236}">
+                    <a16:creationId xmlns:a16="http://schemas.microsoft.com/office/drawing/2014/main" id="{CD02D10E-F0EA-4094-9710-B4B84338885C}"/>
+                  </a:ext>
+                </a:extLst>
+              </p:cNvPr>
+              <p:cNvSpPr>
+                <a:spLocks noRot="1" noChangeAspect="1" noMove="1" noResize="1" noEditPoints="1" noAdjustHandles="1" noChangeArrowheads="1" noChangeShapeType="1" noTextEdit="1"/>
+              </p:cNvSpPr>
+              <p:nvPr/>
+            </p:nvSpPr>
+            <p:spPr>
+              <a:xfrm>
+                <a:off x="814250" y="4108949"/>
+                <a:ext cx="1142712" cy="369332"/>
+              </a:xfrm>
+              <a:prstGeom prst="rect">
+                <a:avLst/>
+              </a:prstGeom>
+              <a:blipFill>
+                <a:blip r:embed="rId5"/>
+                <a:stretch>
+                  <a:fillRect t="-8197" b="-24590"/>
+                </a:stretch>
+              </a:blipFill>
+            </p:spPr>
+            <p:txBody>
+              <a:bodyPr/>
+              <a:lstStyle/>
+              <a:p>
+                <a:r>
+                  <a:rPr lang="en-GB">
+                    <a:noFill/>
+                  </a:rPr>
+                  <a:t> </a:t>
+                </a:r>
+              </a:p>
+            </p:txBody>
+          </p:sp>
+        </mc:Fallback>
+      </mc:AlternateContent>
+      <p:cxnSp>
+        <p:nvCxnSpPr>
+          <p:cNvPr id="18" name="Straight Arrow Connector 17">
+            <a:extLst>
+              <a:ext uri="{FF2B5EF4-FFF2-40B4-BE49-F238E27FC236}">
+                <a16:creationId xmlns:a16="http://schemas.microsoft.com/office/drawing/2014/main" id="{0AE9FC56-AD3B-413C-B843-41A2F6282AEC}"/>
+              </a:ext>
+            </a:extLst>
+          </p:cNvPr>
+          <p:cNvCxnSpPr>
+            <a:cxnSpLocks/>
+          </p:cNvCxnSpPr>
+          <p:nvPr/>
+        </p:nvCxnSpPr>
+        <p:spPr>
+          <a:xfrm>
+            <a:off x="474358" y="3835114"/>
+            <a:ext cx="302185" cy="458501"/>
+          </a:xfrm>
+          <a:prstGeom prst="straightConnector1">
+            <a:avLst/>
+          </a:prstGeom>
+          <a:ln>
+            <a:headEnd type="none" w="med" len="med"/>
+            <a:tailEnd type="none" w="med" len="med"/>
+          </a:ln>
+        </p:spPr>
+        <p:style>
+          <a:lnRef idx="2">
+            <a:schemeClr val="accent1"/>
+          </a:lnRef>
+          <a:fillRef idx="0">
+            <a:schemeClr val="accent1"/>
+          </a:fillRef>
+          <a:effectRef idx="1">
+            <a:schemeClr val="accent1"/>
+          </a:effectRef>
+          <a:fontRef idx="minor">
+            <a:schemeClr val="tx1"/>
+          </a:fontRef>
+        </p:style>
+      </p:cxnSp>
+      <p:sp>
+        <p:nvSpPr>
+          <p:cNvPr id="20" name="Rectangle 19">
+            <a:extLst>
+              <a:ext uri="{FF2B5EF4-FFF2-40B4-BE49-F238E27FC236}">
+                <a16:creationId xmlns:a16="http://schemas.microsoft.com/office/drawing/2014/main" id="{22827388-CAF9-4B04-ACF9-77F31EC61778}"/>
+              </a:ext>
+            </a:extLst>
+          </p:cNvPr>
+          <p:cNvSpPr/>
+          <p:nvPr/>
+        </p:nvSpPr>
+        <p:spPr>
+          <a:xfrm>
+            <a:off x="4662905" y="2449547"/>
+            <a:ext cx="3117710" cy="646331"/>
+          </a:xfrm>
+          <a:prstGeom prst="rect">
+            <a:avLst/>
+          </a:prstGeom>
+        </p:spPr>
+        <p:txBody>
+          <a:bodyPr wrap="square">
+            <a:spAutoFit/>
+          </a:bodyPr>
+          <a:lstStyle/>
+          <a:p>
+            <a:r>
+              <a:rPr lang="en-GB" dirty="0"/>
+              <a:t>↓ Bacteroidetes/Firmicutes </a:t>
+            </a:r>
+          </a:p>
+          <a:p>
+            <a:r>
+              <a:rPr lang="en-GB" dirty="0"/>
+              <a:t>ratio in T2D. (4) </a:t>
+            </a:r>
+          </a:p>
+        </p:txBody>
+      </p:sp>
+      <p:sp>
+        <p:nvSpPr>
+          <p:cNvPr id="21" name="Rectangle 20">
+            <a:extLst>
+              <a:ext uri="{FF2B5EF4-FFF2-40B4-BE49-F238E27FC236}">
+                <a16:creationId xmlns:a16="http://schemas.microsoft.com/office/drawing/2014/main" id="{814F6401-061D-4D22-BB9A-E463893C0872}"/>
+              </a:ext>
+            </a:extLst>
+          </p:cNvPr>
+          <p:cNvSpPr/>
+          <p:nvPr/>
+        </p:nvSpPr>
+        <p:spPr>
+          <a:xfrm>
+            <a:off x="4662905" y="4052696"/>
+            <a:ext cx="3117711" cy="1200329"/>
+          </a:xfrm>
+          <a:prstGeom prst="rect">
+            <a:avLst/>
+          </a:prstGeom>
+        </p:spPr>
+        <p:txBody>
+          <a:bodyPr wrap="square">
+            <a:spAutoFit/>
+          </a:bodyPr>
+          <a:lstStyle/>
+          <a:p>
+            <a:r>
+              <a:rPr lang="en-GB" dirty="0"/>
+              <a:t>Specific taxa = associated </a:t>
+            </a:r>
+          </a:p>
+          <a:p>
+            <a:r>
+              <a:rPr lang="en-GB" dirty="0"/>
+              <a:t>with improved insulin </a:t>
+            </a:r>
+          </a:p>
+          <a:p>
+            <a:r>
+              <a:rPr lang="en-GB" dirty="0"/>
+              <a:t>sensitivity or with insulin resistance (9)</a:t>
+            </a:r>
+          </a:p>
+        </p:txBody>
+      </p:sp>
+      <p:sp>
+        <p:nvSpPr>
+          <p:cNvPr id="22" name="Rectangle 21">
+            <a:extLst>
+              <a:ext uri="{FF2B5EF4-FFF2-40B4-BE49-F238E27FC236}">
+                <a16:creationId xmlns:a16="http://schemas.microsoft.com/office/drawing/2014/main" id="{A3F87E38-857B-4CCA-95E2-D97355642C38}"/>
+              </a:ext>
+            </a:extLst>
+          </p:cNvPr>
+          <p:cNvSpPr/>
+          <p:nvPr/>
+        </p:nvSpPr>
+        <p:spPr>
+          <a:xfrm>
+            <a:off x="4285920" y="2211281"/>
+            <a:ext cx="3456988" cy="3162067"/>
+          </a:xfrm>
+          <a:prstGeom prst="rect">
+            <a:avLst/>
+          </a:prstGeom>
+          <a:noFill/>
+          <a:ln>
+            <a:solidFill>
+              <a:schemeClr val="tx1">
+                <a:lumMod val="75000"/>
+              </a:schemeClr>
+            </a:solidFill>
+          </a:ln>
+        </p:spPr>
+        <p:style>
+          <a:lnRef idx="2">
+            <a:schemeClr val="accent1">
+              <a:shade val="50000"/>
+            </a:schemeClr>
+          </a:lnRef>
+          <a:fillRef idx="1">
+            <a:schemeClr val="accent1"/>
+          </a:fillRef>
+          <a:effectRef idx="0">
+            <a:schemeClr val="accent1"/>
+          </a:effectRef>
+          <a:fontRef idx="minor">
+            <a:schemeClr val="lt1"/>
+          </a:fontRef>
+        </p:style>
+        <p:txBody>
+          <a:bodyPr rtlCol="0" anchor="ctr"/>
+          <a:lstStyle/>
+          <a:p>
+            <a:pPr algn="ctr"/>
+            <a:endParaRPr lang="en-GB"/>
+          </a:p>
+        </p:txBody>
+      </p:sp>
+      <p:cxnSp>
+        <p:nvCxnSpPr>
+          <p:cNvPr id="23" name="Straight Arrow Connector 22">
+            <a:extLst>
+              <a:ext uri="{FF2B5EF4-FFF2-40B4-BE49-F238E27FC236}">
+                <a16:creationId xmlns:a16="http://schemas.microsoft.com/office/drawing/2014/main" id="{05A15E08-F6F4-4590-8396-7BE4493D400A}"/>
+              </a:ext>
+            </a:extLst>
+          </p:cNvPr>
+          <p:cNvCxnSpPr>
+            <a:cxnSpLocks/>
+          </p:cNvCxnSpPr>
+          <p:nvPr/>
+        </p:nvCxnSpPr>
+        <p:spPr>
+          <a:xfrm>
+            <a:off x="4758017" y="3763144"/>
+            <a:ext cx="293450" cy="300864"/>
+          </a:xfrm>
+          <a:prstGeom prst="straightConnector1">
+            <a:avLst/>
+          </a:prstGeom>
+          <a:ln>
+            <a:headEnd type="none" w="med" len="med"/>
+            <a:tailEnd type="none" w="med" len="med"/>
+          </a:ln>
+        </p:spPr>
+        <p:style>
+          <a:lnRef idx="2">
+            <a:schemeClr val="accent1"/>
+          </a:lnRef>
+          <a:fillRef idx="0">
+            <a:schemeClr val="accent1"/>
+          </a:fillRef>
+          <a:effectRef idx="1">
+            <a:schemeClr val="accent1"/>
+          </a:effectRef>
+          <a:fontRef idx="minor">
+            <a:schemeClr val="tx1"/>
+          </a:fontRef>
+        </p:style>
+      </p:cxnSp>
+      <p:cxnSp>
+        <p:nvCxnSpPr>
+          <p:cNvPr id="25" name="Straight Arrow Connector 24">
+            <a:extLst>
+              <a:ext uri="{FF2B5EF4-FFF2-40B4-BE49-F238E27FC236}">
+                <a16:creationId xmlns:a16="http://schemas.microsoft.com/office/drawing/2014/main" id="{E23C261B-02DC-47F8-B3EF-5CD082A19270}"/>
+              </a:ext>
+            </a:extLst>
+          </p:cNvPr>
+          <p:cNvCxnSpPr>
+            <a:cxnSpLocks/>
+          </p:cNvCxnSpPr>
+          <p:nvPr/>
+        </p:nvCxnSpPr>
+        <p:spPr>
+          <a:xfrm rot="16200000">
+            <a:off x="4754310" y="3140246"/>
+            <a:ext cx="293450" cy="300864"/>
+          </a:xfrm>
+          <a:prstGeom prst="straightConnector1">
+            <a:avLst/>
+          </a:prstGeom>
+          <a:ln>
+            <a:headEnd type="none" w="med" len="med"/>
+            <a:tailEnd type="none" w="med" len="med"/>
+          </a:ln>
+        </p:spPr>
+        <p:style>
+          <a:lnRef idx="2">
+            <a:schemeClr val="accent1"/>
+          </a:lnRef>
+          <a:fillRef idx="0">
+            <a:schemeClr val="accent1"/>
+          </a:fillRef>
+          <a:effectRef idx="1">
+            <a:schemeClr val="accent1"/>
+          </a:effectRef>
+          <a:fontRef idx="minor">
+            <a:schemeClr val="tx1"/>
+          </a:fontRef>
+        </p:style>
+      </p:cxnSp>
+      <p:cxnSp>
+        <p:nvCxnSpPr>
+          <p:cNvPr id="29" name="Straight Arrow Connector 28">
+            <a:extLst>
+              <a:ext uri="{FF2B5EF4-FFF2-40B4-BE49-F238E27FC236}">
+                <a16:creationId xmlns:a16="http://schemas.microsoft.com/office/drawing/2014/main" id="{EE5A6971-37D7-4976-A2E0-B723C92C5408}"/>
+              </a:ext>
+            </a:extLst>
+          </p:cNvPr>
+          <p:cNvCxnSpPr>
+            <a:cxnSpLocks/>
+          </p:cNvCxnSpPr>
+          <p:nvPr/>
+        </p:nvCxnSpPr>
+        <p:spPr>
+          <a:xfrm flipV="1">
+            <a:off x="474357" y="2956083"/>
+            <a:ext cx="302185" cy="458501"/>
+          </a:xfrm>
+          <a:prstGeom prst="straightConnector1">
+            <a:avLst/>
+          </a:prstGeom>
+          <a:ln>
+            <a:headEnd type="none" w="med" len="med"/>
+            <a:tailEnd type="none" w="med" len="med"/>
+          </a:ln>
+        </p:spPr>
+        <p:style>
+          <a:lnRef idx="2">
+            <a:schemeClr val="accent1"/>
+          </a:lnRef>
+          <a:fillRef idx="0">
+            <a:schemeClr val="accent1"/>
+          </a:fillRef>
+          <a:effectRef idx="1">
+            <a:schemeClr val="accent1"/>
+          </a:effectRef>
+          <a:fontRef idx="minor">
+            <a:schemeClr val="tx1"/>
+          </a:fontRef>
+        </p:style>
+      </p:cxnSp>
+      <p:cxnSp>
+        <p:nvCxnSpPr>
+          <p:cNvPr id="30" name="Straight Arrow Connector 29">
+            <a:extLst>
+              <a:ext uri="{FF2B5EF4-FFF2-40B4-BE49-F238E27FC236}">
+                <a16:creationId xmlns:a16="http://schemas.microsoft.com/office/drawing/2014/main" id="{D1B8ED67-E166-417F-A66D-66808F5B656B}"/>
+              </a:ext>
+            </a:extLst>
+          </p:cNvPr>
+          <p:cNvCxnSpPr>
+            <a:cxnSpLocks/>
+            <a:endCxn id="15" idx="1"/>
+          </p:cNvCxnSpPr>
+          <p:nvPr/>
+        </p:nvCxnSpPr>
+        <p:spPr>
+          <a:xfrm>
+            <a:off x="629765" y="3606682"/>
+            <a:ext cx="358472" cy="4460"/>
+          </a:xfrm>
+          <a:prstGeom prst="straightConnector1">
+            <a:avLst/>
+          </a:prstGeom>
+          <a:ln>
+            <a:headEnd type="none" w="med" len="med"/>
+            <a:tailEnd type="none" w="med" len="med"/>
+          </a:ln>
+        </p:spPr>
+        <p:style>
+          <a:lnRef idx="2">
+            <a:schemeClr val="accent1"/>
+          </a:lnRef>
+          <a:fillRef idx="0">
+            <a:schemeClr val="accent1"/>
+          </a:fillRef>
+          <a:effectRef idx="1">
+            <a:schemeClr val="accent1"/>
+          </a:effectRef>
+          <a:fontRef idx="minor">
+            <a:schemeClr val="tx1"/>
+          </a:fontRef>
+        </p:style>
+      </p:cxnSp>
+      <p:sp>
+        <p:nvSpPr>
+          <p:cNvPr id="34" name="Rectangle 33">
+            <a:extLst>
+              <a:ext uri="{FF2B5EF4-FFF2-40B4-BE49-F238E27FC236}">
+                <a16:creationId xmlns:a16="http://schemas.microsoft.com/office/drawing/2014/main" id="{7766B96A-FE3B-4AEC-B89B-4F7432A84171}"/>
+              </a:ext>
+            </a:extLst>
+          </p:cNvPr>
+          <p:cNvSpPr/>
+          <p:nvPr/>
+        </p:nvSpPr>
+        <p:spPr>
+          <a:xfrm>
+            <a:off x="8503449" y="2211281"/>
+            <a:ext cx="3456988" cy="3162067"/>
+          </a:xfrm>
+          <a:prstGeom prst="rect">
+            <a:avLst/>
+          </a:prstGeom>
+          <a:noFill/>
+          <a:ln>
+            <a:solidFill>
+              <a:schemeClr val="tx1">
+                <a:lumMod val="75000"/>
+              </a:schemeClr>
+            </a:solidFill>
+          </a:ln>
+        </p:spPr>
+        <p:style>
+          <a:lnRef idx="2">
+            <a:schemeClr val="accent1">
+              <a:shade val="50000"/>
+            </a:schemeClr>
+          </a:lnRef>
+          <a:fillRef idx="1">
+            <a:schemeClr val="accent1"/>
+          </a:fillRef>
+          <a:effectRef idx="0">
+            <a:schemeClr val="accent1"/>
+          </a:effectRef>
+          <a:fontRef idx="minor">
+            <a:schemeClr val="lt1"/>
+          </a:fontRef>
+        </p:style>
+        <p:txBody>
+          <a:bodyPr rtlCol="0" anchor="ctr"/>
+          <a:lstStyle/>
+          <a:p>
+            <a:pPr algn="ctr"/>
+            <a:endParaRPr lang="en-GB"/>
+          </a:p>
+        </p:txBody>
+      </p:sp>
+      <p:sp>
+        <p:nvSpPr>
+          <p:cNvPr id="35" name="Rectangle 34">
+            <a:extLst>
+              <a:ext uri="{FF2B5EF4-FFF2-40B4-BE49-F238E27FC236}">
+                <a16:creationId xmlns:a16="http://schemas.microsoft.com/office/drawing/2014/main" id="{B66EFC42-E789-436C-BA37-C72D5B58F943}"/>
+              </a:ext>
+            </a:extLst>
+          </p:cNvPr>
+          <p:cNvSpPr/>
+          <p:nvPr/>
+        </p:nvSpPr>
+        <p:spPr>
+          <a:xfrm>
+            <a:off x="8434813" y="3414584"/>
+            <a:ext cx="664943" cy="369332"/>
+          </a:xfrm>
+          <a:prstGeom prst="rect">
+            <a:avLst/>
+          </a:prstGeom>
+          <a:ln>
+            <a:noFill/>
+          </a:ln>
+        </p:spPr>
+        <p:txBody>
+          <a:bodyPr wrap="square">
+            <a:spAutoFit/>
+          </a:bodyPr>
+          <a:lstStyle/>
+          <a:p>
+            <a:pPr algn="ctr"/>
+            <a:r>
+              <a:rPr lang="en-GB" dirty="0"/>
+              <a:t>IR</a:t>
+            </a:r>
+          </a:p>
+        </p:txBody>
+      </p:sp>
+      <p:sp>
+        <p:nvSpPr>
+          <p:cNvPr id="36" name="Rectangle 35">
+            <a:extLst>
+              <a:ext uri="{FF2B5EF4-FFF2-40B4-BE49-F238E27FC236}">
+                <a16:creationId xmlns:a16="http://schemas.microsoft.com/office/drawing/2014/main" id="{21B19DAB-A7DA-4DBD-847A-DB3E4E2CDFB7}"/>
+              </a:ext>
+            </a:extLst>
+          </p:cNvPr>
+          <p:cNvSpPr/>
+          <p:nvPr/>
+        </p:nvSpPr>
+        <p:spPr>
+          <a:xfrm>
+            <a:off x="9322456" y="2421058"/>
+            <a:ext cx="2177197" cy="646331"/>
+          </a:xfrm>
+          <a:prstGeom prst="rect">
+            <a:avLst/>
+          </a:prstGeom>
+          <a:ln>
+            <a:noFill/>
+          </a:ln>
+        </p:spPr>
+        <p:txBody>
+          <a:bodyPr wrap="square">
+            <a:spAutoFit/>
+          </a:bodyPr>
+          <a:lstStyle/>
+          <a:p>
+            <a:r>
+              <a:rPr lang="en-GB" dirty="0"/>
+              <a:t>Genetic </a:t>
+            </a:r>
+          </a:p>
+          <a:p>
+            <a:r>
+              <a:rPr lang="en-GB" dirty="0"/>
+              <a:t>predisposition (6)</a:t>
+            </a:r>
+          </a:p>
+        </p:txBody>
+      </p:sp>
+      <p:cxnSp>
+        <p:nvCxnSpPr>
+          <p:cNvPr id="37" name="Straight Arrow Connector 36">
+            <a:extLst>
+              <a:ext uri="{FF2B5EF4-FFF2-40B4-BE49-F238E27FC236}">
+                <a16:creationId xmlns:a16="http://schemas.microsoft.com/office/drawing/2014/main" id="{C9B797FD-7537-457A-AF4E-CD497835BB99}"/>
+              </a:ext>
+            </a:extLst>
+          </p:cNvPr>
+          <p:cNvCxnSpPr>
+            <a:cxnSpLocks/>
+          </p:cNvCxnSpPr>
+          <p:nvPr/>
+        </p:nvCxnSpPr>
+        <p:spPr>
+          <a:xfrm>
+            <a:off x="9004006" y="3802563"/>
+            <a:ext cx="293450" cy="300864"/>
+          </a:xfrm>
+          <a:prstGeom prst="straightConnector1">
+            <a:avLst/>
+          </a:prstGeom>
+          <a:ln>
+            <a:headEnd type="none" w="med" len="med"/>
+            <a:tailEnd type="none" w="med" len="med"/>
+          </a:ln>
+        </p:spPr>
+        <p:style>
+          <a:lnRef idx="2">
+            <a:schemeClr val="accent1"/>
+          </a:lnRef>
+          <a:fillRef idx="0">
+            <a:schemeClr val="accent1"/>
+          </a:fillRef>
+          <a:effectRef idx="1">
+            <a:schemeClr val="accent1"/>
+          </a:effectRef>
+          <a:fontRef idx="minor">
+            <a:schemeClr val="tx1"/>
+          </a:fontRef>
+        </p:style>
+      </p:cxnSp>
+      <p:cxnSp>
+        <p:nvCxnSpPr>
+          <p:cNvPr id="38" name="Straight Arrow Connector 37">
+            <a:extLst>
+              <a:ext uri="{FF2B5EF4-FFF2-40B4-BE49-F238E27FC236}">
+                <a16:creationId xmlns:a16="http://schemas.microsoft.com/office/drawing/2014/main" id="{A60CE562-3AE9-42A7-A542-17072E49B807}"/>
+              </a:ext>
+            </a:extLst>
+          </p:cNvPr>
+          <p:cNvCxnSpPr>
+            <a:cxnSpLocks/>
+          </p:cNvCxnSpPr>
+          <p:nvPr/>
+        </p:nvCxnSpPr>
+        <p:spPr>
+          <a:xfrm rot="16200000">
+            <a:off x="9000299" y="3179665"/>
+            <a:ext cx="293450" cy="300864"/>
+          </a:xfrm>
+          <a:prstGeom prst="straightConnector1">
+            <a:avLst/>
+          </a:prstGeom>
+          <a:ln>
+            <a:headEnd type="none" w="med" len="med"/>
+            <a:tailEnd type="none" w="med" len="med"/>
+          </a:ln>
+        </p:spPr>
+        <p:style>
+          <a:lnRef idx="2">
+            <a:schemeClr val="accent1"/>
+          </a:lnRef>
+          <a:fillRef idx="0">
+            <a:schemeClr val="accent1"/>
+          </a:fillRef>
+          <a:effectRef idx="1">
+            <a:schemeClr val="accent1"/>
+          </a:effectRef>
+          <a:fontRef idx="minor">
+            <a:schemeClr val="tx1"/>
+          </a:fontRef>
+        </p:style>
+      </p:cxnSp>
+      <p:sp>
+        <p:nvSpPr>
+          <p:cNvPr id="39" name="Arrow: Curved Up 38">
+            <a:extLst>
+              <a:ext uri="{FF2B5EF4-FFF2-40B4-BE49-F238E27FC236}">
+                <a16:creationId xmlns:a16="http://schemas.microsoft.com/office/drawing/2014/main" id="{161A6AEF-15A2-4DCD-89E9-7155DF288417}"/>
+              </a:ext>
+            </a:extLst>
+          </p:cNvPr>
+          <p:cNvSpPr/>
+          <p:nvPr/>
+        </p:nvSpPr>
+        <p:spPr>
+          <a:xfrm>
+            <a:off x="3338080" y="5387520"/>
+            <a:ext cx="5671367" cy="1064014"/>
+          </a:xfrm>
+          <a:prstGeom prst="curvedUpArrow">
+            <a:avLst>
+              <a:gd name="adj1" fmla="val 25000"/>
+              <a:gd name="adj2" fmla="val 72549"/>
+              <a:gd name="adj3" fmla="val 24067"/>
+            </a:avLst>
+          </a:prstGeom>
+          <a:solidFill>
+            <a:schemeClr val="accent1"/>
+          </a:solidFill>
+          <a:ln>
+            <a:noFill/>
+          </a:ln>
+        </p:spPr>
+        <p:style>
+          <a:lnRef idx="2">
+            <a:schemeClr val="accent1">
+              <a:shade val="50000"/>
+            </a:schemeClr>
+          </a:lnRef>
+          <a:fillRef idx="1">
+            <a:schemeClr val="accent1"/>
+          </a:fillRef>
+          <a:effectRef idx="0">
+            <a:schemeClr val="accent1"/>
+          </a:effectRef>
+          <a:fontRef idx="minor">
+            <a:schemeClr val="lt1"/>
+          </a:fontRef>
+        </p:style>
+        <p:txBody>
+          <a:bodyPr rtlCol="0" anchor="ctr"/>
+          <a:lstStyle/>
+          <a:p>
+            <a:pPr algn="ctr"/>
+            <a:endParaRPr lang="en-GB">
+              <a:solidFill>
+                <a:schemeClr val="tx1"/>
+              </a:solidFill>
+            </a:endParaRPr>
+          </a:p>
+        </p:txBody>
+      </p:sp>
     </p:spTree>
     <p:extLst>
       <p:ext uri="{BB962C8B-B14F-4D97-AF65-F5344CB8AC3E}">
-        <p14:creationId xmlns:p14="http://schemas.microsoft.com/office/powerpoint/2010/main" val="1937555273"/>
+        <p14:creationId xmlns:p14="http://schemas.microsoft.com/office/powerpoint/2010/main" val="3354765331"/>
       </p:ext>
     </p:extLst>
   </p:cSld>
@@ -23234,7 +26940,7 @@
                                           </p:stCondLst>
                                         </p:cTn>
                                         <p:tgtEl>
-                                          <p:spTgt spid="11"/>
+                                          <p:spTgt spid="5"/>
                                         </p:tgtEl>
                                         <p:attrNameLst>
                                           <p:attrName>style.visibility</p:attrName>
@@ -23261,7 +26967,7 @@
                                           </p:stCondLst>
                                         </p:cTn>
                                         <p:tgtEl>
-                                          <p:spTgt spid="5"/>
+                                          <p:spTgt spid="11"/>
                                         </p:tgtEl>
                                         <p:attrNameLst>
                                           <p:attrName>style.visibility</p:attrName>
@@ -23347,7 +27053,7 @@
                             </p:stCondLst>
                             <p:childTnLst>
                               <p:par>
-                                <p:cTn id="15" presetID="1" presetClass="entr" presetSubtype="0" fill="hold" grpId="0" nodeType="clickEffect">
+                                <p:cTn id="15" presetID="1" presetClass="entr" presetSubtype="0" fill="hold" nodeType="clickEffect">
                                   <p:stCondLst>
                                     <p:cond delay="0"/>
                                   </p:stCondLst>
@@ -23355,6 +27061,87 @@
                                     <p:set>
                                       <p:cBhvr>
                                         <p:cTn id="16" dur="1" fill="hold">
+                                          <p:stCondLst>
+                                            <p:cond delay="0"/>
+                                          </p:stCondLst>
+                                        </p:cTn>
+                                        <p:tgtEl>
+                                          <p:spTgt spid="18"/>
+                                        </p:tgtEl>
+                                        <p:attrNameLst>
+                                          <p:attrName>style.visibility</p:attrName>
+                                        </p:attrNameLst>
+                                      </p:cBhvr>
+                                      <p:to>
+                                        <p:strVal val="visible"/>
+                                      </p:to>
+                                    </p:set>
+                                  </p:childTnLst>
+                                </p:cTn>
+                              </p:par>
+                              <p:par>
+                                <p:cTn id="17" presetID="1" presetClass="entr" presetSubtype="0" fill="hold" nodeType="withEffect">
+                                  <p:stCondLst>
+                                    <p:cond delay="0"/>
+                                  </p:stCondLst>
+                                  <p:childTnLst>
+                                    <p:set>
+                                      <p:cBhvr>
+                                        <p:cTn id="18" dur="1" fill="hold">
+                                          <p:stCondLst>
+                                            <p:cond delay="0"/>
+                                          </p:stCondLst>
+                                        </p:cTn>
+                                        <p:tgtEl>
+                                          <p:spTgt spid="30"/>
+                                        </p:tgtEl>
+                                        <p:attrNameLst>
+                                          <p:attrName>style.visibility</p:attrName>
+                                        </p:attrNameLst>
+                                      </p:cBhvr>
+                                      <p:to>
+                                        <p:strVal val="visible"/>
+                                      </p:to>
+                                    </p:set>
+                                  </p:childTnLst>
+                                </p:cTn>
+                              </p:par>
+                              <p:par>
+                                <p:cTn id="19" presetID="1" presetClass="entr" presetSubtype="0" fill="hold" nodeType="withEffect">
+                                  <p:stCondLst>
+                                    <p:cond delay="0"/>
+                                  </p:stCondLst>
+                                  <p:childTnLst>
+                                    <p:set>
+                                      <p:cBhvr>
+                                        <p:cTn id="20" dur="1" fill="hold">
+                                          <p:stCondLst>
+                                            <p:cond delay="0"/>
+                                          </p:stCondLst>
+                                        </p:cTn>
+                                        <p:tgtEl>
+                                          <p:spTgt spid="29"/>
+                                        </p:tgtEl>
+                                        <p:attrNameLst>
+                                          <p:attrName>style.visibility</p:attrName>
+                                        </p:attrNameLst>
+                                      </p:cBhvr>
+                                      <p:to>
+                                        <p:strVal val="visible"/>
+                                      </p:to>
+                                    </p:set>
+                                  </p:childTnLst>
+                                </p:cTn>
+                              </p:par>
+                              <p:par>
+                                <p:cTn id="21" presetID="1" presetClass="entr" presetSubtype="0" fill="hold" grpId="0" nodeType="withEffect">
+                                  <p:stCondLst>
+                                    <p:cond delay="0"/>
+                                  </p:stCondLst>
+                                  <p:childTnLst>
+                                    <p:set>
+                                      <p:cBhvr>
+                                        <p:cTn id="22" dur="1" fill="hold">
                                           <p:stCondLst>
                                             <p:cond delay="0"/>
                                           </p:stCondLst>
@@ -23374,20 +27161,101 @@
                                 </p:cTn>
                               </p:par>
                               <p:par>
-                                <p:cTn id="17" presetID="1" presetClass="entr" presetSubtype="0" fill="hold" grpId="0" nodeType="withEffect">
+                                <p:cTn id="23" presetID="1" presetClass="entr" presetSubtype="0" fill="hold" grpId="0" nodeType="withEffect">
                                   <p:stCondLst>
                                     <p:cond delay="0"/>
                                   </p:stCondLst>
                                   <p:childTnLst>
                                     <p:set>
                                       <p:cBhvr>
-                                        <p:cTn id="18" dur="1" fill="hold">
+                                        <p:cTn id="24" dur="1" fill="hold">
                                           <p:stCondLst>
                                             <p:cond delay="0"/>
                                           </p:stCondLst>
                                         </p:cTn>
                                         <p:tgtEl>
-                                          <p:spTgt spid="12"/>
+                                          <p:spTgt spid="14"/>
+                                        </p:tgtEl>
+                                        <p:attrNameLst>
+                                          <p:attrName>style.visibility</p:attrName>
+                                        </p:attrNameLst>
+                                      </p:cBhvr>
+                                      <p:to>
+                                        <p:strVal val="visible"/>
+                                      </p:to>
+                                    </p:set>
+                                  </p:childTnLst>
+                                </p:cTn>
+                              </p:par>
+                              <p:par>
+                                <p:cTn id="25" presetID="1" presetClass="entr" presetSubtype="0" fill="hold" grpId="0" nodeType="withEffect">
+                                  <p:stCondLst>
+                                    <p:cond delay="0"/>
+                                  </p:stCondLst>
+                                  <p:childTnLst>
+                                    <p:set>
+                                      <p:cBhvr>
+                                        <p:cTn id="26" dur="1" fill="hold">
+                                          <p:stCondLst>
+                                            <p:cond delay="0"/>
+                                          </p:stCondLst>
+                                        </p:cTn>
+                                        <p:tgtEl>
+                                          <p:spTgt spid="15"/>
+                                        </p:tgtEl>
+                                        <p:attrNameLst>
+                                          <p:attrName>style.visibility</p:attrName>
+                                        </p:attrNameLst>
+                                      </p:cBhvr>
+                                      <p:to>
+                                        <p:strVal val="visible"/>
+                                      </p:to>
+                                    </p:set>
+                                  </p:childTnLst>
+                                </p:cTn>
+                              </p:par>
+                              <p:par>
+                                <p:cTn id="27" presetID="1" presetClass="entr" presetSubtype="0" fill="hold" grpId="0" nodeType="withEffect">
+                                  <p:stCondLst>
+                                    <p:cond delay="0"/>
+                                  </p:stCondLst>
+                                  <p:childTnLst>
+                                    <p:set>
+                                      <p:cBhvr>
+                                        <p:cTn id="28" dur="1" fill="hold">
+                                          <p:stCondLst>
+                                            <p:cond delay="0"/>
+                                          </p:stCondLst>
+                                        </p:cTn>
+                                        <p:tgtEl>
+                                          <p:spTgt spid="16"/>
+                                        </p:tgtEl>
+                                        <p:attrNameLst>
+                                          <p:attrName>style.visibility</p:attrName>
+                                        </p:attrNameLst>
+                                      </p:cBhvr>
+                                      <p:to>
+                                        <p:strVal val="visible"/>
+                                      </p:to>
+                                    </p:set>
+                                  </p:childTnLst>
+                                </p:cTn>
+                              </p:par>
+                              <p:par>
+                                <p:cTn id="29" presetID="1" presetClass="entr" presetSubtype="0" fill="hold" grpId="0" nodeType="withEffect">
+                                  <p:stCondLst>
+                                    <p:cond delay="0"/>
+                                  </p:stCondLst>
+                                  <p:childTnLst>
+                                    <p:set>
+                                      <p:cBhvr>
+                                        <p:cTn id="30" dur="1" fill="hold">
+                                          <p:stCondLst>
+                                            <p:cond delay="0"/>
+                                          </p:stCondLst>
+                                        </p:cTn>
+                                        <p:tgtEl>
+                                          <p:spTgt spid="13"/>
                                         </p:tgtEl>
                                         <p:attrNameLst>
                                           <p:attrName>style.visibility</p:attrName>
@@ -23407,32 +27275,194 @@
                     </p:cTn>
                   </p:par>
                   <p:par>
-                    <p:cTn id="19" fill="hold">
+                    <p:cTn id="31" fill="hold">
                       <p:stCondLst>
                         <p:cond delay="indefinite"/>
                       </p:stCondLst>
                       <p:childTnLst>
                         <p:par>
-                          <p:cTn id="20" fill="hold">
+                          <p:cTn id="32" fill="hold">
                             <p:stCondLst>
                               <p:cond delay="0"/>
                             </p:stCondLst>
                             <p:childTnLst>
                               <p:par>
-                                <p:cTn id="21" presetID="1" presetClass="entr" presetSubtype="0" fill="hold" grpId="0" nodeType="clickEffect">
+                                <p:cTn id="33" presetID="1" presetClass="entr" presetSubtype="0" fill="hold" grpId="0" nodeType="clickEffect">
                                   <p:stCondLst>
                                     <p:cond delay="0"/>
                                   </p:stCondLst>
                                   <p:childTnLst>
                                     <p:set>
                                       <p:cBhvr>
-                                        <p:cTn id="22" dur="1" fill="hold">
+                                        <p:cTn id="34" dur="1" fill="hold">
+                                          <p:stCondLst>
+                                            <p:cond delay="0"/>
+                                          </p:stCondLst>
+                                        </p:cTn>
+                                        <p:tgtEl>
+                                          <p:spTgt spid="39"/>
+                                        </p:tgtEl>
+                                        <p:attrNameLst>
+                                          <p:attrName>style.visibility</p:attrName>
+                                        </p:attrNameLst>
+                                      </p:cBhvr>
+                                      <p:to>
+                                        <p:strVal val="visible"/>
+                                      </p:to>
+                                    </p:set>
+                                  </p:childTnLst>
+                                </p:cTn>
+                              </p:par>
+                              <p:par>
+                                <p:cTn id="35" presetID="1" presetClass="entr" presetSubtype="0" fill="hold" grpId="0" nodeType="withEffect">
+                                  <p:stCondLst>
+                                    <p:cond delay="0"/>
+                                  </p:stCondLst>
+                                  <p:childTnLst>
+                                    <p:set>
+                                      <p:cBhvr>
+                                        <p:cTn id="36" dur="1" fill="hold">
+                                          <p:stCondLst>
+                                            <p:cond delay="0"/>
+                                          </p:stCondLst>
+                                        </p:cTn>
+                                        <p:tgtEl>
+                                          <p:spTgt spid="34"/>
+                                        </p:tgtEl>
+                                        <p:attrNameLst>
+                                          <p:attrName>style.visibility</p:attrName>
+                                        </p:attrNameLst>
+                                      </p:cBhvr>
+                                      <p:to>
+                                        <p:strVal val="visible"/>
+                                      </p:to>
+                                    </p:set>
+                                  </p:childTnLst>
+                                </p:cTn>
+                              </p:par>
+                              <p:par>
+                                <p:cTn id="37" presetID="1" presetClass="entr" presetSubtype="0" fill="hold" grpId="0" nodeType="withEffect">
+                                  <p:stCondLst>
+                                    <p:cond delay="0"/>
+                                  </p:stCondLst>
+                                  <p:childTnLst>
+                                    <p:set>
+                                      <p:cBhvr>
+                                        <p:cTn id="38" dur="1" fill="hold">
                                           <p:stCondLst>
                                             <p:cond delay="0"/>
                                           </p:stCondLst>
                                         </p:cTn>
                                         <p:tgtEl>
                                           <p:spTgt spid="4"/>
+                                        </p:tgtEl>
+                                        <p:attrNameLst>
+                                          <p:attrName>style.visibility</p:attrName>
+                                        </p:attrNameLst>
+                                      </p:cBhvr>
+                                      <p:to>
+                                        <p:strVal val="visible"/>
+                                      </p:to>
+                                    </p:set>
+                                  </p:childTnLst>
+                                </p:cTn>
+                              </p:par>
+                              <p:par>
+                                <p:cTn id="39" presetID="1" presetClass="entr" presetSubtype="0" fill="hold" nodeType="withEffect">
+                                  <p:stCondLst>
+                                    <p:cond delay="0"/>
+                                  </p:stCondLst>
+                                  <p:childTnLst>
+                                    <p:set>
+                                      <p:cBhvr>
+                                        <p:cTn id="40" dur="1" fill="hold">
+                                          <p:stCondLst>
+                                            <p:cond delay="0"/>
+                                          </p:stCondLst>
+                                        </p:cTn>
+                                        <p:tgtEl>
+                                          <p:spTgt spid="37"/>
+                                        </p:tgtEl>
+                                        <p:attrNameLst>
+                                          <p:attrName>style.visibility</p:attrName>
+                                        </p:attrNameLst>
+                                      </p:cBhvr>
+                                      <p:to>
+                                        <p:strVal val="visible"/>
+                                      </p:to>
+                                    </p:set>
+                                  </p:childTnLst>
+                                </p:cTn>
+                              </p:par>
+                              <p:par>
+                                <p:cTn id="41" presetID="1" presetClass="entr" presetSubtype="0" fill="hold" grpId="0" nodeType="withEffect">
+                                  <p:stCondLst>
+                                    <p:cond delay="0"/>
+                                  </p:stCondLst>
+                                  <p:childTnLst>
+                                    <p:set>
+                                      <p:cBhvr>
+                                        <p:cTn id="42" dur="1" fill="hold">
+                                          <p:stCondLst>
+                                            <p:cond delay="0"/>
+                                          </p:stCondLst>
+                                        </p:cTn>
+                                        <p:tgtEl>
+                                          <p:spTgt spid="35"/>
+                                        </p:tgtEl>
+                                        <p:attrNameLst>
+                                          <p:attrName>style.visibility</p:attrName>
+                                        </p:attrNameLst>
+                                      </p:cBhvr>
+                                      <p:to>
+                                        <p:strVal val="visible"/>
+                                      </p:to>
+                                    </p:set>
+                                  </p:childTnLst>
+                                </p:cTn>
+                              </p:par>
+                              <p:par>
+                                <p:cTn id="43" presetID="1" presetClass="entr" presetSubtype="0" fill="hold" nodeType="withEffect">
+                                  <p:stCondLst>
+                                    <p:cond delay="0"/>
+                                  </p:stCondLst>
+                                  <p:childTnLst>
+                                    <p:set>
+                                      <p:cBhvr>
+                                        <p:cTn id="44" dur="1" fill="hold">
+                                          <p:stCondLst>
+                                            <p:cond delay="0"/>
+                                          </p:stCondLst>
+                                        </p:cTn>
+                                        <p:tgtEl>
+                                          <p:spTgt spid="38"/>
+                                        </p:tgtEl>
+                                        <p:attrNameLst>
+                                          <p:attrName>style.visibility</p:attrName>
+                                        </p:attrNameLst>
+                                      </p:cBhvr>
+                                      <p:to>
+                                        <p:strVal val="visible"/>
+                                      </p:to>
+                                    </p:set>
+                                  </p:childTnLst>
+                                </p:cTn>
+                              </p:par>
+                              <p:par>
+                                <p:cTn id="45" presetID="1" presetClass="entr" presetSubtype="0" fill="hold" grpId="0" nodeType="withEffect">
+                                  <p:stCondLst>
+                                    <p:cond delay="0"/>
+                                  </p:stCondLst>
+                                  <p:childTnLst>
+                                    <p:set>
+                                      <p:cBhvr>
+                                        <p:cTn id="46" dur="1" fill="hold">
+                                          <p:stCondLst>
+                                            <p:cond delay="0"/>
+                                          </p:stCondLst>
+                                        </p:cTn>
+                                        <p:tgtEl>
+                                          <p:spTgt spid="36"/>
                                         </p:tgtEl>
                                         <p:attrNameLst>
                                           <p:attrName>style.visibility</p:attrName>
@@ -23477,15 +27507,22 @@
       <p:bldP spid="6" grpId="0" animBg="1"/>
       <p:bldP spid="10" grpId="0" animBg="1"/>
       <p:bldP spid="11" grpId="0" animBg="1"/>
-      <p:bldP spid="3" grpId="0" animBg="1"/>
-      <p:bldP spid="4" grpId="0" animBg="1"/>
-      <p:bldP spid="12" grpId="0" animBg="1"/>
+      <p:bldP spid="3" grpId="0"/>
+      <p:bldP spid="4" grpId="0"/>
+      <p:bldP spid="13" grpId="0"/>
+      <p:bldP spid="14" grpId="0" animBg="1"/>
+      <p:bldP spid="15" grpId="0"/>
+      <p:bldP spid="16" grpId="0"/>
+      <p:bldP spid="34" grpId="0" animBg="1"/>
+      <p:bldP spid="35" grpId="0"/>
+      <p:bldP spid="36" grpId="0"/>
+      <p:bldP spid="39" grpId="0" animBg="1"/>
     </p:bldLst>
   </p:timing>
 </p:sld>
 </file>
 
-<file path=ppt/slides/slide4.xml><?xml version="1.0" encoding="utf-8"?>
+<file path=ppt/slides/slide5.xml><?xml version="1.0" encoding="utf-8"?>
 <p:sld xmlns:a="http://schemas.openxmlformats.org/drawingml/2006/main" xmlns:r="http://schemas.openxmlformats.org/officeDocument/2006/relationships" xmlns:p="http://schemas.openxmlformats.org/presentationml/2006/main">
   <p:cSld>
     <p:spTree>
@@ -24606,7 +28643,7 @@
 </p:sld>
 </file>
 
-<file path=ppt/slides/slide5.xml><?xml version="1.0" encoding="utf-8"?>
+<file path=ppt/slides/slide6.xml><?xml version="1.0" encoding="utf-8"?>
 <p:sld xmlns:a="http://schemas.openxmlformats.org/drawingml/2006/main" xmlns:r="http://schemas.openxmlformats.org/officeDocument/2006/relationships" xmlns:p="http://schemas.openxmlformats.org/presentationml/2006/main">
   <p:cSld>
     <p:spTree>
@@ -27744,7 +31781,7 @@
 </p:sld>
 </file>
 
-<file path=ppt/slides/slide6.xml><?xml version="1.0" encoding="utf-8"?>
+<file path=ppt/slides/slide7.xml><?xml version="1.0" encoding="utf-8"?>
 <p:sld xmlns:a="http://schemas.openxmlformats.org/drawingml/2006/main" xmlns:r="http://schemas.openxmlformats.org/officeDocument/2006/relationships" xmlns:p="http://schemas.openxmlformats.org/presentationml/2006/main">
   <p:cSld>
     <p:spTree>
@@ -28630,7 +32667,7 @@
 </p:sld>
 </file>
 
-<file path=ppt/slides/slide7.xml><?xml version="1.0" encoding="utf-8"?>
+<file path=ppt/slides/slide8.xml><?xml version="1.0" encoding="utf-8"?>
 <p:sld xmlns:a="http://schemas.openxmlformats.org/drawingml/2006/main" xmlns:r="http://schemas.openxmlformats.org/officeDocument/2006/relationships" xmlns:p="http://schemas.openxmlformats.org/presentationml/2006/main">
   <p:cSld>
     <p:spTree>
@@ -29853,7 +33890,7 @@
 </p:sld>
 </file>
 
-<file path=ppt/slides/slide8.xml><?xml version="1.0" encoding="utf-8"?>
+<file path=ppt/slides/slide9.xml><?xml version="1.0" encoding="utf-8"?>
 <p:sld xmlns:a="http://schemas.openxmlformats.org/drawingml/2006/main" xmlns:r="http://schemas.openxmlformats.org/officeDocument/2006/relationships" xmlns:p="http://schemas.openxmlformats.org/presentationml/2006/main">
   <p:cSld>
     <p:spTree>
@@ -31784,2090 +35821,6 @@
     <p:extLst>
       <p:ext uri="{BB962C8B-B14F-4D97-AF65-F5344CB8AC3E}">
         <p14:creationId xmlns:p14="http://schemas.microsoft.com/office/powerpoint/2010/main" val="2241483681"/>
-      </p:ext>
-    </p:extLst>
-  </p:cSld>
-  <p:clrMapOvr>
-    <a:masterClrMapping/>
-  </p:clrMapOvr>
-</p:sld>
-</file>
-
-<file path=ppt/slides/slide9.xml><?xml version="1.0" encoding="utf-8"?>
-<p:sld xmlns:a="http://schemas.openxmlformats.org/drawingml/2006/main" xmlns:r="http://schemas.openxmlformats.org/officeDocument/2006/relationships" xmlns:p="http://schemas.openxmlformats.org/presentationml/2006/main">
-  <p:cSld>
-    <p:spTree>
-      <p:nvGrpSpPr>
-        <p:cNvPr id="1" name=""/>
-        <p:cNvGrpSpPr/>
-        <p:nvPr/>
-      </p:nvGrpSpPr>
-      <p:grpSpPr>
-        <a:xfrm>
-          <a:off x="0" y="0"/>
-          <a:ext cx="0" cy="0"/>
-          <a:chOff x="0" y="0"/>
-          <a:chExt cx="0" cy="0"/>
-        </a:xfrm>
-      </p:grpSpPr>
-      <p:pic>
-        <p:nvPicPr>
-          <p:cNvPr id="10" name="Content Placeholder 9" descr="Badge 8">
-            <a:extLst>
-              <a:ext uri="{FF2B5EF4-FFF2-40B4-BE49-F238E27FC236}">
-                <a16:creationId xmlns:a16="http://schemas.microsoft.com/office/drawing/2014/main" id="{2C936632-C250-40F8-A21D-9D5F94C1536E}"/>
-              </a:ext>
-            </a:extLst>
-          </p:cNvPr>
-          <p:cNvPicPr>
-            <a:picLocks noChangeAspect="1"/>
-          </p:cNvPicPr>
-          <p:nvPr/>
-        </p:nvPicPr>
-        <p:blipFill>
-          <a:blip r:embed="rId3">
-            <a:extLst>
-              <a:ext uri="{28A0092B-C50C-407E-A947-70E740481C1C}">
-                <a14:useLocalDpi xmlns:a14="http://schemas.microsoft.com/office/drawing/2010/main" val="0"/>
-              </a:ext>
-              <a:ext uri="{96DAC541-7B7A-43D3-8B79-37D633B846F1}">
-                <asvg:svgBlip xmlns:asvg="http://schemas.microsoft.com/office/drawing/2016/SVG/main" r:embed="rId4"/>
-              </a:ext>
-            </a:extLst>
-          </a:blip>
-          <a:stretch>
-            <a:fillRect/>
-          </a:stretch>
-        </p:blipFill>
-        <p:spPr>
-          <a:xfrm>
-            <a:off x="10420349" y="419557"/>
-            <a:ext cx="733426" cy="733426"/>
-          </a:xfrm>
-          <a:prstGeom prst="rect">
-            <a:avLst/>
-          </a:prstGeom>
-        </p:spPr>
-      </p:pic>
-      <p:sp>
-        <p:nvSpPr>
-          <p:cNvPr id="7" name="Title 1">
-            <a:extLst>
-              <a:ext uri="{FF2B5EF4-FFF2-40B4-BE49-F238E27FC236}">
-                <a16:creationId xmlns:a16="http://schemas.microsoft.com/office/drawing/2014/main" id="{894F5E17-16CC-4DD2-86BC-93A4E7658A0B}"/>
-              </a:ext>
-            </a:extLst>
-          </p:cNvPr>
-          <p:cNvSpPr>
-            <a:spLocks noGrp="1"/>
-          </p:cNvSpPr>
-          <p:nvPr>
-            <p:ph type="title"/>
-          </p:nvPr>
-        </p:nvSpPr>
-        <p:spPr/>
-        <p:txBody>
-          <a:bodyPr/>
-          <a:lstStyle/>
-          <a:p>
-            <a:pPr>
-              <a:lnSpc>
-                <a:spcPts val="5200"/>
-              </a:lnSpc>
-              <a:spcAft>
-                <a:spcPts val="6000"/>
-              </a:spcAft>
-            </a:pPr>
-            <a:r>
-              <a:rPr lang="en-GB" sz="3700" dirty="0"/>
-              <a:t>Results: 5</a:t>
-            </a:r>
-            <a:br>
-              <a:rPr lang="en-GB" sz="3900" dirty="0"/>
-            </a:br>
-            <a:r>
-              <a:rPr lang="en-GB" sz="3200" dirty="0"/>
-              <a:t>Combined Pathway Analysis</a:t>
-            </a:r>
-          </a:p>
-        </p:txBody>
-      </p:sp>
-      <p:sp>
-        <p:nvSpPr>
-          <p:cNvPr id="4" name="Text Placeholder 1">
-            <a:extLst>
-              <a:ext uri="{FF2B5EF4-FFF2-40B4-BE49-F238E27FC236}">
-                <a16:creationId xmlns:a16="http://schemas.microsoft.com/office/drawing/2014/main" id="{2962E3CD-B3B7-4285-9B7F-3C7E1B93E459}"/>
-              </a:ext>
-            </a:extLst>
-          </p:cNvPr>
-          <p:cNvSpPr txBox="1">
-            <a:spLocks/>
-          </p:cNvSpPr>
-          <p:nvPr/>
-        </p:nvSpPr>
-        <p:spPr>
-          <a:xfrm>
-            <a:off x="457199" y="1830017"/>
-            <a:ext cx="5638801" cy="1178156"/>
-          </a:xfrm>
-          <a:prstGeom prst="rect">
-            <a:avLst/>
-          </a:prstGeom>
-          <a:noFill/>
-          <a:ln>
-            <a:solidFill>
-              <a:schemeClr val="tx1">
-                <a:lumMod val="95000"/>
-              </a:schemeClr>
-            </a:solidFill>
-          </a:ln>
-        </p:spPr>
-        <p:txBody>
-          <a:bodyPr vert="horz" lIns="91440" tIns="45720" rIns="91440" bIns="45720" rtlCol="0" anchor="ctr">
-            <a:normAutofit/>
-          </a:bodyPr>
-          <a:lstStyle>
-            <a:lvl1pPr marL="342900" indent="-342900" algn="l" defTabSz="457200" rtl="0" eaLnBrk="1" latinLnBrk="0" hangingPunct="1">
-              <a:spcBef>
-                <a:spcPts val="1000"/>
-              </a:spcBef>
-              <a:spcAft>
-                <a:spcPts val="0"/>
-              </a:spcAft>
-              <a:buClr>
-                <a:schemeClr val="bg2">
-                  <a:lumMod val="40000"/>
-                  <a:lumOff val="60000"/>
-                </a:schemeClr>
-              </a:buClr>
-              <a:buSzPct val="80000"/>
-              <a:buFont typeface="Wingdings 3" charset="2"/>
-              <a:buChar char=""/>
-              <a:defRPr sz="2000" b="0" i="0" kern="1200">
-                <a:solidFill>
-                  <a:schemeClr val="tx1"/>
-                </a:solidFill>
-                <a:latin typeface="+mj-lt"/>
-                <a:ea typeface="+mj-ea"/>
-                <a:cs typeface="+mj-cs"/>
-              </a:defRPr>
-            </a:lvl1pPr>
-            <a:lvl2pPr marL="742950" indent="-285750" algn="l" defTabSz="457200" rtl="0" eaLnBrk="1" latinLnBrk="0" hangingPunct="1">
-              <a:spcBef>
-                <a:spcPts val="1000"/>
-              </a:spcBef>
-              <a:spcAft>
-                <a:spcPts val="0"/>
-              </a:spcAft>
-              <a:buClr>
-                <a:schemeClr val="bg2">
-                  <a:lumMod val="40000"/>
-                  <a:lumOff val="60000"/>
-                </a:schemeClr>
-              </a:buClr>
-              <a:buSzPct val="80000"/>
-              <a:buFont typeface="Wingdings 3" charset="2"/>
-              <a:buChar char=""/>
-              <a:defRPr sz="1800" b="0" i="0" kern="1200">
-                <a:solidFill>
-                  <a:schemeClr val="tx1"/>
-                </a:solidFill>
-                <a:latin typeface="+mj-lt"/>
-                <a:ea typeface="+mj-ea"/>
-                <a:cs typeface="+mj-cs"/>
-              </a:defRPr>
-            </a:lvl2pPr>
-            <a:lvl3pPr marL="1143000" indent="-228600" algn="l" defTabSz="457200" rtl="0" eaLnBrk="1" latinLnBrk="0" hangingPunct="1">
-              <a:spcBef>
-                <a:spcPts val="1000"/>
-              </a:spcBef>
-              <a:spcAft>
-                <a:spcPts val="0"/>
-              </a:spcAft>
-              <a:buClr>
-                <a:schemeClr val="bg2">
-                  <a:lumMod val="40000"/>
-                  <a:lumOff val="60000"/>
-                </a:schemeClr>
-              </a:buClr>
-              <a:buSzPct val="80000"/>
-              <a:buFont typeface="Wingdings 3" charset="2"/>
-              <a:buChar char=""/>
-              <a:defRPr sz="1600" b="0" i="0" kern="1200">
-                <a:solidFill>
-                  <a:schemeClr val="tx1"/>
-                </a:solidFill>
-                <a:latin typeface="+mj-lt"/>
-                <a:ea typeface="+mj-ea"/>
-                <a:cs typeface="+mj-cs"/>
-              </a:defRPr>
-            </a:lvl3pPr>
-            <a:lvl4pPr marL="1600200" indent="-228600" algn="l" defTabSz="457200" rtl="0" eaLnBrk="1" latinLnBrk="0" hangingPunct="1">
-              <a:spcBef>
-                <a:spcPts val="1000"/>
-              </a:spcBef>
-              <a:spcAft>
-                <a:spcPts val="0"/>
-              </a:spcAft>
-              <a:buClr>
-                <a:schemeClr val="bg2">
-                  <a:lumMod val="40000"/>
-                  <a:lumOff val="60000"/>
-                </a:schemeClr>
-              </a:buClr>
-              <a:buSzPct val="80000"/>
-              <a:buFont typeface="Wingdings 3" charset="2"/>
-              <a:buChar char=""/>
-              <a:defRPr sz="1400" b="0" i="0" kern="1200">
-                <a:solidFill>
-                  <a:schemeClr val="tx1"/>
-                </a:solidFill>
-                <a:latin typeface="+mj-lt"/>
-                <a:ea typeface="+mj-ea"/>
-                <a:cs typeface="+mj-cs"/>
-              </a:defRPr>
-            </a:lvl4pPr>
-            <a:lvl5pPr marL="2057400" indent="-228600" algn="l" defTabSz="457200" rtl="0" eaLnBrk="1" latinLnBrk="0" hangingPunct="1">
-              <a:spcBef>
-                <a:spcPts val="1000"/>
-              </a:spcBef>
-              <a:spcAft>
-                <a:spcPts val="0"/>
-              </a:spcAft>
-              <a:buClr>
-                <a:schemeClr val="bg2">
-                  <a:lumMod val="40000"/>
-                  <a:lumOff val="60000"/>
-                </a:schemeClr>
-              </a:buClr>
-              <a:buSzPct val="80000"/>
-              <a:buFont typeface="Wingdings 3" charset="2"/>
-              <a:buChar char=""/>
-              <a:defRPr sz="1400" b="0" i="0" kern="1200">
-                <a:solidFill>
-                  <a:schemeClr val="tx1"/>
-                </a:solidFill>
-                <a:latin typeface="+mj-lt"/>
-                <a:ea typeface="+mj-ea"/>
-                <a:cs typeface="+mj-cs"/>
-              </a:defRPr>
-            </a:lvl5pPr>
-            <a:lvl6pPr marL="2506000" indent="-228600" algn="l" defTabSz="457200" rtl="0" eaLnBrk="1" latinLnBrk="0" hangingPunct="1">
-              <a:spcBef>
-                <a:spcPts val="1000"/>
-              </a:spcBef>
-              <a:spcAft>
-                <a:spcPts val="0"/>
-              </a:spcAft>
-              <a:buClr>
-                <a:schemeClr val="bg2">
-                  <a:lumMod val="40000"/>
-                  <a:lumOff val="60000"/>
-                </a:schemeClr>
-              </a:buClr>
-              <a:buSzPct val="80000"/>
-              <a:buFont typeface="Wingdings 3" charset="2"/>
-              <a:buChar char=""/>
-              <a:defRPr sz="1400" b="0" i="0" kern="1200">
-                <a:solidFill>
-                  <a:schemeClr val="tx1"/>
-                </a:solidFill>
-                <a:latin typeface="+mj-lt"/>
-                <a:ea typeface="+mj-ea"/>
-                <a:cs typeface="+mj-cs"/>
-              </a:defRPr>
-            </a:lvl6pPr>
-            <a:lvl7pPr marL="2971800" indent="-228600" algn="l" defTabSz="457200" rtl="0" eaLnBrk="1" latinLnBrk="0" hangingPunct="1">
-              <a:spcBef>
-                <a:spcPts val="1000"/>
-              </a:spcBef>
-              <a:spcAft>
-                <a:spcPts val="0"/>
-              </a:spcAft>
-              <a:buClr>
-                <a:schemeClr val="bg2">
-                  <a:lumMod val="40000"/>
-                  <a:lumOff val="60000"/>
-                </a:schemeClr>
-              </a:buClr>
-              <a:buSzPct val="80000"/>
-              <a:buFont typeface="Wingdings 3" charset="2"/>
-              <a:buChar char=""/>
-              <a:defRPr sz="1400" b="0" i="0" kern="1200">
-                <a:solidFill>
-                  <a:schemeClr val="tx1"/>
-                </a:solidFill>
-                <a:latin typeface="+mj-lt"/>
-                <a:ea typeface="+mj-ea"/>
-                <a:cs typeface="+mj-cs"/>
-              </a:defRPr>
-            </a:lvl7pPr>
-            <a:lvl8pPr marL="3429000" indent="-228600" algn="l" defTabSz="457200" rtl="0" eaLnBrk="1" latinLnBrk="0" hangingPunct="1">
-              <a:spcBef>
-                <a:spcPts val="1000"/>
-              </a:spcBef>
-              <a:spcAft>
-                <a:spcPts val="0"/>
-              </a:spcAft>
-              <a:buClr>
-                <a:schemeClr val="bg2">
-                  <a:lumMod val="40000"/>
-                  <a:lumOff val="60000"/>
-                </a:schemeClr>
-              </a:buClr>
-              <a:buSzPct val="80000"/>
-              <a:buFont typeface="Wingdings 3" charset="2"/>
-              <a:buChar char=""/>
-              <a:defRPr sz="1400" b="0" i="0" kern="1200">
-                <a:solidFill>
-                  <a:schemeClr val="tx1"/>
-                </a:solidFill>
-                <a:latin typeface="+mj-lt"/>
-                <a:ea typeface="+mj-ea"/>
-                <a:cs typeface="+mj-cs"/>
-              </a:defRPr>
-            </a:lvl8pPr>
-            <a:lvl9pPr marL="3886200" indent="-228600" algn="l" defTabSz="457200" rtl="0" eaLnBrk="1" latinLnBrk="0" hangingPunct="1">
-              <a:spcBef>
-                <a:spcPts val="1000"/>
-              </a:spcBef>
-              <a:spcAft>
-                <a:spcPts val="0"/>
-              </a:spcAft>
-              <a:buClr>
-                <a:schemeClr val="bg2">
-                  <a:lumMod val="40000"/>
-                  <a:lumOff val="60000"/>
-                </a:schemeClr>
-              </a:buClr>
-              <a:buSzPct val="80000"/>
-              <a:buFont typeface="Wingdings 3" charset="2"/>
-              <a:buChar char=""/>
-              <a:defRPr sz="1400" b="0" i="0" kern="1200">
-                <a:solidFill>
-                  <a:schemeClr val="tx1"/>
-                </a:solidFill>
-                <a:latin typeface="+mj-lt"/>
-                <a:ea typeface="+mj-ea"/>
-                <a:cs typeface="+mj-cs"/>
-              </a:defRPr>
-            </a:lvl9pPr>
-          </a:lstStyle>
-          <a:p>
-            <a:pPr marL="0" indent="0" algn="ctr">
-              <a:spcBef>
-                <a:spcPts val="1200"/>
-              </a:spcBef>
-              <a:buNone/>
-            </a:pPr>
-            <a:r>
-              <a:rPr lang="en-GB" sz="2400" u="sng" dirty="0">
-                <a:solidFill>
-                  <a:schemeClr val="tx1">
-                    <a:lumMod val="95000"/>
-                  </a:schemeClr>
-                </a:solidFill>
-              </a:rPr>
-              <a:t>PathVisio</a:t>
-            </a:r>
-          </a:p>
-          <a:p>
-            <a:pPr marL="0" indent="0" algn="ctr">
-              <a:spcBef>
-                <a:spcPts val="1200"/>
-              </a:spcBef>
-              <a:buNone/>
-            </a:pPr>
-            <a:r>
-              <a:rPr lang="en-GB" sz="2400" dirty="0">
-                <a:solidFill>
-                  <a:schemeClr val="tx1">
-                    <a:lumMod val="95000"/>
-                  </a:schemeClr>
-                </a:solidFill>
-              </a:rPr>
-              <a:t>Expression criterion: p &lt; 0.05</a:t>
-            </a:r>
-          </a:p>
-        </p:txBody>
-      </p:sp>
-      <p:sp>
-        <p:nvSpPr>
-          <p:cNvPr id="5" name="Text Placeholder 2">
-            <a:extLst>
-              <a:ext uri="{FF2B5EF4-FFF2-40B4-BE49-F238E27FC236}">
-                <a16:creationId xmlns:a16="http://schemas.microsoft.com/office/drawing/2014/main" id="{0EA898E2-5451-497B-B22F-DD0DA7A4DCA1}"/>
-              </a:ext>
-            </a:extLst>
-          </p:cNvPr>
-          <p:cNvSpPr txBox="1">
-            <a:spLocks/>
-          </p:cNvSpPr>
-          <p:nvPr/>
-        </p:nvSpPr>
-        <p:spPr>
-          <a:xfrm>
-            <a:off x="6214535" y="1830017"/>
-            <a:ext cx="5638801" cy="1178156"/>
-          </a:xfrm>
-          <a:prstGeom prst="rect">
-            <a:avLst/>
-          </a:prstGeom>
-          <a:noFill/>
-          <a:ln>
-            <a:solidFill>
-              <a:schemeClr val="tx1">
-                <a:lumMod val="95000"/>
-              </a:schemeClr>
-            </a:solidFill>
-          </a:ln>
-        </p:spPr>
-        <p:txBody>
-          <a:bodyPr anchor="ctr"/>
-          <a:lstStyle>
-            <a:lvl1pPr marL="342900" indent="-342900" algn="l" defTabSz="457200" rtl="0" eaLnBrk="1" latinLnBrk="0" hangingPunct="1">
-              <a:spcBef>
-                <a:spcPts val="1000"/>
-              </a:spcBef>
-              <a:spcAft>
-                <a:spcPts val="0"/>
-              </a:spcAft>
-              <a:buClr>
-                <a:schemeClr val="bg2">
-                  <a:lumMod val="40000"/>
-                  <a:lumOff val="60000"/>
-                </a:schemeClr>
-              </a:buClr>
-              <a:buSzPct val="80000"/>
-              <a:buFont typeface="Wingdings 3" charset="2"/>
-              <a:buChar char=""/>
-              <a:defRPr sz="2000" b="0" i="0" kern="1200">
-                <a:solidFill>
-                  <a:schemeClr val="tx1"/>
-                </a:solidFill>
-                <a:latin typeface="+mj-lt"/>
-                <a:ea typeface="+mj-ea"/>
-                <a:cs typeface="+mj-cs"/>
-              </a:defRPr>
-            </a:lvl1pPr>
-            <a:lvl2pPr marL="742950" indent="-285750" algn="l" defTabSz="457200" rtl="0" eaLnBrk="1" latinLnBrk="0" hangingPunct="1">
-              <a:spcBef>
-                <a:spcPts val="1000"/>
-              </a:spcBef>
-              <a:spcAft>
-                <a:spcPts val="0"/>
-              </a:spcAft>
-              <a:buClr>
-                <a:schemeClr val="bg2">
-                  <a:lumMod val="40000"/>
-                  <a:lumOff val="60000"/>
-                </a:schemeClr>
-              </a:buClr>
-              <a:buSzPct val="80000"/>
-              <a:buFont typeface="Wingdings 3" charset="2"/>
-              <a:buChar char=""/>
-              <a:defRPr sz="1800" b="0" i="0" kern="1200">
-                <a:solidFill>
-                  <a:schemeClr val="tx1"/>
-                </a:solidFill>
-                <a:latin typeface="+mj-lt"/>
-                <a:ea typeface="+mj-ea"/>
-                <a:cs typeface="+mj-cs"/>
-              </a:defRPr>
-            </a:lvl2pPr>
-            <a:lvl3pPr marL="1143000" indent="-228600" algn="l" defTabSz="457200" rtl="0" eaLnBrk="1" latinLnBrk="0" hangingPunct="1">
-              <a:spcBef>
-                <a:spcPts val="1000"/>
-              </a:spcBef>
-              <a:spcAft>
-                <a:spcPts val="0"/>
-              </a:spcAft>
-              <a:buClr>
-                <a:schemeClr val="bg2">
-                  <a:lumMod val="40000"/>
-                  <a:lumOff val="60000"/>
-                </a:schemeClr>
-              </a:buClr>
-              <a:buSzPct val="80000"/>
-              <a:buFont typeface="Wingdings 3" charset="2"/>
-              <a:buChar char=""/>
-              <a:defRPr sz="1600" b="0" i="0" kern="1200">
-                <a:solidFill>
-                  <a:schemeClr val="tx1"/>
-                </a:solidFill>
-                <a:latin typeface="+mj-lt"/>
-                <a:ea typeface="+mj-ea"/>
-                <a:cs typeface="+mj-cs"/>
-              </a:defRPr>
-            </a:lvl3pPr>
-            <a:lvl4pPr marL="1600200" indent="-228600" algn="l" defTabSz="457200" rtl="0" eaLnBrk="1" latinLnBrk="0" hangingPunct="1">
-              <a:spcBef>
-                <a:spcPts val="1000"/>
-              </a:spcBef>
-              <a:spcAft>
-                <a:spcPts val="0"/>
-              </a:spcAft>
-              <a:buClr>
-                <a:schemeClr val="bg2">
-                  <a:lumMod val="40000"/>
-                  <a:lumOff val="60000"/>
-                </a:schemeClr>
-              </a:buClr>
-              <a:buSzPct val="80000"/>
-              <a:buFont typeface="Wingdings 3" charset="2"/>
-              <a:buChar char=""/>
-              <a:defRPr sz="1400" b="0" i="0" kern="1200">
-                <a:solidFill>
-                  <a:schemeClr val="tx1"/>
-                </a:solidFill>
-                <a:latin typeface="+mj-lt"/>
-                <a:ea typeface="+mj-ea"/>
-                <a:cs typeface="+mj-cs"/>
-              </a:defRPr>
-            </a:lvl4pPr>
-            <a:lvl5pPr marL="2057400" indent="-228600" algn="l" defTabSz="457200" rtl="0" eaLnBrk="1" latinLnBrk="0" hangingPunct="1">
-              <a:spcBef>
-                <a:spcPts val="1000"/>
-              </a:spcBef>
-              <a:spcAft>
-                <a:spcPts val="0"/>
-              </a:spcAft>
-              <a:buClr>
-                <a:schemeClr val="bg2">
-                  <a:lumMod val="40000"/>
-                  <a:lumOff val="60000"/>
-                </a:schemeClr>
-              </a:buClr>
-              <a:buSzPct val="80000"/>
-              <a:buFont typeface="Wingdings 3" charset="2"/>
-              <a:buChar char=""/>
-              <a:defRPr sz="1400" b="0" i="0" kern="1200">
-                <a:solidFill>
-                  <a:schemeClr val="tx1"/>
-                </a:solidFill>
-                <a:latin typeface="+mj-lt"/>
-                <a:ea typeface="+mj-ea"/>
-                <a:cs typeface="+mj-cs"/>
-              </a:defRPr>
-            </a:lvl5pPr>
-            <a:lvl6pPr marL="2506000" indent="-228600" algn="l" defTabSz="457200" rtl="0" eaLnBrk="1" latinLnBrk="0" hangingPunct="1">
-              <a:spcBef>
-                <a:spcPts val="1000"/>
-              </a:spcBef>
-              <a:spcAft>
-                <a:spcPts val="0"/>
-              </a:spcAft>
-              <a:buClr>
-                <a:schemeClr val="bg2">
-                  <a:lumMod val="40000"/>
-                  <a:lumOff val="60000"/>
-                </a:schemeClr>
-              </a:buClr>
-              <a:buSzPct val="80000"/>
-              <a:buFont typeface="Wingdings 3" charset="2"/>
-              <a:buChar char=""/>
-              <a:defRPr sz="1400" b="0" i="0" kern="1200">
-                <a:solidFill>
-                  <a:schemeClr val="tx1"/>
-                </a:solidFill>
-                <a:latin typeface="+mj-lt"/>
-                <a:ea typeface="+mj-ea"/>
-                <a:cs typeface="+mj-cs"/>
-              </a:defRPr>
-            </a:lvl6pPr>
-            <a:lvl7pPr marL="2971800" indent="-228600" algn="l" defTabSz="457200" rtl="0" eaLnBrk="1" latinLnBrk="0" hangingPunct="1">
-              <a:spcBef>
-                <a:spcPts val="1000"/>
-              </a:spcBef>
-              <a:spcAft>
-                <a:spcPts val="0"/>
-              </a:spcAft>
-              <a:buClr>
-                <a:schemeClr val="bg2">
-                  <a:lumMod val="40000"/>
-                  <a:lumOff val="60000"/>
-                </a:schemeClr>
-              </a:buClr>
-              <a:buSzPct val="80000"/>
-              <a:buFont typeface="Wingdings 3" charset="2"/>
-              <a:buChar char=""/>
-              <a:defRPr sz="1400" b="0" i="0" kern="1200">
-                <a:solidFill>
-                  <a:schemeClr val="tx1"/>
-                </a:solidFill>
-                <a:latin typeface="+mj-lt"/>
-                <a:ea typeface="+mj-ea"/>
-                <a:cs typeface="+mj-cs"/>
-              </a:defRPr>
-            </a:lvl7pPr>
-            <a:lvl8pPr marL="3429000" indent="-228600" algn="l" defTabSz="457200" rtl="0" eaLnBrk="1" latinLnBrk="0" hangingPunct="1">
-              <a:spcBef>
-                <a:spcPts val="1000"/>
-              </a:spcBef>
-              <a:spcAft>
-                <a:spcPts val="0"/>
-              </a:spcAft>
-              <a:buClr>
-                <a:schemeClr val="bg2">
-                  <a:lumMod val="40000"/>
-                  <a:lumOff val="60000"/>
-                </a:schemeClr>
-              </a:buClr>
-              <a:buSzPct val="80000"/>
-              <a:buFont typeface="Wingdings 3" charset="2"/>
-              <a:buChar char=""/>
-              <a:defRPr sz="1400" b="0" i="0" kern="1200">
-                <a:solidFill>
-                  <a:schemeClr val="tx1"/>
-                </a:solidFill>
-                <a:latin typeface="+mj-lt"/>
-                <a:ea typeface="+mj-ea"/>
-                <a:cs typeface="+mj-cs"/>
-              </a:defRPr>
-            </a:lvl8pPr>
-            <a:lvl9pPr marL="3886200" indent="-228600" algn="l" defTabSz="457200" rtl="0" eaLnBrk="1" latinLnBrk="0" hangingPunct="1">
-              <a:spcBef>
-                <a:spcPts val="1000"/>
-              </a:spcBef>
-              <a:spcAft>
-                <a:spcPts val="0"/>
-              </a:spcAft>
-              <a:buClr>
-                <a:schemeClr val="bg2">
-                  <a:lumMod val="40000"/>
-                  <a:lumOff val="60000"/>
-                </a:schemeClr>
-              </a:buClr>
-              <a:buSzPct val="80000"/>
-              <a:buFont typeface="Wingdings 3" charset="2"/>
-              <a:buChar char=""/>
-              <a:defRPr sz="1400" b="0" i="0" kern="1200">
-                <a:solidFill>
-                  <a:schemeClr val="tx1"/>
-                </a:solidFill>
-                <a:latin typeface="+mj-lt"/>
-                <a:ea typeface="+mj-ea"/>
-                <a:cs typeface="+mj-cs"/>
-              </a:defRPr>
-            </a:lvl9pPr>
-          </a:lstStyle>
-          <a:p>
-            <a:pPr marL="0" indent="0" algn="ctr">
-              <a:spcBef>
-                <a:spcPts val="1200"/>
-              </a:spcBef>
-              <a:buNone/>
-            </a:pPr>
-            <a:r>
-              <a:rPr lang="en-GB" sz="2400" u="sng" dirty="0" err="1"/>
-              <a:t>MetaboAnalyst</a:t>
-            </a:r>
-            <a:endParaRPr lang="en-GB" sz="2400" u="sng" dirty="0"/>
-          </a:p>
-          <a:p>
-            <a:pPr marL="0" indent="0" algn="ctr">
-              <a:spcBef>
-                <a:spcPts val="1200"/>
-              </a:spcBef>
-              <a:buNone/>
-            </a:pPr>
-            <a:r>
-              <a:rPr lang="en-GB" sz="2400" dirty="0"/>
-              <a:t>KEGG (2019)</a:t>
-            </a:r>
-          </a:p>
-        </p:txBody>
-      </p:sp>
-      <p:sp>
-        <p:nvSpPr>
-          <p:cNvPr id="6" name="Content Placeholder 12">
-            <a:extLst>
-              <a:ext uri="{FF2B5EF4-FFF2-40B4-BE49-F238E27FC236}">
-                <a16:creationId xmlns:a16="http://schemas.microsoft.com/office/drawing/2014/main" id="{D13E02CB-71C6-4B76-97AA-A07EF94BC808}"/>
-              </a:ext>
-            </a:extLst>
-          </p:cNvPr>
-          <p:cNvSpPr txBox="1">
-            <a:spLocks/>
-          </p:cNvSpPr>
-          <p:nvPr/>
-        </p:nvSpPr>
-        <p:spPr>
-          <a:xfrm>
-            <a:off x="457198" y="3176234"/>
-            <a:ext cx="5638802" cy="3613082"/>
-          </a:xfrm>
-          <a:prstGeom prst="rect">
-            <a:avLst/>
-          </a:prstGeom>
-          <a:noFill/>
-          <a:ln>
-            <a:solidFill>
-              <a:schemeClr val="tx1">
-                <a:lumMod val="95000"/>
-              </a:schemeClr>
-            </a:solidFill>
-          </a:ln>
-        </p:spPr>
-        <p:txBody>
-          <a:bodyPr/>
-          <a:lstStyle>
-            <a:lvl1pPr marL="342900" indent="-342900" algn="l" defTabSz="457200" rtl="0" eaLnBrk="1" latinLnBrk="0" hangingPunct="1">
-              <a:spcBef>
-                <a:spcPts val="1000"/>
-              </a:spcBef>
-              <a:spcAft>
-                <a:spcPts val="0"/>
-              </a:spcAft>
-              <a:buClr>
-                <a:schemeClr val="bg2">
-                  <a:lumMod val="40000"/>
-                  <a:lumOff val="60000"/>
-                </a:schemeClr>
-              </a:buClr>
-              <a:buSzPct val="80000"/>
-              <a:buFont typeface="Wingdings 3" charset="2"/>
-              <a:buChar char=""/>
-              <a:defRPr sz="2000" b="0" i="0" kern="1200">
-                <a:solidFill>
-                  <a:schemeClr val="tx1"/>
-                </a:solidFill>
-                <a:latin typeface="+mj-lt"/>
-                <a:ea typeface="+mj-ea"/>
-                <a:cs typeface="+mj-cs"/>
-              </a:defRPr>
-            </a:lvl1pPr>
-            <a:lvl2pPr marL="742950" indent="-285750" algn="l" defTabSz="457200" rtl="0" eaLnBrk="1" latinLnBrk="0" hangingPunct="1">
-              <a:spcBef>
-                <a:spcPts val="1000"/>
-              </a:spcBef>
-              <a:spcAft>
-                <a:spcPts val="0"/>
-              </a:spcAft>
-              <a:buClr>
-                <a:schemeClr val="bg2">
-                  <a:lumMod val="40000"/>
-                  <a:lumOff val="60000"/>
-                </a:schemeClr>
-              </a:buClr>
-              <a:buSzPct val="80000"/>
-              <a:buFont typeface="Wingdings 3" charset="2"/>
-              <a:buChar char=""/>
-              <a:defRPr sz="1800" b="0" i="0" kern="1200">
-                <a:solidFill>
-                  <a:schemeClr val="tx1"/>
-                </a:solidFill>
-                <a:latin typeface="+mj-lt"/>
-                <a:ea typeface="+mj-ea"/>
-                <a:cs typeface="+mj-cs"/>
-              </a:defRPr>
-            </a:lvl2pPr>
-            <a:lvl3pPr marL="1143000" indent="-228600" algn="l" defTabSz="457200" rtl="0" eaLnBrk="1" latinLnBrk="0" hangingPunct="1">
-              <a:spcBef>
-                <a:spcPts val="1000"/>
-              </a:spcBef>
-              <a:spcAft>
-                <a:spcPts val="0"/>
-              </a:spcAft>
-              <a:buClr>
-                <a:schemeClr val="bg2">
-                  <a:lumMod val="40000"/>
-                  <a:lumOff val="60000"/>
-                </a:schemeClr>
-              </a:buClr>
-              <a:buSzPct val="80000"/>
-              <a:buFont typeface="Wingdings 3" charset="2"/>
-              <a:buChar char=""/>
-              <a:defRPr sz="1600" b="0" i="0" kern="1200">
-                <a:solidFill>
-                  <a:schemeClr val="tx1"/>
-                </a:solidFill>
-                <a:latin typeface="+mj-lt"/>
-                <a:ea typeface="+mj-ea"/>
-                <a:cs typeface="+mj-cs"/>
-              </a:defRPr>
-            </a:lvl3pPr>
-            <a:lvl4pPr marL="1600200" indent="-228600" algn="l" defTabSz="457200" rtl="0" eaLnBrk="1" latinLnBrk="0" hangingPunct="1">
-              <a:spcBef>
-                <a:spcPts val="1000"/>
-              </a:spcBef>
-              <a:spcAft>
-                <a:spcPts val="0"/>
-              </a:spcAft>
-              <a:buClr>
-                <a:schemeClr val="bg2">
-                  <a:lumMod val="40000"/>
-                  <a:lumOff val="60000"/>
-                </a:schemeClr>
-              </a:buClr>
-              <a:buSzPct val="80000"/>
-              <a:buFont typeface="Wingdings 3" charset="2"/>
-              <a:buChar char=""/>
-              <a:defRPr sz="1400" b="0" i="0" kern="1200">
-                <a:solidFill>
-                  <a:schemeClr val="tx1"/>
-                </a:solidFill>
-                <a:latin typeface="+mj-lt"/>
-                <a:ea typeface="+mj-ea"/>
-                <a:cs typeface="+mj-cs"/>
-              </a:defRPr>
-            </a:lvl4pPr>
-            <a:lvl5pPr marL="2057400" indent="-228600" algn="l" defTabSz="457200" rtl="0" eaLnBrk="1" latinLnBrk="0" hangingPunct="1">
-              <a:spcBef>
-                <a:spcPts val="1000"/>
-              </a:spcBef>
-              <a:spcAft>
-                <a:spcPts val="0"/>
-              </a:spcAft>
-              <a:buClr>
-                <a:schemeClr val="bg2">
-                  <a:lumMod val="40000"/>
-                  <a:lumOff val="60000"/>
-                </a:schemeClr>
-              </a:buClr>
-              <a:buSzPct val="80000"/>
-              <a:buFont typeface="Wingdings 3" charset="2"/>
-              <a:buChar char=""/>
-              <a:defRPr sz="1400" b="0" i="0" kern="1200">
-                <a:solidFill>
-                  <a:schemeClr val="tx1"/>
-                </a:solidFill>
-                <a:latin typeface="+mj-lt"/>
-                <a:ea typeface="+mj-ea"/>
-                <a:cs typeface="+mj-cs"/>
-              </a:defRPr>
-            </a:lvl5pPr>
-            <a:lvl6pPr marL="2506000" indent="-228600" algn="l" defTabSz="457200" rtl="0" eaLnBrk="1" latinLnBrk="0" hangingPunct="1">
-              <a:spcBef>
-                <a:spcPts val="1000"/>
-              </a:spcBef>
-              <a:spcAft>
-                <a:spcPts val="0"/>
-              </a:spcAft>
-              <a:buClr>
-                <a:schemeClr val="bg2">
-                  <a:lumMod val="40000"/>
-                  <a:lumOff val="60000"/>
-                </a:schemeClr>
-              </a:buClr>
-              <a:buSzPct val="80000"/>
-              <a:buFont typeface="Wingdings 3" charset="2"/>
-              <a:buChar char=""/>
-              <a:defRPr sz="1400" b="0" i="0" kern="1200">
-                <a:solidFill>
-                  <a:schemeClr val="tx1"/>
-                </a:solidFill>
-                <a:latin typeface="+mj-lt"/>
-                <a:ea typeface="+mj-ea"/>
-                <a:cs typeface="+mj-cs"/>
-              </a:defRPr>
-            </a:lvl6pPr>
-            <a:lvl7pPr marL="2971800" indent="-228600" algn="l" defTabSz="457200" rtl="0" eaLnBrk="1" latinLnBrk="0" hangingPunct="1">
-              <a:spcBef>
-                <a:spcPts val="1000"/>
-              </a:spcBef>
-              <a:spcAft>
-                <a:spcPts val="0"/>
-              </a:spcAft>
-              <a:buClr>
-                <a:schemeClr val="bg2">
-                  <a:lumMod val="40000"/>
-                  <a:lumOff val="60000"/>
-                </a:schemeClr>
-              </a:buClr>
-              <a:buSzPct val="80000"/>
-              <a:buFont typeface="Wingdings 3" charset="2"/>
-              <a:buChar char=""/>
-              <a:defRPr sz="1400" b="0" i="0" kern="1200">
-                <a:solidFill>
-                  <a:schemeClr val="tx1"/>
-                </a:solidFill>
-                <a:latin typeface="+mj-lt"/>
-                <a:ea typeface="+mj-ea"/>
-                <a:cs typeface="+mj-cs"/>
-              </a:defRPr>
-            </a:lvl7pPr>
-            <a:lvl8pPr marL="3429000" indent="-228600" algn="l" defTabSz="457200" rtl="0" eaLnBrk="1" latinLnBrk="0" hangingPunct="1">
-              <a:spcBef>
-                <a:spcPts val="1000"/>
-              </a:spcBef>
-              <a:spcAft>
-                <a:spcPts val="0"/>
-              </a:spcAft>
-              <a:buClr>
-                <a:schemeClr val="bg2">
-                  <a:lumMod val="40000"/>
-                  <a:lumOff val="60000"/>
-                </a:schemeClr>
-              </a:buClr>
-              <a:buSzPct val="80000"/>
-              <a:buFont typeface="Wingdings 3" charset="2"/>
-              <a:buChar char=""/>
-              <a:defRPr sz="1400" b="0" i="0" kern="1200">
-                <a:solidFill>
-                  <a:schemeClr val="tx1"/>
-                </a:solidFill>
-                <a:latin typeface="+mj-lt"/>
-                <a:ea typeface="+mj-ea"/>
-                <a:cs typeface="+mj-cs"/>
-              </a:defRPr>
-            </a:lvl8pPr>
-            <a:lvl9pPr marL="3886200" indent="-228600" algn="l" defTabSz="457200" rtl="0" eaLnBrk="1" latinLnBrk="0" hangingPunct="1">
-              <a:spcBef>
-                <a:spcPts val="1000"/>
-              </a:spcBef>
-              <a:spcAft>
-                <a:spcPts val="0"/>
-              </a:spcAft>
-              <a:buClr>
-                <a:schemeClr val="bg2">
-                  <a:lumMod val="40000"/>
-                  <a:lumOff val="60000"/>
-                </a:schemeClr>
-              </a:buClr>
-              <a:buSzPct val="80000"/>
-              <a:buFont typeface="Wingdings 3" charset="2"/>
-              <a:buChar char=""/>
-              <a:defRPr sz="1400" b="0" i="0" kern="1200">
-                <a:solidFill>
-                  <a:schemeClr val="tx1"/>
-                </a:solidFill>
-                <a:latin typeface="+mj-lt"/>
-                <a:ea typeface="+mj-ea"/>
-                <a:cs typeface="+mj-cs"/>
-              </a:defRPr>
-            </a:lvl9pPr>
-          </a:lstStyle>
-          <a:p>
-            <a:pPr marL="0" indent="0">
-              <a:spcBef>
-                <a:spcPts val="600"/>
-              </a:spcBef>
-              <a:buNone/>
-            </a:pPr>
-            <a:endParaRPr lang="en-GB" sz="1900" dirty="0">
-              <a:solidFill>
-                <a:schemeClr val="tx1">
-                  <a:lumMod val="95000"/>
-                </a:schemeClr>
-              </a:solidFill>
-            </a:endParaRPr>
-          </a:p>
-        </p:txBody>
-      </p:sp>
-      <p:sp>
-        <p:nvSpPr>
-          <p:cNvPr id="9" name="Content Placeholder 12">
-            <a:extLst>
-              <a:ext uri="{FF2B5EF4-FFF2-40B4-BE49-F238E27FC236}">
-                <a16:creationId xmlns:a16="http://schemas.microsoft.com/office/drawing/2014/main" id="{1C2289D7-09FC-40D0-967B-7AB9160BE059}"/>
-              </a:ext>
-            </a:extLst>
-          </p:cNvPr>
-          <p:cNvSpPr txBox="1">
-            <a:spLocks/>
-          </p:cNvSpPr>
-          <p:nvPr/>
-        </p:nvSpPr>
-        <p:spPr>
-          <a:xfrm>
-            <a:off x="6214533" y="3176232"/>
-            <a:ext cx="5520268" cy="3613082"/>
-          </a:xfrm>
-          <a:prstGeom prst="rect">
-            <a:avLst/>
-          </a:prstGeom>
-          <a:noFill/>
-          <a:ln>
-            <a:solidFill>
-              <a:schemeClr val="tx1">
-                <a:lumMod val="95000"/>
-              </a:schemeClr>
-            </a:solidFill>
-          </a:ln>
-        </p:spPr>
-        <p:txBody>
-          <a:bodyPr vert="horz" lIns="91440" tIns="45720" rIns="91440" bIns="45720" rtlCol="0">
-            <a:normAutofit/>
-          </a:bodyPr>
-          <a:lstStyle>
-            <a:lvl1pPr marL="342900" indent="-342900" algn="l" defTabSz="457200" rtl="0" eaLnBrk="1" latinLnBrk="0" hangingPunct="1">
-              <a:spcBef>
-                <a:spcPts val="1000"/>
-              </a:spcBef>
-              <a:spcAft>
-                <a:spcPts val="0"/>
-              </a:spcAft>
-              <a:buClr>
-                <a:schemeClr val="bg2">
-                  <a:lumMod val="40000"/>
-                  <a:lumOff val="60000"/>
-                </a:schemeClr>
-              </a:buClr>
-              <a:buSzPct val="80000"/>
-              <a:buFont typeface="Wingdings 3" charset="2"/>
-              <a:buChar char=""/>
-              <a:defRPr sz="1800" b="0" i="0" kern="1200">
-                <a:solidFill>
-                  <a:schemeClr val="tx1"/>
-                </a:solidFill>
-                <a:latin typeface="+mj-lt"/>
-                <a:ea typeface="+mj-ea"/>
-                <a:cs typeface="+mj-cs"/>
-              </a:defRPr>
-            </a:lvl1pPr>
-            <a:lvl2pPr marL="742950" indent="-285750" algn="l" defTabSz="457200" rtl="0" eaLnBrk="1" latinLnBrk="0" hangingPunct="1">
-              <a:spcBef>
-                <a:spcPts val="1000"/>
-              </a:spcBef>
-              <a:spcAft>
-                <a:spcPts val="0"/>
-              </a:spcAft>
-              <a:buClr>
-                <a:schemeClr val="bg2">
-                  <a:lumMod val="40000"/>
-                  <a:lumOff val="60000"/>
-                </a:schemeClr>
-              </a:buClr>
-              <a:buSzPct val="80000"/>
-              <a:buFont typeface="Wingdings 3" charset="2"/>
-              <a:buChar char=""/>
-              <a:defRPr sz="1600" b="0" i="0" kern="1200">
-                <a:solidFill>
-                  <a:schemeClr val="tx1"/>
-                </a:solidFill>
-                <a:latin typeface="+mj-lt"/>
-                <a:ea typeface="+mj-ea"/>
-                <a:cs typeface="+mj-cs"/>
-              </a:defRPr>
-            </a:lvl2pPr>
-            <a:lvl3pPr marL="1143000" indent="-228600" algn="l" defTabSz="457200" rtl="0" eaLnBrk="1" latinLnBrk="0" hangingPunct="1">
-              <a:spcBef>
-                <a:spcPts val="1000"/>
-              </a:spcBef>
-              <a:spcAft>
-                <a:spcPts val="0"/>
-              </a:spcAft>
-              <a:buClr>
-                <a:schemeClr val="bg2">
-                  <a:lumMod val="40000"/>
-                  <a:lumOff val="60000"/>
-                </a:schemeClr>
-              </a:buClr>
-              <a:buSzPct val="80000"/>
-              <a:buFont typeface="Wingdings 3" charset="2"/>
-              <a:buChar char=""/>
-              <a:defRPr sz="1400" b="0" i="0" kern="1200">
-                <a:solidFill>
-                  <a:schemeClr val="tx1"/>
-                </a:solidFill>
-                <a:latin typeface="+mj-lt"/>
-                <a:ea typeface="+mj-ea"/>
-                <a:cs typeface="+mj-cs"/>
-              </a:defRPr>
-            </a:lvl3pPr>
-            <a:lvl4pPr marL="1600200" indent="-228600" algn="l" defTabSz="457200" rtl="0" eaLnBrk="1" latinLnBrk="0" hangingPunct="1">
-              <a:spcBef>
-                <a:spcPts val="1000"/>
-              </a:spcBef>
-              <a:spcAft>
-                <a:spcPts val="0"/>
-              </a:spcAft>
-              <a:buClr>
-                <a:schemeClr val="bg2">
-                  <a:lumMod val="40000"/>
-                  <a:lumOff val="60000"/>
-                </a:schemeClr>
-              </a:buClr>
-              <a:buSzPct val="80000"/>
-              <a:buFont typeface="Wingdings 3" charset="2"/>
-              <a:buChar char=""/>
-              <a:defRPr sz="1200" b="0" i="0" kern="1200">
-                <a:solidFill>
-                  <a:schemeClr val="tx1"/>
-                </a:solidFill>
-                <a:latin typeface="+mj-lt"/>
-                <a:ea typeface="+mj-ea"/>
-                <a:cs typeface="+mj-cs"/>
-              </a:defRPr>
-            </a:lvl4pPr>
-            <a:lvl5pPr marL="2057400" indent="-228600" algn="l" defTabSz="457200" rtl="0" eaLnBrk="1" latinLnBrk="0" hangingPunct="1">
-              <a:spcBef>
-                <a:spcPts val="1000"/>
-              </a:spcBef>
-              <a:spcAft>
-                <a:spcPts val="0"/>
-              </a:spcAft>
-              <a:buClr>
-                <a:schemeClr val="bg2">
-                  <a:lumMod val="40000"/>
-                  <a:lumOff val="60000"/>
-                </a:schemeClr>
-              </a:buClr>
-              <a:buSzPct val="80000"/>
-              <a:buFont typeface="Wingdings 3" charset="2"/>
-              <a:buChar char=""/>
-              <a:defRPr sz="1200" b="0" i="0" kern="1200">
-                <a:solidFill>
-                  <a:schemeClr val="tx1"/>
-                </a:solidFill>
-                <a:latin typeface="+mj-lt"/>
-                <a:ea typeface="+mj-ea"/>
-                <a:cs typeface="+mj-cs"/>
-              </a:defRPr>
-            </a:lvl5pPr>
-            <a:lvl6pPr marL="2506000" indent="-228600" algn="l" defTabSz="457200" rtl="0" eaLnBrk="1" latinLnBrk="0" hangingPunct="1">
-              <a:spcBef>
-                <a:spcPts val="1000"/>
-              </a:spcBef>
-              <a:spcAft>
-                <a:spcPts val="0"/>
-              </a:spcAft>
-              <a:buClr>
-                <a:schemeClr val="bg2">
-                  <a:lumMod val="40000"/>
-                  <a:lumOff val="60000"/>
-                </a:schemeClr>
-              </a:buClr>
-              <a:buSzPct val="80000"/>
-              <a:buFont typeface="Wingdings 3" charset="2"/>
-              <a:buChar char=""/>
-              <a:defRPr sz="1200" b="0" i="0" kern="1200">
-                <a:solidFill>
-                  <a:schemeClr val="tx1"/>
-                </a:solidFill>
-                <a:latin typeface="+mj-lt"/>
-                <a:ea typeface="+mj-ea"/>
-                <a:cs typeface="+mj-cs"/>
-              </a:defRPr>
-            </a:lvl6pPr>
-            <a:lvl7pPr marL="2971800" indent="-228600" algn="l" defTabSz="457200" rtl="0" eaLnBrk="1" latinLnBrk="0" hangingPunct="1">
-              <a:spcBef>
-                <a:spcPts val="1000"/>
-              </a:spcBef>
-              <a:spcAft>
-                <a:spcPts val="0"/>
-              </a:spcAft>
-              <a:buClr>
-                <a:schemeClr val="bg2">
-                  <a:lumMod val="40000"/>
-                  <a:lumOff val="60000"/>
-                </a:schemeClr>
-              </a:buClr>
-              <a:buSzPct val="80000"/>
-              <a:buFont typeface="Wingdings 3" charset="2"/>
-              <a:buChar char=""/>
-              <a:defRPr sz="1200" b="0" i="0" kern="1200">
-                <a:solidFill>
-                  <a:schemeClr val="tx1"/>
-                </a:solidFill>
-                <a:latin typeface="+mj-lt"/>
-                <a:ea typeface="+mj-ea"/>
-                <a:cs typeface="+mj-cs"/>
-              </a:defRPr>
-            </a:lvl7pPr>
-            <a:lvl8pPr marL="3429000" indent="-228600" algn="l" defTabSz="457200" rtl="0" eaLnBrk="1" latinLnBrk="0" hangingPunct="1">
-              <a:spcBef>
-                <a:spcPts val="1000"/>
-              </a:spcBef>
-              <a:spcAft>
-                <a:spcPts val="0"/>
-              </a:spcAft>
-              <a:buClr>
-                <a:schemeClr val="bg2">
-                  <a:lumMod val="40000"/>
-                  <a:lumOff val="60000"/>
-                </a:schemeClr>
-              </a:buClr>
-              <a:buSzPct val="80000"/>
-              <a:buFont typeface="Wingdings 3" charset="2"/>
-              <a:buChar char=""/>
-              <a:defRPr sz="1200" b="0" i="0" kern="1200">
-                <a:solidFill>
-                  <a:schemeClr val="tx1"/>
-                </a:solidFill>
-                <a:latin typeface="+mj-lt"/>
-                <a:ea typeface="+mj-ea"/>
-                <a:cs typeface="+mj-cs"/>
-              </a:defRPr>
-            </a:lvl8pPr>
-            <a:lvl9pPr marL="3886200" indent="-228600" algn="l" defTabSz="457200" rtl="0" eaLnBrk="1" latinLnBrk="0" hangingPunct="1">
-              <a:spcBef>
-                <a:spcPts val="1000"/>
-              </a:spcBef>
-              <a:spcAft>
-                <a:spcPts val="0"/>
-              </a:spcAft>
-              <a:buClr>
-                <a:schemeClr val="bg2">
-                  <a:lumMod val="40000"/>
-                  <a:lumOff val="60000"/>
-                </a:schemeClr>
-              </a:buClr>
-              <a:buSzPct val="80000"/>
-              <a:buFont typeface="Wingdings 3" charset="2"/>
-              <a:buChar char=""/>
-              <a:defRPr sz="1200" b="0" i="0" kern="1200">
-                <a:solidFill>
-                  <a:schemeClr val="tx1"/>
-                </a:solidFill>
-                <a:latin typeface="+mj-lt"/>
-                <a:ea typeface="+mj-ea"/>
-                <a:cs typeface="+mj-cs"/>
-              </a:defRPr>
-            </a:lvl9pPr>
-          </a:lstStyle>
-          <a:p>
-            <a:pPr marL="0" indent="0">
-              <a:buNone/>
-            </a:pPr>
-            <a:endParaRPr lang="en-GB" dirty="0">
-              <a:solidFill>
-                <a:schemeClr val="tx1">
-                  <a:lumMod val="95000"/>
-                </a:schemeClr>
-              </a:solidFill>
-            </a:endParaRPr>
-          </a:p>
-        </p:txBody>
-      </p:sp>
-      <p:graphicFrame>
-        <p:nvGraphicFramePr>
-          <p:cNvPr id="14" name="Table 14">
-            <a:extLst>
-              <a:ext uri="{FF2B5EF4-FFF2-40B4-BE49-F238E27FC236}">
-                <a16:creationId xmlns:a16="http://schemas.microsoft.com/office/drawing/2014/main" id="{E667E17F-DAAE-46CF-9029-5495AB198ECF}"/>
-              </a:ext>
-            </a:extLst>
-          </p:cNvPr>
-          <p:cNvGraphicFramePr>
-            <a:graphicFrameLocks noGrp="1"/>
-          </p:cNvGraphicFramePr>
-          <p:nvPr>
-            <p:extLst>
-              <p:ext uri="{D42A27DB-BD31-4B8C-83A1-F6EECF244321}">
-                <p14:modId xmlns:p14="http://schemas.microsoft.com/office/powerpoint/2010/main" val="3624083042"/>
-              </p:ext>
-            </p:extLst>
-          </p:nvPr>
-        </p:nvGraphicFramePr>
-        <p:xfrm>
-          <a:off x="457199" y="3149600"/>
-          <a:ext cx="5638803" cy="3651416"/>
-        </p:xfrm>
-        <a:graphic>
-          <a:graphicData uri="http://schemas.openxmlformats.org/drawingml/2006/table">
-            <a:tbl>
-              <a:tblPr firstRow="1" bandRow="1">
-                <a:tableStyleId>{5C22544A-7EE6-4342-B048-85BDC9FD1C3A}</a:tableStyleId>
-              </a:tblPr>
-              <a:tblGrid>
-                <a:gridCol w="2594226">
-                  <a:extLst>
-                    <a:ext uri="{9D8B030D-6E8A-4147-A177-3AD203B41FA5}">
-                      <a16:colId xmlns:a16="http://schemas.microsoft.com/office/drawing/2014/main" val="2785728019"/>
-                    </a:ext>
-                  </a:extLst>
-                </a:gridCol>
-                <a:gridCol w="1993186">
-                  <a:extLst>
-                    <a:ext uri="{9D8B030D-6E8A-4147-A177-3AD203B41FA5}">
-                      <a16:colId xmlns:a16="http://schemas.microsoft.com/office/drawing/2014/main" val="809167093"/>
-                    </a:ext>
-                  </a:extLst>
-                </a:gridCol>
-                <a:gridCol w="1051391">
-                  <a:extLst>
-                    <a:ext uri="{9D8B030D-6E8A-4147-A177-3AD203B41FA5}">
-                      <a16:colId xmlns:a16="http://schemas.microsoft.com/office/drawing/2014/main" val="4147685562"/>
-                    </a:ext>
-                  </a:extLst>
-                </a:gridCol>
-              </a:tblGrid>
-              <a:tr h="390387">
-                <a:tc>
-                  <a:txBody>
-                    <a:bodyPr/>
-                    <a:lstStyle/>
-                    <a:p>
-                      <a:pPr algn="ctr" rtl="0" fontAlgn="t">
-                        <a:spcBef>
-                          <a:spcPts val="0"/>
-                        </a:spcBef>
-                        <a:spcAft>
-                          <a:spcPts val="0"/>
-                        </a:spcAft>
-                      </a:pPr>
-                      <a:r>
-                        <a:rPr lang="en-GB" dirty="0">
-                          <a:effectLst/>
-                        </a:rPr>
-                        <a:t>Pathway </a:t>
-                      </a:r>
-                    </a:p>
-                  </a:txBody>
-                  <a:tcPr marL="63500" marR="63500" marT="63500" marB="63500"/>
-                </a:tc>
-                <a:tc>
-                  <a:txBody>
-                    <a:bodyPr/>
-                    <a:lstStyle/>
-                    <a:p>
-                      <a:pPr algn="ctr"/>
-                      <a:r>
-                        <a:rPr lang="en-GB" dirty="0"/>
-                        <a:t>Hits</a:t>
-                      </a:r>
-                    </a:p>
-                  </a:txBody>
-                  <a:tcPr/>
-                </a:tc>
-                <a:tc>
-                  <a:txBody>
-                    <a:bodyPr/>
-                    <a:lstStyle/>
-                    <a:p>
-                      <a:pPr algn="ctr"/>
-                      <a:r>
-                        <a:rPr lang="en-GB" dirty="0" err="1"/>
-                        <a:t>logFC</a:t>
-                      </a:r>
-                      <a:endParaRPr lang="en-GB" dirty="0"/>
-                    </a:p>
-                  </a:txBody>
-                  <a:tcPr/>
-                </a:tc>
-                <a:extLst>
-                  <a:ext uri="{0D108BD9-81ED-4DB2-BD59-A6C34878D82A}">
-                    <a16:rowId xmlns:a16="http://schemas.microsoft.com/office/drawing/2014/main" val="3619875308"/>
-                  </a:ext>
-                </a:extLst>
-              </a:tr>
-              <a:tr h="355796">
-                <a:tc>
-                  <a:txBody>
-                    <a:bodyPr/>
-                    <a:lstStyle/>
-                    <a:p>
-                      <a:r>
-                        <a:rPr lang="en-GB" dirty="0"/>
-                        <a:t>IL-1 signalling</a:t>
-                      </a:r>
-                    </a:p>
-                  </a:txBody>
-                  <a:tcPr/>
-                </a:tc>
-                <a:tc>
-                  <a:txBody>
-                    <a:bodyPr/>
-                    <a:lstStyle/>
-                    <a:p>
-                      <a:r>
-                        <a:rPr lang="en-GB" dirty="0"/>
-                        <a:t>IL1RAP</a:t>
-                      </a:r>
-                    </a:p>
-                  </a:txBody>
-                  <a:tcPr/>
-                </a:tc>
-                <a:tc>
-                  <a:txBody>
-                    <a:bodyPr/>
-                    <a:lstStyle/>
-                    <a:p>
-                      <a:r>
-                        <a:rPr lang="en-GB" dirty="0"/>
-                        <a:t>-0.302</a:t>
-                      </a:r>
-                    </a:p>
-                  </a:txBody>
-                  <a:tcPr/>
-                </a:tc>
-                <a:extLst>
-                  <a:ext uri="{0D108BD9-81ED-4DB2-BD59-A6C34878D82A}">
-                    <a16:rowId xmlns:a16="http://schemas.microsoft.com/office/drawing/2014/main" val="2186375186"/>
-                  </a:ext>
-                </a:extLst>
-              </a:tr>
-              <a:tr h="644347">
-                <a:tc>
-                  <a:txBody>
-                    <a:bodyPr/>
-                    <a:lstStyle/>
-                    <a:p>
-                      <a:r>
-                        <a:rPr lang="en-GB" dirty="0"/>
-                        <a:t>Signal transduction through IL1R</a:t>
-                      </a:r>
-                    </a:p>
-                  </a:txBody>
-                  <a:tcPr/>
-                </a:tc>
-                <a:tc>
-                  <a:txBody>
-                    <a:bodyPr/>
-                    <a:lstStyle/>
-                    <a:p>
-                      <a:r>
-                        <a:rPr lang="en-GB" dirty="0"/>
-                        <a:t>IL1RAP</a:t>
-                      </a:r>
-                    </a:p>
-                  </a:txBody>
-                  <a:tcPr/>
-                </a:tc>
-                <a:tc>
-                  <a:txBody>
-                    <a:bodyPr/>
-                    <a:lstStyle/>
-                    <a:p>
-                      <a:r>
-                        <a:rPr lang="en-GB" dirty="0"/>
-                        <a:t>-0.302</a:t>
-                      </a:r>
-                    </a:p>
-                  </a:txBody>
-                  <a:tcPr/>
-                </a:tc>
-                <a:extLst>
-                  <a:ext uri="{0D108BD9-81ED-4DB2-BD59-A6C34878D82A}">
-                    <a16:rowId xmlns:a16="http://schemas.microsoft.com/office/drawing/2014/main" val="121303743"/>
-                  </a:ext>
-                </a:extLst>
-              </a:tr>
-              <a:tr h="622643">
-                <a:tc>
-                  <a:txBody>
-                    <a:bodyPr/>
-                    <a:lstStyle/>
-                    <a:p>
-                      <a:r>
-                        <a:rPr lang="en-GB" sz="1800" b="0" i="0" u="none" strike="noStrike" kern="1200" dirty="0">
-                          <a:solidFill>
-                            <a:schemeClr val="dk1"/>
-                          </a:solidFill>
-                          <a:effectLst/>
-                          <a:latin typeface="+mn-lt"/>
-                          <a:ea typeface="+mn-ea"/>
-                          <a:cs typeface="+mn-cs"/>
-                        </a:rPr>
-                        <a:t>Sphingolipid pathway</a:t>
-                      </a:r>
-                      <a:endParaRPr lang="en-GB" dirty="0"/>
-                    </a:p>
-                  </a:txBody>
-                  <a:tcPr/>
-                </a:tc>
-                <a:tc>
-                  <a:txBody>
-                    <a:bodyPr/>
-                    <a:lstStyle/>
-                    <a:p>
-                      <a:r>
-                        <a:rPr lang="en-GB" sz="1800" b="0" i="0" u="none" strike="noStrike" kern="1200" dirty="0">
-                          <a:solidFill>
-                            <a:schemeClr val="dk1"/>
-                          </a:solidFill>
-                          <a:effectLst/>
-                          <a:latin typeface="+mn-lt"/>
-                          <a:ea typeface="+mn-ea"/>
-                          <a:cs typeface="+mn-cs"/>
-                        </a:rPr>
-                        <a:t>Dihydro-sphingosine</a:t>
-                      </a:r>
-                      <a:endParaRPr lang="en-GB" dirty="0"/>
-                    </a:p>
-                  </a:txBody>
-                  <a:tcPr/>
-                </a:tc>
-                <a:tc>
-                  <a:txBody>
-                    <a:bodyPr/>
-                    <a:lstStyle/>
-                    <a:p>
-                      <a:r>
-                        <a:rPr lang="en-GB" dirty="0"/>
-                        <a:t>-0.155</a:t>
-                      </a:r>
-                    </a:p>
-                  </a:txBody>
-                  <a:tcPr/>
-                </a:tc>
-                <a:extLst>
-                  <a:ext uri="{0D108BD9-81ED-4DB2-BD59-A6C34878D82A}">
-                    <a16:rowId xmlns:a16="http://schemas.microsoft.com/office/drawing/2014/main" val="3175634301"/>
-                  </a:ext>
-                </a:extLst>
-              </a:tr>
-              <a:tr h="782369">
-                <a:tc>
-                  <a:txBody>
-                    <a:bodyPr/>
-                    <a:lstStyle/>
-                    <a:p>
-                      <a:r>
-                        <a:rPr lang="en-GB" dirty="0"/>
-                        <a:t>PPAR alpha pathway</a:t>
-                      </a:r>
-                    </a:p>
-                  </a:txBody>
-                  <a:tcPr/>
-                </a:tc>
-                <a:tc>
-                  <a:txBody>
-                    <a:bodyPr/>
-                    <a:lstStyle/>
-                    <a:p>
-                      <a:r>
-                        <a:rPr lang="en-GB" dirty="0"/>
-                        <a:t>APOA1</a:t>
-                      </a:r>
-                    </a:p>
-                    <a:p>
-                      <a:r>
-                        <a:rPr lang="en-GB" dirty="0"/>
-                        <a:t>PLTP</a:t>
-                      </a:r>
-                    </a:p>
-                  </a:txBody>
-                  <a:tcPr/>
-                </a:tc>
-                <a:tc>
-                  <a:txBody>
-                    <a:bodyPr/>
-                    <a:lstStyle/>
-                    <a:p>
-                      <a:r>
-                        <a:rPr lang="en-GB" dirty="0"/>
-                        <a:t>-0.301</a:t>
-                      </a:r>
-                    </a:p>
-                    <a:p>
-                      <a:r>
-                        <a:rPr lang="en-GB" dirty="0"/>
-                        <a:t>-0.458</a:t>
-                      </a:r>
-                    </a:p>
-                  </a:txBody>
-                  <a:tcPr/>
-                </a:tc>
-                <a:extLst>
-                  <a:ext uri="{0D108BD9-81ED-4DB2-BD59-A6C34878D82A}">
-                    <a16:rowId xmlns:a16="http://schemas.microsoft.com/office/drawing/2014/main" val="361112695"/>
-                  </a:ext>
-                </a:extLst>
-              </a:tr>
-              <a:tr h="817540">
-                <a:tc>
-                  <a:txBody>
-                    <a:bodyPr/>
-                    <a:lstStyle/>
-                    <a:p>
-                      <a:r>
-                        <a:rPr lang="en-GB" sz="1800" b="0" i="0" u="none" strike="noStrike" kern="1200" dirty="0">
-                          <a:solidFill>
-                            <a:schemeClr val="dk1"/>
-                          </a:solidFill>
-                          <a:effectLst/>
-                          <a:latin typeface="+mn-lt"/>
-                          <a:ea typeface="+mn-ea"/>
-                          <a:cs typeface="+mn-cs"/>
-                        </a:rPr>
-                        <a:t>Glutathione metabolism</a:t>
-                      </a:r>
-                      <a:endParaRPr lang="en-GB" dirty="0"/>
-                    </a:p>
-                  </a:txBody>
-                  <a:tcPr/>
-                </a:tc>
-                <a:tc>
-                  <a:txBody>
-                    <a:bodyPr/>
-                    <a:lstStyle/>
-                    <a:p>
-                      <a:r>
-                        <a:rPr lang="en-GB" dirty="0"/>
-                        <a:t>L-Glutamate</a:t>
-                      </a:r>
-                    </a:p>
-                    <a:p>
-                      <a:r>
-                        <a:rPr lang="en-GB" dirty="0"/>
-                        <a:t>5-Oxoproline</a:t>
-                      </a:r>
-                    </a:p>
-                  </a:txBody>
-                  <a:tcPr/>
-                </a:tc>
-                <a:tc>
-                  <a:txBody>
-                    <a:bodyPr/>
-                    <a:lstStyle/>
-                    <a:p>
-                      <a:r>
-                        <a:rPr lang="en-GB" dirty="0"/>
-                        <a:t>0.288</a:t>
-                      </a:r>
-                    </a:p>
-                    <a:p>
-                      <a:r>
-                        <a:rPr lang="en-GB" dirty="0"/>
-                        <a:t>0.157</a:t>
-                      </a:r>
-                    </a:p>
-                  </a:txBody>
-                  <a:tcPr/>
-                </a:tc>
-                <a:extLst>
-                  <a:ext uri="{0D108BD9-81ED-4DB2-BD59-A6C34878D82A}">
-                    <a16:rowId xmlns:a16="http://schemas.microsoft.com/office/drawing/2014/main" val="3896596245"/>
-                  </a:ext>
-                </a:extLst>
-              </a:tr>
-            </a:tbl>
-          </a:graphicData>
-        </a:graphic>
-      </p:graphicFrame>
-      <p:graphicFrame>
-        <p:nvGraphicFramePr>
-          <p:cNvPr id="16" name="Table 14">
-            <a:extLst>
-              <a:ext uri="{FF2B5EF4-FFF2-40B4-BE49-F238E27FC236}">
-                <a16:creationId xmlns:a16="http://schemas.microsoft.com/office/drawing/2014/main" id="{0D5395EF-13BA-4DD2-9C1D-BA206F5BE307}"/>
-              </a:ext>
-            </a:extLst>
-          </p:cNvPr>
-          <p:cNvGraphicFramePr>
-            <a:graphicFrameLocks noGrp="1"/>
-          </p:cNvGraphicFramePr>
-          <p:nvPr>
-            <p:extLst>
-              <p:ext uri="{D42A27DB-BD31-4B8C-83A1-F6EECF244321}">
-                <p14:modId xmlns:p14="http://schemas.microsoft.com/office/powerpoint/2010/main" val="2537882510"/>
-              </p:ext>
-            </p:extLst>
-          </p:nvPr>
-        </p:nvGraphicFramePr>
-        <p:xfrm>
-          <a:off x="6214533" y="3146482"/>
-          <a:ext cx="5638803" cy="3642832"/>
-        </p:xfrm>
-        <a:graphic>
-          <a:graphicData uri="http://schemas.openxmlformats.org/drawingml/2006/table">
-            <a:tbl>
-              <a:tblPr firstRow="1" bandRow="1">
-                <a:tableStyleId>{5C22544A-7EE6-4342-B048-85BDC9FD1C3A}</a:tableStyleId>
-              </a:tblPr>
-              <a:tblGrid>
-                <a:gridCol w="2594226">
-                  <a:extLst>
-                    <a:ext uri="{9D8B030D-6E8A-4147-A177-3AD203B41FA5}">
-                      <a16:colId xmlns:a16="http://schemas.microsoft.com/office/drawing/2014/main" val="2785728019"/>
-                    </a:ext>
-                  </a:extLst>
-                </a:gridCol>
-                <a:gridCol w="1993186">
-                  <a:extLst>
-                    <a:ext uri="{9D8B030D-6E8A-4147-A177-3AD203B41FA5}">
-                      <a16:colId xmlns:a16="http://schemas.microsoft.com/office/drawing/2014/main" val="809167093"/>
-                    </a:ext>
-                  </a:extLst>
-                </a:gridCol>
-                <a:gridCol w="1051391">
-                  <a:extLst>
-                    <a:ext uri="{9D8B030D-6E8A-4147-A177-3AD203B41FA5}">
-                      <a16:colId xmlns:a16="http://schemas.microsoft.com/office/drawing/2014/main" val="4147685562"/>
-                    </a:ext>
-                  </a:extLst>
-                </a:gridCol>
-              </a:tblGrid>
-              <a:tr h="402979">
-                <a:tc>
-                  <a:txBody>
-                    <a:bodyPr/>
-                    <a:lstStyle/>
-                    <a:p>
-                      <a:pPr algn="ctr" rtl="0" fontAlgn="t">
-                        <a:spcBef>
-                          <a:spcPts val="0"/>
-                        </a:spcBef>
-                        <a:spcAft>
-                          <a:spcPts val="0"/>
-                        </a:spcAft>
-                      </a:pPr>
-                      <a:r>
-                        <a:rPr lang="en-GB" dirty="0">
-                          <a:effectLst/>
-                        </a:rPr>
-                        <a:t>Pathway </a:t>
-                      </a:r>
-                    </a:p>
-                  </a:txBody>
-                  <a:tcPr marL="63500" marR="63500" marT="63500" marB="63500"/>
-                </a:tc>
-                <a:tc>
-                  <a:txBody>
-                    <a:bodyPr/>
-                    <a:lstStyle/>
-                    <a:p>
-                      <a:pPr algn="ctr"/>
-                      <a:r>
-                        <a:rPr lang="en-GB" dirty="0"/>
-                        <a:t>Hits</a:t>
-                      </a:r>
-                    </a:p>
-                  </a:txBody>
-                  <a:tcPr/>
-                </a:tc>
-                <a:tc>
-                  <a:txBody>
-                    <a:bodyPr/>
-                    <a:lstStyle/>
-                    <a:p>
-                      <a:pPr algn="ctr"/>
-                      <a:r>
-                        <a:rPr lang="en-GB" dirty="0" err="1"/>
-                        <a:t>logFC</a:t>
-                      </a:r>
-                      <a:endParaRPr lang="en-GB" dirty="0"/>
-                    </a:p>
-                  </a:txBody>
-                  <a:tcPr/>
-                </a:tc>
-                <a:extLst>
-                  <a:ext uri="{0D108BD9-81ED-4DB2-BD59-A6C34878D82A}">
-                    <a16:rowId xmlns:a16="http://schemas.microsoft.com/office/drawing/2014/main" val="3619875308"/>
-                  </a:ext>
-                </a:extLst>
-              </a:tr>
-              <a:tr h="707091">
-                <a:tc>
-                  <a:txBody>
-                    <a:bodyPr/>
-                    <a:lstStyle/>
-                    <a:p>
-                      <a:r>
-                        <a:rPr lang="en-GB" sz="1800" b="0" i="0" u="none" strike="noStrike" kern="1200" dirty="0">
-                          <a:solidFill>
-                            <a:schemeClr val="dk1"/>
-                          </a:solidFill>
-                          <a:effectLst/>
-                          <a:latin typeface="+mn-lt"/>
-                          <a:ea typeface="+mn-ea"/>
-                          <a:cs typeface="+mn-cs"/>
-                        </a:rPr>
-                        <a:t>Sphingolipid metabolism</a:t>
-                      </a:r>
-                      <a:endParaRPr lang="en-GB" dirty="0"/>
-                    </a:p>
-                  </a:txBody>
-                  <a:tcPr/>
-                </a:tc>
-                <a:tc>
-                  <a:txBody>
-                    <a:bodyPr/>
-                    <a:lstStyle/>
-                    <a:p>
-                      <a:r>
-                        <a:rPr lang="en-GB" sz="1800" b="0" i="0" u="none" strike="noStrike" kern="1200" dirty="0" err="1">
-                          <a:solidFill>
-                            <a:schemeClr val="dk1"/>
-                          </a:solidFill>
-                          <a:effectLst/>
-                          <a:latin typeface="+mn-lt"/>
-                          <a:ea typeface="+mn-ea"/>
-                          <a:cs typeface="+mn-cs"/>
-                        </a:rPr>
-                        <a:t>Sphinganine</a:t>
-                      </a:r>
-                      <a:endParaRPr lang="en-GB" sz="1800" b="0" i="0" u="none" strike="noStrike" kern="1200" dirty="0">
-                        <a:solidFill>
-                          <a:schemeClr val="dk1"/>
-                        </a:solidFill>
-                        <a:effectLst/>
-                        <a:latin typeface="+mn-lt"/>
-                        <a:ea typeface="+mn-ea"/>
-                        <a:cs typeface="+mn-cs"/>
-                      </a:endParaRPr>
-                    </a:p>
-                    <a:p>
-                      <a:r>
-                        <a:rPr lang="en-GB" sz="1800" b="0" i="0" u="none" strike="noStrike" kern="1200" dirty="0">
-                          <a:solidFill>
-                            <a:schemeClr val="dk1"/>
-                          </a:solidFill>
-                          <a:effectLst/>
-                          <a:latin typeface="+mn-lt"/>
-                          <a:ea typeface="+mn-ea"/>
-                          <a:cs typeface="+mn-cs"/>
-                        </a:rPr>
-                        <a:t>Sphingomyelin</a:t>
-                      </a:r>
-                      <a:endParaRPr lang="en-GB" dirty="0"/>
-                    </a:p>
-                  </a:txBody>
-                  <a:tcPr/>
-                </a:tc>
-                <a:tc>
-                  <a:txBody>
-                    <a:bodyPr/>
-                    <a:lstStyle/>
-                    <a:p>
-                      <a:r>
-                        <a:rPr lang="en-GB" sz="1800" b="0" i="0" u="none" strike="noStrike" kern="1200" dirty="0">
-                          <a:solidFill>
-                            <a:schemeClr val="dk1"/>
-                          </a:solidFill>
-                          <a:effectLst/>
-                          <a:latin typeface="+mn-lt"/>
-                          <a:ea typeface="+mn-ea"/>
-                          <a:cs typeface="+mn-cs"/>
-                        </a:rPr>
-                        <a:t>-0.153</a:t>
-                      </a:r>
-                    </a:p>
-                    <a:p>
-                      <a:r>
-                        <a:rPr lang="en-GB" sz="1800" b="0" i="0" u="none" strike="noStrike" kern="1200" dirty="0">
-                          <a:solidFill>
-                            <a:schemeClr val="dk1"/>
-                          </a:solidFill>
-                          <a:effectLst/>
-                          <a:latin typeface="+mn-lt"/>
-                          <a:ea typeface="+mn-ea"/>
-                          <a:cs typeface="+mn-cs"/>
-                        </a:rPr>
-                        <a:t>-0.332 </a:t>
-                      </a:r>
-                      <a:endParaRPr lang="en-GB" dirty="0"/>
-                    </a:p>
-                  </a:txBody>
-                  <a:tcPr/>
-                </a:tc>
-                <a:extLst>
-                  <a:ext uri="{0D108BD9-81ED-4DB2-BD59-A6C34878D82A}">
-                    <a16:rowId xmlns:a16="http://schemas.microsoft.com/office/drawing/2014/main" val="2186375186"/>
-                  </a:ext>
-                </a:extLst>
-              </a:tr>
-              <a:tr h="745545">
-                <a:tc>
-                  <a:txBody>
-                    <a:bodyPr/>
-                    <a:lstStyle/>
-                    <a:p>
-                      <a:r>
-                        <a:rPr lang="en-GB" sz="1800" b="0" i="0" u="none" strike="noStrike" kern="1200" dirty="0">
-                          <a:solidFill>
-                            <a:schemeClr val="dk1"/>
-                          </a:solidFill>
-                          <a:effectLst/>
-                          <a:latin typeface="+mn-lt"/>
-                          <a:ea typeface="+mn-ea"/>
-                          <a:cs typeface="+mn-cs"/>
-                        </a:rPr>
-                        <a:t>Glutathione metabolism</a:t>
-                      </a:r>
-                      <a:endParaRPr lang="en-GB" dirty="0"/>
-                    </a:p>
-                  </a:txBody>
-                  <a:tcPr/>
-                </a:tc>
-                <a:tc>
-                  <a:txBody>
-                    <a:bodyPr/>
-                    <a:lstStyle/>
-                    <a:p>
-                      <a:r>
-                        <a:rPr lang="en-GB" dirty="0"/>
-                        <a:t>L-Glutamate</a:t>
-                      </a:r>
-                    </a:p>
-                    <a:p>
-                      <a:r>
-                        <a:rPr lang="en-GB" dirty="0"/>
-                        <a:t>5-Oxoproline</a:t>
-                      </a:r>
-                    </a:p>
-                  </a:txBody>
-                  <a:tcPr/>
-                </a:tc>
-                <a:tc>
-                  <a:txBody>
-                    <a:bodyPr/>
-                    <a:lstStyle/>
-                    <a:p>
-                      <a:r>
-                        <a:rPr lang="en-GB" dirty="0"/>
-                        <a:t>0.288</a:t>
-                      </a:r>
-                    </a:p>
-                    <a:p>
-                      <a:r>
-                        <a:rPr lang="en-GB" dirty="0"/>
-                        <a:t>0.157</a:t>
-                      </a:r>
-                    </a:p>
-                  </a:txBody>
-                  <a:tcPr/>
-                </a:tc>
-                <a:extLst>
-                  <a:ext uri="{0D108BD9-81ED-4DB2-BD59-A6C34878D82A}">
-                    <a16:rowId xmlns:a16="http://schemas.microsoft.com/office/drawing/2014/main" val="121303743"/>
-                  </a:ext>
-                </a:extLst>
-              </a:tr>
-              <a:tr h="1089091">
-                <a:tc>
-                  <a:txBody>
-                    <a:bodyPr/>
-                    <a:lstStyle/>
-                    <a:p>
-                      <a:r>
-                        <a:rPr lang="en-GB" sz="1800" b="0" i="0" u="none" strike="noStrike" kern="1200" dirty="0">
-                          <a:solidFill>
-                            <a:schemeClr val="dk1"/>
-                          </a:solidFill>
-                          <a:effectLst/>
-                          <a:latin typeface="+mn-lt"/>
-                          <a:ea typeface="+mn-ea"/>
-                          <a:cs typeface="+mn-cs"/>
-                        </a:rPr>
-                        <a:t>D-Glutamine and D-glutamate metabolism</a:t>
-                      </a:r>
-                      <a:endParaRPr lang="en-GB" dirty="0"/>
-                    </a:p>
-                  </a:txBody>
-                  <a:tcPr/>
-                </a:tc>
-                <a:tc>
-                  <a:txBody>
-                    <a:bodyPr/>
-                    <a:lstStyle/>
-                    <a:p>
-                      <a:r>
-                        <a:rPr lang="en-GB" dirty="0"/>
-                        <a:t>L-Glutamate</a:t>
-                      </a:r>
-                    </a:p>
-                  </a:txBody>
-                  <a:tcPr/>
-                </a:tc>
-                <a:tc>
-                  <a:txBody>
-                    <a:bodyPr/>
-                    <a:lstStyle/>
-                    <a:p>
-                      <a:pPr marL="0" marR="0" lvl="0" indent="0" algn="l" defTabSz="457200" rtl="0" eaLnBrk="1" fontAlgn="auto" latinLnBrk="0" hangingPunct="1">
-                        <a:lnSpc>
-                          <a:spcPct val="100000"/>
-                        </a:lnSpc>
-                        <a:spcBef>
-                          <a:spcPts val="0"/>
-                        </a:spcBef>
-                        <a:spcAft>
-                          <a:spcPts val="0"/>
-                        </a:spcAft>
-                        <a:buClrTx/>
-                        <a:buSzTx/>
-                        <a:buFontTx/>
-                        <a:buNone/>
-                        <a:tabLst/>
-                        <a:defRPr/>
-                      </a:pPr>
-                      <a:r>
-                        <a:rPr lang="en-GB" dirty="0"/>
-                        <a:t>0.288</a:t>
-                      </a:r>
-                    </a:p>
-                    <a:p>
-                      <a:endParaRPr lang="en-GB" dirty="0"/>
-                    </a:p>
-                  </a:txBody>
-                  <a:tcPr/>
-                </a:tc>
-                <a:extLst>
-                  <a:ext uri="{0D108BD9-81ED-4DB2-BD59-A6C34878D82A}">
-                    <a16:rowId xmlns:a16="http://schemas.microsoft.com/office/drawing/2014/main" val="3175634301"/>
-                  </a:ext>
-                </a:extLst>
-              </a:tr>
-              <a:tr h="698126">
-                <a:tc>
-                  <a:txBody>
-                    <a:bodyPr/>
-                    <a:lstStyle/>
-                    <a:p>
-                      <a:r>
-                        <a:rPr lang="en-GB" sz="1800" b="0" i="0" u="none" strike="noStrike" kern="1200" dirty="0">
-                          <a:solidFill>
-                            <a:schemeClr val="dk1"/>
-                          </a:solidFill>
-                          <a:effectLst/>
-                          <a:latin typeface="+mn-lt"/>
-                          <a:ea typeface="+mn-ea"/>
-                          <a:cs typeface="+mn-cs"/>
-                        </a:rPr>
-                        <a:t>Nitrogen metabolism</a:t>
-                      </a:r>
-                      <a:endParaRPr lang="en-GB" dirty="0"/>
-                    </a:p>
-                  </a:txBody>
-                  <a:tcPr/>
-                </a:tc>
-                <a:tc>
-                  <a:txBody>
-                    <a:bodyPr/>
-                    <a:lstStyle/>
-                    <a:p>
-                      <a:r>
-                        <a:rPr lang="en-GB" sz="1800" b="0" i="0" u="none" strike="noStrike" kern="1200" dirty="0">
-                          <a:solidFill>
-                            <a:schemeClr val="dk1"/>
-                          </a:solidFill>
-                          <a:effectLst/>
-                          <a:latin typeface="+mn-lt"/>
-                          <a:ea typeface="+mn-ea"/>
-                          <a:cs typeface="+mn-cs"/>
-                        </a:rPr>
-                        <a:t>L-Glutamate</a:t>
-                      </a:r>
-                      <a:endParaRPr lang="en-GB" dirty="0"/>
-                    </a:p>
-                  </a:txBody>
-                  <a:tcPr/>
-                </a:tc>
-                <a:tc>
-                  <a:txBody>
-                    <a:bodyPr/>
-                    <a:lstStyle/>
-                    <a:p>
-                      <a:r>
-                        <a:rPr lang="en-GB" dirty="0"/>
-                        <a:t>0.288</a:t>
-                      </a:r>
-                    </a:p>
-                    <a:p>
-                      <a:endParaRPr lang="en-GB" dirty="0"/>
-                    </a:p>
-                  </a:txBody>
-                  <a:tcPr/>
-                </a:tc>
-                <a:extLst>
-                  <a:ext uri="{0D108BD9-81ED-4DB2-BD59-A6C34878D82A}">
-                    <a16:rowId xmlns:a16="http://schemas.microsoft.com/office/drawing/2014/main" val="361112695"/>
-                  </a:ext>
-                </a:extLst>
-              </a:tr>
-            </a:tbl>
-          </a:graphicData>
-        </a:graphic>
-      </p:graphicFrame>
-    </p:spTree>
-    <p:extLst>
-      <p:ext uri="{BB962C8B-B14F-4D97-AF65-F5344CB8AC3E}">
-        <p14:creationId xmlns:p14="http://schemas.microsoft.com/office/powerpoint/2010/main" val="3804925156"/>
       </p:ext>
     </p:extLst>
   </p:cSld>

--- a/Final Presentation.pptx
+++ b/Final Presentation.pptx
@@ -157,7 +157,7 @@
 <file path=ppt/revisionInfo.xml><?xml version="1.0" encoding="utf-8"?>
 <p1510:revInfo xmlns:a="http://schemas.openxmlformats.org/drawingml/2006/main" xmlns:r="http://schemas.openxmlformats.org/officeDocument/2006/relationships" xmlns:p1510="http://schemas.microsoft.com/office/powerpoint/2015/10/main">
   <p1510:revLst>
-    <p1510:client id="{C6873D3A-5142-4B27-9846-7DCB74605CCD}" v="2719" dt="2020-06-24T18:27:18.926"/>
+    <p1510:client id="{C6873D3A-5142-4B27-9846-7DCB74605CCD}" v="2730" dt="2020-06-25T08:22:16.871"/>
   </p1510:revLst>
 </p1510:revInfo>
 </file>
@@ -4945,7 +4945,7 @@
   <pc:docChgLst>
     <pc:chgData name="Sabrina De Oliveira" userId="34420f5773a88cdb" providerId="LiveId" clId="{C6873D3A-5142-4B27-9846-7DCB74605CCD}"/>
     <pc:docChg chg="undo redo custSel addSld delSld modSld sldOrd">
-      <pc:chgData name="Sabrina De Oliveira" userId="34420f5773a88cdb" providerId="LiveId" clId="{C6873D3A-5142-4B27-9846-7DCB74605CCD}" dt="2020-06-24T18:40:51.560" v="9366" actId="20577"/>
+      <pc:chgData name="Sabrina De Oliveira" userId="34420f5773a88cdb" providerId="LiveId" clId="{C6873D3A-5142-4B27-9846-7DCB74605CCD}" dt="2020-06-25T08:22:16.870" v="9418" actId="207"/>
       <pc:docMkLst>
         <pc:docMk/>
       </pc:docMkLst>
@@ -5324,7 +5324,7 @@
         </pc:picChg>
       </pc:sldChg>
       <pc:sldChg chg="addSp delSp modSp mod addAnim delAnim modAnim">
-        <pc:chgData name="Sabrina De Oliveira" userId="34420f5773a88cdb" providerId="LiveId" clId="{C6873D3A-5142-4B27-9846-7DCB74605CCD}" dt="2020-06-20T17:39:52.233" v="247" actId="1076"/>
+        <pc:chgData name="Sabrina De Oliveira" userId="34420f5773a88cdb" providerId="LiveId" clId="{C6873D3A-5142-4B27-9846-7DCB74605CCD}" dt="2020-06-25T08:18:28.771" v="9375"/>
         <pc:sldMkLst>
           <pc:docMk/>
           <pc:sldMk cId="4262503204" sldId="274"/>
@@ -5383,6 +5383,22 @@
             <pc:docMk/>
             <pc:sldMk cId="4262503204" sldId="274"/>
             <ac:spMk id="48" creationId="{3EDFCF83-67B0-4DE1-A18E-1BF075CF1043}"/>
+          </ac:spMkLst>
+        </pc:spChg>
+        <pc:spChg chg="add mod">
+          <ac:chgData name="Sabrina De Oliveira" userId="34420f5773a88cdb" providerId="LiveId" clId="{C6873D3A-5142-4B27-9846-7DCB74605CCD}" dt="2020-06-25T08:16:32.111" v="9368" actId="571"/>
+          <ac:spMkLst>
+            <pc:docMk/>
+            <pc:sldMk cId="4262503204" sldId="274"/>
+            <ac:spMk id="48" creationId="{B962B393-6F13-4872-8B2C-FEA47A1A852D}"/>
+          </ac:spMkLst>
+        </pc:spChg>
+        <pc:spChg chg="add mod">
+          <ac:chgData name="Sabrina De Oliveira" userId="34420f5773a88cdb" providerId="LiveId" clId="{C6873D3A-5142-4B27-9846-7DCB74605CCD}" dt="2020-06-25T08:16:32.111" v="9368" actId="571"/>
+          <ac:spMkLst>
+            <pc:docMk/>
+            <pc:sldMk cId="4262503204" sldId="274"/>
+            <ac:spMk id="53" creationId="{138D93C3-E0BF-439A-A052-A2AB6AEB2E93}"/>
           </ac:spMkLst>
         </pc:spChg>
         <pc:spChg chg="mod">
@@ -5473,6 +5489,14 @@
             <ac:picMk id="53" creationId="{297E210A-94C1-4A6F-B0D3-749A361B0121}"/>
           </ac:picMkLst>
         </pc:picChg>
+        <pc:picChg chg="add mod">
+          <ac:chgData name="Sabrina De Oliveira" userId="34420f5773a88cdb" providerId="LiveId" clId="{C6873D3A-5142-4B27-9846-7DCB74605CCD}" dt="2020-06-25T08:16:32.111" v="9368" actId="571"/>
+          <ac:picMkLst>
+            <pc:docMk/>
+            <pc:sldMk cId="4262503204" sldId="274"/>
+            <ac:picMk id="56" creationId="{50175FE2-A41F-4211-B1FE-063A3D012889}"/>
+          </ac:picMkLst>
+        </pc:picChg>
         <pc:picChg chg="del">
           <ac:chgData name="Sabrina De Oliveira" userId="34420f5773a88cdb" providerId="LiveId" clId="{C6873D3A-5142-4B27-9846-7DCB74605CCD}" dt="2020-06-20T17:32:12.118" v="107" actId="478"/>
           <ac:picMkLst>
@@ -5547,7 +5571,7 @@
         </pc:picChg>
       </pc:sldChg>
       <pc:sldChg chg="addSp delSp modSp mod ord delAnim modAnim">
-        <pc:chgData name="Sabrina De Oliveira" userId="34420f5773a88cdb" providerId="LiveId" clId="{C6873D3A-5142-4B27-9846-7DCB74605CCD}" dt="2020-06-24T16:01:54.082" v="8552" actId="478"/>
+        <pc:chgData name="Sabrina De Oliveira" userId="34420f5773a88cdb" providerId="LiveId" clId="{C6873D3A-5142-4B27-9846-7DCB74605CCD}" dt="2020-06-25T08:20:56.360" v="9406" actId="20577"/>
         <pc:sldMkLst>
           <pc:docMk/>
           <pc:sldMk cId="3804925156" sldId="279"/>
@@ -5609,7 +5633,7 @@
           </ac:spMkLst>
         </pc:spChg>
         <pc:graphicFrameChg chg="mod modGraphic">
-          <ac:chgData name="Sabrina De Oliveira" userId="34420f5773a88cdb" providerId="LiveId" clId="{C6873D3A-5142-4B27-9846-7DCB74605CCD}" dt="2020-06-24T16:00:11.976" v="8539" actId="1076"/>
+          <ac:chgData name="Sabrina De Oliveira" userId="34420f5773a88cdb" providerId="LiveId" clId="{C6873D3A-5142-4B27-9846-7DCB74605CCD}" dt="2020-06-25T08:20:56.360" v="9406" actId="20577"/>
           <ac:graphicFrameMkLst>
             <pc:docMk/>
             <pc:sldMk cId="3804925156" sldId="279"/>
@@ -6658,7 +6682,7 @@
         </pc:sldMkLst>
       </pc:sldChg>
       <pc:sldChg chg="addSp delSp modSp add mod modAnim">
-        <pc:chgData name="Sabrina De Oliveira" userId="34420f5773a88cdb" providerId="LiveId" clId="{C6873D3A-5142-4B27-9846-7DCB74605CCD}" dt="2020-06-23T15:08:35.625" v="5883" actId="114"/>
+        <pc:chgData name="Sabrina De Oliveira" userId="34420f5773a88cdb" providerId="LiveId" clId="{C6873D3A-5142-4B27-9846-7DCB74605CCD}" dt="2020-06-25T08:18:48.808" v="9377" actId="114"/>
         <pc:sldMkLst>
           <pc:docMk/>
           <pc:sldMk cId="952963527" sldId="307"/>
@@ -6672,7 +6696,7 @@
           </ac:spMkLst>
         </pc:spChg>
         <pc:spChg chg="add mod">
-          <ac:chgData name="Sabrina De Oliveira" userId="34420f5773a88cdb" providerId="LiveId" clId="{C6873D3A-5142-4B27-9846-7DCB74605CCD}" dt="2020-06-23T14:04:05.168" v="4755" actId="1076"/>
+          <ac:chgData name="Sabrina De Oliveira" userId="34420f5773a88cdb" providerId="LiveId" clId="{C6873D3A-5142-4B27-9846-7DCB74605CCD}" dt="2020-06-25T08:18:48.808" v="9377" actId="114"/>
           <ac:spMkLst>
             <pc:docMk/>
             <pc:sldMk cId="952963527" sldId="307"/>
@@ -7253,11 +7277,19 @@
         </pc:picChg>
       </pc:sldChg>
       <pc:sldChg chg="addSp delSp modSp add mod ord modAnim modNotesTx">
-        <pc:chgData name="Sabrina De Oliveira" userId="34420f5773a88cdb" providerId="LiveId" clId="{C6873D3A-5142-4B27-9846-7DCB74605CCD}" dt="2020-06-24T18:37:32.986" v="9347" actId="20577"/>
+        <pc:chgData name="Sabrina De Oliveira" userId="34420f5773a88cdb" providerId="LiveId" clId="{C6873D3A-5142-4B27-9846-7DCB74605CCD}" dt="2020-06-25T08:22:16.870" v="9418" actId="207"/>
         <pc:sldMkLst>
           <pc:docMk/>
           <pc:sldMk cId="942447283" sldId="312"/>
         </pc:sldMkLst>
+        <pc:spChg chg="add mod">
+          <ac:chgData name="Sabrina De Oliveira" userId="34420f5773a88cdb" providerId="LiveId" clId="{C6873D3A-5142-4B27-9846-7DCB74605CCD}" dt="2020-06-25T08:22:16.870" v="9418" actId="207"/>
+          <ac:spMkLst>
+            <pc:docMk/>
+            <pc:sldMk cId="942447283" sldId="312"/>
+            <ac:spMk id="2" creationId="{39C14B0D-67BB-4C0F-9CC1-B3C6C37B584F}"/>
+          </ac:spMkLst>
+        </pc:spChg>
         <pc:spChg chg="add del mod">
           <ac:chgData name="Sabrina De Oliveira" userId="34420f5773a88cdb" providerId="LiveId" clId="{C6873D3A-5142-4B27-9846-7DCB74605CCD}" dt="2020-06-23T15:16:57.351" v="6050" actId="478"/>
           <ac:spMkLst>
@@ -7981,7 +8013,7 @@
           <a:p>
             <a:fld id="{648224E9-0BB2-4646-9AE5-CD7A1B5C2C89}" type="datetimeFigureOut">
               <a:rPr lang="en-GB" smtClean="0"/>
-              <a:t>24/06/2020</a:t>
+              <a:t>25/06/2020</a:t>
             </a:fld>
             <a:endParaRPr lang="en-GB"/>
           </a:p>
@@ -10033,7 +10065,7 @@
           <a:p>
             <a:fld id="{DA5AD436-A087-4A72-A71C-DCC7BC3259CA}" type="datetimeFigureOut">
               <a:rPr lang="en-GB" smtClean="0"/>
-              <a:t>24/06/2020</a:t>
+              <a:t>25/06/2020</a:t>
             </a:fld>
             <a:endParaRPr lang="en-GB"/>
           </a:p>
@@ -10308,7 +10340,7 @@
           <a:p>
             <a:fld id="{DA5AD436-A087-4A72-A71C-DCC7BC3259CA}" type="datetimeFigureOut">
               <a:rPr lang="en-GB" smtClean="0"/>
-              <a:t>24/06/2020</a:t>
+              <a:t>25/06/2020</a:t>
             </a:fld>
             <a:endParaRPr lang="en-GB"/>
           </a:p>
@@ -10502,7 +10534,7 @@
           <a:p>
             <a:fld id="{DA5AD436-A087-4A72-A71C-DCC7BC3259CA}" type="datetimeFigureOut">
               <a:rPr lang="en-GB" smtClean="0"/>
-              <a:t>24/06/2020</a:t>
+              <a:t>25/06/2020</a:t>
             </a:fld>
             <a:endParaRPr lang="en-GB"/>
           </a:p>
@@ -10775,7 +10807,7 @@
           <a:p>
             <a:fld id="{DA5AD436-A087-4A72-A71C-DCC7BC3259CA}" type="datetimeFigureOut">
               <a:rPr lang="en-GB" smtClean="0"/>
-              <a:t>24/06/2020</a:t>
+              <a:t>25/06/2020</a:t>
             </a:fld>
             <a:endParaRPr lang="en-GB"/>
           </a:p>
@@ -11116,7 +11148,7 @@
           <a:p>
             <a:fld id="{DA5AD436-A087-4A72-A71C-DCC7BC3259CA}" type="datetimeFigureOut">
               <a:rPr lang="en-GB" smtClean="0"/>
-              <a:t>24/06/2020</a:t>
+              <a:t>25/06/2020</a:t>
             </a:fld>
             <a:endParaRPr lang="en-GB"/>
           </a:p>
@@ -11739,7 +11771,7 @@
           <a:p>
             <a:fld id="{DA5AD436-A087-4A72-A71C-DCC7BC3259CA}" type="datetimeFigureOut">
               <a:rPr lang="en-GB" smtClean="0"/>
-              <a:t>24/06/2020</a:t>
+              <a:t>25/06/2020</a:t>
             </a:fld>
             <a:endParaRPr lang="en-GB"/>
           </a:p>
@@ -12599,7 +12631,7 @@
           <a:p>
             <a:fld id="{DA5AD436-A087-4A72-A71C-DCC7BC3259CA}" type="datetimeFigureOut">
               <a:rPr lang="en-GB" smtClean="0"/>
-              <a:t>24/06/2020</a:t>
+              <a:t>25/06/2020</a:t>
             </a:fld>
             <a:endParaRPr lang="en-GB"/>
           </a:p>
@@ -12769,7 +12801,7 @@
           <a:p>
             <a:fld id="{DA5AD436-A087-4A72-A71C-DCC7BC3259CA}" type="datetimeFigureOut">
               <a:rPr lang="en-GB" smtClean="0"/>
-              <a:t>24/06/2020</a:t>
+              <a:t>25/06/2020</a:t>
             </a:fld>
             <a:endParaRPr lang="en-GB"/>
           </a:p>
@@ -12949,7 +12981,7 @@
           <a:p>
             <a:fld id="{DA5AD436-A087-4A72-A71C-DCC7BC3259CA}" type="datetimeFigureOut">
               <a:rPr lang="en-GB" smtClean="0"/>
-              <a:t>24/06/2020</a:t>
+              <a:t>25/06/2020</a:t>
             </a:fld>
             <a:endParaRPr lang="en-GB"/>
           </a:p>
@@ -13119,7 +13151,7 @@
           <a:p>
             <a:fld id="{DA5AD436-A087-4A72-A71C-DCC7BC3259CA}" type="datetimeFigureOut">
               <a:rPr lang="en-GB" smtClean="0"/>
-              <a:t>24/06/2020</a:t>
+              <a:t>25/06/2020</a:t>
             </a:fld>
             <a:endParaRPr lang="en-GB"/>
           </a:p>
@@ -13366,7 +13398,7 @@
           <a:p>
             <a:fld id="{DA5AD436-A087-4A72-A71C-DCC7BC3259CA}" type="datetimeFigureOut">
               <a:rPr lang="en-GB" smtClean="0"/>
-              <a:t>24/06/2020</a:t>
+              <a:t>25/06/2020</a:t>
             </a:fld>
             <a:endParaRPr lang="en-GB"/>
           </a:p>
@@ -13658,7 +13690,7 @@
           <a:p>
             <a:fld id="{DA5AD436-A087-4A72-A71C-DCC7BC3259CA}" type="datetimeFigureOut">
               <a:rPr lang="en-GB" smtClean="0"/>
-              <a:t>24/06/2020</a:t>
+              <a:t>25/06/2020</a:t>
             </a:fld>
             <a:endParaRPr lang="en-GB"/>
           </a:p>
@@ -14102,7 +14134,7 @@
           <a:p>
             <a:fld id="{DA5AD436-A087-4A72-A71C-DCC7BC3259CA}" type="datetimeFigureOut">
               <a:rPr lang="en-GB" smtClean="0"/>
-              <a:t>24/06/2020</a:t>
+              <a:t>25/06/2020</a:t>
             </a:fld>
             <a:endParaRPr lang="en-GB"/>
           </a:p>
@@ -14220,7 +14252,7 @@
           <a:p>
             <a:fld id="{DA5AD436-A087-4A72-A71C-DCC7BC3259CA}" type="datetimeFigureOut">
               <a:rPr lang="en-GB" smtClean="0"/>
-              <a:t>24/06/2020</a:t>
+              <a:t>25/06/2020</a:t>
             </a:fld>
             <a:endParaRPr lang="en-GB"/>
           </a:p>
@@ -14315,7 +14347,7 @@
           <a:p>
             <a:fld id="{DA5AD436-A087-4A72-A71C-DCC7BC3259CA}" type="datetimeFigureOut">
               <a:rPr lang="en-GB" smtClean="0"/>
-              <a:t>24/06/2020</a:t>
+              <a:t>25/06/2020</a:t>
             </a:fld>
             <a:endParaRPr lang="en-GB"/>
           </a:p>
@@ -14594,7 +14626,7 @@
           <a:p>
             <a:fld id="{DA5AD436-A087-4A72-A71C-DCC7BC3259CA}" type="datetimeFigureOut">
               <a:rPr lang="en-GB" smtClean="0"/>
-              <a:t>24/06/2020</a:t>
+              <a:t>25/06/2020</a:t>
             </a:fld>
             <a:endParaRPr lang="en-GB"/>
           </a:p>
@@ -14869,7 +14901,7 @@
           <a:p>
             <a:fld id="{DA5AD436-A087-4A72-A71C-DCC7BC3259CA}" type="datetimeFigureOut">
               <a:rPr lang="en-GB" smtClean="0"/>
-              <a:t>24/06/2020</a:t>
+              <a:t>25/06/2020</a:t>
             </a:fld>
             <a:endParaRPr lang="en-GB"/>
           </a:p>
@@ -15298,7 +15330,7 @@
           <a:p>
             <a:fld id="{DA5AD436-A087-4A72-A71C-DCC7BC3259CA}" type="datetimeFigureOut">
               <a:rPr lang="en-GB" smtClean="0"/>
-              <a:t>24/06/2020</a:t>
+              <a:t>25/06/2020</a:t>
             </a:fld>
             <a:endParaRPr lang="en-GB"/>
           </a:p>
@@ -17860,7 +17892,23 @@
           <a:p>
             <a:r>
               <a:rPr lang="en-GB" sz="2000" dirty="0"/>
-              <a:t>	↓ Bacteroidetes/Firmicutes </a:t>
+              <a:t>	↓ </a:t>
+            </a:r>
+            <a:r>
+              <a:rPr lang="en-GB" sz="2000" i="1" dirty="0"/>
+              <a:t>Bacteroidetes</a:t>
+            </a:r>
+            <a:r>
+              <a:rPr lang="en-GB" sz="2000" dirty="0"/>
+              <a:t>/</a:t>
+            </a:r>
+            <a:r>
+              <a:rPr lang="en-GB" sz="2000" i="1" dirty="0"/>
+              <a:t>Firmicutes</a:t>
+            </a:r>
+            <a:r>
+              <a:rPr lang="en-GB" sz="2000" dirty="0"/>
+              <a:t> </a:t>
             </a:r>
           </a:p>
           <a:p>
@@ -27122,7 +27170,7 @@
           <p:nvPr>
             <p:extLst>
               <p:ext uri="{D42A27DB-BD31-4B8C-83A1-F6EECF244321}">
-                <p14:modId xmlns:p14="http://schemas.microsoft.com/office/powerpoint/2010/main" val="4193953527"/>
+                <p14:modId xmlns:p14="http://schemas.microsoft.com/office/powerpoint/2010/main" val="473550254"/>
               </p:ext>
             </p:extLst>
           </p:nvPr>
@@ -27387,7 +27435,7 @@
                     <a:p>
                       <a:r>
                         <a:rPr lang="en-GB" dirty="0"/>
-                        <a:t>L-Glutamate</a:t>
+                        <a:t>2-AG </a:t>
                       </a:r>
                     </a:p>
                   </a:txBody>
@@ -27400,7 +27448,7 @@
                     <a:p>
                       <a:r>
                         <a:rPr lang="en-GB" dirty="0"/>
-                        <a:t>0.288</a:t>
+                        <a:t>-0.758</a:t>
                       </a:r>
                     </a:p>
                   </a:txBody>
@@ -34343,6 +34391,58 @@
                 </a:solidFill>
               </a:rPr>
               <a:t>Host metabolome-microbiome interaction</a:t>
+            </a:r>
+          </a:p>
+        </p:txBody>
+      </p:sp>
+      <p:sp>
+        <p:nvSpPr>
+          <p:cNvPr id="2" name="TextBox 1">
+            <a:extLst>
+              <a:ext uri="{FF2B5EF4-FFF2-40B4-BE49-F238E27FC236}">
+                <a16:creationId xmlns:a16="http://schemas.microsoft.com/office/drawing/2014/main" id="{39C14B0D-67BB-4C0F-9CC1-B3C6C37B584F}"/>
+              </a:ext>
+            </a:extLst>
+          </p:cNvPr>
+          <p:cNvSpPr txBox="1"/>
+          <p:nvPr/>
+        </p:nvSpPr>
+        <p:spPr>
+          <a:xfrm>
+            <a:off x="7523839" y="3011116"/>
+            <a:ext cx="3253838" cy="369332"/>
+          </a:xfrm>
+          <a:prstGeom prst="rect">
+            <a:avLst/>
+          </a:prstGeom>
+          <a:noFill/>
+        </p:spPr>
+        <p:txBody>
+          <a:bodyPr wrap="square" rtlCol="0">
+            <a:spAutoFit/>
+          </a:bodyPr>
+          <a:lstStyle/>
+          <a:p>
+            <a:pPr algn="ctr"/>
+            <a:r>
+              <a:rPr lang="en-GB" sz="1800" dirty="0">
+                <a:solidFill>
+                  <a:schemeClr val="tx1">
+                    <a:lumMod val="95000"/>
+                  </a:schemeClr>
+                </a:solidFill>
+              </a:rPr>
+              <a:t>↓ in IR</a:t>
+            </a:r>
+            <a:r>
+              <a:rPr lang="en-GB" dirty="0">
+                <a:solidFill>
+                  <a:schemeClr val="tx1">
+                    <a:lumMod val="95000"/>
+                  </a:schemeClr>
+                </a:solidFill>
+              </a:rPr>
+              <a:t> </a:t>
             </a:r>
           </a:p>
         </p:txBody>
@@ -41145,7 +41245,7 @@
                                           </p:stCondLst>
                                         </p:cTn>
                                         <p:tgtEl>
-                                          <p:spTgt spid="44"/>
+                                          <p:spTgt spid="21"/>
                                         </p:tgtEl>
                                         <p:attrNameLst>
                                           <p:attrName>style.visibility</p:attrName>
@@ -41172,7 +41272,7 @@
                                           </p:stCondLst>
                                         </p:cTn>
                                         <p:tgtEl>
-                                          <p:spTgt spid="21"/>
+                                          <p:spTgt spid="44"/>
                                         </p:tgtEl>
                                         <p:attrNameLst>
                                           <p:attrName>style.visibility</p:attrName>
@@ -41186,7 +41286,7 @@
                                 </p:cTn>
                               </p:par>
                               <p:par>
-                                <p:cTn id="16" presetID="1" presetClass="entr" presetSubtype="0" fill="hold" grpId="0" nodeType="withEffect">
+                                <p:cTn id="16" presetID="1" presetClass="entr" presetSubtype="0" fill="hold" nodeType="withEffect">
                                   <p:stCondLst>
                                     <p:cond delay="0"/>
                                   </p:stCondLst>
@@ -41199,7 +41299,7 @@
                                           </p:stCondLst>
                                         </p:cTn>
                                         <p:tgtEl>
-                                          <p:spTgt spid="8"/>
+                                          <p:spTgt spid="49"/>
                                         </p:tgtEl>
                                         <p:attrNameLst>
                                           <p:attrName>style.visibility</p:attrName>
@@ -41226,7 +41326,7 @@
                                           </p:stCondLst>
                                         </p:cTn>
                                         <p:tgtEl>
-                                          <p:spTgt spid="9"/>
+                                          <p:spTgt spid="10"/>
                                         </p:tgtEl>
                                         <p:attrNameLst>
                                           <p:attrName>style.visibility</p:attrName>
@@ -41271,7 +41371,7 @@
                                           </p:stCondLst>
                                         </p:cTn>
                                         <p:tgtEl>
-                                          <p:spTgt spid="45"/>
+                                          <p:spTgt spid="46"/>
                                         </p:tgtEl>
                                         <p:attrNameLst>
                                           <p:attrName>style.visibility</p:attrName>
@@ -41298,7 +41398,7 @@
                                           </p:stCondLst>
                                         </p:cTn>
                                         <p:tgtEl>
-                                          <p:spTgt spid="28"/>
+                                          <p:spTgt spid="31"/>
                                         </p:tgtEl>
                                         <p:attrNameLst>
                                           <p:attrName>style.visibility</p:attrName>
@@ -41325,7 +41425,7 @@
                                           </p:stCondLst>
                                         </p:cTn>
                                         <p:tgtEl>
-                                          <p:spTgt spid="29"/>
+                                          <p:spTgt spid="32"/>
                                         </p:tgtEl>
                                         <p:attrNameLst>
                                           <p:attrName>style.visibility</p:attrName>
@@ -41352,7 +41452,7 @@
                                           </p:stCondLst>
                                         </p:cTn>
                                         <p:tgtEl>
-                                          <p:spTgt spid="30"/>
+                                          <p:spTgt spid="24"/>
                                         </p:tgtEl>
                                         <p:attrNameLst>
                                           <p:attrName>style.visibility</p:attrName>
@@ -41379,7 +41479,7 @@
                                           </p:stCondLst>
                                         </p:cTn>
                                         <p:tgtEl>
-                                          <p:spTgt spid="27"/>
+                                          <p:spTgt spid="34"/>
                                         </p:tgtEl>
                                         <p:attrNameLst>
                                           <p:attrName>style.visibility</p:attrName>
@@ -41406,7 +41506,34 @@
                                           </p:stCondLst>
                                         </p:cTn>
                                         <p:tgtEl>
-                                          <p:spTgt spid="23"/>
+                                          <p:spTgt spid="33"/>
+                                        </p:tgtEl>
+                                        <p:attrNameLst>
+                                          <p:attrName>style.visibility</p:attrName>
+                                        </p:attrNameLst>
+                                      </p:cBhvr>
+                                      <p:to>
+                                        <p:strVal val="visible"/>
+                                      </p:to>
+                                    </p:set>
+                                  </p:childTnLst>
+                                </p:cTn>
+                              </p:par>
+                              <p:par>
+                                <p:cTn id="34" presetID="1" presetClass="entr" presetSubtype="0" fill="hold" nodeType="withEffect">
+                                  <p:stCondLst>
+                                    <p:cond delay="0"/>
+                                  </p:stCondLst>
+                                  <p:childTnLst>
+                                    <p:set>
+                                      <p:cBhvr>
+                                        <p:cTn id="35" dur="1" fill="hold">
+                                          <p:stCondLst>
+                                            <p:cond delay="0"/>
+                                          </p:stCondLst>
+                                        </p:cTn>
+                                        <p:tgtEl>
+                                          <p:spTgt spid="51"/>
                                         </p:tgtEl>
                                         <p:attrNameLst>
                                           <p:attrName>style.visibility</p:attrName>
@@ -41426,32 +41553,32 @@
                     </p:cTn>
                   </p:par>
                   <p:par>
-                    <p:cTn id="34" fill="hold">
+                    <p:cTn id="36" fill="hold">
                       <p:stCondLst>
                         <p:cond delay="indefinite"/>
                       </p:stCondLst>
                       <p:childTnLst>
                         <p:par>
-                          <p:cTn id="35" fill="hold">
+                          <p:cTn id="37" fill="hold">
                             <p:stCondLst>
                               <p:cond delay="0"/>
                             </p:stCondLst>
                             <p:childTnLst>
                               <p:par>
-                                <p:cTn id="36" presetID="1" presetClass="entr" presetSubtype="0" fill="hold" grpId="0" nodeType="clickEffect">
+                                <p:cTn id="38" presetID="1" presetClass="entr" presetSubtype="0" fill="hold" grpId="0" nodeType="clickEffect">
                                   <p:stCondLst>
                                     <p:cond delay="0"/>
                                   </p:stCondLst>
                                   <p:childTnLst>
                                     <p:set>
                                       <p:cBhvr>
-                                        <p:cTn id="37" dur="1" fill="hold">
+                                        <p:cTn id="39" dur="1" fill="hold">
                                           <p:stCondLst>
                                             <p:cond delay="0"/>
                                           </p:stCondLst>
                                         </p:cTn>
                                         <p:tgtEl>
-                                          <p:spTgt spid="47"/>
+                                          <p:spTgt spid="9"/>
                                         </p:tgtEl>
                                         <p:attrNameLst>
                                           <p:attrName>style.visibility</p:attrName>
@@ -41465,20 +41592,20 @@
                                 </p:cTn>
                               </p:par>
                               <p:par>
-                                <p:cTn id="38" presetID="1" presetClass="entr" presetSubtype="0" fill="hold" grpId="0" nodeType="withEffect">
+                                <p:cTn id="40" presetID="1" presetClass="entr" presetSubtype="0" fill="hold" nodeType="withEffect">
                                   <p:stCondLst>
                                     <p:cond delay="0"/>
                                   </p:stCondLst>
                                   <p:childTnLst>
                                     <p:set>
                                       <p:cBhvr>
-                                        <p:cTn id="39" dur="1" fill="hold">
+                                        <p:cTn id="41" dur="1" fill="hold">
                                           <p:stCondLst>
                                             <p:cond delay="0"/>
                                           </p:stCondLst>
                                         </p:cTn>
                                         <p:tgtEl>
-                                          <p:spTgt spid="25"/>
+                                          <p:spTgt spid="67"/>
                                         </p:tgtEl>
                                         <p:attrNameLst>
                                           <p:attrName>style.visibility</p:attrName>
@@ -41492,20 +41619,47 @@
                                 </p:cTn>
                               </p:par>
                               <p:par>
-                                <p:cTn id="40" presetID="1" presetClass="entr" presetSubtype="0" fill="hold" grpId="0" nodeType="withEffect">
+                                <p:cTn id="42" presetID="1" presetClass="entr" presetSubtype="0" fill="hold" nodeType="withEffect">
                                   <p:stCondLst>
                                     <p:cond delay="0"/>
                                   </p:stCondLst>
                                   <p:childTnLst>
                                     <p:set>
                                       <p:cBhvr>
-                                        <p:cTn id="41" dur="1" fill="hold">
+                                        <p:cTn id="43" dur="1" fill="hold">
                                           <p:stCondLst>
                                             <p:cond delay="0"/>
                                           </p:stCondLst>
                                         </p:cTn>
                                         <p:tgtEl>
-                                          <p:spTgt spid="10"/>
+                                          <p:spTgt spid="52"/>
+                                        </p:tgtEl>
+                                        <p:attrNameLst>
+                                          <p:attrName>style.visibility</p:attrName>
+                                        </p:attrNameLst>
+                                      </p:cBhvr>
+                                      <p:to>
+                                        <p:strVal val="visible"/>
+                                      </p:to>
+                                    </p:set>
+                                  </p:childTnLst>
+                                </p:cTn>
+                              </p:par>
+                              <p:par>
+                                <p:cTn id="44" presetID="1" presetClass="entr" presetSubtype="0" fill="hold" grpId="0" nodeType="withEffect">
+                                  <p:stCondLst>
+                                    <p:cond delay="0"/>
+                                  </p:stCondLst>
+                                  <p:childTnLst>
+                                    <p:set>
+                                      <p:cBhvr>
+                                        <p:cTn id="45" dur="1" fill="hold">
+                                          <p:stCondLst>
+                                            <p:cond delay="0"/>
+                                          </p:stCondLst>
+                                        </p:cTn>
+                                        <p:tgtEl>
+                                          <p:spTgt spid="8"/>
                                         </p:tgtEl>
                                         <p:attrNameLst>
                                           <p:attrName>style.visibility</p:attrName>
@@ -41525,73 +41679,19 @@
                     </p:cTn>
                   </p:par>
                   <p:par>
-                    <p:cTn id="42" fill="hold">
+                    <p:cTn id="46" fill="hold">
                       <p:stCondLst>
                         <p:cond delay="indefinite"/>
                       </p:stCondLst>
                       <p:childTnLst>
                         <p:par>
-                          <p:cTn id="43" fill="hold">
+                          <p:cTn id="47" fill="hold">
                             <p:stCondLst>
                               <p:cond delay="0"/>
                             </p:stCondLst>
                             <p:childTnLst>
                               <p:par>
-                                <p:cTn id="44" presetID="1" presetClass="entr" presetSubtype="0" fill="hold" grpId="0" nodeType="clickEffect">
-                                  <p:stCondLst>
-                                    <p:cond delay="0"/>
-                                  </p:stCondLst>
-                                  <p:childTnLst>
-                                    <p:set>
-                                      <p:cBhvr>
-                                        <p:cTn id="45" dur="1" fill="hold">
-                                          <p:stCondLst>
-                                            <p:cond delay="0"/>
-                                          </p:stCondLst>
-                                        </p:cTn>
-                                        <p:tgtEl>
-                                          <p:spTgt spid="46"/>
-                                        </p:tgtEl>
-                                        <p:attrNameLst>
-                                          <p:attrName>style.visibility</p:attrName>
-                                        </p:attrNameLst>
-                                      </p:cBhvr>
-                                      <p:to>
-                                        <p:strVal val="visible"/>
-                                      </p:to>
-                                    </p:set>
-                                  </p:childTnLst>
-                                </p:cTn>
-                              </p:par>
-                              <p:par>
-                                <p:cTn id="46" presetID="1" presetClass="entr" presetSubtype="0" fill="hold" grpId="0" nodeType="withEffect">
-                                  <p:stCondLst>
-                                    <p:cond delay="0"/>
-                                  </p:stCondLst>
-                                  <p:childTnLst>
-                                    <p:set>
-                                      <p:cBhvr>
-                                        <p:cTn id="47" dur="1" fill="hold">
-                                          <p:stCondLst>
-                                            <p:cond delay="0"/>
-                                          </p:stCondLst>
-                                        </p:cTn>
-                                        <p:tgtEl>
-                                          <p:spTgt spid="34"/>
-                                        </p:tgtEl>
-                                        <p:attrNameLst>
-                                          <p:attrName>style.visibility</p:attrName>
-                                        </p:attrNameLst>
-                                      </p:cBhvr>
-                                      <p:to>
-                                        <p:strVal val="visible"/>
-                                      </p:to>
-                                    </p:set>
-                                  </p:childTnLst>
-                                </p:cTn>
-                              </p:par>
-                              <p:par>
-                                <p:cTn id="48" presetID="1" presetClass="entr" presetSubtype="0" fill="hold" grpId="0" nodeType="withEffect">
+                                <p:cTn id="48" presetID="1" presetClass="entr" presetSubtype="0" fill="hold" grpId="0" nodeType="clickEffect">
                                   <p:stCondLst>
                                     <p:cond delay="0"/>
                                   </p:stCondLst>
@@ -41604,7 +41704,7 @@
                                           </p:stCondLst>
                                         </p:cTn>
                                         <p:tgtEl>
-                                          <p:spTgt spid="31"/>
+                                          <p:spTgt spid="45"/>
                                         </p:tgtEl>
                                         <p:attrNameLst>
                                           <p:attrName>style.visibility</p:attrName>
@@ -41631,7 +41731,7 @@
                                           </p:stCondLst>
                                         </p:cTn>
                                         <p:tgtEl>
-                                          <p:spTgt spid="32"/>
+                                          <p:spTgt spid="23"/>
                                         </p:tgtEl>
                                         <p:attrNameLst>
                                           <p:attrName>style.visibility</p:attrName>
@@ -41658,7 +41758,7 @@
                                           </p:stCondLst>
                                         </p:cTn>
                                         <p:tgtEl>
-                                          <p:spTgt spid="33"/>
+                                          <p:spTgt spid="28"/>
                                         </p:tgtEl>
                                         <p:attrNameLst>
                                           <p:attrName>style.visibility</p:attrName>
@@ -41685,7 +41785,7 @@
                                           </p:stCondLst>
                                         </p:cTn>
                                         <p:tgtEl>
-                                          <p:spTgt spid="24"/>
+                                          <p:spTgt spid="29"/>
                                         </p:tgtEl>
                                         <p:attrNameLst>
                                           <p:attrName>style.visibility</p:attrName>
@@ -41699,7 +41799,7 @@
                                 </p:cTn>
                               </p:par>
                               <p:par>
-                                <p:cTn id="56" presetID="1" presetClass="entr" presetSubtype="0" fill="hold" nodeType="withEffect">
+                                <p:cTn id="56" presetID="1" presetClass="entr" presetSubtype="0" fill="hold" grpId="0" nodeType="withEffect">
                                   <p:stCondLst>
                                     <p:cond delay="0"/>
                                   </p:stCondLst>
@@ -41712,7 +41812,7 @@
                                           </p:stCondLst>
                                         </p:cTn>
                                         <p:tgtEl>
-                                          <p:spTgt spid="49"/>
+                                          <p:spTgt spid="30"/>
                                         </p:tgtEl>
                                         <p:attrNameLst>
                                           <p:attrName>style.visibility</p:attrName>
@@ -41725,26 +41825,35 @@
                                   </p:childTnLst>
                                 </p:cTn>
                               </p:par>
-                            </p:childTnLst>
-                          </p:cTn>
-                        </p:par>
-                      </p:childTnLst>
-                    </p:cTn>
-                  </p:par>
-                  <p:par>
-                    <p:cTn id="58" fill="hold">
-                      <p:stCondLst>
-                        <p:cond delay="indefinite"/>
-                      </p:stCondLst>
-                      <p:childTnLst>
-                        <p:par>
-                          <p:cTn id="59" fill="hold">
-                            <p:stCondLst>
-                              <p:cond delay="0"/>
-                            </p:stCondLst>
-                            <p:childTnLst>
                               <p:par>
-                                <p:cTn id="60" presetID="1" presetClass="entr" presetSubtype="0" fill="hold" nodeType="clickEffect">
+                                <p:cTn id="58" presetID="1" presetClass="entr" presetSubtype="0" fill="hold" grpId="0" nodeType="withEffect">
+                                  <p:stCondLst>
+                                    <p:cond delay="0"/>
+                                  </p:stCondLst>
+                                  <p:childTnLst>
+                                    <p:set>
+                                      <p:cBhvr>
+                                        <p:cTn id="59" dur="1" fill="hold">
+                                          <p:stCondLst>
+                                            <p:cond delay="0"/>
+                                          </p:stCondLst>
+                                        </p:cTn>
+                                        <p:tgtEl>
+                                          <p:spTgt spid="27"/>
+                                        </p:tgtEl>
+                                        <p:attrNameLst>
+                                          <p:attrName>style.visibility</p:attrName>
+                                        </p:attrNameLst>
+                                      </p:cBhvr>
+                                      <p:to>
+                                        <p:strVal val="visible"/>
+                                      </p:to>
+                                    </p:set>
+                                  </p:childTnLst>
+                                </p:cTn>
+                              </p:par>
+                              <p:par>
+                                <p:cTn id="60" presetID="1" presetClass="entr" presetSubtype="0" fill="hold" nodeType="withEffect">
                                   <p:stCondLst>
                                     <p:cond delay="0"/>
                                   </p:stCondLst>
@@ -41770,21 +41879,39 @@
                                   </p:childTnLst>
                                 </p:cTn>
                               </p:par>
+                            </p:childTnLst>
+                          </p:cTn>
+                        </p:par>
+                      </p:childTnLst>
+                    </p:cTn>
+                  </p:par>
+                  <p:par>
+                    <p:cTn id="62" fill="hold">
+                      <p:stCondLst>
+                        <p:cond delay="indefinite"/>
+                      </p:stCondLst>
+                      <p:childTnLst>
+                        <p:par>
+                          <p:cTn id="63" fill="hold">
+                            <p:stCondLst>
+                              <p:cond delay="0"/>
+                            </p:stCondLst>
+                            <p:childTnLst>
                               <p:par>
-                                <p:cTn id="62" presetID="1" presetClass="entr" presetSubtype="0" fill="hold" nodeType="withEffect">
+                                <p:cTn id="64" presetID="1" presetClass="entr" presetSubtype="0" fill="hold" grpId="0" nodeType="clickEffect">
                                   <p:stCondLst>
                                     <p:cond delay="0"/>
                                   </p:stCondLst>
                                   <p:childTnLst>
                                     <p:set>
                                       <p:cBhvr>
-                                        <p:cTn id="63" dur="1" fill="hold">
+                                        <p:cTn id="65" dur="1" fill="hold">
                                           <p:stCondLst>
                                             <p:cond delay="0"/>
                                           </p:stCondLst>
                                         </p:cTn>
                                         <p:tgtEl>
-                                          <p:spTgt spid="51"/>
+                                          <p:spTgt spid="47"/>
                                         </p:tgtEl>
                                         <p:attrNameLst>
                                           <p:attrName>style.visibility</p:attrName>
@@ -41798,34 +41925,7 @@
                                 </p:cTn>
                               </p:par>
                               <p:par>
-                                <p:cTn id="64" presetID="1" presetClass="entr" presetSubtype="0" fill="hold" nodeType="withEffect">
-                                  <p:stCondLst>
-                                    <p:cond delay="0"/>
-                                  </p:stCondLst>
-                                  <p:childTnLst>
-                                    <p:set>
-                                      <p:cBhvr>
-                                        <p:cTn id="65" dur="1" fill="hold">
-                                          <p:stCondLst>
-                                            <p:cond delay="0"/>
-                                          </p:stCondLst>
-                                        </p:cTn>
-                                        <p:tgtEl>
-                                          <p:spTgt spid="52"/>
-                                        </p:tgtEl>
-                                        <p:attrNameLst>
-                                          <p:attrName>style.visibility</p:attrName>
-                                        </p:attrNameLst>
-                                      </p:cBhvr>
-                                      <p:to>
-                                        <p:strVal val="visible"/>
-                                      </p:to>
-                                    </p:set>
-                                  </p:childTnLst>
-                                </p:cTn>
-                              </p:par>
-                              <p:par>
-                                <p:cTn id="66" presetID="1" presetClass="entr" presetSubtype="0" fill="hold" nodeType="withEffect">
+                                <p:cTn id="66" presetID="1" presetClass="entr" presetSubtype="0" fill="hold" grpId="0" nodeType="withEffect">
                                   <p:stCondLst>
                                     <p:cond delay="0"/>
                                   </p:stCondLst>
@@ -41838,7 +41938,7 @@
                                           </p:stCondLst>
                                         </p:cTn>
                                         <p:tgtEl>
-                                          <p:spTgt spid="67"/>
+                                          <p:spTgt spid="25"/>
                                         </p:tgtEl>
                                         <p:attrNameLst>
                                           <p:attrName>style.visibility</p:attrName>

--- a/Final Presentation.pptx
+++ b/Final Presentation.pptx
@@ -20,20 +20,20 @@
     <p:sldId id="303" r:id="rId11"/>
     <p:sldId id="308" r:id="rId12"/>
     <p:sldId id="307" r:id="rId13"/>
-    <p:sldId id="309" r:id="rId14"/>
-    <p:sldId id="305" r:id="rId15"/>
-    <p:sldId id="311" r:id="rId16"/>
-    <p:sldId id="285" r:id="rId17"/>
-    <p:sldId id="314" r:id="rId18"/>
-    <p:sldId id="279" r:id="rId19"/>
-    <p:sldId id="315" r:id="rId20"/>
-    <p:sldId id="313" r:id="rId21"/>
-    <p:sldId id="267" r:id="rId22"/>
-    <p:sldId id="316" r:id="rId23"/>
-    <p:sldId id="312" r:id="rId24"/>
-    <p:sldId id="270" r:id="rId25"/>
-    <p:sldId id="271" r:id="rId26"/>
-    <p:sldId id="304" r:id="rId27"/>
+    <p:sldId id="305" r:id="rId14"/>
+    <p:sldId id="311" r:id="rId15"/>
+    <p:sldId id="285" r:id="rId16"/>
+    <p:sldId id="314" r:id="rId17"/>
+    <p:sldId id="279" r:id="rId18"/>
+    <p:sldId id="315" r:id="rId19"/>
+    <p:sldId id="313" r:id="rId20"/>
+    <p:sldId id="267" r:id="rId21"/>
+    <p:sldId id="316" r:id="rId22"/>
+    <p:sldId id="312" r:id="rId23"/>
+    <p:sldId id="270" r:id="rId24"/>
+    <p:sldId id="271" r:id="rId25"/>
+    <p:sldId id="304" r:id="rId26"/>
+    <p:sldId id="309" r:id="rId27"/>
     <p:sldId id="282" r:id="rId28"/>
     <p:sldId id="293" r:id="rId29"/>
   </p:sldIdLst>
@@ -157,7 +157,7 @@
 <file path=ppt/revisionInfo.xml><?xml version="1.0" encoding="utf-8"?>
 <p1510:revInfo xmlns:a="http://schemas.openxmlformats.org/drawingml/2006/main" xmlns:r="http://schemas.openxmlformats.org/officeDocument/2006/relationships" xmlns:p1510="http://schemas.microsoft.com/office/powerpoint/2015/10/main">
   <p1510:revLst>
-    <p1510:client id="{C6873D3A-5142-4B27-9846-7DCB74605CCD}" v="2730" dt="2020-06-25T08:22:16.871"/>
+    <p1510:client id="{C6873D3A-5142-4B27-9846-7DCB74605CCD}" v="2872" dt="2020-06-25T14:36:54.928"/>
   </p1510:revLst>
 </p1510:revInfo>
 </file>
@@ -4945,7 +4945,7 @@
   <pc:docChgLst>
     <pc:chgData name="Sabrina De Oliveira" userId="34420f5773a88cdb" providerId="LiveId" clId="{C6873D3A-5142-4B27-9846-7DCB74605CCD}"/>
     <pc:docChg chg="undo redo custSel addSld delSld modSld sldOrd">
-      <pc:chgData name="Sabrina De Oliveira" userId="34420f5773a88cdb" providerId="LiveId" clId="{C6873D3A-5142-4B27-9846-7DCB74605CCD}" dt="2020-06-25T08:22:16.870" v="9418" actId="207"/>
+      <pc:chgData name="Sabrina De Oliveira" userId="34420f5773a88cdb" providerId="LiveId" clId="{C6873D3A-5142-4B27-9846-7DCB74605CCD}" dt="2020-06-25T14:38:40.273" v="9577" actId="1076"/>
       <pc:docMkLst>
         <pc:docMk/>
       </pc:docMkLst>
@@ -5235,6 +5235,13 @@
             <ac:spMk id="7" creationId="{894F5E17-16CC-4DD2-86BC-93A4E7658A0B}"/>
           </ac:spMkLst>
         </pc:spChg>
+      </pc:sldChg>
+      <pc:sldChg chg="ord">
+        <pc:chgData name="Sabrina De Oliveira" userId="34420f5773a88cdb" providerId="LiveId" clId="{C6873D3A-5142-4B27-9846-7DCB74605CCD}" dt="2020-06-25T11:44:40.348" v="9420"/>
+        <pc:sldMkLst>
+          <pc:docMk/>
+          <pc:sldMk cId="3685867582" sldId="271"/>
+        </pc:sldMkLst>
       </pc:sldChg>
       <pc:sldChg chg="addSp delSp modSp del mod modAnim">
         <pc:chgData name="Sabrina De Oliveira" userId="34420f5773a88cdb" providerId="LiveId" clId="{C6873D3A-5142-4B27-9846-7DCB74605CCD}" dt="2020-06-24T18:27:25.934" v="9274" actId="2696"/>
@@ -6180,7 +6187,7 @@
         </pc:cxnChg>
       </pc:sldChg>
       <pc:sldChg chg="addSp delSp modSp add mod delAnim">
-        <pc:chgData name="Sabrina De Oliveira" userId="34420f5773a88cdb" providerId="LiveId" clId="{C6873D3A-5142-4B27-9846-7DCB74605CCD}" dt="2020-06-24T18:27:35.796" v="9275" actId="1076"/>
+        <pc:chgData name="Sabrina De Oliveira" userId="34420f5773a88cdb" providerId="LiveId" clId="{C6873D3A-5142-4B27-9846-7DCB74605CCD}" dt="2020-06-25T11:46:06.575" v="9427" actId="1076"/>
         <pc:sldMkLst>
           <pc:docMk/>
           <pc:sldMk cId="2974230131" sldId="297"/>
@@ -6217,12 +6224,28 @@
             <ac:picMk id="3" creationId="{432E9C5D-3578-41A5-AA02-B642883E2D0B}"/>
           </ac:picMkLst>
         </pc:picChg>
-        <pc:picChg chg="add mod">
-          <ac:chgData name="Sabrina De Oliveira" userId="34420f5773a88cdb" providerId="LiveId" clId="{C6873D3A-5142-4B27-9846-7DCB74605CCD}" dt="2020-06-24T18:27:35.796" v="9275" actId="1076"/>
+        <pc:picChg chg="add del mod">
+          <ac:chgData name="Sabrina De Oliveira" userId="34420f5773a88cdb" providerId="LiveId" clId="{C6873D3A-5142-4B27-9846-7DCB74605CCD}" dt="2020-06-25T11:45:58.948" v="9424" actId="478"/>
           <ac:picMkLst>
             <pc:docMk/>
             <pc:sldMk cId="2974230131" sldId="297"/>
             <ac:picMk id="3" creationId="{82A733A1-1870-4EA3-8EA4-6189065493D4}"/>
+          </ac:picMkLst>
+        </pc:picChg>
+        <pc:picChg chg="add del">
+          <ac:chgData name="Sabrina De Oliveira" userId="34420f5773a88cdb" providerId="LiveId" clId="{C6873D3A-5142-4B27-9846-7DCB74605CCD}" dt="2020-06-25T11:45:22.531" v="9422" actId="478"/>
+          <ac:picMkLst>
+            <pc:docMk/>
+            <pc:sldMk cId="2974230131" sldId="297"/>
+            <ac:picMk id="4" creationId="{86B44B2C-EE7F-4725-8E3F-45617017F847}"/>
+          </ac:picMkLst>
+        </pc:picChg>
+        <pc:picChg chg="add mod">
+          <ac:chgData name="Sabrina De Oliveira" userId="34420f5773a88cdb" providerId="LiveId" clId="{C6873D3A-5142-4B27-9846-7DCB74605CCD}" dt="2020-06-25T11:46:06.575" v="9427" actId="1076"/>
+          <ac:picMkLst>
+            <pc:docMk/>
+            <pc:sldMk cId="2974230131" sldId="297"/>
+            <ac:picMk id="11" creationId="{DE6ED314-C908-4E46-A8BB-6D028B1DD588}"/>
           </ac:picMkLst>
         </pc:picChg>
         <pc:picChg chg="del">
@@ -6682,7 +6705,7 @@
         </pc:sldMkLst>
       </pc:sldChg>
       <pc:sldChg chg="addSp delSp modSp add mod modAnim">
-        <pc:chgData name="Sabrina De Oliveira" userId="34420f5773a88cdb" providerId="LiveId" clId="{C6873D3A-5142-4B27-9846-7DCB74605CCD}" dt="2020-06-25T08:18:48.808" v="9377" actId="114"/>
+        <pc:chgData name="Sabrina De Oliveira" userId="34420f5773a88cdb" providerId="LiveId" clId="{C6873D3A-5142-4B27-9846-7DCB74605CCD}" dt="2020-06-25T14:36:54.928" v="9570" actId="20577"/>
         <pc:sldMkLst>
           <pc:docMk/>
           <pc:sldMk cId="952963527" sldId="307"/>
@@ -6704,7 +6727,7 @@
           </ac:spMkLst>
         </pc:spChg>
         <pc:spChg chg="add mod">
-          <ac:chgData name="Sabrina De Oliveira" userId="34420f5773a88cdb" providerId="LiveId" clId="{C6873D3A-5142-4B27-9846-7DCB74605CCD}" dt="2020-06-23T15:08:35.625" v="5883" actId="114"/>
+          <ac:chgData name="Sabrina De Oliveira" userId="34420f5773a88cdb" providerId="LiveId" clId="{C6873D3A-5142-4B27-9846-7DCB74605CCD}" dt="2020-06-25T14:36:17.543" v="9471" actId="1076"/>
           <ac:spMkLst>
             <pc:docMk/>
             <pc:sldMk cId="952963527" sldId="307"/>
@@ -6728,7 +6751,7 @@
           </ac:spMkLst>
         </pc:spChg>
         <pc:spChg chg="add mod">
-          <ac:chgData name="Sabrina De Oliveira" userId="34420f5773a88cdb" providerId="LiveId" clId="{C6873D3A-5142-4B27-9846-7DCB74605CCD}" dt="2020-06-23T14:04:29.095" v="4761" actId="1076"/>
+          <ac:chgData name="Sabrina De Oliveira" userId="34420f5773a88cdb" providerId="LiveId" clId="{C6873D3A-5142-4B27-9846-7DCB74605CCD}" dt="2020-06-25T14:36:54.928" v="9570" actId="20577"/>
           <ac:spMkLst>
             <pc:docMk/>
             <pc:sldMk cId="952963527" sldId="307"/>
@@ -6919,8 +6942,8 @@
           </ac:picMkLst>
         </pc:picChg>
       </pc:sldChg>
-      <pc:sldChg chg="addSp delSp modSp add mod modAnim">
-        <pc:chgData name="Sabrina De Oliveira" userId="34420f5773a88cdb" providerId="LiveId" clId="{C6873D3A-5142-4B27-9846-7DCB74605CCD}" dt="2020-06-24T18:27:18.925" v="9273" actId="120"/>
+      <pc:sldChg chg="addSp delSp modSp add mod ord modAnim">
+        <pc:chgData name="Sabrina De Oliveira" userId="34420f5773a88cdb" providerId="LiveId" clId="{C6873D3A-5142-4B27-9846-7DCB74605CCD}" dt="2020-06-25T12:56:16.393" v="9429"/>
         <pc:sldMkLst>
           <pc:docMk/>
           <pc:sldMk cId="1616101755" sldId="309"/>
@@ -7412,7 +7435,7 @@
         </pc:cxnChg>
       </pc:sldChg>
       <pc:sldChg chg="addSp delSp modSp add mod modAnim">
-        <pc:chgData name="Sabrina De Oliveira" userId="34420f5773a88cdb" providerId="LiveId" clId="{C6873D3A-5142-4B27-9846-7DCB74605CCD}" dt="2020-06-24T16:07:27.693" v="8801" actId="14100"/>
+        <pc:chgData name="Sabrina De Oliveira" userId="34420f5773a88cdb" providerId="LiveId" clId="{C6873D3A-5142-4B27-9846-7DCB74605CCD}" dt="2020-06-25T13:26:19.057" v="9469" actId="20577"/>
         <pc:sldMkLst>
           <pc:docMk/>
           <pc:sldMk cId="2913014123" sldId="313"/>
@@ -7498,7 +7521,7 @@
           </ac:spMkLst>
         </pc:spChg>
         <pc:spChg chg="add mod">
-          <ac:chgData name="Sabrina De Oliveira" userId="34420f5773a88cdb" providerId="LiveId" clId="{C6873D3A-5142-4B27-9846-7DCB74605CCD}" dt="2020-06-24T16:07:27.693" v="8801" actId="14100"/>
+          <ac:chgData name="Sabrina De Oliveira" userId="34420f5773a88cdb" providerId="LiveId" clId="{C6873D3A-5142-4B27-9846-7DCB74605CCD}" dt="2020-06-25T13:26:19.057" v="9469" actId="20577"/>
           <ac:spMkLst>
             <pc:docMk/>
             <pc:sldMk cId="2913014123" sldId="313"/>
@@ -7507,7 +7530,7 @@
         </pc:spChg>
       </pc:sldChg>
       <pc:sldChg chg="addSp delSp modSp add mod modAnim">
-        <pc:chgData name="Sabrina De Oliveira" userId="34420f5773a88cdb" providerId="LiveId" clId="{C6873D3A-5142-4B27-9846-7DCB74605CCD}" dt="2020-06-24T15:34:22.058" v="7678" actId="14100"/>
+        <pc:chgData name="Sabrina De Oliveira" userId="34420f5773a88cdb" providerId="LiveId" clId="{C6873D3A-5142-4B27-9846-7DCB74605CCD}" dt="2020-06-25T14:38:40.273" v="9577" actId="1076"/>
         <pc:sldMkLst>
           <pc:docMk/>
           <pc:sldMk cId="2908037292" sldId="314"/>
@@ -7601,7 +7624,7 @@
           </ac:spMkLst>
         </pc:spChg>
         <pc:spChg chg="add mod">
-          <ac:chgData name="Sabrina De Oliveira" userId="34420f5773a88cdb" providerId="LiveId" clId="{C6873D3A-5142-4B27-9846-7DCB74605CCD}" dt="2020-06-24T15:21:12.628" v="7325" actId="1076"/>
+          <ac:chgData name="Sabrina De Oliveira" userId="34420f5773a88cdb" providerId="LiveId" clId="{C6873D3A-5142-4B27-9846-7DCB74605CCD}" dt="2020-06-25T14:38:37.925" v="9576"/>
           <ac:spMkLst>
             <pc:docMk/>
             <pc:sldMk cId="2908037292" sldId="314"/>
@@ -7697,7 +7720,7 @@
           </ac:cxnSpMkLst>
         </pc:cxnChg>
         <pc:cxnChg chg="add mod">
-          <ac:chgData name="Sabrina De Oliveira" userId="34420f5773a88cdb" providerId="LiveId" clId="{C6873D3A-5142-4B27-9846-7DCB74605CCD}" dt="2020-06-24T15:27:27.987" v="7405" actId="14100"/>
+          <ac:chgData name="Sabrina De Oliveira" userId="34420f5773a88cdb" providerId="LiveId" clId="{C6873D3A-5142-4B27-9846-7DCB74605CCD}" dt="2020-06-25T14:38:29.593" v="9575" actId="1076"/>
           <ac:cxnSpMkLst>
             <pc:docMk/>
             <pc:sldMk cId="2908037292" sldId="314"/>
@@ -7713,7 +7736,7 @@
           </ac:cxnSpMkLst>
         </pc:cxnChg>
         <pc:cxnChg chg="add mod">
-          <ac:chgData name="Sabrina De Oliveira" userId="34420f5773a88cdb" providerId="LiveId" clId="{C6873D3A-5142-4B27-9846-7DCB74605CCD}" dt="2020-06-24T15:27:38.395" v="7409" actId="1076"/>
+          <ac:chgData name="Sabrina De Oliveira" userId="34420f5773a88cdb" providerId="LiveId" clId="{C6873D3A-5142-4B27-9846-7DCB74605CCD}" dt="2020-06-25T14:38:40.273" v="9577" actId="1076"/>
           <ac:cxnSpMkLst>
             <pc:docMk/>
             <pc:sldMk cId="2908037292" sldId="314"/>
@@ -7801,7 +7824,7 @@
         </pc:sldMkLst>
       </pc:sldChg>
       <pc:sldChg chg="delSp modSp add mod">
-        <pc:chgData name="Sabrina De Oliveira" userId="34420f5773a88cdb" providerId="LiveId" clId="{C6873D3A-5142-4B27-9846-7DCB74605CCD}" dt="2020-06-24T16:01:50.356" v="8551" actId="478"/>
+        <pc:chgData name="Sabrina De Oliveira" userId="34420f5773a88cdb" providerId="LiveId" clId="{C6873D3A-5142-4B27-9846-7DCB74605CCD}" dt="2020-06-25T14:36:03.518" v="9470"/>
         <pc:sldMkLst>
           <pc:docMk/>
           <pc:sldMk cId="2990405769" sldId="315"/>
@@ -7830,6 +7853,14 @@
             <ac:spMk id="40" creationId="{0074DB68-71D0-4958-B306-011B08B3C2A7}"/>
           </ac:spMkLst>
         </pc:spChg>
+        <pc:graphicFrameChg chg="mod">
+          <ac:chgData name="Sabrina De Oliveira" userId="34420f5773a88cdb" providerId="LiveId" clId="{C6873D3A-5142-4B27-9846-7DCB74605CCD}" dt="2020-06-25T14:36:03.518" v="9470"/>
+          <ac:graphicFrameMkLst>
+            <pc:docMk/>
+            <pc:sldMk cId="2990405769" sldId="315"/>
+            <ac:graphicFrameMk id="14" creationId="{E667E17F-DAAE-46CF-9029-5495AB198ECF}"/>
+          </ac:graphicFrameMkLst>
+        </pc:graphicFrameChg>
         <pc:graphicFrameChg chg="modGraphic">
           <ac:chgData name="Sabrina De Oliveira" userId="34420f5773a88cdb" providerId="LiveId" clId="{C6873D3A-5142-4B27-9846-7DCB74605CCD}" dt="2020-06-24T16:01:45.512" v="8550" actId="14734"/>
           <ac:graphicFrameMkLst>
@@ -8528,7 +8559,7 @@
           <a:p>
             <a:fld id="{A461424F-0195-4502-BBA8-57027C685AAE}" type="slidenum">
               <a:rPr lang="en-GB" smtClean="0"/>
-              <a:t>15</a:t>
+              <a:t>14</a:t>
             </a:fld>
             <a:endParaRPr lang="en-GB"/>
           </a:p>
@@ -8615,7 +8646,7 @@
           <a:p>
             <a:fld id="{A461424F-0195-4502-BBA8-57027C685AAE}" type="slidenum">
               <a:rPr lang="en-GB" smtClean="0"/>
-              <a:t>18</a:t>
+              <a:t>17</a:t>
             </a:fld>
             <a:endParaRPr lang="en-GB"/>
           </a:p>
@@ -8702,7 +8733,7 @@
           <a:p>
             <a:fld id="{A461424F-0195-4502-BBA8-57027C685AAE}" type="slidenum">
               <a:rPr lang="en-GB" smtClean="0"/>
-              <a:t>19</a:t>
+              <a:t>18</a:t>
             </a:fld>
             <a:endParaRPr lang="en-GB"/>
           </a:p>
@@ -8789,7 +8820,7 @@
           <a:p>
             <a:fld id="{A461424F-0195-4502-BBA8-57027C685AAE}" type="slidenum">
               <a:rPr lang="en-GB" smtClean="0"/>
-              <a:t>20</a:t>
+              <a:t>19</a:t>
             </a:fld>
             <a:endParaRPr lang="en-GB"/>
           </a:p>
@@ -8923,7 +8954,7 @@
           <a:p>
             <a:fld id="{A461424F-0195-4502-BBA8-57027C685AAE}" type="slidenum">
               <a:rPr lang="en-GB" smtClean="0"/>
-              <a:t>23</a:t>
+              <a:t>22</a:t>
             </a:fld>
             <a:endParaRPr lang="en-GB"/>
           </a:p>
@@ -9860,7 +9891,7 @@
           <a:p>
             <a:fld id="{A461424F-0195-4502-BBA8-57027C685AAE}" type="slidenum">
               <a:rPr lang="en-GB" smtClean="0"/>
-              <a:t>14</a:t>
+              <a:t>13</a:t>
             </a:fld>
             <a:endParaRPr lang="en-GB"/>
           </a:p>
@@ -18012,7 +18043,7 @@
         </p:nvSpPr>
         <p:spPr>
           <a:xfrm>
-            <a:off x="8261214" y="3015352"/>
+            <a:off x="8261213" y="2820799"/>
             <a:ext cx="3930785" cy="1477328"/>
           </a:xfrm>
           <a:prstGeom prst="rect">
@@ -18144,7 +18175,7 @@
         <p:spPr>
           <a:xfrm>
             <a:off x="2986680" y="4825583"/>
-            <a:ext cx="6030005" cy="1169551"/>
+            <a:ext cx="6030005" cy="1477328"/>
           </a:xfrm>
           <a:prstGeom prst="rect">
             <a:avLst/>
@@ -18175,7 +18206,7 @@
             </a:pPr>
             <a:r>
               <a:rPr lang="en-GB" sz="2000" dirty="0"/>
-              <a:t>Small change could be due to the IS subjects also being obese.</a:t>
+              <a:t>Small change could be due to the IS subjects also being obese, however, this small change does show an effect of IR independent of BMI.</a:t>
             </a:r>
           </a:p>
         </p:txBody>
@@ -18300,1423 +18331,6 @@
 </file>
 
 <file path=ppt/slides/slide13.xml><?xml version="1.0" encoding="utf-8"?>
-<p:sld xmlns:a="http://schemas.openxmlformats.org/drawingml/2006/main" xmlns:r="http://schemas.openxmlformats.org/officeDocument/2006/relationships" xmlns:p="http://schemas.openxmlformats.org/presentationml/2006/main">
-  <p:cSld>
-    <p:spTree>
-      <p:nvGrpSpPr>
-        <p:cNvPr id="1" name=""/>
-        <p:cNvGrpSpPr/>
-        <p:nvPr/>
-      </p:nvGrpSpPr>
-      <p:grpSpPr>
-        <a:xfrm>
-          <a:off x="0" y="0"/>
-          <a:ext cx="0" cy="0"/>
-          <a:chOff x="0" y="0"/>
-          <a:chExt cx="0" cy="0"/>
-        </a:xfrm>
-      </p:grpSpPr>
-      <p:sp>
-        <p:nvSpPr>
-          <p:cNvPr id="14" name="TextBox 13">
-            <a:extLst>
-              <a:ext uri="{FF2B5EF4-FFF2-40B4-BE49-F238E27FC236}">
-                <a16:creationId xmlns:a16="http://schemas.microsoft.com/office/drawing/2014/main" id="{E2C35CB7-E028-4FCA-9D22-88FE87EF9A86}"/>
-              </a:ext>
-            </a:extLst>
-          </p:cNvPr>
-          <p:cNvSpPr txBox="1"/>
-          <p:nvPr/>
-        </p:nvSpPr>
-        <p:spPr>
-          <a:xfrm>
-            <a:off x="10510347" y="551452"/>
-            <a:ext cx="534661" cy="461665"/>
-          </a:xfrm>
-          <a:prstGeom prst="rect">
-            <a:avLst/>
-          </a:prstGeom>
-          <a:noFill/>
-        </p:spPr>
-        <p:txBody>
-          <a:bodyPr wrap="square" rtlCol="0">
-            <a:spAutoFit/>
-          </a:bodyPr>
-          <a:lstStyle/>
-          <a:p>
-            <a:r>
-              <a:rPr lang="en-GB" sz="2400" b="1" dirty="0">
-                <a:latin typeface="Arial" panose="020B0604020202020204" pitchFamily="34" charset="0"/>
-                <a:cs typeface="Arial" panose="020B0604020202020204" pitchFamily="34" charset="0"/>
-              </a:rPr>
-              <a:t>11</a:t>
-            </a:r>
-          </a:p>
-        </p:txBody>
-      </p:sp>
-      <p:sp>
-        <p:nvSpPr>
-          <p:cNvPr id="6" name="Title 1">
-            <a:extLst>
-              <a:ext uri="{FF2B5EF4-FFF2-40B4-BE49-F238E27FC236}">
-                <a16:creationId xmlns:a16="http://schemas.microsoft.com/office/drawing/2014/main" id="{D4ED89BF-271F-4EFF-9B1B-223164C7E839}"/>
-              </a:ext>
-            </a:extLst>
-          </p:cNvPr>
-          <p:cNvSpPr txBox="1">
-            <a:spLocks/>
-          </p:cNvSpPr>
-          <p:nvPr/>
-        </p:nvSpPr>
-        <p:spPr>
-          <a:xfrm>
-            <a:off x="646110" y="464006"/>
-            <a:ext cx="9404723" cy="1400530"/>
-          </a:xfrm>
-          <a:prstGeom prst="rect">
-            <a:avLst/>
-          </a:prstGeom>
-        </p:spPr>
-        <p:txBody>
-          <a:bodyPr vert="horz" lIns="91440" tIns="45720" rIns="91440" bIns="45720" rtlCol="0" anchor="t">
-            <a:noAutofit/>
-          </a:bodyPr>
-          <a:lstStyle>
-            <a:lvl1pPr algn="l" defTabSz="457200" rtl="0" eaLnBrk="1" latinLnBrk="0" hangingPunct="1">
-              <a:spcBef>
-                <a:spcPct val="0"/>
-              </a:spcBef>
-              <a:buNone/>
-              <a:defRPr sz="4200" b="0" i="0" kern="1200">
-                <a:solidFill>
-                  <a:schemeClr val="tx2"/>
-                </a:solidFill>
-                <a:latin typeface="+mj-lt"/>
-                <a:ea typeface="+mj-ea"/>
-                <a:cs typeface="+mj-cs"/>
-              </a:defRPr>
-            </a:lvl1pPr>
-            <a:lvl2pPr eaLnBrk="1" hangingPunct="1">
-              <a:defRPr>
-                <a:solidFill>
-                  <a:schemeClr val="tx2"/>
-                </a:solidFill>
-              </a:defRPr>
-            </a:lvl2pPr>
-            <a:lvl3pPr eaLnBrk="1" hangingPunct="1">
-              <a:defRPr>
-                <a:solidFill>
-                  <a:schemeClr val="tx2"/>
-                </a:solidFill>
-              </a:defRPr>
-            </a:lvl3pPr>
-            <a:lvl4pPr eaLnBrk="1" hangingPunct="1">
-              <a:defRPr>
-                <a:solidFill>
-                  <a:schemeClr val="tx2"/>
-                </a:solidFill>
-              </a:defRPr>
-            </a:lvl4pPr>
-            <a:lvl5pPr eaLnBrk="1" hangingPunct="1">
-              <a:defRPr>
-                <a:solidFill>
-                  <a:schemeClr val="tx2"/>
-                </a:solidFill>
-              </a:defRPr>
-            </a:lvl5pPr>
-            <a:lvl6pPr eaLnBrk="1" hangingPunct="1">
-              <a:defRPr>
-                <a:solidFill>
-                  <a:schemeClr val="tx2"/>
-                </a:solidFill>
-              </a:defRPr>
-            </a:lvl6pPr>
-            <a:lvl7pPr eaLnBrk="1" hangingPunct="1">
-              <a:defRPr>
-                <a:solidFill>
-                  <a:schemeClr val="tx2"/>
-                </a:solidFill>
-              </a:defRPr>
-            </a:lvl7pPr>
-            <a:lvl8pPr eaLnBrk="1" hangingPunct="1">
-              <a:defRPr>
-                <a:solidFill>
-                  <a:schemeClr val="tx2"/>
-                </a:solidFill>
-              </a:defRPr>
-            </a:lvl8pPr>
-            <a:lvl9pPr eaLnBrk="1" hangingPunct="1">
-              <a:defRPr>
-                <a:solidFill>
-                  <a:schemeClr val="tx2"/>
-                </a:solidFill>
-              </a:defRPr>
-            </a:lvl9pPr>
-          </a:lstStyle>
-          <a:p>
-            <a:pPr>
-              <a:lnSpc>
-                <a:spcPts val="5200"/>
-              </a:lnSpc>
-              <a:spcAft>
-                <a:spcPts val="6000"/>
-              </a:spcAft>
-            </a:pPr>
-            <a:r>
-              <a:rPr lang="en-GB" sz="3700" dirty="0"/>
-              <a:t>Discussion: </a:t>
-            </a:r>
-            <a:r>
-              <a:rPr lang="en-GB" sz="3700" i="1" dirty="0"/>
-              <a:t>Bacteroidetes/Firmicutes</a:t>
-            </a:r>
-            <a:endParaRPr lang="en-GB" sz="3000" dirty="0"/>
-          </a:p>
-        </p:txBody>
-      </p:sp>
-      <p:sp>
-        <p:nvSpPr>
-          <p:cNvPr id="13" name="Oval 12">
-            <a:extLst>
-              <a:ext uri="{FF2B5EF4-FFF2-40B4-BE49-F238E27FC236}">
-                <a16:creationId xmlns:a16="http://schemas.microsoft.com/office/drawing/2014/main" id="{13B3FA44-0854-4234-8D07-63BF6DAB7B73}"/>
-              </a:ext>
-            </a:extLst>
-          </p:cNvPr>
-          <p:cNvSpPr/>
-          <p:nvPr/>
-        </p:nvSpPr>
-        <p:spPr>
-          <a:xfrm>
-            <a:off x="10488426" y="488805"/>
-            <a:ext cx="578504" cy="586960"/>
-          </a:xfrm>
-          <a:prstGeom prst="ellipse">
-            <a:avLst/>
-          </a:prstGeom>
-          <a:noFill/>
-          <a:ln w="38100">
-            <a:solidFill>
-              <a:schemeClr val="tx1"/>
-            </a:solidFill>
-          </a:ln>
-        </p:spPr>
-        <p:style>
-          <a:lnRef idx="2">
-            <a:schemeClr val="accent1">
-              <a:shade val="50000"/>
-            </a:schemeClr>
-          </a:lnRef>
-          <a:fillRef idx="1">
-            <a:schemeClr val="accent1"/>
-          </a:fillRef>
-          <a:effectRef idx="0">
-            <a:schemeClr val="accent1"/>
-          </a:effectRef>
-          <a:fontRef idx="minor">
-            <a:schemeClr val="lt1"/>
-          </a:fontRef>
-        </p:style>
-        <p:txBody>
-          <a:bodyPr rtlCol="0" anchor="ctr"/>
-          <a:lstStyle/>
-          <a:p>
-            <a:pPr algn="ctr"/>
-            <a:endParaRPr lang="en-GB"/>
-          </a:p>
-        </p:txBody>
-      </p:sp>
-      <p:sp>
-        <p:nvSpPr>
-          <p:cNvPr id="7" name="TextBox 6">
-            <a:extLst>
-              <a:ext uri="{FF2B5EF4-FFF2-40B4-BE49-F238E27FC236}">
-                <a16:creationId xmlns:a16="http://schemas.microsoft.com/office/drawing/2014/main" id="{0A60AF13-64A9-4F72-A7CA-01DB0C687478}"/>
-              </a:ext>
-            </a:extLst>
-          </p:cNvPr>
-          <p:cNvSpPr txBox="1"/>
-          <p:nvPr/>
-        </p:nvSpPr>
-        <p:spPr>
-          <a:xfrm>
-            <a:off x="8271222" y="2566381"/>
-            <a:ext cx="3930785" cy="707886"/>
-          </a:xfrm>
-          <a:prstGeom prst="rect">
-            <a:avLst/>
-          </a:prstGeom>
-          <a:noFill/>
-        </p:spPr>
-        <p:txBody>
-          <a:bodyPr wrap="square" rtlCol="0">
-            <a:spAutoFit/>
-          </a:bodyPr>
-          <a:lstStyle/>
-          <a:p>
-            <a:r>
-              <a:rPr lang="en-GB" sz="2000" dirty="0"/>
-              <a:t>	↓ </a:t>
-            </a:r>
-            <a:r>
-              <a:rPr lang="en-GB" sz="2000" i="1" dirty="0"/>
-              <a:t>Bacteroidetes</a:t>
-            </a:r>
-            <a:r>
-              <a:rPr lang="en-GB" sz="2000" dirty="0"/>
-              <a:t>/</a:t>
-            </a:r>
-            <a:r>
-              <a:rPr lang="en-GB" sz="2000" i="1" dirty="0"/>
-              <a:t>Firmicutes</a:t>
-            </a:r>
-            <a:r>
-              <a:rPr lang="en-GB" sz="2000" dirty="0"/>
-              <a:t> </a:t>
-            </a:r>
-          </a:p>
-          <a:p>
-            <a:r>
-              <a:rPr lang="en-GB" sz="2000" dirty="0"/>
-              <a:t>	ratio in T2D. (4) </a:t>
-            </a:r>
-          </a:p>
-        </p:txBody>
-      </p:sp>
-      <p:pic>
-        <p:nvPicPr>
-          <p:cNvPr id="5" name="Graphic 4" descr="Checkmark">
-            <a:extLst>
-              <a:ext uri="{FF2B5EF4-FFF2-40B4-BE49-F238E27FC236}">
-                <a16:creationId xmlns:a16="http://schemas.microsoft.com/office/drawing/2014/main" id="{8FD2C10A-7ECD-4609-A9F6-0D1F2CBADE53}"/>
-              </a:ext>
-            </a:extLst>
-          </p:cNvPr>
-          <p:cNvPicPr>
-            <a:picLocks noChangeAspect="1"/>
-          </p:cNvPicPr>
-          <p:nvPr/>
-        </p:nvPicPr>
-        <p:blipFill>
-          <a:blip r:embed="rId2">
-            <a:extLst>
-              <a:ext uri="{28A0092B-C50C-407E-A947-70E740481C1C}">
-                <a14:useLocalDpi xmlns:a14="http://schemas.microsoft.com/office/drawing/2010/main" val="0"/>
-              </a:ext>
-              <a:ext uri="{96DAC541-7B7A-43D3-8B79-37D633B846F1}">
-                <asvg:svgBlip xmlns:asvg="http://schemas.microsoft.com/office/drawing/2016/SVG/main" r:embed="rId3"/>
-              </a:ext>
-            </a:extLst>
-          </a:blip>
-          <a:stretch>
-            <a:fillRect/>
-          </a:stretch>
-        </p:blipFill>
-        <p:spPr>
-          <a:xfrm>
-            <a:off x="8271222" y="2720546"/>
-            <a:ext cx="419482" cy="419482"/>
-          </a:xfrm>
-          <a:prstGeom prst="rect">
-            <a:avLst/>
-          </a:prstGeom>
-        </p:spPr>
-      </p:pic>
-      <p:sp>
-        <p:nvSpPr>
-          <p:cNvPr id="15" name="Rectangle 14">
-            <a:extLst>
-              <a:ext uri="{FF2B5EF4-FFF2-40B4-BE49-F238E27FC236}">
-                <a16:creationId xmlns:a16="http://schemas.microsoft.com/office/drawing/2014/main" id="{7A50E710-46ED-4F10-A0FF-619600DA576F}"/>
-              </a:ext>
-            </a:extLst>
-          </p:cNvPr>
-          <p:cNvSpPr/>
-          <p:nvPr/>
-        </p:nvSpPr>
-        <p:spPr>
-          <a:xfrm>
-            <a:off x="3063404" y="5156169"/>
-            <a:ext cx="6065192" cy="1577684"/>
-          </a:xfrm>
-          <a:prstGeom prst="rect">
-            <a:avLst/>
-          </a:prstGeom>
-          <a:solidFill>
-            <a:schemeClr val="tx1">
-              <a:alpha val="25000"/>
-            </a:schemeClr>
-          </a:solidFill>
-          <a:ln>
-            <a:solidFill>
-              <a:schemeClr val="tx1">
-                <a:lumMod val="75000"/>
-              </a:schemeClr>
-            </a:solidFill>
-          </a:ln>
-        </p:spPr>
-        <p:style>
-          <a:lnRef idx="2">
-            <a:schemeClr val="accent1">
-              <a:shade val="50000"/>
-            </a:schemeClr>
-          </a:lnRef>
-          <a:fillRef idx="1">
-            <a:schemeClr val="accent1"/>
-          </a:fillRef>
-          <a:effectRef idx="0">
-            <a:schemeClr val="accent1"/>
-          </a:effectRef>
-          <a:fontRef idx="minor">
-            <a:schemeClr val="lt1"/>
-          </a:fontRef>
-        </p:style>
-        <p:txBody>
-          <a:bodyPr rtlCol="0" anchor="ctr"/>
-          <a:lstStyle/>
-          <a:p>
-            <a:pPr algn="ctr"/>
-            <a:endParaRPr lang="en-GB" sz="2000" dirty="0"/>
-          </a:p>
-        </p:txBody>
-      </p:sp>
-      <p:sp>
-        <p:nvSpPr>
-          <p:cNvPr id="16" name="TextBox 15">
-            <a:extLst>
-              <a:ext uri="{FF2B5EF4-FFF2-40B4-BE49-F238E27FC236}">
-                <a16:creationId xmlns:a16="http://schemas.microsoft.com/office/drawing/2014/main" id="{C8136088-92B8-4808-B669-49A3F44BB325}"/>
-              </a:ext>
-            </a:extLst>
-          </p:cNvPr>
-          <p:cNvSpPr txBox="1"/>
-          <p:nvPr/>
-        </p:nvSpPr>
-        <p:spPr>
-          <a:xfrm>
-            <a:off x="3063404" y="5154160"/>
-            <a:ext cx="6065192" cy="1477328"/>
-          </a:xfrm>
-          <a:prstGeom prst="rect">
-            <a:avLst/>
-          </a:prstGeom>
-          <a:noFill/>
-        </p:spPr>
-        <p:txBody>
-          <a:bodyPr wrap="square" rtlCol="0">
-            <a:spAutoFit/>
-          </a:bodyPr>
-          <a:lstStyle/>
-          <a:p>
-            <a:pPr algn="ctr">
-              <a:spcAft>
-                <a:spcPts val="1200"/>
-              </a:spcAft>
-            </a:pPr>
-            <a:r>
-              <a:rPr lang="en-GB" sz="2000" u="sng" dirty="0"/>
-              <a:t>Conclusion</a:t>
-            </a:r>
-          </a:p>
-          <a:p>
-            <a:pPr>
-              <a:spcAft>
-                <a:spcPts val="1200"/>
-              </a:spcAft>
-            </a:pPr>
-            <a:r>
-              <a:rPr lang="en-GB" sz="2000" dirty="0"/>
-              <a:t>Given the sample population, may be better to investigate the metagenomic differences at a level more specific than phylum.</a:t>
-            </a:r>
-          </a:p>
-        </p:txBody>
-      </p:sp>
-      <p:pic>
-        <p:nvPicPr>
-          <p:cNvPr id="12" name="Picture 10">
-            <a:extLst>
-              <a:ext uri="{FF2B5EF4-FFF2-40B4-BE49-F238E27FC236}">
-                <a16:creationId xmlns:a16="http://schemas.microsoft.com/office/drawing/2014/main" id="{FB75AC79-8190-4231-AF86-458BED7FC059}"/>
-              </a:ext>
-            </a:extLst>
-          </p:cNvPr>
-          <p:cNvPicPr>
-            <a:picLocks noChangeAspect="1" noChangeArrowheads="1"/>
-          </p:cNvPicPr>
-          <p:nvPr/>
-        </p:nvPicPr>
-        <p:blipFill>
-          <a:blip r:embed="rId4">
-            <a:extLst>
-              <a:ext uri="{28A0092B-C50C-407E-A947-70E740481C1C}">
-                <a14:useLocalDpi xmlns:a14="http://schemas.microsoft.com/office/drawing/2010/main" val="0"/>
-              </a:ext>
-            </a:extLst>
-          </a:blip>
-          <a:srcRect/>
-          <a:stretch>
-            <a:fillRect/>
-          </a:stretch>
-        </p:blipFill>
-        <p:spPr bwMode="auto">
-          <a:xfrm>
-            <a:off x="342631" y="1426039"/>
-            <a:ext cx="5540933" cy="3490396"/>
-          </a:xfrm>
-          <a:prstGeom prst="rect">
-            <a:avLst/>
-          </a:prstGeom>
-          <a:noFill/>
-          <a:extLst>
-            <a:ext uri="{909E8E84-426E-40DD-AFC4-6F175D3DCCD1}">
-              <a14:hiddenFill xmlns:a14="http://schemas.microsoft.com/office/drawing/2010/main">
-                <a:solidFill>
-                  <a:srgbClr val="FFFFFF"/>
-                </a:solidFill>
-              </a14:hiddenFill>
-            </a:ext>
-          </a:extLst>
-        </p:spPr>
-      </p:pic>
-      <p:sp>
-        <p:nvSpPr>
-          <p:cNvPr id="17" name="TextBox 16">
-            <a:extLst>
-              <a:ext uri="{FF2B5EF4-FFF2-40B4-BE49-F238E27FC236}">
-                <a16:creationId xmlns:a16="http://schemas.microsoft.com/office/drawing/2014/main" id="{FDE6870E-2A9F-48E7-883A-98E849B7A779}"/>
-              </a:ext>
-            </a:extLst>
-          </p:cNvPr>
-          <p:cNvSpPr txBox="1"/>
-          <p:nvPr/>
-        </p:nvSpPr>
-        <p:spPr>
-          <a:xfrm>
-            <a:off x="6591836" y="1364700"/>
-            <a:ext cx="1435297" cy="400110"/>
-          </a:xfrm>
-          <a:prstGeom prst="rect">
-            <a:avLst/>
-          </a:prstGeom>
-          <a:noFill/>
-        </p:spPr>
-        <p:txBody>
-          <a:bodyPr wrap="square" rtlCol="0">
-            <a:spAutoFit/>
-          </a:bodyPr>
-          <a:lstStyle/>
-          <a:p>
-            <a:r>
-              <a:rPr lang="en-GB" sz="2000" i="1" dirty="0"/>
-              <a:t>Firmicutes</a:t>
-            </a:r>
-          </a:p>
-        </p:txBody>
-      </p:sp>
-      <p:cxnSp>
-        <p:nvCxnSpPr>
-          <p:cNvPr id="4" name="Straight Arrow Connector 3">
-            <a:extLst>
-              <a:ext uri="{FF2B5EF4-FFF2-40B4-BE49-F238E27FC236}">
-                <a16:creationId xmlns:a16="http://schemas.microsoft.com/office/drawing/2014/main" id="{6BABC3EA-A91A-4EB3-B45F-1B8BB08CBE22}"/>
-              </a:ext>
-            </a:extLst>
-          </p:cNvPr>
-          <p:cNvCxnSpPr>
-            <a:cxnSpLocks/>
-          </p:cNvCxnSpPr>
-          <p:nvPr/>
-        </p:nvCxnSpPr>
-        <p:spPr>
-          <a:xfrm>
-            <a:off x="5829752" y="1582962"/>
-            <a:ext cx="762084" cy="0"/>
-          </a:xfrm>
-          <a:prstGeom prst="straightConnector1">
-            <a:avLst/>
-          </a:prstGeom>
-          <a:ln w="28575">
-            <a:tailEnd type="triangle"/>
-          </a:ln>
-        </p:spPr>
-        <p:style>
-          <a:lnRef idx="2">
-            <a:schemeClr val="accent1"/>
-          </a:lnRef>
-          <a:fillRef idx="0">
-            <a:schemeClr val="accent1"/>
-          </a:fillRef>
-          <a:effectRef idx="1">
-            <a:schemeClr val="accent1"/>
-          </a:effectRef>
-          <a:fontRef idx="minor">
-            <a:schemeClr val="tx1"/>
-          </a:fontRef>
-        </p:style>
-      </p:cxnSp>
-      <p:sp>
-        <p:nvSpPr>
-          <p:cNvPr id="18" name="TextBox 17">
-            <a:extLst>
-              <a:ext uri="{FF2B5EF4-FFF2-40B4-BE49-F238E27FC236}">
-                <a16:creationId xmlns:a16="http://schemas.microsoft.com/office/drawing/2014/main" id="{A5F93F82-9B3B-40FF-8654-3A51D56CD33E}"/>
-              </a:ext>
-            </a:extLst>
-          </p:cNvPr>
-          <p:cNvSpPr txBox="1"/>
-          <p:nvPr/>
-        </p:nvSpPr>
-        <p:spPr>
-          <a:xfrm>
-            <a:off x="6711351" y="4125686"/>
-            <a:ext cx="2009955" cy="400110"/>
-          </a:xfrm>
-          <a:prstGeom prst="rect">
-            <a:avLst/>
-          </a:prstGeom>
-          <a:noFill/>
-        </p:spPr>
-        <p:txBody>
-          <a:bodyPr wrap="square" rtlCol="0">
-            <a:spAutoFit/>
-          </a:bodyPr>
-          <a:lstStyle/>
-          <a:p>
-            <a:r>
-              <a:rPr lang="en-GB" sz="2000" i="1" dirty="0"/>
-              <a:t>Bacteroidetes</a:t>
-            </a:r>
-          </a:p>
-        </p:txBody>
-      </p:sp>
-      <p:cxnSp>
-        <p:nvCxnSpPr>
-          <p:cNvPr id="19" name="Straight Arrow Connector 18">
-            <a:extLst>
-              <a:ext uri="{FF2B5EF4-FFF2-40B4-BE49-F238E27FC236}">
-                <a16:creationId xmlns:a16="http://schemas.microsoft.com/office/drawing/2014/main" id="{FA222812-8DD0-4D5A-BFF7-875963811737}"/>
-              </a:ext>
-            </a:extLst>
-          </p:cNvPr>
-          <p:cNvCxnSpPr>
-            <a:cxnSpLocks/>
-          </p:cNvCxnSpPr>
-          <p:nvPr/>
-        </p:nvCxnSpPr>
-        <p:spPr>
-          <a:xfrm>
-            <a:off x="3698206" y="4325137"/>
-            <a:ext cx="3013145" cy="0"/>
-          </a:xfrm>
-          <a:prstGeom prst="straightConnector1">
-            <a:avLst/>
-          </a:prstGeom>
-          <a:ln w="28575">
-            <a:tailEnd type="triangle"/>
-          </a:ln>
-        </p:spPr>
-        <p:style>
-          <a:lnRef idx="2">
-            <a:schemeClr val="accent1"/>
-          </a:lnRef>
-          <a:fillRef idx="0">
-            <a:schemeClr val="accent1"/>
-          </a:fillRef>
-          <a:effectRef idx="1">
-            <a:schemeClr val="accent1"/>
-          </a:effectRef>
-          <a:fontRef idx="minor">
-            <a:schemeClr val="tx1"/>
-          </a:fontRef>
-        </p:style>
-      </p:cxnSp>
-      <p:sp>
-        <p:nvSpPr>
-          <p:cNvPr id="21" name="Left Brace 20">
-            <a:extLst>
-              <a:ext uri="{FF2B5EF4-FFF2-40B4-BE49-F238E27FC236}">
-                <a16:creationId xmlns:a16="http://schemas.microsoft.com/office/drawing/2014/main" id="{30AFB968-9ECE-46FD-801D-77335F33C5EE}"/>
-              </a:ext>
-            </a:extLst>
-          </p:cNvPr>
-          <p:cNvSpPr/>
-          <p:nvPr/>
-        </p:nvSpPr>
-        <p:spPr>
-          <a:xfrm>
-            <a:off x="1730447" y="1527700"/>
-            <a:ext cx="141485" cy="1374603"/>
-          </a:xfrm>
-          <a:prstGeom prst="leftBrace">
-            <a:avLst/>
-          </a:prstGeom>
-          <a:noFill/>
-          <a:ln>
-            <a:solidFill>
-              <a:schemeClr val="bg1">
-                <a:lumMod val="75000"/>
-                <a:lumOff val="25000"/>
-              </a:schemeClr>
-            </a:solidFill>
-          </a:ln>
-        </p:spPr>
-        <p:style>
-          <a:lnRef idx="1">
-            <a:schemeClr val="accent1"/>
-          </a:lnRef>
-          <a:fillRef idx="0">
-            <a:schemeClr val="accent1"/>
-          </a:fillRef>
-          <a:effectRef idx="0">
-            <a:schemeClr val="accent1"/>
-          </a:effectRef>
-          <a:fontRef idx="minor">
-            <a:schemeClr val="tx1"/>
-          </a:fontRef>
-        </p:style>
-        <p:txBody>
-          <a:bodyPr rtlCol="0" anchor="ctr"/>
-          <a:lstStyle/>
-          <a:p>
-            <a:pPr algn="ctr"/>
-            <a:endParaRPr lang="en-GB"/>
-          </a:p>
-        </p:txBody>
-      </p:sp>
-      <p:sp>
-        <p:nvSpPr>
-          <p:cNvPr id="22" name="Rectangle 21">
-            <a:extLst>
-              <a:ext uri="{FF2B5EF4-FFF2-40B4-BE49-F238E27FC236}">
-                <a16:creationId xmlns:a16="http://schemas.microsoft.com/office/drawing/2014/main" id="{11EF4679-62D4-464B-9F66-1E5C44580E82}"/>
-              </a:ext>
-            </a:extLst>
-          </p:cNvPr>
-          <p:cNvSpPr>
-            <a:spLocks noChangeArrowheads="1"/>
-          </p:cNvSpPr>
-          <p:nvPr/>
-        </p:nvSpPr>
-        <p:spPr bwMode="auto">
-          <a:xfrm>
-            <a:off x="646110" y="1999557"/>
-            <a:ext cx="1084337" cy="430887"/>
-          </a:xfrm>
-          <a:prstGeom prst="rect">
-            <a:avLst/>
-          </a:prstGeom>
-          <a:noFill/>
-          <a:ln w="9525">
-            <a:noFill/>
-            <a:miter lim="800000"/>
-            <a:headEnd/>
-            <a:tailEnd/>
-          </a:ln>
-          <a:effectLst/>
-          <a:extLst>
-            <a:ext uri="{909E8E84-426E-40DD-AFC4-6F175D3DCCD1}">
-              <a14:hiddenFill xmlns:a14="http://schemas.microsoft.com/office/drawing/2010/main">
-                <a:solidFill>
-                  <a:schemeClr val="accent1"/>
-                </a:solidFill>
-              </a14:hiddenFill>
-            </a:ext>
-            <a:ext uri="{AF507438-7753-43E0-B8FC-AC1667EBCBE1}">
-              <a14:hiddenEffects xmlns:a14="http://schemas.microsoft.com/office/drawing/2010/main">
-                <a:effectLst>
-                  <a:outerShdw dist="35921" dir="2700000" algn="ctr" rotWithShape="0">
-                    <a:schemeClr val="bg2"/>
-                  </a:outerShdw>
-                </a:effectLst>
-              </a14:hiddenEffects>
-            </a:ext>
-          </a:extLst>
-        </p:spPr>
-        <p:txBody>
-          <a:bodyPr vert="horz" wrap="square" lIns="91440" tIns="45720" rIns="91440" bIns="45720" numCol="1" anchor="ctr" anchorCtr="0" compatLnSpc="1">
-            <a:prstTxWarp prst="textNoShape">
-              <a:avLst/>
-            </a:prstTxWarp>
-            <a:spAutoFit/>
-          </a:bodyPr>
-          <a:lstStyle/>
-          <a:p>
-            <a:pPr marL="0" marR="0" lvl="0" indent="0" algn="just" defTabSz="914400" rtl="0" eaLnBrk="0" fontAlgn="base" latinLnBrk="0" hangingPunct="0">
-              <a:lnSpc>
-                <a:spcPct val="100000"/>
-              </a:lnSpc>
-              <a:spcBef>
-                <a:spcPct val="0"/>
-              </a:spcBef>
-              <a:spcAft>
-                <a:spcPct val="0"/>
-              </a:spcAft>
-              <a:buClrTx/>
-              <a:buSzTx/>
-              <a:buFontTx/>
-              <a:buNone/>
-              <a:tabLst/>
-            </a:pPr>
-            <a:r>
-              <a:rPr lang="en-GB" altLang="en-US" sz="1100" dirty="0">
-                <a:solidFill>
-                  <a:schemeClr val="bg1">
-                    <a:lumMod val="75000"/>
-                    <a:lumOff val="25000"/>
-                  </a:schemeClr>
-                </a:solidFill>
-                <a:latin typeface="Calibri" panose="020F0502020204030204" pitchFamily="34" charset="0"/>
-                <a:cs typeface="Times New Roman" panose="02020603050405020304" pitchFamily="18" charset="0"/>
-              </a:rPr>
-              <a:t>More abundant in IR</a:t>
-            </a:r>
-            <a:endParaRPr kumimoji="0" lang="en-GB" altLang="en-US" sz="1100" b="0" u="none" strike="noStrike" cap="none" normalizeH="0" baseline="0" dirty="0">
-              <a:ln>
-                <a:noFill/>
-              </a:ln>
-              <a:solidFill>
-                <a:schemeClr val="bg1">
-                  <a:lumMod val="75000"/>
-                  <a:lumOff val="25000"/>
-                </a:schemeClr>
-              </a:solidFill>
-              <a:effectLst/>
-              <a:latin typeface="Arial" panose="020B0604020202020204" pitchFamily="34" charset="0"/>
-            </a:endParaRPr>
-          </a:p>
-        </p:txBody>
-      </p:sp>
-      <p:sp>
-        <p:nvSpPr>
-          <p:cNvPr id="23" name="Rectangle 22">
-            <a:extLst>
-              <a:ext uri="{FF2B5EF4-FFF2-40B4-BE49-F238E27FC236}">
-                <a16:creationId xmlns:a16="http://schemas.microsoft.com/office/drawing/2014/main" id="{DEEE8CCA-7416-4E57-8840-14D63E04B0B9}"/>
-              </a:ext>
-            </a:extLst>
-          </p:cNvPr>
-          <p:cNvSpPr>
-            <a:spLocks noChangeArrowheads="1"/>
-          </p:cNvSpPr>
-          <p:nvPr/>
-        </p:nvSpPr>
-        <p:spPr bwMode="auto">
-          <a:xfrm>
-            <a:off x="4823606" y="3460259"/>
-            <a:ext cx="1079617" cy="430887"/>
-          </a:xfrm>
-          <a:prstGeom prst="rect">
-            <a:avLst/>
-          </a:prstGeom>
-          <a:noFill/>
-          <a:ln w="9525">
-            <a:noFill/>
-            <a:miter lim="800000"/>
-            <a:headEnd/>
-            <a:tailEnd/>
-          </a:ln>
-          <a:effectLst/>
-          <a:extLst>
-            <a:ext uri="{909E8E84-426E-40DD-AFC4-6F175D3DCCD1}">
-              <a14:hiddenFill xmlns:a14="http://schemas.microsoft.com/office/drawing/2010/main">
-                <a:solidFill>
-                  <a:schemeClr val="accent1"/>
-                </a:solidFill>
-              </a14:hiddenFill>
-            </a:ext>
-            <a:ext uri="{AF507438-7753-43E0-B8FC-AC1667EBCBE1}">
-              <a14:hiddenEffects xmlns:a14="http://schemas.microsoft.com/office/drawing/2010/main">
-                <a:effectLst>
-                  <a:outerShdw dist="35921" dir="2700000" algn="ctr" rotWithShape="0">
-                    <a:schemeClr val="bg2"/>
-                  </a:outerShdw>
-                </a:effectLst>
-              </a14:hiddenEffects>
-            </a:ext>
-          </a:extLst>
-        </p:spPr>
-        <p:txBody>
-          <a:bodyPr vert="horz" wrap="square" lIns="91440" tIns="45720" rIns="91440" bIns="45720" numCol="1" anchor="ctr" anchorCtr="0" compatLnSpc="1">
-            <a:prstTxWarp prst="textNoShape">
-              <a:avLst/>
-            </a:prstTxWarp>
-            <a:spAutoFit/>
-          </a:bodyPr>
-          <a:lstStyle/>
-          <a:p>
-            <a:pPr marL="0" marR="0" lvl="0" indent="0" defTabSz="914400" rtl="0" eaLnBrk="0" fontAlgn="base" latinLnBrk="0" hangingPunct="0">
-              <a:lnSpc>
-                <a:spcPct val="100000"/>
-              </a:lnSpc>
-              <a:spcBef>
-                <a:spcPct val="0"/>
-              </a:spcBef>
-              <a:spcAft>
-                <a:spcPct val="0"/>
-              </a:spcAft>
-              <a:buClrTx/>
-              <a:buSzTx/>
-              <a:buFontTx/>
-              <a:buNone/>
-              <a:tabLst/>
-            </a:pPr>
-            <a:r>
-              <a:rPr lang="en-GB" altLang="en-US" sz="1100" dirty="0">
-                <a:solidFill>
-                  <a:schemeClr val="bg1">
-                    <a:lumMod val="75000"/>
-                    <a:lumOff val="25000"/>
-                  </a:schemeClr>
-                </a:solidFill>
-                <a:latin typeface="Calibri" panose="020F0502020204030204" pitchFamily="34" charset="0"/>
-                <a:cs typeface="Times New Roman" panose="02020603050405020304" pitchFamily="18" charset="0"/>
-              </a:rPr>
-              <a:t>Less abundant in IR</a:t>
-            </a:r>
-            <a:endParaRPr kumimoji="0" lang="en-GB" altLang="en-US" sz="1100" b="0" u="none" strike="noStrike" cap="none" normalizeH="0" baseline="0" dirty="0">
-              <a:ln>
-                <a:noFill/>
-              </a:ln>
-              <a:solidFill>
-                <a:schemeClr val="bg1">
-                  <a:lumMod val="75000"/>
-                  <a:lumOff val="25000"/>
-                </a:schemeClr>
-              </a:solidFill>
-              <a:effectLst/>
-              <a:latin typeface="Arial" panose="020B0604020202020204" pitchFamily="34" charset="0"/>
-            </a:endParaRPr>
-          </a:p>
-        </p:txBody>
-      </p:sp>
-      <p:sp>
-        <p:nvSpPr>
-          <p:cNvPr id="24" name="Left Brace 23">
-            <a:extLst>
-              <a:ext uri="{FF2B5EF4-FFF2-40B4-BE49-F238E27FC236}">
-                <a16:creationId xmlns:a16="http://schemas.microsoft.com/office/drawing/2014/main" id="{0FC53F8F-A341-4C01-B5C7-B65E6CE79DB5}"/>
-              </a:ext>
-            </a:extLst>
-          </p:cNvPr>
-          <p:cNvSpPr/>
-          <p:nvPr/>
-        </p:nvSpPr>
-        <p:spPr>
-          <a:xfrm rot="10800000">
-            <a:off x="4695683" y="3026268"/>
-            <a:ext cx="127923" cy="1298869"/>
-          </a:xfrm>
-          <a:prstGeom prst="leftBrace">
-            <a:avLst/>
-          </a:prstGeom>
-          <a:noFill/>
-          <a:ln>
-            <a:solidFill>
-              <a:schemeClr val="bg1">
-                <a:lumMod val="75000"/>
-                <a:lumOff val="25000"/>
-              </a:schemeClr>
-            </a:solidFill>
-          </a:ln>
-        </p:spPr>
-        <p:style>
-          <a:lnRef idx="1">
-            <a:schemeClr val="accent1"/>
-          </a:lnRef>
-          <a:fillRef idx="0">
-            <a:schemeClr val="accent1"/>
-          </a:fillRef>
-          <a:effectRef idx="0">
-            <a:schemeClr val="accent1"/>
-          </a:effectRef>
-          <a:fontRef idx="minor">
-            <a:schemeClr val="tx1"/>
-          </a:fontRef>
-        </p:style>
-        <p:txBody>
-          <a:bodyPr rtlCol="0" anchor="ctr"/>
-          <a:lstStyle/>
-          <a:p>
-            <a:pPr algn="ctr"/>
-            <a:endParaRPr lang="en-GB" dirty="0"/>
-          </a:p>
-        </p:txBody>
-      </p:sp>
-      <p:cxnSp>
-        <p:nvCxnSpPr>
-          <p:cNvPr id="28" name="Straight Arrow Connector 27">
-            <a:extLst>
-              <a:ext uri="{FF2B5EF4-FFF2-40B4-BE49-F238E27FC236}">
-                <a16:creationId xmlns:a16="http://schemas.microsoft.com/office/drawing/2014/main" id="{102CAB49-0C15-4B56-9606-E37B93E5B973}"/>
-              </a:ext>
-            </a:extLst>
-          </p:cNvPr>
-          <p:cNvCxnSpPr>
-            <a:cxnSpLocks/>
-          </p:cNvCxnSpPr>
-          <p:nvPr/>
-        </p:nvCxnSpPr>
-        <p:spPr>
-          <a:xfrm>
-            <a:off x="8027133" y="1764810"/>
-            <a:ext cx="495900" cy="563846"/>
-          </a:xfrm>
-          <a:prstGeom prst="straightConnector1">
-            <a:avLst/>
-          </a:prstGeom>
-          <a:ln w="28575">
-            <a:tailEnd type="triangle"/>
-          </a:ln>
-        </p:spPr>
-        <p:style>
-          <a:lnRef idx="1">
-            <a:schemeClr val="accent1"/>
-          </a:lnRef>
-          <a:fillRef idx="0">
-            <a:schemeClr val="accent1"/>
-          </a:fillRef>
-          <a:effectRef idx="0">
-            <a:schemeClr val="accent1"/>
-          </a:effectRef>
-          <a:fontRef idx="minor">
-            <a:schemeClr val="tx1"/>
-          </a:fontRef>
-        </p:style>
-      </p:cxnSp>
-      <p:cxnSp>
-        <p:nvCxnSpPr>
-          <p:cNvPr id="31" name="Straight Arrow Connector 30">
-            <a:extLst>
-              <a:ext uri="{FF2B5EF4-FFF2-40B4-BE49-F238E27FC236}">
-                <a16:creationId xmlns:a16="http://schemas.microsoft.com/office/drawing/2014/main" id="{8EBD9408-38C3-4AF1-8FC4-A327D8DFEA83}"/>
-              </a:ext>
-            </a:extLst>
-          </p:cNvPr>
-          <p:cNvCxnSpPr>
-            <a:cxnSpLocks/>
-          </p:cNvCxnSpPr>
-          <p:nvPr/>
-        </p:nvCxnSpPr>
-        <p:spPr>
-          <a:xfrm flipV="1">
-            <a:off x="8027133" y="3442045"/>
-            <a:ext cx="495900" cy="563846"/>
-          </a:xfrm>
-          <a:prstGeom prst="straightConnector1">
-            <a:avLst/>
-          </a:prstGeom>
-          <a:ln w="28575">
-            <a:tailEnd type="triangle"/>
-          </a:ln>
-        </p:spPr>
-        <p:style>
-          <a:lnRef idx="1">
-            <a:schemeClr val="accent1"/>
-          </a:lnRef>
-          <a:fillRef idx="0">
-            <a:schemeClr val="accent1"/>
-          </a:fillRef>
-          <a:effectRef idx="0">
-            <a:schemeClr val="accent1"/>
-          </a:effectRef>
-          <a:fontRef idx="minor">
-            <a:schemeClr val="tx1"/>
-          </a:fontRef>
-        </p:style>
-      </p:cxnSp>
-    </p:spTree>
-    <p:extLst>
-      <p:ext uri="{BB962C8B-B14F-4D97-AF65-F5344CB8AC3E}">
-        <p14:creationId xmlns:p14="http://schemas.microsoft.com/office/powerpoint/2010/main" val="1616101755"/>
-      </p:ext>
-    </p:extLst>
-  </p:cSld>
-  <p:clrMapOvr>
-    <a:masterClrMapping/>
-  </p:clrMapOvr>
-  <p:timing>
-    <p:tnLst>
-      <p:par>
-        <p:cTn id="1" dur="indefinite" restart="never" nodeType="tmRoot">
-          <p:childTnLst>
-            <p:seq concurrent="1" nextAc="seek">
-              <p:cTn id="2" dur="indefinite" nodeType="mainSeq">
-                <p:childTnLst>
-                  <p:par>
-                    <p:cTn id="3" fill="hold">
-                      <p:stCondLst>
-                        <p:cond delay="indefinite"/>
-                      </p:stCondLst>
-                      <p:childTnLst>
-                        <p:par>
-                          <p:cTn id="4" fill="hold">
-                            <p:stCondLst>
-                              <p:cond delay="0"/>
-                            </p:stCondLst>
-                            <p:childTnLst>
-                              <p:par>
-                                <p:cTn id="5" presetID="1" presetClass="entr" presetSubtype="0" fill="hold" nodeType="clickEffect">
-                                  <p:stCondLst>
-                                    <p:cond delay="0"/>
-                                  </p:stCondLst>
-                                  <p:childTnLst>
-                                    <p:set>
-                                      <p:cBhvr>
-                                        <p:cTn id="6" dur="1" fill="hold">
-                                          <p:stCondLst>
-                                            <p:cond delay="0"/>
-                                          </p:stCondLst>
-                                        </p:cTn>
-                                        <p:tgtEl>
-                                          <p:spTgt spid="4"/>
-                                        </p:tgtEl>
-                                        <p:attrNameLst>
-                                          <p:attrName>style.visibility</p:attrName>
-                                        </p:attrNameLst>
-                                      </p:cBhvr>
-                                      <p:to>
-                                        <p:strVal val="visible"/>
-                                      </p:to>
-                                    </p:set>
-                                  </p:childTnLst>
-                                </p:cTn>
-                              </p:par>
-                              <p:par>
-                                <p:cTn id="7" presetID="1" presetClass="entr" presetSubtype="0" fill="hold" grpId="0" nodeType="withEffect">
-                                  <p:stCondLst>
-                                    <p:cond delay="0"/>
-                                  </p:stCondLst>
-                                  <p:childTnLst>
-                                    <p:set>
-                                      <p:cBhvr>
-                                        <p:cTn id="8" dur="1" fill="hold">
-                                          <p:stCondLst>
-                                            <p:cond delay="0"/>
-                                          </p:stCondLst>
-                                        </p:cTn>
-                                        <p:tgtEl>
-                                          <p:spTgt spid="17"/>
-                                        </p:tgtEl>
-                                        <p:attrNameLst>
-                                          <p:attrName>style.visibility</p:attrName>
-                                        </p:attrNameLst>
-                                      </p:cBhvr>
-                                      <p:to>
-                                        <p:strVal val="visible"/>
-                                      </p:to>
-                                    </p:set>
-                                  </p:childTnLst>
-                                </p:cTn>
-                              </p:par>
-                            </p:childTnLst>
-                          </p:cTn>
-                        </p:par>
-                      </p:childTnLst>
-                    </p:cTn>
-                  </p:par>
-                  <p:par>
-                    <p:cTn id="9" fill="hold">
-                      <p:stCondLst>
-                        <p:cond delay="indefinite"/>
-                      </p:stCondLst>
-                      <p:childTnLst>
-                        <p:par>
-                          <p:cTn id="10" fill="hold">
-                            <p:stCondLst>
-                              <p:cond delay="0"/>
-                            </p:stCondLst>
-                            <p:childTnLst>
-                              <p:par>
-                                <p:cTn id="11" presetID="1" presetClass="entr" presetSubtype="0" fill="hold" nodeType="clickEffect">
-                                  <p:stCondLst>
-                                    <p:cond delay="0"/>
-                                  </p:stCondLst>
-                                  <p:childTnLst>
-                                    <p:set>
-                                      <p:cBhvr>
-                                        <p:cTn id="12" dur="1" fill="hold">
-                                          <p:stCondLst>
-                                            <p:cond delay="0"/>
-                                          </p:stCondLst>
-                                        </p:cTn>
-                                        <p:tgtEl>
-                                          <p:spTgt spid="19"/>
-                                        </p:tgtEl>
-                                        <p:attrNameLst>
-                                          <p:attrName>style.visibility</p:attrName>
-                                        </p:attrNameLst>
-                                      </p:cBhvr>
-                                      <p:to>
-                                        <p:strVal val="visible"/>
-                                      </p:to>
-                                    </p:set>
-                                  </p:childTnLst>
-                                </p:cTn>
-                              </p:par>
-                              <p:par>
-                                <p:cTn id="13" presetID="1" presetClass="entr" presetSubtype="0" fill="hold" grpId="0" nodeType="withEffect">
-                                  <p:stCondLst>
-                                    <p:cond delay="0"/>
-                                  </p:stCondLst>
-                                  <p:childTnLst>
-                                    <p:set>
-                                      <p:cBhvr>
-                                        <p:cTn id="14" dur="1" fill="hold">
-                                          <p:stCondLst>
-                                            <p:cond delay="0"/>
-                                          </p:stCondLst>
-                                        </p:cTn>
-                                        <p:tgtEl>
-                                          <p:spTgt spid="18"/>
-                                        </p:tgtEl>
-                                        <p:attrNameLst>
-                                          <p:attrName>style.visibility</p:attrName>
-                                        </p:attrNameLst>
-                                      </p:cBhvr>
-                                      <p:to>
-                                        <p:strVal val="visible"/>
-                                      </p:to>
-                                    </p:set>
-                                  </p:childTnLst>
-                                </p:cTn>
-                              </p:par>
-                            </p:childTnLst>
-                          </p:cTn>
-                        </p:par>
-                      </p:childTnLst>
-                    </p:cTn>
-                  </p:par>
-                  <p:par>
-                    <p:cTn id="15" fill="hold">
-                      <p:stCondLst>
-                        <p:cond delay="indefinite"/>
-                      </p:stCondLst>
-                      <p:childTnLst>
-                        <p:par>
-                          <p:cTn id="16" fill="hold">
-                            <p:stCondLst>
-                              <p:cond delay="0"/>
-                            </p:stCondLst>
-                            <p:childTnLst>
-                              <p:par>
-                                <p:cTn id="17" presetID="1" presetClass="entr" presetSubtype="0" fill="hold" nodeType="clickEffect">
-                                  <p:stCondLst>
-                                    <p:cond delay="0"/>
-                                  </p:stCondLst>
-                                  <p:childTnLst>
-                                    <p:set>
-                                      <p:cBhvr>
-                                        <p:cTn id="18" dur="1" fill="hold">
-                                          <p:stCondLst>
-                                            <p:cond delay="0"/>
-                                          </p:stCondLst>
-                                        </p:cTn>
-                                        <p:tgtEl>
-                                          <p:spTgt spid="28"/>
-                                        </p:tgtEl>
-                                        <p:attrNameLst>
-                                          <p:attrName>style.visibility</p:attrName>
-                                        </p:attrNameLst>
-                                      </p:cBhvr>
-                                      <p:to>
-                                        <p:strVal val="visible"/>
-                                      </p:to>
-                                    </p:set>
-                                  </p:childTnLst>
-                                </p:cTn>
-                              </p:par>
-                              <p:par>
-                                <p:cTn id="19" presetID="1" presetClass="entr" presetSubtype="0" fill="hold" nodeType="withEffect">
-                                  <p:stCondLst>
-                                    <p:cond delay="0"/>
-                                  </p:stCondLst>
-                                  <p:childTnLst>
-                                    <p:set>
-                                      <p:cBhvr>
-                                        <p:cTn id="20" dur="1" fill="hold">
-                                          <p:stCondLst>
-                                            <p:cond delay="0"/>
-                                          </p:stCondLst>
-                                        </p:cTn>
-                                        <p:tgtEl>
-                                          <p:spTgt spid="31"/>
-                                        </p:tgtEl>
-                                        <p:attrNameLst>
-                                          <p:attrName>style.visibility</p:attrName>
-                                        </p:attrNameLst>
-                                      </p:cBhvr>
-                                      <p:to>
-                                        <p:strVal val="visible"/>
-                                      </p:to>
-                                    </p:set>
-                                  </p:childTnLst>
-                                </p:cTn>
-                              </p:par>
-                              <p:par>
-                                <p:cTn id="21" presetID="1" presetClass="entr" presetSubtype="0" fill="hold" nodeType="withEffect">
-                                  <p:stCondLst>
-                                    <p:cond delay="0"/>
-                                  </p:stCondLst>
-                                  <p:childTnLst>
-                                    <p:set>
-                                      <p:cBhvr>
-                                        <p:cTn id="22" dur="1" fill="hold">
-                                          <p:stCondLst>
-                                            <p:cond delay="0"/>
-                                          </p:stCondLst>
-                                        </p:cTn>
-                                        <p:tgtEl>
-                                          <p:spTgt spid="5"/>
-                                        </p:tgtEl>
-                                        <p:attrNameLst>
-                                          <p:attrName>style.visibility</p:attrName>
-                                        </p:attrNameLst>
-                                      </p:cBhvr>
-                                      <p:to>
-                                        <p:strVal val="visible"/>
-                                      </p:to>
-                                    </p:set>
-                                  </p:childTnLst>
-                                </p:cTn>
-                              </p:par>
-                              <p:par>
-                                <p:cTn id="23" presetID="1" presetClass="entr" presetSubtype="0" fill="hold" grpId="0" nodeType="withEffect">
-                                  <p:stCondLst>
-                                    <p:cond delay="0"/>
-                                  </p:stCondLst>
-                                  <p:childTnLst>
-                                    <p:set>
-                                      <p:cBhvr>
-                                        <p:cTn id="24" dur="1" fill="hold">
-                                          <p:stCondLst>
-                                            <p:cond delay="0"/>
-                                          </p:stCondLst>
-                                        </p:cTn>
-                                        <p:tgtEl>
-                                          <p:spTgt spid="7"/>
-                                        </p:tgtEl>
-                                        <p:attrNameLst>
-                                          <p:attrName>style.visibility</p:attrName>
-                                        </p:attrNameLst>
-                                      </p:cBhvr>
-                                      <p:to>
-                                        <p:strVal val="visible"/>
-                                      </p:to>
-                                    </p:set>
-                                  </p:childTnLst>
-                                </p:cTn>
-                              </p:par>
-                            </p:childTnLst>
-                          </p:cTn>
-                        </p:par>
-                      </p:childTnLst>
-                    </p:cTn>
-                  </p:par>
-                  <p:par>
-                    <p:cTn id="25" fill="hold">
-                      <p:stCondLst>
-                        <p:cond delay="indefinite"/>
-                      </p:stCondLst>
-                      <p:childTnLst>
-                        <p:par>
-                          <p:cTn id="26" fill="hold">
-                            <p:stCondLst>
-                              <p:cond delay="0"/>
-                            </p:stCondLst>
-                            <p:childTnLst>
-                              <p:par>
-                                <p:cTn id="27" presetID="1" presetClass="entr" presetSubtype="0" fill="hold" grpId="0" nodeType="clickEffect">
-                                  <p:stCondLst>
-                                    <p:cond delay="0"/>
-                                  </p:stCondLst>
-                                  <p:childTnLst>
-                                    <p:set>
-                                      <p:cBhvr>
-                                        <p:cTn id="28" dur="1" fill="hold">
-                                          <p:stCondLst>
-                                            <p:cond delay="0"/>
-                                          </p:stCondLst>
-                                        </p:cTn>
-                                        <p:tgtEl>
-                                          <p:spTgt spid="16"/>
-                                        </p:tgtEl>
-                                        <p:attrNameLst>
-                                          <p:attrName>style.visibility</p:attrName>
-                                        </p:attrNameLst>
-                                      </p:cBhvr>
-                                      <p:to>
-                                        <p:strVal val="visible"/>
-                                      </p:to>
-                                    </p:set>
-                                  </p:childTnLst>
-                                </p:cTn>
-                              </p:par>
-                              <p:par>
-                                <p:cTn id="29" presetID="1" presetClass="entr" presetSubtype="0" fill="hold" grpId="0" nodeType="withEffect">
-                                  <p:stCondLst>
-                                    <p:cond delay="0"/>
-                                  </p:stCondLst>
-                                  <p:childTnLst>
-                                    <p:set>
-                                      <p:cBhvr>
-                                        <p:cTn id="30" dur="1" fill="hold">
-                                          <p:stCondLst>
-                                            <p:cond delay="0"/>
-                                          </p:stCondLst>
-                                        </p:cTn>
-                                        <p:tgtEl>
-                                          <p:spTgt spid="15"/>
-                                        </p:tgtEl>
-                                        <p:attrNameLst>
-                                          <p:attrName>style.visibility</p:attrName>
-                                        </p:attrNameLst>
-                                      </p:cBhvr>
-                                      <p:to>
-                                        <p:strVal val="visible"/>
-                                      </p:to>
-                                    </p:set>
-                                  </p:childTnLst>
-                                </p:cTn>
-                              </p:par>
-                            </p:childTnLst>
-                          </p:cTn>
-                        </p:par>
-                      </p:childTnLst>
-                    </p:cTn>
-                  </p:par>
-                </p:childTnLst>
-              </p:cTn>
-              <p:prevCondLst>
-                <p:cond evt="onPrev" delay="0">
-                  <p:tgtEl>
-                    <p:sldTgt/>
-                  </p:tgtEl>
-                </p:cond>
-              </p:prevCondLst>
-              <p:nextCondLst>
-                <p:cond evt="onNext" delay="0">
-                  <p:tgtEl>
-                    <p:sldTgt/>
-                  </p:tgtEl>
-                </p:cond>
-              </p:nextCondLst>
-            </p:seq>
-          </p:childTnLst>
-        </p:cTn>
-      </p:par>
-    </p:tnLst>
-    <p:bldLst>
-      <p:bldP spid="7" grpId="0"/>
-      <p:bldP spid="15" grpId="0" animBg="1"/>
-      <p:bldP spid="16" grpId="0"/>
-      <p:bldP spid="17" grpId="0"/>
-      <p:bldP spid="18" grpId="0"/>
-    </p:bldLst>
-  </p:timing>
-</p:sld>
-</file>
-
-<file path=ppt/slides/slide14.xml><?xml version="1.0" encoding="utf-8"?>
 <p:sld xmlns:a="http://schemas.openxmlformats.org/drawingml/2006/main" xmlns:r="http://schemas.openxmlformats.org/officeDocument/2006/relationships" xmlns:p="http://schemas.openxmlformats.org/presentationml/2006/main">
   <p:cSld>
     <p:spTree>
@@ -20832,7 +19446,7 @@
 </p:sld>
 </file>
 
-<file path=ppt/slides/slide15.xml><?xml version="1.0" encoding="utf-8"?>
+<file path=ppt/slides/slide14.xml><?xml version="1.0" encoding="utf-8"?>
 <p:sld xmlns:a="http://schemas.openxmlformats.org/drawingml/2006/main" xmlns:r="http://schemas.openxmlformats.org/officeDocument/2006/relationships" xmlns:p="http://schemas.openxmlformats.org/presentationml/2006/main">
   <p:cSld>
     <p:spTree>
@@ -21479,7 +20093,7 @@
 </p:sld>
 </file>
 
-<file path=ppt/slides/slide16.xml><?xml version="1.0" encoding="utf-8"?>
+<file path=ppt/slides/slide15.xml><?xml version="1.0" encoding="utf-8"?>
 <p:sld xmlns:a="http://schemas.openxmlformats.org/drawingml/2006/main" xmlns:r="http://schemas.openxmlformats.org/officeDocument/2006/relationships" xmlns:p="http://schemas.openxmlformats.org/presentationml/2006/main">
   <p:cSld>
     <p:spTree>
@@ -22365,7 +20979,7 @@
 </p:sld>
 </file>
 
-<file path=ppt/slides/slide17.xml><?xml version="1.0" encoding="utf-8"?>
+<file path=ppt/slides/slide16.xml><?xml version="1.0" encoding="utf-8"?>
 <p:sld xmlns:a="http://schemas.openxmlformats.org/drawingml/2006/main" xmlns:r="http://schemas.openxmlformats.org/officeDocument/2006/relationships" xmlns:p="http://schemas.openxmlformats.org/presentationml/2006/main">
   <p:cSld>
     <p:spTree>
@@ -23835,6 +22449,10 @@
               <a:buNone/>
             </a:pPr>
             <a:r>
+              <a:rPr lang="en-GB" sz="1800" dirty="0"/>
+              <a:t>↓</a:t>
+            </a:r>
+            <a:r>
               <a:rPr lang="en-GB" sz="1800" dirty="0">
                 <a:solidFill>
                   <a:schemeClr val="tx1">
@@ -23852,6 +22470,10 @@
               </a:spcBef>
               <a:buNone/>
             </a:pPr>
+            <a:r>
+              <a:rPr lang="en-GB" sz="1800" dirty="0"/>
+              <a:t>↓ </a:t>
+            </a:r>
             <a:r>
               <a:rPr lang="en-GB" sz="1800" dirty="0">
                 <a:solidFill>
@@ -24976,7 +23598,7 @@
         </p:nvCxnSpPr>
         <p:spPr>
           <a:xfrm>
-            <a:off x="877443" y="4991877"/>
+            <a:off x="1015755" y="5010647"/>
             <a:ext cx="636312" cy="0"/>
           </a:xfrm>
           <a:prstGeom prst="line">
@@ -25062,7 +23684,7 @@
         </p:nvCxnSpPr>
         <p:spPr>
           <a:xfrm>
-            <a:off x="877444" y="5346233"/>
+            <a:off x="1015755" y="5349367"/>
             <a:ext cx="774623" cy="0"/>
           </a:xfrm>
           <a:prstGeom prst="line">
@@ -26195,7 +24817,7 @@
 </p:sld>
 </file>
 
-<file path=ppt/slides/slide18.xml><?xml version="1.0" encoding="utf-8"?>
+<file path=ppt/slides/slide17.xml><?xml version="1.0" encoding="utf-8"?>
 <p:sld xmlns:a="http://schemas.openxmlformats.org/drawingml/2006/main" xmlns:r="http://schemas.openxmlformats.org/officeDocument/2006/relationships" xmlns:p="http://schemas.openxmlformats.org/presentationml/2006/main">
   <p:cSld>
     <p:spTree>
@@ -28473,7 +27095,7 @@
 </p:sld>
 </file>
 
-<file path=ppt/slides/slide19.xml><?xml version="1.0" encoding="utf-8"?>
+<file path=ppt/slides/slide18.xml><?xml version="1.0" encoding="utf-8"?>
 <p:sld xmlns:a="http://schemas.openxmlformats.org/drawingml/2006/main" xmlns:r="http://schemas.openxmlformats.org/officeDocument/2006/relationships" xmlns:p="http://schemas.openxmlformats.org/presentationml/2006/main">
   <p:cSld>
     <p:spTree>
@@ -29445,7 +28067,13 @@
           <p:cNvGraphicFramePr>
             <a:graphicFrameLocks noGrp="1"/>
           </p:cNvGraphicFramePr>
-          <p:nvPr/>
+          <p:nvPr>
+            <p:extLst>
+              <p:ext uri="{D42A27DB-BD31-4B8C-83A1-F6EECF244321}">
+                <p14:modId xmlns:p14="http://schemas.microsoft.com/office/powerpoint/2010/main" val="3098808456"/>
+              </p:ext>
+            </p:extLst>
+          </p:nvPr>
         </p:nvGraphicFramePr>
         <p:xfrm>
           <a:off x="457199" y="3149600"/>
@@ -29707,7 +28335,7 @@
                     <a:p>
                       <a:r>
                         <a:rPr lang="en-GB" dirty="0"/>
-                        <a:t>L-Glutamate</a:t>
+                        <a:t>2-AG </a:t>
                       </a:r>
                     </a:p>
                   </a:txBody>
@@ -29720,7 +28348,7 @@
                     <a:p>
                       <a:r>
                         <a:rPr lang="en-GB" dirty="0"/>
-                        <a:t>0.288</a:t>
+                        <a:t>-0.758</a:t>
                       </a:r>
                     </a:p>
                   </a:txBody>
@@ -30874,408 +29502,7 @@
 </p:sld>
 </file>
 
-<file path=ppt/slides/slide2.xml><?xml version="1.0" encoding="utf-8"?>
-<p:sld xmlns:a="http://schemas.openxmlformats.org/drawingml/2006/main" xmlns:r="http://schemas.openxmlformats.org/officeDocument/2006/relationships" xmlns:p="http://schemas.openxmlformats.org/presentationml/2006/main">
-  <p:cSld>
-    <p:spTree>
-      <p:nvGrpSpPr>
-        <p:cNvPr id="1" name=""/>
-        <p:cNvGrpSpPr/>
-        <p:nvPr/>
-      </p:nvGrpSpPr>
-      <p:grpSpPr>
-        <a:xfrm>
-          <a:off x="0" y="0"/>
-          <a:ext cx="0" cy="0"/>
-          <a:chOff x="0" y="0"/>
-          <a:chExt cx="0" cy="0"/>
-        </a:xfrm>
-      </p:grpSpPr>
-      <p:sp>
-        <p:nvSpPr>
-          <p:cNvPr id="7" name="TextBox 6">
-            <a:extLst>
-              <a:ext uri="{FF2B5EF4-FFF2-40B4-BE49-F238E27FC236}">
-                <a16:creationId xmlns:a16="http://schemas.microsoft.com/office/drawing/2014/main" id="{041F3778-7216-4345-9C36-30D7F3349F41}"/>
-              </a:ext>
-            </a:extLst>
-          </p:cNvPr>
-          <p:cNvSpPr txBox="1"/>
-          <p:nvPr/>
-        </p:nvSpPr>
-        <p:spPr>
-          <a:xfrm>
-            <a:off x="646111" y="1152983"/>
-            <a:ext cx="10294605" cy="2215991"/>
-          </a:xfrm>
-          <a:prstGeom prst="rect">
-            <a:avLst/>
-          </a:prstGeom>
-          <a:noFill/>
-        </p:spPr>
-        <p:txBody>
-          <a:bodyPr wrap="square" rtlCol="0">
-            <a:spAutoFit/>
-          </a:bodyPr>
-          <a:lstStyle/>
-          <a:p>
-            <a:r>
-              <a:rPr lang="en-GB" sz="2400" dirty="0"/>
-              <a:t>Importance:</a:t>
-            </a:r>
-          </a:p>
-          <a:p>
-            <a:pPr marL="342900" indent="-342900">
-              <a:buFont typeface="Arial" panose="020B0604020202020204" pitchFamily="34" charset="0"/>
-              <a:buChar char="•"/>
-            </a:pPr>
-            <a:r>
-              <a:rPr lang="en-GB" sz="2400" dirty="0"/>
-              <a:t>2019: 463 million adults </a:t>
-            </a:r>
-            <a:r>
-              <a:rPr lang="en-GB" sz="2400" dirty="0">
-                <a:sym typeface="Wingdings" panose="05000000000000000000" pitchFamily="2" charset="2"/>
-              </a:rPr>
-              <a:t>				2045: 700 million adults (1).</a:t>
-            </a:r>
-          </a:p>
-          <a:p>
-            <a:pPr marL="342900" indent="-342900">
-              <a:buFont typeface="Arial" panose="020B0604020202020204" pitchFamily="34" charset="0"/>
-              <a:buChar char="•"/>
-            </a:pPr>
-            <a:r>
-              <a:rPr lang="en-GB" sz="2400" dirty="0"/>
-              <a:t>90-95% of all diabetes (2).</a:t>
-            </a:r>
-          </a:p>
-          <a:p>
-            <a:endParaRPr lang="en-GB" sz="2400" dirty="0"/>
-          </a:p>
-          <a:p>
-            <a:r>
-              <a:rPr lang="en-GB" sz="2400" dirty="0"/>
-              <a:t>Pathophysiology:</a:t>
-            </a:r>
-          </a:p>
-          <a:p>
-            <a:pPr marL="285750" indent="-285750">
-              <a:buFontTx/>
-              <a:buChar char="-"/>
-            </a:pPr>
-            <a:endParaRPr lang="en-GB" dirty="0"/>
-          </a:p>
-        </p:txBody>
-      </p:sp>
-      <p:sp>
-        <p:nvSpPr>
-          <p:cNvPr id="2" name="Title 1">
-            <a:extLst>
-              <a:ext uri="{FF2B5EF4-FFF2-40B4-BE49-F238E27FC236}">
-                <a16:creationId xmlns:a16="http://schemas.microsoft.com/office/drawing/2014/main" id="{1AD3D90E-C50B-4DFA-9CCB-5680F71C1507}"/>
-              </a:ext>
-            </a:extLst>
-          </p:cNvPr>
-          <p:cNvSpPr>
-            <a:spLocks noGrp="1"/>
-          </p:cNvSpPr>
-          <p:nvPr>
-            <p:ph type="title"/>
-          </p:nvPr>
-        </p:nvSpPr>
-        <p:spPr/>
-        <p:txBody>
-          <a:bodyPr/>
-          <a:lstStyle/>
-          <a:p>
-            <a:r>
-              <a:rPr lang="en-GB" dirty="0"/>
-              <a:t>Introduction: T2DM</a:t>
-            </a:r>
-          </a:p>
-        </p:txBody>
-      </p:sp>
-      <p:pic>
-        <p:nvPicPr>
-          <p:cNvPr id="5" name="Content Placeholder 4" descr="Badge 1">
-            <a:extLst>
-              <a:ext uri="{FF2B5EF4-FFF2-40B4-BE49-F238E27FC236}">
-                <a16:creationId xmlns:a16="http://schemas.microsoft.com/office/drawing/2014/main" id="{A2996364-745F-4EF7-9F8E-C82601F66B4D}"/>
-              </a:ext>
-            </a:extLst>
-          </p:cNvPr>
-          <p:cNvPicPr>
-            <a:picLocks noGrp="1" noChangeAspect="1"/>
-          </p:cNvPicPr>
-          <p:nvPr>
-            <p:ph idx="1"/>
-          </p:nvPr>
-        </p:nvPicPr>
-        <p:blipFill>
-          <a:blip r:embed="rId3">
-            <a:extLst>
-              <a:ext uri="{28A0092B-C50C-407E-A947-70E740481C1C}">
-                <a14:useLocalDpi xmlns:a14="http://schemas.microsoft.com/office/drawing/2010/main" val="0"/>
-              </a:ext>
-              <a:ext uri="{96DAC541-7B7A-43D3-8B79-37D633B846F1}">
-                <asvg:svgBlip xmlns:asvg="http://schemas.microsoft.com/office/drawing/2016/SVG/main" r:embed="rId4"/>
-              </a:ext>
-            </a:extLst>
-          </a:blip>
-          <a:stretch>
-            <a:fillRect/>
-          </a:stretch>
-        </p:blipFill>
-        <p:spPr>
-          <a:xfrm>
-            <a:off x="10422011" y="424143"/>
-            <a:ext cx="722239" cy="722239"/>
-          </a:xfrm>
-        </p:spPr>
-      </p:pic>
-      <p:sp>
-        <p:nvSpPr>
-          <p:cNvPr id="9" name="Arrow: Right 8">
-            <a:extLst>
-              <a:ext uri="{FF2B5EF4-FFF2-40B4-BE49-F238E27FC236}">
-                <a16:creationId xmlns:a16="http://schemas.microsoft.com/office/drawing/2014/main" id="{904380CD-0E4E-4D4E-85F2-B7219AFA24CF}"/>
-              </a:ext>
-            </a:extLst>
-          </p:cNvPr>
-          <p:cNvSpPr/>
-          <p:nvPr/>
-        </p:nvSpPr>
-        <p:spPr>
-          <a:xfrm>
-            <a:off x="4561726" y="1335031"/>
-            <a:ext cx="1534274" cy="770562"/>
-          </a:xfrm>
-          <a:prstGeom prst="rightArrow">
-            <a:avLst/>
-          </a:prstGeom>
-          <a:ln>
-            <a:solidFill>
-              <a:schemeClr val="accent1"/>
-            </a:solidFill>
-          </a:ln>
-        </p:spPr>
-        <p:style>
-          <a:lnRef idx="2">
-            <a:schemeClr val="accent1">
-              <a:shade val="50000"/>
-            </a:schemeClr>
-          </a:lnRef>
-          <a:fillRef idx="1">
-            <a:schemeClr val="accent1"/>
-          </a:fillRef>
-          <a:effectRef idx="0">
-            <a:schemeClr val="accent1"/>
-          </a:effectRef>
-          <a:fontRef idx="minor">
-            <a:schemeClr val="lt1"/>
-          </a:fontRef>
-        </p:style>
-        <p:txBody>
-          <a:bodyPr rtlCol="0" anchor="ctr"/>
-          <a:lstStyle/>
-          <a:p>
-            <a:pPr algn="ctr"/>
-            <a:endParaRPr lang="en-GB"/>
-          </a:p>
-        </p:txBody>
-      </p:sp>
-      <p:sp>
-        <p:nvSpPr>
-          <p:cNvPr id="10" name="TextBox 9">
-            <a:extLst>
-              <a:ext uri="{FF2B5EF4-FFF2-40B4-BE49-F238E27FC236}">
-                <a16:creationId xmlns:a16="http://schemas.microsoft.com/office/drawing/2014/main" id="{8F4EBED7-2C9C-456C-A2D1-D25F2AFF951A}"/>
-              </a:ext>
-            </a:extLst>
-          </p:cNvPr>
-          <p:cNvSpPr txBox="1"/>
-          <p:nvPr/>
-        </p:nvSpPr>
-        <p:spPr>
-          <a:xfrm>
-            <a:off x="4787757" y="1535646"/>
-            <a:ext cx="832207" cy="369332"/>
-          </a:xfrm>
-          <a:prstGeom prst="rect">
-            <a:avLst/>
-          </a:prstGeom>
-          <a:noFill/>
-        </p:spPr>
-        <p:txBody>
-          <a:bodyPr wrap="square" rtlCol="0">
-            <a:spAutoFit/>
-          </a:bodyPr>
-          <a:lstStyle/>
-          <a:p>
-            <a:pPr algn="ctr"/>
-            <a:r>
-              <a:rPr lang="en-GB" dirty="0"/>
-              <a:t>51%</a:t>
-            </a:r>
-          </a:p>
-        </p:txBody>
-      </p:sp>
-      <p:sp>
-        <p:nvSpPr>
-          <p:cNvPr id="13" name="TextBox 12">
-            <a:extLst>
-              <a:ext uri="{FF2B5EF4-FFF2-40B4-BE49-F238E27FC236}">
-                <a16:creationId xmlns:a16="http://schemas.microsoft.com/office/drawing/2014/main" id="{CF9D096C-FB83-4A91-932F-5BD89A1A43CE}"/>
-              </a:ext>
-            </a:extLst>
-          </p:cNvPr>
-          <p:cNvSpPr txBox="1"/>
-          <p:nvPr/>
-        </p:nvSpPr>
-        <p:spPr>
-          <a:xfrm>
-            <a:off x="3623201" y="6228020"/>
-            <a:ext cx="520562" cy="369332"/>
-          </a:xfrm>
-          <a:prstGeom prst="rect">
-            <a:avLst/>
-          </a:prstGeom>
-          <a:noFill/>
-        </p:spPr>
-        <p:txBody>
-          <a:bodyPr wrap="square" rtlCol="0">
-            <a:spAutoFit/>
-          </a:bodyPr>
-          <a:lstStyle/>
-          <a:p>
-            <a:r>
-              <a:rPr lang="en-GB" dirty="0"/>
-              <a:t>(3)</a:t>
-            </a:r>
-          </a:p>
-        </p:txBody>
-      </p:sp>
-      <p:pic>
-        <p:nvPicPr>
-          <p:cNvPr id="8" name="Graphic 7" descr="Petri Dish">
-            <a:extLst>
-              <a:ext uri="{FF2B5EF4-FFF2-40B4-BE49-F238E27FC236}">
-                <a16:creationId xmlns:a16="http://schemas.microsoft.com/office/drawing/2014/main" id="{26834622-AF8C-41ED-ADE9-67D86F22994E}"/>
-              </a:ext>
-            </a:extLst>
-          </p:cNvPr>
-          <p:cNvPicPr>
-            <a:picLocks noChangeAspect="1"/>
-          </p:cNvPicPr>
-          <p:nvPr/>
-        </p:nvPicPr>
-        <p:blipFill>
-          <a:blip r:embed="rId5">
-            <a:extLst>
-              <a:ext uri="{28A0092B-C50C-407E-A947-70E740481C1C}">
-                <a14:useLocalDpi xmlns:a14="http://schemas.microsoft.com/office/drawing/2010/main" val="0"/>
-              </a:ext>
-              <a:ext uri="{96DAC541-7B7A-43D3-8B79-37D633B846F1}">
-                <asvg:svgBlip xmlns:asvg="http://schemas.microsoft.com/office/drawing/2016/SVG/main" r:embed="rId6"/>
-              </a:ext>
-            </a:extLst>
-          </a:blip>
-          <a:stretch>
-            <a:fillRect/>
-          </a:stretch>
-        </p:blipFill>
-        <p:spPr>
-          <a:xfrm>
-            <a:off x="4259418" y="4681925"/>
-            <a:ext cx="710147" cy="710147"/>
-          </a:xfrm>
-          <a:prstGeom prst="rect">
-            <a:avLst/>
-          </a:prstGeom>
-        </p:spPr>
-      </p:pic>
-      <p:sp>
-        <p:nvSpPr>
-          <p:cNvPr id="6" name="Rectangle 5">
-            <a:extLst>
-              <a:ext uri="{FF2B5EF4-FFF2-40B4-BE49-F238E27FC236}">
-                <a16:creationId xmlns:a16="http://schemas.microsoft.com/office/drawing/2014/main" id="{B35EFBFD-55AF-4909-9DE8-E44F2AF729B9}"/>
-              </a:ext>
-            </a:extLst>
-          </p:cNvPr>
-          <p:cNvSpPr/>
-          <p:nvPr/>
-        </p:nvSpPr>
-        <p:spPr>
-          <a:xfrm>
-            <a:off x="4143763" y="6243043"/>
-            <a:ext cx="5532284" cy="369332"/>
-          </a:xfrm>
-          <a:prstGeom prst="rect">
-            <a:avLst/>
-          </a:prstGeom>
-        </p:spPr>
-        <p:txBody>
-          <a:bodyPr wrap="none">
-            <a:spAutoFit/>
-          </a:bodyPr>
-          <a:lstStyle/>
-          <a:p>
-            <a:r>
-              <a:rPr lang="en-GB" dirty="0">
-                <a:hlinkClick r:id="rId7"/>
-              </a:rPr>
-              <a:t>https://www.jci.org/articles/view/29189/figure/1</a:t>
-            </a:r>
-            <a:endParaRPr lang="en-GB" dirty="0"/>
-          </a:p>
-        </p:txBody>
-      </p:sp>
-      <p:pic>
-        <p:nvPicPr>
-          <p:cNvPr id="3" name="Picture 2">
-            <a:extLst>
-              <a:ext uri="{FF2B5EF4-FFF2-40B4-BE49-F238E27FC236}">
-                <a16:creationId xmlns:a16="http://schemas.microsoft.com/office/drawing/2014/main" id="{82A733A1-1870-4EA3-8EA4-6189065493D4}"/>
-              </a:ext>
-            </a:extLst>
-          </p:cNvPr>
-          <p:cNvPicPr>
-            <a:picLocks noChangeAspect="1"/>
-          </p:cNvPicPr>
-          <p:nvPr/>
-        </p:nvPicPr>
-        <p:blipFill>
-          <a:blip r:embed="rId8"/>
-          <a:stretch>
-            <a:fillRect/>
-          </a:stretch>
-        </p:blipFill>
-        <p:spPr>
-          <a:xfrm>
-            <a:off x="2038350" y="3132395"/>
-            <a:ext cx="8115300" cy="3095625"/>
-          </a:xfrm>
-          <a:prstGeom prst="rect">
-            <a:avLst/>
-          </a:prstGeom>
-        </p:spPr>
-      </p:pic>
-    </p:spTree>
-    <p:extLst>
-      <p:ext uri="{BB962C8B-B14F-4D97-AF65-F5344CB8AC3E}">
-        <p14:creationId xmlns:p14="http://schemas.microsoft.com/office/powerpoint/2010/main" val="2974230131"/>
-      </p:ext>
-    </p:extLst>
-  </p:cSld>
-  <p:clrMapOvr>
-    <a:masterClrMapping/>
-  </p:clrMapOvr>
-</p:sld>
-</file>
-
-<file path=ppt/slides/slide20.xml><?xml version="1.0" encoding="utf-8"?>
+<file path=ppt/slides/slide19.xml><?xml version="1.0" encoding="utf-8"?>
 <p:sld xmlns:a="http://schemas.openxmlformats.org/drawingml/2006/main" xmlns:r="http://schemas.openxmlformats.org/officeDocument/2006/relationships" xmlns:p="http://schemas.openxmlformats.org/presentationml/2006/main">
   <p:cSld>
     <p:spTree>
@@ -32504,7 +30731,7 @@
                   <a:srgbClr val="72AF2F"/>
                 </a:solidFill>
               </a:rPr>
-              <a:t>Possible solution: 1 tool with coverage of PathVisio, </a:t>
+              <a:t>Possible solution: 1 tool with coverage of </a:t>
             </a:r>
             <a:r>
               <a:rPr lang="en-GB" sz="2400" dirty="0" err="1">
@@ -32520,7 +30747,7 @@
                   <a:srgbClr val="72AF2F"/>
                 </a:solidFill>
               </a:rPr>
-              <a:t>, </a:t>
+              <a:t>, KEGG and </a:t>
             </a:r>
             <a:r>
               <a:rPr lang="en-GB" sz="2400" dirty="0" err="1">
@@ -32528,7 +30755,7 @@
                   <a:srgbClr val="72AF2F"/>
                 </a:solidFill>
               </a:rPr>
-              <a:t>MetaboAnalyst</a:t>
+              <a:t>Reactome</a:t>
             </a:r>
             <a:r>
               <a:rPr lang="en-GB" sz="2400" dirty="0">
@@ -32536,7 +30763,7 @@
                   <a:srgbClr val="72AF2F"/>
                 </a:solidFill>
               </a:rPr>
-              <a:t> and KEGG.</a:t>
+              <a:t>.</a:t>
             </a:r>
           </a:p>
           <a:p>
@@ -32693,7 +30920,408 @@
 </p:sld>
 </file>
 
-<file path=ppt/slides/slide21.xml><?xml version="1.0" encoding="utf-8"?>
+<file path=ppt/slides/slide2.xml><?xml version="1.0" encoding="utf-8"?>
+<p:sld xmlns:a="http://schemas.openxmlformats.org/drawingml/2006/main" xmlns:r="http://schemas.openxmlformats.org/officeDocument/2006/relationships" xmlns:p="http://schemas.openxmlformats.org/presentationml/2006/main">
+  <p:cSld>
+    <p:spTree>
+      <p:nvGrpSpPr>
+        <p:cNvPr id="1" name=""/>
+        <p:cNvGrpSpPr/>
+        <p:nvPr/>
+      </p:nvGrpSpPr>
+      <p:grpSpPr>
+        <a:xfrm>
+          <a:off x="0" y="0"/>
+          <a:ext cx="0" cy="0"/>
+          <a:chOff x="0" y="0"/>
+          <a:chExt cx="0" cy="0"/>
+        </a:xfrm>
+      </p:grpSpPr>
+      <p:sp>
+        <p:nvSpPr>
+          <p:cNvPr id="7" name="TextBox 6">
+            <a:extLst>
+              <a:ext uri="{FF2B5EF4-FFF2-40B4-BE49-F238E27FC236}">
+                <a16:creationId xmlns:a16="http://schemas.microsoft.com/office/drawing/2014/main" id="{041F3778-7216-4345-9C36-30D7F3349F41}"/>
+              </a:ext>
+            </a:extLst>
+          </p:cNvPr>
+          <p:cNvSpPr txBox="1"/>
+          <p:nvPr/>
+        </p:nvSpPr>
+        <p:spPr>
+          <a:xfrm>
+            <a:off x="646111" y="1152983"/>
+            <a:ext cx="10294605" cy="2215991"/>
+          </a:xfrm>
+          <a:prstGeom prst="rect">
+            <a:avLst/>
+          </a:prstGeom>
+          <a:noFill/>
+        </p:spPr>
+        <p:txBody>
+          <a:bodyPr wrap="square" rtlCol="0">
+            <a:spAutoFit/>
+          </a:bodyPr>
+          <a:lstStyle/>
+          <a:p>
+            <a:r>
+              <a:rPr lang="en-GB" sz="2400" dirty="0"/>
+              <a:t>Importance:</a:t>
+            </a:r>
+          </a:p>
+          <a:p>
+            <a:pPr marL="342900" indent="-342900">
+              <a:buFont typeface="Arial" panose="020B0604020202020204" pitchFamily="34" charset="0"/>
+              <a:buChar char="•"/>
+            </a:pPr>
+            <a:r>
+              <a:rPr lang="en-GB" sz="2400" dirty="0"/>
+              <a:t>2019: 463 million adults </a:t>
+            </a:r>
+            <a:r>
+              <a:rPr lang="en-GB" sz="2400" dirty="0">
+                <a:sym typeface="Wingdings" panose="05000000000000000000" pitchFamily="2" charset="2"/>
+              </a:rPr>
+              <a:t>				2045: 700 million adults (1).</a:t>
+            </a:r>
+          </a:p>
+          <a:p>
+            <a:pPr marL="342900" indent="-342900">
+              <a:buFont typeface="Arial" panose="020B0604020202020204" pitchFamily="34" charset="0"/>
+              <a:buChar char="•"/>
+            </a:pPr>
+            <a:r>
+              <a:rPr lang="en-GB" sz="2400" dirty="0"/>
+              <a:t>90-95% of all diabetes (2).</a:t>
+            </a:r>
+          </a:p>
+          <a:p>
+            <a:endParaRPr lang="en-GB" sz="2400" dirty="0"/>
+          </a:p>
+          <a:p>
+            <a:r>
+              <a:rPr lang="en-GB" sz="2400" dirty="0"/>
+              <a:t>Pathophysiology:</a:t>
+            </a:r>
+          </a:p>
+          <a:p>
+            <a:pPr marL="285750" indent="-285750">
+              <a:buFontTx/>
+              <a:buChar char="-"/>
+            </a:pPr>
+            <a:endParaRPr lang="en-GB" dirty="0"/>
+          </a:p>
+        </p:txBody>
+      </p:sp>
+      <p:sp>
+        <p:nvSpPr>
+          <p:cNvPr id="2" name="Title 1">
+            <a:extLst>
+              <a:ext uri="{FF2B5EF4-FFF2-40B4-BE49-F238E27FC236}">
+                <a16:creationId xmlns:a16="http://schemas.microsoft.com/office/drawing/2014/main" id="{1AD3D90E-C50B-4DFA-9CCB-5680F71C1507}"/>
+              </a:ext>
+            </a:extLst>
+          </p:cNvPr>
+          <p:cNvSpPr>
+            <a:spLocks noGrp="1"/>
+          </p:cNvSpPr>
+          <p:nvPr>
+            <p:ph type="title"/>
+          </p:nvPr>
+        </p:nvSpPr>
+        <p:spPr/>
+        <p:txBody>
+          <a:bodyPr/>
+          <a:lstStyle/>
+          <a:p>
+            <a:r>
+              <a:rPr lang="en-GB" dirty="0"/>
+              <a:t>Introduction: T2DM</a:t>
+            </a:r>
+          </a:p>
+        </p:txBody>
+      </p:sp>
+      <p:pic>
+        <p:nvPicPr>
+          <p:cNvPr id="5" name="Content Placeholder 4" descr="Badge 1">
+            <a:extLst>
+              <a:ext uri="{FF2B5EF4-FFF2-40B4-BE49-F238E27FC236}">
+                <a16:creationId xmlns:a16="http://schemas.microsoft.com/office/drawing/2014/main" id="{A2996364-745F-4EF7-9F8E-C82601F66B4D}"/>
+              </a:ext>
+            </a:extLst>
+          </p:cNvPr>
+          <p:cNvPicPr>
+            <a:picLocks noGrp="1" noChangeAspect="1"/>
+          </p:cNvPicPr>
+          <p:nvPr>
+            <p:ph idx="1"/>
+          </p:nvPr>
+        </p:nvPicPr>
+        <p:blipFill>
+          <a:blip r:embed="rId3">
+            <a:extLst>
+              <a:ext uri="{28A0092B-C50C-407E-A947-70E740481C1C}">
+                <a14:useLocalDpi xmlns:a14="http://schemas.microsoft.com/office/drawing/2010/main" val="0"/>
+              </a:ext>
+              <a:ext uri="{96DAC541-7B7A-43D3-8B79-37D633B846F1}">
+                <asvg:svgBlip xmlns:asvg="http://schemas.microsoft.com/office/drawing/2016/SVG/main" r:embed="rId4"/>
+              </a:ext>
+            </a:extLst>
+          </a:blip>
+          <a:stretch>
+            <a:fillRect/>
+          </a:stretch>
+        </p:blipFill>
+        <p:spPr>
+          <a:xfrm>
+            <a:off x="10422011" y="424143"/>
+            <a:ext cx="722239" cy="722239"/>
+          </a:xfrm>
+        </p:spPr>
+      </p:pic>
+      <p:sp>
+        <p:nvSpPr>
+          <p:cNvPr id="9" name="Arrow: Right 8">
+            <a:extLst>
+              <a:ext uri="{FF2B5EF4-FFF2-40B4-BE49-F238E27FC236}">
+                <a16:creationId xmlns:a16="http://schemas.microsoft.com/office/drawing/2014/main" id="{904380CD-0E4E-4D4E-85F2-B7219AFA24CF}"/>
+              </a:ext>
+            </a:extLst>
+          </p:cNvPr>
+          <p:cNvSpPr/>
+          <p:nvPr/>
+        </p:nvSpPr>
+        <p:spPr>
+          <a:xfrm>
+            <a:off x="4561726" y="1335031"/>
+            <a:ext cx="1534274" cy="770562"/>
+          </a:xfrm>
+          <a:prstGeom prst="rightArrow">
+            <a:avLst/>
+          </a:prstGeom>
+          <a:ln>
+            <a:solidFill>
+              <a:schemeClr val="accent1"/>
+            </a:solidFill>
+          </a:ln>
+        </p:spPr>
+        <p:style>
+          <a:lnRef idx="2">
+            <a:schemeClr val="accent1">
+              <a:shade val="50000"/>
+            </a:schemeClr>
+          </a:lnRef>
+          <a:fillRef idx="1">
+            <a:schemeClr val="accent1"/>
+          </a:fillRef>
+          <a:effectRef idx="0">
+            <a:schemeClr val="accent1"/>
+          </a:effectRef>
+          <a:fontRef idx="minor">
+            <a:schemeClr val="lt1"/>
+          </a:fontRef>
+        </p:style>
+        <p:txBody>
+          <a:bodyPr rtlCol="0" anchor="ctr"/>
+          <a:lstStyle/>
+          <a:p>
+            <a:pPr algn="ctr"/>
+            <a:endParaRPr lang="en-GB"/>
+          </a:p>
+        </p:txBody>
+      </p:sp>
+      <p:sp>
+        <p:nvSpPr>
+          <p:cNvPr id="10" name="TextBox 9">
+            <a:extLst>
+              <a:ext uri="{FF2B5EF4-FFF2-40B4-BE49-F238E27FC236}">
+                <a16:creationId xmlns:a16="http://schemas.microsoft.com/office/drawing/2014/main" id="{8F4EBED7-2C9C-456C-A2D1-D25F2AFF951A}"/>
+              </a:ext>
+            </a:extLst>
+          </p:cNvPr>
+          <p:cNvSpPr txBox="1"/>
+          <p:nvPr/>
+        </p:nvSpPr>
+        <p:spPr>
+          <a:xfrm>
+            <a:off x="4787757" y="1535646"/>
+            <a:ext cx="832207" cy="369332"/>
+          </a:xfrm>
+          <a:prstGeom prst="rect">
+            <a:avLst/>
+          </a:prstGeom>
+          <a:noFill/>
+        </p:spPr>
+        <p:txBody>
+          <a:bodyPr wrap="square" rtlCol="0">
+            <a:spAutoFit/>
+          </a:bodyPr>
+          <a:lstStyle/>
+          <a:p>
+            <a:pPr algn="ctr"/>
+            <a:r>
+              <a:rPr lang="en-GB" dirty="0"/>
+              <a:t>51%</a:t>
+            </a:r>
+          </a:p>
+        </p:txBody>
+      </p:sp>
+      <p:sp>
+        <p:nvSpPr>
+          <p:cNvPr id="13" name="TextBox 12">
+            <a:extLst>
+              <a:ext uri="{FF2B5EF4-FFF2-40B4-BE49-F238E27FC236}">
+                <a16:creationId xmlns:a16="http://schemas.microsoft.com/office/drawing/2014/main" id="{CF9D096C-FB83-4A91-932F-5BD89A1A43CE}"/>
+              </a:ext>
+            </a:extLst>
+          </p:cNvPr>
+          <p:cNvSpPr txBox="1"/>
+          <p:nvPr/>
+        </p:nvSpPr>
+        <p:spPr>
+          <a:xfrm>
+            <a:off x="3623201" y="6228020"/>
+            <a:ext cx="520562" cy="369332"/>
+          </a:xfrm>
+          <a:prstGeom prst="rect">
+            <a:avLst/>
+          </a:prstGeom>
+          <a:noFill/>
+        </p:spPr>
+        <p:txBody>
+          <a:bodyPr wrap="square" rtlCol="0">
+            <a:spAutoFit/>
+          </a:bodyPr>
+          <a:lstStyle/>
+          <a:p>
+            <a:r>
+              <a:rPr lang="en-GB" dirty="0"/>
+              <a:t>(3)</a:t>
+            </a:r>
+          </a:p>
+        </p:txBody>
+      </p:sp>
+      <p:pic>
+        <p:nvPicPr>
+          <p:cNvPr id="8" name="Graphic 7" descr="Petri Dish">
+            <a:extLst>
+              <a:ext uri="{FF2B5EF4-FFF2-40B4-BE49-F238E27FC236}">
+                <a16:creationId xmlns:a16="http://schemas.microsoft.com/office/drawing/2014/main" id="{26834622-AF8C-41ED-ADE9-67D86F22994E}"/>
+              </a:ext>
+            </a:extLst>
+          </p:cNvPr>
+          <p:cNvPicPr>
+            <a:picLocks noChangeAspect="1"/>
+          </p:cNvPicPr>
+          <p:nvPr/>
+        </p:nvPicPr>
+        <p:blipFill>
+          <a:blip r:embed="rId5">
+            <a:extLst>
+              <a:ext uri="{28A0092B-C50C-407E-A947-70E740481C1C}">
+                <a14:useLocalDpi xmlns:a14="http://schemas.microsoft.com/office/drawing/2010/main" val="0"/>
+              </a:ext>
+              <a:ext uri="{96DAC541-7B7A-43D3-8B79-37D633B846F1}">
+                <asvg:svgBlip xmlns:asvg="http://schemas.microsoft.com/office/drawing/2016/SVG/main" r:embed="rId6"/>
+              </a:ext>
+            </a:extLst>
+          </a:blip>
+          <a:stretch>
+            <a:fillRect/>
+          </a:stretch>
+        </p:blipFill>
+        <p:spPr>
+          <a:xfrm>
+            <a:off x="4259418" y="4681925"/>
+            <a:ext cx="710147" cy="710147"/>
+          </a:xfrm>
+          <a:prstGeom prst="rect">
+            <a:avLst/>
+          </a:prstGeom>
+        </p:spPr>
+      </p:pic>
+      <p:sp>
+        <p:nvSpPr>
+          <p:cNvPr id="6" name="Rectangle 5">
+            <a:extLst>
+              <a:ext uri="{FF2B5EF4-FFF2-40B4-BE49-F238E27FC236}">
+                <a16:creationId xmlns:a16="http://schemas.microsoft.com/office/drawing/2014/main" id="{B35EFBFD-55AF-4909-9DE8-E44F2AF729B9}"/>
+              </a:ext>
+            </a:extLst>
+          </p:cNvPr>
+          <p:cNvSpPr/>
+          <p:nvPr/>
+        </p:nvSpPr>
+        <p:spPr>
+          <a:xfrm>
+            <a:off x="4143763" y="6243043"/>
+            <a:ext cx="5532284" cy="369332"/>
+          </a:xfrm>
+          <a:prstGeom prst="rect">
+            <a:avLst/>
+          </a:prstGeom>
+        </p:spPr>
+        <p:txBody>
+          <a:bodyPr wrap="none">
+            <a:spAutoFit/>
+          </a:bodyPr>
+          <a:lstStyle/>
+          <a:p>
+            <a:r>
+              <a:rPr lang="en-GB" dirty="0">
+                <a:hlinkClick r:id="rId7"/>
+              </a:rPr>
+              <a:t>https://www.jci.org/articles/view/29189/figure/1</a:t>
+            </a:r>
+            <a:endParaRPr lang="en-GB" dirty="0"/>
+          </a:p>
+        </p:txBody>
+      </p:sp>
+      <p:pic>
+        <p:nvPicPr>
+          <p:cNvPr id="11" name="Picture 10">
+            <a:extLst>
+              <a:ext uri="{FF2B5EF4-FFF2-40B4-BE49-F238E27FC236}">
+                <a16:creationId xmlns:a16="http://schemas.microsoft.com/office/drawing/2014/main" id="{DE6ED314-C908-4E46-A8BB-6D028B1DD588}"/>
+              </a:ext>
+            </a:extLst>
+          </p:cNvPr>
+          <p:cNvPicPr>
+            <a:picLocks noChangeAspect="1"/>
+          </p:cNvPicPr>
+          <p:nvPr/>
+        </p:nvPicPr>
+        <p:blipFill>
+          <a:blip r:embed="rId8"/>
+          <a:stretch>
+            <a:fillRect/>
+          </a:stretch>
+        </p:blipFill>
+        <p:spPr>
+          <a:xfrm>
+            <a:off x="2309495" y="3278307"/>
+            <a:ext cx="7573010" cy="2807236"/>
+          </a:xfrm>
+          <a:prstGeom prst="rect">
+            <a:avLst/>
+          </a:prstGeom>
+        </p:spPr>
+      </p:pic>
+    </p:spTree>
+    <p:extLst>
+      <p:ext uri="{BB962C8B-B14F-4D97-AF65-F5344CB8AC3E}">
+        <p14:creationId xmlns:p14="http://schemas.microsoft.com/office/powerpoint/2010/main" val="2974230131"/>
+      </p:ext>
+    </p:extLst>
+  </p:cSld>
+  <p:clrMapOvr>
+    <a:masterClrMapping/>
+  </p:clrMapOvr>
+</p:sld>
+</file>
+
+<file path=ppt/slides/slide20.xml><?xml version="1.0" encoding="utf-8"?>
 <p:sld xmlns:a="http://schemas.openxmlformats.org/drawingml/2006/main" xmlns:r="http://schemas.openxmlformats.org/officeDocument/2006/relationships" xmlns:p="http://schemas.openxmlformats.org/presentationml/2006/main">
   <p:cSld>
     <p:spTree>
@@ -33194,7 +31822,7 @@
 </p:sld>
 </file>
 
-<file path=ppt/slides/slide22.xml><?xml version="1.0" encoding="utf-8"?>
+<file path=ppt/slides/slide21.xml><?xml version="1.0" encoding="utf-8"?>
 <p:sld xmlns:a="http://schemas.openxmlformats.org/drawingml/2006/main" xmlns:r="http://schemas.openxmlformats.org/officeDocument/2006/relationships" xmlns:p="http://schemas.openxmlformats.org/presentationml/2006/main">
   <p:cSld>
     <p:spTree>
@@ -33514,7 +32142,7 @@
 </p:sld>
 </file>
 
-<file path=ppt/slides/slide23.xml><?xml version="1.0" encoding="utf-8"?>
+<file path=ppt/slides/slide22.xml><?xml version="1.0" encoding="utf-8"?>
 <p:sld xmlns:a="http://schemas.openxmlformats.org/drawingml/2006/main" xmlns:r="http://schemas.openxmlformats.org/officeDocument/2006/relationships" xmlns:p="http://schemas.openxmlformats.org/presentationml/2006/main">
   <p:cSld>
     <p:spTree>
@@ -34732,7 +33360,7 @@
 </p:sld>
 </file>
 
-<file path=ppt/slides/slide24.xml><?xml version="1.0" encoding="utf-8"?>
+<file path=ppt/slides/slide23.xml><?xml version="1.0" encoding="utf-8"?>
 <p:sld xmlns:a="http://schemas.openxmlformats.org/drawingml/2006/main" xmlns:r="http://schemas.openxmlformats.org/officeDocument/2006/relationships" xmlns:p="http://schemas.openxmlformats.org/presentationml/2006/main">
   <p:cSld>
     <p:spTree>
@@ -34926,7 +33554,7 @@
 </p:sld>
 </file>
 
-<file path=ppt/slides/slide25.xml><?xml version="1.0" encoding="utf-8"?>
+<file path=ppt/slides/slide24.xml><?xml version="1.0" encoding="utf-8"?>
 <p:sld xmlns:a="http://schemas.openxmlformats.org/drawingml/2006/main" xmlns:r="http://schemas.openxmlformats.org/officeDocument/2006/relationships" xmlns:p="http://schemas.openxmlformats.org/presentationml/2006/main">
   <p:cSld>
     <p:spTree>
@@ -35084,7 +33712,7 @@
 </p:sld>
 </file>
 
-<file path=ppt/slides/slide26.xml><?xml version="1.0" encoding="utf-8"?>
+<file path=ppt/slides/slide25.xml><?xml version="1.0" encoding="utf-8"?>
 <p:sld xmlns:a="http://schemas.openxmlformats.org/drawingml/2006/main" xmlns:r="http://schemas.openxmlformats.org/officeDocument/2006/relationships" xmlns:p="http://schemas.openxmlformats.org/presentationml/2006/main">
   <p:cSld>
     <p:spTree>
@@ -35254,6 +33882,1423 @@
   <p:clrMapOvr>
     <a:masterClrMapping/>
   </p:clrMapOvr>
+</p:sld>
+</file>
+
+<file path=ppt/slides/slide26.xml><?xml version="1.0" encoding="utf-8"?>
+<p:sld xmlns:a="http://schemas.openxmlformats.org/drawingml/2006/main" xmlns:r="http://schemas.openxmlformats.org/officeDocument/2006/relationships" xmlns:p="http://schemas.openxmlformats.org/presentationml/2006/main">
+  <p:cSld>
+    <p:spTree>
+      <p:nvGrpSpPr>
+        <p:cNvPr id="1" name=""/>
+        <p:cNvGrpSpPr/>
+        <p:nvPr/>
+      </p:nvGrpSpPr>
+      <p:grpSpPr>
+        <a:xfrm>
+          <a:off x="0" y="0"/>
+          <a:ext cx="0" cy="0"/>
+          <a:chOff x="0" y="0"/>
+          <a:chExt cx="0" cy="0"/>
+        </a:xfrm>
+      </p:grpSpPr>
+      <p:sp>
+        <p:nvSpPr>
+          <p:cNvPr id="14" name="TextBox 13">
+            <a:extLst>
+              <a:ext uri="{FF2B5EF4-FFF2-40B4-BE49-F238E27FC236}">
+                <a16:creationId xmlns:a16="http://schemas.microsoft.com/office/drawing/2014/main" id="{E2C35CB7-E028-4FCA-9D22-88FE87EF9A86}"/>
+              </a:ext>
+            </a:extLst>
+          </p:cNvPr>
+          <p:cNvSpPr txBox="1"/>
+          <p:nvPr/>
+        </p:nvSpPr>
+        <p:spPr>
+          <a:xfrm>
+            <a:off x="10510347" y="551452"/>
+            <a:ext cx="534661" cy="461665"/>
+          </a:xfrm>
+          <a:prstGeom prst="rect">
+            <a:avLst/>
+          </a:prstGeom>
+          <a:noFill/>
+        </p:spPr>
+        <p:txBody>
+          <a:bodyPr wrap="square" rtlCol="0">
+            <a:spAutoFit/>
+          </a:bodyPr>
+          <a:lstStyle/>
+          <a:p>
+            <a:r>
+              <a:rPr lang="en-GB" sz="2400" b="1" dirty="0">
+                <a:latin typeface="Arial" panose="020B0604020202020204" pitchFamily="34" charset="0"/>
+                <a:cs typeface="Arial" panose="020B0604020202020204" pitchFamily="34" charset="0"/>
+              </a:rPr>
+              <a:t>11</a:t>
+            </a:r>
+          </a:p>
+        </p:txBody>
+      </p:sp>
+      <p:sp>
+        <p:nvSpPr>
+          <p:cNvPr id="6" name="Title 1">
+            <a:extLst>
+              <a:ext uri="{FF2B5EF4-FFF2-40B4-BE49-F238E27FC236}">
+                <a16:creationId xmlns:a16="http://schemas.microsoft.com/office/drawing/2014/main" id="{D4ED89BF-271F-4EFF-9B1B-223164C7E839}"/>
+              </a:ext>
+            </a:extLst>
+          </p:cNvPr>
+          <p:cNvSpPr txBox="1">
+            <a:spLocks/>
+          </p:cNvSpPr>
+          <p:nvPr/>
+        </p:nvSpPr>
+        <p:spPr>
+          <a:xfrm>
+            <a:off x="646110" y="464006"/>
+            <a:ext cx="9404723" cy="1400530"/>
+          </a:xfrm>
+          <a:prstGeom prst="rect">
+            <a:avLst/>
+          </a:prstGeom>
+        </p:spPr>
+        <p:txBody>
+          <a:bodyPr vert="horz" lIns="91440" tIns="45720" rIns="91440" bIns="45720" rtlCol="0" anchor="t">
+            <a:noAutofit/>
+          </a:bodyPr>
+          <a:lstStyle>
+            <a:lvl1pPr algn="l" defTabSz="457200" rtl="0" eaLnBrk="1" latinLnBrk="0" hangingPunct="1">
+              <a:spcBef>
+                <a:spcPct val="0"/>
+              </a:spcBef>
+              <a:buNone/>
+              <a:defRPr sz="4200" b="0" i="0" kern="1200">
+                <a:solidFill>
+                  <a:schemeClr val="tx2"/>
+                </a:solidFill>
+                <a:latin typeface="+mj-lt"/>
+                <a:ea typeface="+mj-ea"/>
+                <a:cs typeface="+mj-cs"/>
+              </a:defRPr>
+            </a:lvl1pPr>
+            <a:lvl2pPr eaLnBrk="1" hangingPunct="1">
+              <a:defRPr>
+                <a:solidFill>
+                  <a:schemeClr val="tx2"/>
+                </a:solidFill>
+              </a:defRPr>
+            </a:lvl2pPr>
+            <a:lvl3pPr eaLnBrk="1" hangingPunct="1">
+              <a:defRPr>
+                <a:solidFill>
+                  <a:schemeClr val="tx2"/>
+                </a:solidFill>
+              </a:defRPr>
+            </a:lvl3pPr>
+            <a:lvl4pPr eaLnBrk="1" hangingPunct="1">
+              <a:defRPr>
+                <a:solidFill>
+                  <a:schemeClr val="tx2"/>
+                </a:solidFill>
+              </a:defRPr>
+            </a:lvl4pPr>
+            <a:lvl5pPr eaLnBrk="1" hangingPunct="1">
+              <a:defRPr>
+                <a:solidFill>
+                  <a:schemeClr val="tx2"/>
+                </a:solidFill>
+              </a:defRPr>
+            </a:lvl5pPr>
+            <a:lvl6pPr eaLnBrk="1" hangingPunct="1">
+              <a:defRPr>
+                <a:solidFill>
+                  <a:schemeClr val="tx2"/>
+                </a:solidFill>
+              </a:defRPr>
+            </a:lvl6pPr>
+            <a:lvl7pPr eaLnBrk="1" hangingPunct="1">
+              <a:defRPr>
+                <a:solidFill>
+                  <a:schemeClr val="tx2"/>
+                </a:solidFill>
+              </a:defRPr>
+            </a:lvl7pPr>
+            <a:lvl8pPr eaLnBrk="1" hangingPunct="1">
+              <a:defRPr>
+                <a:solidFill>
+                  <a:schemeClr val="tx2"/>
+                </a:solidFill>
+              </a:defRPr>
+            </a:lvl8pPr>
+            <a:lvl9pPr eaLnBrk="1" hangingPunct="1">
+              <a:defRPr>
+                <a:solidFill>
+                  <a:schemeClr val="tx2"/>
+                </a:solidFill>
+              </a:defRPr>
+            </a:lvl9pPr>
+          </a:lstStyle>
+          <a:p>
+            <a:pPr>
+              <a:lnSpc>
+                <a:spcPts val="5200"/>
+              </a:lnSpc>
+              <a:spcAft>
+                <a:spcPts val="6000"/>
+              </a:spcAft>
+            </a:pPr>
+            <a:r>
+              <a:rPr lang="en-GB" sz="3700" dirty="0"/>
+              <a:t>Discussion: </a:t>
+            </a:r>
+            <a:r>
+              <a:rPr lang="en-GB" sz="3700" i="1" dirty="0"/>
+              <a:t>Bacteroidetes/Firmicutes</a:t>
+            </a:r>
+            <a:endParaRPr lang="en-GB" sz="3000" dirty="0"/>
+          </a:p>
+        </p:txBody>
+      </p:sp>
+      <p:sp>
+        <p:nvSpPr>
+          <p:cNvPr id="13" name="Oval 12">
+            <a:extLst>
+              <a:ext uri="{FF2B5EF4-FFF2-40B4-BE49-F238E27FC236}">
+                <a16:creationId xmlns:a16="http://schemas.microsoft.com/office/drawing/2014/main" id="{13B3FA44-0854-4234-8D07-63BF6DAB7B73}"/>
+              </a:ext>
+            </a:extLst>
+          </p:cNvPr>
+          <p:cNvSpPr/>
+          <p:nvPr/>
+        </p:nvSpPr>
+        <p:spPr>
+          <a:xfrm>
+            <a:off x="10488426" y="488805"/>
+            <a:ext cx="578504" cy="586960"/>
+          </a:xfrm>
+          <a:prstGeom prst="ellipse">
+            <a:avLst/>
+          </a:prstGeom>
+          <a:noFill/>
+          <a:ln w="38100">
+            <a:solidFill>
+              <a:schemeClr val="tx1"/>
+            </a:solidFill>
+          </a:ln>
+        </p:spPr>
+        <p:style>
+          <a:lnRef idx="2">
+            <a:schemeClr val="accent1">
+              <a:shade val="50000"/>
+            </a:schemeClr>
+          </a:lnRef>
+          <a:fillRef idx="1">
+            <a:schemeClr val="accent1"/>
+          </a:fillRef>
+          <a:effectRef idx="0">
+            <a:schemeClr val="accent1"/>
+          </a:effectRef>
+          <a:fontRef idx="minor">
+            <a:schemeClr val="lt1"/>
+          </a:fontRef>
+        </p:style>
+        <p:txBody>
+          <a:bodyPr rtlCol="0" anchor="ctr"/>
+          <a:lstStyle/>
+          <a:p>
+            <a:pPr algn="ctr"/>
+            <a:endParaRPr lang="en-GB"/>
+          </a:p>
+        </p:txBody>
+      </p:sp>
+      <p:sp>
+        <p:nvSpPr>
+          <p:cNvPr id="7" name="TextBox 6">
+            <a:extLst>
+              <a:ext uri="{FF2B5EF4-FFF2-40B4-BE49-F238E27FC236}">
+                <a16:creationId xmlns:a16="http://schemas.microsoft.com/office/drawing/2014/main" id="{0A60AF13-64A9-4F72-A7CA-01DB0C687478}"/>
+              </a:ext>
+            </a:extLst>
+          </p:cNvPr>
+          <p:cNvSpPr txBox="1"/>
+          <p:nvPr/>
+        </p:nvSpPr>
+        <p:spPr>
+          <a:xfrm>
+            <a:off x="8271222" y="2566381"/>
+            <a:ext cx="3930785" cy="707886"/>
+          </a:xfrm>
+          <a:prstGeom prst="rect">
+            <a:avLst/>
+          </a:prstGeom>
+          <a:noFill/>
+        </p:spPr>
+        <p:txBody>
+          <a:bodyPr wrap="square" rtlCol="0">
+            <a:spAutoFit/>
+          </a:bodyPr>
+          <a:lstStyle/>
+          <a:p>
+            <a:r>
+              <a:rPr lang="en-GB" sz="2000" dirty="0"/>
+              <a:t>	↓ </a:t>
+            </a:r>
+            <a:r>
+              <a:rPr lang="en-GB" sz="2000" i="1" dirty="0"/>
+              <a:t>Bacteroidetes</a:t>
+            </a:r>
+            <a:r>
+              <a:rPr lang="en-GB" sz="2000" dirty="0"/>
+              <a:t>/</a:t>
+            </a:r>
+            <a:r>
+              <a:rPr lang="en-GB" sz="2000" i="1" dirty="0"/>
+              <a:t>Firmicutes</a:t>
+            </a:r>
+            <a:r>
+              <a:rPr lang="en-GB" sz="2000" dirty="0"/>
+              <a:t> </a:t>
+            </a:r>
+          </a:p>
+          <a:p>
+            <a:r>
+              <a:rPr lang="en-GB" sz="2000" dirty="0"/>
+              <a:t>	ratio in T2D. (4) </a:t>
+            </a:r>
+          </a:p>
+        </p:txBody>
+      </p:sp>
+      <p:pic>
+        <p:nvPicPr>
+          <p:cNvPr id="5" name="Graphic 4" descr="Checkmark">
+            <a:extLst>
+              <a:ext uri="{FF2B5EF4-FFF2-40B4-BE49-F238E27FC236}">
+                <a16:creationId xmlns:a16="http://schemas.microsoft.com/office/drawing/2014/main" id="{8FD2C10A-7ECD-4609-A9F6-0D1F2CBADE53}"/>
+              </a:ext>
+            </a:extLst>
+          </p:cNvPr>
+          <p:cNvPicPr>
+            <a:picLocks noChangeAspect="1"/>
+          </p:cNvPicPr>
+          <p:nvPr/>
+        </p:nvPicPr>
+        <p:blipFill>
+          <a:blip r:embed="rId2">
+            <a:extLst>
+              <a:ext uri="{28A0092B-C50C-407E-A947-70E740481C1C}">
+                <a14:useLocalDpi xmlns:a14="http://schemas.microsoft.com/office/drawing/2010/main" val="0"/>
+              </a:ext>
+              <a:ext uri="{96DAC541-7B7A-43D3-8B79-37D633B846F1}">
+                <asvg:svgBlip xmlns:asvg="http://schemas.microsoft.com/office/drawing/2016/SVG/main" r:embed="rId3"/>
+              </a:ext>
+            </a:extLst>
+          </a:blip>
+          <a:stretch>
+            <a:fillRect/>
+          </a:stretch>
+        </p:blipFill>
+        <p:spPr>
+          <a:xfrm>
+            <a:off x="8271222" y="2720546"/>
+            <a:ext cx="419482" cy="419482"/>
+          </a:xfrm>
+          <a:prstGeom prst="rect">
+            <a:avLst/>
+          </a:prstGeom>
+        </p:spPr>
+      </p:pic>
+      <p:sp>
+        <p:nvSpPr>
+          <p:cNvPr id="15" name="Rectangle 14">
+            <a:extLst>
+              <a:ext uri="{FF2B5EF4-FFF2-40B4-BE49-F238E27FC236}">
+                <a16:creationId xmlns:a16="http://schemas.microsoft.com/office/drawing/2014/main" id="{7A50E710-46ED-4F10-A0FF-619600DA576F}"/>
+              </a:ext>
+            </a:extLst>
+          </p:cNvPr>
+          <p:cNvSpPr/>
+          <p:nvPr/>
+        </p:nvSpPr>
+        <p:spPr>
+          <a:xfrm>
+            <a:off x="3063404" y="5156169"/>
+            <a:ext cx="6065192" cy="1577684"/>
+          </a:xfrm>
+          <a:prstGeom prst="rect">
+            <a:avLst/>
+          </a:prstGeom>
+          <a:solidFill>
+            <a:schemeClr val="tx1">
+              <a:alpha val="25000"/>
+            </a:schemeClr>
+          </a:solidFill>
+          <a:ln>
+            <a:solidFill>
+              <a:schemeClr val="tx1">
+                <a:lumMod val="75000"/>
+              </a:schemeClr>
+            </a:solidFill>
+          </a:ln>
+        </p:spPr>
+        <p:style>
+          <a:lnRef idx="2">
+            <a:schemeClr val="accent1">
+              <a:shade val="50000"/>
+            </a:schemeClr>
+          </a:lnRef>
+          <a:fillRef idx="1">
+            <a:schemeClr val="accent1"/>
+          </a:fillRef>
+          <a:effectRef idx="0">
+            <a:schemeClr val="accent1"/>
+          </a:effectRef>
+          <a:fontRef idx="minor">
+            <a:schemeClr val="lt1"/>
+          </a:fontRef>
+        </p:style>
+        <p:txBody>
+          <a:bodyPr rtlCol="0" anchor="ctr"/>
+          <a:lstStyle/>
+          <a:p>
+            <a:pPr algn="ctr"/>
+            <a:endParaRPr lang="en-GB" sz="2000" dirty="0"/>
+          </a:p>
+        </p:txBody>
+      </p:sp>
+      <p:sp>
+        <p:nvSpPr>
+          <p:cNvPr id="16" name="TextBox 15">
+            <a:extLst>
+              <a:ext uri="{FF2B5EF4-FFF2-40B4-BE49-F238E27FC236}">
+                <a16:creationId xmlns:a16="http://schemas.microsoft.com/office/drawing/2014/main" id="{C8136088-92B8-4808-B669-49A3F44BB325}"/>
+              </a:ext>
+            </a:extLst>
+          </p:cNvPr>
+          <p:cNvSpPr txBox="1"/>
+          <p:nvPr/>
+        </p:nvSpPr>
+        <p:spPr>
+          <a:xfrm>
+            <a:off x="3063404" y="5154160"/>
+            <a:ext cx="6065192" cy="1477328"/>
+          </a:xfrm>
+          <a:prstGeom prst="rect">
+            <a:avLst/>
+          </a:prstGeom>
+          <a:noFill/>
+        </p:spPr>
+        <p:txBody>
+          <a:bodyPr wrap="square" rtlCol="0">
+            <a:spAutoFit/>
+          </a:bodyPr>
+          <a:lstStyle/>
+          <a:p>
+            <a:pPr algn="ctr">
+              <a:spcAft>
+                <a:spcPts val="1200"/>
+              </a:spcAft>
+            </a:pPr>
+            <a:r>
+              <a:rPr lang="en-GB" sz="2000" u="sng" dirty="0"/>
+              <a:t>Conclusion</a:t>
+            </a:r>
+          </a:p>
+          <a:p>
+            <a:pPr>
+              <a:spcAft>
+                <a:spcPts val="1200"/>
+              </a:spcAft>
+            </a:pPr>
+            <a:r>
+              <a:rPr lang="en-GB" sz="2000" dirty="0"/>
+              <a:t>Given the sample population, may be better to investigate the metagenomic differences at a level more specific than phylum.</a:t>
+            </a:r>
+          </a:p>
+        </p:txBody>
+      </p:sp>
+      <p:pic>
+        <p:nvPicPr>
+          <p:cNvPr id="12" name="Picture 10">
+            <a:extLst>
+              <a:ext uri="{FF2B5EF4-FFF2-40B4-BE49-F238E27FC236}">
+                <a16:creationId xmlns:a16="http://schemas.microsoft.com/office/drawing/2014/main" id="{FB75AC79-8190-4231-AF86-458BED7FC059}"/>
+              </a:ext>
+            </a:extLst>
+          </p:cNvPr>
+          <p:cNvPicPr>
+            <a:picLocks noChangeAspect="1" noChangeArrowheads="1"/>
+          </p:cNvPicPr>
+          <p:nvPr/>
+        </p:nvPicPr>
+        <p:blipFill>
+          <a:blip r:embed="rId4">
+            <a:extLst>
+              <a:ext uri="{28A0092B-C50C-407E-A947-70E740481C1C}">
+                <a14:useLocalDpi xmlns:a14="http://schemas.microsoft.com/office/drawing/2010/main" val="0"/>
+              </a:ext>
+            </a:extLst>
+          </a:blip>
+          <a:srcRect/>
+          <a:stretch>
+            <a:fillRect/>
+          </a:stretch>
+        </p:blipFill>
+        <p:spPr bwMode="auto">
+          <a:xfrm>
+            <a:off x="342631" y="1426039"/>
+            <a:ext cx="5540933" cy="3490396"/>
+          </a:xfrm>
+          <a:prstGeom prst="rect">
+            <a:avLst/>
+          </a:prstGeom>
+          <a:noFill/>
+          <a:extLst>
+            <a:ext uri="{909E8E84-426E-40DD-AFC4-6F175D3DCCD1}">
+              <a14:hiddenFill xmlns:a14="http://schemas.microsoft.com/office/drawing/2010/main">
+                <a:solidFill>
+                  <a:srgbClr val="FFFFFF"/>
+                </a:solidFill>
+              </a14:hiddenFill>
+            </a:ext>
+          </a:extLst>
+        </p:spPr>
+      </p:pic>
+      <p:sp>
+        <p:nvSpPr>
+          <p:cNvPr id="17" name="TextBox 16">
+            <a:extLst>
+              <a:ext uri="{FF2B5EF4-FFF2-40B4-BE49-F238E27FC236}">
+                <a16:creationId xmlns:a16="http://schemas.microsoft.com/office/drawing/2014/main" id="{FDE6870E-2A9F-48E7-883A-98E849B7A779}"/>
+              </a:ext>
+            </a:extLst>
+          </p:cNvPr>
+          <p:cNvSpPr txBox="1"/>
+          <p:nvPr/>
+        </p:nvSpPr>
+        <p:spPr>
+          <a:xfrm>
+            <a:off x="6591836" y="1364700"/>
+            <a:ext cx="1435297" cy="400110"/>
+          </a:xfrm>
+          <a:prstGeom prst="rect">
+            <a:avLst/>
+          </a:prstGeom>
+          <a:noFill/>
+        </p:spPr>
+        <p:txBody>
+          <a:bodyPr wrap="square" rtlCol="0">
+            <a:spAutoFit/>
+          </a:bodyPr>
+          <a:lstStyle/>
+          <a:p>
+            <a:r>
+              <a:rPr lang="en-GB" sz="2000" i="1" dirty="0"/>
+              <a:t>Firmicutes</a:t>
+            </a:r>
+          </a:p>
+        </p:txBody>
+      </p:sp>
+      <p:cxnSp>
+        <p:nvCxnSpPr>
+          <p:cNvPr id="4" name="Straight Arrow Connector 3">
+            <a:extLst>
+              <a:ext uri="{FF2B5EF4-FFF2-40B4-BE49-F238E27FC236}">
+                <a16:creationId xmlns:a16="http://schemas.microsoft.com/office/drawing/2014/main" id="{6BABC3EA-A91A-4EB3-B45F-1B8BB08CBE22}"/>
+              </a:ext>
+            </a:extLst>
+          </p:cNvPr>
+          <p:cNvCxnSpPr>
+            <a:cxnSpLocks/>
+          </p:cNvCxnSpPr>
+          <p:nvPr/>
+        </p:nvCxnSpPr>
+        <p:spPr>
+          <a:xfrm>
+            <a:off x="5829752" y="1582962"/>
+            <a:ext cx="762084" cy="0"/>
+          </a:xfrm>
+          <a:prstGeom prst="straightConnector1">
+            <a:avLst/>
+          </a:prstGeom>
+          <a:ln w="28575">
+            <a:tailEnd type="triangle"/>
+          </a:ln>
+        </p:spPr>
+        <p:style>
+          <a:lnRef idx="2">
+            <a:schemeClr val="accent1"/>
+          </a:lnRef>
+          <a:fillRef idx="0">
+            <a:schemeClr val="accent1"/>
+          </a:fillRef>
+          <a:effectRef idx="1">
+            <a:schemeClr val="accent1"/>
+          </a:effectRef>
+          <a:fontRef idx="minor">
+            <a:schemeClr val="tx1"/>
+          </a:fontRef>
+        </p:style>
+      </p:cxnSp>
+      <p:sp>
+        <p:nvSpPr>
+          <p:cNvPr id="18" name="TextBox 17">
+            <a:extLst>
+              <a:ext uri="{FF2B5EF4-FFF2-40B4-BE49-F238E27FC236}">
+                <a16:creationId xmlns:a16="http://schemas.microsoft.com/office/drawing/2014/main" id="{A5F93F82-9B3B-40FF-8654-3A51D56CD33E}"/>
+              </a:ext>
+            </a:extLst>
+          </p:cNvPr>
+          <p:cNvSpPr txBox="1"/>
+          <p:nvPr/>
+        </p:nvSpPr>
+        <p:spPr>
+          <a:xfrm>
+            <a:off x="6711351" y="4125686"/>
+            <a:ext cx="2009955" cy="400110"/>
+          </a:xfrm>
+          <a:prstGeom prst="rect">
+            <a:avLst/>
+          </a:prstGeom>
+          <a:noFill/>
+        </p:spPr>
+        <p:txBody>
+          <a:bodyPr wrap="square" rtlCol="0">
+            <a:spAutoFit/>
+          </a:bodyPr>
+          <a:lstStyle/>
+          <a:p>
+            <a:r>
+              <a:rPr lang="en-GB" sz="2000" i="1" dirty="0"/>
+              <a:t>Bacteroidetes</a:t>
+            </a:r>
+          </a:p>
+        </p:txBody>
+      </p:sp>
+      <p:cxnSp>
+        <p:nvCxnSpPr>
+          <p:cNvPr id="19" name="Straight Arrow Connector 18">
+            <a:extLst>
+              <a:ext uri="{FF2B5EF4-FFF2-40B4-BE49-F238E27FC236}">
+                <a16:creationId xmlns:a16="http://schemas.microsoft.com/office/drawing/2014/main" id="{FA222812-8DD0-4D5A-BFF7-875963811737}"/>
+              </a:ext>
+            </a:extLst>
+          </p:cNvPr>
+          <p:cNvCxnSpPr>
+            <a:cxnSpLocks/>
+          </p:cNvCxnSpPr>
+          <p:nvPr/>
+        </p:nvCxnSpPr>
+        <p:spPr>
+          <a:xfrm>
+            <a:off x="3698206" y="4325137"/>
+            <a:ext cx="3013145" cy="0"/>
+          </a:xfrm>
+          <a:prstGeom prst="straightConnector1">
+            <a:avLst/>
+          </a:prstGeom>
+          <a:ln w="28575">
+            <a:tailEnd type="triangle"/>
+          </a:ln>
+        </p:spPr>
+        <p:style>
+          <a:lnRef idx="2">
+            <a:schemeClr val="accent1"/>
+          </a:lnRef>
+          <a:fillRef idx="0">
+            <a:schemeClr val="accent1"/>
+          </a:fillRef>
+          <a:effectRef idx="1">
+            <a:schemeClr val="accent1"/>
+          </a:effectRef>
+          <a:fontRef idx="minor">
+            <a:schemeClr val="tx1"/>
+          </a:fontRef>
+        </p:style>
+      </p:cxnSp>
+      <p:sp>
+        <p:nvSpPr>
+          <p:cNvPr id="21" name="Left Brace 20">
+            <a:extLst>
+              <a:ext uri="{FF2B5EF4-FFF2-40B4-BE49-F238E27FC236}">
+                <a16:creationId xmlns:a16="http://schemas.microsoft.com/office/drawing/2014/main" id="{30AFB968-9ECE-46FD-801D-77335F33C5EE}"/>
+              </a:ext>
+            </a:extLst>
+          </p:cNvPr>
+          <p:cNvSpPr/>
+          <p:nvPr/>
+        </p:nvSpPr>
+        <p:spPr>
+          <a:xfrm>
+            <a:off x="1730447" y="1527700"/>
+            <a:ext cx="141485" cy="1374603"/>
+          </a:xfrm>
+          <a:prstGeom prst="leftBrace">
+            <a:avLst/>
+          </a:prstGeom>
+          <a:noFill/>
+          <a:ln>
+            <a:solidFill>
+              <a:schemeClr val="bg1">
+                <a:lumMod val="75000"/>
+                <a:lumOff val="25000"/>
+              </a:schemeClr>
+            </a:solidFill>
+          </a:ln>
+        </p:spPr>
+        <p:style>
+          <a:lnRef idx="1">
+            <a:schemeClr val="accent1"/>
+          </a:lnRef>
+          <a:fillRef idx="0">
+            <a:schemeClr val="accent1"/>
+          </a:fillRef>
+          <a:effectRef idx="0">
+            <a:schemeClr val="accent1"/>
+          </a:effectRef>
+          <a:fontRef idx="minor">
+            <a:schemeClr val="tx1"/>
+          </a:fontRef>
+        </p:style>
+        <p:txBody>
+          <a:bodyPr rtlCol="0" anchor="ctr"/>
+          <a:lstStyle/>
+          <a:p>
+            <a:pPr algn="ctr"/>
+            <a:endParaRPr lang="en-GB"/>
+          </a:p>
+        </p:txBody>
+      </p:sp>
+      <p:sp>
+        <p:nvSpPr>
+          <p:cNvPr id="22" name="Rectangle 21">
+            <a:extLst>
+              <a:ext uri="{FF2B5EF4-FFF2-40B4-BE49-F238E27FC236}">
+                <a16:creationId xmlns:a16="http://schemas.microsoft.com/office/drawing/2014/main" id="{11EF4679-62D4-464B-9F66-1E5C44580E82}"/>
+              </a:ext>
+            </a:extLst>
+          </p:cNvPr>
+          <p:cNvSpPr>
+            <a:spLocks noChangeArrowheads="1"/>
+          </p:cNvSpPr>
+          <p:nvPr/>
+        </p:nvSpPr>
+        <p:spPr bwMode="auto">
+          <a:xfrm>
+            <a:off x="646110" y="1999557"/>
+            <a:ext cx="1084337" cy="430887"/>
+          </a:xfrm>
+          <a:prstGeom prst="rect">
+            <a:avLst/>
+          </a:prstGeom>
+          <a:noFill/>
+          <a:ln w="9525">
+            <a:noFill/>
+            <a:miter lim="800000"/>
+            <a:headEnd/>
+            <a:tailEnd/>
+          </a:ln>
+          <a:effectLst/>
+          <a:extLst>
+            <a:ext uri="{909E8E84-426E-40DD-AFC4-6F175D3DCCD1}">
+              <a14:hiddenFill xmlns:a14="http://schemas.microsoft.com/office/drawing/2010/main">
+                <a:solidFill>
+                  <a:schemeClr val="accent1"/>
+                </a:solidFill>
+              </a14:hiddenFill>
+            </a:ext>
+            <a:ext uri="{AF507438-7753-43E0-B8FC-AC1667EBCBE1}">
+              <a14:hiddenEffects xmlns:a14="http://schemas.microsoft.com/office/drawing/2010/main">
+                <a:effectLst>
+                  <a:outerShdw dist="35921" dir="2700000" algn="ctr" rotWithShape="0">
+                    <a:schemeClr val="bg2"/>
+                  </a:outerShdw>
+                </a:effectLst>
+              </a14:hiddenEffects>
+            </a:ext>
+          </a:extLst>
+        </p:spPr>
+        <p:txBody>
+          <a:bodyPr vert="horz" wrap="square" lIns="91440" tIns="45720" rIns="91440" bIns="45720" numCol="1" anchor="ctr" anchorCtr="0" compatLnSpc="1">
+            <a:prstTxWarp prst="textNoShape">
+              <a:avLst/>
+            </a:prstTxWarp>
+            <a:spAutoFit/>
+          </a:bodyPr>
+          <a:lstStyle/>
+          <a:p>
+            <a:pPr marL="0" marR="0" lvl="0" indent="0" algn="just" defTabSz="914400" rtl="0" eaLnBrk="0" fontAlgn="base" latinLnBrk="0" hangingPunct="0">
+              <a:lnSpc>
+                <a:spcPct val="100000"/>
+              </a:lnSpc>
+              <a:spcBef>
+                <a:spcPct val="0"/>
+              </a:spcBef>
+              <a:spcAft>
+                <a:spcPct val="0"/>
+              </a:spcAft>
+              <a:buClrTx/>
+              <a:buSzTx/>
+              <a:buFontTx/>
+              <a:buNone/>
+              <a:tabLst/>
+            </a:pPr>
+            <a:r>
+              <a:rPr lang="en-GB" altLang="en-US" sz="1100" dirty="0">
+                <a:solidFill>
+                  <a:schemeClr val="bg1">
+                    <a:lumMod val="75000"/>
+                    <a:lumOff val="25000"/>
+                  </a:schemeClr>
+                </a:solidFill>
+                <a:latin typeface="Calibri" panose="020F0502020204030204" pitchFamily="34" charset="0"/>
+                <a:cs typeface="Times New Roman" panose="02020603050405020304" pitchFamily="18" charset="0"/>
+              </a:rPr>
+              <a:t>More abundant in IR</a:t>
+            </a:r>
+            <a:endParaRPr kumimoji="0" lang="en-GB" altLang="en-US" sz="1100" b="0" u="none" strike="noStrike" cap="none" normalizeH="0" baseline="0" dirty="0">
+              <a:ln>
+                <a:noFill/>
+              </a:ln>
+              <a:solidFill>
+                <a:schemeClr val="bg1">
+                  <a:lumMod val="75000"/>
+                  <a:lumOff val="25000"/>
+                </a:schemeClr>
+              </a:solidFill>
+              <a:effectLst/>
+              <a:latin typeface="Arial" panose="020B0604020202020204" pitchFamily="34" charset="0"/>
+            </a:endParaRPr>
+          </a:p>
+        </p:txBody>
+      </p:sp>
+      <p:sp>
+        <p:nvSpPr>
+          <p:cNvPr id="23" name="Rectangle 22">
+            <a:extLst>
+              <a:ext uri="{FF2B5EF4-FFF2-40B4-BE49-F238E27FC236}">
+                <a16:creationId xmlns:a16="http://schemas.microsoft.com/office/drawing/2014/main" id="{DEEE8CCA-7416-4E57-8840-14D63E04B0B9}"/>
+              </a:ext>
+            </a:extLst>
+          </p:cNvPr>
+          <p:cNvSpPr>
+            <a:spLocks noChangeArrowheads="1"/>
+          </p:cNvSpPr>
+          <p:nvPr/>
+        </p:nvSpPr>
+        <p:spPr bwMode="auto">
+          <a:xfrm>
+            <a:off x="4823606" y="3460259"/>
+            <a:ext cx="1079617" cy="430887"/>
+          </a:xfrm>
+          <a:prstGeom prst="rect">
+            <a:avLst/>
+          </a:prstGeom>
+          <a:noFill/>
+          <a:ln w="9525">
+            <a:noFill/>
+            <a:miter lim="800000"/>
+            <a:headEnd/>
+            <a:tailEnd/>
+          </a:ln>
+          <a:effectLst/>
+          <a:extLst>
+            <a:ext uri="{909E8E84-426E-40DD-AFC4-6F175D3DCCD1}">
+              <a14:hiddenFill xmlns:a14="http://schemas.microsoft.com/office/drawing/2010/main">
+                <a:solidFill>
+                  <a:schemeClr val="accent1"/>
+                </a:solidFill>
+              </a14:hiddenFill>
+            </a:ext>
+            <a:ext uri="{AF507438-7753-43E0-B8FC-AC1667EBCBE1}">
+              <a14:hiddenEffects xmlns:a14="http://schemas.microsoft.com/office/drawing/2010/main">
+                <a:effectLst>
+                  <a:outerShdw dist="35921" dir="2700000" algn="ctr" rotWithShape="0">
+                    <a:schemeClr val="bg2"/>
+                  </a:outerShdw>
+                </a:effectLst>
+              </a14:hiddenEffects>
+            </a:ext>
+          </a:extLst>
+        </p:spPr>
+        <p:txBody>
+          <a:bodyPr vert="horz" wrap="square" lIns="91440" tIns="45720" rIns="91440" bIns="45720" numCol="1" anchor="ctr" anchorCtr="0" compatLnSpc="1">
+            <a:prstTxWarp prst="textNoShape">
+              <a:avLst/>
+            </a:prstTxWarp>
+            <a:spAutoFit/>
+          </a:bodyPr>
+          <a:lstStyle/>
+          <a:p>
+            <a:pPr marL="0" marR="0" lvl="0" indent="0" defTabSz="914400" rtl="0" eaLnBrk="0" fontAlgn="base" latinLnBrk="0" hangingPunct="0">
+              <a:lnSpc>
+                <a:spcPct val="100000"/>
+              </a:lnSpc>
+              <a:spcBef>
+                <a:spcPct val="0"/>
+              </a:spcBef>
+              <a:spcAft>
+                <a:spcPct val="0"/>
+              </a:spcAft>
+              <a:buClrTx/>
+              <a:buSzTx/>
+              <a:buFontTx/>
+              <a:buNone/>
+              <a:tabLst/>
+            </a:pPr>
+            <a:r>
+              <a:rPr lang="en-GB" altLang="en-US" sz="1100" dirty="0">
+                <a:solidFill>
+                  <a:schemeClr val="bg1">
+                    <a:lumMod val="75000"/>
+                    <a:lumOff val="25000"/>
+                  </a:schemeClr>
+                </a:solidFill>
+                <a:latin typeface="Calibri" panose="020F0502020204030204" pitchFamily="34" charset="0"/>
+                <a:cs typeface="Times New Roman" panose="02020603050405020304" pitchFamily="18" charset="0"/>
+              </a:rPr>
+              <a:t>Less abundant in IR</a:t>
+            </a:r>
+            <a:endParaRPr kumimoji="0" lang="en-GB" altLang="en-US" sz="1100" b="0" u="none" strike="noStrike" cap="none" normalizeH="0" baseline="0" dirty="0">
+              <a:ln>
+                <a:noFill/>
+              </a:ln>
+              <a:solidFill>
+                <a:schemeClr val="bg1">
+                  <a:lumMod val="75000"/>
+                  <a:lumOff val="25000"/>
+                </a:schemeClr>
+              </a:solidFill>
+              <a:effectLst/>
+              <a:latin typeface="Arial" panose="020B0604020202020204" pitchFamily="34" charset="0"/>
+            </a:endParaRPr>
+          </a:p>
+        </p:txBody>
+      </p:sp>
+      <p:sp>
+        <p:nvSpPr>
+          <p:cNvPr id="24" name="Left Brace 23">
+            <a:extLst>
+              <a:ext uri="{FF2B5EF4-FFF2-40B4-BE49-F238E27FC236}">
+                <a16:creationId xmlns:a16="http://schemas.microsoft.com/office/drawing/2014/main" id="{0FC53F8F-A341-4C01-B5C7-B65E6CE79DB5}"/>
+              </a:ext>
+            </a:extLst>
+          </p:cNvPr>
+          <p:cNvSpPr/>
+          <p:nvPr/>
+        </p:nvSpPr>
+        <p:spPr>
+          <a:xfrm rot="10800000">
+            <a:off x="4695683" y="3026268"/>
+            <a:ext cx="127923" cy="1298869"/>
+          </a:xfrm>
+          <a:prstGeom prst="leftBrace">
+            <a:avLst/>
+          </a:prstGeom>
+          <a:noFill/>
+          <a:ln>
+            <a:solidFill>
+              <a:schemeClr val="bg1">
+                <a:lumMod val="75000"/>
+                <a:lumOff val="25000"/>
+              </a:schemeClr>
+            </a:solidFill>
+          </a:ln>
+        </p:spPr>
+        <p:style>
+          <a:lnRef idx="1">
+            <a:schemeClr val="accent1"/>
+          </a:lnRef>
+          <a:fillRef idx="0">
+            <a:schemeClr val="accent1"/>
+          </a:fillRef>
+          <a:effectRef idx="0">
+            <a:schemeClr val="accent1"/>
+          </a:effectRef>
+          <a:fontRef idx="minor">
+            <a:schemeClr val="tx1"/>
+          </a:fontRef>
+        </p:style>
+        <p:txBody>
+          <a:bodyPr rtlCol="0" anchor="ctr"/>
+          <a:lstStyle/>
+          <a:p>
+            <a:pPr algn="ctr"/>
+            <a:endParaRPr lang="en-GB" dirty="0"/>
+          </a:p>
+        </p:txBody>
+      </p:sp>
+      <p:cxnSp>
+        <p:nvCxnSpPr>
+          <p:cNvPr id="28" name="Straight Arrow Connector 27">
+            <a:extLst>
+              <a:ext uri="{FF2B5EF4-FFF2-40B4-BE49-F238E27FC236}">
+                <a16:creationId xmlns:a16="http://schemas.microsoft.com/office/drawing/2014/main" id="{102CAB49-0C15-4B56-9606-E37B93E5B973}"/>
+              </a:ext>
+            </a:extLst>
+          </p:cNvPr>
+          <p:cNvCxnSpPr>
+            <a:cxnSpLocks/>
+          </p:cNvCxnSpPr>
+          <p:nvPr/>
+        </p:nvCxnSpPr>
+        <p:spPr>
+          <a:xfrm>
+            <a:off x="8027133" y="1764810"/>
+            <a:ext cx="495900" cy="563846"/>
+          </a:xfrm>
+          <a:prstGeom prst="straightConnector1">
+            <a:avLst/>
+          </a:prstGeom>
+          <a:ln w="28575">
+            <a:tailEnd type="triangle"/>
+          </a:ln>
+        </p:spPr>
+        <p:style>
+          <a:lnRef idx="1">
+            <a:schemeClr val="accent1"/>
+          </a:lnRef>
+          <a:fillRef idx="0">
+            <a:schemeClr val="accent1"/>
+          </a:fillRef>
+          <a:effectRef idx="0">
+            <a:schemeClr val="accent1"/>
+          </a:effectRef>
+          <a:fontRef idx="minor">
+            <a:schemeClr val="tx1"/>
+          </a:fontRef>
+        </p:style>
+      </p:cxnSp>
+      <p:cxnSp>
+        <p:nvCxnSpPr>
+          <p:cNvPr id="31" name="Straight Arrow Connector 30">
+            <a:extLst>
+              <a:ext uri="{FF2B5EF4-FFF2-40B4-BE49-F238E27FC236}">
+                <a16:creationId xmlns:a16="http://schemas.microsoft.com/office/drawing/2014/main" id="{8EBD9408-38C3-4AF1-8FC4-A327D8DFEA83}"/>
+              </a:ext>
+            </a:extLst>
+          </p:cNvPr>
+          <p:cNvCxnSpPr>
+            <a:cxnSpLocks/>
+          </p:cNvCxnSpPr>
+          <p:nvPr/>
+        </p:nvCxnSpPr>
+        <p:spPr>
+          <a:xfrm flipV="1">
+            <a:off x="8027133" y="3442045"/>
+            <a:ext cx="495900" cy="563846"/>
+          </a:xfrm>
+          <a:prstGeom prst="straightConnector1">
+            <a:avLst/>
+          </a:prstGeom>
+          <a:ln w="28575">
+            <a:tailEnd type="triangle"/>
+          </a:ln>
+        </p:spPr>
+        <p:style>
+          <a:lnRef idx="1">
+            <a:schemeClr val="accent1"/>
+          </a:lnRef>
+          <a:fillRef idx="0">
+            <a:schemeClr val="accent1"/>
+          </a:fillRef>
+          <a:effectRef idx="0">
+            <a:schemeClr val="accent1"/>
+          </a:effectRef>
+          <a:fontRef idx="minor">
+            <a:schemeClr val="tx1"/>
+          </a:fontRef>
+        </p:style>
+      </p:cxnSp>
+    </p:spTree>
+    <p:extLst>
+      <p:ext uri="{BB962C8B-B14F-4D97-AF65-F5344CB8AC3E}">
+        <p14:creationId xmlns:p14="http://schemas.microsoft.com/office/powerpoint/2010/main" val="1616101755"/>
+      </p:ext>
+    </p:extLst>
+  </p:cSld>
+  <p:clrMapOvr>
+    <a:masterClrMapping/>
+  </p:clrMapOvr>
+  <p:timing>
+    <p:tnLst>
+      <p:par>
+        <p:cTn id="1" dur="indefinite" restart="never" nodeType="tmRoot">
+          <p:childTnLst>
+            <p:seq concurrent="1" nextAc="seek">
+              <p:cTn id="2" dur="indefinite" nodeType="mainSeq">
+                <p:childTnLst>
+                  <p:par>
+                    <p:cTn id="3" fill="hold">
+                      <p:stCondLst>
+                        <p:cond delay="indefinite"/>
+                      </p:stCondLst>
+                      <p:childTnLst>
+                        <p:par>
+                          <p:cTn id="4" fill="hold">
+                            <p:stCondLst>
+                              <p:cond delay="0"/>
+                            </p:stCondLst>
+                            <p:childTnLst>
+                              <p:par>
+                                <p:cTn id="5" presetID="1" presetClass="entr" presetSubtype="0" fill="hold" nodeType="clickEffect">
+                                  <p:stCondLst>
+                                    <p:cond delay="0"/>
+                                  </p:stCondLst>
+                                  <p:childTnLst>
+                                    <p:set>
+                                      <p:cBhvr>
+                                        <p:cTn id="6" dur="1" fill="hold">
+                                          <p:stCondLst>
+                                            <p:cond delay="0"/>
+                                          </p:stCondLst>
+                                        </p:cTn>
+                                        <p:tgtEl>
+                                          <p:spTgt spid="4"/>
+                                        </p:tgtEl>
+                                        <p:attrNameLst>
+                                          <p:attrName>style.visibility</p:attrName>
+                                        </p:attrNameLst>
+                                      </p:cBhvr>
+                                      <p:to>
+                                        <p:strVal val="visible"/>
+                                      </p:to>
+                                    </p:set>
+                                  </p:childTnLst>
+                                </p:cTn>
+                              </p:par>
+                              <p:par>
+                                <p:cTn id="7" presetID="1" presetClass="entr" presetSubtype="0" fill="hold" grpId="0" nodeType="withEffect">
+                                  <p:stCondLst>
+                                    <p:cond delay="0"/>
+                                  </p:stCondLst>
+                                  <p:childTnLst>
+                                    <p:set>
+                                      <p:cBhvr>
+                                        <p:cTn id="8" dur="1" fill="hold">
+                                          <p:stCondLst>
+                                            <p:cond delay="0"/>
+                                          </p:stCondLst>
+                                        </p:cTn>
+                                        <p:tgtEl>
+                                          <p:spTgt spid="17"/>
+                                        </p:tgtEl>
+                                        <p:attrNameLst>
+                                          <p:attrName>style.visibility</p:attrName>
+                                        </p:attrNameLst>
+                                      </p:cBhvr>
+                                      <p:to>
+                                        <p:strVal val="visible"/>
+                                      </p:to>
+                                    </p:set>
+                                  </p:childTnLst>
+                                </p:cTn>
+                              </p:par>
+                            </p:childTnLst>
+                          </p:cTn>
+                        </p:par>
+                      </p:childTnLst>
+                    </p:cTn>
+                  </p:par>
+                  <p:par>
+                    <p:cTn id="9" fill="hold">
+                      <p:stCondLst>
+                        <p:cond delay="indefinite"/>
+                      </p:stCondLst>
+                      <p:childTnLst>
+                        <p:par>
+                          <p:cTn id="10" fill="hold">
+                            <p:stCondLst>
+                              <p:cond delay="0"/>
+                            </p:stCondLst>
+                            <p:childTnLst>
+                              <p:par>
+                                <p:cTn id="11" presetID="1" presetClass="entr" presetSubtype="0" fill="hold" nodeType="clickEffect">
+                                  <p:stCondLst>
+                                    <p:cond delay="0"/>
+                                  </p:stCondLst>
+                                  <p:childTnLst>
+                                    <p:set>
+                                      <p:cBhvr>
+                                        <p:cTn id="12" dur="1" fill="hold">
+                                          <p:stCondLst>
+                                            <p:cond delay="0"/>
+                                          </p:stCondLst>
+                                        </p:cTn>
+                                        <p:tgtEl>
+                                          <p:spTgt spid="19"/>
+                                        </p:tgtEl>
+                                        <p:attrNameLst>
+                                          <p:attrName>style.visibility</p:attrName>
+                                        </p:attrNameLst>
+                                      </p:cBhvr>
+                                      <p:to>
+                                        <p:strVal val="visible"/>
+                                      </p:to>
+                                    </p:set>
+                                  </p:childTnLst>
+                                </p:cTn>
+                              </p:par>
+                              <p:par>
+                                <p:cTn id="13" presetID="1" presetClass="entr" presetSubtype="0" fill="hold" grpId="0" nodeType="withEffect">
+                                  <p:stCondLst>
+                                    <p:cond delay="0"/>
+                                  </p:stCondLst>
+                                  <p:childTnLst>
+                                    <p:set>
+                                      <p:cBhvr>
+                                        <p:cTn id="14" dur="1" fill="hold">
+                                          <p:stCondLst>
+                                            <p:cond delay="0"/>
+                                          </p:stCondLst>
+                                        </p:cTn>
+                                        <p:tgtEl>
+                                          <p:spTgt spid="18"/>
+                                        </p:tgtEl>
+                                        <p:attrNameLst>
+                                          <p:attrName>style.visibility</p:attrName>
+                                        </p:attrNameLst>
+                                      </p:cBhvr>
+                                      <p:to>
+                                        <p:strVal val="visible"/>
+                                      </p:to>
+                                    </p:set>
+                                  </p:childTnLst>
+                                </p:cTn>
+                              </p:par>
+                            </p:childTnLst>
+                          </p:cTn>
+                        </p:par>
+                      </p:childTnLst>
+                    </p:cTn>
+                  </p:par>
+                  <p:par>
+                    <p:cTn id="15" fill="hold">
+                      <p:stCondLst>
+                        <p:cond delay="indefinite"/>
+                      </p:stCondLst>
+                      <p:childTnLst>
+                        <p:par>
+                          <p:cTn id="16" fill="hold">
+                            <p:stCondLst>
+                              <p:cond delay="0"/>
+                            </p:stCondLst>
+                            <p:childTnLst>
+                              <p:par>
+                                <p:cTn id="17" presetID="1" presetClass="entr" presetSubtype="0" fill="hold" nodeType="clickEffect">
+                                  <p:stCondLst>
+                                    <p:cond delay="0"/>
+                                  </p:stCondLst>
+                                  <p:childTnLst>
+                                    <p:set>
+                                      <p:cBhvr>
+                                        <p:cTn id="18" dur="1" fill="hold">
+                                          <p:stCondLst>
+                                            <p:cond delay="0"/>
+                                          </p:stCondLst>
+                                        </p:cTn>
+                                        <p:tgtEl>
+                                          <p:spTgt spid="28"/>
+                                        </p:tgtEl>
+                                        <p:attrNameLst>
+                                          <p:attrName>style.visibility</p:attrName>
+                                        </p:attrNameLst>
+                                      </p:cBhvr>
+                                      <p:to>
+                                        <p:strVal val="visible"/>
+                                      </p:to>
+                                    </p:set>
+                                  </p:childTnLst>
+                                </p:cTn>
+                              </p:par>
+                              <p:par>
+                                <p:cTn id="19" presetID="1" presetClass="entr" presetSubtype="0" fill="hold" nodeType="withEffect">
+                                  <p:stCondLst>
+                                    <p:cond delay="0"/>
+                                  </p:stCondLst>
+                                  <p:childTnLst>
+                                    <p:set>
+                                      <p:cBhvr>
+                                        <p:cTn id="20" dur="1" fill="hold">
+                                          <p:stCondLst>
+                                            <p:cond delay="0"/>
+                                          </p:stCondLst>
+                                        </p:cTn>
+                                        <p:tgtEl>
+                                          <p:spTgt spid="31"/>
+                                        </p:tgtEl>
+                                        <p:attrNameLst>
+                                          <p:attrName>style.visibility</p:attrName>
+                                        </p:attrNameLst>
+                                      </p:cBhvr>
+                                      <p:to>
+                                        <p:strVal val="visible"/>
+                                      </p:to>
+                                    </p:set>
+                                  </p:childTnLst>
+                                </p:cTn>
+                              </p:par>
+                              <p:par>
+                                <p:cTn id="21" presetID="1" presetClass="entr" presetSubtype="0" fill="hold" nodeType="withEffect">
+                                  <p:stCondLst>
+                                    <p:cond delay="0"/>
+                                  </p:stCondLst>
+                                  <p:childTnLst>
+                                    <p:set>
+                                      <p:cBhvr>
+                                        <p:cTn id="22" dur="1" fill="hold">
+                                          <p:stCondLst>
+                                            <p:cond delay="0"/>
+                                          </p:stCondLst>
+                                        </p:cTn>
+                                        <p:tgtEl>
+                                          <p:spTgt spid="5"/>
+                                        </p:tgtEl>
+                                        <p:attrNameLst>
+                                          <p:attrName>style.visibility</p:attrName>
+                                        </p:attrNameLst>
+                                      </p:cBhvr>
+                                      <p:to>
+                                        <p:strVal val="visible"/>
+                                      </p:to>
+                                    </p:set>
+                                  </p:childTnLst>
+                                </p:cTn>
+                              </p:par>
+                              <p:par>
+                                <p:cTn id="23" presetID="1" presetClass="entr" presetSubtype="0" fill="hold" grpId="0" nodeType="withEffect">
+                                  <p:stCondLst>
+                                    <p:cond delay="0"/>
+                                  </p:stCondLst>
+                                  <p:childTnLst>
+                                    <p:set>
+                                      <p:cBhvr>
+                                        <p:cTn id="24" dur="1" fill="hold">
+                                          <p:stCondLst>
+                                            <p:cond delay="0"/>
+                                          </p:stCondLst>
+                                        </p:cTn>
+                                        <p:tgtEl>
+                                          <p:spTgt spid="7"/>
+                                        </p:tgtEl>
+                                        <p:attrNameLst>
+                                          <p:attrName>style.visibility</p:attrName>
+                                        </p:attrNameLst>
+                                      </p:cBhvr>
+                                      <p:to>
+                                        <p:strVal val="visible"/>
+                                      </p:to>
+                                    </p:set>
+                                  </p:childTnLst>
+                                </p:cTn>
+                              </p:par>
+                            </p:childTnLst>
+                          </p:cTn>
+                        </p:par>
+                      </p:childTnLst>
+                    </p:cTn>
+                  </p:par>
+                  <p:par>
+                    <p:cTn id="25" fill="hold">
+                      <p:stCondLst>
+                        <p:cond delay="indefinite"/>
+                      </p:stCondLst>
+                      <p:childTnLst>
+                        <p:par>
+                          <p:cTn id="26" fill="hold">
+                            <p:stCondLst>
+                              <p:cond delay="0"/>
+                            </p:stCondLst>
+                            <p:childTnLst>
+                              <p:par>
+                                <p:cTn id="27" presetID="1" presetClass="entr" presetSubtype="0" fill="hold" grpId="0" nodeType="clickEffect">
+                                  <p:stCondLst>
+                                    <p:cond delay="0"/>
+                                  </p:stCondLst>
+                                  <p:childTnLst>
+                                    <p:set>
+                                      <p:cBhvr>
+                                        <p:cTn id="28" dur="1" fill="hold">
+                                          <p:stCondLst>
+                                            <p:cond delay="0"/>
+                                          </p:stCondLst>
+                                        </p:cTn>
+                                        <p:tgtEl>
+                                          <p:spTgt spid="16"/>
+                                        </p:tgtEl>
+                                        <p:attrNameLst>
+                                          <p:attrName>style.visibility</p:attrName>
+                                        </p:attrNameLst>
+                                      </p:cBhvr>
+                                      <p:to>
+                                        <p:strVal val="visible"/>
+                                      </p:to>
+                                    </p:set>
+                                  </p:childTnLst>
+                                </p:cTn>
+                              </p:par>
+                              <p:par>
+                                <p:cTn id="29" presetID="1" presetClass="entr" presetSubtype="0" fill="hold" grpId="0" nodeType="withEffect">
+                                  <p:stCondLst>
+                                    <p:cond delay="0"/>
+                                  </p:stCondLst>
+                                  <p:childTnLst>
+                                    <p:set>
+                                      <p:cBhvr>
+                                        <p:cTn id="30" dur="1" fill="hold">
+                                          <p:stCondLst>
+                                            <p:cond delay="0"/>
+                                          </p:stCondLst>
+                                        </p:cTn>
+                                        <p:tgtEl>
+                                          <p:spTgt spid="15"/>
+                                        </p:tgtEl>
+                                        <p:attrNameLst>
+                                          <p:attrName>style.visibility</p:attrName>
+                                        </p:attrNameLst>
+                                      </p:cBhvr>
+                                      <p:to>
+                                        <p:strVal val="visible"/>
+                                      </p:to>
+                                    </p:set>
+                                  </p:childTnLst>
+                                </p:cTn>
+                              </p:par>
+                            </p:childTnLst>
+                          </p:cTn>
+                        </p:par>
+                      </p:childTnLst>
+                    </p:cTn>
+                  </p:par>
+                </p:childTnLst>
+              </p:cTn>
+              <p:prevCondLst>
+                <p:cond evt="onPrev" delay="0">
+                  <p:tgtEl>
+                    <p:sldTgt/>
+                  </p:tgtEl>
+                </p:cond>
+              </p:prevCondLst>
+              <p:nextCondLst>
+                <p:cond evt="onNext" delay="0">
+                  <p:tgtEl>
+                    <p:sldTgt/>
+                  </p:tgtEl>
+                </p:cond>
+              </p:nextCondLst>
+            </p:seq>
+          </p:childTnLst>
+        </p:cTn>
+      </p:par>
+    </p:tnLst>
+    <p:bldLst>
+      <p:bldP spid="7" grpId="0"/>
+      <p:bldP spid="15" grpId="0" animBg="1"/>
+      <p:bldP spid="16" grpId="0"/>
+      <p:bldP spid="17" grpId="0"/>
+      <p:bldP spid="18" grpId="0"/>
+    </p:bldLst>
+  </p:timing>
 </p:sld>
 </file>
 

--- a/Final Presentation.pptx
+++ b/Final Presentation.pptx
@@ -30,13 +30,13 @@
     <p:sldId id="316" r:id="rId21"/>
     <p:sldId id="312" r:id="rId22"/>
     <p:sldId id="270" r:id="rId23"/>
-    <p:sldId id="271" r:id="rId24"/>
-    <p:sldId id="304" r:id="rId25"/>
-    <p:sldId id="308" r:id="rId26"/>
-    <p:sldId id="309" r:id="rId27"/>
-    <p:sldId id="315" r:id="rId28"/>
+    <p:sldId id="293" r:id="rId24"/>
+    <p:sldId id="308" r:id="rId25"/>
+    <p:sldId id="309" r:id="rId26"/>
+    <p:sldId id="315" r:id="rId27"/>
+    <p:sldId id="304" r:id="rId28"/>
     <p:sldId id="282" r:id="rId29"/>
-    <p:sldId id="293" r:id="rId30"/>
+    <p:sldId id="271" r:id="rId30"/>
   </p:sldIdLst>
   <p:sldSz cx="12192000" cy="6858000"/>
   <p:notesSz cx="6858000" cy="9144000"/>
@@ -158,7 +158,7 @@
 <file path=ppt/revisionInfo.xml><?xml version="1.0" encoding="utf-8"?>
 <p1510:revInfo xmlns:a="http://schemas.openxmlformats.org/drawingml/2006/main" xmlns:r="http://schemas.openxmlformats.org/officeDocument/2006/relationships" xmlns:p1510="http://schemas.microsoft.com/office/powerpoint/2015/10/main">
   <p1510:revLst>
-    <p1510:client id="{C6873D3A-5142-4B27-9846-7DCB74605CCD}" v="3974" dt="2020-06-27T18:54:11.075"/>
+    <p1510:client id="{C6873D3A-5142-4B27-9846-7DCB74605CCD}" v="4012" dt="2020-06-28T09:42:08.911"/>
   </p1510:revLst>
 </p1510:revInfo>
 </file>
@@ -4946,7 +4946,7 @@
   <pc:docChgLst>
     <pc:chgData name="Sabrina De Oliveira" userId="34420f5773a88cdb" providerId="LiveId" clId="{C6873D3A-5142-4B27-9846-7DCB74605CCD}"/>
     <pc:docChg chg="undo redo custSel mod addSld delSld modSld sldOrd">
-      <pc:chgData name="Sabrina De Oliveira" userId="34420f5773a88cdb" providerId="LiveId" clId="{C6873D3A-5142-4B27-9846-7DCB74605CCD}" dt="2020-06-27T18:54:11.074" v="12160" actId="20577"/>
+      <pc:chgData name="Sabrina De Oliveira" userId="34420f5773a88cdb" providerId="LiveId" clId="{C6873D3A-5142-4B27-9846-7DCB74605CCD}" dt="2020-06-28T09:42:08.911" v="12366" actId="1076"/>
       <pc:docMkLst>
         <pc:docMk/>
       </pc:docMkLst>
@@ -5028,7 +5028,7 @@
         </pc:spChg>
       </pc:sldChg>
       <pc:sldChg chg="addSp delSp modSp mod delAnim modAnim">
-        <pc:chgData name="Sabrina De Oliveira" userId="34420f5773a88cdb" providerId="LiveId" clId="{C6873D3A-5142-4B27-9846-7DCB74605CCD}" dt="2020-06-27T12:36:16.914" v="10922" actId="478"/>
+        <pc:chgData name="Sabrina De Oliveira" userId="34420f5773a88cdb" providerId="LiveId" clId="{C6873D3A-5142-4B27-9846-7DCB74605CCD}" dt="2020-06-28T09:37:04.083" v="12321" actId="20577"/>
         <pc:sldMkLst>
           <pc:docMk/>
           <pc:sldMk cId="708108488" sldId="261"/>
@@ -5098,7 +5098,7 @@
           </ac:spMkLst>
         </pc:spChg>
         <pc:spChg chg="add mod">
-          <ac:chgData name="Sabrina De Oliveira" userId="34420f5773a88cdb" providerId="LiveId" clId="{C6873D3A-5142-4B27-9846-7DCB74605CCD}" dt="2020-06-20T17:59:34.296" v="438" actId="1036"/>
+          <ac:chgData name="Sabrina De Oliveira" userId="34420f5773a88cdb" providerId="LiveId" clId="{C6873D3A-5142-4B27-9846-7DCB74605CCD}" dt="2020-06-28T09:37:04.083" v="12321" actId="20577"/>
           <ac:spMkLst>
             <pc:docMk/>
             <pc:sldMk cId="708108488" sldId="261"/>
@@ -5240,7 +5240,7 @@
         </pc:sldMkLst>
       </pc:sldChg>
       <pc:sldChg chg="addSp delSp modSp mod ord modAnim">
-        <pc:chgData name="Sabrina De Oliveira" userId="34420f5773a88cdb" providerId="LiveId" clId="{C6873D3A-5142-4B27-9846-7DCB74605CCD}" dt="2020-06-27T15:17:55.923" v="11243"/>
+        <pc:chgData name="Sabrina De Oliveira" userId="34420f5773a88cdb" providerId="LiveId" clId="{C6873D3A-5142-4B27-9846-7DCB74605CCD}" dt="2020-06-28T09:23:30.391" v="12209" actId="20577"/>
         <pc:sldMkLst>
           <pc:docMk/>
           <pc:sldMk cId="1939565083" sldId="267"/>
@@ -5302,7 +5302,7 @@
           </ac:spMkLst>
         </pc:spChg>
         <pc:spChg chg="add mod">
-          <ac:chgData name="Sabrina De Oliveira" userId="34420f5773a88cdb" providerId="LiveId" clId="{C6873D3A-5142-4B27-9846-7DCB74605CCD}" dt="2020-06-27T09:44:21.274" v="10140" actId="1076"/>
+          <ac:chgData name="Sabrina De Oliveira" userId="34420f5773a88cdb" providerId="LiveId" clId="{C6873D3A-5142-4B27-9846-7DCB74605CCD}" dt="2020-06-28T09:23:30.391" v="12209" actId="20577"/>
           <ac:spMkLst>
             <pc:docMk/>
             <pc:sldMk cId="1939565083" sldId="267"/>
@@ -5310,7 +5310,7 @@
           </ac:spMkLst>
         </pc:spChg>
         <pc:spChg chg="add mod">
-          <ac:chgData name="Sabrina De Oliveira" userId="34420f5773a88cdb" providerId="LiveId" clId="{C6873D3A-5142-4B27-9846-7DCB74605CCD}" dt="2020-06-27T11:38:47.784" v="10719" actId="20577"/>
+          <ac:chgData name="Sabrina De Oliveira" userId="34420f5773a88cdb" providerId="LiveId" clId="{C6873D3A-5142-4B27-9846-7DCB74605CCD}" dt="2020-06-28T09:20:06.505" v="12170" actId="20577"/>
           <ac:spMkLst>
             <pc:docMk/>
             <pc:sldMk cId="1939565083" sldId="267"/>
@@ -5366,7 +5366,7 @@
         </pc:sldMkLst>
       </pc:sldChg>
       <pc:sldChg chg="addSp delSp modSp mod modClrScheme modAnim chgLayout">
-        <pc:chgData name="Sabrina De Oliveira" userId="34420f5773a88cdb" providerId="LiveId" clId="{C6873D3A-5142-4B27-9846-7DCB74605CCD}" dt="2020-06-27T18:54:11.074" v="12160" actId="20577"/>
+        <pc:chgData name="Sabrina De Oliveira" userId="34420f5773a88cdb" providerId="LiveId" clId="{C6873D3A-5142-4B27-9846-7DCB74605CCD}" dt="2020-06-28T09:24:32.324" v="12210" actId="1076"/>
         <pc:sldMkLst>
           <pc:docMk/>
           <pc:sldMk cId="1322306824" sldId="270"/>
@@ -5404,7 +5404,7 @@
           </ac:spMkLst>
         </pc:spChg>
         <pc:spChg chg="add mod">
-          <ac:chgData name="Sabrina De Oliveira" userId="34420f5773a88cdb" providerId="LiveId" clId="{C6873D3A-5142-4B27-9846-7DCB74605CCD}" dt="2020-06-27T11:39:01.800" v="10734" actId="20577"/>
+          <ac:chgData name="Sabrina De Oliveira" userId="34420f5773a88cdb" providerId="LiveId" clId="{C6873D3A-5142-4B27-9846-7DCB74605CCD}" dt="2020-06-28T09:20:20.622" v="12176" actId="20577"/>
           <ac:spMkLst>
             <pc:docMk/>
             <pc:sldMk cId="1322306824" sldId="270"/>
@@ -5532,7 +5532,7 @@
           </ac:spMkLst>
         </pc:spChg>
         <pc:spChg chg="add mod ord">
-          <ac:chgData name="Sabrina De Oliveira" userId="34420f5773a88cdb" providerId="LiveId" clId="{C6873D3A-5142-4B27-9846-7DCB74605CCD}" dt="2020-06-27T18:48:01.288" v="12111" actId="115"/>
+          <ac:chgData name="Sabrina De Oliveira" userId="34420f5773a88cdb" providerId="LiveId" clId="{C6873D3A-5142-4B27-9846-7DCB74605CCD}" dt="2020-06-28T09:24:32.324" v="12210" actId="1076"/>
           <ac:spMkLst>
             <pc:docMk/>
             <pc:sldMk cId="1322306824" sldId="270"/>
@@ -5596,12 +5596,28 @@
           </ac:spMkLst>
         </pc:spChg>
       </pc:sldChg>
-      <pc:sldChg chg="ord">
-        <pc:chgData name="Sabrina De Oliveira" userId="34420f5773a88cdb" providerId="LiveId" clId="{C6873D3A-5142-4B27-9846-7DCB74605CCD}" dt="2020-06-25T11:44:40.348" v="9420"/>
+      <pc:sldChg chg="addSp modSp mod ord modTransition">
+        <pc:chgData name="Sabrina De Oliveira" userId="34420f5773a88cdb" providerId="LiveId" clId="{C6873D3A-5142-4B27-9846-7DCB74605CCD}" dt="2020-06-28T09:41:44.698" v="12359"/>
         <pc:sldMkLst>
           <pc:docMk/>
           <pc:sldMk cId="3685867582" sldId="271"/>
         </pc:sldMkLst>
+        <pc:spChg chg="add mod">
+          <ac:chgData name="Sabrina De Oliveira" userId="34420f5773a88cdb" providerId="LiveId" clId="{C6873D3A-5142-4B27-9846-7DCB74605CCD}" dt="2020-06-28T09:20:31.319" v="12179" actId="20577"/>
+          <ac:spMkLst>
+            <pc:docMk/>
+            <pc:sldMk cId="3685867582" sldId="271"/>
+            <ac:spMk id="4" creationId="{B27E1510-8701-4F5C-B220-17A2DDB4F0AD}"/>
+          </ac:spMkLst>
+        </pc:spChg>
+        <pc:spChg chg="add mod">
+          <ac:chgData name="Sabrina De Oliveira" userId="34420f5773a88cdb" providerId="LiveId" clId="{C6873D3A-5142-4B27-9846-7DCB74605CCD}" dt="2020-06-28T09:20:28.320" v="12177"/>
+          <ac:spMkLst>
+            <pc:docMk/>
+            <pc:sldMk cId="3685867582" sldId="271"/>
+            <ac:spMk id="5" creationId="{802EE1A7-2915-4650-9065-B6DC60FAC9A7}"/>
+          </ac:spMkLst>
+        </pc:spChg>
       </pc:sldChg>
       <pc:sldChg chg="addSp delSp modSp del mod modAnim">
         <pc:chgData name="Sabrina De Oliveira" userId="34420f5773a88cdb" providerId="LiveId" clId="{C6873D3A-5142-4B27-9846-7DCB74605CCD}" dt="2020-06-24T18:27:25.934" v="9274" actId="2696"/>
@@ -6302,6 +6318,21 @@
           <pc:sldMk cId="4182294919" sldId="292"/>
         </pc:sldMkLst>
       </pc:sldChg>
+      <pc:sldChg chg="modSp mod ord modTransition">
+        <pc:chgData name="Sabrina De Oliveira" userId="34420f5773a88cdb" providerId="LiveId" clId="{C6873D3A-5142-4B27-9846-7DCB74605CCD}" dt="2020-06-28T09:41:35.933" v="12356" actId="255"/>
+        <pc:sldMkLst>
+          <pc:docMk/>
+          <pc:sldMk cId="1653653443" sldId="293"/>
+        </pc:sldMkLst>
+        <pc:spChg chg="mod">
+          <ac:chgData name="Sabrina De Oliveira" userId="34420f5773a88cdb" providerId="LiveId" clId="{C6873D3A-5142-4B27-9846-7DCB74605CCD}" dt="2020-06-28T09:41:35.933" v="12356" actId="255"/>
+          <ac:spMkLst>
+            <pc:docMk/>
+            <pc:sldMk cId="1653653443" sldId="293"/>
+            <ac:spMk id="2" creationId="{E478C2A4-D0E8-418F-8551-91F0F80690CE}"/>
+          </ac:spMkLst>
+        </pc:spChg>
+      </pc:sldChg>
       <pc:sldChg chg="del">
         <pc:chgData name="Sabrina De Oliveira" userId="34420f5773a88cdb" providerId="LiveId" clId="{C6873D3A-5142-4B27-9846-7DCB74605CCD}" dt="2020-06-24T16:10:14.309" v="8947" actId="2696"/>
         <pc:sldMkLst>
@@ -6436,7 +6467,7 @@
         </pc:spChg>
       </pc:sldChg>
       <pc:sldChg chg="addSp delSp modSp add mod delAnim modAnim addCm modCm">
-        <pc:chgData name="Sabrina De Oliveira" userId="34420f5773a88cdb" providerId="LiveId" clId="{C6873D3A-5142-4B27-9846-7DCB74605CCD}" dt="2020-06-27T12:22:00.423" v="10778" actId="1076"/>
+        <pc:chgData name="Sabrina De Oliveira" userId="34420f5773a88cdb" providerId="LiveId" clId="{C6873D3A-5142-4B27-9846-7DCB74605CCD}" dt="2020-06-28T09:38:25.266" v="12326" actId="478"/>
         <pc:sldMkLst>
           <pc:docMk/>
           <pc:sldMk cId="3354765331" sldId="296"/>
@@ -6458,7 +6489,7 @@
           </ac:spMkLst>
         </pc:spChg>
         <pc:spChg chg="mod">
-          <ac:chgData name="Sabrina De Oliveira" userId="34420f5773a88cdb" providerId="LiveId" clId="{C6873D3A-5142-4B27-9846-7DCB74605CCD}" dt="2020-06-21T18:00:47.496" v="1217" actId="1076"/>
+          <ac:chgData name="Sabrina De Oliveira" userId="34420f5773a88cdb" providerId="LiveId" clId="{C6873D3A-5142-4B27-9846-7DCB74605CCD}" dt="2020-06-28T09:34:03.114" v="12305" actId="20577"/>
           <ac:spMkLst>
             <pc:docMk/>
             <pc:sldMk cId="3354765331" sldId="296"/>
@@ -6474,7 +6505,7 @@
           </ac:spMkLst>
         </pc:spChg>
         <pc:spChg chg="add mod">
-          <ac:chgData name="Sabrina De Oliveira" userId="34420f5773a88cdb" providerId="LiveId" clId="{C6873D3A-5142-4B27-9846-7DCB74605CCD}" dt="2020-06-21T17:50:16.565" v="1081" actId="1076"/>
+          <ac:chgData name="Sabrina De Oliveira" userId="34420f5773a88cdb" providerId="LiveId" clId="{C6873D3A-5142-4B27-9846-7DCB74605CCD}" dt="2020-06-28T09:31:30.226" v="12280" actId="20577"/>
           <ac:spMkLst>
             <pc:docMk/>
             <pc:sldMk cId="3354765331" sldId="296"/>
@@ -6490,7 +6521,7 @@
           </ac:spMkLst>
         </pc:spChg>
         <pc:spChg chg="add mod">
-          <ac:chgData name="Sabrina De Oliveira" userId="34420f5773a88cdb" providerId="LiveId" clId="{C6873D3A-5142-4B27-9846-7DCB74605CCD}" dt="2020-06-21T17:56:17.029" v="1169" actId="1076"/>
+          <ac:chgData name="Sabrina De Oliveira" userId="34420f5773a88cdb" providerId="LiveId" clId="{C6873D3A-5142-4B27-9846-7DCB74605CCD}" dt="2020-06-28T09:31:32.213" v="12282" actId="20577"/>
           <ac:spMkLst>
             <pc:docMk/>
             <pc:sldMk cId="3354765331" sldId="296"/>
@@ -6498,7 +6529,7 @@
           </ac:spMkLst>
         </pc:spChg>
         <pc:spChg chg="add mod">
-          <ac:chgData name="Sabrina De Oliveira" userId="34420f5773a88cdb" providerId="LiveId" clId="{C6873D3A-5142-4B27-9846-7DCB74605CCD}" dt="2020-06-21T17:57:25.309" v="1186" actId="1076"/>
+          <ac:chgData name="Sabrina De Oliveira" userId="34420f5773a88cdb" providerId="LiveId" clId="{C6873D3A-5142-4B27-9846-7DCB74605CCD}" dt="2020-06-28T09:31:35.838" v="12284" actId="20577"/>
           <ac:spMkLst>
             <pc:docMk/>
             <pc:sldMk cId="3354765331" sldId="296"/>
@@ -6514,7 +6545,7 @@
           </ac:spMkLst>
         </pc:spChg>
         <pc:spChg chg="add mod">
-          <ac:chgData name="Sabrina De Oliveira" userId="34420f5773a88cdb" providerId="LiveId" clId="{C6873D3A-5142-4B27-9846-7DCB74605CCD}" dt="2020-06-21T17:53:21.353" v="1136" actId="1076"/>
+          <ac:chgData name="Sabrina De Oliveira" userId="34420f5773a88cdb" providerId="LiveId" clId="{C6873D3A-5142-4B27-9846-7DCB74605CCD}" dt="2020-06-28T09:31:26.532" v="12278" actId="20577"/>
           <ac:spMkLst>
             <pc:docMk/>
             <pc:sldMk cId="3354765331" sldId="296"/>
@@ -6529,8 +6560,8 @@
             <ac:spMk id="22" creationId="{A3F87E38-857B-4CCA-95E2-D97355642C38}"/>
           </ac:spMkLst>
         </pc:spChg>
-        <pc:spChg chg="add mod">
-          <ac:chgData name="Sabrina De Oliveira" userId="34420f5773a88cdb" providerId="LiveId" clId="{C6873D3A-5142-4B27-9846-7DCB74605CCD}" dt="2020-06-27T12:22:00.423" v="10778" actId="1076"/>
+        <pc:spChg chg="add del mod">
+          <ac:chgData name="Sabrina De Oliveira" userId="34420f5773a88cdb" providerId="LiveId" clId="{C6873D3A-5142-4B27-9846-7DCB74605CCD}" dt="2020-06-28T09:38:25.266" v="12326" actId="478"/>
           <ac:spMkLst>
             <pc:docMk/>
             <pc:sldMk cId="3354765331" sldId="296"/>
@@ -6554,7 +6585,7 @@
           </ac:spMkLst>
         </pc:spChg>
         <pc:spChg chg="add mod">
-          <ac:chgData name="Sabrina De Oliveira" userId="34420f5773a88cdb" providerId="LiveId" clId="{C6873D3A-5142-4B27-9846-7DCB74605CCD}" dt="2020-06-27T12:21:44.520" v="10773"/>
+          <ac:chgData name="Sabrina De Oliveira" userId="34420f5773a88cdb" providerId="LiveId" clId="{C6873D3A-5142-4B27-9846-7DCB74605CCD}" dt="2020-06-28T09:33:59.049" v="12303" actId="20577"/>
           <ac:spMkLst>
             <pc:docMk/>
             <pc:sldMk cId="3354765331" sldId="296"/>
@@ -6651,7 +6682,7 @@
         </pc:cxnChg>
       </pc:sldChg>
       <pc:sldChg chg="addSp delSp modSp add mod delAnim">
-        <pc:chgData name="Sabrina De Oliveira" userId="34420f5773a88cdb" providerId="LiveId" clId="{C6873D3A-5142-4B27-9846-7DCB74605CCD}" dt="2020-06-27T11:35:17.462" v="10644" actId="478"/>
+        <pc:chgData name="Sabrina De Oliveira" userId="34420f5773a88cdb" providerId="LiveId" clId="{C6873D3A-5142-4B27-9846-7DCB74605CCD}" dt="2020-06-28T09:24:48.898" v="12212" actId="478"/>
         <pc:sldMkLst>
           <pc:docMk/>
           <pc:sldMk cId="2974230131" sldId="297"/>
@@ -6680,8 +6711,8 @@
             <ac:spMk id="4" creationId="{6311EA37-218B-4B5F-BA7A-A78CC7C094E8}"/>
           </ac:spMkLst>
         </pc:spChg>
-        <pc:spChg chg="add mod">
-          <ac:chgData name="Sabrina De Oliveira" userId="34420f5773a88cdb" providerId="LiveId" clId="{C6873D3A-5142-4B27-9846-7DCB74605CCD}" dt="2020-06-22T09:07:19.504" v="1344" actId="1076"/>
+        <pc:spChg chg="add del mod">
+          <ac:chgData name="Sabrina De Oliveira" userId="34420f5773a88cdb" providerId="LiveId" clId="{C6873D3A-5142-4B27-9846-7DCB74605CCD}" dt="2020-06-28T09:24:48.898" v="12212" actId="478"/>
           <ac:spMkLst>
             <pc:docMk/>
             <pc:sldMk cId="2974230131" sldId="297"/>
@@ -7285,7 +7316,7 @@
         </pc:picChg>
       </pc:sldChg>
       <pc:sldChg chg="addSp delSp modSp add mod">
-        <pc:chgData name="Sabrina De Oliveira" userId="34420f5773a88cdb" providerId="LiveId" clId="{C6873D3A-5142-4B27-9846-7DCB74605CCD}" dt="2020-06-27T13:31:10.710" v="10948" actId="1076"/>
+        <pc:chgData name="Sabrina De Oliveira" userId="34420f5773a88cdb" providerId="LiveId" clId="{C6873D3A-5142-4B27-9846-7DCB74605CCD}" dt="2020-06-28T09:21:29.891" v="12186" actId="20577"/>
         <pc:sldMkLst>
           <pc:docMk/>
           <pc:sldMk cId="3890965618" sldId="303"/>
@@ -7299,7 +7330,7 @@
           </ac:spMkLst>
         </pc:spChg>
         <pc:spChg chg="add mod">
-          <ac:chgData name="Sabrina De Oliveira" userId="34420f5773a88cdb" providerId="LiveId" clId="{C6873D3A-5142-4B27-9846-7DCB74605CCD}" dt="2020-06-27T13:31:10.710" v="10948" actId="1076"/>
+          <ac:chgData name="Sabrina De Oliveira" userId="34420f5773a88cdb" providerId="LiveId" clId="{C6873D3A-5142-4B27-9846-7DCB74605CCD}" dt="2020-06-28T09:21:29.891" v="12186" actId="20577"/>
           <ac:spMkLst>
             <pc:docMk/>
             <pc:sldMk cId="3890965618" sldId="303"/>
@@ -7347,8 +7378,8 @@
           </ac:picMkLst>
         </pc:picChg>
       </pc:sldChg>
-      <pc:sldChg chg="addSp delSp modSp new mod">
-        <pc:chgData name="Sabrina De Oliveira" userId="34420f5773a88cdb" providerId="LiveId" clId="{C6873D3A-5142-4B27-9846-7DCB74605CCD}" dt="2020-06-23T13:16:33.626" v="3398"/>
+      <pc:sldChg chg="addSp delSp modSp new mod ord">
+        <pc:chgData name="Sabrina De Oliveira" userId="34420f5773a88cdb" providerId="LiveId" clId="{C6873D3A-5142-4B27-9846-7DCB74605CCD}" dt="2020-06-28T09:42:08.911" v="12366" actId="1076"/>
         <pc:sldMkLst>
           <pc:docMk/>
           <pc:sldMk cId="2558446691" sldId="304"/>
@@ -7361,8 +7392,8 @@
             <ac:spMk id="3" creationId="{D2F77B4E-A557-4D49-833F-1EC262F1B008}"/>
           </ac:spMkLst>
         </pc:spChg>
-        <pc:spChg chg="add mod">
-          <ac:chgData name="Sabrina De Oliveira" userId="34420f5773a88cdb" providerId="LiveId" clId="{C6873D3A-5142-4B27-9846-7DCB74605CCD}" dt="2020-06-23T13:14:25.836" v="3391" actId="478"/>
+        <pc:spChg chg="add del mod">
+          <ac:chgData name="Sabrina De Oliveira" userId="34420f5773a88cdb" providerId="LiveId" clId="{C6873D3A-5142-4B27-9846-7DCB74605CCD}" dt="2020-06-28T09:41:51.804" v="12362" actId="478"/>
           <ac:spMkLst>
             <pc:docMk/>
             <pc:sldMk cId="2558446691" sldId="304"/>
@@ -7370,7 +7401,7 @@
           </ac:spMkLst>
         </pc:spChg>
         <pc:spChg chg="add mod">
-          <ac:chgData name="Sabrina De Oliveira" userId="34420f5773a88cdb" providerId="LiveId" clId="{C6873D3A-5142-4B27-9846-7DCB74605CCD}" dt="2020-06-23T13:16:33.626" v="3398"/>
+          <ac:chgData name="Sabrina De Oliveira" userId="34420f5773a88cdb" providerId="LiveId" clId="{C6873D3A-5142-4B27-9846-7DCB74605CCD}" dt="2020-06-28T09:42:08.911" v="12366" actId="1076"/>
           <ac:spMkLst>
             <pc:docMk/>
             <pc:sldMk cId="2558446691" sldId="304"/>
@@ -7386,7 +7417,7 @@
           </ac:picMkLst>
         </pc:picChg>
         <pc:picChg chg="add mod">
-          <ac:chgData name="Sabrina De Oliveira" userId="34420f5773a88cdb" providerId="LiveId" clId="{C6873D3A-5142-4B27-9846-7DCB74605CCD}" dt="2020-06-23T13:14:30.666" v="3394" actId="1076"/>
+          <ac:chgData name="Sabrina De Oliveira" userId="34420f5773a88cdb" providerId="LiveId" clId="{C6873D3A-5142-4B27-9846-7DCB74605CCD}" dt="2020-06-28T09:42:08.911" v="12366" actId="1076"/>
           <ac:picMkLst>
             <pc:docMk/>
             <pc:sldMk cId="2558446691" sldId="304"/>
@@ -7505,7 +7536,7 @@
         </pc:sldMkLst>
       </pc:sldChg>
       <pc:sldChg chg="addSp delSp modSp add mod modAnim">
-        <pc:chgData name="Sabrina De Oliveira" userId="34420f5773a88cdb" providerId="LiveId" clId="{C6873D3A-5142-4B27-9846-7DCB74605CCD}" dt="2020-06-27T14:07:28.478" v="11014" actId="20577"/>
+        <pc:chgData name="Sabrina De Oliveira" userId="34420f5773a88cdb" providerId="LiveId" clId="{C6873D3A-5142-4B27-9846-7DCB74605CCD}" dt="2020-06-28T09:21:55.589" v="12192" actId="20577"/>
         <pc:sldMkLst>
           <pc:docMk/>
           <pc:sldMk cId="952963527" sldId="307"/>
@@ -7575,7 +7606,7 @@
           </ac:spMkLst>
         </pc:spChg>
         <pc:spChg chg="add mod">
-          <ac:chgData name="Sabrina De Oliveira" userId="34420f5773a88cdb" providerId="LiveId" clId="{C6873D3A-5142-4B27-9846-7DCB74605CCD}" dt="2020-06-25T14:36:54.928" v="9570" actId="20577"/>
+          <ac:chgData name="Sabrina De Oliveira" userId="34420f5773a88cdb" providerId="LiveId" clId="{C6873D3A-5142-4B27-9846-7DCB74605CCD}" dt="2020-06-28T09:21:55.589" v="12192" actId="20577"/>
           <ac:spMkLst>
             <pc:docMk/>
             <pc:sldMk cId="952963527" sldId="307"/>
@@ -8236,7 +8267,7 @@
         </pc:picChg>
       </pc:sldChg>
       <pc:sldChg chg="addSp delSp modSp add mod ord modAnim modNotesTx">
-        <pc:chgData name="Sabrina De Oliveira" userId="34420f5773a88cdb" providerId="LiveId" clId="{C6873D3A-5142-4B27-9846-7DCB74605CCD}" dt="2020-06-27T18:10:59.179" v="11280" actId="1076"/>
+        <pc:chgData name="Sabrina De Oliveira" userId="34420f5773a88cdb" providerId="LiveId" clId="{C6873D3A-5142-4B27-9846-7DCB74605CCD}" dt="2020-06-28T09:39:17.474" v="12344" actId="20577"/>
         <pc:sldMkLst>
           <pc:docMk/>
           <pc:sldMk cId="942447283" sldId="312"/>
@@ -8322,7 +8353,7 @@
           </ac:spMkLst>
         </pc:spChg>
         <pc:spChg chg="add mod">
-          <ac:chgData name="Sabrina De Oliveira" userId="34420f5773a88cdb" providerId="LiveId" clId="{C6873D3A-5142-4B27-9846-7DCB74605CCD}" dt="2020-06-27T18:10:52.505" v="11278" actId="20577"/>
+          <ac:chgData name="Sabrina De Oliveira" userId="34420f5773a88cdb" providerId="LiveId" clId="{C6873D3A-5142-4B27-9846-7DCB74605CCD}" dt="2020-06-28T09:39:04.814" v="12339" actId="1076"/>
           <ac:spMkLst>
             <pc:docMk/>
             <pc:sldMk cId="942447283" sldId="312"/>
@@ -8354,7 +8385,7 @@
           </ac:spMkLst>
         </pc:spChg>
         <pc:spChg chg="add mod">
-          <ac:chgData name="Sabrina De Oliveira" userId="34420f5773a88cdb" providerId="LiveId" clId="{C6873D3A-5142-4B27-9846-7DCB74605CCD}" dt="2020-06-27T11:38:57.662" v="10729" actId="20577"/>
+          <ac:chgData name="Sabrina De Oliveira" userId="34420f5773a88cdb" providerId="LiveId" clId="{C6873D3A-5142-4B27-9846-7DCB74605CCD}" dt="2020-06-28T09:20:15.916" v="12174" actId="20577"/>
           <ac:spMkLst>
             <pc:docMk/>
             <pc:sldMk cId="942447283" sldId="312"/>
@@ -8401,12 +8432,20 @@
             <ac:spMk id="20" creationId="{3072FC6C-A627-4A34-A272-0250AB10FA93}"/>
           </ac:spMkLst>
         </pc:spChg>
-        <pc:spChg chg="add mod">
-          <ac:chgData name="Sabrina De Oliveira" userId="34420f5773a88cdb" providerId="LiveId" clId="{C6873D3A-5142-4B27-9846-7DCB74605CCD}" dt="2020-06-27T18:10:59.179" v="11280" actId="1076"/>
+        <pc:spChg chg="add del mod">
+          <ac:chgData name="Sabrina De Oliveira" userId="34420f5773a88cdb" providerId="LiveId" clId="{C6873D3A-5142-4B27-9846-7DCB74605CCD}" dt="2020-06-28T09:39:09.460" v="12340" actId="478"/>
           <ac:spMkLst>
             <pc:docMk/>
             <pc:sldMk cId="942447283" sldId="312"/>
             <ac:spMk id="22" creationId="{11C4B121-11CB-4EA2-B487-0C59301C820E}"/>
+          </ac:spMkLst>
+        </pc:spChg>
+        <pc:spChg chg="add mod">
+          <ac:chgData name="Sabrina De Oliveira" userId="34420f5773a88cdb" providerId="LiveId" clId="{C6873D3A-5142-4B27-9846-7DCB74605CCD}" dt="2020-06-28T09:39:17.474" v="12344" actId="20577"/>
+          <ac:spMkLst>
+            <pc:docMk/>
+            <pc:sldMk cId="942447283" sldId="312"/>
+            <ac:spMk id="23" creationId="{BB03E2D2-8624-434F-B13E-7FF5319B8802}"/>
           </ac:spMkLst>
         </pc:spChg>
         <pc:cxnChg chg="add mod">
@@ -8435,7 +8474,7 @@
         </pc:cxnChg>
       </pc:sldChg>
       <pc:sldChg chg="addSp delSp modSp add mod modAnim">
-        <pc:chgData name="Sabrina De Oliveira" userId="34420f5773a88cdb" providerId="LiveId" clId="{C6873D3A-5142-4B27-9846-7DCB74605CCD}" dt="2020-06-27T15:15:17.381" v="11175" actId="20577"/>
+        <pc:chgData name="Sabrina De Oliveira" userId="34420f5773a88cdb" providerId="LiveId" clId="{C6873D3A-5142-4B27-9846-7DCB74605CCD}" dt="2020-06-28T09:19:54.510" v="12164" actId="20577"/>
         <pc:sldMkLst>
           <pc:docMk/>
           <pc:sldMk cId="2913014123" sldId="313"/>
@@ -8529,7 +8568,7 @@
           </ac:spMkLst>
         </pc:spChg>
         <pc:spChg chg="add mod">
-          <ac:chgData name="Sabrina De Oliveira" userId="34420f5773a88cdb" providerId="LiveId" clId="{C6873D3A-5142-4B27-9846-7DCB74605CCD}" dt="2020-06-27T11:38:37.638" v="10711" actId="20577"/>
+          <ac:chgData name="Sabrina De Oliveira" userId="34420f5773a88cdb" providerId="LiveId" clId="{C6873D3A-5142-4B27-9846-7DCB74605CCD}" dt="2020-06-28T09:19:54.510" v="12164" actId="20577"/>
           <ac:spMkLst>
             <pc:docMk/>
             <pc:sldMk cId="2913014123" sldId="313"/>
@@ -8975,7 +9014,7 @@
         </pc:picChg>
       </pc:sldChg>
       <pc:sldChg chg="addSp delSp modSp add mod modAnim">
-        <pc:chgData name="Sabrina De Oliveira" userId="34420f5773a88cdb" providerId="LiveId" clId="{C6873D3A-5142-4B27-9846-7DCB74605CCD}" dt="2020-06-27T11:38:52.703" v="10724" actId="20577"/>
+        <pc:chgData name="Sabrina De Oliveira" userId="34420f5773a88cdb" providerId="LiveId" clId="{C6873D3A-5142-4B27-9846-7DCB74605CCD}" dt="2020-06-28T09:20:11.259" v="12172" actId="20577"/>
         <pc:sldMkLst>
           <pc:docMk/>
           <pc:sldMk cId="1297175465" sldId="316"/>
@@ -9013,7 +9052,7 @@
           </ac:spMkLst>
         </pc:spChg>
         <pc:spChg chg="add mod">
-          <ac:chgData name="Sabrina De Oliveira" userId="34420f5773a88cdb" providerId="LiveId" clId="{C6873D3A-5142-4B27-9846-7DCB74605CCD}" dt="2020-06-27T11:38:52.703" v="10724" actId="20577"/>
+          <ac:chgData name="Sabrina De Oliveira" userId="34420f5773a88cdb" providerId="LiveId" clId="{C6873D3A-5142-4B27-9846-7DCB74605CCD}" dt="2020-06-28T09:20:11.259" v="12172" actId="20577"/>
           <ac:spMkLst>
             <pc:docMk/>
             <pc:sldMk cId="1297175465" sldId="316"/>
@@ -9070,7 +9109,7 @@
         </pc:picChg>
       </pc:sldChg>
       <pc:sldChg chg="addSp delSp modSp add mod delAnim modAnim">
-        <pc:chgData name="Sabrina De Oliveira" userId="34420f5773a88cdb" providerId="LiveId" clId="{C6873D3A-5142-4B27-9846-7DCB74605CCD}" dt="2020-06-27T15:17:37.970" v="11241" actId="1076"/>
+        <pc:chgData name="Sabrina De Oliveira" userId="34420f5773a88cdb" providerId="LiveId" clId="{C6873D3A-5142-4B27-9846-7DCB74605CCD}" dt="2020-06-28T09:22:45.362" v="12193" actId="20577"/>
         <pc:sldMkLst>
           <pc:docMk/>
           <pc:sldMk cId="2793642504" sldId="317"/>
@@ -9084,7 +9123,7 @@
           </ac:spMkLst>
         </pc:spChg>
         <pc:spChg chg="mod">
-          <ac:chgData name="Sabrina De Oliveira" userId="34420f5773a88cdb" providerId="LiveId" clId="{C6873D3A-5142-4B27-9846-7DCB74605CCD}" dt="2020-06-27T09:40:39.341" v="9951" actId="20577"/>
+          <ac:chgData name="Sabrina De Oliveira" userId="34420f5773a88cdb" providerId="LiveId" clId="{C6873D3A-5142-4B27-9846-7DCB74605CCD}" dt="2020-06-28T09:22:45.362" v="12193" actId="20577"/>
           <ac:spMkLst>
             <pc:docMk/>
             <pc:sldMk cId="2793642504" sldId="317"/>
@@ -9124,7 +9163,7 @@
           </ac:spMkLst>
         </pc:spChg>
         <pc:spChg chg="add mod">
-          <ac:chgData name="Sabrina De Oliveira" userId="34420f5773a88cdb" providerId="LiveId" clId="{C6873D3A-5142-4B27-9846-7DCB74605CCD}" dt="2020-06-27T11:38:42.028" v="10714" actId="20577"/>
+          <ac:chgData name="Sabrina De Oliveira" userId="34420f5773a88cdb" providerId="LiveId" clId="{C6873D3A-5142-4B27-9846-7DCB74605CCD}" dt="2020-06-28T09:20:00.789" v="12166" actId="20577"/>
           <ac:spMkLst>
             <pc:docMk/>
             <pc:sldMk cId="2793642504" sldId="317"/>
@@ -9283,7 +9322,7 @@
           <a:p>
             <a:fld id="{648224E9-0BB2-4646-9AE5-CD7A1B5C2C89}" type="datetimeFigureOut">
               <a:rPr lang="en-GB" smtClean="0"/>
-              <a:t>27/06/2020</a:t>
+              <a:t>28/06/2020</a:t>
             </a:fld>
             <a:endParaRPr lang="en-GB"/>
           </a:p>
@@ -10086,7 +10125,7 @@
           <a:p>
             <a:fld id="{A461424F-0195-4502-BBA8-57027C685AAE}" type="slidenum">
               <a:rPr lang="en-GB" smtClean="0"/>
-              <a:t>25</a:t>
+              <a:t>24</a:t>
             </a:fld>
             <a:endParaRPr lang="en-GB"/>
           </a:p>
@@ -10173,7 +10212,7 @@
           <a:p>
             <a:fld id="{A461424F-0195-4502-BBA8-57027C685AAE}" type="slidenum">
               <a:rPr lang="en-GB" smtClean="0"/>
-              <a:t>27</a:t>
+              <a:t>26</a:t>
             </a:fld>
             <a:endParaRPr lang="en-GB"/>
           </a:p>
@@ -11301,7 +11340,7 @@
           <a:p>
             <a:fld id="{DA5AD436-A087-4A72-A71C-DCC7BC3259CA}" type="datetimeFigureOut">
               <a:rPr lang="en-GB" smtClean="0"/>
-              <a:t>27/06/2020</a:t>
+              <a:t>28/06/2020</a:t>
             </a:fld>
             <a:endParaRPr lang="en-GB"/>
           </a:p>
@@ -11576,7 +11615,7 @@
           <a:p>
             <a:fld id="{DA5AD436-A087-4A72-A71C-DCC7BC3259CA}" type="datetimeFigureOut">
               <a:rPr lang="en-GB" smtClean="0"/>
-              <a:t>27/06/2020</a:t>
+              <a:t>28/06/2020</a:t>
             </a:fld>
             <a:endParaRPr lang="en-GB"/>
           </a:p>
@@ -11770,7 +11809,7 @@
           <a:p>
             <a:fld id="{DA5AD436-A087-4A72-A71C-DCC7BC3259CA}" type="datetimeFigureOut">
               <a:rPr lang="en-GB" smtClean="0"/>
-              <a:t>27/06/2020</a:t>
+              <a:t>28/06/2020</a:t>
             </a:fld>
             <a:endParaRPr lang="en-GB"/>
           </a:p>
@@ -12043,7 +12082,7 @@
           <a:p>
             <a:fld id="{DA5AD436-A087-4A72-A71C-DCC7BC3259CA}" type="datetimeFigureOut">
               <a:rPr lang="en-GB" smtClean="0"/>
-              <a:t>27/06/2020</a:t>
+              <a:t>28/06/2020</a:t>
             </a:fld>
             <a:endParaRPr lang="en-GB"/>
           </a:p>
@@ -12384,7 +12423,7 @@
           <a:p>
             <a:fld id="{DA5AD436-A087-4A72-A71C-DCC7BC3259CA}" type="datetimeFigureOut">
               <a:rPr lang="en-GB" smtClean="0"/>
-              <a:t>27/06/2020</a:t>
+              <a:t>28/06/2020</a:t>
             </a:fld>
             <a:endParaRPr lang="en-GB"/>
           </a:p>
@@ -13007,7 +13046,7 @@
           <a:p>
             <a:fld id="{DA5AD436-A087-4A72-A71C-DCC7BC3259CA}" type="datetimeFigureOut">
               <a:rPr lang="en-GB" smtClean="0"/>
-              <a:t>27/06/2020</a:t>
+              <a:t>28/06/2020</a:t>
             </a:fld>
             <a:endParaRPr lang="en-GB"/>
           </a:p>
@@ -13867,7 +13906,7 @@
           <a:p>
             <a:fld id="{DA5AD436-A087-4A72-A71C-DCC7BC3259CA}" type="datetimeFigureOut">
               <a:rPr lang="en-GB" smtClean="0"/>
-              <a:t>27/06/2020</a:t>
+              <a:t>28/06/2020</a:t>
             </a:fld>
             <a:endParaRPr lang="en-GB"/>
           </a:p>
@@ -14037,7 +14076,7 @@
           <a:p>
             <a:fld id="{DA5AD436-A087-4A72-A71C-DCC7BC3259CA}" type="datetimeFigureOut">
               <a:rPr lang="en-GB" smtClean="0"/>
-              <a:t>27/06/2020</a:t>
+              <a:t>28/06/2020</a:t>
             </a:fld>
             <a:endParaRPr lang="en-GB"/>
           </a:p>
@@ -14217,7 +14256,7 @@
           <a:p>
             <a:fld id="{DA5AD436-A087-4A72-A71C-DCC7BC3259CA}" type="datetimeFigureOut">
               <a:rPr lang="en-GB" smtClean="0"/>
-              <a:t>27/06/2020</a:t>
+              <a:t>28/06/2020</a:t>
             </a:fld>
             <a:endParaRPr lang="en-GB"/>
           </a:p>
@@ -14387,7 +14426,7 @@
           <a:p>
             <a:fld id="{DA5AD436-A087-4A72-A71C-DCC7BC3259CA}" type="datetimeFigureOut">
               <a:rPr lang="en-GB" smtClean="0"/>
-              <a:t>27/06/2020</a:t>
+              <a:t>28/06/2020</a:t>
             </a:fld>
             <a:endParaRPr lang="en-GB"/>
           </a:p>
@@ -14634,7 +14673,7 @@
           <a:p>
             <a:fld id="{DA5AD436-A087-4A72-A71C-DCC7BC3259CA}" type="datetimeFigureOut">
               <a:rPr lang="en-GB" smtClean="0"/>
-              <a:t>27/06/2020</a:t>
+              <a:t>28/06/2020</a:t>
             </a:fld>
             <a:endParaRPr lang="en-GB"/>
           </a:p>
@@ -14926,7 +14965,7 @@
           <a:p>
             <a:fld id="{DA5AD436-A087-4A72-A71C-DCC7BC3259CA}" type="datetimeFigureOut">
               <a:rPr lang="en-GB" smtClean="0"/>
-              <a:t>27/06/2020</a:t>
+              <a:t>28/06/2020</a:t>
             </a:fld>
             <a:endParaRPr lang="en-GB"/>
           </a:p>
@@ -15370,7 +15409,7 @@
           <a:p>
             <a:fld id="{DA5AD436-A087-4A72-A71C-DCC7BC3259CA}" type="datetimeFigureOut">
               <a:rPr lang="en-GB" smtClean="0"/>
-              <a:t>27/06/2020</a:t>
+              <a:t>28/06/2020</a:t>
             </a:fld>
             <a:endParaRPr lang="en-GB"/>
           </a:p>
@@ -15488,7 +15527,7 @@
           <a:p>
             <a:fld id="{DA5AD436-A087-4A72-A71C-DCC7BC3259CA}" type="datetimeFigureOut">
               <a:rPr lang="en-GB" smtClean="0"/>
-              <a:t>27/06/2020</a:t>
+              <a:t>28/06/2020</a:t>
             </a:fld>
             <a:endParaRPr lang="en-GB"/>
           </a:p>
@@ -15583,7 +15622,7 @@
           <a:p>
             <a:fld id="{DA5AD436-A087-4A72-A71C-DCC7BC3259CA}" type="datetimeFigureOut">
               <a:rPr lang="en-GB" smtClean="0"/>
-              <a:t>27/06/2020</a:t>
+              <a:t>28/06/2020</a:t>
             </a:fld>
             <a:endParaRPr lang="en-GB"/>
           </a:p>
@@ -15862,7 +15901,7 @@
           <a:p>
             <a:fld id="{DA5AD436-A087-4A72-A71C-DCC7BC3259CA}" type="datetimeFigureOut">
               <a:rPr lang="en-GB" smtClean="0"/>
-              <a:t>27/06/2020</a:t>
+              <a:t>28/06/2020</a:t>
             </a:fld>
             <a:endParaRPr lang="en-GB"/>
           </a:p>
@@ -16137,7 +16176,7 @@
           <a:p>
             <a:fld id="{DA5AD436-A087-4A72-A71C-DCC7BC3259CA}" type="datetimeFigureOut">
               <a:rPr lang="en-GB" smtClean="0"/>
-              <a:t>27/06/2020</a:t>
+              <a:t>28/06/2020</a:t>
             </a:fld>
             <a:endParaRPr lang="en-GB"/>
           </a:p>
@@ -16566,7 +16605,7 @@
           <a:p>
             <a:fld id="{DA5AD436-A087-4A72-A71C-DCC7BC3259CA}" type="datetimeFigureOut">
               <a:rPr lang="en-GB" smtClean="0"/>
-              <a:t>27/06/2020</a:t>
+              <a:t>28/06/2020</a:t>
             </a:fld>
             <a:endParaRPr lang="en-GB"/>
           </a:p>
@@ -17483,7 +17522,20 @@
                 <a:effectLst/>
                 <a:ea typeface="Times New Roman" panose="02020603050405020304" pitchFamily="18" charset="0"/>
               </a:rPr>
-              <a:t>*** = p &lt; 0.0001, ** = p &lt; 0.001 or * = p &lt; 0.01. </a:t>
+              <a:t>*** = p &lt; 0.0001, ** = p &lt; 0.001 </a:t>
+            </a:r>
+            <a:r>
+              <a:rPr lang="en-GB" i="1" dirty="0">
+                <a:ea typeface="Times New Roman" panose="02020603050405020304" pitchFamily="18" charset="0"/>
+              </a:rPr>
+              <a:t>and</a:t>
+            </a:r>
+            <a:r>
+              <a:rPr lang="en-GB" sz="1800" i="1" dirty="0">
+                <a:effectLst/>
+                <a:ea typeface="Times New Roman" panose="02020603050405020304" pitchFamily="18" charset="0"/>
+              </a:rPr>
+              <a:t> * = p &lt; 0.01</a:t>
             </a:r>
             <a:endParaRPr lang="en-GB" dirty="0"/>
           </a:p>
@@ -17982,7 +18034,7 @@
             </a:pPr>
             <a:r>
               <a:rPr lang="en-GB" sz="2000" dirty="0"/>
-              <a:t>Small change could be due to the IS subjects also being obese, however, this small change does show an effect of IR independent of BMI.</a:t>
+              <a:t>Small change could be due to the IS subjects also being obese. However, this small change does show an effect of IR independent of BMI.</a:t>
             </a:r>
           </a:p>
         </p:txBody>
@@ -27503,7 +27555,7 @@
                 <a:latin typeface="Arial" panose="020B0604020202020204" pitchFamily="34" charset="0"/>
                 <a:cs typeface="Arial" panose="020B0604020202020204" pitchFamily="34" charset="0"/>
               </a:rPr>
-              <a:t>18</a:t>
+              <a:t>17</a:t>
             </a:r>
           </a:p>
         </p:txBody>
@@ -27947,7 +27999,7 @@
                 <a:effectLst/>
                 <a:cs typeface="Times New Roman" panose="02020603050405020304" pitchFamily="18" charset="0"/>
               </a:rPr>
-              <a:t>Pathways = purple</a:t>
+              <a:t>Pathways = purple.</a:t>
             </a:r>
             <a:endParaRPr lang="en-US" altLang="en-US" dirty="0">
               <a:cs typeface="Times New Roman" panose="02020603050405020304" pitchFamily="18" charset="0"/>
@@ -28248,7 +28300,7 @@
                 <a:latin typeface="Arial" panose="020B0604020202020204" pitchFamily="34" charset="0"/>
                 <a:cs typeface="Arial" panose="020B0604020202020204" pitchFamily="34" charset="0"/>
               </a:rPr>
-              <a:t>19</a:t>
+              <a:t>18</a:t>
             </a:r>
           </a:p>
         </p:txBody>
@@ -28729,7 +28781,7 @@
               <a:rPr lang="en-US" altLang="en-US" dirty="0">
                 <a:cs typeface="Times New Roman" panose="02020603050405020304" pitchFamily="18" charset="0"/>
               </a:rPr>
-              <a:t>Contain 4 significantly altered proteins.</a:t>
+              <a:t>Contain &gt; 3 significantly altered proteins.</a:t>
             </a:r>
           </a:p>
           <a:p>
@@ -28811,7 +28863,7 @@
                 <a:latin typeface="Arial" panose="020B0604020202020204" pitchFamily="34" charset="0"/>
                 <a:cs typeface="Arial" panose="020B0604020202020204" pitchFamily="34" charset="0"/>
               </a:rPr>
-              <a:t>20</a:t>
+              <a:t>19</a:t>
             </a:r>
           </a:p>
         </p:txBody>
@@ -29309,43 +29361,6 @@
           </a:prstGeom>
         </p:spPr>
       </p:pic>
-      <p:sp>
-        <p:nvSpPr>
-          <p:cNvPr id="6" name="Rectangle 5">
-            <a:extLst>
-              <a:ext uri="{FF2B5EF4-FFF2-40B4-BE49-F238E27FC236}">
-                <a16:creationId xmlns:a16="http://schemas.microsoft.com/office/drawing/2014/main" id="{B35EFBFD-55AF-4909-9DE8-E44F2AF729B9}"/>
-              </a:ext>
-            </a:extLst>
-          </p:cNvPr>
-          <p:cNvSpPr/>
-          <p:nvPr/>
-        </p:nvSpPr>
-        <p:spPr>
-          <a:xfrm>
-            <a:off x="4143763" y="6243043"/>
-            <a:ext cx="5532284" cy="369332"/>
-          </a:xfrm>
-          <a:prstGeom prst="rect">
-            <a:avLst/>
-          </a:prstGeom>
-        </p:spPr>
-        <p:txBody>
-          <a:bodyPr wrap="none">
-            <a:spAutoFit/>
-          </a:bodyPr>
-          <a:lstStyle/>
-          <a:p>
-            <a:r>
-              <a:rPr lang="en-GB" dirty="0">
-                <a:hlinkClick r:id="rId5"/>
-              </a:rPr>
-              <a:t>https://www.jci.org/articles/view/29189/figure/1</a:t>
-            </a:r>
-            <a:endParaRPr lang="en-GB" dirty="0"/>
-          </a:p>
-        </p:txBody>
-      </p:sp>
       <p:pic>
         <p:nvPicPr>
           <p:cNvPr id="11" name="Picture 10">
@@ -29361,7 +29376,7 @@
           <p:nvPr/>
         </p:nvPicPr>
         <p:blipFill>
-          <a:blip r:embed="rId6"/>
+          <a:blip r:embed="rId5"/>
           <a:stretch>
             <a:fillRect/>
           </a:stretch>
@@ -29813,13 +29828,13 @@
           <p:nvPr/>
         </p:nvPicPr>
         <p:blipFill>
-          <a:blip r:embed="rId7">
+          <a:blip r:embed="rId6">
             <a:extLst>
               <a:ext uri="{28A0092B-C50C-407E-A947-70E740481C1C}">
                 <a14:useLocalDpi xmlns:a14="http://schemas.microsoft.com/office/drawing/2010/main" val="0"/>
               </a:ext>
               <a:ext uri="{96DAC541-7B7A-43D3-8B79-37D633B846F1}">
-                <asvg:svgBlip xmlns:asvg="http://schemas.microsoft.com/office/drawing/2016/SVG/main" r:embed="rId8"/>
+                <asvg:svgBlip xmlns:asvg="http://schemas.microsoft.com/office/drawing/2016/SVG/main" r:embed="rId7"/>
               </a:ext>
             </a:extLst>
           </a:blip>
@@ -30018,7 +30033,7 @@
                 <a:latin typeface="Arial" panose="020B0604020202020204" pitchFamily="34" charset="0"/>
                 <a:cs typeface="Arial" panose="020B0604020202020204" pitchFamily="34" charset="0"/>
               </a:rPr>
-              <a:t>21</a:t>
+              <a:t>20</a:t>
             </a:r>
           </a:p>
         </p:txBody>
@@ -31037,7 +31052,7 @@
                 <a:latin typeface="Arial" panose="020B0604020202020204" pitchFamily="34" charset="0"/>
                 <a:cs typeface="Arial" panose="020B0604020202020204" pitchFamily="34" charset="0"/>
               </a:rPr>
-              <a:t>22</a:t>
+              <a:t>21</a:t>
             </a:r>
           </a:p>
         </p:txBody>
@@ -31192,8 +31207,8 @@
         </p:nvSpPr>
         <p:spPr>
           <a:xfrm>
-            <a:off x="365760" y="4251960"/>
-            <a:ext cx="472440" cy="369332"/>
+            <a:off x="204259" y="4287343"/>
+            <a:ext cx="451658" cy="261610"/>
           </a:xfrm>
           <a:prstGeom prst="rect">
             <a:avLst/>
@@ -31206,19 +31221,20 @@
           </a:bodyPr>
           <a:lstStyle/>
           <a:p>
-            <a:r>
-              <a:rPr lang="en-GB" dirty="0"/>
-              <a:t>ref</a:t>
+            <a:pPr algn="ctr"/>
+            <a:r>
+              <a:rPr lang="en-GB" sz="1100" dirty="0"/>
+              <a:t>(11)</a:t>
             </a:r>
           </a:p>
         </p:txBody>
       </p:sp>
       <p:sp>
         <p:nvSpPr>
-          <p:cNvPr id="22" name="TextBox 21">
+          <p:cNvPr id="23" name="TextBox 22">
             <a:extLst>
               <a:ext uri="{FF2B5EF4-FFF2-40B4-BE49-F238E27FC236}">
-                <a16:creationId xmlns:a16="http://schemas.microsoft.com/office/drawing/2014/main" id="{11C4B121-11CB-4EA2-B487-0C59301C820E}"/>
+                <a16:creationId xmlns:a16="http://schemas.microsoft.com/office/drawing/2014/main" id="{BB03E2D2-8624-434F-B13E-7FF5319B8802}"/>
               </a:ext>
             </a:extLst>
           </p:cNvPr>
@@ -31227,8 +31243,8 @@
         </p:nvSpPr>
         <p:spPr>
           <a:xfrm>
-            <a:off x="5859780" y="3199354"/>
-            <a:ext cx="472440" cy="369332"/>
+            <a:off x="5870171" y="3064977"/>
+            <a:ext cx="451658" cy="261610"/>
           </a:xfrm>
           <a:prstGeom prst="rect">
             <a:avLst/>
@@ -31241,9 +31257,10 @@
           </a:bodyPr>
           <a:lstStyle/>
           <a:p>
-            <a:r>
-              <a:rPr lang="en-GB" dirty="0"/>
-              <a:t>ref</a:t>
+            <a:pPr algn="ctr"/>
+            <a:r>
+              <a:rPr lang="en-GB" sz="1100" dirty="0"/>
+              <a:t>(12)</a:t>
             </a:r>
           </a:p>
         </p:txBody>
@@ -31564,7 +31581,7 @@
         </p:nvSpPr>
         <p:spPr>
           <a:xfrm>
-            <a:off x="646111" y="1594721"/>
+            <a:off x="731609" y="1589442"/>
             <a:ext cx="9835963" cy="4664949"/>
           </a:xfrm>
           <a:prstGeom prst="rect">
@@ -31888,7 +31905,7 @@
                 <a:latin typeface="Arial" panose="020B0604020202020204" pitchFamily="34" charset="0"/>
                 <a:cs typeface="Arial" panose="020B0604020202020204" pitchFamily="34" charset="0"/>
               </a:rPr>
-              <a:t>23</a:t>
+              <a:t>22</a:t>
             </a:r>
           </a:p>
         </p:txBody>
@@ -33728,7 +33745,7 @@
         <p:spPr/>
         <p:txBody>
           <a:bodyPr>
-            <a:normAutofit/>
+            <a:normAutofit fontScale="62500" lnSpcReduction="20000"/>
           </a:bodyPr>
           <a:lstStyle/>
           <a:p>
@@ -33737,32 +33754,45 @@
               <a:buAutoNum type="arabicPeriod"/>
             </a:pPr>
             <a:r>
-              <a:rPr lang="en-GB" sz="1300" dirty="0"/>
+              <a:rPr lang="en-GB" sz="1600" dirty="0">
+                <a:latin typeface="+mn-lt"/>
+              </a:rPr>
               <a:t>International Diabetes Federation. </a:t>
             </a:r>
             <a:r>
-              <a:rPr lang="en-GB" sz="1300" i="1" dirty="0"/>
+              <a:rPr lang="en-GB" sz="1600" i="1" dirty="0">
+                <a:latin typeface="+mn-lt"/>
+              </a:rPr>
               <a:t>IDF Diabetes Atlas, 9th </a:t>
             </a:r>
             <a:r>
-              <a:rPr lang="en-GB" sz="1300" i="1" dirty="0" err="1"/>
+              <a:rPr lang="en-GB" sz="1600" i="1" dirty="0" err="1">
+                <a:latin typeface="+mn-lt"/>
+              </a:rPr>
               <a:t>edn</a:t>
             </a:r>
             <a:r>
-              <a:rPr lang="en-GB" sz="1300" i="1" dirty="0"/>
+              <a:rPr lang="en-GB" sz="1600" i="1" dirty="0">
+                <a:latin typeface="+mn-lt"/>
+              </a:rPr>
               <a:t>.</a:t>
             </a:r>
             <a:r>
-              <a:rPr lang="en-GB" sz="1300" dirty="0"/>
+              <a:rPr lang="en-GB" sz="1600" dirty="0">
+                <a:latin typeface="+mn-lt"/>
+              </a:rPr>
               <a:t> Brussels, Belgium: 2019. Available at: </a:t>
             </a:r>
             <a:r>
-              <a:rPr lang="en-GB" sz="1300" dirty="0">
+              <a:rPr lang="en-GB" sz="1600" dirty="0">
+                <a:latin typeface="+mn-lt"/>
                 <a:hlinkClick r:id="rId2"/>
               </a:rPr>
               <a:t>https://www.diabetesatlas.org</a:t>
             </a:r>
-            <a:endParaRPr lang="en-GB" sz="1300" dirty="0"/>
+            <a:endParaRPr lang="en-GB" sz="1600" dirty="0">
+              <a:latin typeface="+mn-lt"/>
+            </a:endParaRPr>
           </a:p>
           <a:p>
             <a:pPr>
@@ -33770,7 +33800,9 @@
               <a:buAutoNum type="arabicPeriod"/>
             </a:pPr>
             <a:r>
-              <a:rPr lang="en-GB" sz="1300" dirty="0"/>
+              <a:rPr lang="en-GB" sz="1600" dirty="0">
+                <a:latin typeface="+mn-lt"/>
+              </a:rPr>
               <a:t>American Diabetes Association. 2. Classification and diagnosis of diabetes: standards of medical care in diabetes—2019. Diabetes Care. 2019 Jan 1;42(Supplement 1):S13-28</a:t>
             </a:r>
           </a:p>
@@ -33780,12 +33812,18 @@
               <a:buAutoNum type="arabicPeriod"/>
             </a:pPr>
             <a:r>
-              <a:rPr lang="en-GB" sz="1300" dirty="0" err="1"/>
-              <a:t>Saisho</a:t>
-            </a:r>
-            <a:r>
-              <a:rPr lang="en-GB" sz="1300" dirty="0"/>
-              <a:t> Y. How Can We Develop More Effective Strategies for Type 2 Diabetes Mellitus Prevention? A Paradigm Shift from a Glucose-Centric to a Beta Cell-Centric Concept of Diabetes. DIABETES. 2018 Nov.</a:t>
+              <a:rPr lang="en-GB" sz="1600" b="0" i="0" dirty="0" err="1">
+                <a:effectLst/>
+                <a:latin typeface="+mn-lt"/>
+              </a:rPr>
+              <a:t>Kasuga</a:t>
+            </a:r>
+            <a:r>
+              <a:rPr lang="en-GB" sz="1600" b="0" i="0" dirty="0">
+                <a:effectLst/>
+                <a:latin typeface="+mn-lt"/>
+              </a:rPr>
+              <a:t> M. Insulin resistance and pancreatic β cell failure. The Journal of clinical investigation. 2006 Jul 3;116(7):1756-60.</a:t>
             </a:r>
           </a:p>
           <a:p>
@@ -33794,16 +33832,323 @@
               <a:buAutoNum type="arabicPeriod"/>
             </a:pPr>
             <a:r>
-              <a:rPr lang="en-GB" sz="1300" dirty="0"/>
+              <a:rPr lang="en-GB" sz="1600" b="0" i="0" dirty="0">
+                <a:effectLst/>
+                <a:latin typeface="+mn-lt"/>
+              </a:rPr>
+              <a:t>Zhang Y, Zhang H. Microbiota associated with type 2 diabetes and its related complications. Food Science and Human Wellness. 2013 Sep 1;2(3-4):167-72.</a:t>
+            </a:r>
+            <a:endParaRPr lang="en-GB" sz="1600" dirty="0">
+              <a:latin typeface="+mn-lt"/>
+            </a:endParaRPr>
+          </a:p>
+          <a:p>
+            <a:pPr>
+              <a:buFont typeface="+mj-lt"/>
+              <a:buAutoNum type="arabicPeriod"/>
+            </a:pPr>
+            <a:r>
+              <a:rPr lang="en-GB" sz="1600" dirty="0">
+                <a:latin typeface="+mn-lt"/>
+              </a:rPr>
+              <a:t>Gurung M, Li Z, You H, Rodrigues R, Jump DB, </a:t>
+            </a:r>
+            <a:r>
+              <a:rPr lang="en-GB" sz="1600" dirty="0" err="1">
+                <a:latin typeface="+mn-lt"/>
+              </a:rPr>
+              <a:t>Morgun</a:t>
+            </a:r>
+            <a:r>
+              <a:rPr lang="en-GB" sz="1600" dirty="0">
+                <a:latin typeface="+mn-lt"/>
+              </a:rPr>
+              <a:t> A, </a:t>
+            </a:r>
+            <a:r>
+              <a:rPr lang="en-GB" sz="1600" dirty="0" err="1">
+                <a:latin typeface="+mn-lt"/>
+              </a:rPr>
+              <a:t>Shulzhenko</a:t>
+            </a:r>
+            <a:r>
+              <a:rPr lang="en-GB" sz="1600" dirty="0">
+                <a:latin typeface="+mn-lt"/>
+              </a:rPr>
+              <a:t> N. Role of gut microbiota in type 2 diabetes pathophysiology. </a:t>
+            </a:r>
+            <a:r>
+              <a:rPr lang="en-GB" sz="1600" dirty="0" err="1">
+                <a:latin typeface="+mn-lt"/>
+              </a:rPr>
+              <a:t>EBioMedicine</a:t>
+            </a:r>
+            <a:r>
+              <a:rPr lang="en-GB" sz="1600" dirty="0">
+                <a:latin typeface="+mn-lt"/>
+              </a:rPr>
+              <a:t>. 2020 Jan 1;51:102590.</a:t>
+            </a:r>
+          </a:p>
+          <a:p>
+            <a:pPr>
+              <a:buFont typeface="+mj-lt"/>
+              <a:buAutoNum type="arabicPeriod"/>
+            </a:pPr>
+            <a:r>
+              <a:rPr lang="en-GB" sz="1600" dirty="0" err="1">
+                <a:latin typeface="+mn-lt"/>
+              </a:rPr>
+              <a:t>Ferrannini</a:t>
+            </a:r>
+            <a:r>
+              <a:rPr lang="en-GB" sz="1600" dirty="0">
+                <a:latin typeface="+mn-lt"/>
+              </a:rPr>
+              <a:t> E, </a:t>
+            </a:r>
+            <a:r>
+              <a:rPr lang="en-GB" sz="1600" dirty="0" err="1">
+                <a:latin typeface="+mn-lt"/>
+              </a:rPr>
+              <a:t>Gastaldelli</a:t>
+            </a:r>
+            <a:r>
+              <a:rPr lang="en-GB" sz="1600" dirty="0">
+                <a:latin typeface="+mn-lt"/>
+              </a:rPr>
+              <a:t> A, </a:t>
+            </a:r>
+            <a:r>
+              <a:rPr lang="en-GB" sz="1600" dirty="0" err="1">
+                <a:latin typeface="+mn-lt"/>
+              </a:rPr>
+              <a:t>Iozzo</a:t>
+            </a:r>
+            <a:r>
+              <a:rPr lang="en-GB" sz="1600" dirty="0">
+                <a:latin typeface="+mn-lt"/>
+              </a:rPr>
+              <a:t> P. Pathophysiology of prediabetes. Medical Clinics. 2011 Mar 1;95(2):327-39.</a:t>
+            </a:r>
+          </a:p>
+          <a:p>
+            <a:pPr>
+              <a:buFont typeface="+mj-lt"/>
+              <a:buAutoNum type="arabicPeriod"/>
+            </a:pPr>
+            <a:r>
+              <a:rPr lang="en-GB" sz="1600" b="0" i="0" dirty="0">
+                <a:effectLst/>
+                <a:latin typeface="+mn-lt"/>
+              </a:rPr>
+              <a:t>Klein MS, Shearer J. Metabolomics and type 2 diabetes: translating basic research into clinical application. Journal of diabetes research. 2016 Jan 1;2016.</a:t>
+            </a:r>
+          </a:p>
+          <a:p>
+            <a:pPr>
+              <a:buFont typeface="+mj-lt"/>
+              <a:buAutoNum type="arabicPeriod"/>
+            </a:pPr>
+            <a:r>
+              <a:rPr lang="en-GB" sz="1600" b="0" i="0" dirty="0" err="1">
+                <a:effectLst/>
+                <a:latin typeface="+mn-lt"/>
+              </a:rPr>
+              <a:t>Pinney</a:t>
+            </a:r>
+            <a:r>
+              <a:rPr lang="en-GB" sz="1600" b="0" i="0" dirty="0">
+                <a:effectLst/>
+                <a:latin typeface="+mn-lt"/>
+              </a:rPr>
+              <a:t> SE, Simmons RA. Epigenetic mechanisms in the development of type 2 diabetes. Trends in Endocrinology &amp; Metabolism. 2010 Apr 1;21(4):223-9.</a:t>
+            </a:r>
+            <a:endParaRPr lang="en-GB" sz="1600" dirty="0">
+              <a:latin typeface="+mn-lt"/>
+            </a:endParaRPr>
+          </a:p>
+          <a:p>
+            <a:pPr>
+              <a:buFont typeface="+mj-lt"/>
+              <a:buAutoNum type="arabicPeriod"/>
+            </a:pPr>
+            <a:r>
+              <a:rPr lang="en-GB" sz="1600" dirty="0">
+                <a:latin typeface="+mn-lt"/>
+              </a:rPr>
+              <a:t>Sears DD, Hsiao G, Hsiao A, Yu JG, Courtney CH, </a:t>
+            </a:r>
+            <a:r>
+              <a:rPr lang="en-GB" sz="1600" dirty="0" err="1">
+                <a:latin typeface="+mn-lt"/>
+              </a:rPr>
+              <a:t>Ofrecio</a:t>
+            </a:r>
+            <a:r>
+              <a:rPr lang="en-GB" sz="1600" dirty="0">
+                <a:latin typeface="+mn-lt"/>
+              </a:rPr>
+              <a:t> JM, Chapman J, Subramaniam S. Mechanisms of human insulin resistance and thiazolidinedione-mediated insulin sensitization. Proceedings of the National Academy of Sciences. 2009 Nov 3;106(44):18745-50.</a:t>
+            </a:r>
+            <a:endParaRPr lang="en-GB" sz="1600" b="0" i="0" dirty="0">
+              <a:effectLst/>
+              <a:latin typeface="+mn-lt"/>
+            </a:endParaRPr>
+          </a:p>
+          <a:p>
+            <a:pPr>
+              <a:buFont typeface="+mj-lt"/>
+              <a:buAutoNum type="arabicPeriod"/>
+            </a:pPr>
+            <a:r>
+              <a:rPr lang="en-GB" sz="1600" dirty="0">
+                <a:latin typeface="+mn-lt"/>
+              </a:rPr>
               <a:t>Integrative HM. The Integrative Human Microbiome Project: dynamic analysis of microbiome-host omics profiles during periods of human health and disease. Cell host &amp; microbe. 2014 Sep 10;16(3):276.</a:t>
             </a:r>
+          </a:p>
+          <a:p>
+            <a:pPr>
+              <a:buFont typeface="+mj-lt"/>
+              <a:buAutoNum type="arabicPeriod"/>
+            </a:pPr>
+            <a:r>
+              <a:rPr lang="en-GB" sz="1600" b="0" i="0" dirty="0">
+                <a:effectLst/>
+                <a:latin typeface="+mn-lt"/>
+              </a:rPr>
+              <a:t>Lopez-Siles M, Enrich-</a:t>
+            </a:r>
+            <a:r>
+              <a:rPr lang="en-GB" sz="1600" b="0" i="0" dirty="0" err="1">
+                <a:effectLst/>
+                <a:latin typeface="+mn-lt"/>
+              </a:rPr>
+              <a:t>Capó</a:t>
+            </a:r>
+            <a:r>
+              <a:rPr lang="en-GB" sz="1600" b="0" i="0" dirty="0">
+                <a:effectLst/>
+                <a:latin typeface="+mn-lt"/>
+              </a:rPr>
+              <a:t> N, </a:t>
+            </a:r>
+            <a:r>
+              <a:rPr lang="en-GB" sz="1600" b="0" i="0" dirty="0" err="1">
+                <a:effectLst/>
+                <a:latin typeface="+mn-lt"/>
+              </a:rPr>
+              <a:t>Aldeguer</a:t>
+            </a:r>
+            <a:r>
+              <a:rPr lang="en-GB" sz="1600" b="0" i="0" dirty="0">
+                <a:effectLst/>
+                <a:latin typeface="+mn-lt"/>
+              </a:rPr>
+              <a:t> X, </a:t>
+            </a:r>
+            <a:r>
+              <a:rPr lang="en-GB" sz="1600" b="0" i="0" dirty="0" err="1">
+                <a:effectLst/>
+                <a:latin typeface="+mn-lt"/>
+              </a:rPr>
+              <a:t>Sabat</a:t>
+            </a:r>
+            <a:r>
+              <a:rPr lang="en-GB" sz="1600" b="0" i="0" dirty="0">
+                <a:effectLst/>
+                <a:latin typeface="+mn-lt"/>
+              </a:rPr>
+              <a:t>-Mir M, Duncan SH, Garcia-Gil LJ, Martinez-Medina M. Alterations in the abundance and co-occurrence of </a:t>
+            </a:r>
+            <a:r>
+              <a:rPr lang="en-GB" sz="1600" b="0" i="0" dirty="0" err="1">
+                <a:effectLst/>
+                <a:latin typeface="+mn-lt"/>
+              </a:rPr>
+              <a:t>Akkermansia</a:t>
+            </a:r>
+            <a:r>
+              <a:rPr lang="en-GB" sz="1600" b="0" i="0" dirty="0">
+                <a:effectLst/>
+                <a:latin typeface="+mn-lt"/>
+              </a:rPr>
+              <a:t> </a:t>
+            </a:r>
+            <a:r>
+              <a:rPr lang="en-GB" sz="1600" b="0" i="0" dirty="0" err="1">
+                <a:effectLst/>
+                <a:latin typeface="+mn-lt"/>
+              </a:rPr>
+              <a:t>muciniphila</a:t>
+            </a:r>
+            <a:r>
+              <a:rPr lang="en-GB" sz="1600" b="0" i="0" dirty="0">
+                <a:effectLst/>
+                <a:latin typeface="+mn-lt"/>
+              </a:rPr>
+              <a:t> and </a:t>
+            </a:r>
+            <a:r>
+              <a:rPr lang="en-GB" sz="1600" b="0" i="0" dirty="0" err="1">
+                <a:effectLst/>
+                <a:latin typeface="+mn-lt"/>
+              </a:rPr>
+              <a:t>Faecalibacterium</a:t>
+            </a:r>
+            <a:r>
+              <a:rPr lang="en-GB" sz="1600" b="0" i="0" dirty="0">
+                <a:effectLst/>
+                <a:latin typeface="+mn-lt"/>
+              </a:rPr>
+              <a:t> </a:t>
+            </a:r>
+            <a:r>
+              <a:rPr lang="en-GB" sz="1600" b="0" i="0" dirty="0" err="1">
+                <a:effectLst/>
+                <a:latin typeface="+mn-lt"/>
+              </a:rPr>
+              <a:t>prausnitzii</a:t>
+            </a:r>
+            <a:r>
+              <a:rPr lang="en-GB" sz="1600" b="0" i="0" dirty="0">
+                <a:effectLst/>
+                <a:latin typeface="+mn-lt"/>
+              </a:rPr>
+              <a:t> in the colonic mucosa of inflammatory bowel disease subjects. Frontiers in cellular and infection microbiology. 2018 Sep 7;8:281.</a:t>
+            </a:r>
+          </a:p>
+          <a:p>
+            <a:pPr>
+              <a:buFont typeface="+mj-lt"/>
+              <a:buAutoNum type="arabicPeriod"/>
+            </a:pPr>
+            <a:r>
+              <a:rPr lang="en-GB" sz="1600" b="0" i="0" dirty="0">
+                <a:effectLst/>
+                <a:latin typeface="+mn-lt"/>
+              </a:rPr>
+              <a:t>Baptista LC, Sun Y, Carter CS, Buford TW. Crosstalk Between the Gut Microbiome and Bioactive Lipids: Therapeutic Targets in Cognitive Frailty. Frontiers in Nutrition. 2020 Mar 11;7:17.</a:t>
+            </a:r>
+            <a:endParaRPr lang="en-GB" sz="1600" dirty="0">
+              <a:latin typeface="+mn-lt"/>
+            </a:endParaRPr>
+          </a:p>
+          <a:p>
+            <a:pPr marL="0" indent="0">
+              <a:buNone/>
+            </a:pPr>
+            <a:endParaRPr lang="en-GB" sz="1300" dirty="0">
+              <a:latin typeface="+mn-lt"/>
+            </a:endParaRPr>
           </a:p>
         </p:txBody>
       </p:sp>
     </p:spTree>
     <p:extLst>
       <p:ext uri="{BB962C8B-B14F-4D97-AF65-F5344CB8AC3E}">
-        <p14:creationId xmlns:p14="http://schemas.microsoft.com/office/powerpoint/2010/main" val="3685867582"/>
+        <p14:creationId xmlns:p14="http://schemas.microsoft.com/office/powerpoint/2010/main" val="1653653443"/>
       </p:ext>
     </p:extLst>
   </p:cSld>
@@ -33814,179 +34159,6 @@
 </file>
 
 <file path=ppt/slides/slide24.xml><?xml version="1.0" encoding="utf-8"?>
-<p:sld xmlns:a="http://schemas.openxmlformats.org/drawingml/2006/main" xmlns:r="http://schemas.openxmlformats.org/officeDocument/2006/relationships" xmlns:p="http://schemas.openxmlformats.org/presentationml/2006/main">
-  <p:cSld>
-    <p:spTree>
-      <p:nvGrpSpPr>
-        <p:cNvPr id="1" name=""/>
-        <p:cNvGrpSpPr/>
-        <p:nvPr/>
-      </p:nvGrpSpPr>
-      <p:grpSpPr>
-        <a:xfrm>
-          <a:off x="0" y="0"/>
-          <a:ext cx="0" cy="0"/>
-          <a:chOff x="0" y="0"/>
-          <a:chExt cx="0" cy="0"/>
-        </a:xfrm>
-      </p:grpSpPr>
-      <p:sp>
-        <p:nvSpPr>
-          <p:cNvPr id="2" name="Title 1">
-            <a:extLst>
-              <a:ext uri="{FF2B5EF4-FFF2-40B4-BE49-F238E27FC236}">
-                <a16:creationId xmlns:a16="http://schemas.microsoft.com/office/drawing/2014/main" id="{490AF1C8-1093-4806-A477-C00BED39DADF}"/>
-              </a:ext>
-            </a:extLst>
-          </p:cNvPr>
-          <p:cNvSpPr>
-            <a:spLocks noGrp="1"/>
-          </p:cNvSpPr>
-          <p:nvPr>
-            <p:ph type="title"/>
-          </p:nvPr>
-        </p:nvSpPr>
-        <p:spPr/>
-        <p:txBody>
-          <a:bodyPr/>
-          <a:lstStyle/>
-          <a:p>
-            <a:endParaRPr lang="en-GB"/>
-          </a:p>
-        </p:txBody>
-      </p:sp>
-      <p:sp>
-        <p:nvSpPr>
-          <p:cNvPr id="4" name="Content Placeholder 3">
-            <a:extLst>
-              <a:ext uri="{FF2B5EF4-FFF2-40B4-BE49-F238E27FC236}">
-                <a16:creationId xmlns:a16="http://schemas.microsoft.com/office/drawing/2014/main" id="{6DC398D2-C458-40D7-B6F2-5078F5E06F87}"/>
-              </a:ext>
-            </a:extLst>
-          </p:cNvPr>
-          <p:cNvSpPr>
-            <a:spLocks noGrp="1"/>
-          </p:cNvSpPr>
-          <p:nvPr>
-            <p:ph idx="1"/>
-          </p:nvPr>
-        </p:nvSpPr>
-        <p:spPr/>
-        <p:txBody>
-          <a:bodyPr/>
-          <a:lstStyle/>
-          <a:p>
-            <a:endParaRPr lang="en-GB" dirty="0"/>
-          </a:p>
-        </p:txBody>
-      </p:sp>
-      <p:pic>
-        <p:nvPicPr>
-          <p:cNvPr id="1028" name="Picture 4" descr="Difference Between Centre of Gravity and Centroid | Difference Between">
-            <a:extLst>
-              <a:ext uri="{FF2B5EF4-FFF2-40B4-BE49-F238E27FC236}">
-                <a16:creationId xmlns:a16="http://schemas.microsoft.com/office/drawing/2014/main" id="{B77C2A8C-198E-4943-9F3F-6E6F8284847F}"/>
-              </a:ext>
-            </a:extLst>
-          </p:cNvPr>
-          <p:cNvPicPr>
-            <a:picLocks noChangeAspect="1" noChangeArrowheads="1"/>
-          </p:cNvPicPr>
-          <p:nvPr/>
-        </p:nvPicPr>
-        <p:blipFill>
-          <a:blip r:embed="rId2">
-            <a:extLst>
-              <a:ext uri="{28A0092B-C50C-407E-A947-70E740481C1C}">
-                <a14:useLocalDpi xmlns:a14="http://schemas.microsoft.com/office/drawing/2010/main" val="0"/>
-              </a:ext>
-            </a:extLst>
-          </a:blip>
-          <a:srcRect/>
-          <a:stretch>
-            <a:fillRect/>
-          </a:stretch>
-        </p:blipFill>
-        <p:spPr bwMode="auto">
-          <a:xfrm>
-            <a:off x="1333500" y="2052918"/>
-            <a:ext cx="4762500" cy="3305175"/>
-          </a:xfrm>
-          <a:prstGeom prst="rect">
-            <a:avLst/>
-          </a:prstGeom>
-          <a:noFill/>
-          <a:extLst>
-            <a:ext uri="{909E8E84-426E-40DD-AFC4-6F175D3DCCD1}">
-              <a14:hiddenFill xmlns:a14="http://schemas.microsoft.com/office/drawing/2010/main">
-                <a:solidFill>
-                  <a:srgbClr val="FFFFFF"/>
-                </a:solidFill>
-              </a14:hiddenFill>
-            </a:ext>
-          </a:extLst>
-        </p:spPr>
-      </p:pic>
-      <p:sp>
-        <p:nvSpPr>
-          <p:cNvPr id="5" name="Rectangle 4">
-            <a:extLst>
-              <a:ext uri="{FF2B5EF4-FFF2-40B4-BE49-F238E27FC236}">
-                <a16:creationId xmlns:a16="http://schemas.microsoft.com/office/drawing/2014/main" id="{63EE9F9E-3391-4CA3-B1F0-D32D46F00A38}"/>
-              </a:ext>
-            </a:extLst>
-          </p:cNvPr>
-          <p:cNvSpPr/>
-          <p:nvPr/>
-        </p:nvSpPr>
-        <p:spPr>
-          <a:xfrm>
-            <a:off x="1428520" y="5358093"/>
-            <a:ext cx="6096000" cy="1200329"/>
-          </a:xfrm>
-          <a:prstGeom prst="rect">
-            <a:avLst/>
-          </a:prstGeom>
-        </p:spPr>
-        <p:txBody>
-          <a:bodyPr>
-            <a:spAutoFit/>
-          </a:bodyPr>
-          <a:lstStyle/>
-          <a:p>
-            <a:r>
-              <a:rPr lang="en-GB" dirty="0"/>
-              <a:t>the centre of mass of a geometric object of uniform density.</a:t>
-            </a:r>
-            <a:endParaRPr lang="en-GB" dirty="0">
-              <a:hlinkClick r:id="rId3"/>
-            </a:endParaRPr>
-          </a:p>
-          <a:p>
-            <a:r>
-              <a:rPr lang="en-GB" dirty="0">
-                <a:hlinkClick r:id="rId3"/>
-              </a:rPr>
-              <a:t>http://www.differencebetween.net/science/difference-between-centre-of-gravity-and-centroid/</a:t>
-            </a:r>
-            <a:endParaRPr lang="en-GB" dirty="0"/>
-          </a:p>
-        </p:txBody>
-      </p:sp>
-    </p:spTree>
-    <p:extLst>
-      <p:ext uri="{BB962C8B-B14F-4D97-AF65-F5344CB8AC3E}">
-        <p14:creationId xmlns:p14="http://schemas.microsoft.com/office/powerpoint/2010/main" val="2558446691"/>
-      </p:ext>
-    </p:extLst>
-  </p:cSld>
-  <p:clrMapOvr>
-    <a:masterClrMapping/>
-  </p:clrMapOvr>
-</p:sld>
-</file>
-
-<file path=ppt/slides/slide25.xml><?xml version="1.0" encoding="utf-8"?>
 <p:sld xmlns:a="http://schemas.openxmlformats.org/drawingml/2006/main" xmlns:r="http://schemas.openxmlformats.org/officeDocument/2006/relationships" xmlns:p="http://schemas.openxmlformats.org/presentationml/2006/main">
   <p:cSld>
     <p:spTree>
@@ -35334,7 +35506,7 @@
 </p:sld>
 </file>
 
-<file path=ppt/slides/slide26.xml><?xml version="1.0" encoding="utf-8"?>
+<file path=ppt/slides/slide25.xml><?xml version="1.0" encoding="utf-8"?>
 <p:sld xmlns:a="http://schemas.openxmlformats.org/drawingml/2006/main" xmlns:r="http://schemas.openxmlformats.org/officeDocument/2006/relationships" xmlns:p="http://schemas.openxmlformats.org/presentationml/2006/main">
   <p:cSld>
     <p:spTree>
@@ -36751,7 +36923,7 @@
 </p:sld>
 </file>
 
-<file path=ppt/slides/slide27.xml><?xml version="1.0" encoding="utf-8"?>
+<file path=ppt/slides/slide26.xml><?xml version="1.0" encoding="utf-8"?>
 <p:sld xmlns:a="http://schemas.openxmlformats.org/drawingml/2006/main" xmlns:r="http://schemas.openxmlformats.org/officeDocument/2006/relationships" xmlns:p="http://schemas.openxmlformats.org/presentationml/2006/main">
   <p:cSld>
     <p:spTree>
@@ -39287,6 +39459,154 @@
 </p:sld>
 </file>
 
+<file path=ppt/slides/slide27.xml><?xml version="1.0" encoding="utf-8"?>
+<p:sld xmlns:a="http://schemas.openxmlformats.org/drawingml/2006/main" xmlns:r="http://schemas.openxmlformats.org/officeDocument/2006/relationships" xmlns:p="http://schemas.openxmlformats.org/presentationml/2006/main">
+  <p:cSld>
+    <p:spTree>
+      <p:nvGrpSpPr>
+        <p:cNvPr id="1" name=""/>
+        <p:cNvGrpSpPr/>
+        <p:nvPr/>
+      </p:nvGrpSpPr>
+      <p:grpSpPr>
+        <a:xfrm>
+          <a:off x="0" y="0"/>
+          <a:ext cx="0" cy="0"/>
+          <a:chOff x="0" y="0"/>
+          <a:chExt cx="0" cy="0"/>
+        </a:xfrm>
+      </p:grpSpPr>
+      <p:sp>
+        <p:nvSpPr>
+          <p:cNvPr id="2" name="Title 1">
+            <a:extLst>
+              <a:ext uri="{FF2B5EF4-FFF2-40B4-BE49-F238E27FC236}">
+                <a16:creationId xmlns:a16="http://schemas.microsoft.com/office/drawing/2014/main" id="{490AF1C8-1093-4806-A477-C00BED39DADF}"/>
+              </a:ext>
+            </a:extLst>
+          </p:cNvPr>
+          <p:cNvSpPr>
+            <a:spLocks noGrp="1"/>
+          </p:cNvSpPr>
+          <p:nvPr>
+            <p:ph type="title"/>
+          </p:nvPr>
+        </p:nvSpPr>
+        <p:spPr/>
+        <p:txBody>
+          <a:bodyPr/>
+          <a:lstStyle/>
+          <a:p>
+            <a:endParaRPr lang="en-GB"/>
+          </a:p>
+        </p:txBody>
+      </p:sp>
+      <p:pic>
+        <p:nvPicPr>
+          <p:cNvPr id="1028" name="Picture 4" descr="Difference Between Centre of Gravity and Centroid | Difference Between">
+            <a:extLst>
+              <a:ext uri="{FF2B5EF4-FFF2-40B4-BE49-F238E27FC236}">
+                <a16:creationId xmlns:a16="http://schemas.microsoft.com/office/drawing/2014/main" id="{B77C2A8C-198E-4943-9F3F-6E6F8284847F}"/>
+              </a:ext>
+            </a:extLst>
+          </p:cNvPr>
+          <p:cNvPicPr>
+            <a:picLocks noChangeAspect="1" noChangeArrowheads="1"/>
+          </p:cNvPicPr>
+          <p:nvPr/>
+        </p:nvPicPr>
+        <p:blipFill>
+          <a:blip r:embed="rId2">
+            <a:extLst>
+              <a:ext uri="{28A0092B-C50C-407E-A947-70E740481C1C}">
+                <a14:useLocalDpi xmlns:a14="http://schemas.microsoft.com/office/drawing/2010/main" val="0"/>
+              </a:ext>
+            </a:extLst>
+          </a:blip>
+          <a:srcRect/>
+          <a:stretch>
+            <a:fillRect/>
+          </a:stretch>
+        </p:blipFill>
+        <p:spPr bwMode="auto">
+          <a:xfrm>
+            <a:off x="3714750" y="2095472"/>
+            <a:ext cx="4762500" cy="3305175"/>
+          </a:xfrm>
+          <a:prstGeom prst="rect">
+            <a:avLst/>
+          </a:prstGeom>
+          <a:noFill/>
+          <a:extLst>
+            <a:ext uri="{909E8E84-426E-40DD-AFC4-6F175D3DCCD1}">
+              <a14:hiddenFill xmlns:a14="http://schemas.microsoft.com/office/drawing/2010/main">
+                <a:solidFill>
+                  <a:srgbClr val="FFFFFF"/>
+                </a:solidFill>
+              </a14:hiddenFill>
+            </a:ext>
+          </a:extLst>
+        </p:spPr>
+      </p:pic>
+      <p:sp>
+        <p:nvSpPr>
+          <p:cNvPr id="5" name="Rectangle 4">
+            <a:extLst>
+              <a:ext uri="{FF2B5EF4-FFF2-40B4-BE49-F238E27FC236}">
+                <a16:creationId xmlns:a16="http://schemas.microsoft.com/office/drawing/2014/main" id="{63EE9F9E-3391-4CA3-B1F0-D32D46F00A38}"/>
+              </a:ext>
+            </a:extLst>
+          </p:cNvPr>
+          <p:cNvSpPr/>
+          <p:nvPr/>
+        </p:nvSpPr>
+        <p:spPr>
+          <a:xfrm>
+            <a:off x="3048000" y="5400647"/>
+            <a:ext cx="6096000" cy="1200329"/>
+          </a:xfrm>
+          <a:prstGeom prst="rect">
+            <a:avLst/>
+          </a:prstGeom>
+        </p:spPr>
+        <p:txBody>
+          <a:bodyPr>
+            <a:spAutoFit/>
+          </a:bodyPr>
+          <a:lstStyle/>
+          <a:p>
+            <a:r>
+              <a:rPr lang="en-GB" dirty="0"/>
+              <a:t>the centre of mass of a geometric object of uniform density.</a:t>
+            </a:r>
+            <a:endParaRPr lang="en-GB" dirty="0">
+              <a:hlinkClick r:id="rId3"/>
+            </a:endParaRPr>
+          </a:p>
+          <a:p>
+            <a:r>
+              <a:rPr lang="en-GB" dirty="0">
+                <a:hlinkClick r:id="rId3"/>
+              </a:rPr>
+              <a:t>http://www.differencebetween.net/science/difference-between-centre-of-gravity-and-centroid/</a:t>
+            </a:r>
+            <a:endParaRPr lang="en-GB" dirty="0"/>
+          </a:p>
+        </p:txBody>
+      </p:sp>
+    </p:spTree>
+    <p:extLst>
+      <p:ext uri="{BB962C8B-B14F-4D97-AF65-F5344CB8AC3E}">
+        <p14:creationId xmlns:p14="http://schemas.microsoft.com/office/powerpoint/2010/main" val="2558446691"/>
+      </p:ext>
+    </p:extLst>
+  </p:cSld>
+  <p:clrMapOvr>
+    <a:masterClrMapping/>
+  </p:clrMapOvr>
+</p:sld>
+</file>
+
 <file path=ppt/slides/slide28.xml><?xml version="1.0" encoding="utf-8"?>
 <p:sld xmlns:a="http://schemas.openxmlformats.org/drawingml/2006/main" xmlns:r="http://schemas.openxmlformats.org/officeDocument/2006/relationships" xmlns:p="http://schemas.openxmlformats.org/presentationml/2006/main" show="0">
   <p:cSld>
@@ -39613,7 +39933,7 @@
         <p:spPr/>
         <p:txBody>
           <a:bodyPr>
-            <a:normAutofit fontScale="92500" lnSpcReduction="20000"/>
+            <a:normAutofit/>
           </a:bodyPr>
           <a:lstStyle/>
           <a:p>
@@ -39683,196 +40003,102 @@
               <a:t>Integrative HM. The Integrative Human Microbiome Project: dynamic analysis of microbiome-host omics profiles during periods of human health and disease. Cell host &amp; microbe. 2014 Sep 10;16(3):276.</a:t>
             </a:r>
           </a:p>
-          <a:p>
-            <a:pPr>
-              <a:buFont typeface="+mj-lt"/>
-              <a:buAutoNum type="arabicPeriod"/>
-            </a:pPr>
-            <a:r>
-              <a:rPr lang="en-GB" sz="1300" dirty="0" err="1"/>
-              <a:t>Ferrannini</a:t>
-            </a:r>
-            <a:r>
-              <a:rPr lang="en-GB" sz="1300" dirty="0"/>
-              <a:t> E, </a:t>
-            </a:r>
-            <a:r>
-              <a:rPr lang="en-GB" sz="1300" dirty="0" err="1"/>
-              <a:t>Gastaldelli</a:t>
-            </a:r>
-            <a:r>
-              <a:rPr lang="en-GB" sz="1300" dirty="0"/>
-              <a:t> A, </a:t>
-            </a:r>
-            <a:r>
-              <a:rPr lang="en-GB" sz="1300" dirty="0" err="1"/>
-              <a:t>Iozzo</a:t>
-            </a:r>
-            <a:r>
-              <a:rPr lang="en-GB" sz="1300" dirty="0"/>
-              <a:t> P. Pathophysiology of prediabetes. Medical Clinics. 2011 Mar 1;95(2):327-39.</a:t>
-            </a:r>
-          </a:p>
-          <a:p>
-            <a:pPr>
-              <a:buFont typeface="+mj-lt"/>
-              <a:buAutoNum type="arabicPeriod"/>
-            </a:pPr>
-            <a:r>
-              <a:rPr lang="en-GB" sz="1300" dirty="0" err="1"/>
-              <a:t>Guillet</a:t>
-            </a:r>
-            <a:r>
-              <a:rPr lang="en-GB" sz="1300" dirty="0"/>
-              <a:t> C, </a:t>
-            </a:r>
-            <a:r>
-              <a:rPr lang="en-GB" sz="1300" dirty="0" err="1"/>
-              <a:t>Masgrau</a:t>
-            </a:r>
-            <a:r>
-              <a:rPr lang="en-GB" sz="1300" dirty="0"/>
-              <a:t> A, </a:t>
-            </a:r>
-            <a:r>
-              <a:rPr lang="en-GB" sz="1300" dirty="0" err="1"/>
-              <a:t>Walrand</a:t>
-            </a:r>
-            <a:r>
-              <a:rPr lang="en-GB" sz="1300" dirty="0"/>
-              <a:t> S, </a:t>
-            </a:r>
-            <a:r>
-              <a:rPr lang="en-GB" sz="1300" dirty="0" err="1"/>
-              <a:t>Boirie</a:t>
-            </a:r>
-            <a:r>
-              <a:rPr lang="en-GB" sz="1300" dirty="0"/>
-              <a:t> Y. Impaired protein metabolism: interlinks between obesity, insulin resistance and inflammation. Obesity Reviews. 2012 Dec;13:51-7.</a:t>
-            </a:r>
-          </a:p>
-          <a:p>
-            <a:pPr>
-              <a:buFont typeface="+mj-lt"/>
-              <a:buAutoNum type="arabicPeriod"/>
-            </a:pPr>
-            <a:r>
-              <a:rPr lang="en-GB" sz="1300" dirty="0"/>
-              <a:t>Sears DD, Hsiao G, Hsiao A, Yu JG, Courtney CH, </a:t>
-            </a:r>
-            <a:r>
-              <a:rPr lang="en-GB" sz="1300" dirty="0" err="1"/>
-              <a:t>Ofrecio</a:t>
-            </a:r>
-            <a:r>
-              <a:rPr lang="en-GB" sz="1300" dirty="0"/>
-              <a:t> JM, Chapman J, Subramaniam S. Mechanisms of human insulin resistance and thiazolidinedione-mediated insulin sensitization. Proceedings of the National Academy of Sciences. 2009 Nov 3;106(44):18745-50.</a:t>
-            </a:r>
-          </a:p>
-          <a:p>
-            <a:pPr>
-              <a:buFont typeface="+mj-lt"/>
-              <a:buAutoNum type="arabicPeriod"/>
-            </a:pPr>
-            <a:r>
-              <a:rPr lang="en-GB" sz="1300" dirty="0"/>
-              <a:t>Patti ME, Butte AJ, </a:t>
-            </a:r>
-            <a:r>
-              <a:rPr lang="en-GB" sz="1300" dirty="0" err="1"/>
-              <a:t>Crunkhorn</a:t>
-            </a:r>
-            <a:r>
-              <a:rPr lang="en-GB" sz="1300" dirty="0"/>
-              <a:t> S, </a:t>
-            </a:r>
-            <a:r>
-              <a:rPr lang="en-GB" sz="1300" dirty="0" err="1"/>
-              <a:t>Cusi</a:t>
-            </a:r>
-            <a:r>
-              <a:rPr lang="en-GB" sz="1300" dirty="0"/>
-              <a:t> K, </a:t>
-            </a:r>
-            <a:r>
-              <a:rPr lang="en-GB" sz="1300" dirty="0" err="1"/>
-              <a:t>Berria</a:t>
-            </a:r>
-            <a:r>
-              <a:rPr lang="en-GB" sz="1300" dirty="0"/>
-              <a:t> R, Kashyap S, Miyazaki Y, </a:t>
-            </a:r>
-            <a:r>
-              <a:rPr lang="en-GB" sz="1300" dirty="0" err="1"/>
-              <a:t>Kohane</a:t>
-            </a:r>
-            <a:r>
-              <a:rPr lang="en-GB" sz="1300" dirty="0"/>
-              <a:t> I, Costello M, </a:t>
-            </a:r>
-            <a:r>
-              <a:rPr lang="en-GB" sz="1300" dirty="0" err="1"/>
-              <a:t>Saccone</a:t>
-            </a:r>
-            <a:r>
-              <a:rPr lang="en-GB" sz="1300" dirty="0"/>
-              <a:t> R, </a:t>
-            </a:r>
-            <a:r>
-              <a:rPr lang="en-GB" sz="1300" dirty="0" err="1"/>
-              <a:t>Landaker</a:t>
-            </a:r>
-            <a:r>
-              <a:rPr lang="en-GB" sz="1300" dirty="0"/>
-              <a:t> EJ. Coordinated reduction of genes of oxidative metabolism in humans with insulin resistance and diabetes: Potential role of PGC1 and NRF1. Proceedings of the National Academy of Sciences. 2003 Jul 8;100(14):8466-71.</a:t>
-            </a:r>
-          </a:p>
-          <a:p>
-            <a:pPr>
-              <a:buFont typeface="+mj-lt"/>
-              <a:buAutoNum type="arabicPeriod"/>
-            </a:pPr>
-            <a:r>
-              <a:rPr lang="en-GB" sz="1300" dirty="0"/>
-              <a:t>Gurung M, Li Z, You H, Rodrigues R, Jump DB, </a:t>
-            </a:r>
-            <a:r>
-              <a:rPr lang="en-GB" sz="1300" dirty="0" err="1"/>
-              <a:t>Morgun</a:t>
-            </a:r>
-            <a:r>
-              <a:rPr lang="en-GB" sz="1300" dirty="0"/>
-              <a:t> A, </a:t>
-            </a:r>
-            <a:r>
-              <a:rPr lang="en-GB" sz="1300" dirty="0" err="1"/>
-              <a:t>Shulzhenko</a:t>
-            </a:r>
-            <a:r>
-              <a:rPr lang="en-GB" sz="1300" dirty="0"/>
-              <a:t> N. Role of gut microbiota in type 2 diabetes pathophysiology. </a:t>
-            </a:r>
-            <a:r>
-              <a:rPr lang="en-GB" sz="1300" dirty="0" err="1"/>
-              <a:t>EBioMedicine</a:t>
-            </a:r>
-            <a:r>
-              <a:rPr lang="en-GB" sz="1300" dirty="0"/>
-              <a:t>. 2020 Jan 1;51:102590.</a:t>
-            </a:r>
-          </a:p>
-          <a:p>
-            <a:pPr marL="0" indent="0">
-              <a:buNone/>
-            </a:pPr>
-            <a:endParaRPr lang="en-GB" sz="1300" dirty="0"/>
+        </p:txBody>
+      </p:sp>
+      <p:sp>
+        <p:nvSpPr>
+          <p:cNvPr id="4" name="TextBox 3">
+            <a:extLst>
+              <a:ext uri="{FF2B5EF4-FFF2-40B4-BE49-F238E27FC236}">
+                <a16:creationId xmlns:a16="http://schemas.microsoft.com/office/drawing/2014/main" id="{B27E1510-8701-4F5C-B220-17A2DDB4F0AD}"/>
+              </a:ext>
+            </a:extLst>
+          </p:cNvPr>
+          <p:cNvSpPr txBox="1"/>
+          <p:nvPr/>
+        </p:nvSpPr>
+        <p:spPr>
+          <a:xfrm>
+            <a:off x="10510347" y="551452"/>
+            <a:ext cx="534661" cy="461665"/>
+          </a:xfrm>
+          <a:prstGeom prst="rect">
+            <a:avLst/>
+          </a:prstGeom>
+          <a:noFill/>
+        </p:spPr>
+        <p:txBody>
+          <a:bodyPr wrap="square" rtlCol="0">
+            <a:spAutoFit/>
+          </a:bodyPr>
+          <a:lstStyle/>
+          <a:p>
+            <a:r>
+              <a:rPr lang="en-GB" sz="2400" b="1" dirty="0">
+                <a:latin typeface="Arial" panose="020B0604020202020204" pitchFamily="34" charset="0"/>
+                <a:cs typeface="Arial" panose="020B0604020202020204" pitchFamily="34" charset="0"/>
+              </a:rPr>
+              <a:t>23</a:t>
+            </a:r>
+          </a:p>
+        </p:txBody>
+      </p:sp>
+      <p:sp>
+        <p:nvSpPr>
+          <p:cNvPr id="5" name="Oval 4">
+            <a:extLst>
+              <a:ext uri="{FF2B5EF4-FFF2-40B4-BE49-F238E27FC236}">
+                <a16:creationId xmlns:a16="http://schemas.microsoft.com/office/drawing/2014/main" id="{802EE1A7-2915-4650-9065-B6DC60FAC9A7}"/>
+              </a:ext>
+            </a:extLst>
+          </p:cNvPr>
+          <p:cNvSpPr/>
+          <p:nvPr/>
+        </p:nvSpPr>
+        <p:spPr>
+          <a:xfrm>
+            <a:off x="10488426" y="488805"/>
+            <a:ext cx="578504" cy="586960"/>
+          </a:xfrm>
+          <a:prstGeom prst="ellipse">
+            <a:avLst/>
+          </a:prstGeom>
+          <a:noFill/>
+          <a:ln w="38100">
+            <a:solidFill>
+              <a:schemeClr val="tx1"/>
+            </a:solidFill>
+          </a:ln>
+        </p:spPr>
+        <p:style>
+          <a:lnRef idx="2">
+            <a:schemeClr val="accent1">
+              <a:shade val="50000"/>
+            </a:schemeClr>
+          </a:lnRef>
+          <a:fillRef idx="1">
+            <a:schemeClr val="accent1"/>
+          </a:fillRef>
+          <a:effectRef idx="0">
+            <a:schemeClr val="accent1"/>
+          </a:effectRef>
+          <a:fontRef idx="minor">
+            <a:schemeClr val="lt1"/>
+          </a:fontRef>
+        </p:style>
+        <p:txBody>
+          <a:bodyPr rtlCol="0" anchor="ctr"/>
+          <a:lstStyle/>
+          <a:p>
+            <a:pPr algn="ctr"/>
+            <a:endParaRPr lang="en-GB"/>
           </a:p>
         </p:txBody>
       </p:sp>
     </p:spTree>
     <p:extLst>
       <p:ext uri="{BB962C8B-B14F-4D97-AF65-F5344CB8AC3E}">
-        <p14:creationId xmlns:p14="http://schemas.microsoft.com/office/powerpoint/2010/main" val="1653653443"/>
+        <p14:creationId xmlns:p14="http://schemas.microsoft.com/office/powerpoint/2010/main" val="3685867582"/>
       </p:ext>
     </p:extLst>
   </p:cSld>
@@ -40322,7 +40548,7 @@
           <a:p>
             <a:r>
               <a:rPr lang="en-GB" dirty="0"/>
-              <a:t>BCAA catabolism (7) </a:t>
+              <a:t>BCAA catabolism (9) </a:t>
             </a:r>
           </a:p>
         </p:txBody>
@@ -40356,7 +40582,7 @@
           <a:p>
             <a:r>
               <a:rPr lang="en-GB" dirty="0"/>
-              <a:t>Hypertriglyceridemia (5)</a:t>
+              <a:t>Hypertriglyceridemia (6)</a:t>
             </a:r>
           </a:p>
         </p:txBody>
@@ -40450,13 +40676,13 @@
           <a:p>
             <a:r>
               <a:rPr lang="en-GB" dirty="0"/>
-              <a:t>gluconeogenesis (5)</a:t>
+              <a:t>gluconeogenesis (6)</a:t>
             </a:r>
           </a:p>
         </p:txBody>
       </p:sp>
-      <mc:AlternateContent xmlns:mc="http://schemas.openxmlformats.org/markup-compatibility/2006" xmlns:a14="http://schemas.microsoft.com/office/drawing/2010/main">
-        <mc:Choice Requires="a14">
+      <mc:AlternateContent xmlns:mc="http://schemas.openxmlformats.org/markup-compatibility/2006">
+        <mc:Choice xmlns:a14="http://schemas.microsoft.com/office/drawing/2010/main" Requires="a14">
           <p:sp>
             <p:nvSpPr>
               <p:cNvPr id="16" name="Rectangle 15">
@@ -40472,7 +40698,7 @@
             <p:spPr>
               <a:xfrm>
                 <a:off x="814250" y="4108949"/>
-                <a:ext cx="1142712" cy="369332"/>
+                <a:ext cx="1665714" cy="369332"/>
               </a:xfrm>
               <a:prstGeom prst="rect">
                 <a:avLst/>
@@ -40496,13 +40722,13 @@
                 </a14:m>
                 <a:r>
                   <a:rPr lang="en-GB" dirty="0"/>
-                  <a:t> BCAA</a:t>
+                  <a:t> BCAA (7)</a:t>
                 </a:r>
               </a:p>
             </p:txBody>
           </p:sp>
         </mc:Choice>
-        <mc:Fallback xmlns="">
+        <mc:Fallback>
           <p:sp>
             <p:nvSpPr>
               <p:cNvPr id="16" name="Rectangle 15">
@@ -40520,7 +40746,7 @@
             <p:spPr>
               <a:xfrm>
                 <a:off x="814250" y="4108949"/>
-                <a:ext cx="1142712" cy="369332"/>
+                <a:ext cx="1665714" cy="369332"/>
               </a:xfrm>
               <a:prstGeom prst="rect">
                 <a:avLst/>
@@ -40670,7 +40896,7 @@
           <a:p>
             <a:r>
               <a:rPr lang="en-GB" dirty="0"/>
-              <a:t>sensitivity or with insulin resistance (9)</a:t>
+              <a:t>sensitivity or with insulin resistance (5)</a:t>
             </a:r>
           </a:p>
         </p:txBody>
@@ -41028,7 +41254,7 @@
           <a:p>
             <a:r>
               <a:rPr lang="en-GB" dirty="0"/>
-              <a:t>predisposition (6)</a:t>
+              <a:t>predisposition (8)</a:t>
             </a:r>
           </a:p>
         </p:txBody>
@@ -41174,44 +41400,6 @@
                 <a:schemeClr val="tx1"/>
               </a:solidFill>
             </a:endParaRPr>
-          </a:p>
-        </p:txBody>
-      </p:sp>
-      <p:sp>
-        <p:nvSpPr>
-          <p:cNvPr id="31" name="TextBox 30">
-            <a:extLst>
-              <a:ext uri="{FF2B5EF4-FFF2-40B4-BE49-F238E27FC236}">
-                <a16:creationId xmlns:a16="http://schemas.microsoft.com/office/drawing/2014/main" id="{4D8AC731-6CE2-4C5C-8870-050E554586E9}"/>
-              </a:ext>
-            </a:extLst>
-          </p:cNvPr>
-          <p:cNvSpPr txBox="1"/>
-          <p:nvPr/>
-        </p:nvSpPr>
-        <p:spPr>
-          <a:xfrm>
-            <a:off x="9350835" y="3019499"/>
-            <a:ext cx="2002175" cy="461665"/>
-          </a:xfrm>
-          <a:prstGeom prst="rect">
-            <a:avLst/>
-          </a:prstGeom>
-          <a:noFill/>
-        </p:spPr>
-        <p:txBody>
-          <a:bodyPr wrap="square">
-            <a:spAutoFit/>
-          </a:bodyPr>
-          <a:lstStyle/>
-          <a:p>
-            <a:r>
-              <a:rPr lang="en-GB" sz="800" dirty="0">
-                <a:hlinkClick r:id="rId6"/>
-              </a:rPr>
-              <a:t>https://www-sciencedirect-com.ezproxy.ub.unimaas.nl/science/article/pii/S1043276009001611</a:t>
-            </a:r>
-            <a:endParaRPr lang="en-GB" sz="800" dirty="0"/>
           </a:p>
         </p:txBody>
       </p:sp>
@@ -42182,7 +42370,7 @@
               <a:rPr lang="en-US" altLang="en-US" sz="1400" dirty="0">
                 <a:latin typeface="+mj-lt"/>
               </a:rPr>
-              <a:t>m an iHMP Research Network Consortium publication (4).</a:t>
+              <a:t>m an iHMP Research Network Consortium publication (10).</a:t>
             </a:r>
             <a:endParaRPr kumimoji="0" lang="en-US" altLang="en-US" sz="1400" b="0" u="none" strike="noStrike" cap="none" normalizeH="0" baseline="0" dirty="0">
               <a:ln>

--- a/Final Presentation.pptx
+++ b/Final Presentation.pptx
@@ -158,7 +158,7 @@
 <file path=ppt/revisionInfo.xml><?xml version="1.0" encoding="utf-8"?>
 <p1510:revInfo xmlns:a="http://schemas.openxmlformats.org/drawingml/2006/main" xmlns:r="http://schemas.openxmlformats.org/officeDocument/2006/relationships" xmlns:p1510="http://schemas.microsoft.com/office/powerpoint/2015/10/main">
   <p1510:revLst>
-    <p1510:client id="{C6873D3A-5142-4B27-9846-7DCB74605CCD}" v="4012" dt="2020-06-28T09:42:08.911"/>
+    <p1510:client id="{C6873D3A-5142-4B27-9846-7DCB74605CCD}" v="4040" dt="2020-06-29T15:06:38.968"/>
   </p1510:revLst>
 </p1510:revInfo>
 </file>
@@ -4946,7 +4946,7 @@
   <pc:docChgLst>
     <pc:chgData name="Sabrina De Oliveira" userId="34420f5773a88cdb" providerId="LiveId" clId="{C6873D3A-5142-4B27-9846-7DCB74605CCD}"/>
     <pc:docChg chg="undo redo custSel mod addSld delSld modSld sldOrd">
-      <pc:chgData name="Sabrina De Oliveira" userId="34420f5773a88cdb" providerId="LiveId" clId="{C6873D3A-5142-4B27-9846-7DCB74605CCD}" dt="2020-06-28T09:42:08.911" v="12366" actId="1076"/>
+      <pc:chgData name="Sabrina De Oliveira" userId="34420f5773a88cdb" providerId="LiveId" clId="{C6873D3A-5142-4B27-9846-7DCB74605CCD}" dt="2020-06-29T15:07:07.210" v="12717" actId="27636"/>
       <pc:docMkLst>
         <pc:docMk/>
       </pc:docMkLst>
@@ -5366,7 +5366,7 @@
         </pc:sldMkLst>
       </pc:sldChg>
       <pc:sldChg chg="addSp delSp modSp mod modClrScheme modAnim chgLayout">
-        <pc:chgData name="Sabrina De Oliveira" userId="34420f5773a88cdb" providerId="LiveId" clId="{C6873D3A-5142-4B27-9846-7DCB74605CCD}" dt="2020-06-28T09:24:32.324" v="12210" actId="1076"/>
+        <pc:chgData name="Sabrina De Oliveira" userId="34420f5773a88cdb" providerId="LiveId" clId="{C6873D3A-5142-4B27-9846-7DCB74605CCD}" dt="2020-06-29T12:02:22.319" v="12674" actId="171"/>
         <pc:sldMkLst>
           <pc:docMk/>
           <pc:sldMk cId="1322306824" sldId="270"/>
@@ -5395,6 +5395,14 @@
             <ac:spMk id="4" creationId="{231B56F9-FD24-4EB3-8B9F-96CF5F831948}"/>
           </ac:spMkLst>
         </pc:spChg>
+        <pc:spChg chg="add mod ord">
+          <ac:chgData name="Sabrina De Oliveira" userId="34420f5773a88cdb" providerId="LiveId" clId="{C6873D3A-5142-4B27-9846-7DCB74605CCD}" dt="2020-06-29T12:02:11.326" v="12672" actId="171"/>
+          <ac:spMkLst>
+            <pc:docMk/>
+            <pc:sldMk cId="1322306824" sldId="270"/>
+            <ac:spMk id="5" creationId="{69AEF390-CEA8-4D99-B65B-F39D4C4F9F19}"/>
+          </ac:spMkLst>
+        </pc:spChg>
         <pc:spChg chg="del">
           <ac:chgData name="Sabrina De Oliveira" userId="34420f5773a88cdb" providerId="LiveId" clId="{C6873D3A-5142-4B27-9846-7DCB74605CCD}" dt="2020-06-27T11:36:55.218" v="10683" actId="478"/>
           <ac:spMkLst>
@@ -5427,6 +5435,14 @@
             <ac:spMk id="8" creationId="{A68265EC-899A-4797-BA10-2527F53415A9}"/>
           </ac:spMkLst>
         </pc:spChg>
+        <pc:spChg chg="add mod ord">
+          <ac:chgData name="Sabrina De Oliveira" userId="34420f5773a88cdb" providerId="LiveId" clId="{C6873D3A-5142-4B27-9846-7DCB74605CCD}" dt="2020-06-29T12:02:22.319" v="12674" actId="171"/>
+          <ac:spMkLst>
+            <pc:docMk/>
+            <pc:sldMk cId="1322306824" sldId="270"/>
+            <ac:spMk id="8" creationId="{AD73161F-CA3A-4F12-B782-C3C5BDB58C33}"/>
+          </ac:spMkLst>
+        </pc:spChg>
         <pc:spChg chg="add mod">
           <ac:chgData name="Sabrina De Oliveira" userId="34420f5773a88cdb" providerId="LiveId" clId="{C6873D3A-5142-4B27-9846-7DCB74605CCD}" dt="2020-06-27T11:38:59.277" v="10730"/>
           <ac:spMkLst>
@@ -5505,6 +5521,14 @@
             <pc:docMk/>
             <pc:sldMk cId="1322306824" sldId="270"/>
             <ac:spMk id="18" creationId="{DACE3A67-03AF-490A-BC01-F63B385A5DC5}"/>
+          </ac:spMkLst>
+        </pc:spChg>
+        <pc:spChg chg="add mod">
+          <ac:chgData name="Sabrina De Oliveira" userId="34420f5773a88cdb" providerId="LiveId" clId="{C6873D3A-5142-4B27-9846-7DCB74605CCD}" dt="2020-06-29T11:59:18.968" v="12368" actId="1076"/>
+          <ac:spMkLst>
+            <pc:docMk/>
+            <pc:sldMk cId="1322306824" sldId="270"/>
+            <ac:spMk id="19" creationId="{57AE869A-A070-44E0-B1A3-0A63F22A8693}"/>
           </ac:spMkLst>
         </pc:spChg>
         <pc:spChg chg="add del mod ord">
@@ -5970,11 +5994,19 @@
         </pc:picChg>
       </pc:sldChg>
       <pc:sldChg chg="addSp delSp modSp mod ord delAnim modAnim">
-        <pc:chgData name="Sabrina De Oliveira" userId="34420f5773a88cdb" providerId="LiveId" clId="{C6873D3A-5142-4B27-9846-7DCB74605CCD}" dt="2020-06-27T15:04:20.378" v="11116"/>
+        <pc:chgData name="Sabrina De Oliveira" userId="34420f5773a88cdb" providerId="LiveId" clId="{C6873D3A-5142-4B27-9846-7DCB74605CCD}" dt="2020-06-29T14:01:42.519" v="12692"/>
         <pc:sldMkLst>
           <pc:docMk/>
           <pc:sldMk cId="3804925156" sldId="279"/>
         </pc:sldMkLst>
+        <pc:spChg chg="mod">
+          <ac:chgData name="Sabrina De Oliveira" userId="34420f5773a88cdb" providerId="LiveId" clId="{C6873D3A-5142-4B27-9846-7DCB74605CCD}" dt="2020-06-29T14:00:47.629" v="12689"/>
+          <ac:spMkLst>
+            <pc:docMk/>
+            <pc:sldMk cId="3804925156" sldId="279"/>
+            <ac:spMk id="5" creationId="{0EA898E2-5451-497B-B22F-DD0DA7A4DCA1}"/>
+          </ac:spMkLst>
+        </pc:spChg>
         <pc:spChg chg="mod">
           <ac:chgData name="Sabrina De Oliveira" userId="34420f5773a88cdb" providerId="LiveId" clId="{C6873D3A-5142-4B27-9846-7DCB74605CCD}" dt="2020-06-24T15:40:46.502" v="7805" actId="20577"/>
           <ac:spMkLst>
@@ -6319,13 +6351,13 @@
         </pc:sldMkLst>
       </pc:sldChg>
       <pc:sldChg chg="modSp mod ord modTransition">
-        <pc:chgData name="Sabrina De Oliveira" userId="34420f5773a88cdb" providerId="LiveId" clId="{C6873D3A-5142-4B27-9846-7DCB74605CCD}" dt="2020-06-28T09:41:35.933" v="12356" actId="255"/>
+        <pc:chgData name="Sabrina De Oliveira" userId="34420f5773a88cdb" providerId="LiveId" clId="{C6873D3A-5142-4B27-9846-7DCB74605CCD}" dt="2020-06-29T15:07:07.210" v="12717" actId="27636"/>
         <pc:sldMkLst>
           <pc:docMk/>
           <pc:sldMk cId="1653653443" sldId="293"/>
         </pc:sldMkLst>
         <pc:spChg chg="mod">
-          <ac:chgData name="Sabrina De Oliveira" userId="34420f5773a88cdb" providerId="LiveId" clId="{C6873D3A-5142-4B27-9846-7DCB74605CCD}" dt="2020-06-28T09:41:35.933" v="12356" actId="255"/>
+          <ac:chgData name="Sabrina De Oliveira" userId="34420f5773a88cdb" providerId="LiveId" clId="{C6873D3A-5142-4B27-9846-7DCB74605CCD}" dt="2020-06-29T15:07:07.210" v="12717" actId="27636"/>
           <ac:spMkLst>
             <pc:docMk/>
             <pc:sldMk cId="1653653443" sldId="293"/>
@@ -6467,7 +6499,7 @@
         </pc:spChg>
       </pc:sldChg>
       <pc:sldChg chg="addSp delSp modSp add mod delAnim modAnim addCm modCm">
-        <pc:chgData name="Sabrina De Oliveira" userId="34420f5773a88cdb" providerId="LiveId" clId="{C6873D3A-5142-4B27-9846-7DCB74605CCD}" dt="2020-06-28T09:38:25.266" v="12326" actId="478"/>
+        <pc:chgData name="Sabrina De Oliveira" userId="34420f5773a88cdb" providerId="LiveId" clId="{C6873D3A-5142-4B27-9846-7DCB74605CCD}" dt="2020-06-29T15:05:10.819" v="12698"/>
         <pc:sldMkLst>
           <pc:docMk/>
           <pc:sldMk cId="3354765331" sldId="296"/>
@@ -6585,7 +6617,7 @@
           </ac:spMkLst>
         </pc:spChg>
         <pc:spChg chg="add mod">
-          <ac:chgData name="Sabrina De Oliveira" userId="34420f5773a88cdb" providerId="LiveId" clId="{C6873D3A-5142-4B27-9846-7DCB74605CCD}" dt="2020-06-28T09:33:59.049" v="12303" actId="20577"/>
+          <ac:chgData name="Sabrina De Oliveira" userId="34420f5773a88cdb" providerId="LiveId" clId="{C6873D3A-5142-4B27-9846-7DCB74605CCD}" dt="2020-06-29T15:05:05.367" v="12697" actId="20577"/>
           <ac:spMkLst>
             <pc:docMk/>
             <pc:sldMk cId="3354765331" sldId="296"/>
@@ -8267,7 +8299,7 @@
         </pc:picChg>
       </pc:sldChg>
       <pc:sldChg chg="addSp delSp modSp add mod ord modAnim modNotesTx">
-        <pc:chgData name="Sabrina De Oliveira" userId="34420f5773a88cdb" providerId="LiveId" clId="{C6873D3A-5142-4B27-9846-7DCB74605CCD}" dt="2020-06-28T09:39:17.474" v="12344" actId="20577"/>
+        <pc:chgData name="Sabrina De Oliveira" userId="34420f5773a88cdb" providerId="LiveId" clId="{C6873D3A-5142-4B27-9846-7DCB74605CCD}" dt="2020-06-29T12:06:07.388" v="12688"/>
         <pc:sldMkLst>
           <pc:docMk/>
           <pc:sldMk cId="942447283" sldId="312"/>
@@ -9322,7 +9354,7 @@
           <a:p>
             <a:fld id="{648224E9-0BB2-4646-9AE5-CD7A1B5C2C89}" type="datetimeFigureOut">
               <a:rPr lang="en-GB" smtClean="0"/>
-              <a:t>28/06/2020</a:t>
+              <a:t>29/06/2020</a:t>
             </a:fld>
             <a:endParaRPr lang="en-GB"/>
           </a:p>
@@ -11340,7 +11372,7 @@
           <a:p>
             <a:fld id="{DA5AD436-A087-4A72-A71C-DCC7BC3259CA}" type="datetimeFigureOut">
               <a:rPr lang="en-GB" smtClean="0"/>
-              <a:t>28/06/2020</a:t>
+              <a:t>29/06/2020</a:t>
             </a:fld>
             <a:endParaRPr lang="en-GB"/>
           </a:p>
@@ -11615,7 +11647,7 @@
           <a:p>
             <a:fld id="{DA5AD436-A087-4A72-A71C-DCC7BC3259CA}" type="datetimeFigureOut">
               <a:rPr lang="en-GB" smtClean="0"/>
-              <a:t>28/06/2020</a:t>
+              <a:t>29/06/2020</a:t>
             </a:fld>
             <a:endParaRPr lang="en-GB"/>
           </a:p>
@@ -11809,7 +11841,7 @@
           <a:p>
             <a:fld id="{DA5AD436-A087-4A72-A71C-DCC7BC3259CA}" type="datetimeFigureOut">
               <a:rPr lang="en-GB" smtClean="0"/>
-              <a:t>28/06/2020</a:t>
+              <a:t>29/06/2020</a:t>
             </a:fld>
             <a:endParaRPr lang="en-GB"/>
           </a:p>
@@ -12082,7 +12114,7 @@
           <a:p>
             <a:fld id="{DA5AD436-A087-4A72-A71C-DCC7BC3259CA}" type="datetimeFigureOut">
               <a:rPr lang="en-GB" smtClean="0"/>
-              <a:t>28/06/2020</a:t>
+              <a:t>29/06/2020</a:t>
             </a:fld>
             <a:endParaRPr lang="en-GB"/>
           </a:p>
@@ -12423,7 +12455,7 @@
           <a:p>
             <a:fld id="{DA5AD436-A087-4A72-A71C-DCC7BC3259CA}" type="datetimeFigureOut">
               <a:rPr lang="en-GB" smtClean="0"/>
-              <a:t>28/06/2020</a:t>
+              <a:t>29/06/2020</a:t>
             </a:fld>
             <a:endParaRPr lang="en-GB"/>
           </a:p>
@@ -13046,7 +13078,7 @@
           <a:p>
             <a:fld id="{DA5AD436-A087-4A72-A71C-DCC7BC3259CA}" type="datetimeFigureOut">
               <a:rPr lang="en-GB" smtClean="0"/>
-              <a:t>28/06/2020</a:t>
+              <a:t>29/06/2020</a:t>
             </a:fld>
             <a:endParaRPr lang="en-GB"/>
           </a:p>
@@ -13906,7 +13938,7 @@
           <a:p>
             <a:fld id="{DA5AD436-A087-4A72-A71C-DCC7BC3259CA}" type="datetimeFigureOut">
               <a:rPr lang="en-GB" smtClean="0"/>
-              <a:t>28/06/2020</a:t>
+              <a:t>29/06/2020</a:t>
             </a:fld>
             <a:endParaRPr lang="en-GB"/>
           </a:p>
@@ -14076,7 +14108,7 @@
           <a:p>
             <a:fld id="{DA5AD436-A087-4A72-A71C-DCC7BC3259CA}" type="datetimeFigureOut">
               <a:rPr lang="en-GB" smtClean="0"/>
-              <a:t>28/06/2020</a:t>
+              <a:t>29/06/2020</a:t>
             </a:fld>
             <a:endParaRPr lang="en-GB"/>
           </a:p>
@@ -14256,7 +14288,7 @@
           <a:p>
             <a:fld id="{DA5AD436-A087-4A72-A71C-DCC7BC3259CA}" type="datetimeFigureOut">
               <a:rPr lang="en-GB" smtClean="0"/>
-              <a:t>28/06/2020</a:t>
+              <a:t>29/06/2020</a:t>
             </a:fld>
             <a:endParaRPr lang="en-GB"/>
           </a:p>
@@ -14426,7 +14458,7 @@
           <a:p>
             <a:fld id="{DA5AD436-A087-4A72-A71C-DCC7BC3259CA}" type="datetimeFigureOut">
               <a:rPr lang="en-GB" smtClean="0"/>
-              <a:t>28/06/2020</a:t>
+              <a:t>29/06/2020</a:t>
             </a:fld>
             <a:endParaRPr lang="en-GB"/>
           </a:p>
@@ -14673,7 +14705,7 @@
           <a:p>
             <a:fld id="{DA5AD436-A087-4A72-A71C-DCC7BC3259CA}" type="datetimeFigureOut">
               <a:rPr lang="en-GB" smtClean="0"/>
-              <a:t>28/06/2020</a:t>
+              <a:t>29/06/2020</a:t>
             </a:fld>
             <a:endParaRPr lang="en-GB"/>
           </a:p>
@@ -14965,7 +14997,7 @@
           <a:p>
             <a:fld id="{DA5AD436-A087-4A72-A71C-DCC7BC3259CA}" type="datetimeFigureOut">
               <a:rPr lang="en-GB" smtClean="0"/>
-              <a:t>28/06/2020</a:t>
+              <a:t>29/06/2020</a:t>
             </a:fld>
             <a:endParaRPr lang="en-GB"/>
           </a:p>
@@ -15409,7 +15441,7 @@
           <a:p>
             <a:fld id="{DA5AD436-A087-4A72-A71C-DCC7BC3259CA}" type="datetimeFigureOut">
               <a:rPr lang="en-GB" smtClean="0"/>
-              <a:t>28/06/2020</a:t>
+              <a:t>29/06/2020</a:t>
             </a:fld>
             <a:endParaRPr lang="en-GB"/>
           </a:p>
@@ -15527,7 +15559,7 @@
           <a:p>
             <a:fld id="{DA5AD436-A087-4A72-A71C-DCC7BC3259CA}" type="datetimeFigureOut">
               <a:rPr lang="en-GB" smtClean="0"/>
-              <a:t>28/06/2020</a:t>
+              <a:t>29/06/2020</a:t>
             </a:fld>
             <a:endParaRPr lang="en-GB"/>
           </a:p>
@@ -15622,7 +15654,7 @@
           <a:p>
             <a:fld id="{DA5AD436-A087-4A72-A71C-DCC7BC3259CA}" type="datetimeFigureOut">
               <a:rPr lang="en-GB" smtClean="0"/>
-              <a:t>28/06/2020</a:t>
+              <a:t>29/06/2020</a:t>
             </a:fld>
             <a:endParaRPr lang="en-GB"/>
           </a:p>
@@ -15901,7 +15933,7 @@
           <a:p>
             <a:fld id="{DA5AD436-A087-4A72-A71C-DCC7BC3259CA}" type="datetimeFigureOut">
               <a:rPr lang="en-GB" smtClean="0"/>
-              <a:t>28/06/2020</a:t>
+              <a:t>29/06/2020</a:t>
             </a:fld>
             <a:endParaRPr lang="en-GB"/>
           </a:p>
@@ -16176,7 +16208,7 @@
           <a:p>
             <a:fld id="{DA5AD436-A087-4A72-A71C-DCC7BC3259CA}" type="datetimeFigureOut">
               <a:rPr lang="en-GB" smtClean="0"/>
-              <a:t>28/06/2020</a:t>
+              <a:t>29/06/2020</a:t>
             </a:fld>
             <a:endParaRPr lang="en-GB"/>
           </a:p>
@@ -16605,7 +16637,7 @@
           <a:p>
             <a:fld id="{DA5AD436-A087-4A72-A71C-DCC7BC3259CA}" type="datetimeFigureOut">
               <a:rPr lang="en-GB" smtClean="0"/>
-              <a:t>28/06/2020</a:t>
+              <a:t>29/06/2020</a:t>
             </a:fld>
             <a:endParaRPr lang="en-GB"/>
           </a:p>
@@ -24004,7 +24036,7 @@
             </a:pPr>
             <a:r>
               <a:rPr lang="en-GB" sz="2400" dirty="0"/>
-              <a:t>KEGG (2019)</a:t>
+              <a:t>Selection criteria: p &lt; 0.05</a:t>
             </a:r>
           </a:p>
         </p:txBody>
@@ -25703,9 +25735,6 @@
                     <p:cTn id="3" fill="hold">
                       <p:stCondLst>
                         <p:cond delay="indefinite"/>
-                        <p:cond evt="onBegin" delay="0">
-                          <p:tn val="2"/>
-                        </p:cond>
                       </p:stCondLst>
                       <p:childTnLst>
                         <p:par>
@@ -25715,7 +25744,7 @@
                             </p:stCondLst>
                             <p:childTnLst>
                               <p:par>
-                                <p:cTn id="5" presetID="1" presetClass="entr" presetSubtype="0" fill="hold" nodeType="withEffect">
+                                <p:cTn id="5" presetID="1" presetClass="entr" presetSubtype="0" fill="hold" nodeType="clickEffect">
                                   <p:stCondLst>
                                     <p:cond delay="0"/>
                                   </p:stCondLst>
@@ -25728,7 +25757,7 @@
                                           </p:stCondLst>
                                         </p:cTn>
                                         <p:tgtEl>
-                                          <p:spTgt spid="25"/>
+                                          <p:spTgt spid="15"/>
                                         </p:tgtEl>
                                         <p:attrNameLst>
                                           <p:attrName>style.visibility</p:attrName>
@@ -25755,7 +25784,7 @@
                                           </p:stCondLst>
                                         </p:cTn>
                                         <p:tgtEl>
-                                          <p:spTgt spid="23"/>
+                                          <p:spTgt spid="17"/>
                                         </p:tgtEl>
                                         <p:attrNameLst>
                                           <p:attrName>style.visibility</p:attrName>
@@ -25782,7 +25811,7 @@
                                           </p:stCondLst>
                                         </p:cTn>
                                         <p:tgtEl>
-                                          <p:spTgt spid="19"/>
+                                          <p:spTgt spid="18"/>
                                         </p:tgtEl>
                                         <p:attrNameLst>
                                           <p:attrName>style.visibility</p:attrName>
@@ -25809,7 +25838,7 @@
                                           </p:stCondLst>
                                         </p:cTn>
                                         <p:tgtEl>
-                                          <p:spTgt spid="21"/>
+                                          <p:spTgt spid="19"/>
                                         </p:tgtEl>
                                         <p:attrNameLst>
                                           <p:attrName>style.visibility</p:attrName>
@@ -25836,7 +25865,7 @@
                                           </p:stCondLst>
                                         </p:cTn>
                                         <p:tgtEl>
-                                          <p:spTgt spid="18"/>
+                                          <p:spTgt spid="21"/>
                                         </p:tgtEl>
                                         <p:attrNameLst>
                                           <p:attrName>style.visibility</p:attrName>
@@ -25863,7 +25892,7 @@
                                           </p:stCondLst>
                                         </p:cTn>
                                         <p:tgtEl>
-                                          <p:spTgt spid="17"/>
+                                          <p:spTgt spid="23"/>
                                         </p:tgtEl>
                                         <p:attrNameLst>
                                           <p:attrName>style.visibility</p:attrName>
@@ -25890,7 +25919,7 @@
                                           </p:stCondLst>
                                         </p:cTn>
                                         <p:tgtEl>
-                                          <p:spTgt spid="15"/>
+                                          <p:spTgt spid="25"/>
                                         </p:tgtEl>
                                         <p:attrNameLst>
                                           <p:attrName>style.visibility</p:attrName>
@@ -25917,7 +25946,7 @@
                                           </p:stCondLst>
                                         </p:cTn>
                                         <p:tgtEl>
-                                          <p:spTgt spid="28"/>
+                                          <p:spTgt spid="36"/>
                                         </p:tgtEl>
                                         <p:attrNameLst>
                                           <p:attrName>style.visibility</p:attrName>
@@ -25944,7 +25973,7 @@
                                           </p:stCondLst>
                                         </p:cTn>
                                         <p:tgtEl>
-                                          <p:spTgt spid="31"/>
+                                          <p:spTgt spid="33"/>
                                         </p:tgtEl>
                                         <p:attrNameLst>
                                           <p:attrName>style.visibility</p:attrName>
@@ -25971,7 +26000,7 @@
                                           </p:stCondLst>
                                         </p:cTn>
                                         <p:tgtEl>
-                                          <p:spTgt spid="33"/>
+                                          <p:spTgt spid="31"/>
                                         </p:tgtEl>
                                         <p:attrNameLst>
                                           <p:attrName>style.visibility</p:attrName>
@@ -25998,7 +26027,7 @@
                                           </p:stCondLst>
                                         </p:cTn>
                                         <p:tgtEl>
-                                          <p:spTgt spid="36"/>
+                                          <p:spTgt spid="28"/>
                                         </p:tgtEl>
                                         <p:attrNameLst>
                                           <p:attrName>style.visibility</p:attrName>
@@ -31349,39 +31378,21 @@
                                   </p:childTnLst>
                                 </p:cTn>
                               </p:par>
-                            </p:childTnLst>
-                          </p:cTn>
-                        </p:par>
-                      </p:childTnLst>
-                    </p:cTn>
-                  </p:par>
-                  <p:par>
-                    <p:cTn id="9" fill="hold">
-                      <p:stCondLst>
-                        <p:cond delay="indefinite"/>
-                      </p:stCondLst>
-                      <p:childTnLst>
-                        <p:par>
-                          <p:cTn id="10" fill="hold">
-                            <p:stCondLst>
-                              <p:cond delay="0"/>
-                            </p:stCondLst>
-                            <p:childTnLst>
                               <p:par>
-                                <p:cTn id="11" presetID="1" presetClass="entr" presetSubtype="0" fill="hold" grpId="0" nodeType="clickEffect">
+                                <p:cTn id="9" presetID="1" presetClass="entr" presetSubtype="0" fill="hold" grpId="0" nodeType="withEffect">
                                   <p:stCondLst>
                                     <p:cond delay="0"/>
                                   </p:stCondLst>
                                   <p:childTnLst>
                                     <p:set>
                                       <p:cBhvr>
-                                        <p:cTn id="12" dur="1" fill="hold">
+                                        <p:cTn id="10" dur="1" fill="hold">
                                           <p:stCondLst>
                                             <p:cond delay="0"/>
                                           </p:stCondLst>
                                         </p:cTn>
                                         <p:tgtEl>
-                                          <p:spTgt spid="8"/>
+                                          <p:spTgt spid="12"/>
                                         </p:tgtEl>
                                         <p:attrNameLst>
                                           <p:attrName>style.visibility</p:attrName>
@@ -31401,32 +31412,32 @@
                     </p:cTn>
                   </p:par>
                   <p:par>
-                    <p:cTn id="13" fill="hold">
+                    <p:cTn id="11" fill="hold">
                       <p:stCondLst>
                         <p:cond delay="indefinite"/>
                       </p:stCondLst>
                       <p:childTnLst>
                         <p:par>
-                          <p:cTn id="14" fill="hold">
+                          <p:cTn id="12" fill="hold">
                             <p:stCondLst>
                               <p:cond delay="0"/>
                             </p:stCondLst>
                             <p:childTnLst>
                               <p:par>
-                                <p:cTn id="15" presetID="1" presetClass="entr" presetSubtype="0" fill="hold" grpId="0" nodeType="clickEffect">
+                                <p:cTn id="13" presetID="1" presetClass="entr" presetSubtype="0" fill="hold" grpId="0" nodeType="clickEffect">
                                   <p:stCondLst>
                                     <p:cond delay="0"/>
                                   </p:stCondLst>
                                   <p:childTnLst>
                                     <p:set>
                                       <p:cBhvr>
-                                        <p:cTn id="16" dur="1" fill="hold">
+                                        <p:cTn id="14" dur="1" fill="hold">
                                           <p:stCondLst>
                                             <p:cond delay="0"/>
                                           </p:stCondLst>
                                         </p:cTn>
                                         <p:tgtEl>
-                                          <p:spTgt spid="14"/>
+                                          <p:spTgt spid="8"/>
                                         </p:tgtEl>
                                         <p:attrNameLst>
                                           <p:attrName>style.visibility</p:attrName>
@@ -31440,20 +31451,20 @@
                                 </p:cTn>
                               </p:par>
                               <p:par>
-                                <p:cTn id="17" presetID="1" presetClass="entr" presetSubtype="0" fill="hold" grpId="0" nodeType="withEffect">
+                                <p:cTn id="15" presetID="1" presetClass="entr" presetSubtype="0" fill="hold" grpId="0" nodeType="withEffect">
                                   <p:stCondLst>
                                     <p:cond delay="0"/>
                                   </p:stCondLst>
                                   <p:childTnLst>
                                     <p:set>
                                       <p:cBhvr>
-                                        <p:cTn id="18" dur="1" fill="hold">
+                                        <p:cTn id="16" dur="1" fill="hold">
                                           <p:stCondLst>
                                             <p:cond delay="0"/>
                                           </p:stCondLst>
                                         </p:cTn>
                                         <p:tgtEl>
-                                          <p:spTgt spid="13"/>
+                                          <p:spTgt spid="23"/>
                                         </p:tgtEl>
                                         <p:attrNameLst>
                                           <p:attrName>style.visibility</p:attrName>
@@ -31473,19 +31484,46 @@
                     </p:cTn>
                   </p:par>
                   <p:par>
-                    <p:cTn id="19" fill="hold">
+                    <p:cTn id="17" fill="hold">
                       <p:stCondLst>
                         <p:cond delay="indefinite"/>
                       </p:stCondLst>
                       <p:childTnLst>
                         <p:par>
-                          <p:cTn id="20" fill="hold">
+                          <p:cTn id="18" fill="hold">
                             <p:stCondLst>
                               <p:cond delay="0"/>
                             </p:stCondLst>
                             <p:childTnLst>
                               <p:par>
-                                <p:cTn id="21" presetID="1" presetClass="entr" presetSubtype="0" fill="hold" grpId="0" nodeType="clickEffect">
+                                <p:cTn id="19" presetID="1" presetClass="entr" presetSubtype="0" fill="hold" grpId="0" nodeType="clickEffect">
+                                  <p:stCondLst>
+                                    <p:cond delay="0"/>
+                                  </p:stCondLst>
+                                  <p:childTnLst>
+                                    <p:set>
+                                      <p:cBhvr>
+                                        <p:cTn id="20" dur="1" fill="hold">
+                                          <p:stCondLst>
+                                            <p:cond delay="0"/>
+                                          </p:stCondLst>
+                                        </p:cTn>
+                                        <p:tgtEl>
+                                          <p:spTgt spid="13"/>
+                                        </p:tgtEl>
+                                        <p:attrNameLst>
+                                          <p:attrName>style.visibility</p:attrName>
+                                        </p:attrNameLst>
+                                      </p:cBhvr>
+                                      <p:to>
+                                        <p:strVal val="visible"/>
+                                      </p:to>
+                                    </p:set>
+                                  </p:childTnLst>
+                                </p:cTn>
+                              </p:par>
+                              <p:par>
+                                <p:cTn id="21" presetID="1" presetClass="entr" presetSubtype="0" fill="hold" grpId="0" nodeType="withEffect">
                                   <p:stCondLst>
                                     <p:cond delay="0"/>
                                   </p:stCondLst>
@@ -31493,6 +31531,51 @@
                                     <p:set>
                                       <p:cBhvr>
                                         <p:cTn id="22" dur="1" fill="hold">
+                                          <p:stCondLst>
+                                            <p:cond delay="0"/>
+                                          </p:stCondLst>
+                                        </p:cTn>
+                                        <p:tgtEl>
+                                          <p:spTgt spid="14"/>
+                                        </p:tgtEl>
+                                        <p:attrNameLst>
+                                          <p:attrName>style.visibility</p:attrName>
+                                        </p:attrNameLst>
+                                      </p:cBhvr>
+                                      <p:to>
+                                        <p:strVal val="visible"/>
+                                      </p:to>
+                                    </p:set>
+                                  </p:childTnLst>
+                                </p:cTn>
+                              </p:par>
+                            </p:childTnLst>
+                          </p:cTn>
+                        </p:par>
+                      </p:childTnLst>
+                    </p:cTn>
+                  </p:par>
+                  <p:par>
+                    <p:cTn id="23" fill="hold">
+                      <p:stCondLst>
+                        <p:cond delay="indefinite"/>
+                      </p:stCondLst>
+                      <p:childTnLst>
+                        <p:par>
+                          <p:cTn id="24" fill="hold">
+                            <p:stCondLst>
+                              <p:cond delay="0"/>
+                            </p:stCondLst>
+                            <p:childTnLst>
+                              <p:par>
+                                <p:cTn id="25" presetID="1" presetClass="entr" presetSubtype="0" fill="hold" grpId="0" nodeType="clickEffect">
+                                  <p:stCondLst>
+                                    <p:cond delay="0"/>
+                                  </p:stCondLst>
+                                  <p:childTnLst>
+                                    <p:set>
+                                      <p:cBhvr>
+                                        <p:cTn id="26" dur="1" fill="hold">
                                           <p:stCondLst>
                                             <p:cond delay="0"/>
                                           </p:stCondLst>
@@ -31545,6 +31628,8 @@
       <p:bldP spid="8" grpId="0" animBg="1"/>
       <p:bldP spid="17" grpId="0" animBg="1"/>
       <p:bldP spid="18" grpId="0" animBg="1"/>
+      <p:bldP spid="12" grpId="0"/>
+      <p:bldP spid="23" grpId="0"/>
     </p:bldLst>
   </p:timing>
 </p:sld>
@@ -33249,6 +33334,146 @@
             <a:r>
               <a:rPr lang="en-GB" sz="1800" dirty="0"/>
               <a:t>23 proteins with significantly different abundance in IR</a:t>
+            </a:r>
+          </a:p>
+        </p:txBody>
+      </p:sp>
+      <p:sp>
+        <p:nvSpPr>
+          <p:cNvPr id="19" name="Rectangle 18">
+            <a:extLst>
+              <a:ext uri="{FF2B5EF4-FFF2-40B4-BE49-F238E27FC236}">
+                <a16:creationId xmlns:a16="http://schemas.microsoft.com/office/drawing/2014/main" id="{57AE869A-A070-44E0-B1A3-0A63F22A8693}"/>
+              </a:ext>
+            </a:extLst>
+          </p:cNvPr>
+          <p:cNvSpPr/>
+          <p:nvPr/>
+        </p:nvSpPr>
+        <p:spPr>
+          <a:xfrm>
+            <a:off x="731609" y="1589441"/>
+            <a:ext cx="9835963" cy="4664949"/>
+          </a:xfrm>
+          <a:prstGeom prst="rect">
+            <a:avLst/>
+          </a:prstGeom>
+          <a:solidFill>
+            <a:schemeClr val="bg2"/>
+          </a:solidFill>
+          <a:ln>
+            <a:noFill/>
+          </a:ln>
+        </p:spPr>
+        <p:style>
+          <a:lnRef idx="2">
+            <a:schemeClr val="accent1">
+              <a:shade val="50000"/>
+            </a:schemeClr>
+          </a:lnRef>
+          <a:fillRef idx="1">
+            <a:schemeClr val="accent1"/>
+          </a:fillRef>
+          <a:effectRef idx="0">
+            <a:schemeClr val="accent1"/>
+          </a:effectRef>
+          <a:fontRef idx="minor">
+            <a:schemeClr val="lt1"/>
+          </a:fontRef>
+        </p:style>
+        <p:txBody>
+          <a:bodyPr rtlCol="0" anchor="ctr"/>
+          <a:lstStyle/>
+          <a:p>
+            <a:pPr algn="ctr"/>
+            <a:endParaRPr lang="en-GB" u="sng"/>
+          </a:p>
+        </p:txBody>
+      </p:sp>
+      <p:sp>
+        <p:nvSpPr>
+          <p:cNvPr id="8" name="Rectangle 7">
+            <a:extLst>
+              <a:ext uri="{FF2B5EF4-FFF2-40B4-BE49-F238E27FC236}">
+                <a16:creationId xmlns:a16="http://schemas.microsoft.com/office/drawing/2014/main" id="{AD73161F-CA3A-4F12-B782-C3C5BDB58C33}"/>
+              </a:ext>
+            </a:extLst>
+          </p:cNvPr>
+          <p:cNvSpPr/>
+          <p:nvPr/>
+        </p:nvSpPr>
+        <p:spPr>
+          <a:xfrm>
+            <a:off x="3446960" y="4555207"/>
+            <a:ext cx="4538649" cy="383706"/>
+          </a:xfrm>
+          <a:prstGeom prst="rect">
+            <a:avLst/>
+          </a:prstGeom>
+          <a:solidFill>
+            <a:srgbClr val="72AF2F"/>
+          </a:solidFill>
+          <a:ln>
+            <a:noFill/>
+          </a:ln>
+        </p:spPr>
+        <p:style>
+          <a:lnRef idx="2">
+            <a:schemeClr val="accent1">
+              <a:shade val="50000"/>
+            </a:schemeClr>
+          </a:lnRef>
+          <a:fillRef idx="1">
+            <a:schemeClr val="accent1"/>
+          </a:fillRef>
+          <a:effectRef idx="0">
+            <a:schemeClr val="accent1"/>
+          </a:effectRef>
+          <a:fontRef idx="minor">
+            <a:schemeClr val="lt1"/>
+          </a:fontRef>
+        </p:style>
+        <p:txBody>
+          <a:bodyPr rtlCol="0" anchor="ctr"/>
+          <a:lstStyle/>
+          <a:p>
+            <a:pPr algn="ctr"/>
+            <a:endParaRPr lang="en-GB" dirty="0"/>
+          </a:p>
+        </p:txBody>
+      </p:sp>
+      <p:sp>
+        <p:nvSpPr>
+          <p:cNvPr id="5" name="TextBox 4">
+            <a:extLst>
+              <a:ext uri="{FF2B5EF4-FFF2-40B4-BE49-F238E27FC236}">
+                <a16:creationId xmlns:a16="http://schemas.microsoft.com/office/drawing/2014/main" id="{69AEF390-CEA8-4D99-B65B-F39D4C4F9F19}"/>
+              </a:ext>
+            </a:extLst>
+          </p:cNvPr>
+          <p:cNvSpPr txBox="1"/>
+          <p:nvPr/>
+        </p:nvSpPr>
+        <p:spPr>
+          <a:xfrm>
+            <a:off x="1977042" y="3048395"/>
+            <a:ext cx="7478485" cy="1938992"/>
+          </a:xfrm>
+          <a:prstGeom prst="rect">
+            <a:avLst/>
+          </a:prstGeom>
+          <a:noFill/>
+        </p:spPr>
+        <p:txBody>
+          <a:bodyPr wrap="square" rtlCol="0">
+            <a:spAutoFit/>
+          </a:bodyPr>
+          <a:lstStyle/>
+          <a:p>
+            <a:pPr algn="ctr"/>
+            <a:r>
+              <a:rPr lang="en-GB" sz="2400" dirty="0"/>
+              <a:t>Although unable to soundly conclude the biological implications of the observed changes, this study can still be used to target future research towards the identification of preventative strategies for T2D</a:t>
             </a:r>
           </a:p>
         </p:txBody>
@@ -33635,6 +33860,105 @@
                       </p:childTnLst>
                     </p:cTn>
                   </p:par>
+                  <p:par>
+                    <p:cTn id="33" fill="hold">
+                      <p:stCondLst>
+                        <p:cond delay="indefinite"/>
+                      </p:stCondLst>
+                      <p:childTnLst>
+                        <p:par>
+                          <p:cTn id="34" fill="hold">
+                            <p:stCondLst>
+                              <p:cond delay="0"/>
+                            </p:stCondLst>
+                            <p:childTnLst>
+                              <p:par>
+                                <p:cTn id="35" presetID="1" presetClass="entr" presetSubtype="0" fill="hold" grpId="0" nodeType="clickEffect">
+                                  <p:stCondLst>
+                                    <p:cond delay="0"/>
+                                  </p:stCondLst>
+                                  <p:childTnLst>
+                                    <p:set>
+                                      <p:cBhvr>
+                                        <p:cTn id="36" dur="1" fill="hold">
+                                          <p:stCondLst>
+                                            <p:cond delay="0"/>
+                                          </p:stCondLst>
+                                        </p:cTn>
+                                        <p:tgtEl>
+                                          <p:spTgt spid="19"/>
+                                        </p:tgtEl>
+                                        <p:attrNameLst>
+                                          <p:attrName>style.visibility</p:attrName>
+                                        </p:attrNameLst>
+                                      </p:cBhvr>
+                                      <p:to>
+                                        <p:strVal val="visible"/>
+                                      </p:to>
+                                    </p:set>
+                                  </p:childTnLst>
+                                </p:cTn>
+                              </p:par>
+                              <p:par>
+                                <p:cTn id="37" presetID="1" presetClass="entr" presetSubtype="0" fill="hold" grpId="0" nodeType="withEffect">
+                                  <p:stCondLst>
+                                    <p:cond delay="0"/>
+                                  </p:stCondLst>
+                                  <p:childTnLst>
+                                    <p:set>
+                                      <p:cBhvr>
+                                        <p:cTn id="38" dur="1" fill="hold">
+                                          <p:stCondLst>
+                                            <p:cond delay="0"/>
+                                          </p:stCondLst>
+                                        </p:cTn>
+                                        <p:tgtEl>
+                                          <p:spTgt spid="5"/>
+                                        </p:tgtEl>
+                                        <p:attrNameLst>
+                                          <p:attrName>style.visibility</p:attrName>
+                                        </p:attrNameLst>
+                                      </p:cBhvr>
+                                      <p:to>
+                                        <p:strVal val="visible"/>
+                                      </p:to>
+                                    </p:set>
+                                  </p:childTnLst>
+                                </p:cTn>
+                              </p:par>
+                              <p:par>
+                                <p:cTn id="39" presetID="1" presetClass="entr" presetSubtype="0" fill="hold" grpId="0" nodeType="withEffect">
+                                  <p:stCondLst>
+                                    <p:cond delay="0"/>
+                                  </p:stCondLst>
+                                  <p:childTnLst>
+                                    <p:set>
+                                      <p:cBhvr>
+                                        <p:cTn id="40" dur="1" fill="hold">
+                                          <p:stCondLst>
+                                            <p:cond delay="0"/>
+                                          </p:stCondLst>
+                                        </p:cTn>
+                                        <p:tgtEl>
+                                          <p:spTgt spid="8"/>
+                                        </p:tgtEl>
+                                        <p:attrNameLst>
+                                          <p:attrName>style.visibility</p:attrName>
+                                        </p:attrNameLst>
+                                      </p:cBhvr>
+                                      <p:to>
+                                        <p:strVal val="visible"/>
+                                      </p:to>
+                                    </p:set>
+                                  </p:childTnLst>
+                                </p:cTn>
+                              </p:par>
+                            </p:childTnLst>
+                          </p:cTn>
+                        </p:par>
+                      </p:childTnLst>
+                    </p:cTn>
+                  </p:par>
                 </p:childTnLst>
               </p:cTn>
               <p:prevCondLst>
@@ -33667,6 +33991,9 @@
       <p:bldP spid="26" grpId="0"/>
       <p:bldP spid="29" grpId="0" animBg="1"/>
       <p:bldP spid="28" grpId="0"/>
+      <p:bldP spid="19" grpId="0" animBg="1"/>
+      <p:bldP spid="8" grpId="0" animBg="1"/>
+      <p:bldP spid="5" grpId="0"/>
     </p:bldLst>
   </p:timing>
 </p:sld>
@@ -33951,50 +34278,43 @@
               <a:buAutoNum type="arabicPeriod"/>
             </a:pPr>
             <a:r>
+              <a:rPr lang="en-GB" sz="1600" dirty="0">
+                <a:latin typeface="+mn-lt"/>
+              </a:rPr>
+              <a:t>Sears DD, Hsiao G, Hsiao A, Yu JG, Courtney CH, </a:t>
+            </a:r>
+            <a:r>
+              <a:rPr lang="en-GB" sz="1600" dirty="0" err="1">
+                <a:latin typeface="+mn-lt"/>
+              </a:rPr>
+              <a:t>Ofrecio</a:t>
+            </a:r>
+            <a:r>
+              <a:rPr lang="en-GB" sz="1600" dirty="0">
+                <a:latin typeface="+mn-lt"/>
+              </a:rPr>
+              <a:t> JM, Chapman J, Subramaniam S. Mechanisms of human insulin resistance and thiazolidinedione-mediated insulin sensitization. Proceedings of the National Academy of Sciences. 2009 Nov 3;106(44):18745-50.</a:t>
+            </a:r>
+          </a:p>
+          <a:p>
+            <a:pPr>
+              <a:buFont typeface="+mj-lt"/>
+              <a:buAutoNum type="arabicPeriod"/>
+            </a:pPr>
+            <a:r>
               <a:rPr lang="en-GB" sz="1600" b="0" i="0" dirty="0" err="1">
                 <a:effectLst/>
                 <a:latin typeface="+mn-lt"/>
               </a:rPr>
-              <a:t>Pinney</a:t>
+              <a:t>Komurcu-Bayrak</a:t>
             </a:r>
             <a:r>
               <a:rPr lang="en-GB" sz="1600" b="0" i="0" dirty="0">
                 <a:effectLst/>
                 <a:latin typeface="+mn-lt"/>
               </a:rPr>
-              <a:t> SE, Simmons RA. Epigenetic mechanisms in the development of type 2 diabetes. Trends in Endocrinology &amp; Metabolism. 2010 Apr 1;21(4):223-9.</a:t>
-            </a:r>
-            <a:endParaRPr lang="en-GB" sz="1600" dirty="0">
-              <a:latin typeface="+mn-lt"/>
-            </a:endParaRPr>
-          </a:p>
-          <a:p>
-            <a:pPr>
-              <a:buFont typeface="+mj-lt"/>
-              <a:buAutoNum type="arabicPeriod"/>
-            </a:pPr>
-            <a:r>
-              <a:rPr lang="en-GB" sz="1600" dirty="0">
-                <a:latin typeface="+mn-lt"/>
-              </a:rPr>
-              <a:t>Sears DD, Hsiao G, Hsiao A, Yu JG, Courtney CH, </a:t>
-            </a:r>
-            <a:r>
-              <a:rPr lang="en-GB" sz="1600" dirty="0" err="1">
-                <a:latin typeface="+mn-lt"/>
-              </a:rPr>
-              <a:t>Ofrecio</a:t>
-            </a:r>
-            <a:r>
-              <a:rPr lang="en-GB" sz="1600" dirty="0">
-                <a:latin typeface="+mn-lt"/>
-              </a:rPr>
-              <a:t> JM, Chapman J, Subramaniam S. Mechanisms of human insulin resistance and thiazolidinedione-mediated insulin sensitization. Proceedings of the National Academy of Sciences. 2009 Nov 3;106(44):18745-50.</a:t>
-            </a:r>
-            <a:endParaRPr lang="en-GB" sz="1600" b="0" i="0" dirty="0">
-              <a:effectLst/>
-              <a:latin typeface="+mn-lt"/>
-            </a:endParaRPr>
+              <a:t> E. Impact of genetic polymorphisms on insulin resistance. Insulin resistance. 2012 Dec 12.</a:t>
+            </a:r>
           </a:p>
           <a:p>
             <a:pPr>
@@ -40681,8 +41001,8 @@
           </a:p>
         </p:txBody>
       </p:sp>
-      <mc:AlternateContent xmlns:mc="http://schemas.openxmlformats.org/markup-compatibility/2006">
-        <mc:Choice xmlns:a14="http://schemas.microsoft.com/office/drawing/2010/main" Requires="a14">
+      <mc:AlternateContent xmlns:mc="http://schemas.openxmlformats.org/markup-compatibility/2006" xmlns:a14="http://schemas.microsoft.com/office/drawing/2010/main">
+        <mc:Choice Requires="a14">
           <p:sp>
             <p:nvSpPr>
               <p:cNvPr id="16" name="Rectangle 15">
@@ -40728,7 +41048,7 @@
             </p:txBody>
           </p:sp>
         </mc:Choice>
-        <mc:Fallback>
+        <mc:Fallback xmlns="">
           <p:sp>
             <p:nvSpPr>
               <p:cNvPr id="16" name="Rectangle 15">
@@ -41248,7 +41568,7 @@
           <a:p>
             <a:r>
               <a:rPr lang="en-GB" dirty="0"/>
-              <a:t>Epigenetic </a:t>
+              <a:t>Genetic </a:t>
             </a:r>
           </a:p>
           <a:p>

--- a/Final Presentation.pptx
+++ b/Final Presentation.pptx
@@ -5,7 +5,7 @@
     <p:sldMasterId id="2147483869" r:id="rId1"/>
   </p:sldMasterIdLst>
   <p:notesMasterIdLst>
-    <p:notesMasterId r:id="rId31"/>
+    <p:notesMasterId r:id="rId32"/>
   </p:notesMasterIdLst>
   <p:sldIdLst>
     <p:sldId id="259" r:id="rId2"/>
@@ -30,13 +30,14 @@
     <p:sldId id="316" r:id="rId21"/>
     <p:sldId id="312" r:id="rId22"/>
     <p:sldId id="270" r:id="rId23"/>
-    <p:sldId id="293" r:id="rId24"/>
-    <p:sldId id="308" r:id="rId25"/>
-    <p:sldId id="309" r:id="rId26"/>
-    <p:sldId id="315" r:id="rId27"/>
-    <p:sldId id="304" r:id="rId28"/>
-    <p:sldId id="282" r:id="rId29"/>
-    <p:sldId id="271" r:id="rId30"/>
+    <p:sldId id="318" r:id="rId24"/>
+    <p:sldId id="293" r:id="rId25"/>
+    <p:sldId id="308" r:id="rId26"/>
+    <p:sldId id="309" r:id="rId27"/>
+    <p:sldId id="315" r:id="rId28"/>
+    <p:sldId id="304" r:id="rId29"/>
+    <p:sldId id="282" r:id="rId30"/>
+    <p:sldId id="271" r:id="rId31"/>
   </p:sldIdLst>
   <p:sldSz cx="12192000" cy="6858000"/>
   <p:notesSz cx="6858000" cy="9144000"/>
@@ -158,7 +159,7 @@
 <file path=ppt/revisionInfo.xml><?xml version="1.0" encoding="utf-8"?>
 <p1510:revInfo xmlns:a="http://schemas.openxmlformats.org/drawingml/2006/main" xmlns:r="http://schemas.openxmlformats.org/officeDocument/2006/relationships" xmlns:p1510="http://schemas.microsoft.com/office/powerpoint/2015/10/main">
   <p1510:revLst>
-    <p1510:client id="{C6873D3A-5142-4B27-9846-7DCB74605CCD}" v="4040" dt="2020-06-29T15:06:38.968"/>
+    <p1510:client id="{C6873D3A-5142-4B27-9846-7DCB74605CCD}" v="4061" dt="2020-06-30T11:58:33.300"/>
   </p1510:revLst>
 </p1510:revInfo>
 </file>
@@ -4946,7 +4947,7 @@
   <pc:docChgLst>
     <pc:chgData name="Sabrina De Oliveira" userId="34420f5773a88cdb" providerId="LiveId" clId="{C6873D3A-5142-4B27-9846-7DCB74605CCD}"/>
     <pc:docChg chg="undo redo custSel mod addSld delSld modSld sldOrd">
-      <pc:chgData name="Sabrina De Oliveira" userId="34420f5773a88cdb" providerId="LiveId" clId="{C6873D3A-5142-4B27-9846-7DCB74605CCD}" dt="2020-06-29T15:07:07.210" v="12717" actId="27636"/>
+      <pc:chgData name="Sabrina De Oliveira" userId="34420f5773a88cdb" providerId="LiveId" clId="{C6873D3A-5142-4B27-9846-7DCB74605CCD}" dt="2020-06-30T11:58:33.300" v="12825" actId="20577"/>
       <pc:docMkLst>
         <pc:docMk/>
       </pc:docMkLst>
@@ -5027,8 +5028,8 @@
           </ac:spMkLst>
         </pc:spChg>
       </pc:sldChg>
-      <pc:sldChg chg="addSp delSp modSp mod delAnim modAnim">
-        <pc:chgData name="Sabrina De Oliveira" userId="34420f5773a88cdb" providerId="LiveId" clId="{C6873D3A-5142-4B27-9846-7DCB74605CCD}" dt="2020-06-28T09:37:04.083" v="12321" actId="20577"/>
+      <pc:sldChg chg="addSp delSp modSp mod delAnim modAnim modNotesTx">
+        <pc:chgData name="Sabrina De Oliveira" userId="34420f5773a88cdb" providerId="LiveId" clId="{C6873D3A-5142-4B27-9846-7DCB74605CCD}" dt="2020-06-30T10:42:23.679" v="12823"/>
         <pc:sldMkLst>
           <pc:docMk/>
           <pc:sldMk cId="708108488" sldId="261"/>
@@ -5366,7 +5367,7 @@
         </pc:sldMkLst>
       </pc:sldChg>
       <pc:sldChg chg="addSp delSp modSp mod modClrScheme modAnim chgLayout">
-        <pc:chgData name="Sabrina De Oliveira" userId="34420f5773a88cdb" providerId="LiveId" clId="{C6873D3A-5142-4B27-9846-7DCB74605CCD}" dt="2020-06-29T12:02:22.319" v="12674" actId="171"/>
+        <pc:chgData name="Sabrina De Oliveira" userId="34420f5773a88cdb" providerId="LiveId" clId="{C6873D3A-5142-4B27-9846-7DCB74605CCD}" dt="2020-06-30T08:46:07.032" v="12754" actId="20577"/>
         <pc:sldMkLst>
           <pc:docMk/>
           <pc:sldMk cId="1322306824" sldId="270"/>
@@ -5396,7 +5397,7 @@
           </ac:spMkLst>
         </pc:spChg>
         <pc:spChg chg="add mod ord">
-          <ac:chgData name="Sabrina De Oliveira" userId="34420f5773a88cdb" providerId="LiveId" clId="{C6873D3A-5142-4B27-9846-7DCB74605CCD}" dt="2020-06-29T12:02:11.326" v="12672" actId="171"/>
+          <ac:chgData name="Sabrina De Oliveira" userId="34420f5773a88cdb" providerId="LiveId" clId="{C6873D3A-5142-4B27-9846-7DCB74605CCD}" dt="2020-06-30T08:46:07.032" v="12754" actId="20577"/>
           <ac:spMkLst>
             <pc:docMk/>
             <pc:sldMk cId="1322306824" sldId="270"/>
@@ -5731,7 +5732,7 @@
         </pc:picChg>
       </pc:sldChg>
       <pc:sldChg chg="addSp delSp modSp mod addAnim delAnim modAnim">
-        <pc:chgData name="Sabrina De Oliveira" userId="34420f5773a88cdb" providerId="LiveId" clId="{C6873D3A-5142-4B27-9846-7DCB74605CCD}" dt="2020-06-27T13:48:45.333" v="11008" actId="20577"/>
+        <pc:chgData name="Sabrina De Oliveira" userId="34420f5773a88cdb" providerId="LiveId" clId="{C6873D3A-5142-4B27-9846-7DCB74605CCD}" dt="2020-06-30T10:25:13.593" v="12756" actId="207"/>
         <pc:sldMkLst>
           <pc:docMk/>
           <pc:sldMk cId="4262503204" sldId="274"/>
@@ -5758,6 +5759,22 @@
             <pc:docMk/>
             <pc:sldMk cId="4262503204" sldId="274"/>
             <ac:spMk id="10" creationId="{A22357CB-6840-44FE-BF38-B638938C20D4}"/>
+          </ac:spMkLst>
+        </pc:spChg>
+        <pc:spChg chg="mod">
+          <ac:chgData name="Sabrina De Oliveira" userId="34420f5773a88cdb" providerId="LiveId" clId="{C6873D3A-5142-4B27-9846-7DCB74605CCD}" dt="2020-06-30T10:25:08.200" v="12755" actId="207"/>
+          <ac:spMkLst>
+            <pc:docMk/>
+            <pc:sldMk cId="4262503204" sldId="274"/>
+            <ac:spMk id="17" creationId="{A52DB38D-0FE6-47DC-8647-3963E9E71692}"/>
+          </ac:spMkLst>
+        </pc:spChg>
+        <pc:spChg chg="mod">
+          <ac:chgData name="Sabrina De Oliveira" userId="34420f5773a88cdb" providerId="LiveId" clId="{C6873D3A-5142-4B27-9846-7DCB74605CCD}" dt="2020-06-30T10:25:13.593" v="12756" actId="207"/>
+          <ac:spMkLst>
+            <pc:docMk/>
+            <pc:sldMk cId="4262503204" sldId="274"/>
+            <ac:spMk id="18" creationId="{43198365-10C7-48DC-96BE-B69561A9A6D4}"/>
           </ac:spMkLst>
         </pc:spChg>
         <pc:spChg chg="mod">
@@ -6498,8 +6515,8 @@
           </ac:spMkLst>
         </pc:spChg>
       </pc:sldChg>
-      <pc:sldChg chg="addSp delSp modSp add mod delAnim modAnim addCm modCm">
-        <pc:chgData name="Sabrina De Oliveira" userId="34420f5773a88cdb" providerId="LiveId" clId="{C6873D3A-5142-4B27-9846-7DCB74605CCD}" dt="2020-06-29T15:05:10.819" v="12698"/>
+      <pc:sldChg chg="addSp delSp modSp add mod delAnim modAnim addCm modCm modNotesTx">
+        <pc:chgData name="Sabrina De Oliveira" userId="34420f5773a88cdb" providerId="LiveId" clId="{C6873D3A-5142-4B27-9846-7DCB74605CCD}" dt="2020-06-30T10:42:07.932" v="12810" actId="11"/>
         <pc:sldMkLst>
           <pc:docMk/>
           <pc:sldMk cId="3354765331" sldId="296"/>
@@ -6713,8 +6730,8 @@
           </ac:cxnSpMkLst>
         </pc:cxnChg>
       </pc:sldChg>
-      <pc:sldChg chg="addSp delSp modSp add mod delAnim">
-        <pc:chgData name="Sabrina De Oliveira" userId="34420f5773a88cdb" providerId="LiveId" clId="{C6873D3A-5142-4B27-9846-7DCB74605CCD}" dt="2020-06-28T09:24:48.898" v="12212" actId="478"/>
+      <pc:sldChg chg="addSp delSp modSp add mod delAnim modNotesTx">
+        <pc:chgData name="Sabrina De Oliveira" userId="34420f5773a88cdb" providerId="LiveId" clId="{C6873D3A-5142-4B27-9846-7DCB74605CCD}" dt="2020-06-30T10:40:18.982" v="12771"/>
         <pc:sldMkLst>
           <pc:docMk/>
           <pc:sldMk cId="2974230131" sldId="297"/>
@@ -7567,8 +7584,8 @@
           <pc:sldMk cId="2287304236" sldId="306"/>
         </pc:sldMkLst>
       </pc:sldChg>
-      <pc:sldChg chg="addSp delSp modSp add mod modAnim">
-        <pc:chgData name="Sabrina De Oliveira" userId="34420f5773a88cdb" providerId="LiveId" clId="{C6873D3A-5142-4B27-9846-7DCB74605CCD}" dt="2020-06-28T09:21:55.589" v="12192" actId="20577"/>
+      <pc:sldChg chg="addSp delSp modSp add mod modAnim modNotesTx">
+        <pc:chgData name="Sabrina De Oliveira" userId="34420f5773a88cdb" providerId="LiveId" clId="{C6873D3A-5142-4B27-9846-7DCB74605CCD}" dt="2020-06-30T10:41:25.101" v="12803"/>
         <pc:sldMkLst>
           <pc:docMk/>
           <pc:sldMk cId="952963527" sldId="307"/>
@@ -8029,7 +8046,7 @@
         </pc:cxnChg>
       </pc:sldChg>
       <pc:sldChg chg="addSp delSp modSp add mod delAnim modAnim modNotesTx">
-        <pc:chgData name="Sabrina De Oliveira" userId="34420f5773a88cdb" providerId="LiveId" clId="{C6873D3A-5142-4B27-9846-7DCB74605CCD}" dt="2020-06-27T13:24:49.897" v="10936" actId="20577"/>
+        <pc:chgData name="Sabrina De Oliveira" userId="34420f5773a88cdb" providerId="LiveId" clId="{C6873D3A-5142-4B27-9846-7DCB74605CCD}" dt="2020-06-30T11:58:33.300" v="12825" actId="20577"/>
         <pc:sldMkLst>
           <pc:docMk/>
           <pc:sldMk cId="1644186599" sldId="310"/>
@@ -8083,7 +8100,7 @@
           </ac:spMkLst>
         </pc:spChg>
         <pc:spChg chg="add mod">
-          <ac:chgData name="Sabrina De Oliveira" userId="34420f5773a88cdb" providerId="LiveId" clId="{C6873D3A-5142-4B27-9846-7DCB74605CCD}" dt="2020-06-27T13:24:49.897" v="10936" actId="20577"/>
+          <ac:chgData name="Sabrina De Oliveira" userId="34420f5773a88cdb" providerId="LiveId" clId="{C6873D3A-5142-4B27-9846-7DCB74605CCD}" dt="2020-06-30T11:58:33.300" v="12825" actId="20577"/>
           <ac:spMkLst>
             <pc:docMk/>
             <pc:sldMk cId="1644186599" sldId="310"/>
@@ -9242,6 +9259,77 @@
             <ac:picMk id="1028" creationId="{E2E5E1B3-BD51-47DA-8093-C010C4D240F4}"/>
           </ac:picMkLst>
         </pc:picChg>
+      </pc:sldChg>
+      <pc:sldChg chg="addSp delSp modSp new mod modClrScheme chgLayout">
+        <pc:chgData name="Sabrina De Oliveira" userId="34420f5773a88cdb" providerId="LiveId" clId="{C6873D3A-5142-4B27-9846-7DCB74605CCD}" dt="2020-06-30T07:55:33.519" v="12737" actId="1076"/>
+        <pc:sldMkLst>
+          <pc:docMk/>
+          <pc:sldMk cId="3890157553" sldId="318"/>
+        </pc:sldMkLst>
+        <pc:spChg chg="del">
+          <ac:chgData name="Sabrina De Oliveira" userId="34420f5773a88cdb" providerId="LiveId" clId="{C6873D3A-5142-4B27-9846-7DCB74605CCD}" dt="2020-06-30T07:55:02.742" v="12719" actId="700"/>
+          <ac:spMkLst>
+            <pc:docMk/>
+            <pc:sldMk cId="3890157553" sldId="318"/>
+            <ac:spMk id="2" creationId="{E130B5B7-9CBD-4B5C-B8A9-F8C6165972A9}"/>
+          </ac:spMkLst>
+        </pc:spChg>
+        <pc:spChg chg="del">
+          <ac:chgData name="Sabrina De Oliveira" userId="34420f5773a88cdb" providerId="LiveId" clId="{C6873D3A-5142-4B27-9846-7DCB74605CCD}" dt="2020-06-30T07:55:02.742" v="12719" actId="700"/>
+          <ac:spMkLst>
+            <pc:docMk/>
+            <pc:sldMk cId="3890157553" sldId="318"/>
+            <ac:spMk id="3" creationId="{0FF711B5-F9AC-4922-96E5-8592DA76485F}"/>
+          </ac:spMkLst>
+        </pc:spChg>
+        <pc:spChg chg="del">
+          <ac:chgData name="Sabrina De Oliveira" userId="34420f5773a88cdb" providerId="LiveId" clId="{C6873D3A-5142-4B27-9846-7DCB74605CCD}" dt="2020-06-30T07:55:02.742" v="12719" actId="700"/>
+          <ac:spMkLst>
+            <pc:docMk/>
+            <pc:sldMk cId="3890157553" sldId="318"/>
+            <ac:spMk id="4" creationId="{FF8A2044-BD0F-4164-A0AE-E6D34654499A}"/>
+          </ac:spMkLst>
+        </pc:spChg>
+        <pc:spChg chg="del">
+          <ac:chgData name="Sabrina De Oliveira" userId="34420f5773a88cdb" providerId="LiveId" clId="{C6873D3A-5142-4B27-9846-7DCB74605CCD}" dt="2020-06-30T07:55:02.742" v="12719" actId="700"/>
+          <ac:spMkLst>
+            <pc:docMk/>
+            <pc:sldMk cId="3890157553" sldId="318"/>
+            <ac:spMk id="5" creationId="{97061194-63BE-4F19-91F2-91E552E0661D}"/>
+          </ac:spMkLst>
+        </pc:spChg>
+        <pc:spChg chg="del">
+          <ac:chgData name="Sabrina De Oliveira" userId="34420f5773a88cdb" providerId="LiveId" clId="{C6873D3A-5142-4B27-9846-7DCB74605CCD}" dt="2020-06-30T07:55:02.742" v="12719" actId="700"/>
+          <ac:spMkLst>
+            <pc:docMk/>
+            <pc:sldMk cId="3890157553" sldId="318"/>
+            <ac:spMk id="6" creationId="{4EECCB48-3672-49E1-BABC-4AD724CB95BA}"/>
+          </ac:spMkLst>
+        </pc:spChg>
+        <pc:spChg chg="del">
+          <ac:chgData name="Sabrina De Oliveira" userId="34420f5773a88cdb" providerId="LiveId" clId="{C6873D3A-5142-4B27-9846-7DCB74605CCD}" dt="2020-06-30T07:55:02.742" v="12719" actId="700"/>
+          <ac:spMkLst>
+            <pc:docMk/>
+            <pc:sldMk cId="3890157553" sldId="318"/>
+            <ac:spMk id="7" creationId="{7A4C5FF9-A7A0-4A3A-8D8E-7C1C8C25CE52}"/>
+          </ac:spMkLst>
+        </pc:spChg>
+        <pc:spChg chg="del">
+          <ac:chgData name="Sabrina De Oliveira" userId="34420f5773a88cdb" providerId="LiveId" clId="{C6873D3A-5142-4B27-9846-7DCB74605CCD}" dt="2020-06-30T07:55:02.742" v="12719" actId="700"/>
+          <ac:spMkLst>
+            <pc:docMk/>
+            <pc:sldMk cId="3890157553" sldId="318"/>
+            <ac:spMk id="8" creationId="{5564DD40-86EA-4682-9C79-61EA35A7B187}"/>
+          </ac:spMkLst>
+        </pc:spChg>
+        <pc:spChg chg="add mod">
+          <ac:chgData name="Sabrina De Oliveira" userId="34420f5773a88cdb" providerId="LiveId" clId="{C6873D3A-5142-4B27-9846-7DCB74605CCD}" dt="2020-06-30T07:55:33.519" v="12737" actId="1076"/>
+          <ac:spMkLst>
+            <pc:docMk/>
+            <pc:sldMk cId="3890157553" sldId="318"/>
+            <ac:spMk id="9" creationId="{75E747AE-BDDD-4570-BA19-3EA01022BE89}"/>
+          </ac:spMkLst>
+        </pc:spChg>
       </pc:sldChg>
     </pc:docChg>
   </pc:docChgLst>
@@ -9354,7 +9442,7 @@
           <a:p>
             <a:fld id="{648224E9-0BB2-4646-9AE5-CD7A1B5C2C89}" type="datetimeFigureOut">
               <a:rPr lang="en-GB" smtClean="0"/>
-              <a:t>29/06/2020</a:t>
+              <a:t>30/06/2020</a:t>
             </a:fld>
             <a:endParaRPr lang="en-GB"/>
           </a:p>
@@ -9734,6 +9822,96 @@
               <a:t>T2DM is generally believed to develop after the onset of insulin resistance due to the beta cell dysfunction that results from the increased need for insulin secretion. This beta cell dysfunction is especially relevant since no production of new beta cells occurs past the age of 30 in the human pancreas. Hence, insulin resistance is believed to be a critical step in the development of T2DM. For this reason, great efforts are being made in order to investigate factors that influence insulin sensitivity. </a:t>
             </a:r>
           </a:p>
+          <a:p>
+            <a:endParaRPr lang="en-GB" dirty="0"/>
+          </a:p>
+          <a:p>
+            <a:r>
+              <a:rPr lang="en-GB" dirty="0"/>
+              <a:t>References:</a:t>
+            </a:r>
+          </a:p>
+          <a:p>
+            <a:pPr>
+              <a:buFont typeface="+mj-lt"/>
+              <a:buAutoNum type="arabicPeriod"/>
+            </a:pPr>
+            <a:r>
+              <a:rPr lang="en-GB" sz="1200" dirty="0">
+                <a:latin typeface="+mn-lt"/>
+              </a:rPr>
+              <a:t>International Diabetes Federation. </a:t>
+            </a:r>
+            <a:r>
+              <a:rPr lang="en-GB" sz="1200" i="1" dirty="0">
+                <a:latin typeface="+mn-lt"/>
+              </a:rPr>
+              <a:t>IDF Diabetes Atlas, 9th </a:t>
+            </a:r>
+            <a:r>
+              <a:rPr lang="en-GB" sz="1200" i="1" dirty="0" err="1">
+                <a:latin typeface="+mn-lt"/>
+              </a:rPr>
+              <a:t>edn</a:t>
+            </a:r>
+            <a:r>
+              <a:rPr lang="en-GB" sz="1200" i="1" dirty="0">
+                <a:latin typeface="+mn-lt"/>
+              </a:rPr>
+              <a:t>.</a:t>
+            </a:r>
+            <a:r>
+              <a:rPr lang="en-GB" sz="1200" dirty="0">
+                <a:latin typeface="+mn-lt"/>
+              </a:rPr>
+              <a:t> Brussels, Belgium: 2019. Available at: </a:t>
+            </a:r>
+            <a:r>
+              <a:rPr lang="en-GB" sz="1200" dirty="0">
+                <a:latin typeface="+mn-lt"/>
+                <a:hlinkClick r:id="rId5"/>
+              </a:rPr>
+              <a:t>https://www.diabetesatlas.org</a:t>
+            </a:r>
+            <a:endParaRPr lang="en-GB" sz="1200" dirty="0">
+              <a:latin typeface="+mn-lt"/>
+            </a:endParaRPr>
+          </a:p>
+          <a:p>
+            <a:pPr>
+              <a:buFont typeface="+mj-lt"/>
+              <a:buAutoNum type="arabicPeriod"/>
+            </a:pPr>
+            <a:r>
+              <a:rPr lang="en-GB" sz="1200" dirty="0">
+                <a:latin typeface="+mn-lt"/>
+              </a:rPr>
+              <a:t>American Diabetes Association. 2. Classification and diagnosis of diabetes: standards of medical care in diabetes—2019. Diabetes Care. 2019 Jan 1;42(Supplement 1):S13-28</a:t>
+            </a:r>
+          </a:p>
+          <a:p>
+            <a:pPr>
+              <a:buFont typeface="+mj-lt"/>
+              <a:buAutoNum type="arabicPeriod"/>
+            </a:pPr>
+            <a:r>
+              <a:rPr lang="en-GB" sz="1200" b="0" i="0" dirty="0" err="1">
+                <a:effectLst/>
+                <a:latin typeface="+mn-lt"/>
+              </a:rPr>
+              <a:t>Kasuga</a:t>
+            </a:r>
+            <a:r>
+              <a:rPr lang="en-GB" sz="1200" b="0" i="0" dirty="0">
+                <a:effectLst/>
+                <a:latin typeface="+mn-lt"/>
+              </a:rPr>
+              <a:t> M. Insulin resistance and pancreatic β cell failure. The Journal of clinical investigation. 2006 Jul 3;116(7):1756-60.</a:t>
+            </a:r>
+          </a:p>
+          <a:p>
+            <a:endParaRPr lang="en-GB" dirty="0"/>
+          </a:p>
         </p:txBody>
       </p:sp>
       <p:sp>
@@ -9816,10 +9994,7 @@
           <a:bodyPr/>
           <a:lstStyle/>
           <a:p>
-            <a:r>
-              <a:rPr lang="en-GB" dirty="0"/>
-              <a:t>CHECK 15 METABOLITES? WHY NOT 40?</a:t>
-            </a:r>
+            <a:endParaRPr lang="en-GB" dirty="0"/>
           </a:p>
         </p:txBody>
       </p:sp>
@@ -9840,7 +10015,7 @@
           <a:p>
             <a:fld id="{A461424F-0195-4502-BBA8-57027C685AAE}" type="slidenum">
               <a:rPr lang="en-GB" smtClean="0"/>
-              <a:t>16</a:t>
+              <a:t>12</a:t>
             </a:fld>
             <a:endParaRPr lang="en-GB"/>
           </a:p>
@@ -9849,7 +10024,7 @@
     </p:spTree>
     <p:extLst>
       <p:ext uri="{BB962C8B-B14F-4D97-AF65-F5344CB8AC3E}">
-        <p14:creationId xmlns:p14="http://schemas.microsoft.com/office/powerpoint/2010/main" val="2430740202"/>
+        <p14:creationId xmlns:p14="http://schemas.microsoft.com/office/powerpoint/2010/main" val="1117392123"/>
       </p:ext>
     </p:extLst>
   </p:cSld>
@@ -9904,9 +10079,38 @@
           <a:lstStyle/>
           <a:p>
             <a:r>
-              <a:rPr lang="en-GB" dirty="0"/>
-              <a:t>CHECK 15 METABOLITES? WHY NOT 40?</a:t>
-            </a:r>
+              <a:rPr lang="en-GB" sz="1200" b="0" i="0" u="none" strike="noStrike" kern="1200" dirty="0">
+                <a:solidFill>
+                  <a:schemeClr val="tx1"/>
+                </a:solidFill>
+                <a:effectLst/>
+                <a:latin typeface="+mn-lt"/>
+                <a:ea typeface="+mn-ea"/>
+                <a:cs typeface="+mn-cs"/>
+              </a:rPr>
+              <a:t>This method compares sets of features across high-dimensional data tables, where there may be more measured features than samples. </a:t>
+            </a:r>
+            <a:r>
+              <a:rPr lang="en-GB" sz="1200" b="0" i="0" kern="1200" dirty="0">
+                <a:solidFill>
+                  <a:schemeClr val="tx1"/>
+                </a:solidFill>
+                <a:effectLst/>
+                <a:latin typeface="+mn-lt"/>
+                <a:ea typeface="+mn-ea"/>
+                <a:cs typeface="+mn-cs"/>
+              </a:rPr>
+              <a:t>In the process, it chooses a subset of available features that capture the most covariance – these are the features that reflect signals present across multiple tables.</a:t>
+            </a:r>
+          </a:p>
+          <a:p>
+            <a:r>
+              <a:rPr lang="en-GB" dirty="0">
+                <a:hlinkClick r:id="rId3"/>
+              </a:rPr>
+              <a:t>https://www.bioconductor.org/help/course-materials/2017/BioC2017/Day1/Workshops/Microbiome/MicrobiomeWorkflowII.html#graph-based_analyses</a:t>
+            </a:r>
+            <a:endParaRPr lang="en-GB" dirty="0"/>
           </a:p>
         </p:txBody>
       </p:sp>
@@ -9927,7 +10131,7 @@
           <a:p>
             <a:fld id="{A461424F-0195-4502-BBA8-57027C685AAE}" type="slidenum">
               <a:rPr lang="en-GB" smtClean="0"/>
-              <a:t>17</a:t>
+              <a:t>13</a:t>
             </a:fld>
             <a:endParaRPr lang="en-GB"/>
           </a:p>
@@ -9936,7 +10140,7 @@
     </p:spTree>
     <p:extLst>
       <p:ext uri="{BB962C8B-B14F-4D97-AF65-F5344CB8AC3E}">
-        <p14:creationId xmlns:p14="http://schemas.microsoft.com/office/powerpoint/2010/main" val="1119375801"/>
+        <p14:creationId xmlns:p14="http://schemas.microsoft.com/office/powerpoint/2010/main" val="2626967510"/>
       </p:ext>
     </p:extLst>
   </p:cSld>
@@ -9991,55 +10195,8 @@
           <a:lstStyle/>
           <a:p>
             <a:r>
-              <a:rPr lang="en-GB" sz="1200" b="0" i="0" u="none" strike="noStrike" kern="1200" dirty="0">
-                <a:solidFill>
-                  <a:schemeClr val="tx1"/>
-                </a:solidFill>
-                <a:effectLst/>
-                <a:latin typeface="+mn-lt"/>
-                <a:ea typeface="+mn-ea"/>
-                <a:cs typeface="+mn-cs"/>
-              </a:rPr>
-              <a:t>This method compares sets of features across high-dimensional data tables, where there may be more measured features than samples. </a:t>
-            </a:r>
-            <a:r>
-              <a:rPr lang="en-GB" sz="1200" b="0" i="0" kern="1200" dirty="0">
-                <a:solidFill>
-                  <a:schemeClr val="tx1"/>
-                </a:solidFill>
-                <a:effectLst/>
-                <a:latin typeface="+mn-lt"/>
-                <a:ea typeface="+mn-ea"/>
-                <a:cs typeface="+mn-cs"/>
-              </a:rPr>
-              <a:t>In the process, it chooses a subset of available features that capture the most covariance – these are the features that reflect signals present across multiple tables.</a:t>
-            </a:r>
-          </a:p>
-          <a:p>
-            <a:r>
-              <a:rPr lang="en-GB" dirty="0">
-                <a:hlinkClick r:id="rId3"/>
-              </a:rPr>
-              <a:t>https://www.bioconductor.org/help/course-materials/2017/BioC2017/Day1/Workshops/Microbiome/MicrobiomeWorkflowII.html#graph-based_analyses</a:t>
-            </a:r>
-            <a:endParaRPr lang="en-GB" dirty="0"/>
-          </a:p>
-          <a:p>
-            <a:endParaRPr lang="en-GB" dirty="0"/>
-          </a:p>
-          <a:p>
-            <a:r>
               <a:rPr lang="en-GB" dirty="0"/>
-              <a:t>Red box = problem with this conclusion.</a:t>
-            </a:r>
-          </a:p>
-          <a:p>
-            <a:endParaRPr lang="en-GB" dirty="0"/>
-          </a:p>
-          <a:p>
-            <a:r>
-              <a:rPr lang="en-GB" dirty="0"/>
-              <a:t>Future perspectives.</a:t>
+              <a:t>CHECK 15 METABOLITES? WHY NOT 40?</a:t>
             </a:r>
           </a:p>
         </p:txBody>
@@ -10061,7 +10218,7 @@
           <a:p>
             <a:fld id="{A461424F-0195-4502-BBA8-57027C685AAE}" type="slidenum">
               <a:rPr lang="en-GB" smtClean="0"/>
-              <a:t>21</a:t>
+              <a:t>16</a:t>
             </a:fld>
             <a:endParaRPr lang="en-GB"/>
           </a:p>
@@ -10070,7 +10227,7 @@
     </p:spTree>
     <p:extLst>
       <p:ext uri="{BB962C8B-B14F-4D97-AF65-F5344CB8AC3E}">
-        <p14:creationId xmlns:p14="http://schemas.microsoft.com/office/powerpoint/2010/main" val="3735201157"/>
+        <p14:creationId xmlns:p14="http://schemas.microsoft.com/office/powerpoint/2010/main" val="2430740202"/>
       </p:ext>
     </p:extLst>
   </p:cSld>
@@ -10125,18 +10282,9 @@
           <a:lstStyle/>
           <a:p>
             <a:r>
-              <a:rPr lang="en-GB" sz="1200" b="0" i="0" kern="1200" dirty="0">
-                <a:solidFill>
-                  <a:schemeClr val="tx1"/>
-                </a:solidFill>
-                <a:effectLst/>
-                <a:latin typeface="+mn-lt"/>
-                <a:ea typeface="+mn-ea"/>
-                <a:cs typeface="+mn-cs"/>
-              </a:rPr>
-              <a:t>PERMANOVA coefficient = the squared deviations of each of sample to the centroid of each group. </a:t>
-            </a:r>
-            <a:endParaRPr lang="en-GB" dirty="0"/>
+              <a:rPr lang="en-GB" dirty="0"/>
+              <a:t>CHECK 15 METABOLITES? WHY NOT 40?</a:t>
+            </a:r>
           </a:p>
         </p:txBody>
       </p:sp>
@@ -10157,7 +10305,7 @@
           <a:p>
             <a:fld id="{A461424F-0195-4502-BBA8-57027C685AAE}" type="slidenum">
               <a:rPr lang="en-GB" smtClean="0"/>
-              <a:t>24</a:t>
+              <a:t>17</a:t>
             </a:fld>
             <a:endParaRPr lang="en-GB"/>
           </a:p>
@@ -10166,7 +10314,7 @@
     </p:spTree>
     <p:extLst>
       <p:ext uri="{BB962C8B-B14F-4D97-AF65-F5344CB8AC3E}">
-        <p14:creationId xmlns:p14="http://schemas.microsoft.com/office/powerpoint/2010/main" val="2373672100"/>
+        <p14:creationId xmlns:p14="http://schemas.microsoft.com/office/powerpoint/2010/main" val="1119375801"/>
       </p:ext>
     </p:extLst>
   </p:cSld>
@@ -10221,8 +10369,55 @@
           <a:lstStyle/>
           <a:p>
             <a:r>
+              <a:rPr lang="en-GB" sz="1200" b="0" i="0" u="none" strike="noStrike" kern="1200" dirty="0">
+                <a:solidFill>
+                  <a:schemeClr val="tx1"/>
+                </a:solidFill>
+                <a:effectLst/>
+                <a:latin typeface="+mn-lt"/>
+                <a:ea typeface="+mn-ea"/>
+                <a:cs typeface="+mn-cs"/>
+              </a:rPr>
+              <a:t>This method compares sets of features across high-dimensional data tables, where there may be more measured features than samples. </a:t>
+            </a:r>
+            <a:r>
+              <a:rPr lang="en-GB" sz="1200" b="0" i="0" kern="1200" dirty="0">
+                <a:solidFill>
+                  <a:schemeClr val="tx1"/>
+                </a:solidFill>
+                <a:effectLst/>
+                <a:latin typeface="+mn-lt"/>
+                <a:ea typeface="+mn-ea"/>
+                <a:cs typeface="+mn-cs"/>
+              </a:rPr>
+              <a:t>In the process, it chooses a subset of available features that capture the most covariance – these are the features that reflect signals present across multiple tables.</a:t>
+            </a:r>
+          </a:p>
+          <a:p>
+            <a:r>
+              <a:rPr lang="en-GB" dirty="0">
+                <a:hlinkClick r:id="rId3"/>
+              </a:rPr>
+              <a:t>https://www.bioconductor.org/help/course-materials/2017/BioC2017/Day1/Workshops/Microbiome/MicrobiomeWorkflowII.html#graph-based_analyses</a:t>
+            </a:r>
+            <a:endParaRPr lang="en-GB" dirty="0"/>
+          </a:p>
+          <a:p>
+            <a:endParaRPr lang="en-GB" dirty="0"/>
+          </a:p>
+          <a:p>
+            <a:r>
               <a:rPr lang="en-GB" dirty="0"/>
-              <a:t>CHECK 15 METABOLITES? WHY NOT 40?</a:t>
+              <a:t>Red box = problem with this conclusion.</a:t>
+            </a:r>
+          </a:p>
+          <a:p>
+            <a:endParaRPr lang="en-GB" dirty="0"/>
+          </a:p>
+          <a:p>
+            <a:r>
+              <a:rPr lang="en-GB" dirty="0"/>
+              <a:t>Future perspectives.</a:t>
             </a:r>
           </a:p>
         </p:txBody>
@@ -10244,7 +10439,7 @@
           <a:p>
             <a:fld id="{A461424F-0195-4502-BBA8-57027C685AAE}" type="slidenum">
               <a:rPr lang="en-GB" smtClean="0"/>
-              <a:t>26</a:t>
+              <a:t>21</a:t>
             </a:fld>
             <a:endParaRPr lang="en-GB"/>
           </a:p>
@@ -10253,7 +10448,7 @@
     </p:spTree>
     <p:extLst>
       <p:ext uri="{BB962C8B-B14F-4D97-AF65-F5344CB8AC3E}">
-        <p14:creationId xmlns:p14="http://schemas.microsoft.com/office/powerpoint/2010/main" val="3242250320"/>
+        <p14:creationId xmlns:p14="http://schemas.microsoft.com/office/powerpoint/2010/main" val="3735201157"/>
       </p:ext>
     </p:extLst>
   </p:cSld>
@@ -10308,18 +10503,6 @@
           <a:lstStyle/>
           <a:p>
             <a:r>
-              <a:rPr lang="en-GB" sz="1200" b="1" i="0" kern="1200" dirty="0">
-                <a:solidFill>
-                  <a:schemeClr val="tx1"/>
-                </a:solidFill>
-                <a:effectLst/>
-                <a:latin typeface="+mn-lt"/>
-                <a:ea typeface="+mn-ea"/>
-                <a:cs typeface="+mn-cs"/>
-              </a:rPr>
-              <a:t>Species evenness</a:t>
-            </a:r>
-            <a:r>
               <a:rPr lang="en-GB" sz="1200" b="0" i="0" kern="1200" dirty="0">
                 <a:solidFill>
                   <a:schemeClr val="tx1"/>
@@ -10329,69 +10512,7 @@
                 <a:ea typeface="+mn-ea"/>
                 <a:cs typeface="+mn-cs"/>
               </a:rPr>
-              <a:t> refers to how close in numbers each </a:t>
-            </a:r>
-            <a:r>
-              <a:rPr lang="en-GB" sz="1200" b="1" i="0" kern="1200" dirty="0">
-                <a:solidFill>
-                  <a:schemeClr val="tx1"/>
-                </a:solidFill>
-                <a:effectLst/>
-                <a:latin typeface="+mn-lt"/>
-                <a:ea typeface="+mn-ea"/>
-                <a:cs typeface="+mn-cs"/>
-              </a:rPr>
-              <a:t>species</a:t>
-            </a:r>
-            <a:r>
-              <a:rPr lang="en-GB" sz="1200" b="0" i="0" kern="1200" dirty="0">
-                <a:solidFill>
-                  <a:schemeClr val="tx1"/>
-                </a:solidFill>
-                <a:effectLst/>
-                <a:latin typeface="+mn-lt"/>
-                <a:ea typeface="+mn-ea"/>
-                <a:cs typeface="+mn-cs"/>
-              </a:rPr>
-              <a:t> in an environment is.</a:t>
-            </a:r>
-          </a:p>
-          <a:p>
-            <a:r>
-              <a:rPr lang="en-GB" sz="1200" b="1" i="0" kern="1200" dirty="0">
-                <a:solidFill>
-                  <a:schemeClr val="tx1"/>
-                </a:solidFill>
-                <a:effectLst/>
-                <a:latin typeface="+mn-lt"/>
-                <a:ea typeface="+mn-ea"/>
-                <a:cs typeface="+mn-cs"/>
-              </a:rPr>
-              <a:t>Species abundance</a:t>
-            </a:r>
-            <a:r>
-              <a:rPr lang="en-GB" sz="1200" b="0" i="0" kern="1200" dirty="0">
-                <a:solidFill>
-                  <a:schemeClr val="tx1"/>
-                </a:solidFill>
-                <a:effectLst/>
-                <a:latin typeface="+mn-lt"/>
-                <a:ea typeface="+mn-ea"/>
-                <a:cs typeface="+mn-cs"/>
-              </a:rPr>
-              <a:t> is the number of taxa per </a:t>
-            </a:r>
-            <a:r>
-              <a:rPr lang="en-GB" sz="1200" b="1" i="0" kern="1200" dirty="0">
-                <a:solidFill>
-                  <a:schemeClr val="tx1"/>
-                </a:solidFill>
-                <a:effectLst/>
-                <a:latin typeface="+mn-lt"/>
-                <a:ea typeface="+mn-ea"/>
-                <a:cs typeface="+mn-cs"/>
-              </a:rPr>
-              <a:t>species</a:t>
+              <a:t>PERMANOVA coefficient = the squared deviations of each of sample to the centroid of each group. </a:t>
             </a:r>
             <a:endParaRPr lang="en-GB" dirty="0"/>
           </a:p>
@@ -10414,7 +10535,264 @@
           <a:p>
             <a:fld id="{A461424F-0195-4502-BBA8-57027C685AAE}" type="slidenum">
               <a:rPr lang="en-GB" smtClean="0"/>
-              <a:t>28</a:t>
+              <a:t>25</a:t>
+            </a:fld>
+            <a:endParaRPr lang="en-GB"/>
+          </a:p>
+        </p:txBody>
+      </p:sp>
+    </p:spTree>
+    <p:extLst>
+      <p:ext uri="{BB962C8B-B14F-4D97-AF65-F5344CB8AC3E}">
+        <p14:creationId xmlns:p14="http://schemas.microsoft.com/office/powerpoint/2010/main" val="2373672100"/>
+      </p:ext>
+    </p:extLst>
+  </p:cSld>
+  <p:clrMapOvr>
+    <a:masterClrMapping/>
+  </p:clrMapOvr>
+</p:notes>
+</file>
+
+<file path=ppt/notesSlides/notesSlide16.xml><?xml version="1.0" encoding="utf-8"?>
+<p:notes xmlns:a="http://schemas.openxmlformats.org/drawingml/2006/main" xmlns:r="http://schemas.openxmlformats.org/officeDocument/2006/relationships" xmlns:p="http://schemas.openxmlformats.org/presentationml/2006/main">
+  <p:cSld>
+    <p:spTree>
+      <p:nvGrpSpPr>
+        <p:cNvPr id="1" name=""/>
+        <p:cNvGrpSpPr/>
+        <p:nvPr/>
+      </p:nvGrpSpPr>
+      <p:grpSpPr>
+        <a:xfrm>
+          <a:off x="0" y="0"/>
+          <a:ext cx="0" cy="0"/>
+          <a:chOff x="0" y="0"/>
+          <a:chExt cx="0" cy="0"/>
+        </a:xfrm>
+      </p:grpSpPr>
+      <p:sp>
+        <p:nvSpPr>
+          <p:cNvPr id="2" name="Slide Image Placeholder 1"/>
+          <p:cNvSpPr>
+            <a:spLocks noGrp="1" noRot="1" noChangeAspect="1"/>
+          </p:cNvSpPr>
+          <p:nvPr>
+            <p:ph type="sldImg"/>
+          </p:nvPr>
+        </p:nvSpPr>
+        <p:spPr/>
+      </p:sp>
+      <p:sp>
+        <p:nvSpPr>
+          <p:cNvPr id="3" name="Notes Placeholder 2"/>
+          <p:cNvSpPr>
+            <a:spLocks noGrp="1"/>
+          </p:cNvSpPr>
+          <p:nvPr>
+            <p:ph type="body" idx="1"/>
+          </p:nvPr>
+        </p:nvSpPr>
+        <p:spPr/>
+        <p:txBody>
+          <a:bodyPr/>
+          <a:lstStyle/>
+          <a:p>
+            <a:r>
+              <a:rPr lang="en-GB" dirty="0"/>
+              <a:t>CHECK 15 METABOLITES? WHY NOT 40?</a:t>
+            </a:r>
+          </a:p>
+        </p:txBody>
+      </p:sp>
+      <p:sp>
+        <p:nvSpPr>
+          <p:cNvPr id="4" name="Slide Number Placeholder 3"/>
+          <p:cNvSpPr>
+            <a:spLocks noGrp="1"/>
+          </p:cNvSpPr>
+          <p:nvPr>
+            <p:ph type="sldNum" sz="quarter" idx="5"/>
+          </p:nvPr>
+        </p:nvSpPr>
+        <p:spPr/>
+        <p:txBody>
+          <a:bodyPr/>
+          <a:lstStyle/>
+          <a:p>
+            <a:fld id="{A461424F-0195-4502-BBA8-57027C685AAE}" type="slidenum">
+              <a:rPr lang="en-GB" smtClean="0"/>
+              <a:t>27</a:t>
+            </a:fld>
+            <a:endParaRPr lang="en-GB"/>
+          </a:p>
+        </p:txBody>
+      </p:sp>
+    </p:spTree>
+    <p:extLst>
+      <p:ext uri="{BB962C8B-B14F-4D97-AF65-F5344CB8AC3E}">
+        <p14:creationId xmlns:p14="http://schemas.microsoft.com/office/powerpoint/2010/main" val="3242250320"/>
+      </p:ext>
+    </p:extLst>
+  </p:cSld>
+  <p:clrMapOvr>
+    <a:masterClrMapping/>
+  </p:clrMapOvr>
+</p:notes>
+</file>
+
+<file path=ppt/notesSlides/notesSlide17.xml><?xml version="1.0" encoding="utf-8"?>
+<p:notes xmlns:a="http://schemas.openxmlformats.org/drawingml/2006/main" xmlns:r="http://schemas.openxmlformats.org/officeDocument/2006/relationships" xmlns:p="http://schemas.openxmlformats.org/presentationml/2006/main">
+  <p:cSld>
+    <p:spTree>
+      <p:nvGrpSpPr>
+        <p:cNvPr id="1" name=""/>
+        <p:cNvGrpSpPr/>
+        <p:nvPr/>
+      </p:nvGrpSpPr>
+      <p:grpSpPr>
+        <a:xfrm>
+          <a:off x="0" y="0"/>
+          <a:ext cx="0" cy="0"/>
+          <a:chOff x="0" y="0"/>
+          <a:chExt cx="0" cy="0"/>
+        </a:xfrm>
+      </p:grpSpPr>
+      <p:sp>
+        <p:nvSpPr>
+          <p:cNvPr id="2" name="Slide Image Placeholder 1"/>
+          <p:cNvSpPr>
+            <a:spLocks noGrp="1" noRot="1" noChangeAspect="1"/>
+          </p:cNvSpPr>
+          <p:nvPr>
+            <p:ph type="sldImg"/>
+          </p:nvPr>
+        </p:nvSpPr>
+        <p:spPr/>
+      </p:sp>
+      <p:sp>
+        <p:nvSpPr>
+          <p:cNvPr id="3" name="Notes Placeholder 2"/>
+          <p:cNvSpPr>
+            <a:spLocks noGrp="1"/>
+          </p:cNvSpPr>
+          <p:nvPr>
+            <p:ph type="body" idx="1"/>
+          </p:nvPr>
+        </p:nvSpPr>
+        <p:spPr/>
+        <p:txBody>
+          <a:bodyPr/>
+          <a:lstStyle/>
+          <a:p>
+            <a:r>
+              <a:rPr lang="en-GB" sz="1200" b="1" i="0" kern="1200" dirty="0">
+                <a:solidFill>
+                  <a:schemeClr val="tx1"/>
+                </a:solidFill>
+                <a:effectLst/>
+                <a:latin typeface="+mn-lt"/>
+                <a:ea typeface="+mn-ea"/>
+                <a:cs typeface="+mn-cs"/>
+              </a:rPr>
+              <a:t>Species evenness</a:t>
+            </a:r>
+            <a:r>
+              <a:rPr lang="en-GB" sz="1200" b="0" i="0" kern="1200" dirty="0">
+                <a:solidFill>
+                  <a:schemeClr val="tx1"/>
+                </a:solidFill>
+                <a:effectLst/>
+                <a:latin typeface="+mn-lt"/>
+                <a:ea typeface="+mn-ea"/>
+                <a:cs typeface="+mn-cs"/>
+              </a:rPr>
+              <a:t> refers to how close in numbers each </a:t>
+            </a:r>
+            <a:r>
+              <a:rPr lang="en-GB" sz="1200" b="1" i="0" kern="1200" dirty="0">
+                <a:solidFill>
+                  <a:schemeClr val="tx1"/>
+                </a:solidFill>
+                <a:effectLst/>
+                <a:latin typeface="+mn-lt"/>
+                <a:ea typeface="+mn-ea"/>
+                <a:cs typeface="+mn-cs"/>
+              </a:rPr>
+              <a:t>species</a:t>
+            </a:r>
+            <a:r>
+              <a:rPr lang="en-GB" sz="1200" b="0" i="0" kern="1200" dirty="0">
+                <a:solidFill>
+                  <a:schemeClr val="tx1"/>
+                </a:solidFill>
+                <a:effectLst/>
+                <a:latin typeface="+mn-lt"/>
+                <a:ea typeface="+mn-ea"/>
+                <a:cs typeface="+mn-cs"/>
+              </a:rPr>
+              <a:t> in an environment is.</a:t>
+            </a:r>
+          </a:p>
+          <a:p>
+            <a:r>
+              <a:rPr lang="en-GB" sz="1200" b="1" i="0" kern="1200" dirty="0">
+                <a:solidFill>
+                  <a:schemeClr val="tx1"/>
+                </a:solidFill>
+                <a:effectLst/>
+                <a:latin typeface="+mn-lt"/>
+                <a:ea typeface="+mn-ea"/>
+                <a:cs typeface="+mn-cs"/>
+              </a:rPr>
+              <a:t>Species abundance</a:t>
+            </a:r>
+            <a:r>
+              <a:rPr lang="en-GB" sz="1200" b="0" i="0" kern="1200" dirty="0">
+                <a:solidFill>
+                  <a:schemeClr val="tx1"/>
+                </a:solidFill>
+                <a:effectLst/>
+                <a:latin typeface="+mn-lt"/>
+                <a:ea typeface="+mn-ea"/>
+                <a:cs typeface="+mn-cs"/>
+              </a:rPr>
+              <a:t> is the number of taxa per </a:t>
+            </a:r>
+            <a:r>
+              <a:rPr lang="en-GB" sz="1200" b="1" i="0" kern="1200" dirty="0">
+                <a:solidFill>
+                  <a:schemeClr val="tx1"/>
+                </a:solidFill>
+                <a:effectLst/>
+                <a:latin typeface="+mn-lt"/>
+                <a:ea typeface="+mn-ea"/>
+                <a:cs typeface="+mn-cs"/>
+              </a:rPr>
+              <a:t>species</a:t>
+            </a:r>
+            <a:endParaRPr lang="en-GB" dirty="0"/>
+          </a:p>
+        </p:txBody>
+      </p:sp>
+      <p:sp>
+        <p:nvSpPr>
+          <p:cNvPr id="4" name="Slide Number Placeholder 3"/>
+          <p:cNvSpPr>
+            <a:spLocks noGrp="1"/>
+          </p:cNvSpPr>
+          <p:nvPr>
+            <p:ph type="sldNum" sz="quarter" idx="5"/>
+          </p:nvPr>
+        </p:nvSpPr>
+        <p:spPr/>
+        <p:txBody>
+          <a:bodyPr/>
+          <a:lstStyle/>
+          <a:p>
+            <a:fld id="{A461424F-0195-4502-BBA8-57027C685AAE}" type="slidenum">
+              <a:rPr lang="en-GB" smtClean="0"/>
+              <a:t>29</a:t>
             </a:fld>
             <a:endParaRPr lang="en-GB"/>
           </a:p>
@@ -10489,7 +10867,194 @@
               </a:rPr>
               <a:t> Nevertheless, this interaction is still poorly understood and the changes in the omics of type 2 diabetic individuals remain debatable, especially in the time-period prior to diabetes onset.</a:t>
             </a:r>
-            <a:endParaRPr lang="en-GB" dirty="0"/>
+          </a:p>
+          <a:p>
+            <a:endParaRPr lang="en-GB" sz="1200" b="0" i="0" u="none" strike="noStrike" kern="1200" dirty="0">
+              <a:solidFill>
+                <a:schemeClr val="tx1"/>
+              </a:solidFill>
+              <a:effectLst/>
+              <a:latin typeface="+mn-lt"/>
+              <a:ea typeface="+mn-ea"/>
+              <a:cs typeface="+mn-cs"/>
+            </a:endParaRPr>
+          </a:p>
+          <a:p>
+            <a:r>
+              <a:rPr lang="en-GB" sz="1200" b="0" i="0" u="none" strike="noStrike" kern="1200" dirty="0">
+                <a:solidFill>
+                  <a:schemeClr val="tx1"/>
+                </a:solidFill>
+                <a:effectLst/>
+                <a:latin typeface="+mn-lt"/>
+                <a:ea typeface="+mn-ea"/>
+                <a:cs typeface="+mn-cs"/>
+              </a:rPr>
+              <a:t>References:</a:t>
+            </a:r>
+          </a:p>
+          <a:p>
+            <a:pPr marL="228600" indent="-228600">
+              <a:buFont typeface="+mj-lt"/>
+              <a:buAutoNum type="arabicPeriod" startAt="4"/>
+            </a:pPr>
+            <a:r>
+              <a:rPr lang="en-GB" sz="1200" b="0" i="0" dirty="0">
+                <a:effectLst/>
+                <a:latin typeface="+mn-lt"/>
+              </a:rPr>
+              <a:t>Zhang Y, Zhang H. Microbiota associated with type 2 diabetes and its related complications. Food Science and Human Wellness. 2013 Sep 1;2(3-4):167-72.</a:t>
+            </a:r>
+            <a:endParaRPr lang="en-GB" sz="1200" dirty="0">
+              <a:latin typeface="+mn-lt"/>
+            </a:endParaRPr>
+          </a:p>
+          <a:p>
+            <a:pPr>
+              <a:buFont typeface="+mj-lt"/>
+              <a:buAutoNum type="arabicPeriod" startAt="4"/>
+            </a:pPr>
+            <a:r>
+              <a:rPr lang="en-GB" sz="1200" dirty="0">
+                <a:latin typeface="+mn-lt"/>
+              </a:rPr>
+              <a:t>Gurung M, Li Z, You H, Rodrigues R, Jump DB, </a:t>
+            </a:r>
+            <a:r>
+              <a:rPr lang="en-GB" sz="1200" dirty="0" err="1">
+                <a:latin typeface="+mn-lt"/>
+              </a:rPr>
+              <a:t>Morgun</a:t>
+            </a:r>
+            <a:r>
+              <a:rPr lang="en-GB" sz="1200" dirty="0">
+                <a:latin typeface="+mn-lt"/>
+              </a:rPr>
+              <a:t> A, </a:t>
+            </a:r>
+            <a:r>
+              <a:rPr lang="en-GB" sz="1200" dirty="0" err="1">
+                <a:latin typeface="+mn-lt"/>
+              </a:rPr>
+              <a:t>Shulzhenko</a:t>
+            </a:r>
+            <a:r>
+              <a:rPr lang="en-GB" sz="1200" dirty="0">
+                <a:latin typeface="+mn-lt"/>
+              </a:rPr>
+              <a:t> N. Role of gut microbiota in type 2 diabetes pathophysiology. </a:t>
+            </a:r>
+            <a:r>
+              <a:rPr lang="en-GB" sz="1200" dirty="0" err="1">
+                <a:latin typeface="+mn-lt"/>
+              </a:rPr>
+              <a:t>EBioMedicine</a:t>
+            </a:r>
+            <a:r>
+              <a:rPr lang="en-GB" sz="1200" dirty="0">
+                <a:latin typeface="+mn-lt"/>
+              </a:rPr>
+              <a:t>. 2020 Jan 1;51:102590.</a:t>
+            </a:r>
+          </a:p>
+          <a:p>
+            <a:pPr>
+              <a:buFont typeface="+mj-lt"/>
+              <a:buAutoNum type="arabicPeriod" startAt="4"/>
+            </a:pPr>
+            <a:r>
+              <a:rPr lang="en-GB" sz="1200" dirty="0" err="1">
+                <a:latin typeface="+mn-lt"/>
+              </a:rPr>
+              <a:t>Ferrannini</a:t>
+            </a:r>
+            <a:r>
+              <a:rPr lang="en-GB" sz="1200" dirty="0">
+                <a:latin typeface="+mn-lt"/>
+              </a:rPr>
+              <a:t> E, </a:t>
+            </a:r>
+            <a:r>
+              <a:rPr lang="en-GB" sz="1200" dirty="0" err="1">
+                <a:latin typeface="+mn-lt"/>
+              </a:rPr>
+              <a:t>Gastaldelli</a:t>
+            </a:r>
+            <a:r>
+              <a:rPr lang="en-GB" sz="1200" dirty="0">
+                <a:latin typeface="+mn-lt"/>
+              </a:rPr>
+              <a:t> A, </a:t>
+            </a:r>
+            <a:r>
+              <a:rPr lang="en-GB" sz="1200" dirty="0" err="1">
+                <a:latin typeface="+mn-lt"/>
+              </a:rPr>
+              <a:t>Iozzo</a:t>
+            </a:r>
+            <a:r>
+              <a:rPr lang="en-GB" sz="1200" dirty="0">
+                <a:latin typeface="+mn-lt"/>
+              </a:rPr>
+              <a:t> P. Pathophysiology of prediabetes. Medical Clinics. 2011 Mar 1;95(2):327-39.</a:t>
+            </a:r>
+          </a:p>
+          <a:p>
+            <a:pPr>
+              <a:buFont typeface="+mj-lt"/>
+              <a:buAutoNum type="arabicPeriod" startAt="4"/>
+            </a:pPr>
+            <a:r>
+              <a:rPr lang="en-GB" sz="1200" b="0" i="0" dirty="0">
+                <a:effectLst/>
+                <a:latin typeface="+mn-lt"/>
+              </a:rPr>
+              <a:t>Klein MS, Shearer J. Metabolomics and type 2 diabetes: translating basic research into clinical application. Journal of diabetes research. 2016 Jan 1;2016.</a:t>
+            </a:r>
+          </a:p>
+          <a:p>
+            <a:pPr>
+              <a:buFont typeface="+mj-lt"/>
+              <a:buAutoNum type="arabicPeriod" startAt="4"/>
+            </a:pPr>
+            <a:r>
+              <a:rPr lang="en-GB" sz="1200" dirty="0">
+                <a:latin typeface="+mn-lt"/>
+              </a:rPr>
+              <a:t>Sears DD, Hsiao G, Hsiao A, Yu JG, Courtney CH, </a:t>
+            </a:r>
+            <a:r>
+              <a:rPr lang="en-GB" sz="1200" dirty="0" err="1">
+                <a:latin typeface="+mn-lt"/>
+              </a:rPr>
+              <a:t>Ofrecio</a:t>
+            </a:r>
+            <a:r>
+              <a:rPr lang="en-GB" sz="1200" dirty="0">
+                <a:latin typeface="+mn-lt"/>
+              </a:rPr>
+              <a:t> JM, Chapman J, Subramaniam S. Mechanisms of human insulin resistance and thiazolidinedione-mediated insulin sensitization. Proceedings of the National Academy of Sciences. 2009 Nov 3;106(44):18745-50.</a:t>
+            </a:r>
+          </a:p>
+          <a:p>
+            <a:pPr>
+              <a:buFont typeface="+mj-lt"/>
+              <a:buAutoNum type="arabicPeriod" startAt="4"/>
+            </a:pPr>
+            <a:r>
+              <a:rPr lang="en-GB" sz="1200" b="0" i="0" dirty="0" err="1">
+                <a:effectLst/>
+                <a:latin typeface="+mn-lt"/>
+              </a:rPr>
+              <a:t>Komurcu-Bayrak</a:t>
+            </a:r>
+            <a:r>
+              <a:rPr lang="en-GB" sz="1200" b="0" i="0" dirty="0">
+                <a:effectLst/>
+                <a:latin typeface="+mn-lt"/>
+              </a:rPr>
+              <a:t> E. Impact of genetic polymorphisms on insulin resistance. Insulin resistance. 2012 Dec 12.</a:t>
+            </a:r>
           </a:p>
         </p:txBody>
       </p:sp>
@@ -10573,6 +11138,37 @@
           <a:bodyPr/>
           <a:lstStyle/>
           <a:p>
+            <a:r>
+              <a:rPr lang="en-GB" dirty="0"/>
+              <a:t>References:</a:t>
+            </a:r>
+          </a:p>
+          <a:p>
+            <a:pPr marL="0" marR="0" lvl="0" indent="0" algn="l" defTabSz="914400" rtl="0" eaLnBrk="1" fontAlgn="auto" latinLnBrk="0" hangingPunct="1">
+              <a:lnSpc>
+                <a:spcPct val="100000"/>
+              </a:lnSpc>
+              <a:spcBef>
+                <a:spcPts val="0"/>
+              </a:spcBef>
+              <a:spcAft>
+                <a:spcPts val="0"/>
+              </a:spcAft>
+              <a:buClrTx/>
+              <a:buSzTx/>
+              <a:buFontTx/>
+              <a:buNone/>
+              <a:tabLst/>
+              <a:defRPr/>
+            </a:pPr>
+            <a:r>
+              <a:rPr lang="en-GB" sz="1200" dirty="0">
+                <a:latin typeface="+mn-lt"/>
+              </a:rPr>
+              <a:t>Integrative HM. The Integrative Human Microbiome Project: dynamic analysis of microbiome-host omics profiles during periods of human health and disease. Cell host &amp; microbe. 2014 Sep 10;16(3):276.</a:t>
+            </a:r>
+          </a:p>
+          <a:p>
             <a:endParaRPr lang="en-GB" dirty="0"/>
           </a:p>
         </p:txBody>
@@ -10594,7 +11190,7 @@
           <a:p>
             <a:fld id="{A461424F-0195-4502-BBA8-57027C685AAE}" type="slidenum">
               <a:rPr lang="en-GB" smtClean="0"/>
-              <a:t>5</a:t>
+              <a:t>4</a:t>
             </a:fld>
             <a:endParaRPr lang="en-GB"/>
           </a:p>
@@ -10603,7 +11199,7 @@
     </p:spTree>
     <p:extLst>
       <p:ext uri="{BB962C8B-B14F-4D97-AF65-F5344CB8AC3E}">
-        <p14:creationId xmlns:p14="http://schemas.microsoft.com/office/powerpoint/2010/main" val="1488042175"/>
+        <p14:creationId xmlns:p14="http://schemas.microsoft.com/office/powerpoint/2010/main" val="2857324856"/>
       </p:ext>
     </p:extLst>
   </p:cSld>
@@ -10678,7 +11274,7 @@
           <a:p>
             <a:fld id="{A461424F-0195-4502-BBA8-57027C685AAE}" type="slidenum">
               <a:rPr lang="en-GB" smtClean="0"/>
-              <a:t>6</a:t>
+              <a:t>5</a:t>
             </a:fld>
             <a:endParaRPr lang="en-GB"/>
           </a:p>
@@ -10687,7 +11283,7 @@
     </p:spTree>
     <p:extLst>
       <p:ext uri="{BB962C8B-B14F-4D97-AF65-F5344CB8AC3E}">
-        <p14:creationId xmlns:p14="http://schemas.microsoft.com/office/powerpoint/2010/main" val="26345711"/>
+        <p14:creationId xmlns:p14="http://schemas.microsoft.com/office/powerpoint/2010/main" val="1488042175"/>
       </p:ext>
     </p:extLst>
   </p:cSld>
@@ -10741,10 +11337,7 @@
           <a:bodyPr/>
           <a:lstStyle/>
           <a:p>
-            <a:r>
-              <a:rPr lang="en-GB" dirty="0"/>
-              <a:t>Check if groups are homogenous based on p-value!</a:t>
-            </a:r>
+            <a:endParaRPr lang="en-GB" dirty="0"/>
           </a:p>
         </p:txBody>
       </p:sp>
@@ -10765,7 +11358,7 @@
           <a:p>
             <a:fld id="{A461424F-0195-4502-BBA8-57027C685AAE}" type="slidenum">
               <a:rPr lang="en-GB" smtClean="0"/>
-              <a:t>7</a:t>
+              <a:t>6</a:t>
             </a:fld>
             <a:endParaRPr lang="en-GB"/>
           </a:p>
@@ -10774,7 +11367,7 @@
     </p:spTree>
     <p:extLst>
       <p:ext uri="{BB962C8B-B14F-4D97-AF65-F5344CB8AC3E}">
-        <p14:creationId xmlns:p14="http://schemas.microsoft.com/office/powerpoint/2010/main" val="125557276"/>
+        <p14:creationId xmlns:p14="http://schemas.microsoft.com/office/powerpoint/2010/main" val="26345711"/>
       </p:ext>
     </p:extLst>
   </p:cSld>
@@ -10829,39 +11422,8 @@
           <a:lstStyle/>
           <a:p>
             <a:r>
-              <a:rPr lang="en-GB" dirty="0" err="1"/>
-              <a:t>adonis</a:t>
-            </a:r>
-            <a:r>
-              <a:rPr lang="en-GB" sz="1200" b="0" i="0" kern="1200" dirty="0">
-                <a:solidFill>
-                  <a:schemeClr val="tx1"/>
-                </a:solidFill>
-                <a:effectLst/>
-                <a:latin typeface="+mn-lt"/>
-                <a:ea typeface="+mn-ea"/>
-                <a:cs typeface="+mn-cs"/>
-              </a:rPr>
-              <a:t> works by first finding the centroids for each group and then calculates the squared deviations of each of sample to that centroid. Then significance tests are performed using F-tests based on sequential sums of squares from permutations of the raw data. (</a:t>
-            </a:r>
-            <a:r>
-              <a:rPr lang="en-GB" dirty="0">
-                <a:hlinkClick r:id="rId3"/>
-              </a:rPr>
-              <a:t>https://chrischizinski.github.io/rstats/adonis/</a:t>
-            </a:r>
-            <a:r>
               <a:rPr lang="en-GB" dirty="0"/>
-              <a:t>)</a:t>
-            </a:r>
-          </a:p>
-          <a:p>
-            <a:endParaRPr lang="en-GB" dirty="0"/>
-          </a:p>
-          <a:p>
-            <a:r>
-              <a:rPr lang="en-GB" dirty="0"/>
-              <a:t>This could be due to subject characteristics that were not taken into account during the study, such as ethnicity. </a:t>
+              <a:t>Check if groups are homogenous based on p-value!</a:t>
             </a:r>
           </a:p>
         </p:txBody>
@@ -10883,7 +11445,7 @@
           <a:p>
             <a:fld id="{A461424F-0195-4502-BBA8-57027C685AAE}" type="slidenum">
               <a:rPr lang="en-GB" smtClean="0"/>
-              <a:t>8</a:t>
+              <a:t>7</a:t>
             </a:fld>
             <a:endParaRPr lang="en-GB"/>
           </a:p>
@@ -10892,7 +11454,7 @@
     </p:spTree>
     <p:extLst>
       <p:ext uri="{BB962C8B-B14F-4D97-AF65-F5344CB8AC3E}">
-        <p14:creationId xmlns:p14="http://schemas.microsoft.com/office/powerpoint/2010/main" val="2339710859"/>
+        <p14:creationId xmlns:p14="http://schemas.microsoft.com/office/powerpoint/2010/main" val="125557276"/>
       </p:ext>
     </p:extLst>
   </p:cSld>
@@ -10946,7 +11508,41 @@
           <a:bodyPr/>
           <a:lstStyle/>
           <a:p>
+            <a:r>
+              <a:rPr lang="en-GB" dirty="0" err="1"/>
+              <a:t>adonis</a:t>
+            </a:r>
+            <a:r>
+              <a:rPr lang="en-GB" sz="1200" b="0" i="0" kern="1200" dirty="0">
+                <a:solidFill>
+                  <a:schemeClr val="tx1"/>
+                </a:solidFill>
+                <a:effectLst/>
+                <a:latin typeface="+mn-lt"/>
+                <a:ea typeface="+mn-ea"/>
+                <a:cs typeface="+mn-cs"/>
+              </a:rPr>
+              <a:t> works by first finding the centroids for each group and then calculates the squared deviations of each of sample to that centroid. Then significance tests are performed using F-tests based on sequential sums of squares from permutations of the raw data. (</a:t>
+            </a:r>
+            <a:r>
+              <a:rPr lang="en-GB" dirty="0">
+                <a:hlinkClick r:id="rId3"/>
+              </a:rPr>
+              <a:t>https://chrischizinski.github.io/rstats/adonis/</a:t>
+            </a:r>
+            <a:r>
+              <a:rPr lang="en-GB" dirty="0"/>
+              <a:t>)</a:t>
+            </a:r>
+          </a:p>
+          <a:p>
             <a:endParaRPr lang="en-GB" dirty="0"/>
+          </a:p>
+          <a:p>
+            <a:r>
+              <a:rPr lang="en-GB" dirty="0"/>
+              <a:t>This could be due to subject characteristics that were not taken into account during the study, such as ethnicity. </a:t>
+            </a:r>
           </a:p>
         </p:txBody>
       </p:sp>
@@ -10967,7 +11563,7 @@
           <a:p>
             <a:fld id="{A461424F-0195-4502-BBA8-57027C685AAE}" type="slidenum">
               <a:rPr lang="en-GB" smtClean="0"/>
-              <a:t>9</a:t>
+              <a:t>8</a:t>
             </a:fld>
             <a:endParaRPr lang="en-GB"/>
           </a:p>
@@ -10976,7 +11572,7 @@
     </p:spTree>
     <p:extLst>
       <p:ext uri="{BB962C8B-B14F-4D97-AF65-F5344CB8AC3E}">
-        <p14:creationId xmlns:p14="http://schemas.microsoft.com/office/powerpoint/2010/main" val="3683309098"/>
+        <p14:creationId xmlns:p14="http://schemas.microsoft.com/office/powerpoint/2010/main" val="2339710859"/>
       </p:ext>
     </p:extLst>
   </p:cSld>
@@ -11051,7 +11647,7 @@
           <a:p>
             <a:fld id="{A461424F-0195-4502-BBA8-57027C685AAE}" type="slidenum">
               <a:rPr lang="en-GB" smtClean="0"/>
-              <a:t>12</a:t>
+              <a:t>9</a:t>
             </a:fld>
             <a:endParaRPr lang="en-GB"/>
           </a:p>
@@ -11060,7 +11656,7 @@
     </p:spTree>
     <p:extLst>
       <p:ext uri="{BB962C8B-B14F-4D97-AF65-F5344CB8AC3E}">
-        <p14:creationId xmlns:p14="http://schemas.microsoft.com/office/powerpoint/2010/main" val="1117392123"/>
+        <p14:creationId xmlns:p14="http://schemas.microsoft.com/office/powerpoint/2010/main" val="3683309098"/>
       </p:ext>
     </p:extLst>
   </p:cSld>
@@ -11115,37 +11711,40 @@
           <a:lstStyle/>
           <a:p>
             <a:r>
-              <a:rPr lang="en-GB" sz="1200" b="0" i="0" u="none" strike="noStrike" kern="1200" dirty="0">
-                <a:solidFill>
-                  <a:schemeClr val="tx1"/>
-                </a:solidFill>
+              <a:rPr lang="en-GB" dirty="0"/>
+              <a:t>References:</a:t>
+            </a:r>
+          </a:p>
+          <a:p>
+            <a:pPr marL="0" marR="0" lvl="0" indent="0" algn="l" defTabSz="914400" rtl="0" eaLnBrk="1" fontAlgn="auto" latinLnBrk="0" hangingPunct="1">
+              <a:lnSpc>
+                <a:spcPct val="100000"/>
+              </a:lnSpc>
+              <a:spcBef>
+                <a:spcPts val="0"/>
+              </a:spcBef>
+              <a:spcAft>
+                <a:spcPts val="0"/>
+              </a:spcAft>
+              <a:buClrTx/>
+              <a:buSzTx/>
+              <a:buFontTx/>
+              <a:buNone/>
+              <a:tabLst/>
+              <a:defRPr/>
+            </a:pPr>
+            <a:r>
+              <a:rPr lang="en-GB" sz="1200" b="0" i="0" dirty="0">
                 <a:effectLst/>
                 <a:latin typeface="+mn-lt"/>
-                <a:ea typeface="+mn-ea"/>
-                <a:cs typeface="+mn-cs"/>
               </a:rPr>
-              <a:t>This method compares sets of features across high-dimensional data tables, where there may be more measured features than samples. </a:t>
-            </a:r>
-            <a:r>
-              <a:rPr lang="en-GB" sz="1200" b="0" i="0" kern="1200" dirty="0">
-                <a:solidFill>
-                  <a:schemeClr val="tx1"/>
-                </a:solidFill>
-                <a:effectLst/>
-                <a:latin typeface="+mn-lt"/>
-                <a:ea typeface="+mn-ea"/>
-                <a:cs typeface="+mn-cs"/>
-              </a:rPr>
-              <a:t>In the process, it chooses a subset of available features that capture the most covariance – these are the features that reflect signals present across multiple tables.</a:t>
-            </a:r>
-          </a:p>
-          <a:p>
-            <a:r>
-              <a:rPr lang="en-GB" dirty="0">
-                <a:hlinkClick r:id="rId3"/>
-              </a:rPr>
-              <a:t>https://www.bioconductor.org/help/course-materials/2017/BioC2017/Day1/Workshops/Microbiome/MicrobiomeWorkflowII.html#graph-based_analyses</a:t>
-            </a:r>
+              <a:t>Zhang Y, Zhang H. Microbiota associated with type 2 diabetes and its related complications. Food Science and Human Wellness. 2013 Sep 1;2(3-4):167-72.</a:t>
+            </a:r>
+            <a:endParaRPr lang="en-GB" sz="1200" dirty="0">
+              <a:latin typeface="+mn-lt"/>
+            </a:endParaRPr>
+          </a:p>
+          <a:p>
             <a:endParaRPr lang="en-GB" dirty="0"/>
           </a:p>
         </p:txBody>
@@ -11167,7 +11766,7 @@
           <a:p>
             <a:fld id="{A461424F-0195-4502-BBA8-57027C685AAE}" type="slidenum">
               <a:rPr lang="en-GB" smtClean="0"/>
-              <a:t>13</a:t>
+              <a:t>11</a:t>
             </a:fld>
             <a:endParaRPr lang="en-GB"/>
           </a:p>
@@ -11176,7 +11775,7 @@
     </p:spTree>
     <p:extLst>
       <p:ext uri="{BB962C8B-B14F-4D97-AF65-F5344CB8AC3E}">
-        <p14:creationId xmlns:p14="http://schemas.microsoft.com/office/powerpoint/2010/main" val="2626967510"/>
+        <p14:creationId xmlns:p14="http://schemas.microsoft.com/office/powerpoint/2010/main" val="1110974586"/>
       </p:ext>
     </p:extLst>
   </p:cSld>
@@ -11372,7 +11971,7 @@
           <a:p>
             <a:fld id="{DA5AD436-A087-4A72-A71C-DCC7BC3259CA}" type="datetimeFigureOut">
               <a:rPr lang="en-GB" smtClean="0"/>
-              <a:t>29/06/2020</a:t>
+              <a:t>30/06/2020</a:t>
             </a:fld>
             <a:endParaRPr lang="en-GB"/>
           </a:p>
@@ -11647,7 +12246,7 @@
           <a:p>
             <a:fld id="{DA5AD436-A087-4A72-A71C-DCC7BC3259CA}" type="datetimeFigureOut">
               <a:rPr lang="en-GB" smtClean="0"/>
-              <a:t>29/06/2020</a:t>
+              <a:t>30/06/2020</a:t>
             </a:fld>
             <a:endParaRPr lang="en-GB"/>
           </a:p>
@@ -11841,7 +12440,7 @@
           <a:p>
             <a:fld id="{DA5AD436-A087-4A72-A71C-DCC7BC3259CA}" type="datetimeFigureOut">
               <a:rPr lang="en-GB" smtClean="0"/>
-              <a:t>29/06/2020</a:t>
+              <a:t>30/06/2020</a:t>
             </a:fld>
             <a:endParaRPr lang="en-GB"/>
           </a:p>
@@ -12114,7 +12713,7 @@
           <a:p>
             <a:fld id="{DA5AD436-A087-4A72-A71C-DCC7BC3259CA}" type="datetimeFigureOut">
               <a:rPr lang="en-GB" smtClean="0"/>
-              <a:t>29/06/2020</a:t>
+              <a:t>30/06/2020</a:t>
             </a:fld>
             <a:endParaRPr lang="en-GB"/>
           </a:p>
@@ -12455,7 +13054,7 @@
           <a:p>
             <a:fld id="{DA5AD436-A087-4A72-A71C-DCC7BC3259CA}" type="datetimeFigureOut">
               <a:rPr lang="en-GB" smtClean="0"/>
-              <a:t>29/06/2020</a:t>
+              <a:t>30/06/2020</a:t>
             </a:fld>
             <a:endParaRPr lang="en-GB"/>
           </a:p>
@@ -13078,7 +13677,7 @@
           <a:p>
             <a:fld id="{DA5AD436-A087-4A72-A71C-DCC7BC3259CA}" type="datetimeFigureOut">
               <a:rPr lang="en-GB" smtClean="0"/>
-              <a:t>29/06/2020</a:t>
+              <a:t>30/06/2020</a:t>
             </a:fld>
             <a:endParaRPr lang="en-GB"/>
           </a:p>
@@ -13938,7 +14537,7 @@
           <a:p>
             <a:fld id="{DA5AD436-A087-4A72-A71C-DCC7BC3259CA}" type="datetimeFigureOut">
               <a:rPr lang="en-GB" smtClean="0"/>
-              <a:t>29/06/2020</a:t>
+              <a:t>30/06/2020</a:t>
             </a:fld>
             <a:endParaRPr lang="en-GB"/>
           </a:p>
@@ -14108,7 +14707,7 @@
           <a:p>
             <a:fld id="{DA5AD436-A087-4A72-A71C-DCC7BC3259CA}" type="datetimeFigureOut">
               <a:rPr lang="en-GB" smtClean="0"/>
-              <a:t>29/06/2020</a:t>
+              <a:t>30/06/2020</a:t>
             </a:fld>
             <a:endParaRPr lang="en-GB"/>
           </a:p>
@@ -14288,7 +14887,7 @@
           <a:p>
             <a:fld id="{DA5AD436-A087-4A72-A71C-DCC7BC3259CA}" type="datetimeFigureOut">
               <a:rPr lang="en-GB" smtClean="0"/>
-              <a:t>29/06/2020</a:t>
+              <a:t>30/06/2020</a:t>
             </a:fld>
             <a:endParaRPr lang="en-GB"/>
           </a:p>
@@ -14458,7 +15057,7 @@
           <a:p>
             <a:fld id="{DA5AD436-A087-4A72-A71C-DCC7BC3259CA}" type="datetimeFigureOut">
               <a:rPr lang="en-GB" smtClean="0"/>
-              <a:t>29/06/2020</a:t>
+              <a:t>30/06/2020</a:t>
             </a:fld>
             <a:endParaRPr lang="en-GB"/>
           </a:p>
@@ -14705,7 +15304,7 @@
           <a:p>
             <a:fld id="{DA5AD436-A087-4A72-A71C-DCC7BC3259CA}" type="datetimeFigureOut">
               <a:rPr lang="en-GB" smtClean="0"/>
-              <a:t>29/06/2020</a:t>
+              <a:t>30/06/2020</a:t>
             </a:fld>
             <a:endParaRPr lang="en-GB"/>
           </a:p>
@@ -14997,7 +15596,7 @@
           <a:p>
             <a:fld id="{DA5AD436-A087-4A72-A71C-DCC7BC3259CA}" type="datetimeFigureOut">
               <a:rPr lang="en-GB" smtClean="0"/>
-              <a:t>29/06/2020</a:t>
+              <a:t>30/06/2020</a:t>
             </a:fld>
             <a:endParaRPr lang="en-GB"/>
           </a:p>
@@ -15441,7 +16040,7 @@
           <a:p>
             <a:fld id="{DA5AD436-A087-4A72-A71C-DCC7BC3259CA}" type="datetimeFigureOut">
               <a:rPr lang="en-GB" smtClean="0"/>
-              <a:t>29/06/2020</a:t>
+              <a:t>30/06/2020</a:t>
             </a:fld>
             <a:endParaRPr lang="en-GB"/>
           </a:p>
@@ -15559,7 +16158,7 @@
           <a:p>
             <a:fld id="{DA5AD436-A087-4A72-A71C-DCC7BC3259CA}" type="datetimeFigureOut">
               <a:rPr lang="en-GB" smtClean="0"/>
-              <a:t>29/06/2020</a:t>
+              <a:t>30/06/2020</a:t>
             </a:fld>
             <a:endParaRPr lang="en-GB"/>
           </a:p>
@@ -15654,7 +16253,7 @@
           <a:p>
             <a:fld id="{DA5AD436-A087-4A72-A71C-DCC7BC3259CA}" type="datetimeFigureOut">
               <a:rPr lang="en-GB" smtClean="0"/>
-              <a:t>29/06/2020</a:t>
+              <a:t>30/06/2020</a:t>
             </a:fld>
             <a:endParaRPr lang="en-GB"/>
           </a:p>
@@ -15933,7 +16532,7 @@
           <a:p>
             <a:fld id="{DA5AD436-A087-4A72-A71C-DCC7BC3259CA}" type="datetimeFigureOut">
               <a:rPr lang="en-GB" smtClean="0"/>
-              <a:t>29/06/2020</a:t>
+              <a:t>30/06/2020</a:t>
             </a:fld>
             <a:endParaRPr lang="en-GB"/>
           </a:p>
@@ -16208,7 +16807,7 @@
           <a:p>
             <a:fld id="{DA5AD436-A087-4A72-A71C-DCC7BC3259CA}" type="datetimeFigureOut">
               <a:rPr lang="en-GB" smtClean="0"/>
-              <a:t>29/06/2020</a:t>
+              <a:t>30/06/2020</a:t>
             </a:fld>
             <a:endParaRPr lang="en-GB"/>
           </a:p>
@@ -16637,7 +17236,7 @@
           <a:p>
             <a:fld id="{DA5AD436-A087-4A72-A71C-DCC7BC3259CA}" type="datetimeFigureOut">
               <a:rPr lang="en-GB" smtClean="0"/>
-              <a:t>29/06/2020</a:t>
+              <a:t>30/06/2020</a:t>
             </a:fld>
             <a:endParaRPr lang="en-GB"/>
           </a:p>
@@ -17738,7 +18337,7 @@
           <p:nvPr/>
         </p:nvPicPr>
         <p:blipFill>
-          <a:blip r:embed="rId2"/>
+          <a:blip r:embed="rId3"/>
           <a:stretch>
             <a:fillRect/>
           </a:stretch>
@@ -17825,13 +18424,13 @@
           <p:nvPr/>
         </p:nvPicPr>
         <p:blipFill>
-          <a:blip r:embed="rId3">
+          <a:blip r:embed="rId4">
             <a:extLst>
               <a:ext uri="{28A0092B-C50C-407E-A947-70E740481C1C}">
                 <a14:useLocalDpi xmlns:a14="http://schemas.microsoft.com/office/drawing/2010/main" val="0"/>
               </a:ext>
               <a:ext uri="{96DAC541-7B7A-43D3-8B79-37D633B846F1}">
-                <asvg:svgBlip xmlns:asvg="http://schemas.microsoft.com/office/drawing/2016/SVG/main" r:embed="rId4"/>
+                <asvg:svgBlip xmlns:asvg="http://schemas.microsoft.com/office/drawing/2016/SVG/main" r:embed="rId5"/>
               </a:ext>
             </a:extLst>
           </a:blip>
@@ -33473,7 +34072,7 @@
             <a:pPr algn="ctr"/>
             <a:r>
               <a:rPr lang="en-GB" sz="2400" dirty="0"/>
-              <a:t>Although unable to soundly conclude the biological implications of the observed changes, this study can still be used to target future research towards the identification of preventative strategies for T2D</a:t>
+              <a:t>Although unable to conclude the concrete biological implications of the observed changes, this study can still be used to target future research towards the identification of preventative strategies for T2D</a:t>
             </a:r>
           </a:p>
         </p:txBody>
@@ -34018,6 +34617,70 @@
       </p:grpSpPr>
       <p:sp>
         <p:nvSpPr>
+          <p:cNvPr id="9" name="Title 8">
+            <a:extLst>
+              <a:ext uri="{FF2B5EF4-FFF2-40B4-BE49-F238E27FC236}">
+                <a16:creationId xmlns:a16="http://schemas.microsoft.com/office/drawing/2014/main" id="{75E747AE-BDDD-4570-BA19-3EA01022BE89}"/>
+              </a:ext>
+            </a:extLst>
+          </p:cNvPr>
+          <p:cNvSpPr>
+            <a:spLocks noGrp="1"/>
+          </p:cNvSpPr>
+          <p:nvPr>
+            <p:ph type="title"/>
+          </p:nvPr>
+        </p:nvSpPr>
+        <p:spPr>
+          <a:xfrm>
+            <a:off x="3463584" y="2681087"/>
+            <a:ext cx="5264831" cy="1495825"/>
+          </a:xfrm>
+        </p:spPr>
+        <p:txBody>
+          <a:bodyPr anchor="ctr"/>
+          <a:lstStyle/>
+          <a:p>
+            <a:pPr algn="ctr"/>
+            <a:r>
+              <a:rPr lang="en-GB" sz="4800" dirty="0"/>
+              <a:t>Questions?</a:t>
+            </a:r>
+          </a:p>
+        </p:txBody>
+      </p:sp>
+    </p:spTree>
+    <p:extLst>
+      <p:ext uri="{BB962C8B-B14F-4D97-AF65-F5344CB8AC3E}">
+        <p14:creationId xmlns:p14="http://schemas.microsoft.com/office/powerpoint/2010/main" val="3890157553"/>
+      </p:ext>
+    </p:extLst>
+  </p:cSld>
+  <p:clrMapOvr>
+    <a:masterClrMapping/>
+  </p:clrMapOvr>
+</p:sld>
+</file>
+
+<file path=ppt/slides/slide24.xml><?xml version="1.0" encoding="utf-8"?>
+<p:sld xmlns:a="http://schemas.openxmlformats.org/drawingml/2006/main" xmlns:r="http://schemas.openxmlformats.org/officeDocument/2006/relationships" xmlns:p="http://schemas.openxmlformats.org/presentationml/2006/main">
+  <p:cSld>
+    <p:spTree>
+      <p:nvGrpSpPr>
+        <p:cNvPr id="1" name=""/>
+        <p:cNvGrpSpPr/>
+        <p:nvPr/>
+      </p:nvGrpSpPr>
+      <p:grpSpPr>
+        <a:xfrm>
+          <a:off x="0" y="0"/>
+          <a:ext cx="0" cy="0"/>
+          <a:chOff x="0" y="0"/>
+          <a:chExt cx="0" cy="0"/>
+        </a:xfrm>
+      </p:grpSpPr>
+      <p:sp>
+        <p:nvSpPr>
           <p:cNvPr id="7" name="Title 1">
             <a:extLst>
               <a:ext uri="{FF2B5EF4-FFF2-40B4-BE49-F238E27FC236}">
@@ -34478,7 +35141,7 @@
 </p:sld>
 </file>
 
-<file path=ppt/slides/slide24.xml><?xml version="1.0" encoding="utf-8"?>
+<file path=ppt/slides/slide25.xml><?xml version="1.0" encoding="utf-8"?>
 <p:sld xmlns:a="http://schemas.openxmlformats.org/drawingml/2006/main" xmlns:r="http://schemas.openxmlformats.org/officeDocument/2006/relationships" xmlns:p="http://schemas.openxmlformats.org/presentationml/2006/main">
   <p:cSld>
     <p:spTree>
@@ -35826,7 +36489,7 @@
 </p:sld>
 </file>
 
-<file path=ppt/slides/slide25.xml><?xml version="1.0" encoding="utf-8"?>
+<file path=ppt/slides/slide26.xml><?xml version="1.0" encoding="utf-8"?>
 <p:sld xmlns:a="http://schemas.openxmlformats.org/drawingml/2006/main" xmlns:r="http://schemas.openxmlformats.org/officeDocument/2006/relationships" xmlns:p="http://schemas.openxmlformats.org/presentationml/2006/main">
   <p:cSld>
     <p:spTree>
@@ -37243,7 +37906,7 @@
 </p:sld>
 </file>
 
-<file path=ppt/slides/slide26.xml><?xml version="1.0" encoding="utf-8"?>
+<file path=ppt/slides/slide27.xml><?xml version="1.0" encoding="utf-8"?>
 <p:sld xmlns:a="http://schemas.openxmlformats.org/drawingml/2006/main" xmlns:r="http://schemas.openxmlformats.org/officeDocument/2006/relationships" xmlns:p="http://schemas.openxmlformats.org/presentationml/2006/main">
   <p:cSld>
     <p:spTree>
@@ -39779,7 +40442,7 @@
 </p:sld>
 </file>
 
-<file path=ppt/slides/slide27.xml><?xml version="1.0" encoding="utf-8"?>
+<file path=ppt/slides/slide28.xml><?xml version="1.0" encoding="utf-8"?>
 <p:sld xmlns:a="http://schemas.openxmlformats.org/drawingml/2006/main" xmlns:r="http://schemas.openxmlformats.org/officeDocument/2006/relationships" xmlns:p="http://schemas.openxmlformats.org/presentationml/2006/main">
   <p:cSld>
     <p:spTree>
@@ -39927,7 +40590,7 @@
 </p:sld>
 </file>
 
-<file path=ppt/slides/slide28.xml><?xml version="1.0" encoding="utf-8"?>
+<file path=ppt/slides/slide29.xml><?xml version="1.0" encoding="utf-8"?>
 <p:sld xmlns:a="http://schemas.openxmlformats.org/drawingml/2006/main" xmlns:r="http://schemas.openxmlformats.org/officeDocument/2006/relationships" xmlns:p="http://schemas.openxmlformats.org/presentationml/2006/main" show="0">
   <p:cSld>
     <p:spTree>
@@ -40171,254 +40834,6 @@
     <p:extLst>
       <p:ext uri="{BB962C8B-B14F-4D97-AF65-F5344CB8AC3E}">
         <p14:creationId xmlns:p14="http://schemas.microsoft.com/office/powerpoint/2010/main" val="100993775"/>
-      </p:ext>
-    </p:extLst>
-  </p:cSld>
-  <p:clrMapOvr>
-    <a:masterClrMapping/>
-  </p:clrMapOvr>
-</p:sld>
-</file>
-
-<file path=ppt/slides/slide29.xml><?xml version="1.0" encoding="utf-8"?>
-<p:sld xmlns:a="http://schemas.openxmlformats.org/drawingml/2006/main" xmlns:r="http://schemas.openxmlformats.org/officeDocument/2006/relationships" xmlns:p="http://schemas.openxmlformats.org/presentationml/2006/main" show="0">
-  <p:cSld>
-    <p:spTree>
-      <p:nvGrpSpPr>
-        <p:cNvPr id="1" name=""/>
-        <p:cNvGrpSpPr/>
-        <p:nvPr/>
-      </p:nvGrpSpPr>
-      <p:grpSpPr>
-        <a:xfrm>
-          <a:off x="0" y="0"/>
-          <a:ext cx="0" cy="0"/>
-          <a:chOff x="0" y="0"/>
-          <a:chExt cx="0" cy="0"/>
-        </a:xfrm>
-      </p:grpSpPr>
-      <p:sp>
-        <p:nvSpPr>
-          <p:cNvPr id="7" name="Title 1">
-            <a:extLst>
-              <a:ext uri="{FF2B5EF4-FFF2-40B4-BE49-F238E27FC236}">
-                <a16:creationId xmlns:a16="http://schemas.microsoft.com/office/drawing/2014/main" id="{894F5E17-16CC-4DD2-86BC-93A4E7658A0B}"/>
-              </a:ext>
-            </a:extLst>
-          </p:cNvPr>
-          <p:cNvSpPr>
-            <a:spLocks noGrp="1"/>
-          </p:cNvSpPr>
-          <p:nvPr>
-            <p:ph type="title"/>
-          </p:nvPr>
-        </p:nvSpPr>
-        <p:spPr/>
-        <p:txBody>
-          <a:bodyPr/>
-          <a:lstStyle/>
-          <a:p>
-            <a:pPr>
-              <a:lnSpc>
-                <a:spcPts val="5200"/>
-              </a:lnSpc>
-              <a:spcAft>
-                <a:spcPts val="6000"/>
-              </a:spcAft>
-            </a:pPr>
-            <a:r>
-              <a:rPr lang="en-GB" sz="3700" dirty="0"/>
-              <a:t>References</a:t>
-            </a:r>
-            <a:endParaRPr lang="en-GB" sz="3200" dirty="0"/>
-          </a:p>
-        </p:txBody>
-      </p:sp>
-      <p:sp>
-        <p:nvSpPr>
-          <p:cNvPr id="2" name="Text Placeholder 1">
-            <a:extLst>
-              <a:ext uri="{FF2B5EF4-FFF2-40B4-BE49-F238E27FC236}">
-                <a16:creationId xmlns:a16="http://schemas.microsoft.com/office/drawing/2014/main" id="{E478C2A4-D0E8-418F-8551-91F0F80690CE}"/>
-              </a:ext>
-            </a:extLst>
-          </p:cNvPr>
-          <p:cNvSpPr>
-            <a:spLocks noGrp="1"/>
-          </p:cNvSpPr>
-          <p:nvPr>
-            <p:ph idx="1"/>
-          </p:nvPr>
-        </p:nvSpPr>
-        <p:spPr/>
-        <p:txBody>
-          <a:bodyPr>
-            <a:normAutofit/>
-          </a:bodyPr>
-          <a:lstStyle/>
-          <a:p>
-            <a:pPr>
-              <a:buFont typeface="+mj-lt"/>
-              <a:buAutoNum type="arabicPeriod"/>
-            </a:pPr>
-            <a:r>
-              <a:rPr lang="en-GB" sz="1300" dirty="0"/>
-              <a:t>International Diabetes Federation. </a:t>
-            </a:r>
-            <a:r>
-              <a:rPr lang="en-GB" sz="1300" i="1" dirty="0"/>
-              <a:t>IDF Diabetes Atlas, 9th </a:t>
-            </a:r>
-            <a:r>
-              <a:rPr lang="en-GB" sz="1300" i="1" dirty="0" err="1"/>
-              <a:t>edn</a:t>
-            </a:r>
-            <a:r>
-              <a:rPr lang="en-GB" sz="1300" i="1" dirty="0"/>
-              <a:t>.</a:t>
-            </a:r>
-            <a:r>
-              <a:rPr lang="en-GB" sz="1300" dirty="0"/>
-              <a:t> Brussels, Belgium: 2019. Available at: </a:t>
-            </a:r>
-            <a:r>
-              <a:rPr lang="en-GB" sz="1300" dirty="0">
-                <a:hlinkClick r:id="rId2"/>
-              </a:rPr>
-              <a:t>https://www.diabetesatlas.org</a:t>
-            </a:r>
-            <a:endParaRPr lang="en-GB" sz="1300" dirty="0"/>
-          </a:p>
-          <a:p>
-            <a:pPr>
-              <a:buFont typeface="+mj-lt"/>
-              <a:buAutoNum type="arabicPeriod"/>
-            </a:pPr>
-            <a:r>
-              <a:rPr lang="en-GB" sz="1300" dirty="0"/>
-              <a:t>American Diabetes Association. 2. Classification and diagnosis of diabetes: standards of medical care in diabetes—2019. Diabetes Care. 2019 Jan 1;42(Supplement 1):S13-28</a:t>
-            </a:r>
-          </a:p>
-          <a:p>
-            <a:pPr>
-              <a:buFont typeface="+mj-lt"/>
-              <a:buAutoNum type="arabicPeriod"/>
-            </a:pPr>
-            <a:r>
-              <a:rPr lang="en-GB" sz="1300" dirty="0" err="1"/>
-              <a:t>Saisho</a:t>
-            </a:r>
-            <a:r>
-              <a:rPr lang="en-GB" sz="1300" dirty="0"/>
-              <a:t> Y. How Can We Develop More Effective Strategies for Type 2 Diabetes Mellitus Prevention? A Paradigm Shift from a Glucose-Centric to a Beta Cell-Centric Concept of Diabetes. DIABETES. 2018 Nov.</a:t>
-            </a:r>
-          </a:p>
-          <a:p>
-            <a:pPr>
-              <a:buFont typeface="+mj-lt"/>
-              <a:buAutoNum type="arabicPeriod"/>
-            </a:pPr>
-            <a:r>
-              <a:rPr lang="en-GB" sz="1300" dirty="0"/>
-              <a:t>Integrative HM. The Integrative Human Microbiome Project: dynamic analysis of microbiome-host omics profiles during periods of human health and disease. Cell host &amp; microbe. 2014 Sep 10;16(3):276.</a:t>
-            </a:r>
-          </a:p>
-        </p:txBody>
-      </p:sp>
-      <p:sp>
-        <p:nvSpPr>
-          <p:cNvPr id="4" name="TextBox 3">
-            <a:extLst>
-              <a:ext uri="{FF2B5EF4-FFF2-40B4-BE49-F238E27FC236}">
-                <a16:creationId xmlns:a16="http://schemas.microsoft.com/office/drawing/2014/main" id="{B27E1510-8701-4F5C-B220-17A2DDB4F0AD}"/>
-              </a:ext>
-            </a:extLst>
-          </p:cNvPr>
-          <p:cNvSpPr txBox="1"/>
-          <p:nvPr/>
-        </p:nvSpPr>
-        <p:spPr>
-          <a:xfrm>
-            <a:off x="10510347" y="551452"/>
-            <a:ext cx="534661" cy="461665"/>
-          </a:xfrm>
-          <a:prstGeom prst="rect">
-            <a:avLst/>
-          </a:prstGeom>
-          <a:noFill/>
-        </p:spPr>
-        <p:txBody>
-          <a:bodyPr wrap="square" rtlCol="0">
-            <a:spAutoFit/>
-          </a:bodyPr>
-          <a:lstStyle/>
-          <a:p>
-            <a:r>
-              <a:rPr lang="en-GB" sz="2400" b="1" dirty="0">
-                <a:latin typeface="Arial" panose="020B0604020202020204" pitchFamily="34" charset="0"/>
-                <a:cs typeface="Arial" panose="020B0604020202020204" pitchFamily="34" charset="0"/>
-              </a:rPr>
-              <a:t>23</a:t>
-            </a:r>
-          </a:p>
-        </p:txBody>
-      </p:sp>
-      <p:sp>
-        <p:nvSpPr>
-          <p:cNvPr id="5" name="Oval 4">
-            <a:extLst>
-              <a:ext uri="{FF2B5EF4-FFF2-40B4-BE49-F238E27FC236}">
-                <a16:creationId xmlns:a16="http://schemas.microsoft.com/office/drawing/2014/main" id="{802EE1A7-2915-4650-9065-B6DC60FAC9A7}"/>
-              </a:ext>
-            </a:extLst>
-          </p:cNvPr>
-          <p:cNvSpPr/>
-          <p:nvPr/>
-        </p:nvSpPr>
-        <p:spPr>
-          <a:xfrm>
-            <a:off x="10488426" y="488805"/>
-            <a:ext cx="578504" cy="586960"/>
-          </a:xfrm>
-          <a:prstGeom prst="ellipse">
-            <a:avLst/>
-          </a:prstGeom>
-          <a:noFill/>
-          <a:ln w="38100">
-            <a:solidFill>
-              <a:schemeClr val="tx1"/>
-            </a:solidFill>
-          </a:ln>
-        </p:spPr>
-        <p:style>
-          <a:lnRef idx="2">
-            <a:schemeClr val="accent1">
-              <a:shade val="50000"/>
-            </a:schemeClr>
-          </a:lnRef>
-          <a:fillRef idx="1">
-            <a:schemeClr val="accent1"/>
-          </a:fillRef>
-          <a:effectRef idx="0">
-            <a:schemeClr val="accent1"/>
-          </a:effectRef>
-          <a:fontRef idx="minor">
-            <a:schemeClr val="lt1"/>
-          </a:fontRef>
-        </p:style>
-        <p:txBody>
-          <a:bodyPr rtlCol="0" anchor="ctr"/>
-          <a:lstStyle/>
-          <a:p>
-            <a:pPr algn="ctr"/>
-            <a:endParaRPr lang="en-GB"/>
-          </a:p>
-        </p:txBody>
-      </p:sp>
-    </p:spTree>
-    <p:extLst>
-      <p:ext uri="{BB962C8B-B14F-4D97-AF65-F5344CB8AC3E}">
-        <p14:creationId xmlns:p14="http://schemas.microsoft.com/office/powerpoint/2010/main" val="3685867582"/>
       </p:ext>
     </p:extLst>
   </p:cSld>
@@ -42349,6 +42764,254 @@
 </p:sld>
 </file>
 
+<file path=ppt/slides/slide30.xml><?xml version="1.0" encoding="utf-8"?>
+<p:sld xmlns:a="http://schemas.openxmlformats.org/drawingml/2006/main" xmlns:r="http://schemas.openxmlformats.org/officeDocument/2006/relationships" xmlns:p="http://schemas.openxmlformats.org/presentationml/2006/main" show="0">
+  <p:cSld>
+    <p:spTree>
+      <p:nvGrpSpPr>
+        <p:cNvPr id="1" name=""/>
+        <p:cNvGrpSpPr/>
+        <p:nvPr/>
+      </p:nvGrpSpPr>
+      <p:grpSpPr>
+        <a:xfrm>
+          <a:off x="0" y="0"/>
+          <a:ext cx="0" cy="0"/>
+          <a:chOff x="0" y="0"/>
+          <a:chExt cx="0" cy="0"/>
+        </a:xfrm>
+      </p:grpSpPr>
+      <p:sp>
+        <p:nvSpPr>
+          <p:cNvPr id="7" name="Title 1">
+            <a:extLst>
+              <a:ext uri="{FF2B5EF4-FFF2-40B4-BE49-F238E27FC236}">
+                <a16:creationId xmlns:a16="http://schemas.microsoft.com/office/drawing/2014/main" id="{894F5E17-16CC-4DD2-86BC-93A4E7658A0B}"/>
+              </a:ext>
+            </a:extLst>
+          </p:cNvPr>
+          <p:cNvSpPr>
+            <a:spLocks noGrp="1"/>
+          </p:cNvSpPr>
+          <p:nvPr>
+            <p:ph type="title"/>
+          </p:nvPr>
+        </p:nvSpPr>
+        <p:spPr/>
+        <p:txBody>
+          <a:bodyPr/>
+          <a:lstStyle/>
+          <a:p>
+            <a:pPr>
+              <a:lnSpc>
+                <a:spcPts val="5200"/>
+              </a:lnSpc>
+              <a:spcAft>
+                <a:spcPts val="6000"/>
+              </a:spcAft>
+            </a:pPr>
+            <a:r>
+              <a:rPr lang="en-GB" sz="3700" dirty="0"/>
+              <a:t>References</a:t>
+            </a:r>
+            <a:endParaRPr lang="en-GB" sz="3200" dirty="0"/>
+          </a:p>
+        </p:txBody>
+      </p:sp>
+      <p:sp>
+        <p:nvSpPr>
+          <p:cNvPr id="2" name="Text Placeholder 1">
+            <a:extLst>
+              <a:ext uri="{FF2B5EF4-FFF2-40B4-BE49-F238E27FC236}">
+                <a16:creationId xmlns:a16="http://schemas.microsoft.com/office/drawing/2014/main" id="{E478C2A4-D0E8-418F-8551-91F0F80690CE}"/>
+              </a:ext>
+            </a:extLst>
+          </p:cNvPr>
+          <p:cNvSpPr>
+            <a:spLocks noGrp="1"/>
+          </p:cNvSpPr>
+          <p:nvPr>
+            <p:ph idx="1"/>
+          </p:nvPr>
+        </p:nvSpPr>
+        <p:spPr/>
+        <p:txBody>
+          <a:bodyPr>
+            <a:normAutofit/>
+          </a:bodyPr>
+          <a:lstStyle/>
+          <a:p>
+            <a:pPr>
+              <a:buFont typeface="+mj-lt"/>
+              <a:buAutoNum type="arabicPeriod"/>
+            </a:pPr>
+            <a:r>
+              <a:rPr lang="en-GB" sz="1300" dirty="0"/>
+              <a:t>International Diabetes Federation. </a:t>
+            </a:r>
+            <a:r>
+              <a:rPr lang="en-GB" sz="1300" i="1" dirty="0"/>
+              <a:t>IDF Diabetes Atlas, 9th </a:t>
+            </a:r>
+            <a:r>
+              <a:rPr lang="en-GB" sz="1300" i="1" dirty="0" err="1"/>
+              <a:t>edn</a:t>
+            </a:r>
+            <a:r>
+              <a:rPr lang="en-GB" sz="1300" i="1" dirty="0"/>
+              <a:t>.</a:t>
+            </a:r>
+            <a:r>
+              <a:rPr lang="en-GB" sz="1300" dirty="0"/>
+              <a:t> Brussels, Belgium: 2019. Available at: </a:t>
+            </a:r>
+            <a:r>
+              <a:rPr lang="en-GB" sz="1300" dirty="0">
+                <a:hlinkClick r:id="rId2"/>
+              </a:rPr>
+              <a:t>https://www.diabetesatlas.org</a:t>
+            </a:r>
+            <a:endParaRPr lang="en-GB" sz="1300" dirty="0"/>
+          </a:p>
+          <a:p>
+            <a:pPr>
+              <a:buFont typeface="+mj-lt"/>
+              <a:buAutoNum type="arabicPeriod"/>
+            </a:pPr>
+            <a:r>
+              <a:rPr lang="en-GB" sz="1300" dirty="0"/>
+              <a:t>American Diabetes Association. 2. Classification and diagnosis of diabetes: standards of medical care in diabetes—2019. Diabetes Care. 2019 Jan 1;42(Supplement 1):S13-28</a:t>
+            </a:r>
+          </a:p>
+          <a:p>
+            <a:pPr>
+              <a:buFont typeface="+mj-lt"/>
+              <a:buAutoNum type="arabicPeriod"/>
+            </a:pPr>
+            <a:r>
+              <a:rPr lang="en-GB" sz="1300" dirty="0" err="1"/>
+              <a:t>Saisho</a:t>
+            </a:r>
+            <a:r>
+              <a:rPr lang="en-GB" sz="1300" dirty="0"/>
+              <a:t> Y. How Can We Develop More Effective Strategies for Type 2 Diabetes Mellitus Prevention? A Paradigm Shift from a Glucose-Centric to a Beta Cell-Centric Concept of Diabetes. DIABETES. 2018 Nov.</a:t>
+            </a:r>
+          </a:p>
+          <a:p>
+            <a:pPr>
+              <a:buFont typeface="+mj-lt"/>
+              <a:buAutoNum type="arabicPeriod"/>
+            </a:pPr>
+            <a:r>
+              <a:rPr lang="en-GB" sz="1300" dirty="0"/>
+              <a:t>Integrative HM. The Integrative Human Microbiome Project: dynamic analysis of microbiome-host omics profiles during periods of human health and disease. Cell host &amp; microbe. 2014 Sep 10;16(3):276.</a:t>
+            </a:r>
+          </a:p>
+        </p:txBody>
+      </p:sp>
+      <p:sp>
+        <p:nvSpPr>
+          <p:cNvPr id="4" name="TextBox 3">
+            <a:extLst>
+              <a:ext uri="{FF2B5EF4-FFF2-40B4-BE49-F238E27FC236}">
+                <a16:creationId xmlns:a16="http://schemas.microsoft.com/office/drawing/2014/main" id="{B27E1510-8701-4F5C-B220-17A2DDB4F0AD}"/>
+              </a:ext>
+            </a:extLst>
+          </p:cNvPr>
+          <p:cNvSpPr txBox="1"/>
+          <p:nvPr/>
+        </p:nvSpPr>
+        <p:spPr>
+          <a:xfrm>
+            <a:off x="10510347" y="551452"/>
+            <a:ext cx="534661" cy="461665"/>
+          </a:xfrm>
+          <a:prstGeom prst="rect">
+            <a:avLst/>
+          </a:prstGeom>
+          <a:noFill/>
+        </p:spPr>
+        <p:txBody>
+          <a:bodyPr wrap="square" rtlCol="0">
+            <a:spAutoFit/>
+          </a:bodyPr>
+          <a:lstStyle/>
+          <a:p>
+            <a:r>
+              <a:rPr lang="en-GB" sz="2400" b="1" dirty="0">
+                <a:latin typeface="Arial" panose="020B0604020202020204" pitchFamily="34" charset="0"/>
+                <a:cs typeface="Arial" panose="020B0604020202020204" pitchFamily="34" charset="0"/>
+              </a:rPr>
+              <a:t>23</a:t>
+            </a:r>
+          </a:p>
+        </p:txBody>
+      </p:sp>
+      <p:sp>
+        <p:nvSpPr>
+          <p:cNvPr id="5" name="Oval 4">
+            <a:extLst>
+              <a:ext uri="{FF2B5EF4-FFF2-40B4-BE49-F238E27FC236}">
+                <a16:creationId xmlns:a16="http://schemas.microsoft.com/office/drawing/2014/main" id="{802EE1A7-2915-4650-9065-B6DC60FAC9A7}"/>
+              </a:ext>
+            </a:extLst>
+          </p:cNvPr>
+          <p:cNvSpPr/>
+          <p:nvPr/>
+        </p:nvSpPr>
+        <p:spPr>
+          <a:xfrm>
+            <a:off x="10488426" y="488805"/>
+            <a:ext cx="578504" cy="586960"/>
+          </a:xfrm>
+          <a:prstGeom prst="ellipse">
+            <a:avLst/>
+          </a:prstGeom>
+          <a:noFill/>
+          <a:ln w="38100">
+            <a:solidFill>
+              <a:schemeClr val="tx1"/>
+            </a:solidFill>
+          </a:ln>
+        </p:spPr>
+        <p:style>
+          <a:lnRef idx="2">
+            <a:schemeClr val="accent1">
+              <a:shade val="50000"/>
+            </a:schemeClr>
+          </a:lnRef>
+          <a:fillRef idx="1">
+            <a:schemeClr val="accent1"/>
+          </a:fillRef>
+          <a:effectRef idx="0">
+            <a:schemeClr val="accent1"/>
+          </a:effectRef>
+          <a:fontRef idx="minor">
+            <a:schemeClr val="lt1"/>
+          </a:fontRef>
+        </p:style>
+        <p:txBody>
+          <a:bodyPr rtlCol="0" anchor="ctr"/>
+          <a:lstStyle/>
+          <a:p>
+            <a:pPr algn="ctr"/>
+            <a:endParaRPr lang="en-GB"/>
+          </a:p>
+        </p:txBody>
+      </p:sp>
+    </p:spTree>
+    <p:extLst>
+      <p:ext uri="{BB962C8B-B14F-4D97-AF65-F5344CB8AC3E}">
+        <p14:creationId xmlns:p14="http://schemas.microsoft.com/office/powerpoint/2010/main" val="3685867582"/>
+      </p:ext>
+    </p:extLst>
+  </p:cSld>
+  <p:clrMapOvr>
+    <a:masterClrMapping/>
+  </p:clrMapOvr>
+</p:sld>
+</file>
+
 <file path=ppt/slides/slide4.xml><?xml version="1.0" encoding="utf-8"?>
 <p:sld xmlns:a="http://schemas.openxmlformats.org/drawingml/2006/main" xmlns:r="http://schemas.openxmlformats.org/officeDocument/2006/relationships" xmlns:p="http://schemas.openxmlformats.org/presentationml/2006/main">
   <p:cSld>
@@ -42717,7 +43380,7 @@
           <p:nvPr/>
         </p:nvPicPr>
         <p:blipFill>
-          <a:blip r:embed="rId2">
+          <a:blip r:embed="rId3">
             <a:extLst>
               <a:ext uri="{28A0092B-C50C-407E-A947-70E740481C1C}">
                 <a14:useLocalDpi xmlns:a14="http://schemas.microsoft.com/office/drawing/2010/main" val="0"/>
@@ -42961,13 +43624,13 @@
           <p:nvPr/>
         </p:nvPicPr>
         <p:blipFill>
-          <a:blip r:embed="rId3">
+          <a:blip r:embed="rId4">
             <a:extLst>
               <a:ext uri="{28A0092B-C50C-407E-A947-70E740481C1C}">
                 <a14:useLocalDpi xmlns:a14="http://schemas.microsoft.com/office/drawing/2010/main" val="0"/>
               </a:ext>
               <a:ext uri="{96DAC541-7B7A-43D3-8B79-37D633B846F1}">
-                <asvg:svgBlip xmlns:asvg="http://schemas.microsoft.com/office/drawing/2016/SVG/main" r:embed="rId4"/>
+                <asvg:svgBlip xmlns:asvg="http://schemas.microsoft.com/office/drawing/2016/SVG/main" r:embed="rId5"/>
               </a:ext>
             </a:extLst>
           </a:blip>
@@ -44190,6 +44853,9 @@
           <a:prstGeom prst="rect">
             <a:avLst/>
           </a:prstGeom>
+          <a:solidFill>
+            <a:schemeClr val="accent6"/>
+          </a:solidFill>
           <a:ln>
             <a:noFill/>
           </a:ln>
@@ -44243,7 +44909,7 @@
             <a:avLst/>
           </a:prstGeom>
           <a:solidFill>
-            <a:schemeClr val="accent6"/>
+            <a:schemeClr val="accent1"/>
           </a:solidFill>
           <a:ln>
             <a:noFill/>
@@ -48048,8 +48714,13 @@
           <a:p>
             <a:r>
               <a:rPr lang="en-GB" dirty="0"/>
-              <a:t>Result: p = 1.171 </a:t>
-            </a:r>
+              <a:t>Result: p </a:t>
+            </a:r>
+            <a:r>
+              <a:rPr lang="en-GB"/>
+              <a:t>= 0.171 </a:t>
+            </a:r>
+            <a:endParaRPr lang="en-GB" dirty="0"/>
           </a:p>
         </p:txBody>
       </p:sp>
